--- a/02_BrasBeta/02_BrasBeta.pptx
+++ b/02_BrasBeta/02_BrasBeta.pptx
@@ -216,7 +216,7 @@
           <a:p>
             <a:fld id="{D157349C-AD05-44FA-B790-D9BBD62C4832}" type="datetimeFigureOut">
               <a:rPr lang="fr-FR" smtClean="0"/>
-              <a:t>04/04/2023</a:t>
+              <a:t>05/04/2023</a:t>
             </a:fld>
             <a:endParaRPr lang="fr-FR"/>
           </a:p>
@@ -728,7 +728,7 @@
           <a:p>
             <a:fld id="{CCF538C2-C309-4752-87A7-D2071D6CAC7F}" type="datetime1">
               <a:rPr lang="fr-FR" smtClean="0"/>
-              <a:t>04/04/2023</a:t>
+              <a:t>05/04/2023</a:t>
             </a:fld>
             <a:endParaRPr lang="fr-FR"/>
           </a:p>
@@ -933,7 +933,7 @@
           <a:p>
             <a:fld id="{F926C4FD-C1E6-452C-A858-BFBBC7496631}" type="datetime1">
               <a:rPr lang="fr-FR" smtClean="0"/>
-              <a:t>04/04/2023</a:t>
+              <a:t>05/04/2023</a:t>
             </a:fld>
             <a:endParaRPr lang="fr-FR"/>
           </a:p>
@@ -1189,7 +1189,7 @@
           <a:p>
             <a:fld id="{CEF75A8D-5F26-4754-844B-E2D9F6FC4950}" type="datetime1">
               <a:rPr lang="fr-FR" smtClean="0"/>
-              <a:t>04/04/2023</a:t>
+              <a:t>05/04/2023</a:t>
             </a:fld>
             <a:endParaRPr lang="fr-FR"/>
           </a:p>
@@ -1363,7 +1363,7 @@
           <a:p>
             <a:fld id="{FE352A31-E2A5-4F8A-BDFE-A9BA369B67E9}" type="datetime1">
               <a:rPr lang="fr-FR" smtClean="0"/>
-              <a:t>04/04/2023</a:t>
+              <a:t>05/04/2023</a:t>
             </a:fld>
             <a:endParaRPr lang="fr-FR"/>
           </a:p>
@@ -1725,7 +1725,7 @@
           <a:p>
             <a:fld id="{F1707E18-E4F4-4E6D-951C-B01FC69E66C0}" type="datetime1">
               <a:rPr lang="fr-FR" smtClean="0"/>
-              <a:t>04/04/2023</a:t>
+              <a:t>05/04/2023</a:t>
             </a:fld>
             <a:endParaRPr lang="fr-FR"/>
           </a:p>
@@ -2000,7 +2000,7 @@
           <a:p>
             <a:fld id="{93E4B9C8-F394-498B-8C66-049FACC1ED86}" type="datetime1">
               <a:rPr lang="fr-FR" smtClean="0"/>
-              <a:t>04/04/2023</a:t>
+              <a:t>05/04/2023</a:t>
             </a:fld>
             <a:endParaRPr lang="fr-FR"/>
           </a:p>
@@ -2379,7 +2379,7 @@
           <a:p>
             <a:fld id="{35950896-C41B-455D-9FAE-80943DD0CAEF}" type="datetime1">
               <a:rPr lang="fr-FR" smtClean="0"/>
-              <a:t>04/04/2023</a:t>
+              <a:t>05/04/2023</a:t>
             </a:fld>
             <a:endParaRPr lang="fr-FR"/>
           </a:p>
@@ -2497,7 +2497,7 @@
           <a:p>
             <a:fld id="{2BE2B735-22CE-433C-8BA6-DF0B28588E1F}" type="datetime1">
               <a:rPr lang="fr-FR" smtClean="0"/>
-              <a:t>04/04/2023</a:t>
+              <a:t>05/04/2023</a:t>
             </a:fld>
             <a:endParaRPr lang="fr-FR"/>
           </a:p>
@@ -2671,7 +2671,7 @@
           <a:p>
             <a:fld id="{5B475E59-9936-4413-84C5-14169665FDED}" type="datetime1">
               <a:rPr lang="fr-FR" smtClean="0"/>
-              <a:t>04/04/2023</a:t>
+              <a:t>05/04/2023</a:t>
             </a:fld>
             <a:endParaRPr lang="fr-FR"/>
           </a:p>
@@ -3028,7 +3028,7 @@
           <a:p>
             <a:fld id="{42662320-E9E6-45B0-8B93-5727AA5FFC46}" type="datetime1">
               <a:rPr lang="fr-FR" smtClean="0"/>
-              <a:t>04/04/2023</a:t>
+              <a:t>05/04/2023</a:t>
             </a:fld>
             <a:endParaRPr lang="fr-FR"/>
           </a:p>
@@ -3413,7 +3413,7 @@
           <a:p>
             <a:fld id="{9A545382-D50F-43E8-AFFD-788FD552C87C}" type="datetime1">
               <a:rPr lang="fr-FR" smtClean="0"/>
-              <a:t>04/04/2023</a:t>
+              <a:t>05/04/2023</a:t>
             </a:fld>
             <a:endParaRPr lang="fr-FR"/>
           </a:p>
@@ -3703,7 +3703,7 @@
           <a:p>
             <a:fld id="{4F030BD8-D1C7-406A-AB04-4944ABBF0A3E}" type="datetime1">
               <a:rPr lang="fr-FR" smtClean="0"/>
-              <a:t>04/04/2023</a:t>
+              <a:t>05/04/2023</a:t>
             </a:fld>
             <a:endParaRPr lang="fr-FR" dirty="0"/>
           </a:p>
@@ -4990,9 +4990,10 @@
           <a:lstStyle/>
           <a:p>
             <a:r>
-              <a:rPr lang="fr-FR" dirty="0"/>
-              <a:t>Axe Rotation</a:t>
+              <a:rPr lang="fr-FR"/>
+              <a:t>Axe de Rotation</a:t>
             </a:r>
+            <a:endParaRPr lang="fr-FR" dirty="0"/>
           </a:p>
         </p:txBody>
       </p:sp>

--- a/02_BrasBeta/02_BrasBeta.pptx
+++ b/02_BrasBeta/02_BrasBeta.pptx
@@ -8141,6 +8141,315 @@
           </p:spPr>
         </p:pic>
       </p:grpSp>
+      <p:grpSp>
+        <p:nvGrpSpPr>
+          <p:cNvPr id="69" name="Groupe 68">
+            <a:extLst>
+              <a:ext uri="{FF2B5EF4-FFF2-40B4-BE49-F238E27FC236}">
+                <a16:creationId xmlns:a16="http://schemas.microsoft.com/office/drawing/2014/main" id="{B5690D94-4D3A-7894-7C1B-5104F70D8742}"/>
+              </a:ext>
+            </a:extLst>
+          </p:cNvPr>
+          <p:cNvGrpSpPr/>
+          <p:nvPr/>
+        </p:nvGrpSpPr>
+        <p:grpSpPr>
+          <a:xfrm>
+            <a:off x="4256938" y="4184682"/>
+            <a:ext cx="360000" cy="360000"/>
+            <a:chOff x="5404964" y="4396133"/>
+            <a:chExt cx="1800000" cy="1800000"/>
+          </a:xfrm>
+        </p:grpSpPr>
+        <p:sp>
+          <p:nvSpPr>
+            <p:cNvPr id="70" name="Ellipse 69">
+              <a:extLst>
+                <a:ext uri="{FF2B5EF4-FFF2-40B4-BE49-F238E27FC236}">
+                  <a16:creationId xmlns:a16="http://schemas.microsoft.com/office/drawing/2014/main" id="{FBE3B01E-0E8C-2208-2962-1AAD10041A99}"/>
+                </a:ext>
+              </a:extLst>
+            </p:cNvPr>
+            <p:cNvSpPr/>
+            <p:nvPr/>
+          </p:nvSpPr>
+          <p:spPr>
+            <a:xfrm>
+              <a:off x="5404964" y="4396133"/>
+              <a:ext cx="1800000" cy="1800000"/>
+            </a:xfrm>
+            <a:prstGeom prst="ellipse">
+              <a:avLst/>
+            </a:prstGeom>
+            <a:solidFill>
+              <a:srgbClr val="00517A"/>
+            </a:solidFill>
+            <a:ln>
+              <a:noFill/>
+            </a:ln>
+          </p:spPr>
+          <p:style>
+            <a:lnRef idx="2">
+              <a:schemeClr val="accent1">
+                <a:shade val="50000"/>
+              </a:schemeClr>
+            </a:lnRef>
+            <a:fillRef idx="1">
+              <a:schemeClr val="accent1"/>
+            </a:fillRef>
+            <a:effectRef idx="0">
+              <a:schemeClr val="accent1"/>
+            </a:effectRef>
+            <a:fontRef idx="minor">
+              <a:schemeClr val="lt1"/>
+            </a:fontRef>
+          </p:style>
+          <p:txBody>
+            <a:bodyPr rtlCol="0" anchor="ctr"/>
+            <a:lstStyle/>
+            <a:p>
+              <a:pPr algn="ctr"/>
+              <a:endParaRPr lang="fr-FR"/>
+            </a:p>
+          </p:txBody>
+        </p:sp>
+        <p:pic>
+          <p:nvPicPr>
+            <p:cNvPr id="76" name="Image 75">
+              <a:extLst>
+                <a:ext uri="{FF2B5EF4-FFF2-40B4-BE49-F238E27FC236}">
+                  <a16:creationId xmlns:a16="http://schemas.microsoft.com/office/drawing/2014/main" id="{61745EB9-A148-2841-2F52-6BDA644AABE2}"/>
+                </a:ext>
+              </a:extLst>
+            </p:cNvPr>
+            <p:cNvPicPr>
+              <a:picLocks noChangeAspect="1"/>
+            </p:cNvPicPr>
+            <p:nvPr/>
+          </p:nvPicPr>
+          <p:blipFill>
+            <a:blip r:embed="rId2"/>
+            <a:stretch>
+              <a:fillRect/>
+            </a:stretch>
+          </p:blipFill>
+          <p:spPr>
+            <a:xfrm>
+              <a:off x="5543445" y="4536296"/>
+              <a:ext cx="1358232" cy="1440000"/>
+            </a:xfrm>
+            <a:prstGeom prst="rect">
+              <a:avLst/>
+            </a:prstGeom>
+          </p:spPr>
+        </p:pic>
+      </p:grpSp>
+      <p:grpSp>
+        <p:nvGrpSpPr>
+          <p:cNvPr id="80" name="Groupe 79">
+            <a:extLst>
+              <a:ext uri="{FF2B5EF4-FFF2-40B4-BE49-F238E27FC236}">
+                <a16:creationId xmlns:a16="http://schemas.microsoft.com/office/drawing/2014/main" id="{D5D76BB6-B435-E358-0806-24F2134830A2}"/>
+              </a:ext>
+            </a:extLst>
+          </p:cNvPr>
+          <p:cNvGrpSpPr/>
+          <p:nvPr/>
+        </p:nvGrpSpPr>
+        <p:grpSpPr>
+          <a:xfrm>
+            <a:off x="5722022" y="3972769"/>
+            <a:ext cx="360000" cy="360000"/>
+            <a:chOff x="5404964" y="4396133"/>
+            <a:chExt cx="1800000" cy="1800000"/>
+          </a:xfrm>
+        </p:grpSpPr>
+        <p:sp>
+          <p:nvSpPr>
+            <p:cNvPr id="81" name="Ellipse 80">
+              <a:extLst>
+                <a:ext uri="{FF2B5EF4-FFF2-40B4-BE49-F238E27FC236}">
+                  <a16:creationId xmlns:a16="http://schemas.microsoft.com/office/drawing/2014/main" id="{4B9B1203-50F8-4B9D-1119-7CA22A476CA8}"/>
+                </a:ext>
+              </a:extLst>
+            </p:cNvPr>
+            <p:cNvSpPr/>
+            <p:nvPr/>
+          </p:nvSpPr>
+          <p:spPr>
+            <a:xfrm>
+              <a:off x="5404964" y="4396133"/>
+              <a:ext cx="1800000" cy="1800000"/>
+            </a:xfrm>
+            <a:prstGeom prst="ellipse">
+              <a:avLst/>
+            </a:prstGeom>
+            <a:solidFill>
+              <a:srgbClr val="00517A"/>
+            </a:solidFill>
+            <a:ln>
+              <a:noFill/>
+            </a:ln>
+          </p:spPr>
+          <p:style>
+            <a:lnRef idx="2">
+              <a:schemeClr val="accent1">
+                <a:shade val="50000"/>
+              </a:schemeClr>
+            </a:lnRef>
+            <a:fillRef idx="1">
+              <a:schemeClr val="accent1"/>
+            </a:fillRef>
+            <a:effectRef idx="0">
+              <a:schemeClr val="accent1"/>
+            </a:effectRef>
+            <a:fontRef idx="minor">
+              <a:schemeClr val="lt1"/>
+            </a:fontRef>
+          </p:style>
+          <p:txBody>
+            <a:bodyPr rtlCol="0" anchor="ctr"/>
+            <a:lstStyle/>
+            <a:p>
+              <a:pPr algn="ctr"/>
+              <a:endParaRPr lang="fr-FR"/>
+            </a:p>
+          </p:txBody>
+        </p:sp>
+        <p:pic>
+          <p:nvPicPr>
+            <p:cNvPr id="82" name="Image 81">
+              <a:extLst>
+                <a:ext uri="{FF2B5EF4-FFF2-40B4-BE49-F238E27FC236}">
+                  <a16:creationId xmlns:a16="http://schemas.microsoft.com/office/drawing/2014/main" id="{65EC2247-F5A6-9121-CE6B-D4C8F9A359BB}"/>
+                </a:ext>
+              </a:extLst>
+            </p:cNvPr>
+            <p:cNvPicPr>
+              <a:picLocks noChangeAspect="1"/>
+            </p:cNvPicPr>
+            <p:nvPr/>
+          </p:nvPicPr>
+          <p:blipFill>
+            <a:blip r:embed="rId2"/>
+            <a:stretch>
+              <a:fillRect/>
+            </a:stretch>
+          </p:blipFill>
+          <p:spPr>
+            <a:xfrm>
+              <a:off x="5543445" y="4536296"/>
+              <a:ext cx="1358232" cy="1440000"/>
+            </a:xfrm>
+            <a:prstGeom prst="rect">
+              <a:avLst/>
+            </a:prstGeom>
+          </p:spPr>
+        </p:pic>
+      </p:grpSp>
+      <p:grpSp>
+        <p:nvGrpSpPr>
+          <p:cNvPr id="83" name="Groupe 82">
+            <a:extLst>
+              <a:ext uri="{FF2B5EF4-FFF2-40B4-BE49-F238E27FC236}">
+                <a16:creationId xmlns:a16="http://schemas.microsoft.com/office/drawing/2014/main" id="{5B53FAF9-88DB-639B-C35E-462FF51ED68D}"/>
+              </a:ext>
+            </a:extLst>
+          </p:cNvPr>
+          <p:cNvGrpSpPr/>
+          <p:nvPr/>
+        </p:nvGrpSpPr>
+        <p:grpSpPr>
+          <a:xfrm>
+            <a:off x="7012093" y="3960992"/>
+            <a:ext cx="360000" cy="360000"/>
+            <a:chOff x="5404964" y="4396133"/>
+            <a:chExt cx="1800000" cy="1800000"/>
+          </a:xfrm>
+        </p:grpSpPr>
+        <p:sp>
+          <p:nvSpPr>
+            <p:cNvPr id="84" name="Ellipse 83">
+              <a:extLst>
+                <a:ext uri="{FF2B5EF4-FFF2-40B4-BE49-F238E27FC236}">
+                  <a16:creationId xmlns:a16="http://schemas.microsoft.com/office/drawing/2014/main" id="{CBEB9AAE-220A-488A-DA0A-53D06D7802BF}"/>
+                </a:ext>
+              </a:extLst>
+            </p:cNvPr>
+            <p:cNvSpPr/>
+            <p:nvPr/>
+          </p:nvSpPr>
+          <p:spPr>
+            <a:xfrm>
+              <a:off x="5404964" y="4396133"/>
+              <a:ext cx="1800000" cy="1800000"/>
+            </a:xfrm>
+            <a:prstGeom prst="ellipse">
+              <a:avLst/>
+            </a:prstGeom>
+            <a:solidFill>
+              <a:srgbClr val="00517A"/>
+            </a:solidFill>
+            <a:ln>
+              <a:noFill/>
+            </a:ln>
+          </p:spPr>
+          <p:style>
+            <a:lnRef idx="2">
+              <a:schemeClr val="accent1">
+                <a:shade val="50000"/>
+              </a:schemeClr>
+            </a:lnRef>
+            <a:fillRef idx="1">
+              <a:schemeClr val="accent1"/>
+            </a:fillRef>
+            <a:effectRef idx="0">
+              <a:schemeClr val="accent1"/>
+            </a:effectRef>
+            <a:fontRef idx="minor">
+              <a:schemeClr val="lt1"/>
+            </a:fontRef>
+          </p:style>
+          <p:txBody>
+            <a:bodyPr rtlCol="0" anchor="ctr"/>
+            <a:lstStyle/>
+            <a:p>
+              <a:pPr algn="ctr"/>
+              <a:endParaRPr lang="fr-FR"/>
+            </a:p>
+          </p:txBody>
+        </p:sp>
+        <p:pic>
+          <p:nvPicPr>
+            <p:cNvPr id="85" name="Image 84">
+              <a:extLst>
+                <a:ext uri="{FF2B5EF4-FFF2-40B4-BE49-F238E27FC236}">
+                  <a16:creationId xmlns:a16="http://schemas.microsoft.com/office/drawing/2014/main" id="{1E88A6B8-0769-3D9C-F466-31E8409ABF3E}"/>
+                </a:ext>
+              </a:extLst>
+            </p:cNvPr>
+            <p:cNvPicPr>
+              <a:picLocks noChangeAspect="1"/>
+            </p:cNvPicPr>
+            <p:nvPr/>
+          </p:nvPicPr>
+          <p:blipFill>
+            <a:blip r:embed="rId2"/>
+            <a:stretch>
+              <a:fillRect/>
+            </a:stretch>
+          </p:blipFill>
+          <p:spPr>
+            <a:xfrm>
+              <a:off x="5543445" y="4536296"/>
+              <a:ext cx="1358232" cy="1440000"/>
+            </a:xfrm>
+            <a:prstGeom prst="rect">
+              <a:avLst/>
+            </a:prstGeom>
+          </p:spPr>
+        </p:pic>
+      </p:grpSp>
     </p:spTree>
     <p:extLst>
       <p:ext uri="{BB962C8B-B14F-4D97-AF65-F5344CB8AC3E}">
@@ -11554,6 +11863,109 @@
               <a:extLst>
                 <a:ext uri="{FF2B5EF4-FFF2-40B4-BE49-F238E27FC236}">
                   <a16:creationId xmlns:a16="http://schemas.microsoft.com/office/drawing/2014/main" id="{90892E55-8237-FE1C-1588-D2DC585EB712}"/>
+                </a:ext>
+              </a:extLst>
+            </p:cNvPr>
+            <p:cNvPicPr>
+              <a:picLocks noChangeAspect="1"/>
+            </p:cNvPicPr>
+            <p:nvPr/>
+          </p:nvPicPr>
+          <p:blipFill>
+            <a:blip r:embed="rId2"/>
+            <a:stretch>
+              <a:fillRect/>
+            </a:stretch>
+          </p:blipFill>
+          <p:spPr>
+            <a:xfrm>
+              <a:off x="5543445" y="4536296"/>
+              <a:ext cx="1358232" cy="1440000"/>
+            </a:xfrm>
+            <a:prstGeom prst="rect">
+              <a:avLst/>
+            </a:prstGeom>
+          </p:spPr>
+        </p:pic>
+      </p:grpSp>
+      <p:grpSp>
+        <p:nvGrpSpPr>
+          <p:cNvPr id="75" name="Groupe 74">
+            <a:extLst>
+              <a:ext uri="{FF2B5EF4-FFF2-40B4-BE49-F238E27FC236}">
+                <a16:creationId xmlns:a16="http://schemas.microsoft.com/office/drawing/2014/main" id="{76A297BD-04E2-9B3A-7EBC-F6F0A14F94C7}"/>
+              </a:ext>
+            </a:extLst>
+          </p:cNvPr>
+          <p:cNvGrpSpPr/>
+          <p:nvPr/>
+        </p:nvGrpSpPr>
+        <p:grpSpPr>
+          <a:xfrm>
+            <a:off x="7012093" y="3960992"/>
+            <a:ext cx="360000" cy="360000"/>
+            <a:chOff x="5404964" y="4396133"/>
+            <a:chExt cx="1800000" cy="1800000"/>
+          </a:xfrm>
+        </p:grpSpPr>
+        <p:sp>
+          <p:nvSpPr>
+            <p:cNvPr id="85" name="Ellipse 84">
+              <a:extLst>
+                <a:ext uri="{FF2B5EF4-FFF2-40B4-BE49-F238E27FC236}">
+                  <a16:creationId xmlns:a16="http://schemas.microsoft.com/office/drawing/2014/main" id="{E3F40E28-E4F6-D77D-31F6-4049DE036966}"/>
+                </a:ext>
+              </a:extLst>
+            </p:cNvPr>
+            <p:cNvSpPr/>
+            <p:nvPr/>
+          </p:nvSpPr>
+          <p:spPr>
+            <a:xfrm>
+              <a:off x="5404964" y="4396133"/>
+              <a:ext cx="1800000" cy="1800000"/>
+            </a:xfrm>
+            <a:prstGeom prst="ellipse">
+              <a:avLst/>
+            </a:prstGeom>
+            <a:solidFill>
+              <a:srgbClr val="00517A"/>
+            </a:solidFill>
+            <a:ln>
+              <a:noFill/>
+            </a:ln>
+          </p:spPr>
+          <p:style>
+            <a:lnRef idx="2">
+              <a:schemeClr val="accent1">
+                <a:shade val="50000"/>
+              </a:schemeClr>
+            </a:lnRef>
+            <a:fillRef idx="1">
+              <a:schemeClr val="accent1"/>
+            </a:fillRef>
+            <a:effectRef idx="0">
+              <a:schemeClr val="accent1"/>
+            </a:effectRef>
+            <a:fontRef idx="minor">
+              <a:schemeClr val="lt1"/>
+            </a:fontRef>
+          </p:style>
+          <p:txBody>
+            <a:bodyPr rtlCol="0" anchor="ctr"/>
+            <a:lstStyle/>
+            <a:p>
+              <a:pPr algn="ctr"/>
+              <a:endParaRPr lang="fr-FR"/>
+            </a:p>
+          </p:txBody>
+        </p:sp>
+        <p:pic>
+          <p:nvPicPr>
+            <p:cNvPr id="86" name="Image 85">
+              <a:extLst>
+                <a:ext uri="{FF2B5EF4-FFF2-40B4-BE49-F238E27FC236}">
+                  <a16:creationId xmlns:a16="http://schemas.microsoft.com/office/drawing/2014/main" id="{A40132F1-AA6D-655B-1D1F-1265A84F51E2}"/>
                 </a:ext>
               </a:extLst>
             </p:cNvPr>

--- a/02_BrasBeta/02_BrasBeta.pptx
+++ b/02_BrasBeta/02_BrasBeta.pptx
@@ -5,7 +5,7 @@
     <p:sldMasterId id="2147483660" r:id="rId1"/>
   </p:sldMasterIdLst>
   <p:notesMasterIdLst>
-    <p:notesMasterId r:id="rId8"/>
+    <p:notesMasterId r:id="rId10"/>
   </p:notesMasterIdLst>
   <p:sldIdLst>
     <p:sldId id="256" r:id="rId2"/>
@@ -14,6 +14,8 @@
     <p:sldId id="259" r:id="rId5"/>
     <p:sldId id="260" r:id="rId6"/>
     <p:sldId id="261" r:id="rId7"/>
+    <p:sldId id="262" r:id="rId8"/>
+    <p:sldId id="263" r:id="rId9"/>
   </p:sldIdLst>
   <p:sldSz cx="12192000" cy="6858000"/>
   <p:notesSz cx="6858000" cy="9144000"/>
@@ -216,7 +218,7 @@
           <a:p>
             <a:fld id="{D157349C-AD05-44FA-B790-D9BBD62C4832}" type="datetimeFigureOut">
               <a:rPr lang="fr-FR" smtClean="0"/>
-              <a:t>05/04/2023</a:t>
+              <a:t>28/06/2023</a:t>
             </a:fld>
             <a:endParaRPr lang="fr-FR"/>
           </a:p>
@@ -728,7 +730,7 @@
           <a:p>
             <a:fld id="{CCF538C2-C309-4752-87A7-D2071D6CAC7F}" type="datetime1">
               <a:rPr lang="fr-FR" smtClean="0"/>
-              <a:t>05/04/2023</a:t>
+              <a:t>28/06/2023</a:t>
             </a:fld>
             <a:endParaRPr lang="fr-FR"/>
           </a:p>
@@ -933,7 +935,7 @@
           <a:p>
             <a:fld id="{F926C4FD-C1E6-452C-A858-BFBBC7496631}" type="datetime1">
               <a:rPr lang="fr-FR" smtClean="0"/>
-              <a:t>05/04/2023</a:t>
+              <a:t>28/06/2023</a:t>
             </a:fld>
             <a:endParaRPr lang="fr-FR"/>
           </a:p>
@@ -1189,7 +1191,7 @@
           <a:p>
             <a:fld id="{CEF75A8D-5F26-4754-844B-E2D9F6FC4950}" type="datetime1">
               <a:rPr lang="fr-FR" smtClean="0"/>
-              <a:t>05/04/2023</a:t>
+              <a:t>28/06/2023</a:t>
             </a:fld>
             <a:endParaRPr lang="fr-FR"/>
           </a:p>
@@ -1363,7 +1365,7 @@
           <a:p>
             <a:fld id="{FE352A31-E2A5-4F8A-BDFE-A9BA369B67E9}" type="datetime1">
               <a:rPr lang="fr-FR" smtClean="0"/>
-              <a:t>05/04/2023</a:t>
+              <a:t>28/06/2023</a:t>
             </a:fld>
             <a:endParaRPr lang="fr-FR"/>
           </a:p>
@@ -1725,7 +1727,7 @@
           <a:p>
             <a:fld id="{F1707E18-E4F4-4E6D-951C-B01FC69E66C0}" type="datetime1">
               <a:rPr lang="fr-FR" smtClean="0"/>
-              <a:t>05/04/2023</a:t>
+              <a:t>28/06/2023</a:t>
             </a:fld>
             <a:endParaRPr lang="fr-FR"/>
           </a:p>
@@ -2000,7 +2002,7 @@
           <a:p>
             <a:fld id="{93E4B9C8-F394-498B-8C66-049FACC1ED86}" type="datetime1">
               <a:rPr lang="fr-FR" smtClean="0"/>
-              <a:t>05/04/2023</a:t>
+              <a:t>28/06/2023</a:t>
             </a:fld>
             <a:endParaRPr lang="fr-FR"/>
           </a:p>
@@ -2379,7 +2381,7 @@
           <a:p>
             <a:fld id="{35950896-C41B-455D-9FAE-80943DD0CAEF}" type="datetime1">
               <a:rPr lang="fr-FR" smtClean="0"/>
-              <a:t>05/04/2023</a:t>
+              <a:t>28/06/2023</a:t>
             </a:fld>
             <a:endParaRPr lang="fr-FR"/>
           </a:p>
@@ -2497,7 +2499,7 @@
           <a:p>
             <a:fld id="{2BE2B735-22CE-433C-8BA6-DF0B28588E1F}" type="datetime1">
               <a:rPr lang="fr-FR" smtClean="0"/>
-              <a:t>05/04/2023</a:t>
+              <a:t>28/06/2023</a:t>
             </a:fld>
             <a:endParaRPr lang="fr-FR"/>
           </a:p>
@@ -2671,7 +2673,7 @@
           <a:p>
             <a:fld id="{5B475E59-9936-4413-84C5-14169665FDED}" type="datetime1">
               <a:rPr lang="fr-FR" smtClean="0"/>
-              <a:t>05/04/2023</a:t>
+              <a:t>28/06/2023</a:t>
             </a:fld>
             <a:endParaRPr lang="fr-FR"/>
           </a:p>
@@ -3028,7 +3030,7 @@
           <a:p>
             <a:fld id="{42662320-E9E6-45B0-8B93-5727AA5FFC46}" type="datetime1">
               <a:rPr lang="fr-FR" smtClean="0"/>
-              <a:t>05/04/2023</a:t>
+              <a:t>28/06/2023</a:t>
             </a:fld>
             <a:endParaRPr lang="fr-FR"/>
           </a:p>
@@ -3413,7 +3415,7 @@
           <a:p>
             <a:fld id="{9A545382-D50F-43E8-AFFD-788FD552C87C}" type="datetime1">
               <a:rPr lang="fr-FR" smtClean="0"/>
-              <a:t>05/04/2023</a:t>
+              <a:t>28/06/2023</a:t>
             </a:fld>
             <a:endParaRPr lang="fr-FR"/>
           </a:p>
@@ -3703,7 +3705,7 @@
           <a:p>
             <a:fld id="{4F030BD8-D1C7-406A-AB04-4944ABBF0A3E}" type="datetime1">
               <a:rPr lang="fr-FR" smtClean="0"/>
-              <a:t>05/04/2023</a:t>
+              <a:t>28/06/2023</a:t>
             </a:fld>
             <a:endParaRPr lang="fr-FR" dirty="0"/>
           </a:p>
@@ -7522,36 +7524,6 @@
           </p:spPr>
         </p:pic>
       </p:grpSp>
-      <p:pic>
-        <p:nvPicPr>
-          <p:cNvPr id="30" name="Image 29">
-            <a:extLst>
-              <a:ext uri="{FF2B5EF4-FFF2-40B4-BE49-F238E27FC236}">
-                <a16:creationId xmlns:a16="http://schemas.microsoft.com/office/drawing/2014/main" id="{3A9EF288-CF35-05B6-F2BB-A72791B482F7}"/>
-              </a:ext>
-            </a:extLst>
-          </p:cNvPr>
-          <p:cNvPicPr>
-            <a:picLocks noChangeAspect="1"/>
-          </p:cNvPicPr>
-          <p:nvPr/>
-        </p:nvPicPr>
-        <p:blipFill>
-          <a:blip r:embed="rId3"/>
-          <a:stretch>
-            <a:fillRect/>
-          </a:stretch>
-        </p:blipFill>
-        <p:spPr>
-          <a:xfrm>
-            <a:off x="6968637" y="3779927"/>
-            <a:ext cx="434918" cy="152010"/>
-          </a:xfrm>
-          <a:prstGeom prst="rect">
-            <a:avLst/>
-          </a:prstGeom>
-        </p:spPr>
-      </p:pic>
       <p:grpSp>
         <p:nvGrpSpPr>
           <p:cNvPr id="31" name="Groupe 30">
@@ -7905,36 +7877,6 @@
           </p:spPr>
         </p:pic>
       </p:grpSp>
-      <p:pic>
-        <p:nvPicPr>
-          <p:cNvPr id="63" name="Image 62">
-            <a:extLst>
-              <a:ext uri="{FF2B5EF4-FFF2-40B4-BE49-F238E27FC236}">
-                <a16:creationId xmlns:a16="http://schemas.microsoft.com/office/drawing/2014/main" id="{14005580-4105-7DE6-402C-F62CDB7F63A4}"/>
-              </a:ext>
-            </a:extLst>
-          </p:cNvPr>
-          <p:cNvPicPr>
-            <a:picLocks noChangeAspect="1"/>
-          </p:cNvPicPr>
-          <p:nvPr/>
-        </p:nvPicPr>
-        <p:blipFill>
-          <a:blip r:embed="rId3"/>
-          <a:stretch>
-            <a:fillRect/>
-          </a:stretch>
-        </p:blipFill>
-        <p:spPr>
-          <a:xfrm>
-            <a:off x="588545" y="1650659"/>
-            <a:ext cx="434918" cy="152010"/>
-          </a:xfrm>
-          <a:prstGeom prst="rect">
-            <a:avLst/>
-          </a:prstGeom>
-        </p:spPr>
-      </p:pic>
       <p:grpSp>
         <p:nvGrpSpPr>
           <p:cNvPr id="65" name="Groupe 64">
@@ -8040,10 +7982,10 @@
       </p:grpSp>
       <p:grpSp>
         <p:nvGrpSpPr>
-          <p:cNvPr id="77" name="Groupe 76">
+          <p:cNvPr id="86" name="Groupe 85">
             <a:extLst>
               <a:ext uri="{FF2B5EF4-FFF2-40B4-BE49-F238E27FC236}">
-                <a16:creationId xmlns:a16="http://schemas.microsoft.com/office/drawing/2014/main" id="{0A6437F9-426E-057A-F27A-94E9EC9CAEE1}"/>
+                <a16:creationId xmlns:a16="http://schemas.microsoft.com/office/drawing/2014/main" id="{0F2F4DC1-8EA1-C967-ACDB-8B8835C2A512}"/>
               </a:ext>
             </a:extLst>
           </p:cNvPr>
@@ -8052,101 +7994,235 @@
         </p:nvGrpSpPr>
         <p:grpSpPr>
           <a:xfrm>
-            <a:off x="6620033" y="4152769"/>
-            <a:ext cx="180000" cy="180000"/>
-            <a:chOff x="5404964" y="4396133"/>
-            <a:chExt cx="1800000" cy="1800000"/>
+            <a:off x="330445" y="1559561"/>
+            <a:ext cx="693018" cy="242466"/>
+            <a:chOff x="330445" y="1559561"/>
+            <a:chExt cx="693018" cy="242466"/>
           </a:xfrm>
         </p:grpSpPr>
-        <p:sp>
-          <p:nvSpPr>
-            <p:cNvPr id="78" name="Ellipse 77">
+        <p:grpSp>
+          <p:nvGrpSpPr>
+            <p:cNvPr id="87" name="Groupe 86">
               <a:extLst>
                 <a:ext uri="{FF2B5EF4-FFF2-40B4-BE49-F238E27FC236}">
-                  <a16:creationId xmlns:a16="http://schemas.microsoft.com/office/drawing/2014/main" id="{539990CE-45D6-AF9A-2D4B-A34A71E98BE6}"/>
+                  <a16:creationId xmlns:a16="http://schemas.microsoft.com/office/drawing/2014/main" id="{DB3286D5-A2B1-83BE-5455-C933528D079C}"/>
                 </a:ext>
               </a:extLst>
             </p:cNvPr>
-            <p:cNvSpPr/>
+            <p:cNvGrpSpPr/>
             <p:nvPr/>
-          </p:nvSpPr>
-          <p:spPr>
+          </p:nvGrpSpPr>
+          <p:grpSpPr>
             <a:xfrm>
-              <a:off x="5404964" y="4396133"/>
-              <a:ext cx="1800000" cy="1800000"/>
+              <a:off x="538480" y="1559561"/>
+              <a:ext cx="484983" cy="242466"/>
+              <a:chOff x="6993109" y="4439920"/>
+              <a:chExt cx="363360" cy="199689"/>
             </a:xfrm>
-            <a:prstGeom prst="ellipse">
-              <a:avLst/>
-            </a:prstGeom>
             <a:solidFill>
-              <a:srgbClr val="00517A"/>
+              <a:srgbClr val="C3AED1"/>
             </a:solidFill>
-            <a:ln>
-              <a:noFill/>
-            </a:ln>
-          </p:spPr>
-          <p:style>
-            <a:lnRef idx="2">
-              <a:schemeClr val="accent1">
-                <a:shade val="50000"/>
-              </a:schemeClr>
-            </a:lnRef>
-            <a:fillRef idx="1">
-              <a:schemeClr val="accent1"/>
-            </a:fillRef>
-            <a:effectRef idx="0">
-              <a:schemeClr val="accent1"/>
-            </a:effectRef>
-            <a:fontRef idx="minor">
-              <a:schemeClr val="lt1"/>
-            </a:fontRef>
-          </p:style>
-          <p:txBody>
-            <a:bodyPr rtlCol="0" anchor="ctr"/>
-            <a:lstStyle/>
-            <a:p>
-              <a:pPr algn="ctr"/>
-              <a:endParaRPr lang="fr-FR"/>
-            </a:p>
-          </p:txBody>
-        </p:sp>
-        <p:pic>
-          <p:nvPicPr>
-            <p:cNvPr id="79" name="Image 78">
+          </p:grpSpPr>
+          <p:sp>
+            <p:nvSpPr>
+              <p:cNvPr id="91" name="Flèche : droite rayée 90">
+                <a:extLst>
+                  <a:ext uri="{FF2B5EF4-FFF2-40B4-BE49-F238E27FC236}">
+                    <a16:creationId xmlns:a16="http://schemas.microsoft.com/office/drawing/2014/main" id="{2486FA3B-8B79-D8EC-A5E3-5E47AEE5472D}"/>
+                  </a:ext>
+                </a:extLst>
+              </p:cNvPr>
+              <p:cNvSpPr/>
+              <p:nvPr/>
+            </p:nvSpPr>
+            <p:spPr>
+              <a:xfrm>
+                <a:off x="6993109" y="4439920"/>
+                <a:ext cx="363360" cy="199689"/>
+              </a:xfrm>
+              <a:prstGeom prst="stripedRightArrow">
+                <a:avLst>
+                  <a:gd name="adj1" fmla="val 57350"/>
+                  <a:gd name="adj2" fmla="val 50000"/>
+                </a:avLst>
+              </a:prstGeom>
+              <a:grpFill/>
+              <a:ln>
+                <a:solidFill>
+                  <a:srgbClr val="68348B"/>
+                </a:solidFill>
+              </a:ln>
+            </p:spPr>
+            <p:style>
+              <a:lnRef idx="2">
+                <a:schemeClr val="accent1">
+                  <a:shade val="15000"/>
+                </a:schemeClr>
+              </a:lnRef>
+              <a:fillRef idx="1">
+                <a:schemeClr val="accent1"/>
+              </a:fillRef>
+              <a:effectRef idx="0">
+                <a:schemeClr val="accent1"/>
+              </a:effectRef>
+              <a:fontRef idx="minor">
+                <a:schemeClr val="lt1"/>
+              </a:fontRef>
+            </p:style>
+            <p:txBody>
+              <a:bodyPr rtlCol="0" anchor="ctr"/>
+              <a:lstStyle/>
+              <a:p>
+                <a:pPr algn="ctr"/>
+                <a:endParaRPr lang="fr-FR"/>
+              </a:p>
+            </p:txBody>
+          </p:sp>
+          <p:pic>
+            <p:nvPicPr>
+              <p:cNvPr id="92" name="Image 91">
+                <a:extLst>
+                  <a:ext uri="{FF2B5EF4-FFF2-40B4-BE49-F238E27FC236}">
+                    <a16:creationId xmlns:a16="http://schemas.microsoft.com/office/drawing/2014/main" id="{773D5493-FD01-EEBA-AC76-DBB4738A480B}"/>
+                  </a:ext>
+                </a:extLst>
+              </p:cNvPr>
+              <p:cNvPicPr>
+                <a:picLocks noChangeAspect="1"/>
+              </p:cNvPicPr>
+              <p:nvPr/>
+            </p:nvPicPr>
+            <p:blipFill>
+              <a:blip r:embed="rId3"/>
+              <a:stretch>
+                <a:fillRect/>
+              </a:stretch>
+            </p:blipFill>
+            <p:spPr>
+              <a:xfrm>
+                <a:off x="7039789" y="4494852"/>
+                <a:ext cx="256994" cy="89823"/>
+              </a:xfrm>
+              <a:prstGeom prst="rect">
+                <a:avLst/>
+              </a:prstGeom>
+              <a:grpFill/>
+              <a:ln>
+                <a:noFill/>
+              </a:ln>
+            </p:spPr>
+          </p:pic>
+        </p:grpSp>
+        <p:grpSp>
+          <p:nvGrpSpPr>
+            <p:cNvPr id="88" name="Groupe 87">
               <a:extLst>
                 <a:ext uri="{FF2B5EF4-FFF2-40B4-BE49-F238E27FC236}">
-                  <a16:creationId xmlns:a16="http://schemas.microsoft.com/office/drawing/2014/main" id="{6CDE13C6-B958-F71E-1E61-6D19B44B6E42}"/>
+                  <a16:creationId xmlns:a16="http://schemas.microsoft.com/office/drawing/2014/main" id="{A4C883D4-4DD0-AC02-5F88-CBCFC87C9ACA}"/>
                 </a:ext>
               </a:extLst>
             </p:cNvPr>
-            <p:cNvPicPr>
-              <a:picLocks noChangeAspect="1"/>
-            </p:cNvPicPr>
+            <p:cNvGrpSpPr/>
             <p:nvPr/>
-          </p:nvPicPr>
-          <p:blipFill>
-            <a:blip r:embed="rId2"/>
-            <a:stretch>
-              <a:fillRect/>
-            </a:stretch>
-          </p:blipFill>
-          <p:spPr>
+          </p:nvGrpSpPr>
+          <p:grpSpPr>
             <a:xfrm>
-              <a:off x="5543445" y="4536296"/>
-              <a:ext cx="1358232" cy="1440000"/>
+              <a:off x="330445" y="1590794"/>
+              <a:ext cx="180000" cy="180000"/>
+              <a:chOff x="5404964" y="4396133"/>
+              <a:chExt cx="1800000" cy="1800000"/>
             </a:xfrm>
-            <a:prstGeom prst="rect">
-              <a:avLst/>
-            </a:prstGeom>
-          </p:spPr>
-        </p:pic>
+          </p:grpSpPr>
+          <p:sp>
+            <p:nvSpPr>
+              <p:cNvPr id="89" name="Ellipse 88">
+                <a:extLst>
+                  <a:ext uri="{FF2B5EF4-FFF2-40B4-BE49-F238E27FC236}">
+                    <a16:creationId xmlns:a16="http://schemas.microsoft.com/office/drawing/2014/main" id="{14E26ADD-F5E6-F833-D440-F617AD54F8E9}"/>
+                  </a:ext>
+                </a:extLst>
+              </p:cNvPr>
+              <p:cNvSpPr/>
+              <p:nvPr/>
+            </p:nvSpPr>
+            <p:spPr>
+              <a:xfrm>
+                <a:off x="5404964" y="4396133"/>
+                <a:ext cx="1800000" cy="1800000"/>
+              </a:xfrm>
+              <a:prstGeom prst="ellipse">
+                <a:avLst/>
+              </a:prstGeom>
+              <a:solidFill>
+                <a:srgbClr val="68348B"/>
+              </a:solidFill>
+              <a:ln>
+                <a:noFill/>
+              </a:ln>
+            </p:spPr>
+            <p:style>
+              <a:lnRef idx="2">
+                <a:schemeClr val="accent1">
+                  <a:shade val="50000"/>
+                </a:schemeClr>
+              </a:lnRef>
+              <a:fillRef idx="1">
+                <a:schemeClr val="accent1"/>
+              </a:fillRef>
+              <a:effectRef idx="0">
+                <a:schemeClr val="accent1"/>
+              </a:effectRef>
+              <a:fontRef idx="minor">
+                <a:schemeClr val="lt1"/>
+              </a:fontRef>
+            </p:style>
+            <p:txBody>
+              <a:bodyPr rtlCol="0" anchor="ctr"/>
+              <a:lstStyle/>
+              <a:p>
+                <a:pPr algn="ctr"/>
+                <a:endParaRPr lang="fr-FR" dirty="0"/>
+              </a:p>
+            </p:txBody>
+          </p:sp>
+          <p:pic>
+            <p:nvPicPr>
+              <p:cNvPr id="90" name="Image 89">
+                <a:extLst>
+                  <a:ext uri="{FF2B5EF4-FFF2-40B4-BE49-F238E27FC236}">
+                    <a16:creationId xmlns:a16="http://schemas.microsoft.com/office/drawing/2014/main" id="{525AF2E3-A58C-0386-77FC-E5075690300B}"/>
+                  </a:ext>
+                </a:extLst>
+              </p:cNvPr>
+              <p:cNvPicPr>
+                <a:picLocks noChangeAspect="1"/>
+              </p:cNvPicPr>
+              <p:nvPr/>
+            </p:nvPicPr>
+            <p:blipFill>
+              <a:blip r:embed="rId2"/>
+              <a:stretch>
+                <a:fillRect/>
+              </a:stretch>
+            </p:blipFill>
+            <p:spPr>
+              <a:xfrm>
+                <a:off x="5543445" y="4536296"/>
+                <a:ext cx="1358232" cy="1440000"/>
+              </a:xfrm>
+              <a:prstGeom prst="rect">
+                <a:avLst/>
+              </a:prstGeom>
+            </p:spPr>
+          </p:pic>
+        </p:grpSp>
       </p:grpSp>
       <p:grpSp>
         <p:nvGrpSpPr>
-          <p:cNvPr id="69" name="Groupe 68">
+          <p:cNvPr id="93" name="Groupe 92">
             <a:extLst>
               <a:ext uri="{FF2B5EF4-FFF2-40B4-BE49-F238E27FC236}">
-                <a16:creationId xmlns:a16="http://schemas.microsoft.com/office/drawing/2014/main" id="{B5690D94-4D3A-7894-7C1B-5104F70D8742}"/>
+                <a16:creationId xmlns:a16="http://schemas.microsoft.com/office/drawing/2014/main" id="{DA8B86FD-19B1-17E6-2D01-09B360CE8A43}"/>
               </a:ext>
             </a:extLst>
           </p:cNvPr>
@@ -8155,300 +8231,228 @@
         </p:nvGrpSpPr>
         <p:grpSpPr>
           <a:xfrm>
-            <a:off x="4256938" y="4184682"/>
-            <a:ext cx="360000" cy="360000"/>
-            <a:chOff x="5404964" y="4396133"/>
-            <a:chExt cx="1800000" cy="1800000"/>
+            <a:off x="6682382" y="4212662"/>
+            <a:ext cx="693018" cy="242466"/>
+            <a:chOff x="330445" y="1559561"/>
+            <a:chExt cx="693018" cy="242466"/>
           </a:xfrm>
         </p:grpSpPr>
-        <p:sp>
-          <p:nvSpPr>
-            <p:cNvPr id="70" name="Ellipse 69">
+        <p:grpSp>
+          <p:nvGrpSpPr>
+            <p:cNvPr id="94" name="Groupe 93">
               <a:extLst>
                 <a:ext uri="{FF2B5EF4-FFF2-40B4-BE49-F238E27FC236}">
-                  <a16:creationId xmlns:a16="http://schemas.microsoft.com/office/drawing/2014/main" id="{FBE3B01E-0E8C-2208-2962-1AAD10041A99}"/>
+                  <a16:creationId xmlns:a16="http://schemas.microsoft.com/office/drawing/2014/main" id="{6DB94E70-DEFE-4956-D31B-55A2AAC9AC3E}"/>
                 </a:ext>
               </a:extLst>
             </p:cNvPr>
-            <p:cNvSpPr/>
+            <p:cNvGrpSpPr/>
             <p:nvPr/>
-          </p:nvSpPr>
-          <p:spPr>
+          </p:nvGrpSpPr>
+          <p:grpSpPr>
             <a:xfrm>
-              <a:off x="5404964" y="4396133"/>
-              <a:ext cx="1800000" cy="1800000"/>
+              <a:off x="538480" y="1559561"/>
+              <a:ext cx="484983" cy="242466"/>
+              <a:chOff x="6993109" y="4439920"/>
+              <a:chExt cx="363360" cy="199689"/>
             </a:xfrm>
-            <a:prstGeom prst="ellipse">
-              <a:avLst/>
-            </a:prstGeom>
             <a:solidFill>
-              <a:srgbClr val="00517A"/>
+              <a:srgbClr val="C3AED1"/>
             </a:solidFill>
-            <a:ln>
-              <a:noFill/>
-            </a:ln>
-          </p:spPr>
-          <p:style>
-            <a:lnRef idx="2">
-              <a:schemeClr val="accent1">
-                <a:shade val="50000"/>
-              </a:schemeClr>
-            </a:lnRef>
-            <a:fillRef idx="1">
-              <a:schemeClr val="accent1"/>
-            </a:fillRef>
-            <a:effectRef idx="0">
-              <a:schemeClr val="accent1"/>
-            </a:effectRef>
-            <a:fontRef idx="minor">
-              <a:schemeClr val="lt1"/>
-            </a:fontRef>
-          </p:style>
-          <p:txBody>
-            <a:bodyPr rtlCol="0" anchor="ctr"/>
-            <a:lstStyle/>
-            <a:p>
-              <a:pPr algn="ctr"/>
-              <a:endParaRPr lang="fr-FR"/>
-            </a:p>
-          </p:txBody>
-        </p:sp>
-        <p:pic>
-          <p:nvPicPr>
-            <p:cNvPr id="76" name="Image 75">
+          </p:grpSpPr>
+          <p:sp>
+            <p:nvSpPr>
+              <p:cNvPr id="98" name="Flèche : droite rayée 97">
+                <a:extLst>
+                  <a:ext uri="{FF2B5EF4-FFF2-40B4-BE49-F238E27FC236}">
+                    <a16:creationId xmlns:a16="http://schemas.microsoft.com/office/drawing/2014/main" id="{C054B956-D175-E452-CA57-F76F744B3F09}"/>
+                  </a:ext>
+                </a:extLst>
+              </p:cNvPr>
+              <p:cNvSpPr/>
+              <p:nvPr/>
+            </p:nvSpPr>
+            <p:spPr>
+              <a:xfrm>
+                <a:off x="6993109" y="4439920"/>
+                <a:ext cx="363360" cy="199689"/>
+              </a:xfrm>
+              <a:prstGeom prst="stripedRightArrow">
+                <a:avLst>
+                  <a:gd name="adj1" fmla="val 57350"/>
+                  <a:gd name="adj2" fmla="val 50000"/>
+                </a:avLst>
+              </a:prstGeom>
+              <a:grpFill/>
+              <a:ln>
+                <a:solidFill>
+                  <a:srgbClr val="68348B"/>
+                </a:solidFill>
+              </a:ln>
+            </p:spPr>
+            <p:style>
+              <a:lnRef idx="2">
+                <a:schemeClr val="accent1">
+                  <a:shade val="15000"/>
+                </a:schemeClr>
+              </a:lnRef>
+              <a:fillRef idx="1">
+                <a:schemeClr val="accent1"/>
+              </a:fillRef>
+              <a:effectRef idx="0">
+                <a:schemeClr val="accent1"/>
+              </a:effectRef>
+              <a:fontRef idx="minor">
+                <a:schemeClr val="lt1"/>
+              </a:fontRef>
+            </p:style>
+            <p:txBody>
+              <a:bodyPr rtlCol="0" anchor="ctr"/>
+              <a:lstStyle/>
+              <a:p>
+                <a:pPr algn="ctr"/>
+                <a:endParaRPr lang="fr-FR"/>
+              </a:p>
+            </p:txBody>
+          </p:sp>
+          <p:pic>
+            <p:nvPicPr>
+              <p:cNvPr id="99" name="Image 98">
+                <a:extLst>
+                  <a:ext uri="{FF2B5EF4-FFF2-40B4-BE49-F238E27FC236}">
+                    <a16:creationId xmlns:a16="http://schemas.microsoft.com/office/drawing/2014/main" id="{1688CE3A-82CA-A850-3799-C5F2E18843B9}"/>
+                  </a:ext>
+                </a:extLst>
+              </p:cNvPr>
+              <p:cNvPicPr>
+                <a:picLocks noChangeAspect="1"/>
+              </p:cNvPicPr>
+              <p:nvPr/>
+            </p:nvPicPr>
+            <p:blipFill>
+              <a:blip r:embed="rId3"/>
+              <a:stretch>
+                <a:fillRect/>
+              </a:stretch>
+            </p:blipFill>
+            <p:spPr>
+              <a:xfrm>
+                <a:off x="7039789" y="4494852"/>
+                <a:ext cx="256994" cy="89823"/>
+              </a:xfrm>
+              <a:prstGeom prst="rect">
+                <a:avLst/>
+              </a:prstGeom>
+              <a:grpFill/>
+              <a:ln>
+                <a:noFill/>
+              </a:ln>
+            </p:spPr>
+          </p:pic>
+        </p:grpSp>
+        <p:grpSp>
+          <p:nvGrpSpPr>
+            <p:cNvPr id="95" name="Groupe 94">
               <a:extLst>
                 <a:ext uri="{FF2B5EF4-FFF2-40B4-BE49-F238E27FC236}">
-                  <a16:creationId xmlns:a16="http://schemas.microsoft.com/office/drawing/2014/main" id="{61745EB9-A148-2841-2F52-6BDA644AABE2}"/>
+                  <a16:creationId xmlns:a16="http://schemas.microsoft.com/office/drawing/2014/main" id="{3B5F8AF9-D564-6EF3-347C-EE32140B023D}"/>
                 </a:ext>
               </a:extLst>
             </p:cNvPr>
-            <p:cNvPicPr>
-              <a:picLocks noChangeAspect="1"/>
-            </p:cNvPicPr>
+            <p:cNvGrpSpPr/>
             <p:nvPr/>
-          </p:nvPicPr>
-          <p:blipFill>
-            <a:blip r:embed="rId2"/>
-            <a:stretch>
-              <a:fillRect/>
-            </a:stretch>
-          </p:blipFill>
-          <p:spPr>
+          </p:nvGrpSpPr>
+          <p:grpSpPr>
             <a:xfrm>
-              <a:off x="5543445" y="4536296"/>
-              <a:ext cx="1358232" cy="1440000"/>
+              <a:off x="330445" y="1590794"/>
+              <a:ext cx="180000" cy="180000"/>
+              <a:chOff x="5404964" y="4396133"/>
+              <a:chExt cx="1800000" cy="1800000"/>
             </a:xfrm>
-            <a:prstGeom prst="rect">
-              <a:avLst/>
-            </a:prstGeom>
-          </p:spPr>
-        </p:pic>
-      </p:grpSp>
-      <p:grpSp>
-        <p:nvGrpSpPr>
-          <p:cNvPr id="80" name="Groupe 79">
-            <a:extLst>
-              <a:ext uri="{FF2B5EF4-FFF2-40B4-BE49-F238E27FC236}">
-                <a16:creationId xmlns:a16="http://schemas.microsoft.com/office/drawing/2014/main" id="{D5D76BB6-B435-E358-0806-24F2134830A2}"/>
-              </a:ext>
-            </a:extLst>
-          </p:cNvPr>
-          <p:cNvGrpSpPr/>
-          <p:nvPr/>
-        </p:nvGrpSpPr>
-        <p:grpSpPr>
-          <a:xfrm>
-            <a:off x="5722022" y="3972769"/>
-            <a:ext cx="360000" cy="360000"/>
-            <a:chOff x="5404964" y="4396133"/>
-            <a:chExt cx="1800000" cy="1800000"/>
-          </a:xfrm>
-        </p:grpSpPr>
-        <p:sp>
-          <p:nvSpPr>
-            <p:cNvPr id="81" name="Ellipse 80">
-              <a:extLst>
-                <a:ext uri="{FF2B5EF4-FFF2-40B4-BE49-F238E27FC236}">
-                  <a16:creationId xmlns:a16="http://schemas.microsoft.com/office/drawing/2014/main" id="{4B9B1203-50F8-4B9D-1119-7CA22A476CA8}"/>
-                </a:ext>
-              </a:extLst>
-            </p:cNvPr>
-            <p:cNvSpPr/>
-            <p:nvPr/>
-          </p:nvSpPr>
-          <p:spPr>
-            <a:xfrm>
-              <a:off x="5404964" y="4396133"/>
-              <a:ext cx="1800000" cy="1800000"/>
-            </a:xfrm>
-            <a:prstGeom prst="ellipse">
-              <a:avLst/>
-            </a:prstGeom>
-            <a:solidFill>
-              <a:srgbClr val="00517A"/>
-            </a:solidFill>
-            <a:ln>
-              <a:noFill/>
-            </a:ln>
-          </p:spPr>
-          <p:style>
-            <a:lnRef idx="2">
-              <a:schemeClr val="accent1">
-                <a:shade val="50000"/>
-              </a:schemeClr>
-            </a:lnRef>
-            <a:fillRef idx="1">
-              <a:schemeClr val="accent1"/>
-            </a:fillRef>
-            <a:effectRef idx="0">
-              <a:schemeClr val="accent1"/>
-            </a:effectRef>
-            <a:fontRef idx="minor">
-              <a:schemeClr val="lt1"/>
-            </a:fontRef>
-          </p:style>
-          <p:txBody>
-            <a:bodyPr rtlCol="0" anchor="ctr"/>
-            <a:lstStyle/>
-            <a:p>
-              <a:pPr algn="ctr"/>
-              <a:endParaRPr lang="fr-FR"/>
-            </a:p>
-          </p:txBody>
-        </p:sp>
-        <p:pic>
-          <p:nvPicPr>
-            <p:cNvPr id="82" name="Image 81">
-              <a:extLst>
-                <a:ext uri="{FF2B5EF4-FFF2-40B4-BE49-F238E27FC236}">
-                  <a16:creationId xmlns:a16="http://schemas.microsoft.com/office/drawing/2014/main" id="{65EC2247-F5A6-9121-CE6B-D4C8F9A359BB}"/>
-                </a:ext>
-              </a:extLst>
-            </p:cNvPr>
-            <p:cNvPicPr>
-              <a:picLocks noChangeAspect="1"/>
-            </p:cNvPicPr>
-            <p:nvPr/>
-          </p:nvPicPr>
-          <p:blipFill>
-            <a:blip r:embed="rId2"/>
-            <a:stretch>
-              <a:fillRect/>
-            </a:stretch>
-          </p:blipFill>
-          <p:spPr>
-            <a:xfrm>
-              <a:off x="5543445" y="4536296"/>
-              <a:ext cx="1358232" cy="1440000"/>
-            </a:xfrm>
-            <a:prstGeom prst="rect">
-              <a:avLst/>
-            </a:prstGeom>
-          </p:spPr>
-        </p:pic>
-      </p:grpSp>
-      <p:grpSp>
-        <p:nvGrpSpPr>
-          <p:cNvPr id="83" name="Groupe 82">
-            <a:extLst>
-              <a:ext uri="{FF2B5EF4-FFF2-40B4-BE49-F238E27FC236}">
-                <a16:creationId xmlns:a16="http://schemas.microsoft.com/office/drawing/2014/main" id="{5B53FAF9-88DB-639B-C35E-462FF51ED68D}"/>
-              </a:ext>
-            </a:extLst>
-          </p:cNvPr>
-          <p:cNvGrpSpPr/>
-          <p:nvPr/>
-        </p:nvGrpSpPr>
-        <p:grpSpPr>
-          <a:xfrm>
-            <a:off x="7012093" y="3960992"/>
-            <a:ext cx="360000" cy="360000"/>
-            <a:chOff x="5404964" y="4396133"/>
-            <a:chExt cx="1800000" cy="1800000"/>
-          </a:xfrm>
-        </p:grpSpPr>
-        <p:sp>
-          <p:nvSpPr>
-            <p:cNvPr id="84" name="Ellipse 83">
-              <a:extLst>
-                <a:ext uri="{FF2B5EF4-FFF2-40B4-BE49-F238E27FC236}">
-                  <a16:creationId xmlns:a16="http://schemas.microsoft.com/office/drawing/2014/main" id="{CBEB9AAE-220A-488A-DA0A-53D06D7802BF}"/>
-                </a:ext>
-              </a:extLst>
-            </p:cNvPr>
-            <p:cNvSpPr/>
-            <p:nvPr/>
-          </p:nvSpPr>
-          <p:spPr>
-            <a:xfrm>
-              <a:off x="5404964" y="4396133"/>
-              <a:ext cx="1800000" cy="1800000"/>
-            </a:xfrm>
-            <a:prstGeom prst="ellipse">
-              <a:avLst/>
-            </a:prstGeom>
-            <a:solidFill>
-              <a:srgbClr val="00517A"/>
-            </a:solidFill>
-            <a:ln>
-              <a:noFill/>
-            </a:ln>
-          </p:spPr>
-          <p:style>
-            <a:lnRef idx="2">
-              <a:schemeClr val="accent1">
-                <a:shade val="50000"/>
-              </a:schemeClr>
-            </a:lnRef>
-            <a:fillRef idx="1">
-              <a:schemeClr val="accent1"/>
-            </a:fillRef>
-            <a:effectRef idx="0">
-              <a:schemeClr val="accent1"/>
-            </a:effectRef>
-            <a:fontRef idx="minor">
-              <a:schemeClr val="lt1"/>
-            </a:fontRef>
-          </p:style>
-          <p:txBody>
-            <a:bodyPr rtlCol="0" anchor="ctr"/>
-            <a:lstStyle/>
-            <a:p>
-              <a:pPr algn="ctr"/>
-              <a:endParaRPr lang="fr-FR"/>
-            </a:p>
-          </p:txBody>
-        </p:sp>
-        <p:pic>
-          <p:nvPicPr>
-            <p:cNvPr id="85" name="Image 84">
-              <a:extLst>
-                <a:ext uri="{FF2B5EF4-FFF2-40B4-BE49-F238E27FC236}">
-                  <a16:creationId xmlns:a16="http://schemas.microsoft.com/office/drawing/2014/main" id="{1E88A6B8-0769-3D9C-F466-31E8409ABF3E}"/>
-                </a:ext>
-              </a:extLst>
-            </p:cNvPr>
-            <p:cNvPicPr>
-              <a:picLocks noChangeAspect="1"/>
-            </p:cNvPicPr>
-            <p:nvPr/>
-          </p:nvPicPr>
-          <p:blipFill>
-            <a:blip r:embed="rId2"/>
-            <a:stretch>
-              <a:fillRect/>
-            </a:stretch>
-          </p:blipFill>
-          <p:spPr>
-            <a:xfrm>
-              <a:off x="5543445" y="4536296"/>
-              <a:ext cx="1358232" cy="1440000"/>
-            </a:xfrm>
-            <a:prstGeom prst="rect">
-              <a:avLst/>
-            </a:prstGeom>
-          </p:spPr>
-        </p:pic>
+          </p:grpSpPr>
+          <p:sp>
+            <p:nvSpPr>
+              <p:cNvPr id="96" name="Ellipse 95">
+                <a:extLst>
+                  <a:ext uri="{FF2B5EF4-FFF2-40B4-BE49-F238E27FC236}">
+                    <a16:creationId xmlns:a16="http://schemas.microsoft.com/office/drawing/2014/main" id="{7AE15749-E153-5691-11E2-4ED37C07FE7C}"/>
+                  </a:ext>
+                </a:extLst>
+              </p:cNvPr>
+              <p:cNvSpPr/>
+              <p:nvPr/>
+            </p:nvSpPr>
+            <p:spPr>
+              <a:xfrm>
+                <a:off x="5404964" y="4396133"/>
+                <a:ext cx="1800000" cy="1800000"/>
+              </a:xfrm>
+              <a:prstGeom prst="ellipse">
+                <a:avLst/>
+              </a:prstGeom>
+              <a:solidFill>
+                <a:srgbClr val="68348B"/>
+              </a:solidFill>
+              <a:ln>
+                <a:noFill/>
+              </a:ln>
+            </p:spPr>
+            <p:style>
+              <a:lnRef idx="2">
+                <a:schemeClr val="accent1">
+                  <a:shade val="50000"/>
+                </a:schemeClr>
+              </a:lnRef>
+              <a:fillRef idx="1">
+                <a:schemeClr val="accent1"/>
+              </a:fillRef>
+              <a:effectRef idx="0">
+                <a:schemeClr val="accent1"/>
+              </a:effectRef>
+              <a:fontRef idx="minor">
+                <a:schemeClr val="lt1"/>
+              </a:fontRef>
+            </p:style>
+            <p:txBody>
+              <a:bodyPr rtlCol="0" anchor="ctr"/>
+              <a:lstStyle/>
+              <a:p>
+                <a:pPr algn="ctr"/>
+                <a:endParaRPr lang="fr-FR" dirty="0"/>
+              </a:p>
+            </p:txBody>
+          </p:sp>
+          <p:pic>
+            <p:nvPicPr>
+              <p:cNvPr id="97" name="Image 96">
+                <a:extLst>
+                  <a:ext uri="{FF2B5EF4-FFF2-40B4-BE49-F238E27FC236}">
+                    <a16:creationId xmlns:a16="http://schemas.microsoft.com/office/drawing/2014/main" id="{77F36AA5-6124-5829-9BB2-CEC8C11D539D}"/>
+                  </a:ext>
+                </a:extLst>
+              </p:cNvPr>
+              <p:cNvPicPr>
+                <a:picLocks noChangeAspect="1"/>
+              </p:cNvPicPr>
+              <p:nvPr/>
+            </p:nvPicPr>
+            <p:blipFill>
+              <a:blip r:embed="rId2"/>
+              <a:stretch>
+                <a:fillRect/>
+              </a:stretch>
+            </p:blipFill>
+            <p:spPr>
+              <a:xfrm>
+                <a:off x="5543445" y="4536296"/>
+                <a:ext cx="1358232" cy="1440000"/>
+              </a:xfrm>
+              <a:prstGeom prst="rect">
+                <a:avLst/>
+              </a:prstGeom>
+            </p:spPr>
+          </p:pic>
+        </p:grpSp>
       </p:grpSp>
     </p:spTree>
     <p:extLst>
@@ -10439,19 +10443,18 @@
           </p:cNvPr>
           <p:cNvCxnSpPr>
             <a:cxnSpLocks/>
-            <a:stCxn id="11" idx="3"/>
-            <a:endCxn id="64" idx="3"/>
+            <a:endCxn id="64" idx="0"/>
           </p:cNvCxnSpPr>
           <p:nvPr/>
         </p:nvCxnSpPr>
         <p:spPr>
-          <a:xfrm flipH="1">
-            <a:off x="6795600" y="1708801"/>
-            <a:ext cx="33719" cy="1346496"/>
+          <a:xfrm rot="16200000" flipH="1">
+            <a:off x="4346335" y="2144980"/>
+            <a:ext cx="1067620" cy="421656"/>
           </a:xfrm>
           <a:prstGeom prst="bentConnector3">
             <a:avLst>
-              <a:gd name="adj1" fmla="val -1067152"/>
+              <a:gd name="adj1" fmla="val 3097"/>
             </a:avLst>
           </a:prstGeom>
           <a:ln w="25400">
@@ -10491,7 +10494,7 @@
         </p:nvSpPr>
         <p:spPr>
           <a:xfrm>
-            <a:off x="5389319" y="2889618"/>
+            <a:off x="4387832" y="2889618"/>
             <a:ext cx="1406281" cy="331358"/>
           </a:xfrm>
           <a:prstGeom prst="roundRect">
@@ -10557,8 +10560,8 @@
         </p:nvCxnSpPr>
         <p:spPr>
           <a:xfrm rot="10800000" flipV="1">
-            <a:off x="3938895" y="3055297"/>
-            <a:ext cx="1450425" cy="377472"/>
+            <a:off x="3938894" y="3055297"/>
+            <a:ext cx="448938" cy="377472"/>
           </a:xfrm>
           <a:prstGeom prst="bentConnector2">
             <a:avLst/>
@@ -11003,36 +11006,6 @@
           </p:spPr>
         </p:pic>
       </p:grpSp>
-      <p:pic>
-        <p:nvPicPr>
-          <p:cNvPr id="30" name="Image 29">
-            <a:extLst>
-              <a:ext uri="{FF2B5EF4-FFF2-40B4-BE49-F238E27FC236}">
-                <a16:creationId xmlns:a16="http://schemas.microsoft.com/office/drawing/2014/main" id="{3A9EF288-CF35-05B6-F2BB-A72791B482F7}"/>
-              </a:ext>
-            </a:extLst>
-          </p:cNvPr>
-          <p:cNvPicPr>
-            <a:picLocks noChangeAspect="1"/>
-          </p:cNvPicPr>
-          <p:nvPr/>
-        </p:nvPicPr>
-        <p:blipFill>
-          <a:blip r:embed="rId3"/>
-          <a:stretch>
-            <a:fillRect/>
-          </a:stretch>
-        </p:blipFill>
-        <p:spPr>
-          <a:xfrm>
-            <a:off x="6968637" y="3779927"/>
-            <a:ext cx="434918" cy="152010"/>
-          </a:xfrm>
-          <a:prstGeom prst="rect">
-            <a:avLst/>
-          </a:prstGeom>
-        </p:spPr>
-      </p:pic>
       <p:grpSp>
         <p:nvGrpSpPr>
           <p:cNvPr id="31" name="Groupe 30">
@@ -11386,36 +11359,6 @@
           </p:spPr>
         </p:pic>
       </p:grpSp>
-      <p:pic>
-        <p:nvPicPr>
-          <p:cNvPr id="63" name="Image 62">
-            <a:extLst>
-              <a:ext uri="{FF2B5EF4-FFF2-40B4-BE49-F238E27FC236}">
-                <a16:creationId xmlns:a16="http://schemas.microsoft.com/office/drawing/2014/main" id="{14005580-4105-7DE6-402C-F62CDB7F63A4}"/>
-              </a:ext>
-            </a:extLst>
-          </p:cNvPr>
-          <p:cNvPicPr>
-            <a:picLocks noChangeAspect="1"/>
-          </p:cNvPicPr>
-          <p:nvPr/>
-        </p:nvPicPr>
-        <p:blipFill>
-          <a:blip r:embed="rId3"/>
-          <a:stretch>
-            <a:fillRect/>
-          </a:stretch>
-        </p:blipFill>
-        <p:spPr>
-          <a:xfrm>
-            <a:off x="588545" y="1650659"/>
-            <a:ext cx="434918" cy="152010"/>
-          </a:xfrm>
-          <a:prstGeom prst="rect">
-            <a:avLst/>
-          </a:prstGeom>
-        </p:spPr>
-      </p:pic>
       <p:grpSp>
         <p:nvGrpSpPr>
           <p:cNvPr id="65" name="Groupe 64">
@@ -11826,7 +11769,7 @@
               <a:avLst/>
             </a:prstGeom>
             <a:solidFill>
-              <a:srgbClr val="00517A"/>
+              <a:srgbClr val="68348B"/>
             </a:solidFill>
             <a:ln>
               <a:noFill/>
@@ -11890,10 +11833,10 @@
       </p:grpSp>
       <p:grpSp>
         <p:nvGrpSpPr>
-          <p:cNvPr id="75" name="Groupe 74">
+          <p:cNvPr id="100" name="Groupe 99">
             <a:extLst>
               <a:ext uri="{FF2B5EF4-FFF2-40B4-BE49-F238E27FC236}">
-                <a16:creationId xmlns:a16="http://schemas.microsoft.com/office/drawing/2014/main" id="{76A297BD-04E2-9B3A-7EBC-F6F0A14F94C7}"/>
+                <a16:creationId xmlns:a16="http://schemas.microsoft.com/office/drawing/2014/main" id="{2FA4F41E-9BBF-FBA7-EE3A-5DC3050D7AB3}"/>
               </a:ext>
             </a:extLst>
           </p:cNvPr>
@@ -11902,18 +11845,18 @@
         </p:nvGrpSpPr>
         <p:grpSpPr>
           <a:xfrm>
-            <a:off x="7012093" y="3960992"/>
-            <a:ext cx="360000" cy="360000"/>
-            <a:chOff x="5404964" y="4396133"/>
-            <a:chExt cx="1800000" cy="1800000"/>
+            <a:off x="6825959" y="4142138"/>
+            <a:ext cx="363360" cy="199689"/>
+            <a:chOff x="6993109" y="4439920"/>
+            <a:chExt cx="363360" cy="199689"/>
           </a:xfrm>
         </p:grpSpPr>
         <p:sp>
           <p:nvSpPr>
-            <p:cNvPr id="85" name="Ellipse 84">
+            <p:cNvPr id="99" name="Flèche : droite rayée 98">
               <a:extLst>
                 <a:ext uri="{FF2B5EF4-FFF2-40B4-BE49-F238E27FC236}">
-                  <a16:creationId xmlns:a16="http://schemas.microsoft.com/office/drawing/2014/main" id="{E3F40E28-E4F6-D77D-31F6-4049DE036966}"/>
+                  <a16:creationId xmlns:a16="http://schemas.microsoft.com/office/drawing/2014/main" id="{CDB2B408-F306-9241-3E5A-F54126A4450A}"/>
                 </a:ext>
               </a:extLst>
             </p:cNvPr>
@@ -11922,23 +11865,28 @@
           </p:nvSpPr>
           <p:spPr>
             <a:xfrm>
-              <a:off x="5404964" y="4396133"/>
-              <a:ext cx="1800000" cy="1800000"/>
+              <a:off x="6993109" y="4439920"/>
+              <a:ext cx="363360" cy="199689"/>
             </a:xfrm>
-            <a:prstGeom prst="ellipse">
-              <a:avLst/>
+            <a:prstGeom prst="stripedRightArrow">
+              <a:avLst>
+                <a:gd name="adj1" fmla="val 57350"/>
+                <a:gd name="adj2" fmla="val 50000"/>
+              </a:avLst>
             </a:prstGeom>
             <a:solidFill>
-              <a:srgbClr val="00517A"/>
+              <a:srgbClr val="C3AED1"/>
             </a:solidFill>
             <a:ln>
-              <a:noFill/>
+              <a:solidFill>
+                <a:srgbClr val="68348B"/>
+              </a:solidFill>
             </a:ln>
           </p:spPr>
           <p:style>
             <a:lnRef idx="2">
               <a:schemeClr val="accent1">
-                <a:shade val="50000"/>
+                <a:shade val="15000"/>
               </a:schemeClr>
             </a:lnRef>
             <a:fillRef idx="1">
@@ -11962,10 +11910,10 @@
         </p:sp>
         <p:pic>
           <p:nvPicPr>
-            <p:cNvPr id="86" name="Image 85">
+            <p:cNvPr id="30" name="Image 29">
               <a:extLst>
                 <a:ext uri="{FF2B5EF4-FFF2-40B4-BE49-F238E27FC236}">
-                  <a16:creationId xmlns:a16="http://schemas.microsoft.com/office/drawing/2014/main" id="{A40132F1-AA6D-655B-1D1F-1265A84F51E2}"/>
+                  <a16:creationId xmlns:a16="http://schemas.microsoft.com/office/drawing/2014/main" id="{3A9EF288-CF35-05B6-F2BB-A72791B482F7}"/>
                 </a:ext>
               </a:extLst>
             </p:cNvPr>
@@ -11975,15 +11923,15 @@
             <p:nvPr/>
           </p:nvPicPr>
           <p:blipFill>
-            <a:blip r:embed="rId2"/>
+            <a:blip r:embed="rId3"/>
             <a:stretch>
               <a:fillRect/>
             </a:stretch>
           </p:blipFill>
           <p:spPr>
             <a:xfrm>
-              <a:off x="5543445" y="4536296"/>
-              <a:ext cx="1358232" cy="1440000"/>
+              <a:off x="7039789" y="4494852"/>
+              <a:ext cx="256994" cy="89823"/>
             </a:xfrm>
             <a:prstGeom prst="rect">
               <a:avLst/>
@@ -11991,10 +11939,3144 @@
           </p:spPr>
         </p:pic>
       </p:grpSp>
+      <p:grpSp>
+        <p:nvGrpSpPr>
+          <p:cNvPr id="110" name="Groupe 109">
+            <a:extLst>
+              <a:ext uri="{FF2B5EF4-FFF2-40B4-BE49-F238E27FC236}">
+                <a16:creationId xmlns:a16="http://schemas.microsoft.com/office/drawing/2014/main" id="{22426873-B368-B17A-A840-25153DEB46D6}"/>
+              </a:ext>
+            </a:extLst>
+          </p:cNvPr>
+          <p:cNvGrpSpPr/>
+          <p:nvPr/>
+        </p:nvGrpSpPr>
+        <p:grpSpPr>
+          <a:xfrm>
+            <a:off x="330445" y="1559561"/>
+            <a:ext cx="693018" cy="242466"/>
+            <a:chOff x="330445" y="1559561"/>
+            <a:chExt cx="693018" cy="242466"/>
+          </a:xfrm>
+        </p:grpSpPr>
+        <p:grpSp>
+          <p:nvGrpSpPr>
+            <p:cNvPr id="104" name="Groupe 103">
+              <a:extLst>
+                <a:ext uri="{FF2B5EF4-FFF2-40B4-BE49-F238E27FC236}">
+                  <a16:creationId xmlns:a16="http://schemas.microsoft.com/office/drawing/2014/main" id="{F0E185A5-A00D-EE3B-DCAF-ADE290DF3786}"/>
+                </a:ext>
+              </a:extLst>
+            </p:cNvPr>
+            <p:cNvGrpSpPr/>
+            <p:nvPr/>
+          </p:nvGrpSpPr>
+          <p:grpSpPr>
+            <a:xfrm>
+              <a:off x="538480" y="1559561"/>
+              <a:ext cx="484983" cy="242466"/>
+              <a:chOff x="6993109" y="4439920"/>
+              <a:chExt cx="363360" cy="199689"/>
+            </a:xfrm>
+            <a:solidFill>
+              <a:srgbClr val="C3AED1"/>
+            </a:solidFill>
+          </p:grpSpPr>
+          <p:sp>
+            <p:nvSpPr>
+              <p:cNvPr id="105" name="Flèche : droite rayée 104">
+                <a:extLst>
+                  <a:ext uri="{FF2B5EF4-FFF2-40B4-BE49-F238E27FC236}">
+                    <a16:creationId xmlns:a16="http://schemas.microsoft.com/office/drawing/2014/main" id="{3079769B-0373-6C13-9642-9B78707AF05B}"/>
+                  </a:ext>
+                </a:extLst>
+              </p:cNvPr>
+              <p:cNvSpPr/>
+              <p:nvPr/>
+            </p:nvSpPr>
+            <p:spPr>
+              <a:xfrm>
+                <a:off x="6993109" y="4439920"/>
+                <a:ext cx="363360" cy="199689"/>
+              </a:xfrm>
+              <a:prstGeom prst="stripedRightArrow">
+                <a:avLst>
+                  <a:gd name="adj1" fmla="val 57350"/>
+                  <a:gd name="adj2" fmla="val 50000"/>
+                </a:avLst>
+              </a:prstGeom>
+              <a:grpFill/>
+              <a:ln>
+                <a:solidFill>
+                  <a:srgbClr val="68348B"/>
+                </a:solidFill>
+              </a:ln>
+            </p:spPr>
+            <p:style>
+              <a:lnRef idx="2">
+                <a:schemeClr val="accent1">
+                  <a:shade val="15000"/>
+                </a:schemeClr>
+              </a:lnRef>
+              <a:fillRef idx="1">
+                <a:schemeClr val="accent1"/>
+              </a:fillRef>
+              <a:effectRef idx="0">
+                <a:schemeClr val="accent1"/>
+              </a:effectRef>
+              <a:fontRef idx="minor">
+                <a:schemeClr val="lt1"/>
+              </a:fontRef>
+            </p:style>
+            <p:txBody>
+              <a:bodyPr rtlCol="0" anchor="ctr"/>
+              <a:lstStyle/>
+              <a:p>
+                <a:pPr algn="ctr"/>
+                <a:endParaRPr lang="fr-FR"/>
+              </a:p>
+            </p:txBody>
+          </p:sp>
+          <p:pic>
+            <p:nvPicPr>
+              <p:cNvPr id="106" name="Image 105">
+                <a:extLst>
+                  <a:ext uri="{FF2B5EF4-FFF2-40B4-BE49-F238E27FC236}">
+                    <a16:creationId xmlns:a16="http://schemas.microsoft.com/office/drawing/2014/main" id="{82631C99-976B-6FB2-1772-484919354A6E}"/>
+                  </a:ext>
+                </a:extLst>
+              </p:cNvPr>
+              <p:cNvPicPr>
+                <a:picLocks noChangeAspect="1"/>
+              </p:cNvPicPr>
+              <p:nvPr/>
+            </p:nvPicPr>
+            <p:blipFill>
+              <a:blip r:embed="rId3"/>
+              <a:stretch>
+                <a:fillRect/>
+              </a:stretch>
+            </p:blipFill>
+            <p:spPr>
+              <a:xfrm>
+                <a:off x="7039789" y="4494852"/>
+                <a:ext cx="256994" cy="89823"/>
+              </a:xfrm>
+              <a:prstGeom prst="rect">
+                <a:avLst/>
+              </a:prstGeom>
+              <a:grpFill/>
+              <a:ln>
+                <a:noFill/>
+              </a:ln>
+            </p:spPr>
+          </p:pic>
+        </p:grpSp>
+        <p:grpSp>
+          <p:nvGrpSpPr>
+            <p:cNvPr id="107" name="Groupe 106">
+              <a:extLst>
+                <a:ext uri="{FF2B5EF4-FFF2-40B4-BE49-F238E27FC236}">
+                  <a16:creationId xmlns:a16="http://schemas.microsoft.com/office/drawing/2014/main" id="{830235AD-BE87-4F0F-5BC2-A5E0ECE22C94}"/>
+                </a:ext>
+              </a:extLst>
+            </p:cNvPr>
+            <p:cNvGrpSpPr/>
+            <p:nvPr/>
+          </p:nvGrpSpPr>
+          <p:grpSpPr>
+            <a:xfrm>
+              <a:off x="330445" y="1590794"/>
+              <a:ext cx="180000" cy="180000"/>
+              <a:chOff x="5404964" y="4396133"/>
+              <a:chExt cx="1800000" cy="1800000"/>
+            </a:xfrm>
+          </p:grpSpPr>
+          <p:sp>
+            <p:nvSpPr>
+              <p:cNvPr id="108" name="Ellipse 107">
+                <a:extLst>
+                  <a:ext uri="{FF2B5EF4-FFF2-40B4-BE49-F238E27FC236}">
+                    <a16:creationId xmlns:a16="http://schemas.microsoft.com/office/drawing/2014/main" id="{BD4A4C32-C6F6-2A4D-FD21-26BBAAF755DD}"/>
+                  </a:ext>
+                </a:extLst>
+              </p:cNvPr>
+              <p:cNvSpPr/>
+              <p:nvPr/>
+            </p:nvSpPr>
+            <p:spPr>
+              <a:xfrm>
+                <a:off x="5404964" y="4396133"/>
+                <a:ext cx="1800000" cy="1800000"/>
+              </a:xfrm>
+              <a:prstGeom prst="ellipse">
+                <a:avLst/>
+              </a:prstGeom>
+              <a:solidFill>
+                <a:srgbClr val="68348B"/>
+              </a:solidFill>
+              <a:ln>
+                <a:noFill/>
+              </a:ln>
+            </p:spPr>
+            <p:style>
+              <a:lnRef idx="2">
+                <a:schemeClr val="accent1">
+                  <a:shade val="50000"/>
+                </a:schemeClr>
+              </a:lnRef>
+              <a:fillRef idx="1">
+                <a:schemeClr val="accent1"/>
+              </a:fillRef>
+              <a:effectRef idx="0">
+                <a:schemeClr val="accent1"/>
+              </a:effectRef>
+              <a:fontRef idx="minor">
+                <a:schemeClr val="lt1"/>
+              </a:fontRef>
+            </p:style>
+            <p:txBody>
+              <a:bodyPr rtlCol="0" anchor="ctr"/>
+              <a:lstStyle/>
+              <a:p>
+                <a:pPr algn="ctr"/>
+                <a:endParaRPr lang="fr-FR" dirty="0"/>
+              </a:p>
+            </p:txBody>
+          </p:sp>
+          <p:pic>
+            <p:nvPicPr>
+              <p:cNvPr id="109" name="Image 108">
+                <a:extLst>
+                  <a:ext uri="{FF2B5EF4-FFF2-40B4-BE49-F238E27FC236}">
+                    <a16:creationId xmlns:a16="http://schemas.microsoft.com/office/drawing/2014/main" id="{80D42552-B18E-0DB6-2EFB-4E50E6AF4244}"/>
+                  </a:ext>
+                </a:extLst>
+              </p:cNvPr>
+              <p:cNvPicPr>
+                <a:picLocks noChangeAspect="1"/>
+              </p:cNvPicPr>
+              <p:nvPr/>
+            </p:nvPicPr>
+            <p:blipFill>
+              <a:blip r:embed="rId2"/>
+              <a:stretch>
+                <a:fillRect/>
+              </a:stretch>
+            </p:blipFill>
+            <p:spPr>
+              <a:xfrm>
+                <a:off x="5543445" y="4536296"/>
+                <a:ext cx="1358232" cy="1440000"/>
+              </a:xfrm>
+              <a:prstGeom prst="rect">
+                <a:avLst/>
+              </a:prstGeom>
+            </p:spPr>
+          </p:pic>
+        </p:grpSp>
+      </p:grpSp>
     </p:spTree>
     <p:extLst>
       <p:ext uri="{BB962C8B-B14F-4D97-AF65-F5344CB8AC3E}">
         <p14:creationId xmlns:p14="http://schemas.microsoft.com/office/powerpoint/2010/main" val="402882684"/>
+      </p:ext>
+    </p:extLst>
+  </p:cSld>
+  <p:clrMapOvr>
+    <a:masterClrMapping/>
+  </p:clrMapOvr>
+</p:sld>
+</file>
+
+<file path=ppt/slides/slide7.xml><?xml version="1.0" encoding="utf-8"?>
+<p:sld xmlns:a="http://schemas.openxmlformats.org/drawingml/2006/main" xmlns:r="http://schemas.openxmlformats.org/officeDocument/2006/relationships" xmlns:p="http://schemas.openxmlformats.org/presentationml/2006/main">
+  <p:cSld>
+    <p:spTree>
+      <p:nvGrpSpPr>
+        <p:cNvPr id="1" name=""/>
+        <p:cNvGrpSpPr/>
+        <p:nvPr/>
+      </p:nvGrpSpPr>
+      <p:grpSpPr>
+        <a:xfrm>
+          <a:off x="0" y="0"/>
+          <a:ext cx="0" cy="0"/>
+          <a:chOff x="0" y="0"/>
+          <a:chExt cx="0" cy="0"/>
+        </a:xfrm>
+      </p:grpSpPr>
+      <p:sp>
+        <p:nvSpPr>
+          <p:cNvPr id="5" name="Titre 4">
+            <a:extLst>
+              <a:ext uri="{FF2B5EF4-FFF2-40B4-BE49-F238E27FC236}">
+                <a16:creationId xmlns:a16="http://schemas.microsoft.com/office/drawing/2014/main" id="{D123CCA7-F57D-5B18-C158-AE7A7EE5D385}"/>
+              </a:ext>
+            </a:extLst>
+          </p:cNvPr>
+          <p:cNvSpPr>
+            <a:spLocks noGrp="1"/>
+          </p:cNvSpPr>
+          <p:nvPr>
+            <p:ph type="title"/>
+          </p:nvPr>
+        </p:nvSpPr>
+        <p:spPr/>
+        <p:txBody>
+          <a:bodyPr/>
+          <a:lstStyle/>
+          <a:p>
+            <a:r>
+              <a:rPr lang="fr-FR" dirty="0"/>
+              <a:t>4 – Résolution cinématique</a:t>
+            </a:r>
+          </a:p>
+        </p:txBody>
+      </p:sp>
+      <p:sp>
+        <p:nvSpPr>
+          <p:cNvPr id="6" name="Espace réservé du texte 5">
+            <a:extLst>
+              <a:ext uri="{FF2B5EF4-FFF2-40B4-BE49-F238E27FC236}">
+                <a16:creationId xmlns:a16="http://schemas.microsoft.com/office/drawing/2014/main" id="{C9F9BD3F-5D94-9F31-0D95-372A6A2452A3}"/>
+              </a:ext>
+            </a:extLst>
+          </p:cNvPr>
+          <p:cNvSpPr>
+            <a:spLocks noGrp="1"/>
+          </p:cNvSpPr>
+          <p:nvPr>
+            <p:ph type="body" idx="1"/>
+          </p:nvPr>
+        </p:nvSpPr>
+        <p:spPr/>
+        <p:txBody>
+          <a:bodyPr/>
+          <a:lstStyle/>
+          <a:p>
+            <a:endParaRPr lang="fr-FR"/>
+          </a:p>
+        </p:txBody>
+      </p:sp>
+      <p:sp>
+        <p:nvSpPr>
+          <p:cNvPr id="4" name="Espace réservé du numéro de diapositive 3">
+            <a:extLst>
+              <a:ext uri="{FF2B5EF4-FFF2-40B4-BE49-F238E27FC236}">
+                <a16:creationId xmlns:a16="http://schemas.microsoft.com/office/drawing/2014/main" id="{D0C13AE2-CD88-947B-7A81-C200CFEA063D}"/>
+              </a:ext>
+            </a:extLst>
+          </p:cNvPr>
+          <p:cNvSpPr>
+            <a:spLocks noGrp="1"/>
+          </p:cNvSpPr>
+          <p:nvPr>
+            <p:ph type="sldNum" sz="quarter" idx="12"/>
+          </p:nvPr>
+        </p:nvSpPr>
+        <p:spPr/>
+        <p:txBody>
+          <a:bodyPr/>
+          <a:lstStyle/>
+          <a:p>
+            <a:fld id="{B7A6A38F-5C8E-497F-8761-3C4E0EEEA33A}" type="slidenum">
+              <a:rPr lang="fr-FR" smtClean="0"/>
+              <a:t>7</a:t>
+            </a:fld>
+            <a:endParaRPr lang="fr-FR"/>
+          </a:p>
+        </p:txBody>
+      </p:sp>
+    </p:spTree>
+    <p:extLst>
+      <p:ext uri="{BB962C8B-B14F-4D97-AF65-F5344CB8AC3E}">
+        <p14:creationId xmlns:p14="http://schemas.microsoft.com/office/powerpoint/2010/main" val="1270685610"/>
+      </p:ext>
+    </p:extLst>
+  </p:cSld>
+  <p:clrMapOvr>
+    <a:masterClrMapping/>
+  </p:clrMapOvr>
+</p:sld>
+</file>
+
+<file path=ppt/slides/slide8.xml><?xml version="1.0" encoding="utf-8"?>
+<p:sld xmlns:a="http://schemas.openxmlformats.org/drawingml/2006/main" xmlns:r="http://schemas.openxmlformats.org/officeDocument/2006/relationships" xmlns:p="http://schemas.openxmlformats.org/presentationml/2006/main">
+  <p:cSld>
+    <p:spTree>
+      <p:nvGrpSpPr>
+        <p:cNvPr id="1" name=""/>
+        <p:cNvGrpSpPr/>
+        <p:nvPr/>
+      </p:nvGrpSpPr>
+      <p:grpSpPr>
+        <a:xfrm>
+          <a:off x="0" y="0"/>
+          <a:ext cx="0" cy="0"/>
+          <a:chOff x="0" y="0"/>
+          <a:chExt cx="0" cy="0"/>
+        </a:xfrm>
+      </p:grpSpPr>
+      <p:sp>
+        <p:nvSpPr>
+          <p:cNvPr id="2" name="Titre 1">
+            <a:extLst>
+              <a:ext uri="{FF2B5EF4-FFF2-40B4-BE49-F238E27FC236}">
+                <a16:creationId xmlns:a16="http://schemas.microsoft.com/office/drawing/2014/main" id="{EC3F401F-21E8-E6CB-146D-ED46B060EC9C}"/>
+              </a:ext>
+            </a:extLst>
+          </p:cNvPr>
+          <p:cNvSpPr>
+            <a:spLocks noGrp="1"/>
+          </p:cNvSpPr>
+          <p:nvPr>
+            <p:ph type="title"/>
+          </p:nvPr>
+        </p:nvSpPr>
+        <p:spPr/>
+        <p:txBody>
+          <a:bodyPr/>
+          <a:lstStyle/>
+          <a:p>
+            <a:endParaRPr lang="fr-FR"/>
+          </a:p>
+        </p:txBody>
+      </p:sp>
+      <p:sp>
+        <p:nvSpPr>
+          <p:cNvPr id="4" name="Espace réservé du numéro de diapositive 3">
+            <a:extLst>
+              <a:ext uri="{FF2B5EF4-FFF2-40B4-BE49-F238E27FC236}">
+                <a16:creationId xmlns:a16="http://schemas.microsoft.com/office/drawing/2014/main" id="{16267A91-EA78-02FB-007B-8D639F0BEC47}"/>
+              </a:ext>
+            </a:extLst>
+          </p:cNvPr>
+          <p:cNvSpPr>
+            <a:spLocks noGrp="1"/>
+          </p:cNvSpPr>
+          <p:nvPr>
+            <p:ph type="sldNum" sz="quarter" idx="12"/>
+          </p:nvPr>
+        </p:nvSpPr>
+        <p:spPr/>
+        <p:txBody>
+          <a:bodyPr/>
+          <a:lstStyle/>
+          <a:p>
+            <a:fld id="{B7A6A38F-5C8E-497F-8761-3C4E0EEEA33A}" type="slidenum">
+              <a:rPr lang="fr-FR" smtClean="0"/>
+              <a:t>8</a:t>
+            </a:fld>
+            <a:endParaRPr lang="fr-FR"/>
+          </a:p>
+        </p:txBody>
+      </p:sp>
+      <p:grpSp>
+        <p:nvGrpSpPr>
+          <p:cNvPr id="5" name="Groupe 4">
+            <a:extLst>
+              <a:ext uri="{FF2B5EF4-FFF2-40B4-BE49-F238E27FC236}">
+                <a16:creationId xmlns:a16="http://schemas.microsoft.com/office/drawing/2014/main" id="{9597E4D1-4894-720A-A722-76E8E450D27C}"/>
+              </a:ext>
+            </a:extLst>
+          </p:cNvPr>
+          <p:cNvGrpSpPr/>
+          <p:nvPr/>
+        </p:nvGrpSpPr>
+        <p:grpSpPr>
+          <a:xfrm rot="20700000">
+            <a:off x="5905252" y="1827442"/>
+            <a:ext cx="1440160" cy="1440160"/>
+            <a:chOff x="971600" y="548680"/>
+            <a:chExt cx="1440160" cy="1440160"/>
+          </a:xfrm>
+        </p:grpSpPr>
+        <p:cxnSp>
+          <p:nvCxnSpPr>
+            <p:cNvPr id="6" name="Connecteur droit 5">
+              <a:extLst>
+                <a:ext uri="{FF2B5EF4-FFF2-40B4-BE49-F238E27FC236}">
+                  <a16:creationId xmlns:a16="http://schemas.microsoft.com/office/drawing/2014/main" id="{6737503E-623E-4C5A-82DC-7BB6C94F60CA}"/>
+                </a:ext>
+              </a:extLst>
+            </p:cNvPr>
+            <p:cNvCxnSpPr/>
+            <p:nvPr/>
+          </p:nvCxnSpPr>
+          <p:spPr>
+            <a:xfrm flipV="1">
+              <a:off x="971600" y="548680"/>
+              <a:ext cx="0" cy="1440160"/>
+            </a:xfrm>
+            <a:prstGeom prst="line">
+              <a:avLst/>
+            </a:prstGeom>
+            <a:ln w="19050">
+              <a:solidFill>
+                <a:srgbClr val="00547F"/>
+              </a:solidFill>
+              <a:tailEnd type="stealth" w="med" len="lg"/>
+            </a:ln>
+          </p:spPr>
+          <p:style>
+            <a:lnRef idx="1">
+              <a:schemeClr val="accent1"/>
+            </a:lnRef>
+            <a:fillRef idx="0">
+              <a:schemeClr val="accent1"/>
+            </a:fillRef>
+            <a:effectRef idx="0">
+              <a:schemeClr val="accent1"/>
+            </a:effectRef>
+            <a:fontRef idx="minor">
+              <a:schemeClr val="tx1"/>
+            </a:fontRef>
+          </p:style>
+        </p:cxnSp>
+        <p:cxnSp>
+          <p:nvCxnSpPr>
+            <p:cNvPr id="7" name="Connecteur droit 6">
+              <a:extLst>
+                <a:ext uri="{FF2B5EF4-FFF2-40B4-BE49-F238E27FC236}">
+                  <a16:creationId xmlns:a16="http://schemas.microsoft.com/office/drawing/2014/main" id="{8DEA9DFD-4E55-07F3-213F-DC852F42731E}"/>
+                </a:ext>
+              </a:extLst>
+            </p:cNvPr>
+            <p:cNvCxnSpPr>
+              <a:cxnSpLocks/>
+            </p:cNvCxnSpPr>
+            <p:nvPr/>
+          </p:nvCxnSpPr>
+          <p:spPr>
+            <a:xfrm rot="5400000" flipV="1">
+              <a:off x="1691680" y="1268760"/>
+              <a:ext cx="0" cy="1440160"/>
+            </a:xfrm>
+            <a:prstGeom prst="line">
+              <a:avLst/>
+            </a:prstGeom>
+            <a:ln w="19050">
+              <a:solidFill>
+                <a:srgbClr val="00547F"/>
+              </a:solidFill>
+              <a:tailEnd type="stealth" w="med" len="lg"/>
+            </a:ln>
+          </p:spPr>
+          <p:style>
+            <a:lnRef idx="1">
+              <a:schemeClr val="accent1"/>
+            </a:lnRef>
+            <a:fillRef idx="0">
+              <a:schemeClr val="accent1"/>
+            </a:fillRef>
+            <a:effectRef idx="0">
+              <a:schemeClr val="accent1"/>
+            </a:effectRef>
+            <a:fontRef idx="minor">
+              <a:schemeClr val="tx1"/>
+            </a:fontRef>
+          </p:style>
+        </p:cxnSp>
+      </p:grpSp>
+      <p:grpSp>
+        <p:nvGrpSpPr>
+          <p:cNvPr id="8" name="Groupe 7">
+            <a:extLst>
+              <a:ext uri="{FF2B5EF4-FFF2-40B4-BE49-F238E27FC236}">
+                <a16:creationId xmlns:a16="http://schemas.microsoft.com/office/drawing/2014/main" id="{2BA31FD6-915B-06A0-EC2D-03CF80280266}"/>
+              </a:ext>
+            </a:extLst>
+          </p:cNvPr>
+          <p:cNvGrpSpPr/>
+          <p:nvPr/>
+        </p:nvGrpSpPr>
+        <p:grpSpPr>
+          <a:xfrm>
+            <a:off x="6096139" y="1989277"/>
+            <a:ext cx="1440160" cy="1440160"/>
+            <a:chOff x="971600" y="548680"/>
+            <a:chExt cx="1440160" cy="1440160"/>
+          </a:xfrm>
+        </p:grpSpPr>
+        <p:cxnSp>
+          <p:nvCxnSpPr>
+            <p:cNvPr id="9" name="Connecteur droit 8">
+              <a:extLst>
+                <a:ext uri="{FF2B5EF4-FFF2-40B4-BE49-F238E27FC236}">
+                  <a16:creationId xmlns:a16="http://schemas.microsoft.com/office/drawing/2014/main" id="{ECAE08FD-B743-2CE8-7224-F281DF1E585C}"/>
+                </a:ext>
+              </a:extLst>
+            </p:cNvPr>
+            <p:cNvCxnSpPr/>
+            <p:nvPr/>
+          </p:nvCxnSpPr>
+          <p:spPr>
+            <a:xfrm flipV="1">
+              <a:off x="971600" y="548680"/>
+              <a:ext cx="0" cy="1440160"/>
+            </a:xfrm>
+            <a:prstGeom prst="line">
+              <a:avLst/>
+            </a:prstGeom>
+            <a:ln w="19050">
+              <a:solidFill>
+                <a:schemeClr val="tx1"/>
+              </a:solidFill>
+              <a:tailEnd type="stealth" w="med" len="lg"/>
+            </a:ln>
+          </p:spPr>
+          <p:style>
+            <a:lnRef idx="1">
+              <a:schemeClr val="accent1"/>
+            </a:lnRef>
+            <a:fillRef idx="0">
+              <a:schemeClr val="accent1"/>
+            </a:fillRef>
+            <a:effectRef idx="0">
+              <a:schemeClr val="accent1"/>
+            </a:effectRef>
+            <a:fontRef idx="minor">
+              <a:schemeClr val="tx1"/>
+            </a:fontRef>
+          </p:style>
+        </p:cxnSp>
+        <p:cxnSp>
+          <p:nvCxnSpPr>
+            <p:cNvPr id="10" name="Connecteur droit 9">
+              <a:extLst>
+                <a:ext uri="{FF2B5EF4-FFF2-40B4-BE49-F238E27FC236}">
+                  <a16:creationId xmlns:a16="http://schemas.microsoft.com/office/drawing/2014/main" id="{615C3BB0-B4F4-2200-BACD-F093694D922C}"/>
+                </a:ext>
+              </a:extLst>
+            </p:cNvPr>
+            <p:cNvCxnSpPr>
+              <a:cxnSpLocks/>
+            </p:cNvCxnSpPr>
+            <p:nvPr/>
+          </p:nvCxnSpPr>
+          <p:spPr>
+            <a:xfrm rot="5400000" flipV="1">
+              <a:off x="1691680" y="1268760"/>
+              <a:ext cx="0" cy="1440160"/>
+            </a:xfrm>
+            <a:prstGeom prst="line">
+              <a:avLst/>
+            </a:prstGeom>
+            <a:ln w="19050">
+              <a:solidFill>
+                <a:schemeClr val="tx1"/>
+              </a:solidFill>
+              <a:tailEnd type="stealth" w="med" len="lg"/>
+            </a:ln>
+          </p:spPr>
+          <p:style>
+            <a:lnRef idx="1">
+              <a:schemeClr val="accent1"/>
+            </a:lnRef>
+            <a:fillRef idx="0">
+              <a:schemeClr val="accent1"/>
+            </a:fillRef>
+            <a:effectRef idx="0">
+              <a:schemeClr val="accent1"/>
+            </a:effectRef>
+            <a:fontRef idx="minor">
+              <a:schemeClr val="tx1"/>
+            </a:fontRef>
+          </p:style>
+        </p:cxnSp>
+      </p:grpSp>
+      <p:sp>
+        <p:nvSpPr>
+          <p:cNvPr id="11" name="Ellipse 10">
+            <a:extLst>
+              <a:ext uri="{FF2B5EF4-FFF2-40B4-BE49-F238E27FC236}">
+                <a16:creationId xmlns:a16="http://schemas.microsoft.com/office/drawing/2014/main" id="{3FC6C6D0-141D-B5B0-8297-70DA9EBD6600}"/>
+              </a:ext>
+            </a:extLst>
+          </p:cNvPr>
+          <p:cNvSpPr/>
+          <p:nvPr/>
+        </p:nvSpPr>
+        <p:spPr>
+          <a:xfrm>
+            <a:off x="5998149" y="3310125"/>
+            <a:ext cx="216000" cy="216000"/>
+          </a:xfrm>
+          <a:prstGeom prst="ellipse">
+            <a:avLst/>
+          </a:prstGeom>
+          <a:solidFill>
+            <a:schemeClr val="bg1"/>
+          </a:solidFill>
+          <a:ln w="19050">
+            <a:solidFill>
+              <a:schemeClr val="tx1"/>
+            </a:solidFill>
+          </a:ln>
+        </p:spPr>
+        <p:style>
+          <a:lnRef idx="2">
+            <a:schemeClr val="accent1">
+              <a:shade val="50000"/>
+            </a:schemeClr>
+          </a:lnRef>
+          <a:fillRef idx="1">
+            <a:schemeClr val="accent1"/>
+          </a:fillRef>
+          <a:effectRef idx="0">
+            <a:schemeClr val="accent1"/>
+          </a:effectRef>
+          <a:fontRef idx="minor">
+            <a:schemeClr val="lt1"/>
+          </a:fontRef>
+        </p:style>
+        <p:txBody>
+          <a:bodyPr rtlCol="0" anchor="ctr"/>
+          <a:lstStyle/>
+          <a:p>
+            <a:pPr algn="ctr"/>
+            <a:endParaRPr lang="fr-FR"/>
+          </a:p>
+        </p:txBody>
+      </p:sp>
+      <p:sp>
+        <p:nvSpPr>
+          <p:cNvPr id="12" name="Ellipse 11">
+            <a:extLst>
+              <a:ext uri="{FF2B5EF4-FFF2-40B4-BE49-F238E27FC236}">
+                <a16:creationId xmlns:a16="http://schemas.microsoft.com/office/drawing/2014/main" id="{1DBD1FC1-CEDB-3BEC-9C13-03D43B79E9C2}"/>
+              </a:ext>
+            </a:extLst>
+          </p:cNvPr>
+          <p:cNvSpPr/>
+          <p:nvPr/>
+        </p:nvSpPr>
+        <p:spPr>
+          <a:xfrm>
+            <a:off x="6070149" y="3382125"/>
+            <a:ext cx="72000" cy="72000"/>
+          </a:xfrm>
+          <a:prstGeom prst="ellipse">
+            <a:avLst/>
+          </a:prstGeom>
+          <a:solidFill>
+            <a:schemeClr val="tx1"/>
+          </a:solidFill>
+          <a:ln w="19050">
+            <a:solidFill>
+              <a:schemeClr val="tx1"/>
+            </a:solidFill>
+          </a:ln>
+        </p:spPr>
+        <p:style>
+          <a:lnRef idx="2">
+            <a:schemeClr val="accent1">
+              <a:shade val="50000"/>
+            </a:schemeClr>
+          </a:lnRef>
+          <a:fillRef idx="1">
+            <a:schemeClr val="accent1"/>
+          </a:fillRef>
+          <a:effectRef idx="0">
+            <a:schemeClr val="accent1"/>
+          </a:effectRef>
+          <a:fontRef idx="minor">
+            <a:schemeClr val="lt1"/>
+          </a:fontRef>
+        </p:style>
+        <p:txBody>
+          <a:bodyPr rtlCol="0" anchor="ctr"/>
+          <a:lstStyle/>
+          <a:p>
+            <a:pPr algn="ctr"/>
+            <a:endParaRPr lang="fr-FR"/>
+          </a:p>
+        </p:txBody>
+      </p:sp>
+      <p:sp>
+        <p:nvSpPr>
+          <p:cNvPr id="13" name="Arc 12">
+            <a:extLst>
+              <a:ext uri="{FF2B5EF4-FFF2-40B4-BE49-F238E27FC236}">
+                <a16:creationId xmlns:a16="http://schemas.microsoft.com/office/drawing/2014/main" id="{6E8C445C-9112-F736-6C64-32F0D2A9F74F}"/>
+              </a:ext>
+            </a:extLst>
+          </p:cNvPr>
+          <p:cNvSpPr/>
+          <p:nvPr/>
+        </p:nvSpPr>
+        <p:spPr>
+          <a:xfrm>
+            <a:off x="4944009" y="2277309"/>
+            <a:ext cx="2304258" cy="2304258"/>
+          </a:xfrm>
+          <a:prstGeom prst="arc">
+            <a:avLst>
+              <a:gd name="adj1" fmla="val 20716967"/>
+              <a:gd name="adj2" fmla="val 0"/>
+            </a:avLst>
+          </a:prstGeom>
+          <a:ln>
+            <a:solidFill>
+              <a:srgbClr val="00547F"/>
+            </a:solidFill>
+            <a:headEnd type="stealth" w="med" len="lg"/>
+          </a:ln>
+        </p:spPr>
+        <p:style>
+          <a:lnRef idx="1">
+            <a:schemeClr val="accent1"/>
+          </a:lnRef>
+          <a:fillRef idx="0">
+            <a:schemeClr val="accent1"/>
+          </a:fillRef>
+          <a:effectRef idx="0">
+            <a:schemeClr val="accent1"/>
+          </a:effectRef>
+          <a:fontRef idx="minor">
+            <a:schemeClr val="tx1"/>
+          </a:fontRef>
+        </p:style>
+        <p:txBody>
+          <a:bodyPr rtlCol="0" anchor="ctr"/>
+          <a:lstStyle/>
+          <a:p>
+            <a:pPr algn="ctr"/>
+            <a:endParaRPr lang="fr-FR"/>
+          </a:p>
+        </p:txBody>
+      </p:sp>
+      <mc:AlternateContent xmlns:mc="http://schemas.openxmlformats.org/markup-compatibility/2006">
+        <mc:Choice xmlns:a14="http://schemas.microsoft.com/office/drawing/2010/main" Requires="a14">
+          <p:sp>
+            <p:nvSpPr>
+              <p:cNvPr id="14" name="ZoneTexte 13">
+                <a:extLst>
+                  <a:ext uri="{FF2B5EF4-FFF2-40B4-BE49-F238E27FC236}">
+                    <a16:creationId xmlns:a16="http://schemas.microsoft.com/office/drawing/2014/main" id="{142044F6-627E-A588-3BEE-94A05046CD48}"/>
+                  </a:ext>
+                </a:extLst>
+              </p:cNvPr>
+              <p:cNvSpPr txBox="1"/>
+              <p:nvPr/>
+            </p:nvSpPr>
+            <p:spPr>
+              <a:xfrm>
+                <a:off x="7550493" y="3306325"/>
+                <a:ext cx="207301" cy="274434"/>
+              </a:xfrm>
+              <a:prstGeom prst="rect">
+                <a:avLst/>
+              </a:prstGeom>
+              <a:noFill/>
+            </p:spPr>
+            <p:txBody>
+              <a:bodyPr wrap="none" lIns="0" tIns="0" rIns="0" bIns="0" rtlCol="0">
+                <a:spAutoFit/>
+              </a:bodyPr>
+              <a:lstStyle/>
+              <a:p>
+                <a:pPr/>
+                <a14:m>
+                  <m:oMathPara xmlns:m="http://schemas.openxmlformats.org/officeDocument/2006/math">
+                    <m:oMathParaPr>
+                      <m:jc m:val="centerGroup"/>
+                    </m:oMathParaPr>
+                    <m:oMath xmlns:m="http://schemas.openxmlformats.org/officeDocument/2006/math">
+                      <m:acc>
+                        <m:accPr>
+                          <m:chr m:val="⃗"/>
+                          <m:ctrlPr>
+                            <a:rPr lang="fr-FR" sz="1600" i="1" smtClean="0">
+                              <a:latin typeface="Cambria Math" panose="02040503050406030204" pitchFamily="18" charset="0"/>
+                            </a:rPr>
+                          </m:ctrlPr>
+                        </m:accPr>
+                        <m:e>
+                          <m:sSub>
+                            <m:sSubPr>
+                              <m:ctrlPr>
+                                <a:rPr lang="fr-FR" sz="1600" b="0" i="1" smtClean="0">
+                                  <a:latin typeface="Cambria Math" panose="02040503050406030204" pitchFamily="18" charset="0"/>
+                                </a:rPr>
+                              </m:ctrlPr>
+                            </m:sSubPr>
+                            <m:e>
+                              <m:r>
+                                <a:rPr lang="fr-FR" sz="1600" b="0" i="1" smtClean="0">
+                                  <a:latin typeface="Cambria Math" panose="02040503050406030204" pitchFamily="18" charset="0"/>
+                                </a:rPr>
+                                <m:t>𝑖</m:t>
+                              </m:r>
+                            </m:e>
+                            <m:sub>
+                              <m:r>
+                                <a:rPr lang="fr-FR" sz="1600" b="0" i="1" smtClean="0">
+                                  <a:latin typeface="Cambria Math" panose="02040503050406030204" pitchFamily="18" charset="0"/>
+                                </a:rPr>
+                                <m:t>0</m:t>
+                              </m:r>
+                            </m:sub>
+                          </m:sSub>
+                        </m:e>
+                      </m:acc>
+                    </m:oMath>
+                  </m:oMathPara>
+                </a14:m>
+                <a:endParaRPr lang="fr-FR" sz="1600" dirty="0"/>
+              </a:p>
+            </p:txBody>
+          </p:sp>
+        </mc:Choice>
+        <mc:Fallback>
+          <p:sp>
+            <p:nvSpPr>
+              <p:cNvPr id="14" name="ZoneTexte 13">
+                <a:extLst>
+                  <a:ext uri="{FF2B5EF4-FFF2-40B4-BE49-F238E27FC236}">
+                    <a16:creationId xmlns:a16="http://schemas.microsoft.com/office/drawing/2014/main" id="{142044F6-627E-A588-3BEE-94A05046CD48}"/>
+                  </a:ext>
+                </a:extLst>
+              </p:cNvPr>
+              <p:cNvSpPr txBox="1">
+                <a:spLocks noRot="1" noChangeAspect="1" noMove="1" noResize="1" noEditPoints="1" noAdjustHandles="1" noChangeArrowheads="1" noChangeShapeType="1" noTextEdit="1"/>
+              </p:cNvSpPr>
+              <p:nvPr/>
+            </p:nvSpPr>
+            <p:spPr>
+              <a:xfrm>
+                <a:off x="7550493" y="3306325"/>
+                <a:ext cx="207301" cy="274434"/>
+              </a:xfrm>
+              <a:prstGeom prst="rect">
+                <a:avLst/>
+              </a:prstGeom>
+              <a:blipFill>
+                <a:blip r:embed="rId2"/>
+                <a:stretch>
+                  <a:fillRect l="-23529" r="-5882" b="-13333"/>
+                </a:stretch>
+              </a:blipFill>
+            </p:spPr>
+            <p:txBody>
+              <a:bodyPr/>
+              <a:lstStyle/>
+              <a:p>
+                <a:r>
+                  <a:rPr lang="fr-FR">
+                    <a:noFill/>
+                  </a:rPr>
+                  <a:t> </a:t>
+                </a:r>
+              </a:p>
+            </p:txBody>
+          </p:sp>
+        </mc:Fallback>
+      </mc:AlternateContent>
+      <mc:AlternateContent xmlns:mc="http://schemas.openxmlformats.org/markup-compatibility/2006">
+        <mc:Choice xmlns:a14="http://schemas.microsoft.com/office/drawing/2010/main" Requires="a14">
+          <p:sp>
+            <p:nvSpPr>
+              <p:cNvPr id="15" name="ZoneTexte 14">
+                <a:extLst>
+                  <a:ext uri="{FF2B5EF4-FFF2-40B4-BE49-F238E27FC236}">
+                    <a16:creationId xmlns:a16="http://schemas.microsoft.com/office/drawing/2014/main" id="{C50AACF2-1C72-3DEF-1779-3BCD83C445A6}"/>
+                  </a:ext>
+                </a:extLst>
+              </p:cNvPr>
+              <p:cNvSpPr txBox="1"/>
+              <p:nvPr/>
+            </p:nvSpPr>
+            <p:spPr>
+              <a:xfrm>
+                <a:off x="6015077" y="1721608"/>
+                <a:ext cx="208327" cy="274434"/>
+              </a:xfrm>
+              <a:prstGeom prst="rect">
+                <a:avLst/>
+              </a:prstGeom>
+              <a:noFill/>
+            </p:spPr>
+            <p:txBody>
+              <a:bodyPr wrap="none" lIns="0" tIns="0" rIns="0" bIns="0" rtlCol="0">
+                <a:spAutoFit/>
+              </a:bodyPr>
+              <a:lstStyle/>
+              <a:p>
+                <a:pPr/>
+                <a14:m>
+                  <m:oMathPara xmlns:m="http://schemas.openxmlformats.org/officeDocument/2006/math">
+                    <m:oMathParaPr>
+                      <m:jc m:val="centerGroup"/>
+                    </m:oMathParaPr>
+                    <m:oMath xmlns:m="http://schemas.openxmlformats.org/officeDocument/2006/math">
+                      <m:acc>
+                        <m:accPr>
+                          <m:chr m:val="⃗"/>
+                          <m:ctrlPr>
+                            <a:rPr lang="fr-FR" sz="1600" i="1" smtClean="0">
+                              <a:latin typeface="Cambria Math" panose="02040503050406030204" pitchFamily="18" charset="0"/>
+                            </a:rPr>
+                          </m:ctrlPr>
+                        </m:accPr>
+                        <m:e>
+                          <m:sSub>
+                            <m:sSubPr>
+                              <m:ctrlPr>
+                                <a:rPr lang="fr-FR" sz="1600" b="0" i="1" smtClean="0">
+                                  <a:latin typeface="Cambria Math" panose="02040503050406030204" pitchFamily="18" charset="0"/>
+                                </a:rPr>
+                              </m:ctrlPr>
+                            </m:sSubPr>
+                            <m:e>
+                              <m:r>
+                                <a:rPr lang="fr-FR" sz="1600" b="0" i="1" smtClean="0">
+                                  <a:latin typeface="Cambria Math" panose="02040503050406030204" pitchFamily="18" charset="0"/>
+                                </a:rPr>
+                                <m:t>𝑗</m:t>
+                              </m:r>
+                            </m:e>
+                            <m:sub>
+                              <m:r>
+                                <a:rPr lang="fr-FR" sz="1600" b="0" i="1" smtClean="0">
+                                  <a:latin typeface="Cambria Math" panose="02040503050406030204" pitchFamily="18" charset="0"/>
+                                </a:rPr>
+                                <m:t>0</m:t>
+                              </m:r>
+                            </m:sub>
+                          </m:sSub>
+                        </m:e>
+                      </m:acc>
+                    </m:oMath>
+                  </m:oMathPara>
+                </a14:m>
+                <a:endParaRPr lang="fr-FR" sz="1600" dirty="0"/>
+              </a:p>
+            </p:txBody>
+          </p:sp>
+        </mc:Choice>
+        <mc:Fallback>
+          <p:sp>
+            <p:nvSpPr>
+              <p:cNvPr id="15" name="ZoneTexte 14">
+                <a:extLst>
+                  <a:ext uri="{FF2B5EF4-FFF2-40B4-BE49-F238E27FC236}">
+                    <a16:creationId xmlns:a16="http://schemas.microsoft.com/office/drawing/2014/main" id="{C50AACF2-1C72-3DEF-1779-3BCD83C445A6}"/>
+                  </a:ext>
+                </a:extLst>
+              </p:cNvPr>
+              <p:cNvSpPr txBox="1">
+                <a:spLocks noRot="1" noChangeAspect="1" noMove="1" noResize="1" noEditPoints="1" noAdjustHandles="1" noChangeArrowheads="1" noChangeShapeType="1" noTextEdit="1"/>
+              </p:cNvSpPr>
+              <p:nvPr/>
+            </p:nvSpPr>
+            <p:spPr>
+              <a:xfrm>
+                <a:off x="6015077" y="1721608"/>
+                <a:ext cx="208327" cy="274434"/>
+              </a:xfrm>
+              <a:prstGeom prst="rect">
+                <a:avLst/>
+              </a:prstGeom>
+              <a:blipFill>
+                <a:blip r:embed="rId3"/>
+                <a:stretch>
+                  <a:fillRect l="-32353" r="-8824" b="-28889"/>
+                </a:stretch>
+              </a:blipFill>
+            </p:spPr>
+            <p:txBody>
+              <a:bodyPr/>
+              <a:lstStyle/>
+              <a:p>
+                <a:r>
+                  <a:rPr lang="fr-FR">
+                    <a:noFill/>
+                  </a:rPr>
+                  <a:t> </a:t>
+                </a:r>
+              </a:p>
+            </p:txBody>
+          </p:sp>
+        </mc:Fallback>
+      </mc:AlternateContent>
+      <mc:AlternateContent xmlns:mc="http://schemas.openxmlformats.org/markup-compatibility/2006">
+        <mc:Choice xmlns:a14="http://schemas.microsoft.com/office/drawing/2010/main" Requires="a14">
+          <p:sp>
+            <p:nvSpPr>
+              <p:cNvPr id="16" name="ZoneTexte 15">
+                <a:extLst>
+                  <a:ext uri="{FF2B5EF4-FFF2-40B4-BE49-F238E27FC236}">
+                    <a16:creationId xmlns:a16="http://schemas.microsoft.com/office/drawing/2014/main" id="{0FC720A2-9E99-D18B-004F-187199F2FD85}"/>
+                  </a:ext>
+                </a:extLst>
+              </p:cNvPr>
+              <p:cNvSpPr txBox="1"/>
+              <p:nvPr/>
+            </p:nvSpPr>
+            <p:spPr>
+              <a:xfrm>
+                <a:off x="6015077" y="3622813"/>
+                <a:ext cx="255391" cy="282641"/>
+              </a:xfrm>
+              <a:prstGeom prst="rect">
+                <a:avLst/>
+              </a:prstGeom>
+              <a:noFill/>
+            </p:spPr>
+            <p:txBody>
+              <a:bodyPr wrap="none" lIns="0" tIns="0" rIns="0" bIns="0" rtlCol="0">
+                <a:spAutoFit/>
+              </a:bodyPr>
+              <a:lstStyle/>
+              <a:p>
+                <a:pPr/>
+                <a14:m>
+                  <m:oMathPara xmlns:m="http://schemas.openxmlformats.org/officeDocument/2006/math">
+                    <m:oMathParaPr>
+                      <m:jc m:val="centerGroup"/>
+                    </m:oMathParaPr>
+                    <m:oMath xmlns:m="http://schemas.openxmlformats.org/officeDocument/2006/math">
+                      <m:acc>
+                        <m:accPr>
+                          <m:chr m:val="⃗"/>
+                          <m:ctrlPr>
+                            <a:rPr lang="fr-FR" sz="1600" i="1" smtClean="0">
+                              <a:latin typeface="Cambria Math" panose="02040503050406030204" pitchFamily="18" charset="0"/>
+                            </a:rPr>
+                          </m:ctrlPr>
+                        </m:accPr>
+                        <m:e>
+                          <m:sSub>
+                            <m:sSubPr>
+                              <m:ctrlPr>
+                                <a:rPr lang="fr-FR" sz="1600" b="0" i="1" smtClean="0">
+                                  <a:latin typeface="Cambria Math" panose="02040503050406030204" pitchFamily="18" charset="0"/>
+                                </a:rPr>
+                              </m:ctrlPr>
+                            </m:sSubPr>
+                            <m:e>
+                              <m:r>
+                                <a:rPr lang="fr-FR" sz="1600" b="0" i="1" smtClean="0">
+                                  <a:latin typeface="Cambria Math" panose="02040503050406030204" pitchFamily="18" charset="0"/>
+                                </a:rPr>
+                                <m:t>𝑘</m:t>
+                              </m:r>
+                            </m:e>
+                            <m:sub>
+                              <m:r>
+                                <a:rPr lang="fr-FR" sz="1600" b="0" i="1" smtClean="0">
+                                  <a:latin typeface="Cambria Math" panose="02040503050406030204" pitchFamily="18" charset="0"/>
+                                </a:rPr>
+                                <m:t>0</m:t>
+                              </m:r>
+                            </m:sub>
+                          </m:sSub>
+                        </m:e>
+                      </m:acc>
+                    </m:oMath>
+                  </m:oMathPara>
+                </a14:m>
+                <a:endParaRPr lang="fr-FR" sz="1600" dirty="0"/>
+              </a:p>
+            </p:txBody>
+          </p:sp>
+        </mc:Choice>
+        <mc:Fallback>
+          <p:sp>
+            <p:nvSpPr>
+              <p:cNvPr id="16" name="ZoneTexte 15">
+                <a:extLst>
+                  <a:ext uri="{FF2B5EF4-FFF2-40B4-BE49-F238E27FC236}">
+                    <a16:creationId xmlns:a16="http://schemas.microsoft.com/office/drawing/2014/main" id="{0FC720A2-9E99-D18B-004F-187199F2FD85}"/>
+                  </a:ext>
+                </a:extLst>
+              </p:cNvPr>
+              <p:cNvSpPr txBox="1">
+                <a:spLocks noRot="1" noChangeAspect="1" noMove="1" noResize="1" noEditPoints="1" noAdjustHandles="1" noChangeArrowheads="1" noChangeShapeType="1" noTextEdit="1"/>
+              </p:cNvSpPr>
+              <p:nvPr/>
+            </p:nvSpPr>
+            <p:spPr>
+              <a:xfrm>
+                <a:off x="6015077" y="3622813"/>
+                <a:ext cx="255391" cy="282641"/>
+              </a:xfrm>
+              <a:prstGeom prst="rect">
+                <a:avLst/>
+              </a:prstGeom>
+              <a:blipFill>
+                <a:blip r:embed="rId4"/>
+                <a:stretch>
+                  <a:fillRect l="-19048" r="-4762" b="-10638"/>
+                </a:stretch>
+              </a:blipFill>
+            </p:spPr>
+            <p:txBody>
+              <a:bodyPr/>
+              <a:lstStyle/>
+              <a:p>
+                <a:r>
+                  <a:rPr lang="fr-FR">
+                    <a:noFill/>
+                  </a:rPr>
+                  <a:t> </a:t>
+                </a:r>
+              </a:p>
+            </p:txBody>
+          </p:sp>
+        </mc:Fallback>
+      </mc:AlternateContent>
+      <mc:AlternateContent xmlns:mc="http://schemas.openxmlformats.org/markup-compatibility/2006">
+        <mc:Choice xmlns:a14="http://schemas.microsoft.com/office/drawing/2010/main" Requires="a14">
+          <p:sp>
+            <p:nvSpPr>
+              <p:cNvPr id="17" name="ZoneTexte 16">
+                <a:extLst>
+                  <a:ext uri="{FF2B5EF4-FFF2-40B4-BE49-F238E27FC236}">
+                    <a16:creationId xmlns:a16="http://schemas.microsoft.com/office/drawing/2014/main" id="{F573D01C-276A-989C-8961-19F79A2A26C5}"/>
+                  </a:ext>
+                </a:extLst>
+              </p:cNvPr>
+              <p:cNvSpPr txBox="1"/>
+              <p:nvPr/>
+            </p:nvSpPr>
+            <p:spPr>
+              <a:xfrm>
+                <a:off x="7270806" y="3181145"/>
+                <a:ext cx="126317" cy="184666"/>
+              </a:xfrm>
+              <a:prstGeom prst="rect">
+                <a:avLst/>
+              </a:prstGeom>
+              <a:noFill/>
+            </p:spPr>
+            <p:txBody>
+              <a:bodyPr wrap="none" lIns="0" tIns="0" rIns="0" bIns="0" rtlCol="0">
+                <a:spAutoFit/>
+              </a:bodyPr>
+              <a:lstStyle/>
+              <a:p>
+                <a:pPr/>
+                <a14:m>
+                  <m:oMathPara xmlns:m="http://schemas.openxmlformats.org/officeDocument/2006/math">
+                    <m:oMathParaPr>
+                      <m:jc m:val="centerGroup"/>
+                    </m:oMathParaPr>
+                    <m:oMath xmlns:m="http://schemas.openxmlformats.org/officeDocument/2006/math">
+                      <m:r>
+                        <a:rPr lang="fr-FR" sz="1200" i="1">
+                          <a:latin typeface="Cambria Math" panose="02040503050406030204" pitchFamily="18" charset="0"/>
+                        </a:rPr>
+                        <m:t>𝜃</m:t>
+                      </m:r>
+                    </m:oMath>
+                  </m:oMathPara>
+                </a14:m>
+                <a:endParaRPr lang="fr-FR" sz="1200" dirty="0"/>
+              </a:p>
+            </p:txBody>
+          </p:sp>
+        </mc:Choice>
+        <mc:Fallback>
+          <p:sp>
+            <p:nvSpPr>
+              <p:cNvPr id="17" name="ZoneTexte 16">
+                <a:extLst>
+                  <a:ext uri="{FF2B5EF4-FFF2-40B4-BE49-F238E27FC236}">
+                    <a16:creationId xmlns:a16="http://schemas.microsoft.com/office/drawing/2014/main" id="{F573D01C-276A-989C-8961-19F79A2A26C5}"/>
+                  </a:ext>
+                </a:extLst>
+              </p:cNvPr>
+              <p:cNvSpPr txBox="1">
+                <a:spLocks noRot="1" noChangeAspect="1" noMove="1" noResize="1" noEditPoints="1" noAdjustHandles="1" noChangeArrowheads="1" noChangeShapeType="1" noTextEdit="1"/>
+              </p:cNvSpPr>
+              <p:nvPr/>
+            </p:nvSpPr>
+            <p:spPr>
+              <a:xfrm>
+                <a:off x="7270806" y="3181145"/>
+                <a:ext cx="126317" cy="184666"/>
+              </a:xfrm>
+              <a:prstGeom prst="rect">
+                <a:avLst/>
+              </a:prstGeom>
+              <a:blipFill>
+                <a:blip r:embed="rId5"/>
+                <a:stretch>
+                  <a:fillRect l="-30000" r="-30000" b="-6667"/>
+                </a:stretch>
+              </a:blipFill>
+            </p:spPr>
+            <p:txBody>
+              <a:bodyPr/>
+              <a:lstStyle/>
+              <a:p>
+                <a:r>
+                  <a:rPr lang="fr-FR">
+                    <a:noFill/>
+                  </a:rPr>
+                  <a:t> </a:t>
+                </a:r>
+              </a:p>
+            </p:txBody>
+          </p:sp>
+        </mc:Fallback>
+      </mc:AlternateContent>
+      <mc:AlternateContent xmlns:mc="http://schemas.openxmlformats.org/markup-compatibility/2006">
+        <mc:Choice xmlns:a14="http://schemas.microsoft.com/office/drawing/2010/main" Requires="a14">
+          <p:sp>
+            <p:nvSpPr>
+              <p:cNvPr id="18" name="ZoneTexte 17">
+                <a:extLst>
+                  <a:ext uri="{FF2B5EF4-FFF2-40B4-BE49-F238E27FC236}">
+                    <a16:creationId xmlns:a16="http://schemas.microsoft.com/office/drawing/2014/main" id="{567151A2-551A-05C5-445D-B544B9165B3B}"/>
+                  </a:ext>
+                </a:extLst>
+              </p:cNvPr>
+              <p:cNvSpPr txBox="1"/>
+              <p:nvPr/>
+            </p:nvSpPr>
+            <p:spPr>
+              <a:xfrm>
+                <a:off x="7541731" y="2898848"/>
+                <a:ext cx="202555" cy="274434"/>
+              </a:xfrm>
+              <a:prstGeom prst="rect">
+                <a:avLst/>
+              </a:prstGeom>
+              <a:noFill/>
+            </p:spPr>
+            <p:txBody>
+              <a:bodyPr wrap="none" lIns="0" tIns="0" rIns="0" bIns="0" rtlCol="0">
+                <a:spAutoFit/>
+              </a:bodyPr>
+              <a:lstStyle/>
+              <a:p>
+                <a:pPr/>
+                <a14:m>
+                  <m:oMathPara xmlns:m="http://schemas.openxmlformats.org/officeDocument/2006/math">
+                    <m:oMathParaPr>
+                      <m:jc m:val="centerGroup"/>
+                    </m:oMathParaPr>
+                    <m:oMath xmlns:m="http://schemas.openxmlformats.org/officeDocument/2006/math">
+                      <m:acc>
+                        <m:accPr>
+                          <m:chr m:val="⃗"/>
+                          <m:ctrlPr>
+                            <a:rPr lang="fr-FR" sz="1600" i="1" smtClean="0">
+                              <a:latin typeface="Cambria Math" panose="02040503050406030204" pitchFamily="18" charset="0"/>
+                            </a:rPr>
+                          </m:ctrlPr>
+                        </m:accPr>
+                        <m:e>
+                          <m:sSub>
+                            <m:sSubPr>
+                              <m:ctrlPr>
+                                <a:rPr lang="fr-FR" sz="1600" i="1">
+                                  <a:latin typeface="Cambria Math" panose="02040503050406030204" pitchFamily="18" charset="0"/>
+                                </a:rPr>
+                              </m:ctrlPr>
+                            </m:sSubPr>
+                            <m:e>
+                              <m:r>
+                                <a:rPr lang="fr-FR" sz="1600" b="0" i="1" smtClean="0">
+                                  <a:latin typeface="Cambria Math" panose="02040503050406030204" pitchFamily="18" charset="0"/>
+                                </a:rPr>
+                                <m:t>𝑖</m:t>
+                              </m:r>
+                            </m:e>
+                            <m:sub>
+                              <m:r>
+                                <a:rPr lang="fr-FR" sz="1600" i="1">
+                                  <a:latin typeface="Cambria Math" panose="02040503050406030204" pitchFamily="18" charset="0"/>
+                                </a:rPr>
+                                <m:t>1</m:t>
+                              </m:r>
+                            </m:sub>
+                          </m:sSub>
+                        </m:e>
+                      </m:acc>
+                    </m:oMath>
+                  </m:oMathPara>
+                </a14:m>
+                <a:endParaRPr lang="fr-FR" sz="1600" dirty="0"/>
+              </a:p>
+            </p:txBody>
+          </p:sp>
+        </mc:Choice>
+        <mc:Fallback>
+          <p:sp>
+            <p:nvSpPr>
+              <p:cNvPr id="18" name="ZoneTexte 17">
+                <a:extLst>
+                  <a:ext uri="{FF2B5EF4-FFF2-40B4-BE49-F238E27FC236}">
+                    <a16:creationId xmlns:a16="http://schemas.microsoft.com/office/drawing/2014/main" id="{567151A2-551A-05C5-445D-B544B9165B3B}"/>
+                  </a:ext>
+                </a:extLst>
+              </p:cNvPr>
+              <p:cNvSpPr txBox="1">
+                <a:spLocks noRot="1" noChangeAspect="1" noMove="1" noResize="1" noEditPoints="1" noAdjustHandles="1" noChangeArrowheads="1" noChangeShapeType="1" noTextEdit="1"/>
+              </p:cNvSpPr>
+              <p:nvPr/>
+            </p:nvSpPr>
+            <p:spPr>
+              <a:xfrm>
+                <a:off x="7541731" y="2898848"/>
+                <a:ext cx="202555" cy="274434"/>
+              </a:xfrm>
+              <a:prstGeom prst="rect">
+                <a:avLst/>
+              </a:prstGeom>
+              <a:blipFill>
+                <a:blip r:embed="rId6"/>
+                <a:stretch>
+                  <a:fillRect l="-21212" r="-6061" b="-13333"/>
+                </a:stretch>
+              </a:blipFill>
+            </p:spPr>
+            <p:txBody>
+              <a:bodyPr/>
+              <a:lstStyle/>
+              <a:p>
+                <a:r>
+                  <a:rPr lang="fr-FR">
+                    <a:noFill/>
+                  </a:rPr>
+                  <a:t> </a:t>
+                </a:r>
+              </a:p>
+            </p:txBody>
+          </p:sp>
+        </mc:Fallback>
+      </mc:AlternateContent>
+      <mc:AlternateContent xmlns:mc="http://schemas.openxmlformats.org/markup-compatibility/2006">
+        <mc:Choice xmlns:a14="http://schemas.microsoft.com/office/drawing/2010/main" Requires="a14">
+          <p:sp>
+            <p:nvSpPr>
+              <p:cNvPr id="19" name="ZoneTexte 18">
+                <a:extLst>
+                  <a:ext uri="{FF2B5EF4-FFF2-40B4-BE49-F238E27FC236}">
+                    <a16:creationId xmlns:a16="http://schemas.microsoft.com/office/drawing/2014/main" id="{3F4D728A-9646-06EE-62A0-58375971ACB1}"/>
+                  </a:ext>
+                </a:extLst>
+              </p:cNvPr>
+              <p:cNvSpPr txBox="1"/>
+              <p:nvPr/>
+            </p:nvSpPr>
+            <p:spPr>
+              <a:xfrm>
+                <a:off x="5661055" y="1721608"/>
+                <a:ext cx="203581" cy="274434"/>
+              </a:xfrm>
+              <a:prstGeom prst="rect">
+                <a:avLst/>
+              </a:prstGeom>
+              <a:noFill/>
+            </p:spPr>
+            <p:txBody>
+              <a:bodyPr wrap="none" lIns="0" tIns="0" rIns="0" bIns="0" rtlCol="0">
+                <a:spAutoFit/>
+              </a:bodyPr>
+              <a:lstStyle/>
+              <a:p>
+                <a:pPr/>
+                <a14:m>
+                  <m:oMathPara xmlns:m="http://schemas.openxmlformats.org/officeDocument/2006/math">
+                    <m:oMathParaPr>
+                      <m:jc m:val="centerGroup"/>
+                    </m:oMathParaPr>
+                    <m:oMath xmlns:m="http://schemas.openxmlformats.org/officeDocument/2006/math">
+                      <m:acc>
+                        <m:accPr>
+                          <m:chr m:val="⃗"/>
+                          <m:ctrlPr>
+                            <a:rPr lang="fr-FR" sz="1600" i="1" smtClean="0">
+                              <a:latin typeface="Cambria Math" panose="02040503050406030204" pitchFamily="18" charset="0"/>
+                            </a:rPr>
+                          </m:ctrlPr>
+                        </m:accPr>
+                        <m:e>
+                          <m:sSub>
+                            <m:sSubPr>
+                              <m:ctrlPr>
+                                <a:rPr lang="fr-FR" sz="1600" i="1">
+                                  <a:latin typeface="Cambria Math" panose="02040503050406030204" pitchFamily="18" charset="0"/>
+                                </a:rPr>
+                              </m:ctrlPr>
+                            </m:sSubPr>
+                            <m:e>
+                              <m:r>
+                                <a:rPr lang="fr-FR" sz="1600" b="0" i="1" smtClean="0">
+                                  <a:latin typeface="Cambria Math" panose="02040503050406030204" pitchFamily="18" charset="0"/>
+                                </a:rPr>
+                                <m:t>𝑗</m:t>
+                              </m:r>
+                            </m:e>
+                            <m:sub>
+                              <m:r>
+                                <a:rPr lang="fr-FR" sz="1600" i="1">
+                                  <a:latin typeface="Cambria Math" panose="02040503050406030204" pitchFamily="18" charset="0"/>
+                                </a:rPr>
+                                <m:t>1</m:t>
+                              </m:r>
+                            </m:sub>
+                          </m:sSub>
+                        </m:e>
+                      </m:acc>
+                    </m:oMath>
+                  </m:oMathPara>
+                </a14:m>
+                <a:endParaRPr lang="fr-FR" sz="1600" dirty="0"/>
+              </a:p>
+            </p:txBody>
+          </p:sp>
+        </mc:Choice>
+        <mc:Fallback>
+          <p:sp>
+            <p:nvSpPr>
+              <p:cNvPr id="19" name="ZoneTexte 18">
+                <a:extLst>
+                  <a:ext uri="{FF2B5EF4-FFF2-40B4-BE49-F238E27FC236}">
+                    <a16:creationId xmlns:a16="http://schemas.microsoft.com/office/drawing/2014/main" id="{3F4D728A-9646-06EE-62A0-58375971ACB1}"/>
+                  </a:ext>
+                </a:extLst>
+              </p:cNvPr>
+              <p:cNvSpPr txBox="1">
+                <a:spLocks noRot="1" noChangeAspect="1" noMove="1" noResize="1" noEditPoints="1" noAdjustHandles="1" noChangeArrowheads="1" noChangeShapeType="1" noTextEdit="1"/>
+              </p:cNvSpPr>
+              <p:nvPr/>
+            </p:nvSpPr>
+            <p:spPr>
+              <a:xfrm>
+                <a:off x="5661055" y="1721608"/>
+                <a:ext cx="203581" cy="274434"/>
+              </a:xfrm>
+              <a:prstGeom prst="rect">
+                <a:avLst/>
+              </a:prstGeom>
+              <a:blipFill>
+                <a:blip r:embed="rId7"/>
+                <a:stretch>
+                  <a:fillRect l="-33333" r="-9091" b="-28889"/>
+                </a:stretch>
+              </a:blipFill>
+            </p:spPr>
+            <p:txBody>
+              <a:bodyPr/>
+              <a:lstStyle/>
+              <a:p>
+                <a:r>
+                  <a:rPr lang="fr-FR">
+                    <a:noFill/>
+                  </a:rPr>
+                  <a:t> </a:t>
+                </a:r>
+              </a:p>
+            </p:txBody>
+          </p:sp>
+        </mc:Fallback>
+      </mc:AlternateContent>
+      <p:sp>
+        <p:nvSpPr>
+          <p:cNvPr id="20" name="Forme libre : forme 19">
+            <a:extLst>
+              <a:ext uri="{FF2B5EF4-FFF2-40B4-BE49-F238E27FC236}">
+                <a16:creationId xmlns:a16="http://schemas.microsoft.com/office/drawing/2014/main" id="{0DE24122-C031-D031-9189-16826C7198B5}"/>
+              </a:ext>
+            </a:extLst>
+          </p:cNvPr>
+          <p:cNvSpPr/>
+          <p:nvPr/>
+        </p:nvSpPr>
+        <p:spPr>
+          <a:xfrm>
+            <a:off x="2302852" y="3655813"/>
+            <a:ext cx="415449" cy="145926"/>
+          </a:xfrm>
+          <a:custGeom>
+            <a:avLst/>
+            <a:gdLst>
+              <a:gd name="connsiteX0" fmla="*/ 0 w 400050"/>
+              <a:gd name="connsiteY0" fmla="*/ 6350 h 134622"/>
+              <a:gd name="connsiteX1" fmla="*/ 63500 w 400050"/>
+              <a:gd name="connsiteY1" fmla="*/ 114300 h 134622"/>
+              <a:gd name="connsiteX2" fmla="*/ 203200 w 400050"/>
+              <a:gd name="connsiteY2" fmla="*/ 69850 h 134622"/>
+              <a:gd name="connsiteX3" fmla="*/ 304800 w 400050"/>
+              <a:gd name="connsiteY3" fmla="*/ 133350 h 134622"/>
+              <a:gd name="connsiteX4" fmla="*/ 400050 w 400050"/>
+              <a:gd name="connsiteY4" fmla="*/ 0 h 134622"/>
+            </a:gdLst>
+            <a:ahLst/>
+            <a:cxnLst>
+              <a:cxn ang="0">
+                <a:pos x="connsiteX0" y="connsiteY0"/>
+              </a:cxn>
+              <a:cxn ang="0">
+                <a:pos x="connsiteX1" y="connsiteY1"/>
+              </a:cxn>
+              <a:cxn ang="0">
+                <a:pos x="connsiteX2" y="connsiteY2"/>
+              </a:cxn>
+              <a:cxn ang="0">
+                <a:pos x="connsiteX3" y="connsiteY3"/>
+              </a:cxn>
+              <a:cxn ang="0">
+                <a:pos x="connsiteX4" y="connsiteY4"/>
+              </a:cxn>
+            </a:cxnLst>
+            <a:rect l="l" t="t" r="r" b="b"/>
+            <a:pathLst>
+              <a:path w="400050" h="134622">
+                <a:moveTo>
+                  <a:pt x="0" y="6350"/>
+                </a:moveTo>
+                <a:cubicBezTo>
+                  <a:pt x="14816" y="55033"/>
+                  <a:pt x="29633" y="103717"/>
+                  <a:pt x="63500" y="114300"/>
+                </a:cubicBezTo>
+                <a:cubicBezTo>
+                  <a:pt x="97367" y="124883"/>
+                  <a:pt x="162983" y="66675"/>
+                  <a:pt x="203200" y="69850"/>
+                </a:cubicBezTo>
+                <a:cubicBezTo>
+                  <a:pt x="243417" y="73025"/>
+                  <a:pt x="271992" y="144992"/>
+                  <a:pt x="304800" y="133350"/>
+                </a:cubicBezTo>
+                <a:cubicBezTo>
+                  <a:pt x="337608" y="121708"/>
+                  <a:pt x="368829" y="60854"/>
+                  <a:pt x="400050" y="0"/>
+                </a:cubicBezTo>
+              </a:path>
+            </a:pathLst>
+          </a:custGeom>
+          <a:solidFill>
+            <a:schemeClr val="bg1">
+              <a:lumMod val="85000"/>
+            </a:schemeClr>
+          </a:solidFill>
+          <a:ln w="19050">
+            <a:solidFill>
+              <a:schemeClr val="tx1"/>
+            </a:solidFill>
+          </a:ln>
+        </p:spPr>
+        <p:style>
+          <a:lnRef idx="2">
+            <a:schemeClr val="accent1">
+              <a:shade val="50000"/>
+            </a:schemeClr>
+          </a:lnRef>
+          <a:fillRef idx="1">
+            <a:schemeClr val="accent1"/>
+          </a:fillRef>
+          <a:effectRef idx="0">
+            <a:schemeClr val="accent1"/>
+          </a:effectRef>
+          <a:fontRef idx="minor">
+            <a:schemeClr val="lt1"/>
+          </a:fontRef>
+        </p:style>
+        <p:txBody>
+          <a:bodyPr rtlCol="0" anchor="ctr"/>
+          <a:lstStyle/>
+          <a:p>
+            <a:pPr algn="ctr"/>
+            <a:endParaRPr lang="fr-FR"/>
+          </a:p>
+        </p:txBody>
+      </p:sp>
+      <p:cxnSp>
+        <p:nvCxnSpPr>
+          <p:cNvPr id="21" name="Connecteur droit 20">
+            <a:extLst>
+              <a:ext uri="{FF2B5EF4-FFF2-40B4-BE49-F238E27FC236}">
+                <a16:creationId xmlns:a16="http://schemas.microsoft.com/office/drawing/2014/main" id="{52321BA6-0CFB-88D1-F3D5-B75DA2B77DFF}"/>
+              </a:ext>
+            </a:extLst>
+          </p:cNvPr>
+          <p:cNvCxnSpPr>
+            <a:cxnSpLocks/>
+            <a:stCxn id="43" idx="4"/>
+          </p:cNvCxnSpPr>
+          <p:nvPr/>
+        </p:nvCxnSpPr>
+        <p:spPr>
+          <a:xfrm>
+            <a:off x="2502283" y="3513708"/>
+            <a:ext cx="0" cy="142105"/>
+          </a:xfrm>
+          <a:prstGeom prst="line">
+            <a:avLst/>
+          </a:prstGeom>
+          <a:noFill/>
+          <a:ln w="28575">
+            <a:solidFill>
+              <a:schemeClr val="tx1"/>
+            </a:solidFill>
+          </a:ln>
+        </p:spPr>
+        <p:style>
+          <a:lnRef idx="2">
+            <a:schemeClr val="accent1">
+              <a:shade val="50000"/>
+            </a:schemeClr>
+          </a:lnRef>
+          <a:fillRef idx="1">
+            <a:schemeClr val="accent1"/>
+          </a:fillRef>
+          <a:effectRef idx="0">
+            <a:schemeClr val="accent1"/>
+          </a:effectRef>
+          <a:fontRef idx="minor">
+            <a:schemeClr val="lt1"/>
+          </a:fontRef>
+        </p:style>
+      </p:cxnSp>
+      <p:cxnSp>
+        <p:nvCxnSpPr>
+          <p:cNvPr id="22" name="Connecteur droit 21">
+            <a:extLst>
+              <a:ext uri="{FF2B5EF4-FFF2-40B4-BE49-F238E27FC236}">
+                <a16:creationId xmlns:a16="http://schemas.microsoft.com/office/drawing/2014/main" id="{5B51A1CC-26A4-3BC2-D639-08D9F7860894}"/>
+              </a:ext>
+            </a:extLst>
+          </p:cNvPr>
+          <p:cNvCxnSpPr>
+            <a:cxnSpLocks/>
+          </p:cNvCxnSpPr>
+          <p:nvPr/>
+        </p:nvCxnSpPr>
+        <p:spPr>
+          <a:xfrm flipH="1">
+            <a:off x="2286259" y="3659633"/>
+            <a:ext cx="432048" cy="0"/>
+          </a:xfrm>
+          <a:prstGeom prst="line">
+            <a:avLst/>
+          </a:prstGeom>
+          <a:noFill/>
+          <a:ln w="28575">
+            <a:solidFill>
+              <a:schemeClr val="tx1"/>
+            </a:solidFill>
+          </a:ln>
+        </p:spPr>
+        <p:style>
+          <a:lnRef idx="2">
+            <a:schemeClr val="accent1">
+              <a:shade val="50000"/>
+            </a:schemeClr>
+          </a:lnRef>
+          <a:fillRef idx="1">
+            <a:schemeClr val="accent1"/>
+          </a:fillRef>
+          <a:effectRef idx="0">
+            <a:schemeClr val="accent1"/>
+          </a:effectRef>
+          <a:fontRef idx="minor">
+            <a:schemeClr val="lt1"/>
+          </a:fontRef>
+        </p:style>
+      </p:cxnSp>
+      <mc:AlternateContent xmlns:mc="http://schemas.openxmlformats.org/markup-compatibility/2006">
+        <mc:Choice xmlns:a14="http://schemas.microsoft.com/office/drawing/2010/main" Requires="a14">
+          <p:sp>
+            <p:nvSpPr>
+              <p:cNvPr id="23" name="ZoneTexte 22">
+                <a:extLst>
+                  <a:ext uri="{FF2B5EF4-FFF2-40B4-BE49-F238E27FC236}">
+                    <a16:creationId xmlns:a16="http://schemas.microsoft.com/office/drawing/2014/main" id="{990B020E-E149-141F-9AE0-50EDBD37F615}"/>
+                  </a:ext>
+                </a:extLst>
+              </p:cNvPr>
+              <p:cNvSpPr txBox="1"/>
+              <p:nvPr/>
+            </p:nvSpPr>
+            <p:spPr>
+              <a:xfrm>
+                <a:off x="2270102" y="3350831"/>
+                <a:ext cx="134524" cy="184666"/>
+              </a:xfrm>
+              <a:prstGeom prst="rect">
+                <a:avLst/>
+              </a:prstGeom>
+              <a:noFill/>
+            </p:spPr>
+            <p:txBody>
+              <a:bodyPr wrap="none" lIns="0" tIns="0" rIns="0" bIns="0" rtlCol="0">
+                <a:spAutoFit/>
+              </a:bodyPr>
+              <a:lstStyle/>
+              <a:p>
+                <a:pPr/>
+                <a14:m>
+                  <m:oMathPara xmlns:m="http://schemas.openxmlformats.org/officeDocument/2006/math">
+                    <m:oMathParaPr>
+                      <m:jc m:val="centerGroup"/>
+                    </m:oMathParaPr>
+                    <m:oMath xmlns:m="http://schemas.openxmlformats.org/officeDocument/2006/math">
+                      <m:r>
+                        <a:rPr lang="fr-FR" sz="1200" i="1">
+                          <a:latin typeface="Cambria Math" panose="02040503050406030204" pitchFamily="18" charset="0"/>
+                        </a:rPr>
+                        <m:t>𝐴</m:t>
+                      </m:r>
+                    </m:oMath>
+                  </m:oMathPara>
+                </a14:m>
+                <a:endParaRPr lang="fr-FR" sz="1200" dirty="0"/>
+              </a:p>
+            </p:txBody>
+          </p:sp>
+        </mc:Choice>
+        <mc:Fallback>
+          <p:sp>
+            <p:nvSpPr>
+              <p:cNvPr id="23" name="ZoneTexte 22">
+                <a:extLst>
+                  <a:ext uri="{FF2B5EF4-FFF2-40B4-BE49-F238E27FC236}">
+                    <a16:creationId xmlns:a16="http://schemas.microsoft.com/office/drawing/2014/main" id="{990B020E-E149-141F-9AE0-50EDBD37F615}"/>
+                  </a:ext>
+                </a:extLst>
+              </p:cNvPr>
+              <p:cNvSpPr txBox="1">
+                <a:spLocks noRot="1" noChangeAspect="1" noMove="1" noResize="1" noEditPoints="1" noAdjustHandles="1" noChangeArrowheads="1" noChangeShapeType="1" noTextEdit="1"/>
+              </p:cNvSpPr>
+              <p:nvPr/>
+            </p:nvSpPr>
+            <p:spPr>
+              <a:xfrm>
+                <a:off x="2270102" y="3350831"/>
+                <a:ext cx="134524" cy="184666"/>
+              </a:xfrm>
+              <a:prstGeom prst="rect">
+                <a:avLst/>
+              </a:prstGeom>
+              <a:blipFill>
+                <a:blip r:embed="rId8"/>
+                <a:stretch>
+                  <a:fillRect l="-27273" r="-27273" b="-6667"/>
+                </a:stretch>
+              </a:blipFill>
+            </p:spPr>
+            <p:txBody>
+              <a:bodyPr/>
+              <a:lstStyle/>
+              <a:p>
+                <a:r>
+                  <a:rPr lang="fr-FR">
+                    <a:noFill/>
+                  </a:rPr>
+                  <a:t> </a:t>
+                </a:r>
+              </a:p>
+            </p:txBody>
+          </p:sp>
+        </mc:Fallback>
+      </mc:AlternateContent>
+      <mc:AlternateContent xmlns:mc="http://schemas.openxmlformats.org/markup-compatibility/2006">
+        <mc:Choice xmlns:a14="http://schemas.microsoft.com/office/drawing/2010/main" Requires="a14">
+          <p:sp>
+            <p:nvSpPr>
+              <p:cNvPr id="24" name="ZoneTexte 23">
+                <a:extLst>
+                  <a:ext uri="{FF2B5EF4-FFF2-40B4-BE49-F238E27FC236}">
+                    <a16:creationId xmlns:a16="http://schemas.microsoft.com/office/drawing/2014/main" id="{9699DBA2-D7B6-0D2A-B87E-5F21F259A154}"/>
+                  </a:ext>
+                </a:extLst>
+              </p:cNvPr>
+              <p:cNvSpPr txBox="1"/>
+              <p:nvPr/>
+            </p:nvSpPr>
+            <p:spPr>
+              <a:xfrm>
+                <a:off x="3851106" y="2328505"/>
+                <a:ext cx="140359" cy="184666"/>
+              </a:xfrm>
+              <a:prstGeom prst="rect">
+                <a:avLst/>
+              </a:prstGeom>
+              <a:noFill/>
+            </p:spPr>
+            <p:txBody>
+              <a:bodyPr wrap="none" lIns="0" tIns="0" rIns="0" bIns="0" rtlCol="0">
+                <a:spAutoFit/>
+              </a:bodyPr>
+              <a:lstStyle/>
+              <a:p>
+                <a:pPr/>
+                <a14:m>
+                  <m:oMathPara xmlns:m="http://schemas.openxmlformats.org/officeDocument/2006/math">
+                    <m:oMathParaPr>
+                      <m:jc m:val="centerGroup"/>
+                    </m:oMathParaPr>
+                    <m:oMath xmlns:m="http://schemas.openxmlformats.org/officeDocument/2006/math">
+                      <m:r>
+                        <a:rPr lang="fr-FR" sz="1200" b="0" i="1" smtClean="0">
+                          <a:latin typeface="Cambria Math" panose="02040503050406030204" pitchFamily="18" charset="0"/>
+                        </a:rPr>
+                        <m:t>𝐵</m:t>
+                      </m:r>
+                    </m:oMath>
+                  </m:oMathPara>
+                </a14:m>
+                <a:endParaRPr lang="fr-FR" sz="1200" dirty="0"/>
+              </a:p>
+            </p:txBody>
+          </p:sp>
+        </mc:Choice>
+        <mc:Fallback>
+          <p:sp>
+            <p:nvSpPr>
+              <p:cNvPr id="24" name="ZoneTexte 23">
+                <a:extLst>
+                  <a:ext uri="{FF2B5EF4-FFF2-40B4-BE49-F238E27FC236}">
+                    <a16:creationId xmlns:a16="http://schemas.microsoft.com/office/drawing/2014/main" id="{9699DBA2-D7B6-0D2A-B87E-5F21F259A154}"/>
+                  </a:ext>
+                </a:extLst>
+              </p:cNvPr>
+              <p:cNvSpPr txBox="1">
+                <a:spLocks noRot="1" noChangeAspect="1" noMove="1" noResize="1" noEditPoints="1" noAdjustHandles="1" noChangeArrowheads="1" noChangeShapeType="1" noTextEdit="1"/>
+              </p:cNvSpPr>
+              <p:nvPr/>
+            </p:nvSpPr>
+            <p:spPr>
+              <a:xfrm>
+                <a:off x="3851106" y="2328505"/>
+                <a:ext cx="140359" cy="184666"/>
+              </a:xfrm>
+              <a:prstGeom prst="rect">
+                <a:avLst/>
+              </a:prstGeom>
+              <a:blipFill>
+                <a:blip r:embed="rId9"/>
+                <a:stretch>
+                  <a:fillRect l="-26087" r="-21739" b="-6667"/>
+                </a:stretch>
+              </a:blipFill>
+            </p:spPr>
+            <p:txBody>
+              <a:bodyPr/>
+              <a:lstStyle/>
+              <a:p>
+                <a:r>
+                  <a:rPr lang="fr-FR">
+                    <a:noFill/>
+                  </a:rPr>
+                  <a:t> </a:t>
+                </a:r>
+              </a:p>
+            </p:txBody>
+          </p:sp>
+        </mc:Fallback>
+      </mc:AlternateContent>
+      <p:sp>
+        <p:nvSpPr>
+          <p:cNvPr id="25" name="Ellipse 24">
+            <a:extLst>
+              <a:ext uri="{FF2B5EF4-FFF2-40B4-BE49-F238E27FC236}">
+                <a16:creationId xmlns:a16="http://schemas.microsoft.com/office/drawing/2014/main" id="{08870124-3D5A-C994-1EA3-6A9D28C3E5C9}"/>
+              </a:ext>
+            </a:extLst>
+          </p:cNvPr>
+          <p:cNvSpPr/>
+          <p:nvPr/>
+        </p:nvSpPr>
+        <p:spPr>
+          <a:xfrm>
+            <a:off x="2405660" y="3805559"/>
+            <a:ext cx="180000" cy="180000"/>
+          </a:xfrm>
+          <a:prstGeom prst="ellipse">
+            <a:avLst/>
+          </a:prstGeom>
+          <a:noFill/>
+          <a:ln w="19050">
+            <a:solidFill>
+              <a:schemeClr val="tx1"/>
+            </a:solidFill>
+          </a:ln>
+        </p:spPr>
+        <p:style>
+          <a:lnRef idx="2">
+            <a:schemeClr val="accent1">
+              <a:shade val="50000"/>
+            </a:schemeClr>
+          </a:lnRef>
+          <a:fillRef idx="1">
+            <a:schemeClr val="accent1"/>
+          </a:fillRef>
+          <a:effectRef idx="0">
+            <a:schemeClr val="accent1"/>
+          </a:effectRef>
+          <a:fontRef idx="minor">
+            <a:schemeClr val="lt1"/>
+          </a:fontRef>
+        </p:style>
+        <p:txBody>
+          <a:bodyPr rtlCol="0" anchor="ctr"/>
+          <a:lstStyle/>
+          <a:p>
+            <a:pPr algn="ctr"/>
+            <a:r>
+              <a:rPr lang="fr-FR" sz="1050" b="1" dirty="0">
+                <a:solidFill>
+                  <a:schemeClr val="tx1"/>
+                </a:solidFill>
+              </a:rPr>
+              <a:t>0</a:t>
+            </a:r>
+            <a:endParaRPr lang="fr-FR" sz="1400" b="1" dirty="0">
+              <a:solidFill>
+                <a:schemeClr val="tx1"/>
+              </a:solidFill>
+            </a:endParaRPr>
+          </a:p>
+        </p:txBody>
+      </p:sp>
+      <p:sp>
+        <p:nvSpPr>
+          <p:cNvPr id="26" name="Ellipse 25">
+            <a:extLst>
+              <a:ext uri="{FF2B5EF4-FFF2-40B4-BE49-F238E27FC236}">
+                <a16:creationId xmlns:a16="http://schemas.microsoft.com/office/drawing/2014/main" id="{402B02A3-DEF2-8480-9824-258B9D626BCC}"/>
+              </a:ext>
+            </a:extLst>
+          </p:cNvPr>
+          <p:cNvSpPr/>
+          <p:nvPr/>
+        </p:nvSpPr>
+        <p:spPr>
+          <a:xfrm>
+            <a:off x="2661653" y="2786044"/>
+            <a:ext cx="180000" cy="180000"/>
+          </a:xfrm>
+          <a:prstGeom prst="ellipse">
+            <a:avLst/>
+          </a:prstGeom>
+          <a:noFill/>
+          <a:ln w="19050">
+            <a:solidFill>
+              <a:srgbClr val="00547F"/>
+            </a:solidFill>
+          </a:ln>
+        </p:spPr>
+        <p:style>
+          <a:lnRef idx="2">
+            <a:schemeClr val="accent1">
+              <a:shade val="50000"/>
+            </a:schemeClr>
+          </a:lnRef>
+          <a:fillRef idx="1">
+            <a:schemeClr val="accent1"/>
+          </a:fillRef>
+          <a:effectRef idx="0">
+            <a:schemeClr val="accent1"/>
+          </a:effectRef>
+          <a:fontRef idx="minor">
+            <a:schemeClr val="lt1"/>
+          </a:fontRef>
+        </p:style>
+        <p:txBody>
+          <a:bodyPr rtlCol="0" anchor="ctr"/>
+          <a:lstStyle/>
+          <a:p>
+            <a:pPr algn="ctr"/>
+            <a:r>
+              <a:rPr lang="fr-FR" sz="1050" b="1" dirty="0">
+                <a:solidFill>
+                  <a:srgbClr val="00547F"/>
+                </a:solidFill>
+              </a:rPr>
+              <a:t>1</a:t>
+            </a:r>
+            <a:endParaRPr lang="fr-FR" sz="1400" b="1" dirty="0">
+              <a:solidFill>
+                <a:srgbClr val="00547F"/>
+              </a:solidFill>
+            </a:endParaRPr>
+          </a:p>
+        </p:txBody>
+      </p:sp>
+      <p:grpSp>
+        <p:nvGrpSpPr>
+          <p:cNvPr id="27" name="Groupe 26">
+            <a:extLst>
+              <a:ext uri="{FF2B5EF4-FFF2-40B4-BE49-F238E27FC236}">
+                <a16:creationId xmlns:a16="http://schemas.microsoft.com/office/drawing/2014/main" id="{CE4B36B6-12AA-1046-F2F5-4EF660C54FA0}"/>
+              </a:ext>
+            </a:extLst>
+          </p:cNvPr>
+          <p:cNvGrpSpPr/>
+          <p:nvPr/>
+        </p:nvGrpSpPr>
+        <p:grpSpPr>
+          <a:xfrm>
+            <a:off x="2498607" y="1989277"/>
+            <a:ext cx="1440160" cy="1440160"/>
+            <a:chOff x="971600" y="548680"/>
+            <a:chExt cx="1440160" cy="1440160"/>
+          </a:xfrm>
+        </p:grpSpPr>
+        <p:cxnSp>
+          <p:nvCxnSpPr>
+            <p:cNvPr id="28" name="Connecteur droit 27">
+              <a:extLst>
+                <a:ext uri="{FF2B5EF4-FFF2-40B4-BE49-F238E27FC236}">
+                  <a16:creationId xmlns:a16="http://schemas.microsoft.com/office/drawing/2014/main" id="{82137E07-72D4-253A-D9E2-2A5DC2D63911}"/>
+                </a:ext>
+              </a:extLst>
+            </p:cNvPr>
+            <p:cNvCxnSpPr/>
+            <p:nvPr/>
+          </p:nvCxnSpPr>
+          <p:spPr>
+            <a:xfrm flipV="1">
+              <a:off x="971600" y="548680"/>
+              <a:ext cx="0" cy="1440160"/>
+            </a:xfrm>
+            <a:prstGeom prst="line">
+              <a:avLst/>
+            </a:prstGeom>
+            <a:ln w="12700">
+              <a:solidFill>
+                <a:schemeClr val="tx1"/>
+              </a:solidFill>
+              <a:tailEnd type="stealth" w="med" len="lg"/>
+            </a:ln>
+          </p:spPr>
+          <p:style>
+            <a:lnRef idx="1">
+              <a:schemeClr val="accent1"/>
+            </a:lnRef>
+            <a:fillRef idx="0">
+              <a:schemeClr val="accent1"/>
+            </a:fillRef>
+            <a:effectRef idx="0">
+              <a:schemeClr val="accent1"/>
+            </a:effectRef>
+            <a:fontRef idx="minor">
+              <a:schemeClr val="tx1"/>
+            </a:fontRef>
+          </p:style>
+        </p:cxnSp>
+        <p:cxnSp>
+          <p:nvCxnSpPr>
+            <p:cNvPr id="29" name="Connecteur droit 28">
+              <a:extLst>
+                <a:ext uri="{FF2B5EF4-FFF2-40B4-BE49-F238E27FC236}">
+                  <a16:creationId xmlns:a16="http://schemas.microsoft.com/office/drawing/2014/main" id="{199CD405-302B-7F44-773D-D4F4F581C5BC}"/>
+                </a:ext>
+              </a:extLst>
+            </p:cNvPr>
+            <p:cNvCxnSpPr>
+              <a:cxnSpLocks/>
+            </p:cNvCxnSpPr>
+            <p:nvPr/>
+          </p:nvCxnSpPr>
+          <p:spPr>
+            <a:xfrm rot="5400000" flipV="1">
+              <a:off x="1691680" y="1268760"/>
+              <a:ext cx="0" cy="1440160"/>
+            </a:xfrm>
+            <a:prstGeom prst="line">
+              <a:avLst/>
+            </a:prstGeom>
+            <a:ln w="12700">
+              <a:solidFill>
+                <a:schemeClr val="tx1"/>
+              </a:solidFill>
+              <a:tailEnd type="stealth" w="med" len="lg"/>
+            </a:ln>
+          </p:spPr>
+          <p:style>
+            <a:lnRef idx="1">
+              <a:schemeClr val="accent1"/>
+            </a:lnRef>
+            <a:fillRef idx="0">
+              <a:schemeClr val="accent1"/>
+            </a:fillRef>
+            <a:effectRef idx="0">
+              <a:schemeClr val="accent1"/>
+            </a:effectRef>
+            <a:fontRef idx="minor">
+              <a:schemeClr val="tx1"/>
+            </a:fontRef>
+          </p:style>
+        </p:cxnSp>
+      </p:grpSp>
+      <mc:AlternateContent xmlns:mc="http://schemas.openxmlformats.org/markup-compatibility/2006">
+        <mc:Choice xmlns:a14="http://schemas.microsoft.com/office/drawing/2010/main" Requires="a14">
+          <p:sp>
+            <p:nvSpPr>
+              <p:cNvPr id="30" name="ZoneTexte 29">
+                <a:extLst>
+                  <a:ext uri="{FF2B5EF4-FFF2-40B4-BE49-F238E27FC236}">
+                    <a16:creationId xmlns:a16="http://schemas.microsoft.com/office/drawing/2014/main" id="{619686FF-0D75-9987-E453-F6776263C614}"/>
+                  </a:ext>
+                </a:extLst>
+              </p:cNvPr>
+              <p:cNvSpPr txBox="1"/>
+              <p:nvPr/>
+            </p:nvSpPr>
+            <p:spPr>
+              <a:xfrm>
+                <a:off x="3952961" y="3306325"/>
+                <a:ext cx="207301" cy="274434"/>
+              </a:xfrm>
+              <a:prstGeom prst="rect">
+                <a:avLst/>
+              </a:prstGeom>
+              <a:noFill/>
+            </p:spPr>
+            <p:txBody>
+              <a:bodyPr wrap="none" lIns="0" tIns="0" rIns="0" bIns="0" rtlCol="0">
+                <a:spAutoFit/>
+              </a:bodyPr>
+              <a:lstStyle/>
+              <a:p>
+                <a:pPr/>
+                <a14:m>
+                  <m:oMathPara xmlns:m="http://schemas.openxmlformats.org/officeDocument/2006/math">
+                    <m:oMathParaPr>
+                      <m:jc m:val="centerGroup"/>
+                    </m:oMathParaPr>
+                    <m:oMath xmlns:m="http://schemas.openxmlformats.org/officeDocument/2006/math">
+                      <m:acc>
+                        <m:accPr>
+                          <m:chr m:val="⃗"/>
+                          <m:ctrlPr>
+                            <a:rPr lang="fr-FR" sz="1600" i="1" smtClean="0">
+                              <a:latin typeface="Cambria Math" panose="02040503050406030204" pitchFamily="18" charset="0"/>
+                            </a:rPr>
+                          </m:ctrlPr>
+                        </m:accPr>
+                        <m:e>
+                          <m:sSub>
+                            <m:sSubPr>
+                              <m:ctrlPr>
+                                <a:rPr lang="fr-FR" sz="1600" b="0" i="1" smtClean="0">
+                                  <a:latin typeface="Cambria Math" panose="02040503050406030204" pitchFamily="18" charset="0"/>
+                                </a:rPr>
+                              </m:ctrlPr>
+                            </m:sSubPr>
+                            <m:e>
+                              <m:r>
+                                <a:rPr lang="fr-FR" sz="1600" b="0" i="1" smtClean="0">
+                                  <a:latin typeface="Cambria Math" panose="02040503050406030204" pitchFamily="18" charset="0"/>
+                                </a:rPr>
+                                <m:t>𝑖</m:t>
+                              </m:r>
+                            </m:e>
+                            <m:sub>
+                              <m:r>
+                                <a:rPr lang="fr-FR" sz="1600" b="0" i="1" smtClean="0">
+                                  <a:latin typeface="Cambria Math" panose="02040503050406030204" pitchFamily="18" charset="0"/>
+                                </a:rPr>
+                                <m:t>0</m:t>
+                              </m:r>
+                            </m:sub>
+                          </m:sSub>
+                        </m:e>
+                      </m:acc>
+                    </m:oMath>
+                  </m:oMathPara>
+                </a14:m>
+                <a:endParaRPr lang="fr-FR" sz="1600" dirty="0"/>
+              </a:p>
+            </p:txBody>
+          </p:sp>
+        </mc:Choice>
+        <mc:Fallback>
+          <p:sp>
+            <p:nvSpPr>
+              <p:cNvPr id="30" name="ZoneTexte 29">
+                <a:extLst>
+                  <a:ext uri="{FF2B5EF4-FFF2-40B4-BE49-F238E27FC236}">
+                    <a16:creationId xmlns:a16="http://schemas.microsoft.com/office/drawing/2014/main" id="{619686FF-0D75-9987-E453-F6776263C614}"/>
+                  </a:ext>
+                </a:extLst>
+              </p:cNvPr>
+              <p:cNvSpPr txBox="1">
+                <a:spLocks noRot="1" noChangeAspect="1" noMove="1" noResize="1" noEditPoints="1" noAdjustHandles="1" noChangeArrowheads="1" noChangeShapeType="1" noTextEdit="1"/>
+              </p:cNvSpPr>
+              <p:nvPr/>
+            </p:nvSpPr>
+            <p:spPr>
+              <a:xfrm>
+                <a:off x="3952961" y="3306325"/>
+                <a:ext cx="207301" cy="274434"/>
+              </a:xfrm>
+              <a:prstGeom prst="rect">
+                <a:avLst/>
+              </a:prstGeom>
+              <a:blipFill>
+                <a:blip r:embed="rId10"/>
+                <a:stretch>
+                  <a:fillRect l="-20588" r="-5882" b="-13333"/>
+                </a:stretch>
+              </a:blipFill>
+            </p:spPr>
+            <p:txBody>
+              <a:bodyPr/>
+              <a:lstStyle/>
+              <a:p>
+                <a:r>
+                  <a:rPr lang="fr-FR">
+                    <a:noFill/>
+                  </a:rPr>
+                  <a:t> </a:t>
+                </a:r>
+              </a:p>
+            </p:txBody>
+          </p:sp>
+        </mc:Fallback>
+      </mc:AlternateContent>
+      <mc:AlternateContent xmlns:mc="http://schemas.openxmlformats.org/markup-compatibility/2006">
+        <mc:Choice xmlns:a14="http://schemas.microsoft.com/office/drawing/2010/main" Requires="a14">
+          <p:sp>
+            <p:nvSpPr>
+              <p:cNvPr id="31" name="ZoneTexte 30">
+                <a:extLst>
+                  <a:ext uri="{FF2B5EF4-FFF2-40B4-BE49-F238E27FC236}">
+                    <a16:creationId xmlns:a16="http://schemas.microsoft.com/office/drawing/2014/main" id="{6C141949-B89C-FC56-B0ED-79CDD66888E5}"/>
+                  </a:ext>
+                </a:extLst>
+              </p:cNvPr>
+              <p:cNvSpPr txBox="1"/>
+              <p:nvPr/>
+            </p:nvSpPr>
+            <p:spPr>
+              <a:xfrm>
+                <a:off x="2417545" y="1721608"/>
+                <a:ext cx="208327" cy="274434"/>
+              </a:xfrm>
+              <a:prstGeom prst="rect">
+                <a:avLst/>
+              </a:prstGeom>
+              <a:noFill/>
+            </p:spPr>
+            <p:txBody>
+              <a:bodyPr wrap="none" lIns="0" tIns="0" rIns="0" bIns="0" rtlCol="0">
+                <a:spAutoFit/>
+              </a:bodyPr>
+              <a:lstStyle/>
+              <a:p>
+                <a:pPr/>
+                <a14:m>
+                  <m:oMathPara xmlns:m="http://schemas.openxmlformats.org/officeDocument/2006/math">
+                    <m:oMathParaPr>
+                      <m:jc m:val="centerGroup"/>
+                    </m:oMathParaPr>
+                    <m:oMath xmlns:m="http://schemas.openxmlformats.org/officeDocument/2006/math">
+                      <m:acc>
+                        <m:accPr>
+                          <m:chr m:val="⃗"/>
+                          <m:ctrlPr>
+                            <a:rPr lang="fr-FR" sz="1600" i="1" smtClean="0">
+                              <a:latin typeface="Cambria Math" panose="02040503050406030204" pitchFamily="18" charset="0"/>
+                            </a:rPr>
+                          </m:ctrlPr>
+                        </m:accPr>
+                        <m:e>
+                          <m:sSub>
+                            <m:sSubPr>
+                              <m:ctrlPr>
+                                <a:rPr lang="fr-FR" sz="1600" b="0" i="1" smtClean="0">
+                                  <a:latin typeface="Cambria Math" panose="02040503050406030204" pitchFamily="18" charset="0"/>
+                                </a:rPr>
+                              </m:ctrlPr>
+                            </m:sSubPr>
+                            <m:e>
+                              <m:r>
+                                <a:rPr lang="fr-FR" sz="1600" b="0" i="1" smtClean="0">
+                                  <a:latin typeface="Cambria Math" panose="02040503050406030204" pitchFamily="18" charset="0"/>
+                                </a:rPr>
+                                <m:t>𝑗</m:t>
+                              </m:r>
+                            </m:e>
+                            <m:sub>
+                              <m:r>
+                                <a:rPr lang="fr-FR" sz="1600" b="0" i="1" smtClean="0">
+                                  <a:latin typeface="Cambria Math" panose="02040503050406030204" pitchFamily="18" charset="0"/>
+                                </a:rPr>
+                                <m:t>0</m:t>
+                              </m:r>
+                            </m:sub>
+                          </m:sSub>
+                        </m:e>
+                      </m:acc>
+                    </m:oMath>
+                  </m:oMathPara>
+                </a14:m>
+                <a:endParaRPr lang="fr-FR" sz="1600" dirty="0"/>
+              </a:p>
+            </p:txBody>
+          </p:sp>
+        </mc:Choice>
+        <mc:Fallback>
+          <p:sp>
+            <p:nvSpPr>
+              <p:cNvPr id="31" name="ZoneTexte 30">
+                <a:extLst>
+                  <a:ext uri="{FF2B5EF4-FFF2-40B4-BE49-F238E27FC236}">
+                    <a16:creationId xmlns:a16="http://schemas.microsoft.com/office/drawing/2014/main" id="{6C141949-B89C-FC56-B0ED-79CDD66888E5}"/>
+                  </a:ext>
+                </a:extLst>
+              </p:cNvPr>
+              <p:cNvSpPr txBox="1">
+                <a:spLocks noRot="1" noChangeAspect="1" noMove="1" noResize="1" noEditPoints="1" noAdjustHandles="1" noChangeArrowheads="1" noChangeShapeType="1" noTextEdit="1"/>
+              </p:cNvSpPr>
+              <p:nvPr/>
+            </p:nvSpPr>
+            <p:spPr>
+              <a:xfrm>
+                <a:off x="2417545" y="1721608"/>
+                <a:ext cx="208327" cy="274434"/>
+              </a:xfrm>
+              <a:prstGeom prst="rect">
+                <a:avLst/>
+              </a:prstGeom>
+              <a:blipFill>
+                <a:blip r:embed="rId11"/>
+                <a:stretch>
+                  <a:fillRect l="-32353" r="-8824" b="-28889"/>
+                </a:stretch>
+              </a:blipFill>
+            </p:spPr>
+            <p:txBody>
+              <a:bodyPr/>
+              <a:lstStyle/>
+              <a:p>
+                <a:r>
+                  <a:rPr lang="fr-FR">
+                    <a:noFill/>
+                  </a:rPr>
+                  <a:t> </a:t>
+                </a:r>
+              </a:p>
+            </p:txBody>
+          </p:sp>
+        </mc:Fallback>
+      </mc:AlternateContent>
+      <mc:AlternateContent xmlns:mc="http://schemas.openxmlformats.org/markup-compatibility/2006">
+        <mc:Choice xmlns:a14="http://schemas.microsoft.com/office/drawing/2010/main" Requires="a14">
+          <p:sp>
+            <p:nvSpPr>
+              <p:cNvPr id="32" name="ZoneTexte 31">
+                <a:extLst>
+                  <a:ext uri="{FF2B5EF4-FFF2-40B4-BE49-F238E27FC236}">
+                    <a16:creationId xmlns:a16="http://schemas.microsoft.com/office/drawing/2014/main" id="{020CFC53-95D7-D937-C9D5-038C1C1E6D5B}"/>
+                  </a:ext>
+                </a:extLst>
+              </p:cNvPr>
+              <p:cNvSpPr txBox="1"/>
+              <p:nvPr/>
+            </p:nvSpPr>
+            <p:spPr>
+              <a:xfrm>
+                <a:off x="4293216" y="1990328"/>
+                <a:ext cx="202555" cy="274434"/>
+              </a:xfrm>
+              <a:prstGeom prst="rect">
+                <a:avLst/>
+              </a:prstGeom>
+              <a:noFill/>
+            </p:spPr>
+            <p:txBody>
+              <a:bodyPr wrap="none" lIns="0" tIns="0" rIns="0" bIns="0" rtlCol="0">
+                <a:spAutoFit/>
+              </a:bodyPr>
+              <a:lstStyle/>
+              <a:p>
+                <a:pPr/>
+                <a14:m>
+                  <m:oMathPara xmlns:m="http://schemas.openxmlformats.org/officeDocument/2006/math">
+                    <m:oMathParaPr>
+                      <m:jc m:val="centerGroup"/>
+                    </m:oMathParaPr>
+                    <m:oMath xmlns:m="http://schemas.openxmlformats.org/officeDocument/2006/math">
+                      <m:acc>
+                        <m:accPr>
+                          <m:chr m:val="⃗"/>
+                          <m:ctrlPr>
+                            <a:rPr lang="fr-FR" sz="1600" i="1" smtClean="0">
+                              <a:latin typeface="Cambria Math" panose="02040503050406030204" pitchFamily="18" charset="0"/>
+                            </a:rPr>
+                          </m:ctrlPr>
+                        </m:accPr>
+                        <m:e>
+                          <m:sSub>
+                            <m:sSubPr>
+                              <m:ctrlPr>
+                                <a:rPr lang="fr-FR" sz="1600" i="1">
+                                  <a:latin typeface="Cambria Math" panose="02040503050406030204" pitchFamily="18" charset="0"/>
+                                </a:rPr>
+                              </m:ctrlPr>
+                            </m:sSubPr>
+                            <m:e>
+                              <m:r>
+                                <a:rPr lang="fr-FR" sz="1600" b="0" i="1" smtClean="0">
+                                  <a:latin typeface="Cambria Math" panose="02040503050406030204" pitchFamily="18" charset="0"/>
+                                </a:rPr>
+                                <m:t>𝑖</m:t>
+                              </m:r>
+                            </m:e>
+                            <m:sub>
+                              <m:r>
+                                <a:rPr lang="fr-FR" sz="1600" i="1">
+                                  <a:latin typeface="Cambria Math" panose="02040503050406030204" pitchFamily="18" charset="0"/>
+                                </a:rPr>
+                                <m:t>1</m:t>
+                              </m:r>
+                            </m:sub>
+                          </m:sSub>
+                        </m:e>
+                      </m:acc>
+                    </m:oMath>
+                  </m:oMathPara>
+                </a14:m>
+                <a:endParaRPr lang="fr-FR" sz="1600" dirty="0"/>
+              </a:p>
+            </p:txBody>
+          </p:sp>
+        </mc:Choice>
+        <mc:Fallback>
+          <p:sp>
+            <p:nvSpPr>
+              <p:cNvPr id="32" name="ZoneTexte 31">
+                <a:extLst>
+                  <a:ext uri="{FF2B5EF4-FFF2-40B4-BE49-F238E27FC236}">
+                    <a16:creationId xmlns:a16="http://schemas.microsoft.com/office/drawing/2014/main" id="{020CFC53-95D7-D937-C9D5-038C1C1E6D5B}"/>
+                  </a:ext>
+                </a:extLst>
+              </p:cNvPr>
+              <p:cNvSpPr txBox="1">
+                <a:spLocks noRot="1" noChangeAspect="1" noMove="1" noResize="1" noEditPoints="1" noAdjustHandles="1" noChangeArrowheads="1" noChangeShapeType="1" noTextEdit="1"/>
+              </p:cNvSpPr>
+              <p:nvPr/>
+            </p:nvSpPr>
+            <p:spPr>
+              <a:xfrm>
+                <a:off x="4293216" y="1990328"/>
+                <a:ext cx="202555" cy="274434"/>
+              </a:xfrm>
+              <a:prstGeom prst="rect">
+                <a:avLst/>
+              </a:prstGeom>
+              <a:blipFill>
+                <a:blip r:embed="rId12"/>
+                <a:stretch>
+                  <a:fillRect l="-21212" r="-6061" b="-10870"/>
+                </a:stretch>
+              </a:blipFill>
+            </p:spPr>
+            <p:txBody>
+              <a:bodyPr/>
+              <a:lstStyle/>
+              <a:p>
+                <a:r>
+                  <a:rPr lang="fr-FR">
+                    <a:noFill/>
+                  </a:rPr>
+                  <a:t> </a:t>
+                </a:r>
+              </a:p>
+            </p:txBody>
+          </p:sp>
+        </mc:Fallback>
+      </mc:AlternateContent>
+      <p:sp>
+        <p:nvSpPr>
+          <p:cNvPr id="33" name="Ellipse 32">
+            <a:extLst>
+              <a:ext uri="{FF2B5EF4-FFF2-40B4-BE49-F238E27FC236}">
+                <a16:creationId xmlns:a16="http://schemas.microsoft.com/office/drawing/2014/main" id="{7692D48F-3EBF-AE16-D396-5D54F6F09FCC}"/>
+              </a:ext>
+            </a:extLst>
+          </p:cNvPr>
+          <p:cNvSpPr/>
+          <p:nvPr/>
+        </p:nvSpPr>
+        <p:spPr>
+          <a:xfrm>
+            <a:off x="3481457" y="2475864"/>
+            <a:ext cx="180000" cy="180000"/>
+          </a:xfrm>
+          <a:prstGeom prst="ellipse">
+            <a:avLst/>
+          </a:prstGeom>
+          <a:noFill/>
+          <a:ln w="19050">
+            <a:solidFill>
+              <a:srgbClr val="EF7268"/>
+            </a:solidFill>
+          </a:ln>
+        </p:spPr>
+        <p:style>
+          <a:lnRef idx="2">
+            <a:schemeClr val="accent1">
+              <a:shade val="50000"/>
+            </a:schemeClr>
+          </a:lnRef>
+          <a:fillRef idx="1">
+            <a:schemeClr val="accent1"/>
+          </a:fillRef>
+          <a:effectRef idx="0">
+            <a:schemeClr val="accent1"/>
+          </a:effectRef>
+          <a:fontRef idx="minor">
+            <a:schemeClr val="lt1"/>
+          </a:fontRef>
+        </p:style>
+        <p:txBody>
+          <a:bodyPr rtlCol="0" anchor="ctr"/>
+          <a:lstStyle/>
+          <a:p>
+            <a:pPr algn="ctr"/>
+            <a:r>
+              <a:rPr lang="fr-FR" sz="1050" b="1" dirty="0">
+                <a:solidFill>
+                  <a:srgbClr val="EF7268"/>
+                </a:solidFill>
+              </a:rPr>
+              <a:t>2</a:t>
+            </a:r>
+            <a:endParaRPr lang="fr-FR" sz="1400" b="1" dirty="0">
+              <a:solidFill>
+                <a:srgbClr val="EF7268"/>
+              </a:solidFill>
+            </a:endParaRPr>
+          </a:p>
+        </p:txBody>
+      </p:sp>
+      <p:cxnSp>
+        <p:nvCxnSpPr>
+          <p:cNvPr id="35" name="Connecteur droit 34">
+            <a:extLst>
+              <a:ext uri="{FF2B5EF4-FFF2-40B4-BE49-F238E27FC236}">
+                <a16:creationId xmlns:a16="http://schemas.microsoft.com/office/drawing/2014/main" id="{1AC0486C-4A61-6335-67B5-3071D0E4F27E}"/>
+              </a:ext>
+            </a:extLst>
+          </p:cNvPr>
+          <p:cNvCxnSpPr>
+            <a:cxnSpLocks/>
+          </p:cNvCxnSpPr>
+          <p:nvPr/>
+        </p:nvCxnSpPr>
+        <p:spPr>
+          <a:xfrm rot="19800000">
+            <a:off x="3606293" y="2522298"/>
+            <a:ext cx="943354" cy="9480"/>
+          </a:xfrm>
+          <a:prstGeom prst="line">
+            <a:avLst/>
+          </a:prstGeom>
+          <a:ln w="12700">
+            <a:solidFill>
+              <a:srgbClr val="00547F"/>
+            </a:solidFill>
+            <a:tailEnd type="stealth" w="med" len="lg"/>
+          </a:ln>
+        </p:spPr>
+        <p:style>
+          <a:lnRef idx="1">
+            <a:schemeClr val="accent1"/>
+          </a:lnRef>
+          <a:fillRef idx="0">
+            <a:schemeClr val="accent1"/>
+          </a:fillRef>
+          <a:effectRef idx="0">
+            <a:schemeClr val="accent1"/>
+          </a:effectRef>
+          <a:fontRef idx="minor">
+            <a:schemeClr val="tx1"/>
+          </a:fontRef>
+        </p:style>
+      </p:cxnSp>
+      <p:grpSp>
+        <p:nvGrpSpPr>
+          <p:cNvPr id="36" name="Groupe 35">
+            <a:extLst>
+              <a:ext uri="{FF2B5EF4-FFF2-40B4-BE49-F238E27FC236}">
+                <a16:creationId xmlns:a16="http://schemas.microsoft.com/office/drawing/2014/main" id="{B325EEAE-BF6E-2784-9DDC-EDF2C6E47879}"/>
+              </a:ext>
+            </a:extLst>
+          </p:cNvPr>
+          <p:cNvGrpSpPr/>
+          <p:nvPr/>
+        </p:nvGrpSpPr>
+        <p:grpSpPr>
+          <a:xfrm rot="19800000">
+            <a:off x="2402519" y="3065982"/>
+            <a:ext cx="847937" cy="162000"/>
+            <a:chOff x="2402883" y="1240730"/>
+            <a:chExt cx="847937" cy="162000"/>
+          </a:xfrm>
+        </p:grpSpPr>
+        <p:cxnSp>
+          <p:nvCxnSpPr>
+            <p:cNvPr id="40" name="Connecteur droit 39">
+              <a:extLst>
+                <a:ext uri="{FF2B5EF4-FFF2-40B4-BE49-F238E27FC236}">
+                  <a16:creationId xmlns:a16="http://schemas.microsoft.com/office/drawing/2014/main" id="{C2A70529-A1C8-E159-DCFA-141F37C52789}"/>
+                </a:ext>
+              </a:extLst>
+            </p:cNvPr>
+            <p:cNvCxnSpPr>
+              <a:cxnSpLocks/>
+              <a:endCxn id="39" idx="0"/>
+            </p:cNvCxnSpPr>
+            <p:nvPr/>
+          </p:nvCxnSpPr>
+          <p:spPr>
+            <a:xfrm>
+              <a:off x="3240700" y="1240732"/>
+              <a:ext cx="0" cy="72000"/>
+            </a:xfrm>
+            <a:prstGeom prst="line">
+              <a:avLst/>
+            </a:prstGeom>
+            <a:solidFill>
+              <a:srgbClr val="00B050"/>
+            </a:solidFill>
+            <a:ln w="28575">
+              <a:solidFill>
+                <a:srgbClr val="00547F"/>
+              </a:solidFill>
+            </a:ln>
+          </p:spPr>
+          <p:style>
+            <a:lnRef idx="2">
+              <a:schemeClr val="accent1">
+                <a:shade val="50000"/>
+              </a:schemeClr>
+            </a:lnRef>
+            <a:fillRef idx="1">
+              <a:schemeClr val="accent1"/>
+            </a:fillRef>
+            <a:effectRef idx="0">
+              <a:schemeClr val="accent1"/>
+            </a:effectRef>
+            <a:fontRef idx="minor">
+              <a:schemeClr val="lt1"/>
+            </a:fontRef>
+          </p:style>
+        </p:cxnSp>
+        <p:cxnSp>
+          <p:nvCxnSpPr>
+            <p:cNvPr id="41" name="Connecteur droit 40">
+              <a:extLst>
+                <a:ext uri="{FF2B5EF4-FFF2-40B4-BE49-F238E27FC236}">
+                  <a16:creationId xmlns:a16="http://schemas.microsoft.com/office/drawing/2014/main" id="{C837939C-BD88-EB09-BBFB-47958AB62358}"/>
+                </a:ext>
+              </a:extLst>
+            </p:cNvPr>
+            <p:cNvCxnSpPr>
+              <a:cxnSpLocks/>
+            </p:cNvCxnSpPr>
+            <p:nvPr/>
+          </p:nvCxnSpPr>
+          <p:spPr>
+            <a:xfrm>
+              <a:off x="2402883" y="1243214"/>
+              <a:ext cx="847937" cy="0"/>
+            </a:xfrm>
+            <a:prstGeom prst="line">
+              <a:avLst/>
+            </a:prstGeom>
+            <a:solidFill>
+              <a:srgbClr val="00B050"/>
+            </a:solidFill>
+            <a:ln w="28575">
+              <a:solidFill>
+                <a:srgbClr val="00547F"/>
+              </a:solidFill>
+            </a:ln>
+          </p:spPr>
+          <p:style>
+            <a:lnRef idx="2">
+              <a:schemeClr val="accent1">
+                <a:shade val="50000"/>
+              </a:schemeClr>
+            </a:lnRef>
+            <a:fillRef idx="1">
+              <a:schemeClr val="accent1"/>
+            </a:fillRef>
+            <a:effectRef idx="0">
+              <a:schemeClr val="accent1"/>
+            </a:effectRef>
+            <a:fontRef idx="minor">
+              <a:schemeClr val="lt1"/>
+            </a:fontRef>
+          </p:style>
+        </p:cxnSp>
+        <p:cxnSp>
+          <p:nvCxnSpPr>
+            <p:cNvPr id="42" name="Connecteur droit 41">
+              <a:extLst>
+                <a:ext uri="{FF2B5EF4-FFF2-40B4-BE49-F238E27FC236}">
+                  <a16:creationId xmlns:a16="http://schemas.microsoft.com/office/drawing/2014/main" id="{AB14990D-45E4-E739-336D-E3B0BF6F6F3B}"/>
+                </a:ext>
+              </a:extLst>
+            </p:cNvPr>
+            <p:cNvCxnSpPr>
+              <a:cxnSpLocks/>
+            </p:cNvCxnSpPr>
+            <p:nvPr/>
+          </p:nvCxnSpPr>
+          <p:spPr>
+            <a:xfrm>
+              <a:off x="2402883" y="1240730"/>
+              <a:ext cx="0" cy="162000"/>
+            </a:xfrm>
+            <a:prstGeom prst="line">
+              <a:avLst/>
+            </a:prstGeom>
+            <a:solidFill>
+              <a:srgbClr val="00B050"/>
+            </a:solidFill>
+            <a:ln w="28575">
+              <a:solidFill>
+                <a:srgbClr val="00547F"/>
+              </a:solidFill>
+            </a:ln>
+          </p:spPr>
+          <p:style>
+            <a:lnRef idx="2">
+              <a:schemeClr val="accent1">
+                <a:shade val="50000"/>
+              </a:schemeClr>
+            </a:lnRef>
+            <a:fillRef idx="1">
+              <a:schemeClr val="accent1"/>
+            </a:fillRef>
+            <a:effectRef idx="0">
+              <a:schemeClr val="accent1"/>
+            </a:effectRef>
+            <a:fontRef idx="minor">
+              <a:schemeClr val="lt1"/>
+            </a:fontRef>
+          </p:style>
+        </p:cxnSp>
+      </p:grpSp>
+      <p:cxnSp>
+        <p:nvCxnSpPr>
+          <p:cNvPr id="37" name="Connecteur droit 36">
+            <a:extLst>
+              <a:ext uri="{FF2B5EF4-FFF2-40B4-BE49-F238E27FC236}">
+                <a16:creationId xmlns:a16="http://schemas.microsoft.com/office/drawing/2014/main" id="{71836D76-A16C-3A91-699F-29042E105D93}"/>
+              </a:ext>
+            </a:extLst>
+          </p:cNvPr>
+          <p:cNvCxnSpPr>
+            <a:cxnSpLocks/>
+          </p:cNvCxnSpPr>
+          <p:nvPr/>
+        </p:nvCxnSpPr>
+        <p:spPr>
+          <a:xfrm rot="19800000" flipH="1">
+            <a:off x="2666156" y="2973417"/>
+            <a:ext cx="1258992" cy="0"/>
+          </a:xfrm>
+          <a:prstGeom prst="line">
+            <a:avLst/>
+          </a:prstGeom>
+          <a:solidFill>
+            <a:srgbClr val="00B050"/>
+          </a:solidFill>
+          <a:ln w="28575">
+            <a:solidFill>
+              <a:srgbClr val="EF7268"/>
+            </a:solidFill>
+          </a:ln>
+        </p:spPr>
+        <p:style>
+          <a:lnRef idx="2">
+            <a:schemeClr val="accent1">
+              <a:shade val="50000"/>
+            </a:schemeClr>
+          </a:lnRef>
+          <a:fillRef idx="1">
+            <a:schemeClr val="accent1"/>
+          </a:fillRef>
+          <a:effectRef idx="0">
+            <a:schemeClr val="accent1"/>
+          </a:effectRef>
+          <a:fontRef idx="minor">
+            <a:schemeClr val="lt1"/>
+          </a:fontRef>
+        </p:style>
+      </p:cxnSp>
+      <p:sp>
+        <p:nvSpPr>
+          <p:cNvPr id="38" name="Ellipse 37">
+            <a:extLst>
+              <a:ext uri="{FF2B5EF4-FFF2-40B4-BE49-F238E27FC236}">
+                <a16:creationId xmlns:a16="http://schemas.microsoft.com/office/drawing/2014/main" id="{0EDC5B11-36C9-F539-224E-E2B7CE4A9D15}"/>
+              </a:ext>
+            </a:extLst>
+          </p:cNvPr>
+          <p:cNvSpPr/>
+          <p:nvPr/>
+        </p:nvSpPr>
+        <p:spPr>
+          <a:xfrm rot="65633">
+            <a:off x="3815825" y="2530953"/>
+            <a:ext cx="180000" cy="180000"/>
+          </a:xfrm>
+          <a:prstGeom prst="ellipse">
+            <a:avLst/>
+          </a:prstGeom>
+          <a:solidFill>
+            <a:srgbClr val="EF7268"/>
+          </a:solidFill>
+          <a:ln w="28575">
+            <a:solidFill>
+              <a:srgbClr val="EF7268"/>
+            </a:solidFill>
+          </a:ln>
+        </p:spPr>
+        <p:style>
+          <a:lnRef idx="2">
+            <a:schemeClr val="accent1">
+              <a:shade val="50000"/>
+            </a:schemeClr>
+          </a:lnRef>
+          <a:fillRef idx="1">
+            <a:schemeClr val="accent1"/>
+          </a:fillRef>
+          <a:effectRef idx="0">
+            <a:schemeClr val="accent1"/>
+          </a:effectRef>
+          <a:fontRef idx="minor">
+            <a:schemeClr val="lt1"/>
+          </a:fontRef>
+        </p:style>
+        <p:txBody>
+          <a:bodyPr rtlCol="0" anchor="ctr"/>
+          <a:lstStyle/>
+          <a:p>
+            <a:pPr algn="ctr"/>
+            <a:endParaRPr lang="fr-FR" dirty="0"/>
+          </a:p>
+        </p:txBody>
+      </p:sp>
+      <p:sp>
+        <p:nvSpPr>
+          <p:cNvPr id="39" name="Rectangle 38">
+            <a:extLst>
+              <a:ext uri="{FF2B5EF4-FFF2-40B4-BE49-F238E27FC236}">
+                <a16:creationId xmlns:a16="http://schemas.microsoft.com/office/drawing/2014/main" id="{5F8E3BE3-EAB3-1B0F-D716-15E52217957D}"/>
+              </a:ext>
+            </a:extLst>
+          </p:cNvPr>
+          <p:cNvSpPr/>
+          <p:nvPr/>
+        </p:nvSpPr>
+        <p:spPr>
+          <a:xfrm rot="19800000">
+            <a:off x="3056268" y="2917702"/>
+            <a:ext cx="360000" cy="180000"/>
+          </a:xfrm>
+          <a:prstGeom prst="rect">
+            <a:avLst/>
+          </a:prstGeom>
+          <a:solidFill>
+            <a:schemeClr val="bg1"/>
+          </a:solidFill>
+          <a:ln w="28575">
+            <a:solidFill>
+              <a:srgbClr val="00547F"/>
+            </a:solidFill>
+          </a:ln>
+        </p:spPr>
+        <p:style>
+          <a:lnRef idx="2">
+            <a:schemeClr val="accent1">
+              <a:shade val="50000"/>
+            </a:schemeClr>
+          </a:lnRef>
+          <a:fillRef idx="1">
+            <a:schemeClr val="accent1"/>
+          </a:fillRef>
+          <a:effectRef idx="0">
+            <a:schemeClr val="accent1"/>
+          </a:effectRef>
+          <a:fontRef idx="minor">
+            <a:schemeClr val="lt1"/>
+          </a:fontRef>
+        </p:style>
+        <p:txBody>
+          <a:bodyPr rtlCol="0" anchor="ctr"/>
+          <a:lstStyle/>
+          <a:p>
+            <a:pPr algn="ctr"/>
+            <a:endParaRPr lang="fr-FR"/>
+          </a:p>
+        </p:txBody>
+      </p:sp>
+      <p:sp>
+        <p:nvSpPr>
+          <p:cNvPr id="43" name="Ellipse 42">
+            <a:extLst>
+              <a:ext uri="{FF2B5EF4-FFF2-40B4-BE49-F238E27FC236}">
+                <a16:creationId xmlns:a16="http://schemas.microsoft.com/office/drawing/2014/main" id="{2D792590-3E77-2B67-87C2-3DD1A4ED380E}"/>
+              </a:ext>
+            </a:extLst>
+          </p:cNvPr>
+          <p:cNvSpPr/>
+          <p:nvPr/>
+        </p:nvSpPr>
+        <p:spPr>
+          <a:xfrm>
+            <a:off x="2412283" y="3333708"/>
+            <a:ext cx="180000" cy="180000"/>
+          </a:xfrm>
+          <a:prstGeom prst="ellipse">
+            <a:avLst/>
+          </a:prstGeom>
+          <a:solidFill>
+            <a:schemeClr val="bg1"/>
+          </a:solidFill>
+          <a:ln w="28575">
+            <a:solidFill>
+              <a:schemeClr val="tx1"/>
+            </a:solidFill>
+          </a:ln>
+        </p:spPr>
+        <p:style>
+          <a:lnRef idx="2">
+            <a:schemeClr val="accent1">
+              <a:shade val="50000"/>
+            </a:schemeClr>
+          </a:lnRef>
+          <a:fillRef idx="1">
+            <a:schemeClr val="accent1"/>
+          </a:fillRef>
+          <a:effectRef idx="0">
+            <a:schemeClr val="accent1"/>
+          </a:effectRef>
+          <a:fontRef idx="minor">
+            <a:schemeClr val="lt1"/>
+          </a:fontRef>
+        </p:style>
+        <p:txBody>
+          <a:bodyPr rtlCol="0" anchor="ctr"/>
+          <a:lstStyle/>
+          <a:p>
+            <a:pPr algn="ctr"/>
+            <a:endParaRPr lang="fr-FR"/>
+          </a:p>
+        </p:txBody>
+      </p:sp>
+      <mc:AlternateContent xmlns:mc="http://schemas.openxmlformats.org/markup-compatibility/2006">
+        <mc:Choice xmlns:a14="http://schemas.microsoft.com/office/drawing/2010/main" Requires="a14">
+          <p:sp>
+            <p:nvSpPr>
+              <p:cNvPr id="44" name="ZoneTexte 43">
+                <a:extLst>
+                  <a:ext uri="{FF2B5EF4-FFF2-40B4-BE49-F238E27FC236}">
+                    <a16:creationId xmlns:a16="http://schemas.microsoft.com/office/drawing/2014/main" id="{41B21A59-5771-7532-7B88-0A1DCBA15383}"/>
+                  </a:ext>
+                </a:extLst>
+              </p:cNvPr>
+              <p:cNvSpPr txBox="1"/>
+              <p:nvPr/>
+            </p:nvSpPr>
+            <p:spPr>
+              <a:xfrm>
+                <a:off x="3245004" y="3171773"/>
+                <a:ext cx="133370" cy="184666"/>
+              </a:xfrm>
+              <a:prstGeom prst="rect">
+                <a:avLst/>
+              </a:prstGeom>
+              <a:noFill/>
+            </p:spPr>
+            <p:txBody>
+              <a:bodyPr wrap="none" lIns="0" tIns="0" rIns="0" bIns="0" rtlCol="0">
+                <a:spAutoFit/>
+              </a:bodyPr>
+              <a:lstStyle/>
+              <a:p>
+                <a:pPr/>
+                <a14:m>
+                  <m:oMathPara xmlns:m="http://schemas.openxmlformats.org/officeDocument/2006/math">
+                    <m:oMathParaPr>
+                      <m:jc m:val="centerGroup"/>
+                    </m:oMathParaPr>
+                    <m:oMath xmlns:m="http://schemas.openxmlformats.org/officeDocument/2006/math">
+                      <m:r>
+                        <a:rPr lang="fr-FR" sz="1200" b="0" i="1" smtClean="0">
+                          <a:latin typeface="Cambria Math" panose="02040503050406030204" pitchFamily="18" charset="0"/>
+                        </a:rPr>
+                        <m:t>𝐶</m:t>
+                      </m:r>
+                    </m:oMath>
+                  </m:oMathPara>
+                </a14:m>
+                <a:endParaRPr lang="fr-FR" sz="1200" dirty="0"/>
+              </a:p>
+            </p:txBody>
+          </p:sp>
+        </mc:Choice>
+        <mc:Fallback>
+          <p:sp>
+            <p:nvSpPr>
+              <p:cNvPr id="44" name="ZoneTexte 43">
+                <a:extLst>
+                  <a:ext uri="{FF2B5EF4-FFF2-40B4-BE49-F238E27FC236}">
+                    <a16:creationId xmlns:a16="http://schemas.microsoft.com/office/drawing/2014/main" id="{41B21A59-5771-7532-7B88-0A1DCBA15383}"/>
+                  </a:ext>
+                </a:extLst>
+              </p:cNvPr>
+              <p:cNvSpPr txBox="1">
+                <a:spLocks noRot="1" noChangeAspect="1" noMove="1" noResize="1" noEditPoints="1" noAdjustHandles="1" noChangeArrowheads="1" noChangeShapeType="1" noTextEdit="1"/>
+              </p:cNvSpPr>
+              <p:nvPr/>
+            </p:nvSpPr>
+            <p:spPr>
+              <a:xfrm>
+                <a:off x="3245004" y="3171773"/>
+                <a:ext cx="133370" cy="184666"/>
+              </a:xfrm>
+              <a:prstGeom prst="rect">
+                <a:avLst/>
+              </a:prstGeom>
+              <a:blipFill>
+                <a:blip r:embed="rId13"/>
+                <a:stretch>
+                  <a:fillRect l="-27273" r="-22727" b="-3226"/>
+                </a:stretch>
+              </a:blipFill>
+            </p:spPr>
+            <p:txBody>
+              <a:bodyPr/>
+              <a:lstStyle/>
+              <a:p>
+                <a:r>
+                  <a:rPr lang="fr-FR">
+                    <a:noFill/>
+                  </a:rPr>
+                  <a:t> </a:t>
+                </a:r>
+              </a:p>
+            </p:txBody>
+          </p:sp>
+        </mc:Fallback>
+      </mc:AlternateContent>
+    </p:spTree>
+    <p:extLst>
+      <p:ext uri="{BB962C8B-B14F-4D97-AF65-F5344CB8AC3E}">
+        <p14:creationId xmlns:p14="http://schemas.microsoft.com/office/powerpoint/2010/main" val="2700819924"/>
       </p:ext>
     </p:extLst>
   </p:cSld>

--- a/02_BrasBeta/02_BrasBeta.pptx
+++ b/02_BrasBeta/02_BrasBeta.pptx
@@ -218,7 +218,7 @@
           <a:p>
             <a:fld id="{D157349C-AD05-44FA-B790-D9BBD62C4832}" type="datetimeFigureOut">
               <a:rPr lang="fr-FR" smtClean="0"/>
-              <a:t>28/06/2023</a:t>
+              <a:t>04/03/2024</a:t>
             </a:fld>
             <a:endParaRPr lang="fr-FR"/>
           </a:p>
@@ -730,7 +730,7 @@
           <a:p>
             <a:fld id="{CCF538C2-C309-4752-87A7-D2071D6CAC7F}" type="datetime1">
               <a:rPr lang="fr-FR" smtClean="0"/>
-              <a:t>28/06/2023</a:t>
+              <a:t>04/03/2024</a:t>
             </a:fld>
             <a:endParaRPr lang="fr-FR"/>
           </a:p>
@@ -935,7 +935,7 @@
           <a:p>
             <a:fld id="{F926C4FD-C1E6-452C-A858-BFBBC7496631}" type="datetime1">
               <a:rPr lang="fr-FR" smtClean="0"/>
-              <a:t>28/06/2023</a:t>
+              <a:t>04/03/2024</a:t>
             </a:fld>
             <a:endParaRPr lang="fr-FR"/>
           </a:p>
@@ -1191,7 +1191,7 @@
           <a:p>
             <a:fld id="{CEF75A8D-5F26-4754-844B-E2D9F6FC4950}" type="datetime1">
               <a:rPr lang="fr-FR" smtClean="0"/>
-              <a:t>28/06/2023</a:t>
+              <a:t>04/03/2024</a:t>
             </a:fld>
             <a:endParaRPr lang="fr-FR"/>
           </a:p>
@@ -1365,7 +1365,7 @@
           <a:p>
             <a:fld id="{FE352A31-E2A5-4F8A-BDFE-A9BA369B67E9}" type="datetime1">
               <a:rPr lang="fr-FR" smtClean="0"/>
-              <a:t>28/06/2023</a:t>
+              <a:t>04/03/2024</a:t>
             </a:fld>
             <a:endParaRPr lang="fr-FR"/>
           </a:p>
@@ -1727,7 +1727,7 @@
           <a:p>
             <a:fld id="{F1707E18-E4F4-4E6D-951C-B01FC69E66C0}" type="datetime1">
               <a:rPr lang="fr-FR" smtClean="0"/>
-              <a:t>28/06/2023</a:t>
+              <a:t>04/03/2024</a:t>
             </a:fld>
             <a:endParaRPr lang="fr-FR"/>
           </a:p>
@@ -2002,7 +2002,7 @@
           <a:p>
             <a:fld id="{93E4B9C8-F394-498B-8C66-049FACC1ED86}" type="datetime1">
               <a:rPr lang="fr-FR" smtClean="0"/>
-              <a:t>28/06/2023</a:t>
+              <a:t>04/03/2024</a:t>
             </a:fld>
             <a:endParaRPr lang="fr-FR"/>
           </a:p>
@@ -2381,7 +2381,7 @@
           <a:p>
             <a:fld id="{35950896-C41B-455D-9FAE-80943DD0CAEF}" type="datetime1">
               <a:rPr lang="fr-FR" smtClean="0"/>
-              <a:t>28/06/2023</a:t>
+              <a:t>04/03/2024</a:t>
             </a:fld>
             <a:endParaRPr lang="fr-FR"/>
           </a:p>
@@ -2499,7 +2499,7 @@
           <a:p>
             <a:fld id="{2BE2B735-22CE-433C-8BA6-DF0B28588E1F}" type="datetime1">
               <a:rPr lang="fr-FR" smtClean="0"/>
-              <a:t>28/06/2023</a:t>
+              <a:t>04/03/2024</a:t>
             </a:fld>
             <a:endParaRPr lang="fr-FR"/>
           </a:p>
@@ -2673,7 +2673,7 @@
           <a:p>
             <a:fld id="{5B475E59-9936-4413-84C5-14169665FDED}" type="datetime1">
               <a:rPr lang="fr-FR" smtClean="0"/>
-              <a:t>28/06/2023</a:t>
+              <a:t>04/03/2024</a:t>
             </a:fld>
             <a:endParaRPr lang="fr-FR"/>
           </a:p>
@@ -3030,7 +3030,7 @@
           <a:p>
             <a:fld id="{42662320-E9E6-45B0-8B93-5727AA5FFC46}" type="datetime1">
               <a:rPr lang="fr-FR" smtClean="0"/>
-              <a:t>28/06/2023</a:t>
+              <a:t>04/03/2024</a:t>
             </a:fld>
             <a:endParaRPr lang="fr-FR"/>
           </a:p>
@@ -3415,7 +3415,7 @@
           <a:p>
             <a:fld id="{9A545382-D50F-43E8-AFFD-788FD552C87C}" type="datetime1">
               <a:rPr lang="fr-FR" smtClean="0"/>
-              <a:t>28/06/2023</a:t>
+              <a:t>04/03/2024</a:t>
             </a:fld>
             <a:endParaRPr lang="fr-FR"/>
           </a:p>
@@ -3705,7 +3705,7 @@
           <a:p>
             <a:fld id="{4F030BD8-D1C7-406A-AB04-4944ABBF0A3E}" type="datetime1">
               <a:rPr lang="fr-FR" smtClean="0"/>
-              <a:t>28/06/2023</a:t>
+              <a:t>04/03/2024</a:t>
             </a:fld>
             <a:endParaRPr lang="fr-FR" dirty="0"/>
           </a:p>
@@ -5569,8 +5569,14 @@
                 </a:solidFill>
                 <a:latin typeface="Arial Nova" panose="020B0504020202020204" pitchFamily="34" charset="0"/>
               </a:rPr>
-              <a:t>Alimentation 24 V</a:t>
+              <a:t>Transformateur Alimentation xx V</a:t>
             </a:r>
+            <a:endParaRPr lang="fr-FR" sz="1200" dirty="0">
+              <a:solidFill>
+                <a:srgbClr val="FDAD57"/>
+              </a:solidFill>
+              <a:latin typeface="Arial Nova" panose="020B0504020202020204" pitchFamily="34" charset="0"/>
+            </a:endParaRPr>
           </a:p>
         </p:txBody>
       </p:sp>
@@ -6372,36 +6378,6 @@
           </p:spPr>
         </p:pic>
       </p:grpSp>
-      <p:pic>
-        <p:nvPicPr>
-          <p:cNvPr id="39" name="Image 38">
-            <a:extLst>
-              <a:ext uri="{FF2B5EF4-FFF2-40B4-BE49-F238E27FC236}">
-                <a16:creationId xmlns:a16="http://schemas.microsoft.com/office/drawing/2014/main" id="{E3A983DC-8604-4428-90A0-1BAE06DE62C3}"/>
-              </a:ext>
-            </a:extLst>
-          </p:cNvPr>
-          <p:cNvPicPr>
-            <a:picLocks noChangeAspect="1"/>
-          </p:cNvPicPr>
-          <p:nvPr/>
-        </p:nvPicPr>
-        <p:blipFill>
-          <a:blip r:embed="rId6"/>
-          <a:stretch>
-            <a:fillRect/>
-          </a:stretch>
-        </p:blipFill>
-        <p:spPr>
-          <a:xfrm>
-            <a:off x="498044" y="3561065"/>
-            <a:ext cx="360000" cy="360000"/>
-          </a:xfrm>
-          <a:prstGeom prst="rect">
-            <a:avLst/>
-          </a:prstGeom>
-        </p:spPr>
-      </p:pic>
       <p:pic>
         <p:nvPicPr>
           <p:cNvPr id="40" name="Image 39">
@@ -8454,6 +8430,110 @@
           </p:pic>
         </p:grpSp>
       </p:grpSp>
+      <p:pic>
+        <p:nvPicPr>
+          <p:cNvPr id="100" name="Image 99">
+            <a:extLst>
+              <a:ext uri="{FF2B5EF4-FFF2-40B4-BE49-F238E27FC236}">
+                <a16:creationId xmlns:a16="http://schemas.microsoft.com/office/drawing/2014/main" id="{E3A983DC-8604-4428-90A0-1BAE06DE62C3}"/>
+              </a:ext>
+            </a:extLst>
+          </p:cNvPr>
+          <p:cNvPicPr>
+            <a:picLocks noChangeAspect="1"/>
+          </p:cNvPicPr>
+          <p:nvPr/>
+        </p:nvPicPr>
+        <p:blipFill>
+          <a:blip r:embed="rId6"/>
+          <a:stretch>
+            <a:fillRect/>
+          </a:stretch>
+        </p:blipFill>
+        <p:spPr>
+          <a:xfrm>
+            <a:off x="497333" y="3260167"/>
+            <a:ext cx="360000" cy="360000"/>
+          </a:xfrm>
+          <a:prstGeom prst="rect">
+            <a:avLst/>
+          </a:prstGeom>
+        </p:spPr>
+      </p:pic>
+      <p:cxnSp>
+        <p:nvCxnSpPr>
+          <p:cNvPr id="101" name="Connecteur droit avec flèche 100">
+            <a:extLst>
+              <a:ext uri="{FF2B5EF4-FFF2-40B4-BE49-F238E27FC236}">
+                <a16:creationId xmlns:a16="http://schemas.microsoft.com/office/drawing/2014/main" id="{2A759AA0-F3FD-C26A-60D8-97778FA4410F}"/>
+              </a:ext>
+            </a:extLst>
+          </p:cNvPr>
+          <p:cNvCxnSpPr>
+            <a:cxnSpLocks/>
+          </p:cNvCxnSpPr>
+          <p:nvPr/>
+        </p:nvCxnSpPr>
+        <p:spPr>
+          <a:xfrm flipV="1">
+            <a:off x="324302" y="3707196"/>
+            <a:ext cx="720000" cy="1536"/>
+          </a:xfrm>
+          <a:prstGeom prst="straightConnector1">
+            <a:avLst/>
+          </a:prstGeom>
+          <a:ln w="25400" cap="rnd">
+            <a:solidFill>
+              <a:srgbClr val="FDAD57"/>
+            </a:solidFill>
+            <a:tailEnd type="triangle" w="med" len="lg"/>
+          </a:ln>
+        </p:spPr>
+        <p:style>
+          <a:lnRef idx="1">
+            <a:schemeClr val="accent1"/>
+          </a:lnRef>
+          <a:fillRef idx="0">
+            <a:schemeClr val="accent1"/>
+          </a:fillRef>
+          <a:effectRef idx="0">
+            <a:schemeClr val="accent1"/>
+          </a:effectRef>
+          <a:fontRef idx="minor">
+            <a:schemeClr val="tx1"/>
+          </a:fontRef>
+        </p:style>
+      </p:cxnSp>
+      <p:sp>
+        <p:nvSpPr>
+          <p:cNvPr id="102" name="ZoneTexte 101"/>
+          <p:cNvSpPr txBox="1"/>
+          <p:nvPr/>
+        </p:nvSpPr>
+        <p:spPr>
+          <a:xfrm>
+            <a:off x="329415" y="3755041"/>
+            <a:ext cx="703719" cy="161583"/>
+          </a:xfrm>
+          <a:prstGeom prst="rect">
+            <a:avLst/>
+          </a:prstGeom>
+          <a:noFill/>
+        </p:spPr>
+        <p:txBody>
+          <a:bodyPr wrap="none" lIns="0" tIns="0" rIns="0" bIns="0" rtlCol="0">
+            <a:spAutoFit/>
+          </a:bodyPr>
+          <a:lstStyle/>
+          <a:p>
+            <a:r>
+              <a:rPr lang="fr-FR" sz="1050" dirty="0" smtClean="0"/>
+              <a:t>Prise secteur</a:t>
+            </a:r>
+            <a:endParaRPr lang="fr-FR" sz="1050" dirty="0"/>
+          </a:p>
+        </p:txBody>
+      </p:sp>
     </p:spTree>
     <p:extLst>
       <p:ext uri="{BB962C8B-B14F-4D97-AF65-F5344CB8AC3E}">
@@ -9082,8 +9162,14 @@
                 </a:solidFill>
                 <a:latin typeface="Arial Nova" panose="020B0504020202020204" pitchFamily="34" charset="0"/>
               </a:rPr>
-              <a:t>Alimentation 24 V</a:t>
+              <a:t>Transformateur Alimentation xx V</a:t>
             </a:r>
+            <a:endParaRPr lang="fr-FR" sz="1200" dirty="0">
+              <a:solidFill>
+                <a:srgbClr val="FDAD57"/>
+              </a:solidFill>
+              <a:latin typeface="Arial Nova" panose="020B0504020202020204" pitchFamily="34" charset="0"/>
+            </a:endParaRPr>
           </a:p>
         </p:txBody>
       </p:sp>
@@ -9885,36 +9971,6 @@
           </p:spPr>
         </p:pic>
       </p:grpSp>
-      <p:pic>
-        <p:nvPicPr>
-          <p:cNvPr id="39" name="Image 38">
-            <a:extLst>
-              <a:ext uri="{FF2B5EF4-FFF2-40B4-BE49-F238E27FC236}">
-                <a16:creationId xmlns:a16="http://schemas.microsoft.com/office/drawing/2014/main" id="{E3A983DC-8604-4428-90A0-1BAE06DE62C3}"/>
-              </a:ext>
-            </a:extLst>
-          </p:cNvPr>
-          <p:cNvPicPr>
-            <a:picLocks noChangeAspect="1"/>
-          </p:cNvPicPr>
-          <p:nvPr/>
-        </p:nvPicPr>
-        <p:blipFill>
-          <a:blip r:embed="rId6"/>
-          <a:stretch>
-            <a:fillRect/>
-          </a:stretch>
-        </p:blipFill>
-        <p:spPr>
-          <a:xfrm>
-            <a:off x="498044" y="3561065"/>
-            <a:ext cx="360000" cy="360000"/>
-          </a:xfrm>
-          <a:prstGeom prst="rect">
-            <a:avLst/>
-          </a:prstGeom>
-        </p:spPr>
-      </p:pic>
       <p:pic>
         <p:nvPicPr>
           <p:cNvPr id="40" name="Image 39">
@@ -12176,6 +12232,110 @@
           </p:pic>
         </p:grpSp>
       </p:grpSp>
+      <p:pic>
+        <p:nvPicPr>
+          <p:cNvPr id="92" name="Image 91">
+            <a:extLst>
+              <a:ext uri="{FF2B5EF4-FFF2-40B4-BE49-F238E27FC236}">
+                <a16:creationId xmlns:a16="http://schemas.microsoft.com/office/drawing/2014/main" id="{E3A983DC-8604-4428-90A0-1BAE06DE62C3}"/>
+              </a:ext>
+            </a:extLst>
+          </p:cNvPr>
+          <p:cNvPicPr>
+            <a:picLocks noChangeAspect="1"/>
+          </p:cNvPicPr>
+          <p:nvPr/>
+        </p:nvPicPr>
+        <p:blipFill>
+          <a:blip r:embed="rId6"/>
+          <a:stretch>
+            <a:fillRect/>
+          </a:stretch>
+        </p:blipFill>
+        <p:spPr>
+          <a:xfrm>
+            <a:off x="497333" y="3260167"/>
+            <a:ext cx="360000" cy="360000"/>
+          </a:xfrm>
+          <a:prstGeom prst="rect">
+            <a:avLst/>
+          </a:prstGeom>
+        </p:spPr>
+      </p:pic>
+      <p:cxnSp>
+        <p:nvCxnSpPr>
+          <p:cNvPr id="93" name="Connecteur droit avec flèche 92">
+            <a:extLst>
+              <a:ext uri="{FF2B5EF4-FFF2-40B4-BE49-F238E27FC236}">
+                <a16:creationId xmlns:a16="http://schemas.microsoft.com/office/drawing/2014/main" id="{2A759AA0-F3FD-C26A-60D8-97778FA4410F}"/>
+              </a:ext>
+            </a:extLst>
+          </p:cNvPr>
+          <p:cNvCxnSpPr>
+            <a:cxnSpLocks/>
+          </p:cNvCxnSpPr>
+          <p:nvPr/>
+        </p:nvCxnSpPr>
+        <p:spPr>
+          <a:xfrm flipV="1">
+            <a:off x="324302" y="3707196"/>
+            <a:ext cx="720000" cy="1536"/>
+          </a:xfrm>
+          <a:prstGeom prst="straightConnector1">
+            <a:avLst/>
+          </a:prstGeom>
+          <a:ln w="25400" cap="rnd">
+            <a:solidFill>
+              <a:srgbClr val="FDAD57"/>
+            </a:solidFill>
+            <a:tailEnd type="triangle" w="med" len="lg"/>
+          </a:ln>
+        </p:spPr>
+        <p:style>
+          <a:lnRef idx="1">
+            <a:schemeClr val="accent1"/>
+          </a:lnRef>
+          <a:fillRef idx="0">
+            <a:schemeClr val="accent1"/>
+          </a:fillRef>
+          <a:effectRef idx="0">
+            <a:schemeClr val="accent1"/>
+          </a:effectRef>
+          <a:fontRef idx="minor">
+            <a:schemeClr val="tx1"/>
+          </a:fontRef>
+        </p:style>
+      </p:cxnSp>
+      <p:sp>
+        <p:nvSpPr>
+          <p:cNvPr id="94" name="ZoneTexte 93"/>
+          <p:cNvSpPr txBox="1"/>
+          <p:nvPr/>
+        </p:nvSpPr>
+        <p:spPr>
+          <a:xfrm>
+            <a:off x="329415" y="3755041"/>
+            <a:ext cx="703719" cy="161583"/>
+          </a:xfrm>
+          <a:prstGeom prst="rect">
+            <a:avLst/>
+          </a:prstGeom>
+          <a:noFill/>
+        </p:spPr>
+        <p:txBody>
+          <a:bodyPr wrap="none" lIns="0" tIns="0" rIns="0" bIns="0" rtlCol="0">
+            <a:spAutoFit/>
+          </a:bodyPr>
+          <a:lstStyle/>
+          <a:p>
+            <a:r>
+              <a:rPr lang="fr-FR" sz="1050" dirty="0" smtClean="0"/>
+              <a:t>Prise secteur</a:t>
+            </a:r>
+            <a:endParaRPr lang="fr-FR" sz="1050" dirty="0"/>
+          </a:p>
+        </p:txBody>
+      </p:sp>
     </p:spTree>
     <p:extLst>
       <p:ext uri="{BB962C8B-B14F-4D97-AF65-F5344CB8AC3E}">
@@ -12747,8 +12907,8 @@
           </a:p>
         </p:txBody>
       </p:sp>
-      <mc:AlternateContent xmlns:mc="http://schemas.openxmlformats.org/markup-compatibility/2006">
-        <mc:Choice xmlns:a14="http://schemas.microsoft.com/office/drawing/2010/main" Requires="a14">
+      <mc:AlternateContent xmlns:mc="http://schemas.openxmlformats.org/markup-compatibility/2006" xmlns:a14="http://schemas.microsoft.com/office/drawing/2010/main">
+        <mc:Choice Requires="a14">
           <p:sp>
             <p:nvSpPr>
               <p:cNvPr id="14" name="ZoneTexte 13">
@@ -12829,7 +12989,7 @@
             </p:txBody>
           </p:sp>
         </mc:Choice>
-        <mc:Fallback>
+        <mc:Fallback xmlns="">
           <p:sp>
             <p:nvSpPr>
               <p:cNvPr id="14" name="ZoneTexte 13">
@@ -12874,8 +13034,8 @@
           </p:sp>
         </mc:Fallback>
       </mc:AlternateContent>
-      <mc:AlternateContent xmlns:mc="http://schemas.openxmlformats.org/markup-compatibility/2006">
-        <mc:Choice xmlns:a14="http://schemas.microsoft.com/office/drawing/2010/main" Requires="a14">
+      <mc:AlternateContent xmlns:mc="http://schemas.openxmlformats.org/markup-compatibility/2006" xmlns:a14="http://schemas.microsoft.com/office/drawing/2010/main">
+        <mc:Choice Requires="a14">
           <p:sp>
             <p:nvSpPr>
               <p:cNvPr id="15" name="ZoneTexte 14">
@@ -12956,7 +13116,7 @@
             </p:txBody>
           </p:sp>
         </mc:Choice>
-        <mc:Fallback>
+        <mc:Fallback xmlns="">
           <p:sp>
             <p:nvSpPr>
               <p:cNvPr id="15" name="ZoneTexte 14">
@@ -13001,8 +13161,8 @@
           </p:sp>
         </mc:Fallback>
       </mc:AlternateContent>
-      <mc:AlternateContent xmlns:mc="http://schemas.openxmlformats.org/markup-compatibility/2006">
-        <mc:Choice xmlns:a14="http://schemas.microsoft.com/office/drawing/2010/main" Requires="a14">
+      <mc:AlternateContent xmlns:mc="http://schemas.openxmlformats.org/markup-compatibility/2006" xmlns:a14="http://schemas.microsoft.com/office/drawing/2010/main">
+        <mc:Choice Requires="a14">
           <p:sp>
             <p:nvSpPr>
               <p:cNvPr id="16" name="ZoneTexte 15">
@@ -13083,7 +13243,7 @@
             </p:txBody>
           </p:sp>
         </mc:Choice>
-        <mc:Fallback>
+        <mc:Fallback xmlns="">
           <p:sp>
             <p:nvSpPr>
               <p:cNvPr id="16" name="ZoneTexte 15">
@@ -13128,8 +13288,8 @@
           </p:sp>
         </mc:Fallback>
       </mc:AlternateContent>
-      <mc:AlternateContent xmlns:mc="http://schemas.openxmlformats.org/markup-compatibility/2006">
-        <mc:Choice xmlns:a14="http://schemas.microsoft.com/office/drawing/2010/main" Requires="a14">
+      <mc:AlternateContent xmlns:mc="http://schemas.openxmlformats.org/markup-compatibility/2006" xmlns:a14="http://schemas.microsoft.com/office/drawing/2010/main">
+        <mc:Choice Requires="a14">
           <p:sp>
             <p:nvSpPr>
               <p:cNvPr id="17" name="ZoneTexte 16">
@@ -13179,7 +13339,7 @@
             </p:txBody>
           </p:sp>
         </mc:Choice>
-        <mc:Fallback>
+        <mc:Fallback xmlns="">
           <p:sp>
             <p:nvSpPr>
               <p:cNvPr id="17" name="ZoneTexte 16">
@@ -13224,8 +13384,8 @@
           </p:sp>
         </mc:Fallback>
       </mc:AlternateContent>
-      <mc:AlternateContent xmlns:mc="http://schemas.openxmlformats.org/markup-compatibility/2006">
-        <mc:Choice xmlns:a14="http://schemas.microsoft.com/office/drawing/2010/main" Requires="a14">
+      <mc:AlternateContent xmlns:mc="http://schemas.openxmlformats.org/markup-compatibility/2006" xmlns:a14="http://schemas.microsoft.com/office/drawing/2010/main">
+        <mc:Choice Requires="a14">
           <p:sp>
             <p:nvSpPr>
               <p:cNvPr id="18" name="ZoneTexte 17">
@@ -13306,7 +13466,7 @@
             </p:txBody>
           </p:sp>
         </mc:Choice>
-        <mc:Fallback>
+        <mc:Fallback xmlns="">
           <p:sp>
             <p:nvSpPr>
               <p:cNvPr id="18" name="ZoneTexte 17">
@@ -13351,8 +13511,8 @@
           </p:sp>
         </mc:Fallback>
       </mc:AlternateContent>
-      <mc:AlternateContent xmlns:mc="http://schemas.openxmlformats.org/markup-compatibility/2006">
-        <mc:Choice xmlns:a14="http://schemas.microsoft.com/office/drawing/2010/main" Requires="a14">
+      <mc:AlternateContent xmlns:mc="http://schemas.openxmlformats.org/markup-compatibility/2006" xmlns:a14="http://schemas.microsoft.com/office/drawing/2010/main">
+        <mc:Choice Requires="a14">
           <p:sp>
             <p:nvSpPr>
               <p:cNvPr id="19" name="ZoneTexte 18">
@@ -13433,7 +13593,7 @@
             </p:txBody>
           </p:sp>
         </mc:Choice>
-        <mc:Fallback>
+        <mc:Fallback xmlns="">
           <p:sp>
             <p:nvSpPr>
               <p:cNvPr id="19" name="ZoneTexte 18">
@@ -13685,8 +13845,8 @@
           </a:fontRef>
         </p:style>
       </p:cxnSp>
-      <mc:AlternateContent xmlns:mc="http://schemas.openxmlformats.org/markup-compatibility/2006">
-        <mc:Choice xmlns:a14="http://schemas.microsoft.com/office/drawing/2010/main" Requires="a14">
+      <mc:AlternateContent xmlns:mc="http://schemas.openxmlformats.org/markup-compatibility/2006" xmlns:a14="http://schemas.microsoft.com/office/drawing/2010/main">
+        <mc:Choice Requires="a14">
           <p:sp>
             <p:nvSpPr>
               <p:cNvPr id="23" name="ZoneTexte 22">
@@ -13736,7 +13896,7 @@
             </p:txBody>
           </p:sp>
         </mc:Choice>
-        <mc:Fallback>
+        <mc:Fallback xmlns="">
           <p:sp>
             <p:nvSpPr>
               <p:cNvPr id="23" name="ZoneTexte 22">
@@ -13781,8 +13941,8 @@
           </p:sp>
         </mc:Fallback>
       </mc:AlternateContent>
-      <mc:AlternateContent xmlns:mc="http://schemas.openxmlformats.org/markup-compatibility/2006">
-        <mc:Choice xmlns:a14="http://schemas.microsoft.com/office/drawing/2010/main" Requires="a14">
+      <mc:AlternateContent xmlns:mc="http://schemas.openxmlformats.org/markup-compatibility/2006" xmlns:a14="http://schemas.microsoft.com/office/drawing/2010/main">
+        <mc:Choice Requires="a14">
           <p:sp>
             <p:nvSpPr>
               <p:cNvPr id="24" name="ZoneTexte 23">
@@ -13832,7 +13992,7 @@
             </p:txBody>
           </p:sp>
         </mc:Choice>
-        <mc:Fallback>
+        <mc:Fallback xmlns="">
           <p:sp>
             <p:nvSpPr>
               <p:cNvPr id="24" name="ZoneTexte 23">
@@ -14112,8 +14272,8 @@
           </p:style>
         </p:cxnSp>
       </p:grpSp>
-      <mc:AlternateContent xmlns:mc="http://schemas.openxmlformats.org/markup-compatibility/2006">
-        <mc:Choice xmlns:a14="http://schemas.microsoft.com/office/drawing/2010/main" Requires="a14">
+      <mc:AlternateContent xmlns:mc="http://schemas.openxmlformats.org/markup-compatibility/2006" xmlns:a14="http://schemas.microsoft.com/office/drawing/2010/main">
+        <mc:Choice Requires="a14">
           <p:sp>
             <p:nvSpPr>
               <p:cNvPr id="30" name="ZoneTexte 29">
@@ -14194,7 +14354,7 @@
             </p:txBody>
           </p:sp>
         </mc:Choice>
-        <mc:Fallback>
+        <mc:Fallback xmlns="">
           <p:sp>
             <p:nvSpPr>
               <p:cNvPr id="30" name="ZoneTexte 29">
@@ -14239,8 +14399,8 @@
           </p:sp>
         </mc:Fallback>
       </mc:AlternateContent>
-      <mc:AlternateContent xmlns:mc="http://schemas.openxmlformats.org/markup-compatibility/2006">
-        <mc:Choice xmlns:a14="http://schemas.microsoft.com/office/drawing/2010/main" Requires="a14">
+      <mc:AlternateContent xmlns:mc="http://schemas.openxmlformats.org/markup-compatibility/2006" xmlns:a14="http://schemas.microsoft.com/office/drawing/2010/main">
+        <mc:Choice Requires="a14">
           <p:sp>
             <p:nvSpPr>
               <p:cNvPr id="31" name="ZoneTexte 30">
@@ -14321,7 +14481,7 @@
             </p:txBody>
           </p:sp>
         </mc:Choice>
-        <mc:Fallback>
+        <mc:Fallback xmlns="">
           <p:sp>
             <p:nvSpPr>
               <p:cNvPr id="31" name="ZoneTexte 30">
@@ -14366,8 +14526,8 @@
           </p:sp>
         </mc:Fallback>
       </mc:AlternateContent>
-      <mc:AlternateContent xmlns:mc="http://schemas.openxmlformats.org/markup-compatibility/2006">
-        <mc:Choice xmlns:a14="http://schemas.microsoft.com/office/drawing/2010/main" Requires="a14">
+      <mc:AlternateContent xmlns:mc="http://schemas.openxmlformats.org/markup-compatibility/2006" xmlns:a14="http://schemas.microsoft.com/office/drawing/2010/main">
+        <mc:Choice Requires="a14">
           <p:sp>
             <p:nvSpPr>
               <p:cNvPr id="32" name="ZoneTexte 31">
@@ -14448,7 +14608,7 @@
             </p:txBody>
           </p:sp>
         </mc:Choice>
-        <mc:Fallback>
+        <mc:Fallback xmlns="">
           <p:sp>
             <p:nvSpPr>
               <p:cNvPr id="32" name="ZoneTexte 31">
@@ -14977,8 +15137,8 @@
           </a:p>
         </p:txBody>
       </p:sp>
-      <mc:AlternateContent xmlns:mc="http://schemas.openxmlformats.org/markup-compatibility/2006">
-        <mc:Choice xmlns:a14="http://schemas.microsoft.com/office/drawing/2010/main" Requires="a14">
+      <mc:AlternateContent xmlns:mc="http://schemas.openxmlformats.org/markup-compatibility/2006" xmlns:a14="http://schemas.microsoft.com/office/drawing/2010/main">
+        <mc:Choice Requires="a14">
           <p:sp>
             <p:nvSpPr>
               <p:cNvPr id="44" name="ZoneTexte 43">
@@ -15028,7 +15188,7 @@
             </p:txBody>
           </p:sp>
         </mc:Choice>
-        <mc:Fallback>
+        <mc:Fallback xmlns="">
           <p:sp>
             <p:nvSpPr>
               <p:cNvPr id="44" name="ZoneTexte 43">

--- a/02_BrasBeta/02_BrasBeta.pptx
+++ b/02_BrasBeta/02_BrasBeta.pptx
@@ -18,7 +18,7 @@
     <p:sldId id="263" r:id="rId9"/>
   </p:sldIdLst>
   <p:sldSz cx="12192000" cy="6858000"/>
-  <p:notesSz cx="6858000" cy="9144000"/>
+  <p:notesSz cx="7315200" cy="9601200"/>
   <p:defaultTextStyle>
     <a:defPPr>
       <a:defRPr lang="en-US"/>
@@ -171,17 +171,17 @@
         <p:spPr>
           <a:xfrm>
             <a:off x="0" y="0"/>
-            <a:ext cx="2971800" cy="458788"/>
+            <a:ext cx="3169920" cy="481727"/>
           </a:xfrm>
           <a:prstGeom prst="rect">
             <a:avLst/>
           </a:prstGeom>
         </p:spPr>
         <p:txBody>
-          <a:bodyPr vert="horz" lIns="91440" tIns="45720" rIns="91440" bIns="45720" rtlCol="0"/>
+          <a:bodyPr vert="horz" lIns="96661" tIns="48331" rIns="96661" bIns="48331" rtlCol="0"/>
           <a:lstStyle>
             <a:lvl1pPr algn="l">
-              <a:defRPr sz="1200"/>
+              <a:defRPr sz="1300"/>
             </a:lvl1pPr>
           </a:lstStyle>
           <a:p>
@@ -201,24 +201,24 @@
         </p:nvSpPr>
         <p:spPr>
           <a:xfrm>
-            <a:off x="3884613" y="0"/>
-            <a:ext cx="2971800" cy="458788"/>
+            <a:off x="4143587" y="0"/>
+            <a:ext cx="3169920" cy="481727"/>
           </a:xfrm>
           <a:prstGeom prst="rect">
             <a:avLst/>
           </a:prstGeom>
         </p:spPr>
         <p:txBody>
-          <a:bodyPr vert="horz" lIns="91440" tIns="45720" rIns="91440" bIns="45720" rtlCol="0"/>
+          <a:bodyPr vert="horz" lIns="96661" tIns="48331" rIns="96661" bIns="48331" rtlCol="0"/>
           <a:lstStyle>
             <a:lvl1pPr algn="r">
-              <a:defRPr sz="1200"/>
+              <a:defRPr sz="1300"/>
             </a:lvl1pPr>
           </a:lstStyle>
           <a:p>
             <a:fld id="{D157349C-AD05-44FA-B790-D9BBD62C4832}" type="datetimeFigureOut">
               <a:rPr lang="fr-FR" smtClean="0"/>
-              <a:t>04/03/2024</a:t>
+              <a:t>04/06/2024</a:t>
             </a:fld>
             <a:endParaRPr lang="fr-FR"/>
           </a:p>
@@ -236,8 +236,8 @@
         </p:nvSpPr>
         <p:spPr>
           <a:xfrm>
-            <a:off x="685800" y="1143000"/>
-            <a:ext cx="5486400" cy="3086100"/>
+            <a:off x="777875" y="1200150"/>
+            <a:ext cx="5759450" cy="3240088"/>
           </a:xfrm>
           <a:prstGeom prst="rect">
             <a:avLst/>
@@ -250,7 +250,7 @@
           </a:ln>
         </p:spPr>
         <p:txBody>
-          <a:bodyPr vert="horz" lIns="91440" tIns="45720" rIns="91440" bIns="45720" rtlCol="0" anchor="ctr"/>
+          <a:bodyPr vert="horz" lIns="96661" tIns="48331" rIns="96661" bIns="48331" rtlCol="0" anchor="ctr"/>
           <a:lstStyle/>
           <a:p>
             <a:endParaRPr lang="fr-FR"/>
@@ -269,15 +269,15 @@
         </p:nvSpPr>
         <p:spPr>
           <a:xfrm>
-            <a:off x="685800" y="4400550"/>
-            <a:ext cx="5486400" cy="3600450"/>
+            <a:off x="731520" y="4620577"/>
+            <a:ext cx="5852160" cy="3780473"/>
           </a:xfrm>
           <a:prstGeom prst="rect">
             <a:avLst/>
           </a:prstGeom>
         </p:spPr>
         <p:txBody>
-          <a:bodyPr vert="horz" lIns="91440" tIns="45720" rIns="91440" bIns="45720" rtlCol="0"/>
+          <a:bodyPr vert="horz" lIns="96661" tIns="48331" rIns="96661" bIns="48331" rtlCol="0"/>
           <a:lstStyle/>
           <a:p>
             <a:pPr lvl="0"/>
@@ -328,18 +328,18 @@
         </p:nvSpPr>
         <p:spPr>
           <a:xfrm>
-            <a:off x="0" y="8685213"/>
-            <a:ext cx="2971800" cy="458787"/>
+            <a:off x="0" y="9119474"/>
+            <a:ext cx="3169920" cy="481726"/>
           </a:xfrm>
           <a:prstGeom prst="rect">
             <a:avLst/>
           </a:prstGeom>
         </p:spPr>
         <p:txBody>
-          <a:bodyPr vert="horz" lIns="91440" tIns="45720" rIns="91440" bIns="45720" rtlCol="0" anchor="b"/>
+          <a:bodyPr vert="horz" lIns="96661" tIns="48331" rIns="96661" bIns="48331" rtlCol="0" anchor="b"/>
           <a:lstStyle>
             <a:lvl1pPr algn="l">
-              <a:defRPr sz="1200"/>
+              <a:defRPr sz="1300"/>
             </a:lvl1pPr>
           </a:lstStyle>
           <a:p>
@@ -359,18 +359,18 @@
         </p:nvSpPr>
         <p:spPr>
           <a:xfrm>
-            <a:off x="3884613" y="8685213"/>
-            <a:ext cx="2971800" cy="458787"/>
+            <a:off x="4143587" y="9119474"/>
+            <a:ext cx="3169920" cy="481726"/>
           </a:xfrm>
           <a:prstGeom prst="rect">
             <a:avLst/>
           </a:prstGeom>
         </p:spPr>
         <p:txBody>
-          <a:bodyPr vert="horz" lIns="91440" tIns="45720" rIns="91440" bIns="45720" rtlCol="0" anchor="b"/>
+          <a:bodyPr vert="horz" lIns="96661" tIns="48331" rIns="96661" bIns="48331" rtlCol="0" anchor="b"/>
           <a:lstStyle>
             <a:lvl1pPr algn="r">
-              <a:defRPr sz="1200"/>
+              <a:defRPr sz="1300"/>
             </a:lvl1pPr>
           </a:lstStyle>
           <a:p>
@@ -485,12 +485,12 @@
   <p:extLst>
     <p:ext uri="{620B2872-D7B9-4A21-9093-7833F8D536E1}">
       <p15:sldGuideLst xmlns:p15="http://schemas.microsoft.com/office/powerpoint/2012/main">
-        <p15:guide id="1" orient="horz" pos="2880" userDrawn="1">
+        <p15:guide id="1" orient="horz" pos="3024" userDrawn="1">
           <p15:clr>
             <a:srgbClr val="F26B43"/>
           </p15:clr>
         </p15:guide>
-        <p15:guide id="2" pos="2160" userDrawn="1">
+        <p15:guide id="2" pos="2304" userDrawn="1">
           <p15:clr>
             <a:srgbClr val="F26B43"/>
           </p15:clr>
@@ -730,7 +730,7 @@
           <a:p>
             <a:fld id="{CCF538C2-C309-4752-87A7-D2071D6CAC7F}" type="datetime1">
               <a:rPr lang="fr-FR" smtClean="0"/>
-              <a:t>04/03/2024</a:t>
+              <a:t>04/06/2024</a:t>
             </a:fld>
             <a:endParaRPr lang="fr-FR"/>
           </a:p>
@@ -935,7 +935,7 @@
           <a:p>
             <a:fld id="{F926C4FD-C1E6-452C-A858-BFBBC7496631}" type="datetime1">
               <a:rPr lang="fr-FR" smtClean="0"/>
-              <a:t>04/03/2024</a:t>
+              <a:t>04/06/2024</a:t>
             </a:fld>
             <a:endParaRPr lang="fr-FR"/>
           </a:p>
@@ -1191,7 +1191,7 @@
           <a:p>
             <a:fld id="{CEF75A8D-5F26-4754-844B-E2D9F6FC4950}" type="datetime1">
               <a:rPr lang="fr-FR" smtClean="0"/>
-              <a:t>04/03/2024</a:t>
+              <a:t>04/06/2024</a:t>
             </a:fld>
             <a:endParaRPr lang="fr-FR"/>
           </a:p>
@@ -1365,7 +1365,7 @@
           <a:p>
             <a:fld id="{FE352A31-E2A5-4F8A-BDFE-A9BA369B67E9}" type="datetime1">
               <a:rPr lang="fr-FR" smtClean="0"/>
-              <a:t>04/03/2024</a:t>
+              <a:t>04/06/2024</a:t>
             </a:fld>
             <a:endParaRPr lang="fr-FR"/>
           </a:p>
@@ -1727,7 +1727,7 @@
           <a:p>
             <a:fld id="{F1707E18-E4F4-4E6D-951C-B01FC69E66C0}" type="datetime1">
               <a:rPr lang="fr-FR" smtClean="0"/>
-              <a:t>04/03/2024</a:t>
+              <a:t>04/06/2024</a:t>
             </a:fld>
             <a:endParaRPr lang="fr-FR"/>
           </a:p>
@@ -2002,7 +2002,7 @@
           <a:p>
             <a:fld id="{93E4B9C8-F394-498B-8C66-049FACC1ED86}" type="datetime1">
               <a:rPr lang="fr-FR" smtClean="0"/>
-              <a:t>04/03/2024</a:t>
+              <a:t>04/06/2024</a:t>
             </a:fld>
             <a:endParaRPr lang="fr-FR"/>
           </a:p>
@@ -2381,7 +2381,7 @@
           <a:p>
             <a:fld id="{35950896-C41B-455D-9FAE-80943DD0CAEF}" type="datetime1">
               <a:rPr lang="fr-FR" smtClean="0"/>
-              <a:t>04/03/2024</a:t>
+              <a:t>04/06/2024</a:t>
             </a:fld>
             <a:endParaRPr lang="fr-FR"/>
           </a:p>
@@ -2499,7 +2499,7 @@
           <a:p>
             <a:fld id="{2BE2B735-22CE-433C-8BA6-DF0B28588E1F}" type="datetime1">
               <a:rPr lang="fr-FR" smtClean="0"/>
-              <a:t>04/03/2024</a:t>
+              <a:t>04/06/2024</a:t>
             </a:fld>
             <a:endParaRPr lang="fr-FR"/>
           </a:p>
@@ -2673,7 +2673,7 @@
           <a:p>
             <a:fld id="{5B475E59-9936-4413-84C5-14169665FDED}" type="datetime1">
               <a:rPr lang="fr-FR" smtClean="0"/>
-              <a:t>04/03/2024</a:t>
+              <a:t>04/06/2024</a:t>
             </a:fld>
             <a:endParaRPr lang="fr-FR"/>
           </a:p>
@@ -3030,7 +3030,7 @@
           <a:p>
             <a:fld id="{42662320-E9E6-45B0-8B93-5727AA5FFC46}" type="datetime1">
               <a:rPr lang="fr-FR" smtClean="0"/>
-              <a:t>04/03/2024</a:t>
+              <a:t>04/06/2024</a:t>
             </a:fld>
             <a:endParaRPr lang="fr-FR"/>
           </a:p>
@@ -3415,7 +3415,7 @@
           <a:p>
             <a:fld id="{9A545382-D50F-43E8-AFFD-788FD552C87C}" type="datetime1">
               <a:rPr lang="fr-FR" smtClean="0"/>
-              <a:t>04/03/2024</a:t>
+              <a:t>04/06/2024</a:t>
             </a:fld>
             <a:endParaRPr lang="fr-FR"/>
           </a:p>
@@ -3705,7 +3705,7 @@
           <a:p>
             <a:fld id="{4F030BD8-D1C7-406A-AB04-4944ABBF0A3E}" type="datetime1">
               <a:rPr lang="fr-FR" smtClean="0"/>
-              <a:t>04/03/2024</a:t>
+              <a:t>04/06/2024</a:t>
             </a:fld>
             <a:endParaRPr lang="fr-FR" dirty="0"/>
           </a:p>
@@ -4992,10 +4992,9 @@
           <a:lstStyle/>
           <a:p>
             <a:r>
-              <a:rPr lang="fr-FR"/>
-              <a:t>Axe de Rotation</a:t>
+              <a:rPr lang="fr-FR" dirty="0"/>
+              <a:t>Bras Beta – Axe de Rotation</a:t>
             </a:r>
-            <a:endParaRPr lang="fr-FR" dirty="0"/>
           </a:p>
         </p:txBody>
       </p:sp>
@@ -5571,12 +5570,6 @@
               </a:rPr>
               <a:t>Transformateur Alimentation xx V</a:t>
             </a:r>
-            <a:endParaRPr lang="fr-FR" sz="1200" dirty="0">
-              <a:solidFill>
-                <a:srgbClr val="FDAD57"/>
-              </a:solidFill>
-              <a:latin typeface="Arial Nova" panose="020B0504020202020204" pitchFamily="34" charset="0"/>
-            </a:endParaRPr>
           </a:p>
         </p:txBody>
       </p:sp>
@@ -5966,18 +5959,6 @@
                 <a:latin typeface="Arial Nova" panose="020B0504020202020204" pitchFamily="34" charset="0"/>
               </a:rPr>
               <a:t>Train épicycloïdal</a:t>
-            </a:r>
-          </a:p>
-          <a:p>
-            <a:pPr algn="ctr"/>
-            <a:r>
-              <a:rPr lang="fr-FR" sz="1100" dirty="0">
-                <a:solidFill>
-                  <a:srgbClr val="EE685D"/>
-                </a:solidFill>
-                <a:latin typeface="Arial Nova" panose="020B0504020202020204" pitchFamily="34" charset="0"/>
-              </a:rPr>
-              <a:t>+ Train simple</a:t>
             </a:r>
           </a:p>
         </p:txBody>
@@ -6718,50 +6699,6 @@
           </p:spPr>
         </p:pic>
       </p:grpSp>
-      <p:cxnSp>
-        <p:nvCxnSpPr>
-          <p:cNvPr id="53" name="Connecteur droit avec flèche 52">
-            <a:extLst>
-              <a:ext uri="{FF2B5EF4-FFF2-40B4-BE49-F238E27FC236}">
-                <a16:creationId xmlns:a16="http://schemas.microsoft.com/office/drawing/2014/main" id="{D8550244-CF3E-46CD-9FB3-D08544E1F6C9}"/>
-              </a:ext>
-            </a:extLst>
-          </p:cNvPr>
-          <p:cNvCxnSpPr>
-            <a:cxnSpLocks/>
-          </p:cNvCxnSpPr>
-          <p:nvPr/>
-        </p:nvCxnSpPr>
-        <p:spPr>
-          <a:xfrm flipV="1">
-            <a:off x="6829319" y="3702769"/>
-            <a:ext cx="720000" cy="1536"/>
-          </a:xfrm>
-          <a:prstGeom prst="straightConnector1">
-            <a:avLst/>
-          </a:prstGeom>
-          <a:ln w="25400" cap="rnd">
-            <a:solidFill>
-              <a:srgbClr val="68348B"/>
-            </a:solidFill>
-            <a:tailEnd type="triangle" w="med" len="lg"/>
-          </a:ln>
-        </p:spPr>
-        <p:style>
-          <a:lnRef idx="1">
-            <a:schemeClr val="accent1"/>
-          </a:lnRef>
-          <a:fillRef idx="0">
-            <a:schemeClr val="accent1"/>
-          </a:fillRef>
-          <a:effectRef idx="0">
-            <a:schemeClr val="accent1"/>
-          </a:effectRef>
-          <a:fontRef idx="minor">
-            <a:schemeClr val="tx1"/>
-          </a:fontRef>
-        </p:style>
-      </p:cxnSp>
       <p:grpSp>
         <p:nvGrpSpPr>
           <p:cNvPr id="55" name="Groupe 54">
@@ -6865,36 +6802,101 @@
           </p:spPr>
         </p:pic>
       </p:grpSp>
-      <p:pic>
-        <p:nvPicPr>
-          <p:cNvPr id="59" name="Image 58">
+      <p:grpSp>
+        <p:nvGrpSpPr>
+          <p:cNvPr id="39" name="Groupe 38">
             <a:extLst>
               <a:ext uri="{FF2B5EF4-FFF2-40B4-BE49-F238E27FC236}">
-                <a16:creationId xmlns:a16="http://schemas.microsoft.com/office/drawing/2014/main" id="{B3E9E472-684E-6072-F347-B28F08A29E23}"/>
+                <a16:creationId xmlns:a16="http://schemas.microsoft.com/office/drawing/2014/main" id="{83B838B7-398B-2611-4080-AD165E2C8C72}"/>
               </a:ext>
             </a:extLst>
           </p:cNvPr>
-          <p:cNvPicPr>
-            <a:picLocks noChangeAspect="1"/>
-          </p:cNvPicPr>
+          <p:cNvGrpSpPr/>
           <p:nvPr/>
-        </p:nvPicPr>
-        <p:blipFill>
-          <a:blip r:embed="rId11"/>
-          <a:stretch>
-            <a:fillRect/>
-          </a:stretch>
-        </p:blipFill>
-        <p:spPr>
+        </p:nvGrpSpPr>
+        <p:grpSpPr>
           <a:xfrm>
-            <a:off x="6993108" y="3313520"/>
-            <a:ext cx="360000" cy="360000"/>
+            <a:off x="6829319" y="3313520"/>
+            <a:ext cx="720000" cy="390785"/>
+            <a:chOff x="6829319" y="3313520"/>
+            <a:chExt cx="720000" cy="390785"/>
           </a:xfrm>
-          <a:prstGeom prst="rect">
-            <a:avLst/>
-          </a:prstGeom>
-        </p:spPr>
-      </p:pic>
+        </p:grpSpPr>
+        <p:cxnSp>
+          <p:nvCxnSpPr>
+            <p:cNvPr id="53" name="Connecteur droit avec flèche 52">
+              <a:extLst>
+                <a:ext uri="{FF2B5EF4-FFF2-40B4-BE49-F238E27FC236}">
+                  <a16:creationId xmlns:a16="http://schemas.microsoft.com/office/drawing/2014/main" id="{D8550244-CF3E-46CD-9FB3-D08544E1F6C9}"/>
+                </a:ext>
+              </a:extLst>
+            </p:cNvPr>
+            <p:cNvCxnSpPr>
+              <a:cxnSpLocks/>
+            </p:cNvCxnSpPr>
+            <p:nvPr/>
+          </p:nvCxnSpPr>
+          <p:spPr>
+            <a:xfrm flipV="1">
+              <a:off x="6829319" y="3702769"/>
+              <a:ext cx="720000" cy="1536"/>
+            </a:xfrm>
+            <a:prstGeom prst="straightConnector1">
+              <a:avLst/>
+            </a:prstGeom>
+            <a:ln w="25400" cap="rnd">
+              <a:solidFill>
+                <a:srgbClr val="68348B"/>
+              </a:solidFill>
+              <a:tailEnd type="triangle" w="med" len="lg"/>
+            </a:ln>
+          </p:spPr>
+          <p:style>
+            <a:lnRef idx="1">
+              <a:schemeClr val="accent1"/>
+            </a:lnRef>
+            <a:fillRef idx="0">
+              <a:schemeClr val="accent1"/>
+            </a:fillRef>
+            <a:effectRef idx="0">
+              <a:schemeClr val="accent1"/>
+            </a:effectRef>
+            <a:fontRef idx="minor">
+              <a:schemeClr val="tx1"/>
+            </a:fontRef>
+          </p:style>
+        </p:cxnSp>
+        <p:pic>
+          <p:nvPicPr>
+            <p:cNvPr id="59" name="Image 58">
+              <a:extLst>
+                <a:ext uri="{FF2B5EF4-FFF2-40B4-BE49-F238E27FC236}">
+                  <a16:creationId xmlns:a16="http://schemas.microsoft.com/office/drawing/2014/main" id="{B3E9E472-684E-6072-F347-B28F08A29E23}"/>
+                </a:ext>
+              </a:extLst>
+            </p:cNvPr>
+            <p:cNvPicPr>
+              <a:picLocks noChangeAspect="1"/>
+            </p:cNvPicPr>
+            <p:nvPr/>
+          </p:nvPicPr>
+          <p:blipFill>
+            <a:blip r:embed="rId11"/>
+            <a:stretch>
+              <a:fillRect/>
+            </a:stretch>
+          </p:blipFill>
+          <p:spPr>
+            <a:xfrm>
+              <a:off x="6993108" y="3313520"/>
+              <a:ext cx="360000" cy="360000"/>
+            </a:xfrm>
+            <a:prstGeom prst="rect">
+              <a:avLst/>
+            </a:prstGeom>
+          </p:spPr>
+        </p:pic>
+      </p:grpSp>
       <p:cxnSp>
         <p:nvCxnSpPr>
           <p:cNvPr id="61" name="Connecteur : en angle 60">
@@ -7107,144 +7109,6 @@
           <a:xfrm>
             <a:off x="3705152" y="3113393"/>
             <a:ext cx="180000" cy="180000"/>
-          </a:xfrm>
-          <a:prstGeom prst="rect">
-            <a:avLst/>
-          </a:prstGeom>
-        </p:spPr>
-      </p:pic>
-      <p:sp>
-        <p:nvSpPr>
-          <p:cNvPr id="73" name="Rectangle : coins arrondis 72">
-            <a:extLst>
-              <a:ext uri="{FF2B5EF4-FFF2-40B4-BE49-F238E27FC236}">
-                <a16:creationId xmlns:a16="http://schemas.microsoft.com/office/drawing/2014/main" id="{9855835A-A07D-9F88-33DC-F41928D86114}"/>
-              </a:ext>
-            </a:extLst>
-          </p:cNvPr>
-          <p:cNvSpPr/>
-          <p:nvPr/>
-        </p:nvSpPr>
-        <p:spPr>
-          <a:xfrm>
-            <a:off x="9634981" y="3429000"/>
-            <a:ext cx="1365662" cy="1194790"/>
-          </a:xfrm>
-          <a:prstGeom prst="roundRect">
-            <a:avLst>
-              <a:gd name="adj" fmla="val 11914"/>
-            </a:avLst>
-          </a:prstGeom>
-          <a:solidFill>
-            <a:srgbClr val="B2CAD6"/>
-          </a:solidFill>
-          <a:ln w="19050">
-            <a:solidFill>
-              <a:srgbClr val="B2CAD6"/>
-            </a:solidFill>
-          </a:ln>
-        </p:spPr>
-        <p:style>
-          <a:lnRef idx="2">
-            <a:schemeClr val="accent1">
-              <a:shade val="50000"/>
-            </a:schemeClr>
-          </a:lnRef>
-          <a:fillRef idx="1">
-            <a:schemeClr val="accent1"/>
-          </a:fillRef>
-          <a:effectRef idx="0">
-            <a:schemeClr val="accent1"/>
-          </a:effectRef>
-          <a:fontRef idx="minor">
-            <a:schemeClr val="lt1"/>
-          </a:fontRef>
-        </p:style>
-        <p:txBody>
-          <a:bodyPr rtlCol="0" anchor="ctr"/>
-          <a:lstStyle/>
-          <a:p>
-            <a:pPr algn="ctr"/>
-            <a:r>
-              <a:rPr lang="fr-FR" sz="1200" dirty="0">
-                <a:solidFill>
-                  <a:srgbClr val="0D587E"/>
-                </a:solidFill>
-                <a:latin typeface="Arial Nova" panose="020B0504020202020204" pitchFamily="34" charset="0"/>
-              </a:rPr>
-              <a:t>Axe de rotation R</a:t>
-            </a:r>
-          </a:p>
-        </p:txBody>
-      </p:sp>
-      <p:cxnSp>
-        <p:nvCxnSpPr>
-          <p:cNvPr id="74" name="Connecteur droit avec flèche 73">
-            <a:extLst>
-              <a:ext uri="{FF2B5EF4-FFF2-40B4-BE49-F238E27FC236}">
-                <a16:creationId xmlns:a16="http://schemas.microsoft.com/office/drawing/2014/main" id="{68CD29C3-A317-7C58-A7A7-665AAE50EA4D}"/>
-              </a:ext>
-            </a:extLst>
-          </p:cNvPr>
-          <p:cNvCxnSpPr>
-            <a:cxnSpLocks/>
-          </p:cNvCxnSpPr>
-          <p:nvPr/>
-        </p:nvCxnSpPr>
-        <p:spPr>
-          <a:xfrm flipV="1">
-            <a:off x="8911620" y="3702769"/>
-            <a:ext cx="720000" cy="1536"/>
-          </a:xfrm>
-          <a:prstGeom prst="straightConnector1">
-            <a:avLst/>
-          </a:prstGeom>
-          <a:ln w="25400" cap="rnd">
-            <a:solidFill>
-              <a:srgbClr val="68348B"/>
-            </a:solidFill>
-            <a:tailEnd type="triangle" w="med" len="lg"/>
-          </a:ln>
-        </p:spPr>
-        <p:style>
-          <a:lnRef idx="1">
-            <a:schemeClr val="accent1"/>
-          </a:lnRef>
-          <a:fillRef idx="0">
-            <a:schemeClr val="accent1"/>
-          </a:fillRef>
-          <a:effectRef idx="0">
-            <a:schemeClr val="accent1"/>
-          </a:effectRef>
-          <a:fontRef idx="minor">
-            <a:schemeClr val="tx1"/>
-          </a:fontRef>
-        </p:style>
-      </p:cxnSp>
-      <p:pic>
-        <p:nvPicPr>
-          <p:cNvPr id="75" name="Image 74">
-            <a:extLst>
-              <a:ext uri="{FF2B5EF4-FFF2-40B4-BE49-F238E27FC236}">
-                <a16:creationId xmlns:a16="http://schemas.microsoft.com/office/drawing/2014/main" id="{98FCC971-55C0-A51F-BCE7-08096E5E6682}"/>
-              </a:ext>
-            </a:extLst>
-          </p:cNvPr>
-          <p:cNvPicPr>
-            <a:picLocks noChangeAspect="1"/>
-          </p:cNvPicPr>
-          <p:nvPr/>
-        </p:nvPicPr>
-        <p:blipFill>
-          <a:blip r:embed="rId11"/>
-          <a:stretch>
-            <a:fillRect/>
-          </a:stretch>
-        </p:blipFill>
-        <p:spPr>
-          <a:xfrm>
-            <a:off x="9075409" y="3313520"/>
-            <a:ext cx="360000" cy="360000"/>
           </a:xfrm>
           <a:prstGeom prst="rect">
             <a:avLst/>
@@ -7502,10 +7366,10 @@
       </p:grpSp>
       <p:grpSp>
         <p:nvGrpSpPr>
-          <p:cNvPr id="31" name="Groupe 30">
+          <p:cNvPr id="30" name="Groupe 29">
             <a:extLst>
               <a:ext uri="{FF2B5EF4-FFF2-40B4-BE49-F238E27FC236}">
-                <a16:creationId xmlns:a16="http://schemas.microsoft.com/office/drawing/2014/main" id="{38DE34A1-309E-3092-6C78-2EC2C4982571}"/>
+                <a16:creationId xmlns:a16="http://schemas.microsoft.com/office/drawing/2014/main" id="{3E4B48FD-C1A2-D52B-9C81-395D373CD073}"/>
               </a:ext>
             </a:extLst>
           </p:cNvPr>
@@ -7513,19 +7377,19 @@
           <p:nvPr/>
         </p:nvGrpSpPr>
         <p:grpSpPr>
-          <a:xfrm rot="5400000" flipV="1">
-            <a:off x="10181964" y="4049013"/>
-            <a:ext cx="835963" cy="1617775"/>
-            <a:chOff x="9150640" y="2423323"/>
-            <a:chExt cx="835963" cy="2135794"/>
+          <a:xfrm>
+            <a:off x="10701656" y="2796091"/>
+            <a:ext cx="2796955" cy="2473181"/>
+            <a:chOff x="8611878" y="2802701"/>
+            <a:chExt cx="2796955" cy="2473181"/>
           </a:xfrm>
         </p:grpSpPr>
         <p:sp>
           <p:nvSpPr>
-            <p:cNvPr id="33" name="Flèche : virage 32">
+            <p:cNvPr id="73" name="Rectangle : coins arrondis 72">
               <a:extLst>
                 <a:ext uri="{FF2B5EF4-FFF2-40B4-BE49-F238E27FC236}">
-                  <a16:creationId xmlns:a16="http://schemas.microsoft.com/office/drawing/2014/main" id="{04988C8D-4296-036F-48CD-BEABA954B0A6}"/>
+                  <a16:creationId xmlns:a16="http://schemas.microsoft.com/office/drawing/2014/main" id="{9855835A-A07D-9F88-33DC-F41928D86114}"/>
                 </a:ext>
               </a:extLst>
             </p:cNvPr>
@@ -7533,23 +7397,22 @@
             <p:nvPr/>
           </p:nvSpPr>
           <p:spPr>
-            <a:xfrm rot="5400000">
-              <a:off x="8500725" y="3073238"/>
-              <a:ext cx="2135794" cy="835963"/>
+            <a:xfrm>
+              <a:off x="9634981" y="3429000"/>
+              <a:ext cx="1365662" cy="1194790"/>
             </a:xfrm>
-            <a:prstGeom prst="bentArrow">
+            <a:prstGeom prst="roundRect">
               <a:avLst>
-                <a:gd name="adj1" fmla="val 31434"/>
-                <a:gd name="adj2" fmla="val 25000"/>
-                <a:gd name="adj3" fmla="val 17852"/>
-                <a:gd name="adj4" fmla="val 20160"/>
+                <a:gd name="adj" fmla="val 11914"/>
               </a:avLst>
             </a:prstGeom>
             <a:solidFill>
               <a:srgbClr val="B2CAD6"/>
             </a:solidFill>
-            <a:ln>
-              <a:noFill/>
+            <a:ln w="19050">
+              <a:solidFill>
+                <a:srgbClr val="B2CAD6"/>
+              </a:solidFill>
             </a:ln>
           </p:spPr>
           <p:style>
@@ -7573,182 +7436,342 @@
             <a:lstStyle/>
             <a:p>
               <a:pPr algn="ctr"/>
-              <a:endParaRPr lang="fr-FR" dirty="0">
-                <a:solidFill>
-                  <a:schemeClr val="tx1"/>
-                </a:solidFill>
-              </a:endParaRPr>
-            </a:p>
-          </p:txBody>
-        </p:sp>
-        <p:sp>
-          <p:nvSpPr>
-            <p:cNvPr id="41" name="ZoneTexte 40">
-              <a:extLst>
-                <a:ext uri="{FF2B5EF4-FFF2-40B4-BE49-F238E27FC236}">
-                  <a16:creationId xmlns:a16="http://schemas.microsoft.com/office/drawing/2014/main" id="{0EAB7195-7F12-55FF-728F-9973D74F9553}"/>
-                </a:ext>
-              </a:extLst>
-            </p:cNvPr>
-            <p:cNvSpPr txBox="1"/>
-            <p:nvPr/>
-          </p:nvSpPr>
-          <p:spPr>
-            <a:xfrm rot="16200000">
-              <a:off x="8798745" y="3278541"/>
-              <a:ext cx="1918043" cy="307777"/>
-            </a:xfrm>
-            <a:prstGeom prst="rect">
-              <a:avLst/>
-            </a:prstGeom>
-            <a:noFill/>
-            <a:ln>
-              <a:noFill/>
-            </a:ln>
-          </p:spPr>
-          <p:txBody>
-            <a:bodyPr wrap="square" rtlCol="0">
-              <a:spAutoFit/>
-            </a:bodyPr>
-            <a:lstStyle/>
-            <a:p>
               <a:r>
-                <a:rPr lang="fr-FR" sz="1400" dirty="0">
+                <a:rPr lang="fr-FR" sz="1200" dirty="0">
                   <a:solidFill>
-                    <a:schemeClr val="bg1"/>
+                    <a:srgbClr val="0D587E"/>
                   </a:solidFill>
                   <a:latin typeface="Arial Nova" panose="020B0504020202020204" pitchFamily="34" charset="0"/>
                 </a:rPr>
-                <a:t>Bras en rotation</a:t>
+                <a:t>Axe de rotation R</a:t>
               </a:r>
             </a:p>
           </p:txBody>
         </p:sp>
-      </p:grpSp>
-      <p:grpSp>
-        <p:nvGrpSpPr>
-          <p:cNvPr id="42" name="Groupe 41">
-            <a:extLst>
-              <a:ext uri="{FF2B5EF4-FFF2-40B4-BE49-F238E27FC236}">
-                <a16:creationId xmlns:a16="http://schemas.microsoft.com/office/drawing/2014/main" id="{E35B4FFB-30FA-9F2D-8AAF-612988931FF4}"/>
-              </a:ext>
-            </a:extLst>
-          </p:cNvPr>
-          <p:cNvGrpSpPr/>
-          <p:nvPr/>
-        </p:nvGrpSpPr>
-        <p:grpSpPr>
-          <a:xfrm>
-            <a:off x="8611878" y="2802701"/>
-            <a:ext cx="1549219" cy="611677"/>
-            <a:chOff x="9075408" y="2802701"/>
-            <a:chExt cx="1549219" cy="611677"/>
-          </a:xfrm>
-        </p:grpSpPr>
-        <p:sp>
-          <p:nvSpPr>
-            <p:cNvPr id="43" name="Flèche : virage 42">
+        <p:cxnSp>
+          <p:nvCxnSpPr>
+            <p:cNvPr id="74" name="Connecteur droit avec flèche 73">
               <a:extLst>
                 <a:ext uri="{FF2B5EF4-FFF2-40B4-BE49-F238E27FC236}">
-                  <a16:creationId xmlns:a16="http://schemas.microsoft.com/office/drawing/2014/main" id="{0138F1DD-36B1-33FD-3B41-493A2B0091E5}"/>
+                  <a16:creationId xmlns:a16="http://schemas.microsoft.com/office/drawing/2014/main" id="{68CD29C3-A317-7C58-A7A7-665AAE50EA4D}"/>
                 </a:ext>
               </a:extLst>
             </p:cNvPr>
-            <p:cNvSpPr/>
+            <p:cNvCxnSpPr>
+              <a:cxnSpLocks/>
+            </p:cNvCxnSpPr>
             <p:nvPr/>
-          </p:nvSpPr>
+          </p:nvCxnSpPr>
           <p:spPr>
-            <a:xfrm rot="5400000">
-              <a:off x="9563593" y="2353345"/>
-              <a:ext cx="572849" cy="1549218"/>
+            <a:xfrm flipV="1">
+              <a:off x="8911620" y="3702769"/>
+              <a:ext cx="720000" cy="1536"/>
             </a:xfrm>
-            <a:prstGeom prst="bentArrow">
-              <a:avLst>
-                <a:gd name="adj1" fmla="val 38639"/>
-                <a:gd name="adj2" fmla="val 38302"/>
-                <a:gd name="adj3" fmla="val 16744"/>
-                <a:gd name="adj4" fmla="val 20160"/>
-              </a:avLst>
+            <a:prstGeom prst="straightConnector1">
+              <a:avLst/>
             </a:prstGeom>
-            <a:solidFill>
-              <a:srgbClr val="B2CAD6"/>
-            </a:solidFill>
-            <a:ln>
-              <a:noFill/>
+            <a:ln w="25400" cap="rnd">
+              <a:solidFill>
+                <a:srgbClr val="68348B"/>
+              </a:solidFill>
+              <a:tailEnd type="triangle" w="med" len="lg"/>
             </a:ln>
           </p:spPr>
           <p:style>
-            <a:lnRef idx="2">
-              <a:schemeClr val="accent1">
-                <a:shade val="50000"/>
-              </a:schemeClr>
+            <a:lnRef idx="1">
+              <a:schemeClr val="accent1"/>
             </a:lnRef>
-            <a:fillRef idx="1">
+            <a:fillRef idx="0">
               <a:schemeClr val="accent1"/>
             </a:fillRef>
             <a:effectRef idx="0">
               <a:schemeClr val="accent1"/>
             </a:effectRef>
             <a:fontRef idx="minor">
-              <a:schemeClr val="lt1"/>
+              <a:schemeClr val="tx1"/>
             </a:fontRef>
           </p:style>
-          <p:txBody>
-            <a:bodyPr rtlCol="0" anchor="ctr"/>
-            <a:lstStyle/>
-            <a:p>
-              <a:pPr algn="ctr"/>
-              <a:endParaRPr lang="fr-FR" dirty="0">
-                <a:solidFill>
-                  <a:schemeClr val="tx1"/>
-                </a:solidFill>
-              </a:endParaRPr>
-            </a:p>
-          </p:txBody>
-        </p:sp>
-        <p:sp>
-          <p:nvSpPr>
-            <p:cNvPr id="54" name="ZoneTexte 53">
+        </p:cxnSp>
+        <p:pic>
+          <p:nvPicPr>
+            <p:cNvPr id="75" name="Image 74">
               <a:extLst>
                 <a:ext uri="{FF2B5EF4-FFF2-40B4-BE49-F238E27FC236}">
-                  <a16:creationId xmlns:a16="http://schemas.microsoft.com/office/drawing/2014/main" id="{467AC060-C68E-2A43-8F56-FAB28245CB61}"/>
+                  <a16:creationId xmlns:a16="http://schemas.microsoft.com/office/drawing/2014/main" id="{98FCC971-55C0-A51F-BCE7-08096E5E6682}"/>
                 </a:ext>
               </a:extLst>
             </p:cNvPr>
-            <p:cNvSpPr txBox="1"/>
+            <p:cNvPicPr>
+              <a:picLocks noChangeAspect="1"/>
+            </p:cNvPicPr>
             <p:nvPr/>
-          </p:nvSpPr>
+          </p:nvPicPr>
+          <p:blipFill>
+            <a:blip r:embed="rId11"/>
+            <a:stretch>
+              <a:fillRect/>
+            </a:stretch>
+          </p:blipFill>
           <p:spPr>
             <a:xfrm>
-              <a:off x="9075408" y="2802701"/>
-              <a:ext cx="1473718" cy="307777"/>
+              <a:off x="9075409" y="3313520"/>
+              <a:ext cx="360000" cy="360000"/>
             </a:xfrm>
             <a:prstGeom prst="rect">
               <a:avLst/>
             </a:prstGeom>
-            <a:noFill/>
-            <a:ln>
+          </p:spPr>
+        </p:pic>
+        <p:grpSp>
+          <p:nvGrpSpPr>
+            <p:cNvPr id="31" name="Groupe 30">
+              <a:extLst>
+                <a:ext uri="{FF2B5EF4-FFF2-40B4-BE49-F238E27FC236}">
+                  <a16:creationId xmlns:a16="http://schemas.microsoft.com/office/drawing/2014/main" id="{38DE34A1-309E-3092-6C78-2EC2C4982571}"/>
+                </a:ext>
+              </a:extLst>
+            </p:cNvPr>
+            <p:cNvGrpSpPr/>
+            <p:nvPr/>
+          </p:nvGrpSpPr>
+          <p:grpSpPr>
+            <a:xfrm rot="5400000" flipV="1">
+              <a:off x="10181964" y="4049013"/>
+              <a:ext cx="835963" cy="1617775"/>
+              <a:chOff x="9150640" y="2423323"/>
+              <a:chExt cx="835963" cy="2135794"/>
+            </a:xfrm>
+          </p:grpSpPr>
+          <p:sp>
+            <p:nvSpPr>
+              <p:cNvPr id="33" name="Flèche : virage 32">
+                <a:extLst>
+                  <a:ext uri="{FF2B5EF4-FFF2-40B4-BE49-F238E27FC236}">
+                    <a16:creationId xmlns:a16="http://schemas.microsoft.com/office/drawing/2014/main" id="{04988C8D-4296-036F-48CD-BEABA954B0A6}"/>
+                  </a:ext>
+                </a:extLst>
+              </p:cNvPr>
+              <p:cNvSpPr/>
+              <p:nvPr/>
+            </p:nvSpPr>
+            <p:spPr>
+              <a:xfrm rot="5400000">
+                <a:off x="8500725" y="3073238"/>
+                <a:ext cx="2135794" cy="835963"/>
+              </a:xfrm>
+              <a:prstGeom prst="bentArrow">
+                <a:avLst>
+                  <a:gd name="adj1" fmla="val 31434"/>
+                  <a:gd name="adj2" fmla="val 25000"/>
+                  <a:gd name="adj3" fmla="val 17852"/>
+                  <a:gd name="adj4" fmla="val 20160"/>
+                </a:avLst>
+              </a:prstGeom>
+              <a:solidFill>
+                <a:srgbClr val="B2CAD6"/>
+              </a:solidFill>
+              <a:ln>
+                <a:noFill/>
+              </a:ln>
+            </p:spPr>
+            <p:style>
+              <a:lnRef idx="2">
+                <a:schemeClr val="accent1">
+                  <a:shade val="50000"/>
+                </a:schemeClr>
+              </a:lnRef>
+              <a:fillRef idx="1">
+                <a:schemeClr val="accent1"/>
+              </a:fillRef>
+              <a:effectRef idx="0">
+                <a:schemeClr val="accent1"/>
+              </a:effectRef>
+              <a:fontRef idx="minor">
+                <a:schemeClr val="lt1"/>
+              </a:fontRef>
+            </p:style>
+            <p:txBody>
+              <a:bodyPr rtlCol="0" anchor="ctr"/>
+              <a:lstStyle/>
+              <a:p>
+                <a:pPr algn="ctr"/>
+                <a:endParaRPr lang="fr-FR" dirty="0">
+                  <a:solidFill>
+                    <a:schemeClr val="tx1"/>
+                  </a:solidFill>
+                </a:endParaRPr>
+              </a:p>
+            </p:txBody>
+          </p:sp>
+          <p:sp>
+            <p:nvSpPr>
+              <p:cNvPr id="41" name="ZoneTexte 40">
+                <a:extLst>
+                  <a:ext uri="{FF2B5EF4-FFF2-40B4-BE49-F238E27FC236}">
+                    <a16:creationId xmlns:a16="http://schemas.microsoft.com/office/drawing/2014/main" id="{0EAB7195-7F12-55FF-728F-9973D74F9553}"/>
+                  </a:ext>
+                </a:extLst>
+              </p:cNvPr>
+              <p:cNvSpPr txBox="1"/>
+              <p:nvPr/>
+            </p:nvSpPr>
+            <p:spPr>
+              <a:xfrm rot="16200000">
+                <a:off x="8798745" y="3278541"/>
+                <a:ext cx="1918043" cy="307777"/>
+              </a:xfrm>
+              <a:prstGeom prst="rect">
+                <a:avLst/>
+              </a:prstGeom>
               <a:noFill/>
-            </a:ln>
-          </p:spPr>
-          <p:txBody>
-            <a:bodyPr wrap="square" rtlCol="0">
-              <a:spAutoFit/>
-            </a:bodyPr>
-            <a:lstStyle/>
-            <a:p>
-              <a:r>
-                <a:rPr lang="fr-FR" sz="1400" dirty="0">
+              <a:ln>
+                <a:noFill/>
+              </a:ln>
+            </p:spPr>
+            <p:txBody>
+              <a:bodyPr wrap="square" rtlCol="0">
+                <a:spAutoFit/>
+              </a:bodyPr>
+              <a:lstStyle/>
+              <a:p>
+                <a:r>
+                  <a:rPr lang="fr-FR" sz="1400" dirty="0">
+                    <a:solidFill>
+                      <a:schemeClr val="bg1"/>
+                    </a:solidFill>
+                    <a:latin typeface="Arial Nova" panose="020B0504020202020204" pitchFamily="34" charset="0"/>
+                  </a:rPr>
+                  <a:t>Bras en rotation</a:t>
+                </a:r>
+              </a:p>
+            </p:txBody>
+          </p:sp>
+        </p:grpSp>
+        <p:grpSp>
+          <p:nvGrpSpPr>
+            <p:cNvPr id="42" name="Groupe 41">
+              <a:extLst>
+                <a:ext uri="{FF2B5EF4-FFF2-40B4-BE49-F238E27FC236}">
+                  <a16:creationId xmlns:a16="http://schemas.microsoft.com/office/drawing/2014/main" id="{E35B4FFB-30FA-9F2D-8AAF-612988931FF4}"/>
+                </a:ext>
+              </a:extLst>
+            </p:cNvPr>
+            <p:cNvGrpSpPr/>
+            <p:nvPr/>
+          </p:nvGrpSpPr>
+          <p:grpSpPr>
+            <a:xfrm>
+              <a:off x="8611878" y="2802701"/>
+              <a:ext cx="1549219" cy="611677"/>
+              <a:chOff x="9075408" y="2802701"/>
+              <a:chExt cx="1549219" cy="611677"/>
+            </a:xfrm>
+          </p:grpSpPr>
+          <p:sp>
+            <p:nvSpPr>
+              <p:cNvPr id="43" name="Flèche : virage 42">
+                <a:extLst>
+                  <a:ext uri="{FF2B5EF4-FFF2-40B4-BE49-F238E27FC236}">
+                    <a16:creationId xmlns:a16="http://schemas.microsoft.com/office/drawing/2014/main" id="{0138F1DD-36B1-33FD-3B41-493A2B0091E5}"/>
+                  </a:ext>
+                </a:extLst>
+              </p:cNvPr>
+              <p:cNvSpPr/>
+              <p:nvPr/>
+            </p:nvSpPr>
+            <p:spPr>
+              <a:xfrm rot="5400000">
+                <a:off x="9563593" y="2353345"/>
+                <a:ext cx="572849" cy="1549218"/>
+              </a:xfrm>
+              <a:prstGeom prst="bentArrow">
+                <a:avLst>
+                  <a:gd name="adj1" fmla="val 38639"/>
+                  <a:gd name="adj2" fmla="val 38302"/>
+                  <a:gd name="adj3" fmla="val 16744"/>
+                  <a:gd name="adj4" fmla="val 20160"/>
+                </a:avLst>
+              </a:prstGeom>
+              <a:solidFill>
+                <a:srgbClr val="B2CAD6"/>
+              </a:solidFill>
+              <a:ln>
+                <a:noFill/>
+              </a:ln>
+            </p:spPr>
+            <p:style>
+              <a:lnRef idx="2">
+                <a:schemeClr val="accent1">
+                  <a:shade val="50000"/>
+                </a:schemeClr>
+              </a:lnRef>
+              <a:fillRef idx="1">
+                <a:schemeClr val="accent1"/>
+              </a:fillRef>
+              <a:effectRef idx="0">
+                <a:schemeClr val="accent1"/>
+              </a:effectRef>
+              <a:fontRef idx="minor">
+                <a:schemeClr val="lt1"/>
+              </a:fontRef>
+            </p:style>
+            <p:txBody>
+              <a:bodyPr rtlCol="0" anchor="ctr"/>
+              <a:lstStyle/>
+              <a:p>
+                <a:pPr algn="ctr"/>
+                <a:endParaRPr lang="fr-FR" dirty="0">
                   <a:solidFill>
-                    <a:schemeClr val="bg1"/>
+                    <a:schemeClr val="tx1"/>
                   </a:solidFill>
-                  <a:latin typeface="Arial Nova" panose="020B0504020202020204" pitchFamily="34" charset="0"/>
-                </a:rPr>
-                <a:t>Bras à l’arrêt</a:t>
-              </a:r>
-            </a:p>
-          </p:txBody>
-        </p:sp>
+                </a:endParaRPr>
+              </a:p>
+            </p:txBody>
+          </p:sp>
+          <p:sp>
+            <p:nvSpPr>
+              <p:cNvPr id="54" name="ZoneTexte 53">
+                <a:extLst>
+                  <a:ext uri="{FF2B5EF4-FFF2-40B4-BE49-F238E27FC236}">
+                    <a16:creationId xmlns:a16="http://schemas.microsoft.com/office/drawing/2014/main" id="{467AC060-C68E-2A43-8F56-FAB28245CB61}"/>
+                  </a:ext>
+                </a:extLst>
+              </p:cNvPr>
+              <p:cNvSpPr txBox="1"/>
+              <p:nvPr/>
+            </p:nvSpPr>
+            <p:spPr>
+              <a:xfrm>
+                <a:off x="9075408" y="2802701"/>
+                <a:ext cx="1473718" cy="307777"/>
+              </a:xfrm>
+              <a:prstGeom prst="rect">
+                <a:avLst/>
+              </a:prstGeom>
+              <a:noFill/>
+              <a:ln>
+                <a:noFill/>
+              </a:ln>
+            </p:spPr>
+            <p:txBody>
+              <a:bodyPr wrap="square" rtlCol="0">
+                <a:spAutoFit/>
+              </a:bodyPr>
+              <a:lstStyle/>
+              <a:p>
+                <a:r>
+                  <a:rPr lang="fr-FR" sz="1400" dirty="0">
+                    <a:solidFill>
+                      <a:schemeClr val="bg1"/>
+                    </a:solidFill>
+                    <a:latin typeface="Arial Nova" panose="020B0504020202020204" pitchFamily="34" charset="0"/>
+                  </a:rPr>
+                  <a:t>Bras à l’arrêt</a:t>
+                </a:r>
+              </a:p>
+            </p:txBody>
+          </p:sp>
+        </p:grpSp>
       </p:grpSp>
       <p:grpSp>
         <p:nvGrpSpPr>
@@ -8206,8 +8229,8 @@
           <p:nvPr/>
         </p:nvGrpSpPr>
         <p:grpSpPr>
-          <a:xfrm>
-            <a:off x="6682382" y="4212662"/>
+          <a:xfrm rot="5400000">
+            <a:off x="6672596" y="4288045"/>
             <a:ext cx="693018" cy="242466"/>
             <a:chOff x="330445" y="1559561"/>
             <a:chExt cx="693018" cy="242466"/>
@@ -8527,13 +8550,384 @@
           <a:lstStyle/>
           <a:p>
             <a:r>
-              <a:rPr lang="fr-FR" sz="1050" dirty="0" smtClean="0"/>
+              <a:rPr lang="fr-FR" sz="1050" dirty="0"/>
               <a:t>Prise secteur</a:t>
             </a:r>
-            <a:endParaRPr lang="fr-FR" sz="1050" dirty="0"/>
           </a:p>
         </p:txBody>
       </p:sp>
+      <p:grpSp>
+        <p:nvGrpSpPr>
+          <p:cNvPr id="63" name="Groupe 62">
+            <a:extLst>
+              <a:ext uri="{FF2B5EF4-FFF2-40B4-BE49-F238E27FC236}">
+                <a16:creationId xmlns:a16="http://schemas.microsoft.com/office/drawing/2014/main" id="{0C65B910-FFC2-D794-C0ED-7D721CD38266}"/>
+              </a:ext>
+            </a:extLst>
+          </p:cNvPr>
+          <p:cNvGrpSpPr/>
+          <p:nvPr/>
+        </p:nvGrpSpPr>
+        <p:grpSpPr>
+          <a:xfrm>
+            <a:off x="8902087" y="3314738"/>
+            <a:ext cx="720000" cy="390785"/>
+            <a:chOff x="6829319" y="3313520"/>
+            <a:chExt cx="720000" cy="390785"/>
+          </a:xfrm>
+        </p:grpSpPr>
+        <p:cxnSp>
+          <p:nvCxnSpPr>
+            <p:cNvPr id="69" name="Connecteur droit avec flèche 68">
+              <a:extLst>
+                <a:ext uri="{FF2B5EF4-FFF2-40B4-BE49-F238E27FC236}">
+                  <a16:creationId xmlns:a16="http://schemas.microsoft.com/office/drawing/2014/main" id="{F2435DC9-B0B7-5D42-DCE5-71941C55D713}"/>
+                </a:ext>
+              </a:extLst>
+            </p:cNvPr>
+            <p:cNvCxnSpPr>
+              <a:cxnSpLocks/>
+            </p:cNvCxnSpPr>
+            <p:nvPr/>
+          </p:nvCxnSpPr>
+          <p:spPr>
+            <a:xfrm flipV="1">
+              <a:off x="6829319" y="3702769"/>
+              <a:ext cx="720000" cy="1536"/>
+            </a:xfrm>
+            <a:prstGeom prst="straightConnector1">
+              <a:avLst/>
+            </a:prstGeom>
+            <a:ln w="25400" cap="rnd">
+              <a:solidFill>
+                <a:srgbClr val="68348B"/>
+              </a:solidFill>
+              <a:tailEnd type="triangle" w="med" len="lg"/>
+            </a:ln>
+          </p:spPr>
+          <p:style>
+            <a:lnRef idx="1">
+              <a:schemeClr val="accent1"/>
+            </a:lnRef>
+            <a:fillRef idx="0">
+              <a:schemeClr val="accent1"/>
+            </a:fillRef>
+            <a:effectRef idx="0">
+              <a:schemeClr val="accent1"/>
+            </a:effectRef>
+            <a:fontRef idx="minor">
+              <a:schemeClr val="tx1"/>
+            </a:fontRef>
+          </p:style>
+        </p:cxnSp>
+        <p:pic>
+          <p:nvPicPr>
+            <p:cNvPr id="70" name="Image 69">
+              <a:extLst>
+                <a:ext uri="{FF2B5EF4-FFF2-40B4-BE49-F238E27FC236}">
+                  <a16:creationId xmlns:a16="http://schemas.microsoft.com/office/drawing/2014/main" id="{2FAD26AF-421B-A596-414B-8A78F9C10CD7}"/>
+                </a:ext>
+              </a:extLst>
+            </p:cNvPr>
+            <p:cNvPicPr>
+              <a:picLocks noChangeAspect="1"/>
+            </p:cNvPicPr>
+            <p:nvPr/>
+          </p:nvPicPr>
+          <p:blipFill>
+            <a:blip r:embed="rId11"/>
+            <a:stretch>
+              <a:fillRect/>
+            </a:stretch>
+          </p:blipFill>
+          <p:spPr>
+            <a:xfrm>
+              <a:off x="6993108" y="3313520"/>
+              <a:ext cx="360000" cy="360000"/>
+            </a:xfrm>
+            <a:prstGeom prst="rect">
+              <a:avLst/>
+            </a:prstGeom>
+          </p:spPr>
+        </p:pic>
+      </p:grpSp>
+      <p:sp>
+        <p:nvSpPr>
+          <p:cNvPr id="76" name="Rectangle : coins arrondis 75">
+            <a:extLst>
+              <a:ext uri="{FF2B5EF4-FFF2-40B4-BE49-F238E27FC236}">
+                <a16:creationId xmlns:a16="http://schemas.microsoft.com/office/drawing/2014/main" id="{DB6BED63-91F0-94DA-E4D4-6765E3D89153}"/>
+              </a:ext>
+            </a:extLst>
+          </p:cNvPr>
+          <p:cNvSpPr/>
+          <p:nvPr/>
+        </p:nvSpPr>
+        <p:spPr>
+          <a:xfrm>
+            <a:off x="9642632" y="3432462"/>
+            <a:ext cx="1365662" cy="534390"/>
+          </a:xfrm>
+          <a:prstGeom prst="roundRect">
+            <a:avLst>
+              <a:gd name="adj" fmla="val 11914"/>
+            </a:avLst>
+          </a:prstGeom>
+          <a:noFill/>
+          <a:ln w="19050">
+            <a:solidFill>
+              <a:srgbClr val="EE685D"/>
+            </a:solidFill>
+          </a:ln>
+        </p:spPr>
+        <p:style>
+          <a:lnRef idx="2">
+            <a:schemeClr val="accent1">
+              <a:shade val="50000"/>
+            </a:schemeClr>
+          </a:lnRef>
+          <a:fillRef idx="1">
+            <a:schemeClr val="accent1"/>
+          </a:fillRef>
+          <a:effectRef idx="0">
+            <a:schemeClr val="accent1"/>
+          </a:effectRef>
+          <a:fontRef idx="minor">
+            <a:schemeClr val="lt1"/>
+          </a:fontRef>
+        </p:style>
+        <p:txBody>
+          <a:bodyPr rtlCol="0" anchor="ctr"/>
+          <a:lstStyle/>
+          <a:p>
+            <a:pPr algn="ctr"/>
+            <a:r>
+              <a:rPr lang="fr-FR" sz="1400" dirty="0">
+                <a:solidFill>
+                  <a:srgbClr val="EE685D"/>
+                </a:solidFill>
+                <a:latin typeface="Arial Nova" panose="020B0504020202020204" pitchFamily="34" charset="0"/>
+              </a:rPr>
+              <a:t>Transmettre</a:t>
+            </a:r>
+          </a:p>
+        </p:txBody>
+      </p:sp>
+      <p:sp>
+        <p:nvSpPr>
+          <p:cNvPr id="77" name="Rectangle : coins arrondis 76">
+            <a:extLst>
+              <a:ext uri="{FF2B5EF4-FFF2-40B4-BE49-F238E27FC236}">
+                <a16:creationId xmlns:a16="http://schemas.microsoft.com/office/drawing/2014/main" id="{AECD5BB3-89D7-F595-566D-D008CEEA72B4}"/>
+              </a:ext>
+            </a:extLst>
+          </p:cNvPr>
+          <p:cNvSpPr/>
+          <p:nvPr/>
+        </p:nvSpPr>
+        <p:spPr>
+          <a:xfrm>
+            <a:off x="9649079" y="4089310"/>
+            <a:ext cx="1365662" cy="534390"/>
+          </a:xfrm>
+          <a:prstGeom prst="roundRect">
+            <a:avLst>
+              <a:gd name="adj" fmla="val 11914"/>
+            </a:avLst>
+          </a:prstGeom>
+          <a:solidFill>
+            <a:srgbClr val="F7B8B3"/>
+          </a:solidFill>
+          <a:ln w="19050">
+            <a:solidFill>
+              <a:srgbClr val="F7B8B3"/>
+            </a:solidFill>
+          </a:ln>
+        </p:spPr>
+        <p:style>
+          <a:lnRef idx="2">
+            <a:schemeClr val="accent1">
+              <a:shade val="50000"/>
+            </a:schemeClr>
+          </a:lnRef>
+          <a:fillRef idx="1">
+            <a:schemeClr val="accent1"/>
+          </a:fillRef>
+          <a:effectRef idx="0">
+            <a:schemeClr val="accent1"/>
+          </a:effectRef>
+          <a:fontRef idx="minor">
+            <a:schemeClr val="lt1"/>
+          </a:fontRef>
+        </p:style>
+        <p:txBody>
+          <a:bodyPr rtlCol="0" anchor="ctr"/>
+          <a:lstStyle/>
+          <a:p>
+            <a:pPr algn="ctr"/>
+            <a:r>
+              <a:rPr lang="fr-FR" sz="1100" dirty="0">
+                <a:solidFill>
+                  <a:srgbClr val="EE685D"/>
+                </a:solidFill>
+                <a:latin typeface="Arial Nova" panose="020B0504020202020204" pitchFamily="34" charset="0"/>
+              </a:rPr>
+              <a:t>Train simple</a:t>
+            </a:r>
+          </a:p>
+        </p:txBody>
+      </p:sp>
+      <p:grpSp>
+        <p:nvGrpSpPr>
+          <p:cNvPr id="78" name="Groupe 77">
+            <a:extLst>
+              <a:ext uri="{FF2B5EF4-FFF2-40B4-BE49-F238E27FC236}">
+                <a16:creationId xmlns:a16="http://schemas.microsoft.com/office/drawing/2014/main" id="{76AEE563-92CF-15CE-84F3-190AFD876279}"/>
+              </a:ext>
+            </a:extLst>
+          </p:cNvPr>
+          <p:cNvGrpSpPr/>
+          <p:nvPr/>
+        </p:nvGrpSpPr>
+        <p:grpSpPr>
+          <a:xfrm>
+            <a:off x="10145463" y="3843922"/>
+            <a:ext cx="360000" cy="360000"/>
+            <a:chOff x="5447928" y="2816932"/>
+            <a:chExt cx="1800000" cy="1800000"/>
+          </a:xfrm>
+        </p:grpSpPr>
+        <p:sp>
+          <p:nvSpPr>
+            <p:cNvPr id="79" name="Ellipse 78">
+              <a:extLst>
+                <a:ext uri="{FF2B5EF4-FFF2-40B4-BE49-F238E27FC236}">
+                  <a16:creationId xmlns:a16="http://schemas.microsoft.com/office/drawing/2014/main" id="{B5FC6D02-9B4B-918A-A30C-71A43688D17D}"/>
+                </a:ext>
+              </a:extLst>
+            </p:cNvPr>
+            <p:cNvSpPr/>
+            <p:nvPr/>
+          </p:nvSpPr>
+          <p:spPr>
+            <a:xfrm>
+              <a:off x="5447928" y="2816932"/>
+              <a:ext cx="1800000" cy="1800000"/>
+            </a:xfrm>
+            <a:prstGeom prst="ellipse">
+              <a:avLst/>
+            </a:prstGeom>
+            <a:solidFill>
+              <a:srgbClr val="EF7268"/>
+            </a:solidFill>
+            <a:ln>
+              <a:noFill/>
+            </a:ln>
+          </p:spPr>
+          <p:style>
+            <a:lnRef idx="2">
+              <a:schemeClr val="accent1">
+                <a:shade val="50000"/>
+              </a:schemeClr>
+            </a:lnRef>
+            <a:fillRef idx="1">
+              <a:schemeClr val="accent1"/>
+            </a:fillRef>
+            <a:effectRef idx="0">
+              <a:schemeClr val="accent1"/>
+            </a:effectRef>
+            <a:fontRef idx="minor">
+              <a:schemeClr val="lt1"/>
+            </a:fontRef>
+          </p:style>
+          <p:txBody>
+            <a:bodyPr rtlCol="0" anchor="ctr"/>
+            <a:lstStyle/>
+            <a:p>
+              <a:pPr algn="ctr"/>
+              <a:endParaRPr lang="fr-FR" dirty="0"/>
+            </a:p>
+          </p:txBody>
+        </p:sp>
+        <p:pic>
+          <p:nvPicPr>
+            <p:cNvPr id="80" name="Image 79">
+              <a:extLst>
+                <a:ext uri="{FF2B5EF4-FFF2-40B4-BE49-F238E27FC236}">
+                  <a16:creationId xmlns:a16="http://schemas.microsoft.com/office/drawing/2014/main" id="{5AF73DC4-705E-2799-9B24-3B20B4FD34F6}"/>
+                </a:ext>
+              </a:extLst>
+            </p:cNvPr>
+            <p:cNvPicPr>
+              <a:picLocks noChangeAspect="1"/>
+            </p:cNvPicPr>
+            <p:nvPr/>
+          </p:nvPicPr>
+          <p:blipFill>
+            <a:blip r:embed="rId10"/>
+            <a:stretch>
+              <a:fillRect/>
+            </a:stretch>
+          </p:blipFill>
+          <p:spPr>
+            <a:xfrm flipH="1">
+              <a:off x="5627848" y="2996852"/>
+              <a:ext cx="1440160" cy="1440160"/>
+            </a:xfrm>
+            <a:prstGeom prst="rect">
+              <a:avLst/>
+            </a:prstGeom>
+          </p:spPr>
+        </p:pic>
+      </p:grpSp>
+      <p:cxnSp>
+        <p:nvCxnSpPr>
+          <p:cNvPr id="81" name="Connecteur : en angle 80">
+            <a:extLst>
+              <a:ext uri="{FF2B5EF4-FFF2-40B4-BE49-F238E27FC236}">
+                <a16:creationId xmlns:a16="http://schemas.microsoft.com/office/drawing/2014/main" id="{16494DF2-3AF1-3CC9-E539-2AF9242A44FE}"/>
+              </a:ext>
+            </a:extLst>
+          </p:cNvPr>
+          <p:cNvCxnSpPr>
+            <a:cxnSpLocks/>
+            <a:stCxn id="59" idx="2"/>
+          </p:cNvCxnSpPr>
+          <p:nvPr/>
+        </p:nvCxnSpPr>
+        <p:spPr>
+          <a:xfrm rot="5400000" flipH="1">
+            <a:off x="3224368" y="-275219"/>
+            <a:ext cx="1804943" cy="6092537"/>
+          </a:xfrm>
+          <a:prstGeom prst="bentConnector4">
+            <a:avLst>
+              <a:gd name="adj1" fmla="val -86757"/>
+              <a:gd name="adj2" fmla="val 114325"/>
+            </a:avLst>
+          </a:prstGeom>
+          <a:ln w="25400" cap="rnd">
+            <a:solidFill>
+              <a:srgbClr val="004F77"/>
+            </a:solidFill>
+            <a:tailEnd type="triangle" w="med" len="lg"/>
+          </a:ln>
+        </p:spPr>
+        <p:style>
+          <a:lnRef idx="1">
+            <a:schemeClr val="accent1"/>
+          </a:lnRef>
+          <a:fillRef idx="0">
+            <a:schemeClr val="accent1"/>
+          </a:fillRef>
+          <a:effectRef idx="0">
+            <a:schemeClr val="accent1"/>
+          </a:effectRef>
+          <a:fontRef idx="minor">
+            <a:schemeClr val="tx1"/>
+          </a:fontRef>
+        </p:style>
+      </p:cxnSp>
     </p:spTree>
     <p:extLst>
       <p:ext uri="{BB962C8B-B14F-4D97-AF65-F5344CB8AC3E}">
@@ -8587,7 +8981,7 @@
           <a:p>
             <a:r>
               <a:rPr lang="fr-FR" dirty="0"/>
-              <a:t>Axe de translation</a:t>
+              <a:t>Bras Beta – Axe de translation</a:t>
             </a:r>
           </a:p>
         </p:txBody>
@@ -9164,12 +9558,6 @@
               </a:rPr>
               <a:t>Transformateur Alimentation xx V</a:t>
             </a:r>
-            <a:endParaRPr lang="fr-FR" sz="1200" dirty="0">
-              <a:solidFill>
-                <a:srgbClr val="FDAD57"/>
-              </a:solidFill>
-              <a:latin typeface="Arial Nova" panose="020B0504020202020204" pitchFamily="34" charset="0"/>
-            </a:endParaRPr>
           </a:p>
         </p:txBody>
       </p:sp>
@@ -9437,144 +9825,6 @@
           </a:p>
         </p:txBody>
       </p:sp>
-      <p:sp>
-        <p:nvSpPr>
-          <p:cNvPr id="19" name="Rectangle : coins arrondis 18">
-            <a:extLst>
-              <a:ext uri="{FF2B5EF4-FFF2-40B4-BE49-F238E27FC236}">
-                <a16:creationId xmlns:a16="http://schemas.microsoft.com/office/drawing/2014/main" id="{3741D88A-AC67-EEAF-67D1-02578FD98C8E}"/>
-              </a:ext>
-            </a:extLst>
-          </p:cNvPr>
-          <p:cNvSpPr/>
-          <p:nvPr/>
-        </p:nvSpPr>
-        <p:spPr>
-          <a:xfrm>
-            <a:off x="7542872" y="3440639"/>
-            <a:ext cx="1365662" cy="534390"/>
-          </a:xfrm>
-          <a:prstGeom prst="roundRect">
-            <a:avLst>
-              <a:gd name="adj" fmla="val 11914"/>
-            </a:avLst>
-          </a:prstGeom>
-          <a:noFill/>
-          <a:ln w="19050">
-            <a:solidFill>
-              <a:srgbClr val="EE685D"/>
-            </a:solidFill>
-          </a:ln>
-        </p:spPr>
-        <p:style>
-          <a:lnRef idx="2">
-            <a:schemeClr val="accent1">
-              <a:shade val="50000"/>
-            </a:schemeClr>
-          </a:lnRef>
-          <a:fillRef idx="1">
-            <a:schemeClr val="accent1"/>
-          </a:fillRef>
-          <a:effectRef idx="0">
-            <a:schemeClr val="accent1"/>
-          </a:effectRef>
-          <a:fontRef idx="minor">
-            <a:schemeClr val="lt1"/>
-          </a:fontRef>
-        </p:style>
-        <p:txBody>
-          <a:bodyPr rtlCol="0" anchor="ctr"/>
-          <a:lstStyle/>
-          <a:p>
-            <a:pPr algn="ctr"/>
-            <a:r>
-              <a:rPr lang="fr-FR" sz="1400" dirty="0">
-                <a:solidFill>
-                  <a:srgbClr val="EE685D"/>
-                </a:solidFill>
-                <a:latin typeface="Arial Nova" panose="020B0504020202020204" pitchFamily="34" charset="0"/>
-              </a:rPr>
-              <a:t>Transmettre</a:t>
-            </a:r>
-          </a:p>
-        </p:txBody>
-      </p:sp>
-      <p:sp>
-        <p:nvSpPr>
-          <p:cNvPr id="20" name="Rectangle : coins arrondis 19">
-            <a:extLst>
-              <a:ext uri="{FF2B5EF4-FFF2-40B4-BE49-F238E27FC236}">
-                <a16:creationId xmlns:a16="http://schemas.microsoft.com/office/drawing/2014/main" id="{D98A4E40-D360-EF0F-69D4-37438F82647F}"/>
-              </a:ext>
-            </a:extLst>
-          </p:cNvPr>
-          <p:cNvSpPr/>
-          <p:nvPr/>
-        </p:nvSpPr>
-        <p:spPr>
-          <a:xfrm>
-            <a:off x="7549319" y="4097487"/>
-            <a:ext cx="1365662" cy="787990"/>
-          </a:xfrm>
-          <a:prstGeom prst="roundRect">
-            <a:avLst>
-              <a:gd name="adj" fmla="val 11914"/>
-            </a:avLst>
-          </a:prstGeom>
-          <a:solidFill>
-            <a:srgbClr val="F7B8B3"/>
-          </a:solidFill>
-          <a:ln w="19050">
-            <a:solidFill>
-              <a:srgbClr val="F7B8B3"/>
-            </a:solidFill>
-          </a:ln>
-        </p:spPr>
-        <p:style>
-          <a:lnRef idx="2">
-            <a:schemeClr val="accent1">
-              <a:shade val="50000"/>
-            </a:schemeClr>
-          </a:lnRef>
-          <a:fillRef idx="1">
-            <a:schemeClr val="accent1"/>
-          </a:fillRef>
-          <a:effectRef idx="0">
-            <a:schemeClr val="accent1"/>
-          </a:effectRef>
-          <a:fontRef idx="minor">
-            <a:schemeClr val="lt1"/>
-          </a:fontRef>
-        </p:style>
-        <p:txBody>
-          <a:bodyPr rtlCol="0" anchor="ctr"/>
-          <a:lstStyle/>
-          <a:p>
-            <a:pPr algn="ctr"/>
-            <a:r>
-              <a:rPr lang="fr-FR" sz="1100" dirty="0">
-                <a:solidFill>
-                  <a:srgbClr val="EE685D"/>
-                </a:solidFill>
-                <a:latin typeface="Arial Nova" panose="020B0504020202020204" pitchFamily="34" charset="0"/>
-              </a:rPr>
-              <a:t>Train épicycloïdal</a:t>
-            </a:r>
-          </a:p>
-          <a:p>
-            <a:pPr algn="ctr"/>
-            <a:r>
-              <a:rPr lang="fr-FR" sz="1100" dirty="0">
-                <a:solidFill>
-                  <a:srgbClr val="EE685D"/>
-                </a:solidFill>
-                <a:latin typeface="Arial Nova" panose="020B0504020202020204" pitchFamily="34" charset="0"/>
-              </a:rPr>
-              <a:t>+ Pignon crémaillère</a:t>
-            </a:r>
-          </a:p>
-        </p:txBody>
-      </p:sp>
       <p:grpSp>
         <p:nvGrpSpPr>
           <p:cNvPr id="21" name="Groupe 20">
@@ -9589,7 +9839,7 @@
         </p:nvGrpSpPr>
         <p:grpSpPr>
           <a:xfrm>
-            <a:off x="1304511" y="1903819"/>
+            <a:off x="1344948" y="1209330"/>
             <a:ext cx="360000" cy="360000"/>
             <a:chOff x="5404964" y="4396133"/>
             <a:chExt cx="1800000" cy="1800000"/>
@@ -10355,109 +10605,6 @@
           </a:fontRef>
         </p:style>
       </p:cxnSp>
-      <p:grpSp>
-        <p:nvGrpSpPr>
-          <p:cNvPr id="55" name="Groupe 54">
-            <a:extLst>
-              <a:ext uri="{FF2B5EF4-FFF2-40B4-BE49-F238E27FC236}">
-                <a16:creationId xmlns:a16="http://schemas.microsoft.com/office/drawing/2014/main" id="{4FEA3EBC-91ED-BDE9-6607-868717EB421F}"/>
-              </a:ext>
-            </a:extLst>
-          </p:cNvPr>
-          <p:cNvGrpSpPr/>
-          <p:nvPr/>
-        </p:nvGrpSpPr>
-        <p:grpSpPr>
-          <a:xfrm>
-            <a:off x="7739744" y="3855932"/>
-            <a:ext cx="360000" cy="360000"/>
-            <a:chOff x="5447928" y="2816932"/>
-            <a:chExt cx="1800000" cy="1800000"/>
-          </a:xfrm>
-        </p:grpSpPr>
-        <p:sp>
-          <p:nvSpPr>
-            <p:cNvPr id="56" name="Ellipse 55">
-              <a:extLst>
-                <a:ext uri="{FF2B5EF4-FFF2-40B4-BE49-F238E27FC236}">
-                  <a16:creationId xmlns:a16="http://schemas.microsoft.com/office/drawing/2014/main" id="{639C7740-E0F1-0D34-A959-EEBB5084D37B}"/>
-                </a:ext>
-              </a:extLst>
-            </p:cNvPr>
-            <p:cNvSpPr/>
-            <p:nvPr/>
-          </p:nvSpPr>
-          <p:spPr>
-            <a:xfrm>
-              <a:off x="5447928" y="2816932"/>
-              <a:ext cx="1800000" cy="1800000"/>
-            </a:xfrm>
-            <a:prstGeom prst="ellipse">
-              <a:avLst/>
-            </a:prstGeom>
-            <a:solidFill>
-              <a:srgbClr val="EF7268"/>
-            </a:solidFill>
-            <a:ln>
-              <a:noFill/>
-            </a:ln>
-          </p:spPr>
-          <p:style>
-            <a:lnRef idx="2">
-              <a:schemeClr val="accent1">
-                <a:shade val="50000"/>
-              </a:schemeClr>
-            </a:lnRef>
-            <a:fillRef idx="1">
-              <a:schemeClr val="accent1"/>
-            </a:fillRef>
-            <a:effectRef idx="0">
-              <a:schemeClr val="accent1"/>
-            </a:effectRef>
-            <a:fontRef idx="minor">
-              <a:schemeClr val="lt1"/>
-            </a:fontRef>
-          </p:style>
-          <p:txBody>
-            <a:bodyPr rtlCol="0" anchor="ctr"/>
-            <a:lstStyle/>
-            <a:p>
-              <a:pPr algn="ctr"/>
-              <a:endParaRPr lang="fr-FR" dirty="0"/>
-            </a:p>
-          </p:txBody>
-        </p:sp>
-        <p:pic>
-          <p:nvPicPr>
-            <p:cNvPr id="57" name="Image 56">
-              <a:extLst>
-                <a:ext uri="{FF2B5EF4-FFF2-40B4-BE49-F238E27FC236}">
-                  <a16:creationId xmlns:a16="http://schemas.microsoft.com/office/drawing/2014/main" id="{EC612269-D972-EB21-CF55-B36842D06495}"/>
-                </a:ext>
-              </a:extLst>
-            </p:cNvPr>
-            <p:cNvPicPr>
-              <a:picLocks noChangeAspect="1"/>
-            </p:cNvPicPr>
-            <p:nvPr/>
-          </p:nvPicPr>
-          <p:blipFill>
-            <a:blip r:embed="rId10"/>
-            <a:stretch>
-              <a:fillRect/>
-            </a:stretch>
-          </p:blipFill>
-          <p:spPr>
-            <a:xfrm flipH="1">
-              <a:off x="5627848" y="2996852"/>
-              <a:ext cx="1440160" cy="1440160"/>
-            </a:xfrm>
-            <a:prstGeom prst="rect">
-              <a:avLst/>
-            </a:prstGeom>
-          </p:spPr>
-        </p:pic>
-      </p:grpSp>
       <p:pic>
         <p:nvPicPr>
           <p:cNvPr id="59" name="Image 58">
@@ -10473,7 +10620,7 @@
           <p:nvPr/>
         </p:nvPicPr>
         <p:blipFill>
-          <a:blip r:embed="rId11"/>
+          <a:blip r:embed="rId10"/>
           <a:stretch>
             <a:fillRect/>
           </a:stretch>
@@ -10705,114 +10852,6 @@
           </a:prstGeom>
         </p:spPr>
       </p:pic>
-      <p:sp>
-        <p:nvSpPr>
-          <p:cNvPr id="73" name="Rectangle : coins arrondis 72">
-            <a:extLst>
-              <a:ext uri="{FF2B5EF4-FFF2-40B4-BE49-F238E27FC236}">
-                <a16:creationId xmlns:a16="http://schemas.microsoft.com/office/drawing/2014/main" id="{9855835A-A07D-9F88-33DC-F41928D86114}"/>
-              </a:ext>
-            </a:extLst>
-          </p:cNvPr>
-          <p:cNvSpPr/>
-          <p:nvPr/>
-        </p:nvSpPr>
-        <p:spPr>
-          <a:xfrm>
-            <a:off x="9634981" y="3429000"/>
-            <a:ext cx="1365662" cy="1194790"/>
-          </a:xfrm>
-          <a:prstGeom prst="roundRect">
-            <a:avLst>
-              <a:gd name="adj" fmla="val 11914"/>
-            </a:avLst>
-          </a:prstGeom>
-          <a:solidFill>
-            <a:srgbClr val="B2CAD6"/>
-          </a:solidFill>
-          <a:ln w="19050">
-            <a:solidFill>
-              <a:srgbClr val="B2CAD6"/>
-            </a:solidFill>
-          </a:ln>
-        </p:spPr>
-        <p:style>
-          <a:lnRef idx="2">
-            <a:schemeClr val="accent1">
-              <a:shade val="50000"/>
-            </a:schemeClr>
-          </a:lnRef>
-          <a:fillRef idx="1">
-            <a:schemeClr val="accent1"/>
-          </a:fillRef>
-          <a:effectRef idx="0">
-            <a:schemeClr val="accent1"/>
-          </a:effectRef>
-          <a:fontRef idx="minor">
-            <a:schemeClr val="lt1"/>
-          </a:fontRef>
-        </p:style>
-        <p:txBody>
-          <a:bodyPr rtlCol="0" anchor="ctr"/>
-          <a:lstStyle/>
-          <a:p>
-            <a:pPr algn="ctr"/>
-            <a:r>
-              <a:rPr lang="fr-FR" sz="1200" dirty="0">
-                <a:solidFill>
-                  <a:srgbClr val="0D587E"/>
-                </a:solidFill>
-                <a:latin typeface="Arial Nova" panose="020B0504020202020204" pitchFamily="34" charset="0"/>
-              </a:rPr>
-              <a:t>Axe de translation T</a:t>
-            </a:r>
-          </a:p>
-        </p:txBody>
-      </p:sp>
-      <p:cxnSp>
-        <p:nvCxnSpPr>
-          <p:cNvPr id="74" name="Connecteur droit avec flèche 73">
-            <a:extLst>
-              <a:ext uri="{FF2B5EF4-FFF2-40B4-BE49-F238E27FC236}">
-                <a16:creationId xmlns:a16="http://schemas.microsoft.com/office/drawing/2014/main" id="{68CD29C3-A317-7C58-A7A7-665AAE50EA4D}"/>
-              </a:ext>
-            </a:extLst>
-          </p:cNvPr>
-          <p:cNvCxnSpPr>
-            <a:cxnSpLocks/>
-          </p:cNvCxnSpPr>
-          <p:nvPr/>
-        </p:nvCxnSpPr>
-        <p:spPr>
-          <a:xfrm flipV="1">
-            <a:off x="8911620" y="3702769"/>
-            <a:ext cx="720000" cy="1536"/>
-          </a:xfrm>
-          <a:prstGeom prst="straightConnector1">
-            <a:avLst/>
-          </a:prstGeom>
-          <a:ln w="25400" cap="rnd">
-            <a:solidFill>
-              <a:srgbClr val="68348B"/>
-            </a:solidFill>
-            <a:tailEnd type="triangle" w="med" len="lg"/>
-          </a:ln>
-        </p:spPr>
-        <p:style>
-          <a:lnRef idx="1">
-            <a:schemeClr val="accent1"/>
-          </a:lnRef>
-          <a:fillRef idx="0">
-            <a:schemeClr val="accent1"/>
-          </a:fillRef>
-          <a:effectRef idx="0">
-            <a:schemeClr val="accent1"/>
-          </a:effectRef>
-          <a:fontRef idx="minor">
-            <a:schemeClr val="tx1"/>
-          </a:fontRef>
-        </p:style>
-      </p:cxnSp>
       <p:grpSp>
         <p:nvGrpSpPr>
           <p:cNvPr id="2" name="Groupe 1">
@@ -10900,7 +10939,7 @@
             <p:nvPr/>
           </p:nvPicPr>
           <p:blipFill>
-            <a:blip r:embed="rId12"/>
+            <a:blip r:embed="rId11"/>
             <a:stretch>
               <a:fillRect/>
             </a:stretch>
@@ -11046,7 +11085,7 @@
             <p:nvPr/>
           </p:nvPicPr>
           <p:blipFill>
-            <a:blip r:embed="rId13"/>
+            <a:blip r:embed="rId12"/>
             <a:stretch>
               <a:fillRect/>
             </a:stretch>
@@ -11061,256 +11100,6 @@
             </a:prstGeom>
           </p:spPr>
         </p:pic>
-      </p:grpSp>
-      <p:grpSp>
-        <p:nvGrpSpPr>
-          <p:cNvPr id="31" name="Groupe 30">
-            <a:extLst>
-              <a:ext uri="{FF2B5EF4-FFF2-40B4-BE49-F238E27FC236}">
-                <a16:creationId xmlns:a16="http://schemas.microsoft.com/office/drawing/2014/main" id="{38DE34A1-309E-3092-6C78-2EC2C4982571}"/>
-              </a:ext>
-            </a:extLst>
-          </p:cNvPr>
-          <p:cNvGrpSpPr/>
-          <p:nvPr/>
-        </p:nvGrpSpPr>
-        <p:grpSpPr>
-          <a:xfrm rot="5400000" flipV="1">
-            <a:off x="10181964" y="4049013"/>
-            <a:ext cx="835963" cy="1617775"/>
-            <a:chOff x="9150640" y="2423323"/>
-            <a:chExt cx="835963" cy="2135794"/>
-          </a:xfrm>
-        </p:grpSpPr>
-        <p:sp>
-          <p:nvSpPr>
-            <p:cNvPr id="33" name="Flèche : virage 32">
-              <a:extLst>
-                <a:ext uri="{FF2B5EF4-FFF2-40B4-BE49-F238E27FC236}">
-                  <a16:creationId xmlns:a16="http://schemas.microsoft.com/office/drawing/2014/main" id="{04988C8D-4296-036F-48CD-BEABA954B0A6}"/>
-                </a:ext>
-              </a:extLst>
-            </p:cNvPr>
-            <p:cNvSpPr/>
-            <p:nvPr/>
-          </p:nvSpPr>
-          <p:spPr>
-            <a:xfrm rot="5400000">
-              <a:off x="8500725" y="3073238"/>
-              <a:ext cx="2135794" cy="835963"/>
-            </a:xfrm>
-            <a:prstGeom prst="bentArrow">
-              <a:avLst>
-                <a:gd name="adj1" fmla="val 31434"/>
-                <a:gd name="adj2" fmla="val 25000"/>
-                <a:gd name="adj3" fmla="val 17852"/>
-                <a:gd name="adj4" fmla="val 20160"/>
-              </a:avLst>
-            </a:prstGeom>
-            <a:solidFill>
-              <a:srgbClr val="B2CAD6"/>
-            </a:solidFill>
-            <a:ln>
-              <a:noFill/>
-            </a:ln>
-          </p:spPr>
-          <p:style>
-            <a:lnRef idx="2">
-              <a:schemeClr val="accent1">
-                <a:shade val="50000"/>
-              </a:schemeClr>
-            </a:lnRef>
-            <a:fillRef idx="1">
-              <a:schemeClr val="accent1"/>
-            </a:fillRef>
-            <a:effectRef idx="0">
-              <a:schemeClr val="accent1"/>
-            </a:effectRef>
-            <a:fontRef idx="minor">
-              <a:schemeClr val="lt1"/>
-            </a:fontRef>
-          </p:style>
-          <p:txBody>
-            <a:bodyPr rtlCol="0" anchor="ctr"/>
-            <a:lstStyle/>
-            <a:p>
-              <a:pPr algn="ctr"/>
-              <a:endParaRPr lang="fr-FR" dirty="0">
-                <a:solidFill>
-                  <a:schemeClr val="tx1"/>
-                </a:solidFill>
-              </a:endParaRPr>
-            </a:p>
-          </p:txBody>
-        </p:sp>
-        <p:sp>
-          <p:nvSpPr>
-            <p:cNvPr id="41" name="ZoneTexte 40">
-              <a:extLst>
-                <a:ext uri="{FF2B5EF4-FFF2-40B4-BE49-F238E27FC236}">
-                  <a16:creationId xmlns:a16="http://schemas.microsoft.com/office/drawing/2014/main" id="{0EAB7195-7F12-55FF-728F-9973D74F9553}"/>
-                </a:ext>
-              </a:extLst>
-            </p:cNvPr>
-            <p:cNvSpPr txBox="1"/>
-            <p:nvPr/>
-          </p:nvSpPr>
-          <p:spPr>
-            <a:xfrm rot="16200000">
-              <a:off x="8798745" y="3293930"/>
-              <a:ext cx="1918043" cy="276999"/>
-            </a:xfrm>
-            <a:prstGeom prst="rect">
-              <a:avLst/>
-            </a:prstGeom>
-            <a:noFill/>
-            <a:ln>
-              <a:noFill/>
-            </a:ln>
-          </p:spPr>
-          <p:txBody>
-            <a:bodyPr wrap="square" rtlCol="0">
-              <a:spAutoFit/>
-            </a:bodyPr>
-            <a:lstStyle/>
-            <a:p>
-              <a:r>
-                <a:rPr lang="fr-FR" sz="1200" dirty="0">
-                  <a:solidFill>
-                    <a:schemeClr val="bg1"/>
-                  </a:solidFill>
-                  <a:latin typeface="Arial Nova" panose="020B0504020202020204" pitchFamily="34" charset="0"/>
-                </a:rPr>
-                <a:t>Bras en translation</a:t>
-              </a:r>
-            </a:p>
-          </p:txBody>
-        </p:sp>
-      </p:grpSp>
-      <p:grpSp>
-        <p:nvGrpSpPr>
-          <p:cNvPr id="42" name="Groupe 41">
-            <a:extLst>
-              <a:ext uri="{FF2B5EF4-FFF2-40B4-BE49-F238E27FC236}">
-                <a16:creationId xmlns:a16="http://schemas.microsoft.com/office/drawing/2014/main" id="{E35B4FFB-30FA-9F2D-8AAF-612988931FF4}"/>
-              </a:ext>
-            </a:extLst>
-          </p:cNvPr>
-          <p:cNvGrpSpPr/>
-          <p:nvPr/>
-        </p:nvGrpSpPr>
-        <p:grpSpPr>
-          <a:xfrm>
-            <a:off x="8611878" y="2802701"/>
-            <a:ext cx="1549219" cy="611677"/>
-            <a:chOff x="9075408" y="2802701"/>
-            <a:chExt cx="1549219" cy="611677"/>
-          </a:xfrm>
-        </p:grpSpPr>
-        <p:sp>
-          <p:nvSpPr>
-            <p:cNvPr id="43" name="Flèche : virage 42">
-              <a:extLst>
-                <a:ext uri="{FF2B5EF4-FFF2-40B4-BE49-F238E27FC236}">
-                  <a16:creationId xmlns:a16="http://schemas.microsoft.com/office/drawing/2014/main" id="{0138F1DD-36B1-33FD-3B41-493A2B0091E5}"/>
-                </a:ext>
-              </a:extLst>
-            </p:cNvPr>
-            <p:cNvSpPr/>
-            <p:nvPr/>
-          </p:nvSpPr>
-          <p:spPr>
-            <a:xfrm rot="5400000">
-              <a:off x="9563593" y="2353345"/>
-              <a:ext cx="572849" cy="1549218"/>
-            </a:xfrm>
-            <a:prstGeom prst="bentArrow">
-              <a:avLst>
-                <a:gd name="adj1" fmla="val 38639"/>
-                <a:gd name="adj2" fmla="val 38302"/>
-                <a:gd name="adj3" fmla="val 16744"/>
-                <a:gd name="adj4" fmla="val 20160"/>
-              </a:avLst>
-            </a:prstGeom>
-            <a:solidFill>
-              <a:srgbClr val="B2CAD6"/>
-            </a:solidFill>
-            <a:ln>
-              <a:noFill/>
-            </a:ln>
-          </p:spPr>
-          <p:style>
-            <a:lnRef idx="2">
-              <a:schemeClr val="accent1">
-                <a:shade val="50000"/>
-              </a:schemeClr>
-            </a:lnRef>
-            <a:fillRef idx="1">
-              <a:schemeClr val="accent1"/>
-            </a:fillRef>
-            <a:effectRef idx="0">
-              <a:schemeClr val="accent1"/>
-            </a:effectRef>
-            <a:fontRef idx="minor">
-              <a:schemeClr val="lt1"/>
-            </a:fontRef>
-          </p:style>
-          <p:txBody>
-            <a:bodyPr rtlCol="0" anchor="ctr"/>
-            <a:lstStyle/>
-            <a:p>
-              <a:pPr algn="ctr"/>
-              <a:endParaRPr lang="fr-FR" dirty="0">
-                <a:solidFill>
-                  <a:schemeClr val="tx1"/>
-                </a:solidFill>
-              </a:endParaRPr>
-            </a:p>
-          </p:txBody>
-        </p:sp>
-        <p:sp>
-          <p:nvSpPr>
-            <p:cNvPr id="54" name="ZoneTexte 53">
-              <a:extLst>
-                <a:ext uri="{FF2B5EF4-FFF2-40B4-BE49-F238E27FC236}">
-                  <a16:creationId xmlns:a16="http://schemas.microsoft.com/office/drawing/2014/main" id="{467AC060-C68E-2A43-8F56-FAB28245CB61}"/>
-                </a:ext>
-              </a:extLst>
-            </p:cNvPr>
-            <p:cNvSpPr txBox="1"/>
-            <p:nvPr/>
-          </p:nvSpPr>
-          <p:spPr>
-            <a:xfrm>
-              <a:off x="9075408" y="2802701"/>
-              <a:ext cx="1473718" cy="307777"/>
-            </a:xfrm>
-            <a:prstGeom prst="rect">
-              <a:avLst/>
-            </a:prstGeom>
-            <a:noFill/>
-            <a:ln>
-              <a:noFill/>
-            </a:ln>
-          </p:spPr>
-          <p:txBody>
-            <a:bodyPr wrap="square" rtlCol="0">
-              <a:spAutoFit/>
-            </a:bodyPr>
-            <a:lstStyle/>
-            <a:p>
-              <a:r>
-                <a:rPr lang="fr-FR" sz="1400" dirty="0">
-                  <a:solidFill>
-                    <a:schemeClr val="bg1"/>
-                  </a:solidFill>
-                  <a:latin typeface="Arial Nova" panose="020B0504020202020204" pitchFamily="34" charset="0"/>
-                </a:rPr>
-                <a:t>Bras à l’arrêt</a:t>
-              </a:r>
-            </a:p>
-          </p:txBody>
-        </p:sp>
       </p:grpSp>
       <p:grpSp>
         <p:nvGrpSpPr>
@@ -11399,7 +11188,7 @@
             <p:nvPr/>
           </p:nvPicPr>
           <p:blipFill>
-            <a:blip r:embed="rId14"/>
+            <a:blip r:embed="rId13"/>
             <a:stretch>
               <a:fillRect/>
             </a:stretch>
@@ -11502,7 +11291,7 @@
             <p:nvPr/>
           </p:nvPicPr>
           <p:blipFill>
-            <a:blip r:embed="rId15"/>
+            <a:blip r:embed="rId14"/>
             <a:stretch>
               <a:fillRect/>
             </a:stretch>
@@ -11520,10 +11309,10 @@
       </p:grpSp>
       <p:grpSp>
         <p:nvGrpSpPr>
-          <p:cNvPr id="69" name="Groupe 68">
+          <p:cNvPr id="63" name="Groupe 62">
             <a:extLst>
               <a:ext uri="{FF2B5EF4-FFF2-40B4-BE49-F238E27FC236}">
-                <a16:creationId xmlns:a16="http://schemas.microsoft.com/office/drawing/2014/main" id="{7E6D2684-73BC-F719-9B63-F7B11E9D64A8}"/>
+                <a16:creationId xmlns:a16="http://schemas.microsoft.com/office/drawing/2014/main" id="{CE5473F2-3F3E-E17C-5DD8-A441AF00DF3F}"/>
               </a:ext>
             </a:extLst>
           </p:cNvPr>
@@ -11532,18 +11321,18 @@
         </p:nvGrpSpPr>
         <p:grpSpPr>
           <a:xfrm>
-            <a:off x="8413836" y="3839803"/>
-            <a:ext cx="360000" cy="360000"/>
-            <a:chOff x="10405167" y="2322166"/>
-            <a:chExt cx="1800000" cy="1800000"/>
+            <a:off x="7542872" y="3440639"/>
+            <a:ext cx="1372109" cy="1444838"/>
+            <a:chOff x="7542872" y="3440639"/>
+            <a:chExt cx="1372109" cy="1444838"/>
           </a:xfrm>
         </p:grpSpPr>
         <p:sp>
           <p:nvSpPr>
-            <p:cNvPr id="70" name="Ellipse 69">
+            <p:cNvPr id="19" name="Rectangle : coins arrondis 18">
               <a:extLst>
                 <a:ext uri="{FF2B5EF4-FFF2-40B4-BE49-F238E27FC236}">
-                  <a16:creationId xmlns:a16="http://schemas.microsoft.com/office/drawing/2014/main" id="{DFBE4B15-4C79-678B-5131-F4DC40B41F7C}"/>
+                  <a16:creationId xmlns:a16="http://schemas.microsoft.com/office/drawing/2014/main" id="{3741D88A-AC67-EEAF-67D1-02578FD98C8E}"/>
                 </a:ext>
               </a:extLst>
             </p:cNvPr>
@@ -11552,17 +11341,19 @@
           </p:nvSpPr>
           <p:spPr>
             <a:xfrm>
-              <a:off x="10405167" y="2322166"/>
-              <a:ext cx="1800000" cy="1800000"/>
+              <a:off x="7542872" y="3440639"/>
+              <a:ext cx="1365662" cy="534390"/>
             </a:xfrm>
-            <a:prstGeom prst="ellipse">
-              <a:avLst/>
+            <a:prstGeom prst="roundRect">
+              <a:avLst>
+                <a:gd name="adj" fmla="val 11914"/>
+              </a:avLst>
             </a:prstGeom>
-            <a:solidFill>
-              <a:srgbClr val="EF7268"/>
-            </a:solidFill>
-            <a:ln>
-              <a:noFill/>
+            <a:noFill/>
+            <a:ln w="19050">
+              <a:solidFill>
+                <a:srgbClr val="EE685D"/>
+              </a:solidFill>
             </a:ln>
           </p:spPr>
           <p:style>
@@ -11586,97 +11377,24 @@
             <a:lstStyle/>
             <a:p>
               <a:pPr algn="ctr"/>
-              <a:endParaRPr lang="fr-FR" dirty="0"/>
+              <a:r>
+                <a:rPr lang="fr-FR" sz="1400" dirty="0">
+                  <a:solidFill>
+                    <a:srgbClr val="EE685D"/>
+                  </a:solidFill>
+                  <a:latin typeface="Arial Nova" panose="020B0504020202020204" pitchFamily="34" charset="0"/>
+                </a:rPr>
+                <a:t>Transmettre</a:t>
+              </a:r>
             </a:p>
           </p:txBody>
         </p:sp>
-        <p:pic>
-          <p:nvPicPr>
-            <p:cNvPr id="76" name="Image 75">
+        <p:sp>
+          <p:nvSpPr>
+            <p:cNvPr id="20" name="Rectangle : coins arrondis 19">
               <a:extLst>
                 <a:ext uri="{FF2B5EF4-FFF2-40B4-BE49-F238E27FC236}">
-                  <a16:creationId xmlns:a16="http://schemas.microsoft.com/office/drawing/2014/main" id="{D8A3BDBF-15A3-0E12-6AC5-5B02DEB599B1}"/>
-                </a:ext>
-              </a:extLst>
-            </p:cNvPr>
-            <p:cNvPicPr>
-              <a:picLocks noChangeAspect="1"/>
-            </p:cNvPicPr>
-            <p:nvPr/>
-          </p:nvPicPr>
-          <p:blipFill>
-            <a:blip r:embed="rId16"/>
-            <a:stretch>
-              <a:fillRect/>
-            </a:stretch>
-          </p:blipFill>
-          <p:spPr>
-            <a:xfrm>
-              <a:off x="10546164" y="2642707"/>
-              <a:ext cx="1518007" cy="924719"/>
-            </a:xfrm>
-            <a:prstGeom prst="rect">
-              <a:avLst/>
-            </a:prstGeom>
-          </p:spPr>
-        </p:pic>
-      </p:grpSp>
-      <p:pic>
-        <p:nvPicPr>
-          <p:cNvPr id="77" name="Image 76">
-            <a:extLst>
-              <a:ext uri="{FF2B5EF4-FFF2-40B4-BE49-F238E27FC236}">
-                <a16:creationId xmlns:a16="http://schemas.microsoft.com/office/drawing/2014/main" id="{AEBD323C-739C-7027-924D-6BDCF996CE02}"/>
-              </a:ext>
-            </a:extLst>
-          </p:cNvPr>
-          <p:cNvPicPr>
-            <a:picLocks noChangeAspect="1"/>
-          </p:cNvPicPr>
-          <p:nvPr/>
-        </p:nvPicPr>
-        <p:blipFill>
-          <a:blip r:embed="rId17"/>
-          <a:stretch>
-            <a:fillRect/>
-          </a:stretch>
-        </p:blipFill>
-        <p:spPr>
-          <a:xfrm>
-            <a:off x="9050612" y="3520045"/>
-            <a:ext cx="432000" cy="158275"/>
-          </a:xfrm>
-          <a:prstGeom prst="rect">
-            <a:avLst/>
-          </a:prstGeom>
-        </p:spPr>
-      </p:pic>
-      <p:grpSp>
-        <p:nvGrpSpPr>
-          <p:cNvPr id="78" name="Groupe 77">
-            <a:extLst>
-              <a:ext uri="{FF2B5EF4-FFF2-40B4-BE49-F238E27FC236}">
-                <a16:creationId xmlns:a16="http://schemas.microsoft.com/office/drawing/2014/main" id="{4B5C8834-D3CD-FB41-DCB5-98A6CC7743D4}"/>
-              </a:ext>
-            </a:extLst>
-          </p:cNvPr>
-          <p:cNvGrpSpPr/>
-          <p:nvPr/>
-        </p:nvGrpSpPr>
-        <p:grpSpPr>
-          <a:xfrm>
-            <a:off x="10556738" y="3449889"/>
-            <a:ext cx="432000" cy="432000"/>
-            <a:chOff x="10216711" y="4835236"/>
-            <a:chExt cx="1800000" cy="1800000"/>
-          </a:xfrm>
-        </p:grpSpPr>
-        <p:sp>
-          <p:nvSpPr>
-            <p:cNvPr id="79" name="Ellipse 78">
-              <a:extLst>
-                <a:ext uri="{FF2B5EF4-FFF2-40B4-BE49-F238E27FC236}">
-                  <a16:creationId xmlns:a16="http://schemas.microsoft.com/office/drawing/2014/main" id="{6284F23C-9DD2-AA12-7103-19072B69001F}"/>
+                  <a16:creationId xmlns:a16="http://schemas.microsoft.com/office/drawing/2014/main" id="{D98A4E40-D360-EF0F-69D4-37438F82647F}"/>
                 </a:ext>
               </a:extLst>
             </p:cNvPr>
@@ -11685,17 +11403,21 @@
           </p:nvSpPr>
           <p:spPr>
             <a:xfrm>
-              <a:off x="10216711" y="4835236"/>
-              <a:ext cx="1800000" cy="1800000"/>
+              <a:off x="7549319" y="4097487"/>
+              <a:ext cx="1365662" cy="787990"/>
             </a:xfrm>
-            <a:prstGeom prst="ellipse">
-              <a:avLst/>
+            <a:prstGeom prst="roundRect">
+              <a:avLst>
+                <a:gd name="adj" fmla="val 11914"/>
+              </a:avLst>
             </a:prstGeom>
             <a:solidFill>
-              <a:srgbClr val="00547F"/>
+              <a:srgbClr val="F7B8B3"/>
             </a:solidFill>
-            <a:ln>
-              <a:noFill/>
+            <a:ln w="19050">
+              <a:solidFill>
+                <a:srgbClr val="F7B8B3"/>
+              </a:solidFill>
             </a:ln>
           </p:spPr>
           <p:style>
@@ -11719,16 +11441,609 @@
             <a:lstStyle/>
             <a:p>
               <a:pPr algn="ctr"/>
-              <a:endParaRPr lang="fr-FR"/>
+              <a:r>
+                <a:rPr lang="fr-FR" sz="1100" dirty="0">
+                  <a:solidFill>
+                    <a:srgbClr val="EE685D"/>
+                  </a:solidFill>
+                  <a:latin typeface="Arial Nova" panose="020B0504020202020204" pitchFamily="34" charset="0"/>
+                </a:rPr>
+                <a:t>Train épicycloïdal</a:t>
+              </a:r>
             </a:p>
           </p:txBody>
         </p:sp>
+        <p:grpSp>
+          <p:nvGrpSpPr>
+            <p:cNvPr id="55" name="Groupe 54">
+              <a:extLst>
+                <a:ext uri="{FF2B5EF4-FFF2-40B4-BE49-F238E27FC236}">
+                  <a16:creationId xmlns:a16="http://schemas.microsoft.com/office/drawing/2014/main" id="{4FEA3EBC-91ED-BDE9-6607-868717EB421F}"/>
+                </a:ext>
+              </a:extLst>
+            </p:cNvPr>
+            <p:cNvGrpSpPr/>
+            <p:nvPr/>
+          </p:nvGrpSpPr>
+          <p:grpSpPr>
+            <a:xfrm>
+              <a:off x="7739744" y="3855932"/>
+              <a:ext cx="360000" cy="360000"/>
+              <a:chOff x="5447928" y="2816932"/>
+              <a:chExt cx="1800000" cy="1800000"/>
+            </a:xfrm>
+          </p:grpSpPr>
+          <p:sp>
+            <p:nvSpPr>
+              <p:cNvPr id="56" name="Ellipse 55">
+                <a:extLst>
+                  <a:ext uri="{FF2B5EF4-FFF2-40B4-BE49-F238E27FC236}">
+                    <a16:creationId xmlns:a16="http://schemas.microsoft.com/office/drawing/2014/main" id="{639C7740-E0F1-0D34-A959-EEBB5084D37B}"/>
+                  </a:ext>
+                </a:extLst>
+              </p:cNvPr>
+              <p:cNvSpPr/>
+              <p:nvPr/>
+            </p:nvSpPr>
+            <p:spPr>
+              <a:xfrm>
+                <a:off x="5447928" y="2816932"/>
+                <a:ext cx="1800000" cy="1800000"/>
+              </a:xfrm>
+              <a:prstGeom prst="ellipse">
+                <a:avLst/>
+              </a:prstGeom>
+              <a:solidFill>
+                <a:srgbClr val="EF7268"/>
+              </a:solidFill>
+              <a:ln>
+                <a:noFill/>
+              </a:ln>
+            </p:spPr>
+            <p:style>
+              <a:lnRef idx="2">
+                <a:schemeClr val="accent1">
+                  <a:shade val="50000"/>
+                </a:schemeClr>
+              </a:lnRef>
+              <a:fillRef idx="1">
+                <a:schemeClr val="accent1"/>
+              </a:fillRef>
+              <a:effectRef idx="0">
+                <a:schemeClr val="accent1"/>
+              </a:effectRef>
+              <a:fontRef idx="minor">
+                <a:schemeClr val="lt1"/>
+              </a:fontRef>
+            </p:style>
+            <p:txBody>
+              <a:bodyPr rtlCol="0" anchor="ctr"/>
+              <a:lstStyle/>
+              <a:p>
+                <a:pPr algn="ctr"/>
+                <a:endParaRPr lang="fr-FR" dirty="0"/>
+              </a:p>
+            </p:txBody>
+          </p:sp>
+          <p:pic>
+            <p:nvPicPr>
+              <p:cNvPr id="57" name="Image 56">
+                <a:extLst>
+                  <a:ext uri="{FF2B5EF4-FFF2-40B4-BE49-F238E27FC236}">
+                    <a16:creationId xmlns:a16="http://schemas.microsoft.com/office/drawing/2014/main" id="{EC612269-D972-EB21-CF55-B36842D06495}"/>
+                  </a:ext>
+                </a:extLst>
+              </p:cNvPr>
+              <p:cNvPicPr>
+                <a:picLocks noChangeAspect="1"/>
+              </p:cNvPicPr>
+              <p:nvPr/>
+            </p:nvPicPr>
+            <p:blipFill>
+              <a:blip r:embed="rId15"/>
+              <a:stretch>
+                <a:fillRect/>
+              </a:stretch>
+            </p:blipFill>
+            <p:spPr>
+              <a:xfrm flipH="1">
+                <a:off x="5627848" y="2996852"/>
+                <a:ext cx="1440160" cy="1440160"/>
+              </a:xfrm>
+              <a:prstGeom prst="rect">
+                <a:avLst/>
+              </a:prstGeom>
+            </p:spPr>
+          </p:pic>
+        </p:grpSp>
+        <p:grpSp>
+          <p:nvGrpSpPr>
+            <p:cNvPr id="69" name="Groupe 68">
+              <a:extLst>
+                <a:ext uri="{FF2B5EF4-FFF2-40B4-BE49-F238E27FC236}">
+                  <a16:creationId xmlns:a16="http://schemas.microsoft.com/office/drawing/2014/main" id="{7E6D2684-73BC-F719-9B63-F7B11E9D64A8}"/>
+                </a:ext>
+              </a:extLst>
+            </p:cNvPr>
+            <p:cNvGrpSpPr/>
+            <p:nvPr/>
+          </p:nvGrpSpPr>
+          <p:grpSpPr>
+            <a:xfrm>
+              <a:off x="8413836" y="3839803"/>
+              <a:ext cx="360000" cy="360000"/>
+              <a:chOff x="10405167" y="2322166"/>
+              <a:chExt cx="1800000" cy="1800000"/>
+            </a:xfrm>
+          </p:grpSpPr>
+          <p:sp>
+            <p:nvSpPr>
+              <p:cNvPr id="70" name="Ellipse 69">
+                <a:extLst>
+                  <a:ext uri="{FF2B5EF4-FFF2-40B4-BE49-F238E27FC236}">
+                    <a16:creationId xmlns:a16="http://schemas.microsoft.com/office/drawing/2014/main" id="{DFBE4B15-4C79-678B-5131-F4DC40B41F7C}"/>
+                  </a:ext>
+                </a:extLst>
+              </p:cNvPr>
+              <p:cNvSpPr/>
+              <p:nvPr/>
+            </p:nvSpPr>
+            <p:spPr>
+              <a:xfrm>
+                <a:off x="10405167" y="2322166"/>
+                <a:ext cx="1800000" cy="1800000"/>
+              </a:xfrm>
+              <a:prstGeom prst="ellipse">
+                <a:avLst/>
+              </a:prstGeom>
+              <a:solidFill>
+                <a:srgbClr val="EF7268"/>
+              </a:solidFill>
+              <a:ln>
+                <a:noFill/>
+              </a:ln>
+            </p:spPr>
+            <p:style>
+              <a:lnRef idx="2">
+                <a:schemeClr val="accent1">
+                  <a:shade val="50000"/>
+                </a:schemeClr>
+              </a:lnRef>
+              <a:fillRef idx="1">
+                <a:schemeClr val="accent1"/>
+              </a:fillRef>
+              <a:effectRef idx="0">
+                <a:schemeClr val="accent1"/>
+              </a:effectRef>
+              <a:fontRef idx="minor">
+                <a:schemeClr val="lt1"/>
+              </a:fontRef>
+            </p:style>
+            <p:txBody>
+              <a:bodyPr rtlCol="0" anchor="ctr"/>
+              <a:lstStyle/>
+              <a:p>
+                <a:pPr algn="ctr"/>
+                <a:endParaRPr lang="fr-FR" dirty="0"/>
+              </a:p>
+            </p:txBody>
+          </p:sp>
+          <p:pic>
+            <p:nvPicPr>
+              <p:cNvPr id="76" name="Image 75">
+                <a:extLst>
+                  <a:ext uri="{FF2B5EF4-FFF2-40B4-BE49-F238E27FC236}">
+                    <a16:creationId xmlns:a16="http://schemas.microsoft.com/office/drawing/2014/main" id="{D8A3BDBF-15A3-0E12-6AC5-5B02DEB599B1}"/>
+                  </a:ext>
+                </a:extLst>
+              </p:cNvPr>
+              <p:cNvPicPr>
+                <a:picLocks noChangeAspect="1"/>
+              </p:cNvPicPr>
+              <p:nvPr/>
+            </p:nvPicPr>
+            <p:blipFill>
+              <a:blip r:embed="rId16"/>
+              <a:stretch>
+                <a:fillRect/>
+              </a:stretch>
+            </p:blipFill>
+            <p:spPr>
+              <a:xfrm>
+                <a:off x="10546164" y="2642707"/>
+                <a:ext cx="1518007" cy="924719"/>
+              </a:xfrm>
+              <a:prstGeom prst="rect">
+                <a:avLst/>
+              </a:prstGeom>
+            </p:spPr>
+          </p:pic>
+        </p:grpSp>
+      </p:grpSp>
+      <p:grpSp>
+        <p:nvGrpSpPr>
+          <p:cNvPr id="39" name="Groupe 38">
+            <a:extLst>
+              <a:ext uri="{FF2B5EF4-FFF2-40B4-BE49-F238E27FC236}">
+                <a16:creationId xmlns:a16="http://schemas.microsoft.com/office/drawing/2014/main" id="{5FDA1885-651A-550C-4730-8CE3523AFE8A}"/>
+              </a:ext>
+            </a:extLst>
+          </p:cNvPr>
+          <p:cNvGrpSpPr/>
+          <p:nvPr/>
+        </p:nvGrpSpPr>
+        <p:grpSpPr>
+          <a:xfrm>
+            <a:off x="10703559" y="2789959"/>
+            <a:ext cx="2796955" cy="2473181"/>
+            <a:chOff x="8611878" y="2802701"/>
+            <a:chExt cx="2796955" cy="2473181"/>
+          </a:xfrm>
+        </p:grpSpPr>
+        <p:sp>
+          <p:nvSpPr>
+            <p:cNvPr id="73" name="Rectangle : coins arrondis 72">
+              <a:extLst>
+                <a:ext uri="{FF2B5EF4-FFF2-40B4-BE49-F238E27FC236}">
+                  <a16:creationId xmlns:a16="http://schemas.microsoft.com/office/drawing/2014/main" id="{9855835A-A07D-9F88-33DC-F41928D86114}"/>
+                </a:ext>
+              </a:extLst>
+            </p:cNvPr>
+            <p:cNvSpPr/>
+            <p:nvPr/>
+          </p:nvSpPr>
+          <p:spPr>
+            <a:xfrm>
+              <a:off x="9623551" y="3429000"/>
+              <a:ext cx="1365662" cy="1194790"/>
+            </a:xfrm>
+            <a:prstGeom prst="roundRect">
+              <a:avLst>
+                <a:gd name="adj" fmla="val 11914"/>
+              </a:avLst>
+            </a:prstGeom>
+            <a:solidFill>
+              <a:srgbClr val="B2CAD6"/>
+            </a:solidFill>
+            <a:ln w="19050">
+              <a:solidFill>
+                <a:srgbClr val="B2CAD6"/>
+              </a:solidFill>
+            </a:ln>
+          </p:spPr>
+          <p:style>
+            <a:lnRef idx="2">
+              <a:schemeClr val="accent1">
+                <a:shade val="50000"/>
+              </a:schemeClr>
+            </a:lnRef>
+            <a:fillRef idx="1">
+              <a:schemeClr val="accent1"/>
+            </a:fillRef>
+            <a:effectRef idx="0">
+              <a:schemeClr val="accent1"/>
+            </a:effectRef>
+            <a:fontRef idx="minor">
+              <a:schemeClr val="lt1"/>
+            </a:fontRef>
+          </p:style>
+          <p:txBody>
+            <a:bodyPr rtlCol="0" anchor="ctr"/>
+            <a:lstStyle/>
+            <a:p>
+              <a:pPr algn="ctr"/>
+              <a:r>
+                <a:rPr lang="fr-FR" sz="1200" dirty="0">
+                  <a:solidFill>
+                    <a:srgbClr val="0D587E"/>
+                  </a:solidFill>
+                  <a:latin typeface="Arial Nova" panose="020B0504020202020204" pitchFamily="34" charset="0"/>
+                </a:rPr>
+                <a:t>Axe de translation T</a:t>
+              </a:r>
+            </a:p>
+          </p:txBody>
+        </p:sp>
+        <p:cxnSp>
+          <p:nvCxnSpPr>
+            <p:cNvPr id="74" name="Connecteur droit avec flèche 73">
+              <a:extLst>
+                <a:ext uri="{FF2B5EF4-FFF2-40B4-BE49-F238E27FC236}">
+                  <a16:creationId xmlns:a16="http://schemas.microsoft.com/office/drawing/2014/main" id="{68CD29C3-A317-7C58-A7A7-665AAE50EA4D}"/>
+                </a:ext>
+              </a:extLst>
+            </p:cNvPr>
+            <p:cNvCxnSpPr>
+              <a:cxnSpLocks/>
+            </p:cNvCxnSpPr>
+            <p:nvPr/>
+          </p:nvCxnSpPr>
+          <p:spPr>
+            <a:xfrm flipV="1">
+              <a:off x="8911620" y="3702769"/>
+              <a:ext cx="720000" cy="1536"/>
+            </a:xfrm>
+            <a:prstGeom prst="straightConnector1">
+              <a:avLst/>
+            </a:prstGeom>
+            <a:ln w="25400" cap="rnd">
+              <a:solidFill>
+                <a:srgbClr val="68348B"/>
+              </a:solidFill>
+              <a:tailEnd type="triangle" w="med" len="lg"/>
+            </a:ln>
+          </p:spPr>
+          <p:style>
+            <a:lnRef idx="1">
+              <a:schemeClr val="accent1"/>
+            </a:lnRef>
+            <a:fillRef idx="0">
+              <a:schemeClr val="accent1"/>
+            </a:fillRef>
+            <a:effectRef idx="0">
+              <a:schemeClr val="accent1"/>
+            </a:effectRef>
+            <a:fontRef idx="minor">
+              <a:schemeClr val="tx1"/>
+            </a:fontRef>
+          </p:style>
+        </p:cxnSp>
+        <p:grpSp>
+          <p:nvGrpSpPr>
+            <p:cNvPr id="31" name="Groupe 30">
+              <a:extLst>
+                <a:ext uri="{FF2B5EF4-FFF2-40B4-BE49-F238E27FC236}">
+                  <a16:creationId xmlns:a16="http://schemas.microsoft.com/office/drawing/2014/main" id="{38DE34A1-309E-3092-6C78-2EC2C4982571}"/>
+                </a:ext>
+              </a:extLst>
+            </p:cNvPr>
+            <p:cNvGrpSpPr/>
+            <p:nvPr/>
+          </p:nvGrpSpPr>
+          <p:grpSpPr>
+            <a:xfrm rot="5400000" flipV="1">
+              <a:off x="10181964" y="4049013"/>
+              <a:ext cx="835963" cy="1617775"/>
+              <a:chOff x="9150640" y="2423323"/>
+              <a:chExt cx="835963" cy="2135794"/>
+            </a:xfrm>
+          </p:grpSpPr>
+          <p:sp>
+            <p:nvSpPr>
+              <p:cNvPr id="33" name="Flèche : virage 32">
+                <a:extLst>
+                  <a:ext uri="{FF2B5EF4-FFF2-40B4-BE49-F238E27FC236}">
+                    <a16:creationId xmlns:a16="http://schemas.microsoft.com/office/drawing/2014/main" id="{04988C8D-4296-036F-48CD-BEABA954B0A6}"/>
+                  </a:ext>
+                </a:extLst>
+              </p:cNvPr>
+              <p:cNvSpPr/>
+              <p:nvPr/>
+            </p:nvSpPr>
+            <p:spPr>
+              <a:xfrm rot="5400000">
+                <a:off x="8500725" y="3073238"/>
+                <a:ext cx="2135794" cy="835963"/>
+              </a:xfrm>
+              <a:prstGeom prst="bentArrow">
+                <a:avLst>
+                  <a:gd name="adj1" fmla="val 31434"/>
+                  <a:gd name="adj2" fmla="val 25000"/>
+                  <a:gd name="adj3" fmla="val 17852"/>
+                  <a:gd name="adj4" fmla="val 20160"/>
+                </a:avLst>
+              </a:prstGeom>
+              <a:solidFill>
+                <a:srgbClr val="B2CAD6"/>
+              </a:solidFill>
+              <a:ln>
+                <a:noFill/>
+              </a:ln>
+            </p:spPr>
+            <p:style>
+              <a:lnRef idx="2">
+                <a:schemeClr val="accent1">
+                  <a:shade val="50000"/>
+                </a:schemeClr>
+              </a:lnRef>
+              <a:fillRef idx="1">
+                <a:schemeClr val="accent1"/>
+              </a:fillRef>
+              <a:effectRef idx="0">
+                <a:schemeClr val="accent1"/>
+              </a:effectRef>
+              <a:fontRef idx="minor">
+                <a:schemeClr val="lt1"/>
+              </a:fontRef>
+            </p:style>
+            <p:txBody>
+              <a:bodyPr rtlCol="0" anchor="ctr"/>
+              <a:lstStyle/>
+              <a:p>
+                <a:pPr algn="ctr"/>
+                <a:endParaRPr lang="fr-FR" dirty="0">
+                  <a:solidFill>
+                    <a:schemeClr val="tx1"/>
+                  </a:solidFill>
+                </a:endParaRPr>
+              </a:p>
+            </p:txBody>
+          </p:sp>
+          <p:sp>
+            <p:nvSpPr>
+              <p:cNvPr id="41" name="ZoneTexte 40">
+                <a:extLst>
+                  <a:ext uri="{FF2B5EF4-FFF2-40B4-BE49-F238E27FC236}">
+                    <a16:creationId xmlns:a16="http://schemas.microsoft.com/office/drawing/2014/main" id="{0EAB7195-7F12-55FF-728F-9973D74F9553}"/>
+                  </a:ext>
+                </a:extLst>
+              </p:cNvPr>
+              <p:cNvSpPr txBox="1"/>
+              <p:nvPr/>
+            </p:nvSpPr>
+            <p:spPr>
+              <a:xfrm rot="16200000">
+                <a:off x="8798745" y="3293930"/>
+                <a:ext cx="1918043" cy="276999"/>
+              </a:xfrm>
+              <a:prstGeom prst="rect">
+                <a:avLst/>
+              </a:prstGeom>
+              <a:noFill/>
+              <a:ln>
+                <a:noFill/>
+              </a:ln>
+            </p:spPr>
+            <p:txBody>
+              <a:bodyPr wrap="square" rtlCol="0">
+                <a:spAutoFit/>
+              </a:bodyPr>
+              <a:lstStyle/>
+              <a:p>
+                <a:r>
+                  <a:rPr lang="fr-FR" sz="1200" dirty="0">
+                    <a:solidFill>
+                      <a:schemeClr val="bg1"/>
+                    </a:solidFill>
+                    <a:latin typeface="Arial Nova" panose="020B0504020202020204" pitchFamily="34" charset="0"/>
+                  </a:rPr>
+                  <a:t>Bras en translation</a:t>
+                </a:r>
+              </a:p>
+            </p:txBody>
+          </p:sp>
+        </p:grpSp>
+        <p:grpSp>
+          <p:nvGrpSpPr>
+            <p:cNvPr id="42" name="Groupe 41">
+              <a:extLst>
+                <a:ext uri="{FF2B5EF4-FFF2-40B4-BE49-F238E27FC236}">
+                  <a16:creationId xmlns:a16="http://schemas.microsoft.com/office/drawing/2014/main" id="{E35B4FFB-30FA-9F2D-8AAF-612988931FF4}"/>
+                </a:ext>
+              </a:extLst>
+            </p:cNvPr>
+            <p:cNvGrpSpPr/>
+            <p:nvPr/>
+          </p:nvGrpSpPr>
+          <p:grpSpPr>
+            <a:xfrm>
+              <a:off x="8611878" y="2802701"/>
+              <a:ext cx="1549219" cy="611677"/>
+              <a:chOff x="9075408" y="2802701"/>
+              <a:chExt cx="1549219" cy="611677"/>
+            </a:xfrm>
+          </p:grpSpPr>
+          <p:sp>
+            <p:nvSpPr>
+              <p:cNvPr id="43" name="Flèche : virage 42">
+                <a:extLst>
+                  <a:ext uri="{FF2B5EF4-FFF2-40B4-BE49-F238E27FC236}">
+                    <a16:creationId xmlns:a16="http://schemas.microsoft.com/office/drawing/2014/main" id="{0138F1DD-36B1-33FD-3B41-493A2B0091E5}"/>
+                  </a:ext>
+                </a:extLst>
+              </p:cNvPr>
+              <p:cNvSpPr/>
+              <p:nvPr/>
+            </p:nvSpPr>
+            <p:spPr>
+              <a:xfrm rot="5400000">
+                <a:off x="9563593" y="2353345"/>
+                <a:ext cx="572849" cy="1549218"/>
+              </a:xfrm>
+              <a:prstGeom prst="bentArrow">
+                <a:avLst>
+                  <a:gd name="adj1" fmla="val 38639"/>
+                  <a:gd name="adj2" fmla="val 38302"/>
+                  <a:gd name="adj3" fmla="val 16744"/>
+                  <a:gd name="adj4" fmla="val 20160"/>
+                </a:avLst>
+              </a:prstGeom>
+              <a:solidFill>
+                <a:srgbClr val="B2CAD6"/>
+              </a:solidFill>
+              <a:ln>
+                <a:noFill/>
+              </a:ln>
+            </p:spPr>
+            <p:style>
+              <a:lnRef idx="2">
+                <a:schemeClr val="accent1">
+                  <a:shade val="50000"/>
+                </a:schemeClr>
+              </a:lnRef>
+              <a:fillRef idx="1">
+                <a:schemeClr val="accent1"/>
+              </a:fillRef>
+              <a:effectRef idx="0">
+                <a:schemeClr val="accent1"/>
+              </a:effectRef>
+              <a:fontRef idx="minor">
+                <a:schemeClr val="lt1"/>
+              </a:fontRef>
+            </p:style>
+            <p:txBody>
+              <a:bodyPr rtlCol="0" anchor="ctr"/>
+              <a:lstStyle/>
+              <a:p>
+                <a:pPr algn="ctr"/>
+                <a:endParaRPr lang="fr-FR" dirty="0">
+                  <a:solidFill>
+                    <a:schemeClr val="tx1"/>
+                  </a:solidFill>
+                </a:endParaRPr>
+              </a:p>
+            </p:txBody>
+          </p:sp>
+          <p:sp>
+            <p:nvSpPr>
+              <p:cNvPr id="54" name="ZoneTexte 53">
+                <a:extLst>
+                  <a:ext uri="{FF2B5EF4-FFF2-40B4-BE49-F238E27FC236}">
+                    <a16:creationId xmlns:a16="http://schemas.microsoft.com/office/drawing/2014/main" id="{467AC060-C68E-2A43-8F56-FAB28245CB61}"/>
+                  </a:ext>
+                </a:extLst>
+              </p:cNvPr>
+              <p:cNvSpPr txBox="1"/>
+              <p:nvPr/>
+            </p:nvSpPr>
+            <p:spPr>
+              <a:xfrm>
+                <a:off x="9075408" y="2802701"/>
+                <a:ext cx="1473718" cy="307777"/>
+              </a:xfrm>
+              <a:prstGeom prst="rect">
+                <a:avLst/>
+              </a:prstGeom>
+              <a:noFill/>
+              <a:ln>
+                <a:noFill/>
+              </a:ln>
+            </p:spPr>
+            <p:txBody>
+              <a:bodyPr wrap="square" rtlCol="0">
+                <a:spAutoFit/>
+              </a:bodyPr>
+              <a:lstStyle/>
+              <a:p>
+                <a:r>
+                  <a:rPr lang="fr-FR" sz="1400" dirty="0">
+                    <a:solidFill>
+                      <a:schemeClr val="bg1"/>
+                    </a:solidFill>
+                    <a:latin typeface="Arial Nova" panose="020B0504020202020204" pitchFamily="34" charset="0"/>
+                  </a:rPr>
+                  <a:t>Bras à l’arrêt</a:t>
+                </a:r>
+              </a:p>
+            </p:txBody>
+          </p:sp>
+        </p:grpSp>
         <p:pic>
           <p:nvPicPr>
-            <p:cNvPr id="80" name="Image 79">
+            <p:cNvPr id="77" name="Image 76">
               <a:extLst>
                 <a:ext uri="{FF2B5EF4-FFF2-40B4-BE49-F238E27FC236}">
-                  <a16:creationId xmlns:a16="http://schemas.microsoft.com/office/drawing/2014/main" id="{6185C691-3AB2-F47A-5390-45BEEFD786A2}"/>
+                  <a16:creationId xmlns:a16="http://schemas.microsoft.com/office/drawing/2014/main" id="{AEBD323C-739C-7027-924D-6BDCF996CE02}"/>
                 </a:ext>
               </a:extLst>
             </p:cNvPr>
@@ -11738,15 +12053,148 @@
             <p:nvPr/>
           </p:nvPicPr>
           <p:blipFill>
-            <a:blip r:embed="rId18"/>
+            <a:blip r:embed="rId17"/>
             <a:stretch>
               <a:fillRect/>
             </a:stretch>
           </p:blipFill>
           <p:spPr>
-            <a:xfrm flipH="1">
-              <a:off x="10382764" y="5000716"/>
-              <a:ext cx="1467894" cy="1467894"/>
+            <a:xfrm>
+              <a:off x="9050612" y="3520045"/>
+              <a:ext cx="432000" cy="158275"/>
+            </a:xfrm>
+            <a:prstGeom prst="rect">
+              <a:avLst/>
+            </a:prstGeom>
+          </p:spPr>
+        </p:pic>
+        <p:grpSp>
+          <p:nvGrpSpPr>
+            <p:cNvPr id="78" name="Groupe 77">
+              <a:extLst>
+                <a:ext uri="{FF2B5EF4-FFF2-40B4-BE49-F238E27FC236}">
+                  <a16:creationId xmlns:a16="http://schemas.microsoft.com/office/drawing/2014/main" id="{4B5C8834-D3CD-FB41-DCB5-98A6CC7743D4}"/>
+                </a:ext>
+              </a:extLst>
+            </p:cNvPr>
+            <p:cNvGrpSpPr/>
+            <p:nvPr/>
+          </p:nvGrpSpPr>
+          <p:grpSpPr>
+            <a:xfrm>
+              <a:off x="10556738" y="3449889"/>
+              <a:ext cx="432000" cy="432000"/>
+              <a:chOff x="10216711" y="4835236"/>
+              <a:chExt cx="1800000" cy="1800000"/>
+            </a:xfrm>
+          </p:grpSpPr>
+          <p:sp>
+            <p:nvSpPr>
+              <p:cNvPr id="79" name="Ellipse 78">
+                <a:extLst>
+                  <a:ext uri="{FF2B5EF4-FFF2-40B4-BE49-F238E27FC236}">
+                    <a16:creationId xmlns:a16="http://schemas.microsoft.com/office/drawing/2014/main" id="{6284F23C-9DD2-AA12-7103-19072B69001F}"/>
+                  </a:ext>
+                </a:extLst>
+              </p:cNvPr>
+              <p:cNvSpPr/>
+              <p:nvPr/>
+            </p:nvSpPr>
+            <p:spPr>
+              <a:xfrm>
+                <a:off x="10216711" y="4835236"/>
+                <a:ext cx="1800000" cy="1800000"/>
+              </a:xfrm>
+              <a:prstGeom prst="ellipse">
+                <a:avLst/>
+              </a:prstGeom>
+              <a:solidFill>
+                <a:srgbClr val="00547F"/>
+              </a:solidFill>
+              <a:ln>
+                <a:noFill/>
+              </a:ln>
+            </p:spPr>
+            <p:style>
+              <a:lnRef idx="2">
+                <a:schemeClr val="accent1">
+                  <a:shade val="50000"/>
+                </a:schemeClr>
+              </a:lnRef>
+              <a:fillRef idx="1">
+                <a:schemeClr val="accent1"/>
+              </a:fillRef>
+              <a:effectRef idx="0">
+                <a:schemeClr val="accent1"/>
+              </a:effectRef>
+              <a:fontRef idx="minor">
+                <a:schemeClr val="lt1"/>
+              </a:fontRef>
+            </p:style>
+            <p:txBody>
+              <a:bodyPr rtlCol="0" anchor="ctr"/>
+              <a:lstStyle/>
+              <a:p>
+                <a:pPr algn="ctr"/>
+                <a:endParaRPr lang="fr-FR"/>
+              </a:p>
+            </p:txBody>
+          </p:sp>
+          <p:pic>
+            <p:nvPicPr>
+              <p:cNvPr id="80" name="Image 79">
+                <a:extLst>
+                  <a:ext uri="{FF2B5EF4-FFF2-40B4-BE49-F238E27FC236}">
+                    <a16:creationId xmlns:a16="http://schemas.microsoft.com/office/drawing/2014/main" id="{6185C691-3AB2-F47A-5390-45BEEFD786A2}"/>
+                  </a:ext>
+                </a:extLst>
+              </p:cNvPr>
+              <p:cNvPicPr>
+                <a:picLocks noChangeAspect="1"/>
+              </p:cNvPicPr>
+              <p:nvPr/>
+            </p:nvPicPr>
+            <p:blipFill>
+              <a:blip r:embed="rId18"/>
+              <a:stretch>
+                <a:fillRect/>
+              </a:stretch>
+            </p:blipFill>
+            <p:spPr>
+              <a:xfrm flipH="1">
+                <a:off x="10382764" y="5000716"/>
+                <a:ext cx="1467894" cy="1467894"/>
+              </a:xfrm>
+              <a:prstGeom prst="rect">
+                <a:avLst/>
+              </a:prstGeom>
+            </p:spPr>
+          </p:pic>
+        </p:grpSp>
+        <p:pic>
+          <p:nvPicPr>
+            <p:cNvPr id="81" name="Image 80">
+              <a:extLst>
+                <a:ext uri="{FF2B5EF4-FFF2-40B4-BE49-F238E27FC236}">
+                  <a16:creationId xmlns:a16="http://schemas.microsoft.com/office/drawing/2014/main" id="{C1F2661A-A324-C133-43F2-983432960766}"/>
+                </a:ext>
+              </a:extLst>
+            </p:cNvPr>
+            <p:cNvPicPr>
+              <a:picLocks noChangeAspect="1"/>
+            </p:cNvPicPr>
+            <p:nvPr/>
+          </p:nvPicPr>
+          <p:blipFill>
+            <a:blip r:embed="rId3"/>
+            <a:stretch>
+              <a:fillRect/>
+            </a:stretch>
+          </p:blipFill>
+          <p:spPr>
+            <a:xfrm rot="5400000">
+              <a:off x="10388238" y="3082911"/>
+              <a:ext cx="434918" cy="152010"/>
             </a:xfrm>
             <a:prstGeom prst="rect">
               <a:avLst/>
@@ -11754,36 +12202,6 @@
           </p:spPr>
         </p:pic>
       </p:grpSp>
-      <p:pic>
-        <p:nvPicPr>
-          <p:cNvPr id="81" name="Image 80">
-            <a:extLst>
-              <a:ext uri="{FF2B5EF4-FFF2-40B4-BE49-F238E27FC236}">
-                <a16:creationId xmlns:a16="http://schemas.microsoft.com/office/drawing/2014/main" id="{C1F2661A-A324-C133-43F2-983432960766}"/>
-              </a:ext>
-            </a:extLst>
-          </p:cNvPr>
-          <p:cNvPicPr>
-            <a:picLocks noChangeAspect="1"/>
-          </p:cNvPicPr>
-          <p:nvPr/>
-        </p:nvPicPr>
-        <p:blipFill>
-          <a:blip r:embed="rId3"/>
-          <a:stretch>
-            <a:fillRect/>
-          </a:stretch>
-        </p:blipFill>
-        <p:spPr>
-          <a:xfrm>
-            <a:off x="10513968" y="3208641"/>
-            <a:ext cx="434918" cy="152010"/>
-          </a:xfrm>
-          <a:prstGeom prst="rect">
-            <a:avLst/>
-          </a:prstGeom>
-        </p:spPr>
-      </p:pic>
       <p:grpSp>
         <p:nvGrpSpPr>
           <p:cNvPr id="82" name="Groupe 81">
@@ -12329,13 +12747,1558 @@
           <a:lstStyle/>
           <a:p>
             <a:r>
-              <a:rPr lang="fr-FR" sz="1050" dirty="0" smtClean="0"/>
+              <a:rPr lang="fr-FR" sz="1050" dirty="0"/>
               <a:t>Prise secteur</a:t>
             </a:r>
-            <a:endParaRPr lang="fr-FR" sz="1050" dirty="0"/>
           </a:p>
         </p:txBody>
       </p:sp>
+      <p:cxnSp>
+        <p:nvCxnSpPr>
+          <p:cNvPr id="75" name="Connecteur droit avec flèche 74">
+            <a:extLst>
+              <a:ext uri="{FF2B5EF4-FFF2-40B4-BE49-F238E27FC236}">
+                <a16:creationId xmlns:a16="http://schemas.microsoft.com/office/drawing/2014/main" id="{6ADC958C-C344-1BF3-25BE-C9B484B0C033}"/>
+              </a:ext>
+            </a:extLst>
+          </p:cNvPr>
+          <p:cNvCxnSpPr>
+            <a:cxnSpLocks/>
+          </p:cNvCxnSpPr>
+          <p:nvPr/>
+        </p:nvCxnSpPr>
+        <p:spPr>
+          <a:xfrm flipV="1">
+            <a:off x="8901020" y="3681849"/>
+            <a:ext cx="720000" cy="1536"/>
+          </a:xfrm>
+          <a:prstGeom prst="straightConnector1">
+            <a:avLst/>
+          </a:prstGeom>
+          <a:ln w="25400" cap="rnd">
+            <a:solidFill>
+              <a:srgbClr val="68348B"/>
+            </a:solidFill>
+            <a:tailEnd type="triangle" w="med" len="lg"/>
+          </a:ln>
+        </p:spPr>
+        <p:style>
+          <a:lnRef idx="1">
+            <a:schemeClr val="accent1"/>
+          </a:lnRef>
+          <a:fillRef idx="0">
+            <a:schemeClr val="accent1"/>
+          </a:fillRef>
+          <a:effectRef idx="0">
+            <a:schemeClr val="accent1"/>
+          </a:effectRef>
+          <a:fontRef idx="minor">
+            <a:schemeClr val="tx1"/>
+          </a:fontRef>
+        </p:style>
+      </p:cxnSp>
+      <p:pic>
+        <p:nvPicPr>
+          <p:cNvPr id="85" name="Image 84">
+            <a:extLst>
+              <a:ext uri="{FF2B5EF4-FFF2-40B4-BE49-F238E27FC236}">
+                <a16:creationId xmlns:a16="http://schemas.microsoft.com/office/drawing/2014/main" id="{F8D8E946-4C49-E88C-3CC0-46CC2B11AC00}"/>
+              </a:ext>
+            </a:extLst>
+          </p:cNvPr>
+          <p:cNvPicPr>
+            <a:picLocks noChangeAspect="1"/>
+          </p:cNvPicPr>
+          <p:nvPr/>
+        </p:nvPicPr>
+        <p:blipFill>
+          <a:blip r:embed="rId10"/>
+          <a:stretch>
+            <a:fillRect/>
+          </a:stretch>
+        </p:blipFill>
+        <p:spPr>
+          <a:xfrm>
+            <a:off x="9064809" y="3292600"/>
+            <a:ext cx="360000" cy="360000"/>
+          </a:xfrm>
+          <a:prstGeom prst="rect">
+            <a:avLst/>
+          </a:prstGeom>
+        </p:spPr>
+      </p:pic>
+      <p:grpSp>
+        <p:nvGrpSpPr>
+          <p:cNvPr id="86" name="Groupe 85">
+            <a:extLst>
+              <a:ext uri="{FF2B5EF4-FFF2-40B4-BE49-F238E27FC236}">
+                <a16:creationId xmlns:a16="http://schemas.microsoft.com/office/drawing/2014/main" id="{2B49C0AE-E729-73C7-B04B-F33A36093592}"/>
+              </a:ext>
+            </a:extLst>
+          </p:cNvPr>
+          <p:cNvGrpSpPr/>
+          <p:nvPr/>
+        </p:nvGrpSpPr>
+        <p:grpSpPr>
+          <a:xfrm>
+            <a:off x="9614573" y="3431149"/>
+            <a:ext cx="1372109" cy="1444838"/>
+            <a:chOff x="7542872" y="3440639"/>
+            <a:chExt cx="1372109" cy="1444838"/>
+          </a:xfrm>
+        </p:grpSpPr>
+        <p:sp>
+          <p:nvSpPr>
+            <p:cNvPr id="87" name="Rectangle : coins arrondis 86">
+              <a:extLst>
+                <a:ext uri="{FF2B5EF4-FFF2-40B4-BE49-F238E27FC236}">
+                  <a16:creationId xmlns:a16="http://schemas.microsoft.com/office/drawing/2014/main" id="{A9C8F3C6-A5A9-AB3D-A671-78122D8AE06C}"/>
+                </a:ext>
+              </a:extLst>
+            </p:cNvPr>
+            <p:cNvSpPr/>
+            <p:nvPr/>
+          </p:nvSpPr>
+          <p:spPr>
+            <a:xfrm>
+              <a:off x="7542872" y="3440639"/>
+              <a:ext cx="1365662" cy="534390"/>
+            </a:xfrm>
+            <a:prstGeom prst="roundRect">
+              <a:avLst>
+                <a:gd name="adj" fmla="val 11914"/>
+              </a:avLst>
+            </a:prstGeom>
+            <a:noFill/>
+            <a:ln w="19050">
+              <a:solidFill>
+                <a:srgbClr val="EE685D"/>
+              </a:solidFill>
+            </a:ln>
+          </p:spPr>
+          <p:style>
+            <a:lnRef idx="2">
+              <a:schemeClr val="accent1">
+                <a:shade val="50000"/>
+              </a:schemeClr>
+            </a:lnRef>
+            <a:fillRef idx="1">
+              <a:schemeClr val="accent1"/>
+            </a:fillRef>
+            <a:effectRef idx="0">
+              <a:schemeClr val="accent1"/>
+            </a:effectRef>
+            <a:fontRef idx="minor">
+              <a:schemeClr val="lt1"/>
+            </a:fontRef>
+          </p:style>
+          <p:txBody>
+            <a:bodyPr rtlCol="0" anchor="ctr"/>
+            <a:lstStyle/>
+            <a:p>
+              <a:pPr algn="ctr"/>
+              <a:r>
+                <a:rPr lang="fr-FR" sz="1400" dirty="0">
+                  <a:solidFill>
+                    <a:srgbClr val="EE685D"/>
+                  </a:solidFill>
+                  <a:latin typeface="Arial Nova" panose="020B0504020202020204" pitchFamily="34" charset="0"/>
+                </a:rPr>
+                <a:t>Transmettre</a:t>
+              </a:r>
+            </a:p>
+          </p:txBody>
+        </p:sp>
+        <p:sp>
+          <p:nvSpPr>
+            <p:cNvPr id="88" name="Rectangle : coins arrondis 87">
+              <a:extLst>
+                <a:ext uri="{FF2B5EF4-FFF2-40B4-BE49-F238E27FC236}">
+                  <a16:creationId xmlns:a16="http://schemas.microsoft.com/office/drawing/2014/main" id="{C0703F0E-8F69-706F-7260-FAAC55D44D38}"/>
+                </a:ext>
+              </a:extLst>
+            </p:cNvPr>
+            <p:cNvSpPr/>
+            <p:nvPr/>
+          </p:nvSpPr>
+          <p:spPr>
+            <a:xfrm>
+              <a:off x="7549319" y="4097487"/>
+              <a:ext cx="1365662" cy="787990"/>
+            </a:xfrm>
+            <a:prstGeom prst="roundRect">
+              <a:avLst>
+                <a:gd name="adj" fmla="val 11914"/>
+              </a:avLst>
+            </a:prstGeom>
+            <a:solidFill>
+              <a:srgbClr val="F7B8B3"/>
+            </a:solidFill>
+            <a:ln w="19050">
+              <a:solidFill>
+                <a:srgbClr val="F7B8B3"/>
+              </a:solidFill>
+            </a:ln>
+          </p:spPr>
+          <p:style>
+            <a:lnRef idx="2">
+              <a:schemeClr val="accent1">
+                <a:shade val="50000"/>
+              </a:schemeClr>
+            </a:lnRef>
+            <a:fillRef idx="1">
+              <a:schemeClr val="accent1"/>
+            </a:fillRef>
+            <a:effectRef idx="0">
+              <a:schemeClr val="accent1"/>
+            </a:effectRef>
+            <a:fontRef idx="minor">
+              <a:schemeClr val="lt1"/>
+            </a:fontRef>
+          </p:style>
+          <p:txBody>
+            <a:bodyPr rtlCol="0" anchor="ctr"/>
+            <a:lstStyle/>
+            <a:p>
+              <a:pPr algn="ctr"/>
+              <a:r>
+                <a:rPr lang="fr-FR" sz="1100" dirty="0">
+                  <a:solidFill>
+                    <a:srgbClr val="EE685D"/>
+                  </a:solidFill>
+                  <a:latin typeface="Arial Nova" panose="020B0504020202020204" pitchFamily="34" charset="0"/>
+                </a:rPr>
+                <a:t>Train épicycloïdal</a:t>
+              </a:r>
+            </a:p>
+          </p:txBody>
+        </p:sp>
+        <p:grpSp>
+          <p:nvGrpSpPr>
+            <p:cNvPr id="89" name="Groupe 88">
+              <a:extLst>
+                <a:ext uri="{FF2B5EF4-FFF2-40B4-BE49-F238E27FC236}">
+                  <a16:creationId xmlns:a16="http://schemas.microsoft.com/office/drawing/2014/main" id="{AF40E859-038A-D8D5-FBD0-8EF74E4152B6}"/>
+                </a:ext>
+              </a:extLst>
+            </p:cNvPr>
+            <p:cNvGrpSpPr/>
+            <p:nvPr/>
+          </p:nvGrpSpPr>
+          <p:grpSpPr>
+            <a:xfrm>
+              <a:off x="7739744" y="3855932"/>
+              <a:ext cx="360000" cy="360000"/>
+              <a:chOff x="5447928" y="2816932"/>
+              <a:chExt cx="1800000" cy="1800000"/>
+            </a:xfrm>
+          </p:grpSpPr>
+          <p:sp>
+            <p:nvSpPr>
+              <p:cNvPr id="96" name="Ellipse 95">
+                <a:extLst>
+                  <a:ext uri="{FF2B5EF4-FFF2-40B4-BE49-F238E27FC236}">
+                    <a16:creationId xmlns:a16="http://schemas.microsoft.com/office/drawing/2014/main" id="{615A05EB-52FA-E2C4-E395-BF170129043A}"/>
+                  </a:ext>
+                </a:extLst>
+              </p:cNvPr>
+              <p:cNvSpPr/>
+              <p:nvPr/>
+            </p:nvSpPr>
+            <p:spPr>
+              <a:xfrm>
+                <a:off x="5447928" y="2816932"/>
+                <a:ext cx="1800000" cy="1800000"/>
+              </a:xfrm>
+              <a:prstGeom prst="ellipse">
+                <a:avLst/>
+              </a:prstGeom>
+              <a:solidFill>
+                <a:srgbClr val="EF7268"/>
+              </a:solidFill>
+              <a:ln>
+                <a:noFill/>
+              </a:ln>
+            </p:spPr>
+            <p:style>
+              <a:lnRef idx="2">
+                <a:schemeClr val="accent1">
+                  <a:shade val="50000"/>
+                </a:schemeClr>
+              </a:lnRef>
+              <a:fillRef idx="1">
+                <a:schemeClr val="accent1"/>
+              </a:fillRef>
+              <a:effectRef idx="0">
+                <a:schemeClr val="accent1"/>
+              </a:effectRef>
+              <a:fontRef idx="minor">
+                <a:schemeClr val="lt1"/>
+              </a:fontRef>
+            </p:style>
+            <p:txBody>
+              <a:bodyPr rtlCol="0" anchor="ctr"/>
+              <a:lstStyle/>
+              <a:p>
+                <a:pPr algn="ctr"/>
+                <a:endParaRPr lang="fr-FR" dirty="0"/>
+              </a:p>
+            </p:txBody>
+          </p:sp>
+          <p:pic>
+            <p:nvPicPr>
+              <p:cNvPr id="97" name="Image 96">
+                <a:extLst>
+                  <a:ext uri="{FF2B5EF4-FFF2-40B4-BE49-F238E27FC236}">
+                    <a16:creationId xmlns:a16="http://schemas.microsoft.com/office/drawing/2014/main" id="{2B4F765F-2DF3-3CAA-1991-06D5ED36903C}"/>
+                  </a:ext>
+                </a:extLst>
+              </p:cNvPr>
+              <p:cNvPicPr>
+                <a:picLocks noChangeAspect="1"/>
+              </p:cNvPicPr>
+              <p:nvPr/>
+            </p:nvPicPr>
+            <p:blipFill>
+              <a:blip r:embed="rId15"/>
+              <a:stretch>
+                <a:fillRect/>
+              </a:stretch>
+            </p:blipFill>
+            <p:spPr>
+              <a:xfrm flipH="1">
+                <a:off x="5627848" y="2996852"/>
+                <a:ext cx="1440160" cy="1440160"/>
+              </a:xfrm>
+              <a:prstGeom prst="rect">
+                <a:avLst/>
+              </a:prstGeom>
+            </p:spPr>
+          </p:pic>
+        </p:grpSp>
+        <p:grpSp>
+          <p:nvGrpSpPr>
+            <p:cNvPr id="90" name="Groupe 89">
+              <a:extLst>
+                <a:ext uri="{FF2B5EF4-FFF2-40B4-BE49-F238E27FC236}">
+                  <a16:creationId xmlns:a16="http://schemas.microsoft.com/office/drawing/2014/main" id="{438484FE-8A69-C2ED-D268-5D95A304FDD0}"/>
+                </a:ext>
+              </a:extLst>
+            </p:cNvPr>
+            <p:cNvGrpSpPr/>
+            <p:nvPr/>
+          </p:nvGrpSpPr>
+          <p:grpSpPr>
+            <a:xfrm>
+              <a:off x="8413836" y="3839803"/>
+              <a:ext cx="360000" cy="360000"/>
+              <a:chOff x="10405167" y="2322166"/>
+              <a:chExt cx="1800000" cy="1800000"/>
+            </a:xfrm>
+          </p:grpSpPr>
+          <p:sp>
+            <p:nvSpPr>
+              <p:cNvPr id="91" name="Ellipse 90">
+                <a:extLst>
+                  <a:ext uri="{FF2B5EF4-FFF2-40B4-BE49-F238E27FC236}">
+                    <a16:creationId xmlns:a16="http://schemas.microsoft.com/office/drawing/2014/main" id="{F5070CB8-BBE5-2711-86AC-5C9EC7D9D927}"/>
+                  </a:ext>
+                </a:extLst>
+              </p:cNvPr>
+              <p:cNvSpPr/>
+              <p:nvPr/>
+            </p:nvSpPr>
+            <p:spPr>
+              <a:xfrm>
+                <a:off x="10405167" y="2322166"/>
+                <a:ext cx="1800000" cy="1800000"/>
+              </a:xfrm>
+              <a:prstGeom prst="ellipse">
+                <a:avLst/>
+              </a:prstGeom>
+              <a:solidFill>
+                <a:srgbClr val="EF7268"/>
+              </a:solidFill>
+              <a:ln>
+                <a:noFill/>
+              </a:ln>
+            </p:spPr>
+            <p:style>
+              <a:lnRef idx="2">
+                <a:schemeClr val="accent1">
+                  <a:shade val="50000"/>
+                </a:schemeClr>
+              </a:lnRef>
+              <a:fillRef idx="1">
+                <a:schemeClr val="accent1"/>
+              </a:fillRef>
+              <a:effectRef idx="0">
+                <a:schemeClr val="accent1"/>
+              </a:effectRef>
+              <a:fontRef idx="minor">
+                <a:schemeClr val="lt1"/>
+              </a:fontRef>
+            </p:style>
+            <p:txBody>
+              <a:bodyPr rtlCol="0" anchor="ctr"/>
+              <a:lstStyle/>
+              <a:p>
+                <a:pPr algn="ctr"/>
+                <a:endParaRPr lang="fr-FR" dirty="0"/>
+              </a:p>
+            </p:txBody>
+          </p:sp>
+          <p:pic>
+            <p:nvPicPr>
+              <p:cNvPr id="95" name="Image 94">
+                <a:extLst>
+                  <a:ext uri="{FF2B5EF4-FFF2-40B4-BE49-F238E27FC236}">
+                    <a16:creationId xmlns:a16="http://schemas.microsoft.com/office/drawing/2014/main" id="{94433AFA-2226-B1A9-2ABA-10B9428DDE66}"/>
+                  </a:ext>
+                </a:extLst>
+              </p:cNvPr>
+              <p:cNvPicPr>
+                <a:picLocks noChangeAspect="1"/>
+              </p:cNvPicPr>
+              <p:nvPr/>
+            </p:nvPicPr>
+            <p:blipFill>
+              <a:blip r:embed="rId16"/>
+              <a:stretch>
+                <a:fillRect/>
+              </a:stretch>
+            </p:blipFill>
+            <p:spPr>
+              <a:xfrm>
+                <a:off x="10546164" y="2642707"/>
+                <a:ext cx="1518007" cy="924719"/>
+              </a:xfrm>
+              <a:prstGeom prst="rect">
+                <a:avLst/>
+              </a:prstGeom>
+            </p:spPr>
+          </p:pic>
+        </p:grpSp>
+      </p:grpSp>
+      <p:cxnSp>
+        <p:nvCxnSpPr>
+          <p:cNvPr id="98" name="Connecteur : en angle 97">
+            <a:extLst>
+              <a:ext uri="{FF2B5EF4-FFF2-40B4-BE49-F238E27FC236}">
+                <a16:creationId xmlns:a16="http://schemas.microsoft.com/office/drawing/2014/main" id="{8975449A-F79B-0DBE-1E46-DFEB05293E7A}"/>
+              </a:ext>
+            </a:extLst>
+          </p:cNvPr>
+          <p:cNvCxnSpPr>
+            <a:cxnSpLocks/>
+          </p:cNvCxnSpPr>
+          <p:nvPr/>
+        </p:nvCxnSpPr>
+        <p:spPr>
+          <a:xfrm rot="5400000" flipH="1">
+            <a:off x="3224368" y="-275219"/>
+            <a:ext cx="1804943" cy="6092537"/>
+          </a:xfrm>
+          <a:prstGeom prst="bentConnector4">
+            <a:avLst>
+              <a:gd name="adj1" fmla="val -86757"/>
+              <a:gd name="adj2" fmla="val 114325"/>
+            </a:avLst>
+          </a:prstGeom>
+          <a:ln w="25400" cap="rnd">
+            <a:solidFill>
+              <a:srgbClr val="004F77"/>
+            </a:solidFill>
+            <a:tailEnd type="triangle" w="med" len="lg"/>
+          </a:ln>
+        </p:spPr>
+        <p:style>
+          <a:lnRef idx="1">
+            <a:schemeClr val="accent1"/>
+          </a:lnRef>
+          <a:fillRef idx="0">
+            <a:schemeClr val="accent1"/>
+          </a:fillRef>
+          <a:effectRef idx="0">
+            <a:schemeClr val="accent1"/>
+          </a:effectRef>
+          <a:fontRef idx="minor">
+            <a:schemeClr val="tx1"/>
+          </a:fontRef>
+        </p:style>
+      </p:cxnSp>
+      <p:cxnSp>
+        <p:nvCxnSpPr>
+          <p:cNvPr id="101" name="Connecteur : en angle 100">
+            <a:extLst>
+              <a:ext uri="{FF2B5EF4-FFF2-40B4-BE49-F238E27FC236}">
+                <a16:creationId xmlns:a16="http://schemas.microsoft.com/office/drawing/2014/main" id="{8445F8BF-F502-2832-9F9B-ED0B66436EDE}"/>
+              </a:ext>
+            </a:extLst>
+          </p:cNvPr>
+          <p:cNvCxnSpPr>
+            <a:cxnSpLocks/>
+            <a:stCxn id="80" idx="0"/>
+            <a:endCxn id="7" idx="0"/>
+          </p:cNvCxnSpPr>
+          <p:nvPr/>
+        </p:nvCxnSpPr>
+        <p:spPr>
+          <a:xfrm rot="16200000" flipV="1">
+            <a:off x="6304570" y="-3082987"/>
+            <a:ext cx="2032184" cy="11087514"/>
+          </a:xfrm>
+          <a:prstGeom prst="bentConnector3">
+            <a:avLst>
+              <a:gd name="adj1" fmla="val 111249"/>
+            </a:avLst>
+          </a:prstGeom>
+          <a:ln w="25400" cap="rnd">
+            <a:solidFill>
+              <a:srgbClr val="004F77"/>
+            </a:solidFill>
+            <a:tailEnd type="triangle" w="med" len="lg"/>
+          </a:ln>
+        </p:spPr>
+        <p:style>
+          <a:lnRef idx="1">
+            <a:schemeClr val="accent1"/>
+          </a:lnRef>
+          <a:fillRef idx="0">
+            <a:schemeClr val="accent1"/>
+          </a:fillRef>
+          <a:effectRef idx="0">
+            <a:schemeClr val="accent1"/>
+          </a:effectRef>
+          <a:fontRef idx="minor">
+            <a:schemeClr val="tx1"/>
+          </a:fontRef>
+        </p:style>
+      </p:cxnSp>
+      <mc:AlternateContent xmlns:mc="http://schemas.openxmlformats.org/markup-compatibility/2006">
+        <mc:Choice xmlns:a14="http://schemas.microsoft.com/office/drawing/2010/main" Requires="a14">
+          <p:sp>
+            <p:nvSpPr>
+              <p:cNvPr id="113" name="ZoneTexte 112">
+                <a:extLst>
+                  <a:ext uri="{FF2B5EF4-FFF2-40B4-BE49-F238E27FC236}">
+                    <a16:creationId xmlns:a16="http://schemas.microsoft.com/office/drawing/2014/main" id="{0FE25146-0624-52C4-AB98-9E530C206DCF}"/>
+                  </a:ext>
+                </a:extLst>
+              </p:cNvPr>
+              <p:cNvSpPr txBox="1"/>
+              <p:nvPr/>
+            </p:nvSpPr>
+            <p:spPr>
+              <a:xfrm>
+                <a:off x="4445413" y="3863404"/>
+                <a:ext cx="1161960" cy="276999"/>
+              </a:xfrm>
+              <a:prstGeom prst="rect">
+                <a:avLst/>
+              </a:prstGeom>
+              <a:noFill/>
+            </p:spPr>
+            <p:txBody>
+              <a:bodyPr wrap="square" rtlCol="0">
+                <a:spAutoFit/>
+              </a:bodyPr>
+              <a:lstStyle/>
+              <a:p>
+                <a:pPr algn="ctr"/>
+                <a14:m>
+                  <m:oMathPara xmlns:m="http://schemas.openxmlformats.org/officeDocument/2006/math">
+                    <m:oMathParaPr>
+                      <m:jc m:val="centerGroup"/>
+                    </m:oMathParaPr>
+                    <m:oMath xmlns:m="http://schemas.openxmlformats.org/officeDocument/2006/math">
+                      <m:sSub>
+                        <m:sSubPr>
+                          <m:ctrlPr>
+                            <a:rPr lang="fr-FR" sz="1200" b="1" i="1" smtClean="0">
+                              <a:solidFill>
+                                <a:srgbClr val="FFB25A"/>
+                              </a:solidFill>
+                              <a:latin typeface="Cambria Math" panose="02040503050406030204" pitchFamily="18" charset="0"/>
+                              <a:ea typeface="Cambria Math" panose="02040503050406030204" pitchFamily="18" charset="0"/>
+                            </a:rPr>
+                          </m:ctrlPr>
+                        </m:sSubPr>
+                        <m:e>
+                          <m:r>
+                            <a:rPr lang="fr-FR" sz="1200" b="1" i="1" smtClean="0">
+                              <a:solidFill>
+                                <a:srgbClr val="FFB25A"/>
+                              </a:solidFill>
+                              <a:latin typeface="Cambria Math" panose="02040503050406030204" pitchFamily="18" charset="0"/>
+                              <a:ea typeface="Cambria Math" panose="02040503050406030204" pitchFamily="18" charset="0"/>
+                            </a:rPr>
+                            <m:t>𝓟</m:t>
+                          </m:r>
+                        </m:e>
+                        <m:sub>
+                          <m:r>
+                            <a:rPr lang="fr-FR" sz="1200" b="1" i="1" smtClean="0">
+                              <a:solidFill>
+                                <a:srgbClr val="FFB25A"/>
+                              </a:solidFill>
+                              <a:latin typeface="Cambria Math" panose="02040503050406030204" pitchFamily="18" charset="0"/>
+                              <a:ea typeface="Cambria Math" panose="02040503050406030204" pitchFamily="18" charset="0"/>
+                            </a:rPr>
+                            <m:t>𝒆𝒍𝒆𝒄</m:t>
+                          </m:r>
+                        </m:sub>
+                      </m:sSub>
+                      <m:r>
+                        <a:rPr lang="fr-FR" sz="1200" b="1" i="1" smtClean="0">
+                          <a:solidFill>
+                            <a:srgbClr val="FFB25A"/>
+                          </a:solidFill>
+                          <a:latin typeface="Cambria Math" panose="02040503050406030204" pitchFamily="18" charset="0"/>
+                          <a:ea typeface="Cambria Math" panose="02040503050406030204" pitchFamily="18" charset="0"/>
+                        </a:rPr>
+                        <m:t>=</m:t>
+                      </m:r>
+                      <m:r>
+                        <a:rPr lang="fr-FR" sz="1200" b="1" i="1" smtClean="0">
+                          <a:solidFill>
+                            <a:srgbClr val="FFB25A"/>
+                          </a:solidFill>
+                          <a:latin typeface="Cambria Math" panose="02040503050406030204" pitchFamily="18" charset="0"/>
+                          <a:ea typeface="Cambria Math" panose="02040503050406030204" pitchFamily="18" charset="0"/>
+                        </a:rPr>
+                        <m:t>𝑼𝑰</m:t>
+                      </m:r>
+                    </m:oMath>
+                  </m:oMathPara>
+                </a14:m>
+                <a:endParaRPr lang="fr-FR" sz="1200" b="1" dirty="0">
+                  <a:solidFill>
+                    <a:srgbClr val="FFB25A"/>
+                  </a:solidFill>
+                  <a:latin typeface="Arial Nova" panose="020B0504020202020204" pitchFamily="34" charset="0"/>
+                </a:endParaRPr>
+              </a:p>
+            </p:txBody>
+          </p:sp>
+        </mc:Choice>
+        <mc:Fallback>
+          <p:sp>
+            <p:nvSpPr>
+              <p:cNvPr id="113" name="ZoneTexte 112">
+                <a:extLst>
+                  <a:ext uri="{FF2B5EF4-FFF2-40B4-BE49-F238E27FC236}">
+                    <a16:creationId xmlns:a16="http://schemas.microsoft.com/office/drawing/2014/main" id="{0FE25146-0624-52C4-AB98-9E530C206DCF}"/>
+                  </a:ext>
+                </a:extLst>
+              </p:cNvPr>
+              <p:cNvSpPr txBox="1">
+                <a:spLocks noRot="1" noChangeAspect="1" noMove="1" noResize="1" noEditPoints="1" noAdjustHandles="1" noChangeArrowheads="1" noChangeShapeType="1" noTextEdit="1"/>
+              </p:cNvSpPr>
+              <p:nvPr/>
+            </p:nvSpPr>
+            <p:spPr>
+              <a:xfrm>
+                <a:off x="4445413" y="3863404"/>
+                <a:ext cx="1161960" cy="276999"/>
+              </a:xfrm>
+              <a:prstGeom prst="rect">
+                <a:avLst/>
+              </a:prstGeom>
+              <a:blipFill>
+                <a:blip r:embed="rId19"/>
+                <a:stretch>
+                  <a:fillRect/>
+                </a:stretch>
+              </a:blipFill>
+            </p:spPr>
+            <p:txBody>
+              <a:bodyPr/>
+              <a:lstStyle/>
+              <a:p>
+                <a:r>
+                  <a:rPr lang="fr-FR">
+                    <a:noFill/>
+                  </a:rPr>
+                  <a:t> </a:t>
+                </a:r>
+              </a:p>
+            </p:txBody>
+          </p:sp>
+        </mc:Fallback>
+      </mc:AlternateContent>
+      <mc:AlternateContent xmlns:mc="http://schemas.openxmlformats.org/markup-compatibility/2006">
+        <mc:Choice xmlns:a14="http://schemas.microsoft.com/office/drawing/2010/main" Requires="a14">
+          <p:sp>
+            <p:nvSpPr>
+              <p:cNvPr id="114" name="ZoneTexte 113">
+                <a:extLst>
+                  <a:ext uri="{FF2B5EF4-FFF2-40B4-BE49-F238E27FC236}">
+                    <a16:creationId xmlns:a16="http://schemas.microsoft.com/office/drawing/2014/main" id="{152E0D22-5BC2-2AFD-C31A-92A4E95E03CD}"/>
+                  </a:ext>
+                </a:extLst>
+              </p:cNvPr>
+              <p:cNvSpPr txBox="1"/>
+              <p:nvPr/>
+            </p:nvSpPr>
+            <p:spPr>
+              <a:xfrm rot="5400000">
+                <a:off x="6789972" y="4172286"/>
+                <a:ext cx="1161960" cy="276999"/>
+              </a:xfrm>
+              <a:prstGeom prst="rect">
+                <a:avLst/>
+              </a:prstGeom>
+              <a:noFill/>
+            </p:spPr>
+            <p:txBody>
+              <a:bodyPr wrap="square" rtlCol="0">
+                <a:spAutoFit/>
+              </a:bodyPr>
+              <a:lstStyle/>
+              <a:p>
+                <a:pPr algn="ctr"/>
+                <a14:m>
+                  <m:oMathPara xmlns:m="http://schemas.openxmlformats.org/officeDocument/2006/math">
+                    <m:oMathParaPr>
+                      <m:jc m:val="centerGroup"/>
+                    </m:oMathParaPr>
+                    <m:oMath xmlns:m="http://schemas.openxmlformats.org/officeDocument/2006/math">
+                      <m:sSub>
+                        <m:sSubPr>
+                          <m:ctrlPr>
+                            <a:rPr lang="fr-FR" sz="1200" b="1" i="1" smtClean="0">
+                              <a:solidFill>
+                                <a:srgbClr val="FFB25A"/>
+                              </a:solidFill>
+                              <a:latin typeface="Cambria Math" panose="02040503050406030204" pitchFamily="18" charset="0"/>
+                              <a:ea typeface="Cambria Math" panose="02040503050406030204" pitchFamily="18" charset="0"/>
+                            </a:rPr>
+                          </m:ctrlPr>
+                        </m:sSubPr>
+                        <m:e>
+                          <m:r>
+                            <a:rPr lang="fr-FR" sz="1200" b="1" i="1" smtClean="0">
+                              <a:solidFill>
+                                <a:srgbClr val="FFB25A"/>
+                              </a:solidFill>
+                              <a:latin typeface="Cambria Math" panose="02040503050406030204" pitchFamily="18" charset="0"/>
+                              <a:ea typeface="Cambria Math" panose="02040503050406030204" pitchFamily="18" charset="0"/>
+                            </a:rPr>
+                            <m:t>𝓟</m:t>
+                          </m:r>
+                        </m:e>
+                        <m:sub>
+                          <m:r>
+                            <a:rPr lang="fr-FR" sz="1200" b="1" i="1" smtClean="0">
+                              <a:solidFill>
+                                <a:srgbClr val="FFB25A"/>
+                              </a:solidFill>
+                              <a:latin typeface="Cambria Math" panose="02040503050406030204" pitchFamily="18" charset="0"/>
+                              <a:ea typeface="Cambria Math" panose="02040503050406030204" pitchFamily="18" charset="0"/>
+                            </a:rPr>
+                            <m:t>𝒎</m:t>
+                          </m:r>
+                        </m:sub>
+                      </m:sSub>
+                      <m:r>
+                        <a:rPr lang="fr-FR" sz="1200" b="1" i="1" smtClean="0">
+                          <a:solidFill>
+                            <a:srgbClr val="FFB25A"/>
+                          </a:solidFill>
+                          <a:latin typeface="Cambria Math" panose="02040503050406030204" pitchFamily="18" charset="0"/>
+                          <a:ea typeface="Cambria Math" panose="02040503050406030204" pitchFamily="18" charset="0"/>
+                        </a:rPr>
+                        <m:t>=</m:t>
+                      </m:r>
+                      <m:sSub>
+                        <m:sSubPr>
+                          <m:ctrlPr>
+                            <a:rPr lang="fr-FR" sz="1200" b="1" i="1" smtClean="0">
+                              <a:solidFill>
+                                <a:srgbClr val="FFB25A"/>
+                              </a:solidFill>
+                              <a:latin typeface="Cambria Math" panose="02040503050406030204" pitchFamily="18" charset="0"/>
+                              <a:ea typeface="Cambria Math" panose="02040503050406030204" pitchFamily="18" charset="0"/>
+                            </a:rPr>
+                          </m:ctrlPr>
+                        </m:sSubPr>
+                        <m:e>
+                          <m:r>
+                            <a:rPr lang="fr-FR" sz="1200" b="1" i="1" smtClean="0">
+                              <a:solidFill>
+                                <a:srgbClr val="FFB25A"/>
+                              </a:solidFill>
+                              <a:latin typeface="Cambria Math" panose="02040503050406030204" pitchFamily="18" charset="0"/>
+                              <a:ea typeface="Cambria Math" panose="02040503050406030204" pitchFamily="18" charset="0"/>
+                            </a:rPr>
+                            <m:t>𝑪</m:t>
+                          </m:r>
+                        </m:e>
+                        <m:sub>
+                          <m:r>
+                            <a:rPr lang="fr-FR" sz="1200" b="1" i="1" smtClean="0">
+                              <a:solidFill>
+                                <a:srgbClr val="FFB25A"/>
+                              </a:solidFill>
+                              <a:latin typeface="Cambria Math" panose="02040503050406030204" pitchFamily="18" charset="0"/>
+                              <a:ea typeface="Cambria Math" panose="02040503050406030204" pitchFamily="18" charset="0"/>
+                            </a:rPr>
+                            <m:t>𝒎</m:t>
+                          </m:r>
+                        </m:sub>
+                      </m:sSub>
+                      <m:sSub>
+                        <m:sSubPr>
+                          <m:ctrlPr>
+                            <a:rPr lang="fr-FR" sz="1200" b="1" i="1" smtClean="0">
+                              <a:solidFill>
+                                <a:srgbClr val="FFB25A"/>
+                              </a:solidFill>
+                              <a:latin typeface="Cambria Math" panose="02040503050406030204" pitchFamily="18" charset="0"/>
+                              <a:ea typeface="Cambria Math" panose="02040503050406030204" pitchFamily="18" charset="0"/>
+                            </a:rPr>
+                          </m:ctrlPr>
+                        </m:sSubPr>
+                        <m:e>
+                          <m:r>
+                            <a:rPr lang="fr-FR" sz="1200" b="1" i="1" smtClean="0">
+                              <a:solidFill>
+                                <a:srgbClr val="FFB25A"/>
+                              </a:solidFill>
+                              <a:latin typeface="Cambria Math" panose="02040503050406030204" pitchFamily="18" charset="0"/>
+                              <a:ea typeface="Cambria Math" panose="02040503050406030204" pitchFamily="18" charset="0"/>
+                            </a:rPr>
+                            <m:t>𝝎</m:t>
+                          </m:r>
+                        </m:e>
+                        <m:sub>
+                          <m:r>
+                            <a:rPr lang="fr-FR" sz="1200" b="1" i="1" smtClean="0">
+                              <a:solidFill>
+                                <a:srgbClr val="FFB25A"/>
+                              </a:solidFill>
+                              <a:latin typeface="Cambria Math" panose="02040503050406030204" pitchFamily="18" charset="0"/>
+                              <a:ea typeface="Cambria Math" panose="02040503050406030204" pitchFamily="18" charset="0"/>
+                            </a:rPr>
+                            <m:t>𝒎</m:t>
+                          </m:r>
+                        </m:sub>
+                      </m:sSub>
+                    </m:oMath>
+                  </m:oMathPara>
+                </a14:m>
+                <a:endParaRPr lang="fr-FR" sz="1200" b="1" dirty="0">
+                  <a:solidFill>
+                    <a:srgbClr val="FFB25A"/>
+                  </a:solidFill>
+                  <a:latin typeface="Arial Nova" panose="020B0504020202020204" pitchFamily="34" charset="0"/>
+                </a:endParaRPr>
+              </a:p>
+            </p:txBody>
+          </p:sp>
+        </mc:Choice>
+        <mc:Fallback>
+          <p:sp>
+            <p:nvSpPr>
+              <p:cNvPr id="114" name="ZoneTexte 113">
+                <a:extLst>
+                  <a:ext uri="{FF2B5EF4-FFF2-40B4-BE49-F238E27FC236}">
+                    <a16:creationId xmlns:a16="http://schemas.microsoft.com/office/drawing/2014/main" id="{152E0D22-5BC2-2AFD-C31A-92A4E95E03CD}"/>
+                  </a:ext>
+                </a:extLst>
+              </p:cNvPr>
+              <p:cNvSpPr txBox="1">
+                <a:spLocks noRot="1" noChangeAspect="1" noMove="1" noResize="1" noEditPoints="1" noAdjustHandles="1" noChangeArrowheads="1" noChangeShapeType="1" noTextEdit="1"/>
+              </p:cNvSpPr>
+              <p:nvPr/>
+            </p:nvSpPr>
+            <p:spPr>
+              <a:xfrm rot="5400000">
+                <a:off x="6789972" y="4172286"/>
+                <a:ext cx="1161960" cy="276999"/>
+              </a:xfrm>
+              <a:prstGeom prst="rect">
+                <a:avLst/>
+              </a:prstGeom>
+              <a:blipFill>
+                <a:blip r:embed="rId20"/>
+                <a:stretch>
+                  <a:fillRect/>
+                </a:stretch>
+              </a:blipFill>
+            </p:spPr>
+            <p:txBody>
+              <a:bodyPr/>
+              <a:lstStyle/>
+              <a:p>
+                <a:r>
+                  <a:rPr lang="fr-FR">
+                    <a:noFill/>
+                  </a:rPr>
+                  <a:t> </a:t>
+                </a:r>
+              </a:p>
+            </p:txBody>
+          </p:sp>
+        </mc:Fallback>
+      </mc:AlternateContent>
+      <mc:AlternateContent xmlns:mc="http://schemas.openxmlformats.org/markup-compatibility/2006">
+        <mc:Choice xmlns:a14="http://schemas.microsoft.com/office/drawing/2010/main" Requires="a14">
+          <p:sp>
+            <p:nvSpPr>
+              <p:cNvPr id="115" name="ZoneTexte 114">
+                <a:extLst>
+                  <a:ext uri="{FF2B5EF4-FFF2-40B4-BE49-F238E27FC236}">
+                    <a16:creationId xmlns:a16="http://schemas.microsoft.com/office/drawing/2014/main" id="{5EBABF3A-092B-08C4-FC0E-317695421FA0}"/>
+                  </a:ext>
+                </a:extLst>
+              </p:cNvPr>
+              <p:cNvSpPr txBox="1"/>
+              <p:nvPr/>
+            </p:nvSpPr>
+            <p:spPr>
+              <a:xfrm>
+                <a:off x="8735173" y="3840991"/>
+                <a:ext cx="1161960" cy="415498"/>
+              </a:xfrm>
+              <a:prstGeom prst="rect">
+                <a:avLst/>
+              </a:prstGeom>
+              <a:noFill/>
+            </p:spPr>
+            <p:txBody>
+              <a:bodyPr wrap="square" rtlCol="0">
+                <a:spAutoFit/>
+              </a:bodyPr>
+              <a:lstStyle/>
+              <a:p>
+                <a:pPr algn="ctr"/>
+                <a14:m>
+                  <m:oMathPara xmlns:m="http://schemas.openxmlformats.org/officeDocument/2006/math">
+                    <m:oMathParaPr>
+                      <m:jc m:val="centerGroup"/>
+                    </m:oMathParaPr>
+                    <m:oMath xmlns:m="http://schemas.openxmlformats.org/officeDocument/2006/math">
+                      <m:sSub>
+                        <m:sSubPr>
+                          <m:ctrlPr>
+                            <a:rPr lang="fr-FR" sz="1050" b="1" i="1" smtClean="0">
+                              <a:solidFill>
+                                <a:srgbClr val="FFB25A"/>
+                              </a:solidFill>
+                              <a:latin typeface="Cambria Math" panose="02040503050406030204" pitchFamily="18" charset="0"/>
+                              <a:ea typeface="Cambria Math" panose="02040503050406030204" pitchFamily="18" charset="0"/>
+                            </a:rPr>
+                          </m:ctrlPr>
+                        </m:sSubPr>
+                        <m:e>
+                          <m:r>
+                            <a:rPr lang="fr-FR" sz="1050" b="1" i="1" smtClean="0">
+                              <a:solidFill>
+                                <a:srgbClr val="FFB25A"/>
+                              </a:solidFill>
+                              <a:latin typeface="Cambria Math" panose="02040503050406030204" pitchFamily="18" charset="0"/>
+                              <a:ea typeface="Cambria Math" panose="02040503050406030204" pitchFamily="18" charset="0"/>
+                            </a:rPr>
+                            <m:t>𝓟</m:t>
+                          </m:r>
+                        </m:e>
+                        <m:sub>
+                          <m:r>
+                            <a:rPr lang="fr-FR" sz="1050" b="1" i="1" smtClean="0">
+                              <a:solidFill>
+                                <a:srgbClr val="FFB25A"/>
+                              </a:solidFill>
+                              <a:latin typeface="Cambria Math" panose="02040503050406030204" pitchFamily="18" charset="0"/>
+                              <a:ea typeface="Cambria Math" panose="02040503050406030204" pitchFamily="18" charset="0"/>
+                            </a:rPr>
+                            <m:t>𝒓</m:t>
+                          </m:r>
+                        </m:sub>
+                      </m:sSub>
+                      <m:r>
+                        <a:rPr lang="fr-FR" sz="1050" b="1" i="1" smtClean="0">
+                          <a:solidFill>
+                            <a:srgbClr val="FFB25A"/>
+                          </a:solidFill>
+                          <a:latin typeface="Cambria Math" panose="02040503050406030204" pitchFamily="18" charset="0"/>
+                          <a:ea typeface="Cambria Math" panose="02040503050406030204" pitchFamily="18" charset="0"/>
+                        </a:rPr>
+                        <m:t>=</m:t>
+                      </m:r>
+                      <m:sSub>
+                        <m:sSubPr>
+                          <m:ctrlPr>
+                            <a:rPr lang="fr-FR" sz="1050" b="1" i="1" smtClean="0">
+                              <a:solidFill>
+                                <a:srgbClr val="FFB25A"/>
+                              </a:solidFill>
+                              <a:latin typeface="Cambria Math" panose="02040503050406030204" pitchFamily="18" charset="0"/>
+                              <a:ea typeface="Cambria Math" panose="02040503050406030204" pitchFamily="18" charset="0"/>
+                            </a:rPr>
+                          </m:ctrlPr>
+                        </m:sSubPr>
+                        <m:e>
+                          <m:r>
+                            <a:rPr lang="fr-FR" sz="1050" b="1" i="1" smtClean="0">
+                              <a:solidFill>
+                                <a:srgbClr val="FFB25A"/>
+                              </a:solidFill>
+                              <a:latin typeface="Cambria Math" panose="02040503050406030204" pitchFamily="18" charset="0"/>
+                              <a:ea typeface="Cambria Math" panose="02040503050406030204" pitchFamily="18" charset="0"/>
+                            </a:rPr>
+                            <m:t>𝑪</m:t>
+                          </m:r>
+                        </m:e>
+                        <m:sub>
+                          <m:r>
+                            <a:rPr lang="fr-FR" sz="1050" b="1" i="1" smtClean="0">
+                              <a:solidFill>
+                                <a:srgbClr val="FFB25A"/>
+                              </a:solidFill>
+                              <a:latin typeface="Cambria Math" panose="02040503050406030204" pitchFamily="18" charset="0"/>
+                              <a:ea typeface="Cambria Math" panose="02040503050406030204" pitchFamily="18" charset="0"/>
+                            </a:rPr>
+                            <m:t>𝒓</m:t>
+                          </m:r>
+                        </m:sub>
+                      </m:sSub>
+                      <m:sSub>
+                        <m:sSubPr>
+                          <m:ctrlPr>
+                            <a:rPr lang="fr-FR" sz="1050" b="1" i="1" smtClean="0">
+                              <a:solidFill>
+                                <a:srgbClr val="FFB25A"/>
+                              </a:solidFill>
+                              <a:latin typeface="Cambria Math" panose="02040503050406030204" pitchFamily="18" charset="0"/>
+                              <a:ea typeface="Cambria Math" panose="02040503050406030204" pitchFamily="18" charset="0"/>
+                            </a:rPr>
+                          </m:ctrlPr>
+                        </m:sSubPr>
+                        <m:e>
+                          <m:r>
+                            <a:rPr lang="fr-FR" sz="1050" b="1" i="1" smtClean="0">
+                              <a:solidFill>
+                                <a:srgbClr val="FFB25A"/>
+                              </a:solidFill>
+                              <a:latin typeface="Cambria Math" panose="02040503050406030204" pitchFamily="18" charset="0"/>
+                              <a:ea typeface="Cambria Math" panose="02040503050406030204" pitchFamily="18" charset="0"/>
+                            </a:rPr>
+                            <m:t>𝝎</m:t>
+                          </m:r>
+                        </m:e>
+                        <m:sub>
+                          <m:r>
+                            <a:rPr lang="fr-FR" sz="1050" b="1" i="1" smtClean="0">
+                              <a:solidFill>
+                                <a:srgbClr val="FFB25A"/>
+                              </a:solidFill>
+                              <a:latin typeface="Cambria Math" panose="02040503050406030204" pitchFamily="18" charset="0"/>
+                              <a:ea typeface="Cambria Math" panose="02040503050406030204" pitchFamily="18" charset="0"/>
+                            </a:rPr>
+                            <m:t>𝒓</m:t>
+                          </m:r>
+                        </m:sub>
+                      </m:sSub>
+                    </m:oMath>
+                  </m:oMathPara>
+                </a14:m>
+                <a:endParaRPr lang="fr-FR" sz="1050" b="1" dirty="0">
+                  <a:solidFill>
+                    <a:srgbClr val="FFB25A"/>
+                  </a:solidFill>
+                  <a:latin typeface="Arial Nova" panose="020B0504020202020204" pitchFamily="34" charset="0"/>
+                </a:endParaRPr>
+              </a:p>
+              <a:p>
+                <a:pPr algn="ctr"/>
+                <a14:m>
+                  <m:oMathPara xmlns:m="http://schemas.openxmlformats.org/officeDocument/2006/math">
+                    <m:oMathParaPr>
+                      <m:jc m:val="centerGroup"/>
+                    </m:oMathParaPr>
+                    <m:oMath xmlns:m="http://schemas.openxmlformats.org/officeDocument/2006/math">
+                      <m:sSub>
+                        <m:sSubPr>
+                          <m:ctrlPr>
+                            <a:rPr lang="fr-FR" sz="1050" b="1" i="1" smtClean="0">
+                              <a:solidFill>
+                                <a:srgbClr val="FFB25A"/>
+                              </a:solidFill>
+                              <a:latin typeface="Cambria Math" panose="02040503050406030204" pitchFamily="18" charset="0"/>
+                              <a:ea typeface="Cambria Math" panose="02040503050406030204" pitchFamily="18" charset="0"/>
+                            </a:rPr>
+                          </m:ctrlPr>
+                        </m:sSubPr>
+                        <m:e>
+                          <m:r>
+                            <a:rPr lang="fr-FR" sz="1050" b="1" i="1" smtClean="0">
+                              <a:solidFill>
+                                <a:srgbClr val="FFB25A"/>
+                              </a:solidFill>
+                              <a:latin typeface="Cambria Math" panose="02040503050406030204" pitchFamily="18" charset="0"/>
+                              <a:ea typeface="Cambria Math" panose="02040503050406030204" pitchFamily="18" charset="0"/>
+                            </a:rPr>
+                            <m:t>𝝎</m:t>
+                          </m:r>
+                        </m:e>
+                        <m:sub>
+                          <m:r>
+                            <a:rPr lang="fr-FR" sz="1050" b="1" i="1" smtClean="0">
+                              <a:solidFill>
+                                <a:srgbClr val="FFB25A"/>
+                              </a:solidFill>
+                              <a:latin typeface="Cambria Math" panose="02040503050406030204" pitchFamily="18" charset="0"/>
+                              <a:ea typeface="Cambria Math" panose="02040503050406030204" pitchFamily="18" charset="0"/>
+                            </a:rPr>
+                            <m:t>𝒓</m:t>
+                          </m:r>
+                        </m:sub>
+                      </m:sSub>
+                      <m:r>
+                        <a:rPr lang="fr-FR" sz="1050" b="1" i="1" smtClean="0">
+                          <a:solidFill>
+                            <a:srgbClr val="FFB25A"/>
+                          </a:solidFill>
+                          <a:latin typeface="Cambria Math" panose="02040503050406030204" pitchFamily="18" charset="0"/>
+                          <a:ea typeface="Cambria Math" panose="02040503050406030204" pitchFamily="18" charset="0"/>
+                        </a:rPr>
+                        <m:t>=</m:t>
+                      </m:r>
+                      <m:r>
+                        <a:rPr lang="fr-FR" sz="1050" b="1" i="1" smtClean="0">
+                          <a:solidFill>
+                            <a:srgbClr val="FFB25A"/>
+                          </a:solidFill>
+                          <a:latin typeface="Cambria Math" panose="02040503050406030204" pitchFamily="18" charset="0"/>
+                          <a:ea typeface="Cambria Math" panose="02040503050406030204" pitchFamily="18" charset="0"/>
+                        </a:rPr>
+                        <m:t>𝒌</m:t>
+                      </m:r>
+                      <m:sSub>
+                        <m:sSubPr>
+                          <m:ctrlPr>
+                            <a:rPr lang="fr-FR" sz="1050" b="1" i="1" smtClean="0">
+                              <a:solidFill>
+                                <a:srgbClr val="FFB25A"/>
+                              </a:solidFill>
+                              <a:latin typeface="Cambria Math" panose="02040503050406030204" pitchFamily="18" charset="0"/>
+                              <a:ea typeface="Cambria Math" panose="02040503050406030204" pitchFamily="18" charset="0"/>
+                            </a:rPr>
+                          </m:ctrlPr>
+                        </m:sSubPr>
+                        <m:e>
+                          <m:r>
+                            <a:rPr lang="fr-FR" sz="1050" b="1" i="1" smtClean="0">
+                              <a:solidFill>
+                                <a:srgbClr val="FFB25A"/>
+                              </a:solidFill>
+                              <a:latin typeface="Cambria Math" panose="02040503050406030204" pitchFamily="18" charset="0"/>
+                              <a:ea typeface="Cambria Math" panose="02040503050406030204" pitchFamily="18" charset="0"/>
+                            </a:rPr>
+                            <m:t>𝝎</m:t>
+                          </m:r>
+                        </m:e>
+                        <m:sub>
+                          <m:r>
+                            <a:rPr lang="fr-FR" sz="1050" b="1" i="1" smtClean="0">
+                              <a:solidFill>
+                                <a:srgbClr val="FFB25A"/>
+                              </a:solidFill>
+                              <a:latin typeface="Cambria Math" panose="02040503050406030204" pitchFamily="18" charset="0"/>
+                              <a:ea typeface="Cambria Math" panose="02040503050406030204" pitchFamily="18" charset="0"/>
+                            </a:rPr>
+                            <m:t>𝒎</m:t>
+                          </m:r>
+                        </m:sub>
+                      </m:sSub>
+                    </m:oMath>
+                  </m:oMathPara>
+                </a14:m>
+                <a:endParaRPr lang="fr-FR" sz="1050" b="1" dirty="0">
+                  <a:solidFill>
+                    <a:srgbClr val="FFB25A"/>
+                  </a:solidFill>
+                  <a:latin typeface="Arial Nova" panose="020B0504020202020204" pitchFamily="34" charset="0"/>
+                </a:endParaRPr>
+              </a:p>
+            </p:txBody>
+          </p:sp>
+        </mc:Choice>
+        <mc:Fallback>
+          <p:sp>
+            <p:nvSpPr>
+              <p:cNvPr id="115" name="ZoneTexte 114">
+                <a:extLst>
+                  <a:ext uri="{FF2B5EF4-FFF2-40B4-BE49-F238E27FC236}">
+                    <a16:creationId xmlns:a16="http://schemas.microsoft.com/office/drawing/2014/main" id="{5EBABF3A-092B-08C4-FC0E-317695421FA0}"/>
+                  </a:ext>
+                </a:extLst>
+              </p:cNvPr>
+              <p:cNvSpPr txBox="1">
+                <a:spLocks noRot="1" noChangeAspect="1" noMove="1" noResize="1" noEditPoints="1" noAdjustHandles="1" noChangeArrowheads="1" noChangeShapeType="1" noTextEdit="1"/>
+              </p:cNvSpPr>
+              <p:nvPr/>
+            </p:nvSpPr>
+            <p:spPr>
+              <a:xfrm>
+                <a:off x="8735173" y="3840991"/>
+                <a:ext cx="1161960" cy="415498"/>
+              </a:xfrm>
+              <a:prstGeom prst="rect">
+                <a:avLst/>
+              </a:prstGeom>
+              <a:blipFill>
+                <a:blip r:embed="rId21"/>
+                <a:stretch>
+                  <a:fillRect/>
+                </a:stretch>
+              </a:blipFill>
+            </p:spPr>
+            <p:txBody>
+              <a:bodyPr/>
+              <a:lstStyle/>
+              <a:p>
+                <a:r>
+                  <a:rPr lang="fr-FR">
+                    <a:noFill/>
+                  </a:rPr>
+                  <a:t> </a:t>
+                </a:r>
+              </a:p>
+            </p:txBody>
+          </p:sp>
+        </mc:Fallback>
+      </mc:AlternateContent>
+      <mc:AlternateContent xmlns:mc="http://schemas.openxmlformats.org/markup-compatibility/2006">
+        <mc:Choice xmlns:a14="http://schemas.microsoft.com/office/drawing/2010/main" Requires="a14">
+          <p:sp>
+            <p:nvSpPr>
+              <p:cNvPr id="116" name="ZoneTexte 115">
+                <a:extLst>
+                  <a:ext uri="{FF2B5EF4-FFF2-40B4-BE49-F238E27FC236}">
+                    <a16:creationId xmlns:a16="http://schemas.microsoft.com/office/drawing/2014/main" id="{C74C28D7-83D2-EBC8-C821-786FE069C7F1}"/>
+                  </a:ext>
+                </a:extLst>
+              </p:cNvPr>
+              <p:cNvSpPr txBox="1"/>
+              <p:nvPr/>
+            </p:nvSpPr>
+            <p:spPr>
+              <a:xfrm>
+                <a:off x="10806874" y="3751427"/>
+                <a:ext cx="1161960" cy="415498"/>
+              </a:xfrm>
+              <a:prstGeom prst="rect">
+                <a:avLst/>
+              </a:prstGeom>
+              <a:noFill/>
+            </p:spPr>
+            <p:txBody>
+              <a:bodyPr wrap="square" rtlCol="0">
+                <a:spAutoFit/>
+              </a:bodyPr>
+              <a:lstStyle/>
+              <a:p>
+                <a:pPr algn="ctr"/>
+                <a14:m>
+                  <m:oMathPara xmlns:m="http://schemas.openxmlformats.org/officeDocument/2006/math">
+                    <m:oMathParaPr>
+                      <m:jc m:val="centerGroup"/>
+                    </m:oMathParaPr>
+                    <m:oMath xmlns:m="http://schemas.openxmlformats.org/officeDocument/2006/math">
+                      <m:sSub>
+                        <m:sSubPr>
+                          <m:ctrlPr>
+                            <a:rPr lang="fr-FR" sz="1050" b="1" i="1" smtClean="0">
+                              <a:solidFill>
+                                <a:srgbClr val="FFB25A"/>
+                              </a:solidFill>
+                              <a:latin typeface="Cambria Math" panose="02040503050406030204" pitchFamily="18" charset="0"/>
+                              <a:ea typeface="Cambria Math" panose="02040503050406030204" pitchFamily="18" charset="0"/>
+                            </a:rPr>
+                          </m:ctrlPr>
+                        </m:sSubPr>
+                        <m:e>
+                          <m:r>
+                            <a:rPr lang="fr-FR" sz="1050" b="1" i="1" smtClean="0">
+                              <a:solidFill>
+                                <a:srgbClr val="FFB25A"/>
+                              </a:solidFill>
+                              <a:latin typeface="Cambria Math" panose="02040503050406030204" pitchFamily="18" charset="0"/>
+                              <a:ea typeface="Cambria Math" panose="02040503050406030204" pitchFamily="18" charset="0"/>
+                            </a:rPr>
+                            <m:t>𝓟</m:t>
+                          </m:r>
+                        </m:e>
+                        <m:sub>
+                          <m:r>
+                            <a:rPr lang="fr-FR" sz="1050" b="1" i="1" smtClean="0">
+                              <a:solidFill>
+                                <a:srgbClr val="FFB25A"/>
+                              </a:solidFill>
+                              <a:latin typeface="Cambria Math" panose="02040503050406030204" pitchFamily="18" charset="0"/>
+                              <a:ea typeface="Cambria Math" panose="02040503050406030204" pitchFamily="18" charset="0"/>
+                            </a:rPr>
+                            <m:t>𝒕</m:t>
+                          </m:r>
+                        </m:sub>
+                      </m:sSub>
+                      <m:r>
+                        <a:rPr lang="fr-FR" sz="1050" b="1" i="1" smtClean="0">
+                          <a:solidFill>
+                            <a:srgbClr val="FFB25A"/>
+                          </a:solidFill>
+                          <a:latin typeface="Cambria Math" panose="02040503050406030204" pitchFamily="18" charset="0"/>
+                          <a:ea typeface="Cambria Math" panose="02040503050406030204" pitchFamily="18" charset="0"/>
+                        </a:rPr>
+                        <m:t>=</m:t>
+                      </m:r>
+                      <m:sSub>
+                        <m:sSubPr>
+                          <m:ctrlPr>
+                            <a:rPr lang="fr-FR" sz="1050" b="1" i="1" smtClean="0">
+                              <a:solidFill>
+                                <a:srgbClr val="FFB25A"/>
+                              </a:solidFill>
+                              <a:latin typeface="Cambria Math" panose="02040503050406030204" pitchFamily="18" charset="0"/>
+                              <a:ea typeface="Cambria Math" panose="02040503050406030204" pitchFamily="18" charset="0"/>
+                            </a:rPr>
+                          </m:ctrlPr>
+                        </m:sSubPr>
+                        <m:e>
+                          <m:r>
+                            <a:rPr lang="fr-FR" sz="1050" b="1" i="1" smtClean="0">
+                              <a:solidFill>
+                                <a:srgbClr val="FFB25A"/>
+                              </a:solidFill>
+                              <a:latin typeface="Cambria Math" panose="02040503050406030204" pitchFamily="18" charset="0"/>
+                              <a:ea typeface="Cambria Math" panose="02040503050406030204" pitchFamily="18" charset="0"/>
+                            </a:rPr>
+                            <m:t>𝑭</m:t>
+                          </m:r>
+                        </m:e>
+                        <m:sub>
+                          <m:r>
+                            <a:rPr lang="fr-FR" sz="1050" b="1" i="1" smtClean="0">
+                              <a:solidFill>
+                                <a:srgbClr val="FFB25A"/>
+                              </a:solidFill>
+                              <a:latin typeface="Cambria Math" panose="02040503050406030204" pitchFamily="18" charset="0"/>
+                              <a:ea typeface="Cambria Math" panose="02040503050406030204" pitchFamily="18" charset="0"/>
+                            </a:rPr>
+                            <m:t>𝒕</m:t>
+                          </m:r>
+                        </m:sub>
+                      </m:sSub>
+                      <m:sSub>
+                        <m:sSubPr>
+                          <m:ctrlPr>
+                            <a:rPr lang="fr-FR" sz="1050" b="1" i="1" smtClean="0">
+                              <a:solidFill>
+                                <a:srgbClr val="FFB25A"/>
+                              </a:solidFill>
+                              <a:latin typeface="Cambria Math" panose="02040503050406030204" pitchFamily="18" charset="0"/>
+                              <a:ea typeface="Cambria Math" panose="02040503050406030204" pitchFamily="18" charset="0"/>
+                            </a:rPr>
+                          </m:ctrlPr>
+                        </m:sSubPr>
+                        <m:e>
+                          <m:r>
+                            <a:rPr lang="fr-FR" sz="1050" b="1" i="1" smtClean="0">
+                              <a:solidFill>
+                                <a:srgbClr val="FFB25A"/>
+                              </a:solidFill>
+                              <a:latin typeface="Cambria Math" panose="02040503050406030204" pitchFamily="18" charset="0"/>
+                              <a:ea typeface="Cambria Math" panose="02040503050406030204" pitchFamily="18" charset="0"/>
+                            </a:rPr>
+                            <m:t>𝑽</m:t>
+                          </m:r>
+                        </m:e>
+                        <m:sub>
+                          <m:r>
+                            <a:rPr lang="fr-FR" sz="1050" b="1" i="1" smtClean="0">
+                              <a:solidFill>
+                                <a:srgbClr val="FFB25A"/>
+                              </a:solidFill>
+                              <a:latin typeface="Cambria Math" panose="02040503050406030204" pitchFamily="18" charset="0"/>
+                              <a:ea typeface="Cambria Math" panose="02040503050406030204" pitchFamily="18" charset="0"/>
+                            </a:rPr>
+                            <m:t>𝒕</m:t>
+                          </m:r>
+                        </m:sub>
+                      </m:sSub>
+                    </m:oMath>
+                  </m:oMathPara>
+                </a14:m>
+                <a:endParaRPr lang="fr-FR" sz="1050" b="1" dirty="0">
+                  <a:solidFill>
+                    <a:srgbClr val="FFB25A"/>
+                  </a:solidFill>
+                  <a:latin typeface="Arial Nova" panose="020B0504020202020204" pitchFamily="34" charset="0"/>
+                </a:endParaRPr>
+              </a:p>
+              <a:p>
+                <a:pPr algn="ctr"/>
+                <a14:m>
+                  <m:oMathPara xmlns:m="http://schemas.openxmlformats.org/officeDocument/2006/math">
+                    <m:oMathParaPr>
+                      <m:jc m:val="centerGroup"/>
+                    </m:oMathParaPr>
+                    <m:oMath xmlns:m="http://schemas.openxmlformats.org/officeDocument/2006/math">
+                      <m:sSub>
+                        <m:sSubPr>
+                          <m:ctrlPr>
+                            <a:rPr lang="fr-FR" sz="1050" b="1" i="1" smtClean="0">
+                              <a:solidFill>
+                                <a:srgbClr val="FFB25A"/>
+                              </a:solidFill>
+                              <a:latin typeface="Cambria Math" panose="02040503050406030204" pitchFamily="18" charset="0"/>
+                              <a:ea typeface="Cambria Math" panose="02040503050406030204" pitchFamily="18" charset="0"/>
+                            </a:rPr>
+                          </m:ctrlPr>
+                        </m:sSubPr>
+                        <m:e>
+                          <m:r>
+                            <a:rPr lang="fr-FR" sz="1050" b="1" i="1" smtClean="0">
+                              <a:solidFill>
+                                <a:srgbClr val="FFB25A"/>
+                              </a:solidFill>
+                              <a:latin typeface="Cambria Math" panose="02040503050406030204" pitchFamily="18" charset="0"/>
+                              <a:ea typeface="Cambria Math" panose="02040503050406030204" pitchFamily="18" charset="0"/>
+                            </a:rPr>
+                            <m:t>𝑽</m:t>
+                          </m:r>
+                        </m:e>
+                        <m:sub>
+                          <m:r>
+                            <a:rPr lang="fr-FR" sz="1050" b="1" i="1" smtClean="0">
+                              <a:solidFill>
+                                <a:srgbClr val="FFB25A"/>
+                              </a:solidFill>
+                              <a:latin typeface="Cambria Math" panose="02040503050406030204" pitchFamily="18" charset="0"/>
+                              <a:ea typeface="Cambria Math" panose="02040503050406030204" pitchFamily="18" charset="0"/>
+                            </a:rPr>
+                            <m:t>𝒕</m:t>
+                          </m:r>
+                        </m:sub>
+                      </m:sSub>
+                      <m:r>
+                        <a:rPr lang="fr-FR" sz="1050" b="1" i="1" smtClean="0">
+                          <a:solidFill>
+                            <a:srgbClr val="FFB25A"/>
+                          </a:solidFill>
+                          <a:latin typeface="Cambria Math" panose="02040503050406030204" pitchFamily="18" charset="0"/>
+                          <a:ea typeface="Cambria Math" panose="02040503050406030204" pitchFamily="18" charset="0"/>
+                        </a:rPr>
+                        <m:t>=</m:t>
+                      </m:r>
+                      <m:r>
+                        <a:rPr lang="fr-FR" sz="1050" b="1" i="1" smtClean="0">
+                          <a:solidFill>
+                            <a:srgbClr val="FFB25A"/>
+                          </a:solidFill>
+                          <a:latin typeface="Cambria Math" panose="02040503050406030204" pitchFamily="18" charset="0"/>
+                          <a:ea typeface="Cambria Math" panose="02040503050406030204" pitchFamily="18" charset="0"/>
+                        </a:rPr>
+                        <m:t>𝑹</m:t>
+                      </m:r>
+                      <m:sSub>
+                        <m:sSubPr>
+                          <m:ctrlPr>
+                            <a:rPr lang="fr-FR" sz="1050" b="1" i="1" smtClean="0">
+                              <a:solidFill>
+                                <a:srgbClr val="FFB25A"/>
+                              </a:solidFill>
+                              <a:latin typeface="Cambria Math" panose="02040503050406030204" pitchFamily="18" charset="0"/>
+                              <a:ea typeface="Cambria Math" panose="02040503050406030204" pitchFamily="18" charset="0"/>
+                            </a:rPr>
+                          </m:ctrlPr>
+                        </m:sSubPr>
+                        <m:e>
+                          <m:r>
+                            <a:rPr lang="fr-FR" sz="1050" b="1" i="1" smtClean="0">
+                              <a:solidFill>
+                                <a:srgbClr val="FFB25A"/>
+                              </a:solidFill>
+                              <a:latin typeface="Cambria Math" panose="02040503050406030204" pitchFamily="18" charset="0"/>
+                              <a:ea typeface="Cambria Math" panose="02040503050406030204" pitchFamily="18" charset="0"/>
+                            </a:rPr>
+                            <m:t>𝝎</m:t>
+                          </m:r>
+                        </m:e>
+                        <m:sub>
+                          <m:r>
+                            <a:rPr lang="fr-FR" sz="1050" b="1" i="1" smtClean="0">
+                              <a:solidFill>
+                                <a:srgbClr val="FFB25A"/>
+                              </a:solidFill>
+                              <a:latin typeface="Cambria Math" panose="02040503050406030204" pitchFamily="18" charset="0"/>
+                              <a:ea typeface="Cambria Math" panose="02040503050406030204" pitchFamily="18" charset="0"/>
+                            </a:rPr>
+                            <m:t>𝒓</m:t>
+                          </m:r>
+                        </m:sub>
+                      </m:sSub>
+                    </m:oMath>
+                  </m:oMathPara>
+                </a14:m>
+                <a:endParaRPr lang="fr-FR" sz="1050" b="1" dirty="0">
+                  <a:solidFill>
+                    <a:srgbClr val="FFB25A"/>
+                  </a:solidFill>
+                  <a:latin typeface="Arial Nova" panose="020B0504020202020204" pitchFamily="34" charset="0"/>
+                </a:endParaRPr>
+              </a:p>
+            </p:txBody>
+          </p:sp>
+        </mc:Choice>
+        <mc:Fallback>
+          <p:sp>
+            <p:nvSpPr>
+              <p:cNvPr id="116" name="ZoneTexte 115">
+                <a:extLst>
+                  <a:ext uri="{FF2B5EF4-FFF2-40B4-BE49-F238E27FC236}">
+                    <a16:creationId xmlns:a16="http://schemas.microsoft.com/office/drawing/2014/main" id="{C74C28D7-83D2-EBC8-C821-786FE069C7F1}"/>
+                  </a:ext>
+                </a:extLst>
+              </p:cNvPr>
+              <p:cNvSpPr txBox="1">
+                <a:spLocks noRot="1" noChangeAspect="1" noMove="1" noResize="1" noEditPoints="1" noAdjustHandles="1" noChangeArrowheads="1" noChangeShapeType="1" noTextEdit="1"/>
+              </p:cNvSpPr>
+              <p:nvPr/>
+            </p:nvSpPr>
+            <p:spPr>
+              <a:xfrm>
+                <a:off x="10806874" y="3751427"/>
+                <a:ext cx="1161960" cy="415498"/>
+              </a:xfrm>
+              <a:prstGeom prst="rect">
+                <a:avLst/>
+              </a:prstGeom>
+              <a:blipFill>
+                <a:blip r:embed="rId22"/>
+                <a:stretch>
+                  <a:fillRect/>
+                </a:stretch>
+              </a:blipFill>
+            </p:spPr>
+            <p:txBody>
+              <a:bodyPr/>
+              <a:lstStyle/>
+              <a:p>
+                <a:r>
+                  <a:rPr lang="fr-FR">
+                    <a:noFill/>
+                  </a:rPr>
+                  <a:t> </a:t>
+                </a:r>
+              </a:p>
+            </p:txBody>
+          </p:sp>
+        </mc:Fallback>
+      </mc:AlternateContent>
     </p:spTree>
     <p:extLst>
       <p:ext uri="{BB962C8B-B14F-4D97-AF65-F5344CB8AC3E}">

--- a/02_BrasBeta/02_BrasBeta.pptx
+++ b/02_BrasBeta/02_BrasBeta.pptx
@@ -5,7 +5,7 @@
     <p:sldMasterId id="2147483660" r:id="rId1"/>
   </p:sldMasterIdLst>
   <p:notesMasterIdLst>
-    <p:notesMasterId r:id="rId10"/>
+    <p:notesMasterId r:id="rId14"/>
   </p:notesMasterIdLst>
   <p:sldIdLst>
     <p:sldId id="256" r:id="rId2"/>
@@ -15,7 +15,11 @@
     <p:sldId id="260" r:id="rId6"/>
     <p:sldId id="261" r:id="rId7"/>
     <p:sldId id="262" r:id="rId8"/>
-    <p:sldId id="263" r:id="rId9"/>
+    <p:sldId id="266" r:id="rId9"/>
+    <p:sldId id="267" r:id="rId10"/>
+    <p:sldId id="264" r:id="rId11"/>
+    <p:sldId id="265" r:id="rId12"/>
+    <p:sldId id="263" r:id="rId13"/>
   </p:sldIdLst>
   <p:sldSz cx="12192000" cy="6858000"/>
   <p:notesSz cx="7315200" cy="9601200"/>
@@ -218,7 +222,7 @@
           <a:p>
             <a:fld id="{D157349C-AD05-44FA-B790-D9BBD62C4832}" type="datetimeFigureOut">
               <a:rPr lang="fr-FR" smtClean="0"/>
-              <a:t>04/06/2024</a:t>
+              <a:t>28/09/2025</a:t>
             </a:fld>
             <a:endParaRPr lang="fr-FR"/>
           </a:p>
@@ -730,7 +734,7 @@
           <a:p>
             <a:fld id="{CCF538C2-C309-4752-87A7-D2071D6CAC7F}" type="datetime1">
               <a:rPr lang="fr-FR" smtClean="0"/>
-              <a:t>04/06/2024</a:t>
+              <a:t>28/09/2025</a:t>
             </a:fld>
             <a:endParaRPr lang="fr-FR"/>
           </a:p>
@@ -935,7 +939,7 @@
           <a:p>
             <a:fld id="{F926C4FD-C1E6-452C-A858-BFBBC7496631}" type="datetime1">
               <a:rPr lang="fr-FR" smtClean="0"/>
-              <a:t>04/06/2024</a:t>
+              <a:t>28/09/2025</a:t>
             </a:fld>
             <a:endParaRPr lang="fr-FR"/>
           </a:p>
@@ -1191,7 +1195,7 @@
           <a:p>
             <a:fld id="{CEF75A8D-5F26-4754-844B-E2D9F6FC4950}" type="datetime1">
               <a:rPr lang="fr-FR" smtClean="0"/>
-              <a:t>04/06/2024</a:t>
+              <a:t>28/09/2025</a:t>
             </a:fld>
             <a:endParaRPr lang="fr-FR"/>
           </a:p>
@@ -1365,7 +1369,7 @@
           <a:p>
             <a:fld id="{FE352A31-E2A5-4F8A-BDFE-A9BA369B67E9}" type="datetime1">
               <a:rPr lang="fr-FR" smtClean="0"/>
-              <a:t>04/06/2024</a:t>
+              <a:t>28/09/2025</a:t>
             </a:fld>
             <a:endParaRPr lang="fr-FR"/>
           </a:p>
@@ -1727,7 +1731,7 @@
           <a:p>
             <a:fld id="{F1707E18-E4F4-4E6D-951C-B01FC69E66C0}" type="datetime1">
               <a:rPr lang="fr-FR" smtClean="0"/>
-              <a:t>04/06/2024</a:t>
+              <a:t>28/09/2025</a:t>
             </a:fld>
             <a:endParaRPr lang="fr-FR"/>
           </a:p>
@@ -2002,7 +2006,7 @@
           <a:p>
             <a:fld id="{93E4B9C8-F394-498B-8C66-049FACC1ED86}" type="datetime1">
               <a:rPr lang="fr-FR" smtClean="0"/>
-              <a:t>04/06/2024</a:t>
+              <a:t>28/09/2025</a:t>
             </a:fld>
             <a:endParaRPr lang="fr-FR"/>
           </a:p>
@@ -2381,7 +2385,7 @@
           <a:p>
             <a:fld id="{35950896-C41B-455D-9FAE-80943DD0CAEF}" type="datetime1">
               <a:rPr lang="fr-FR" smtClean="0"/>
-              <a:t>04/06/2024</a:t>
+              <a:t>28/09/2025</a:t>
             </a:fld>
             <a:endParaRPr lang="fr-FR"/>
           </a:p>
@@ -2499,7 +2503,7 @@
           <a:p>
             <a:fld id="{2BE2B735-22CE-433C-8BA6-DF0B28588E1F}" type="datetime1">
               <a:rPr lang="fr-FR" smtClean="0"/>
-              <a:t>04/06/2024</a:t>
+              <a:t>28/09/2025</a:t>
             </a:fld>
             <a:endParaRPr lang="fr-FR"/>
           </a:p>
@@ -2673,7 +2677,7 @@
           <a:p>
             <a:fld id="{5B475E59-9936-4413-84C5-14169665FDED}" type="datetime1">
               <a:rPr lang="fr-FR" smtClean="0"/>
-              <a:t>04/06/2024</a:t>
+              <a:t>28/09/2025</a:t>
             </a:fld>
             <a:endParaRPr lang="fr-FR"/>
           </a:p>
@@ -3030,7 +3034,7 @@
           <a:p>
             <a:fld id="{42662320-E9E6-45B0-8B93-5727AA5FFC46}" type="datetime1">
               <a:rPr lang="fr-FR" smtClean="0"/>
-              <a:t>04/06/2024</a:t>
+              <a:t>28/09/2025</a:t>
             </a:fld>
             <a:endParaRPr lang="fr-FR"/>
           </a:p>
@@ -3415,7 +3419,7 @@
           <a:p>
             <a:fld id="{9A545382-D50F-43E8-AFFD-788FD552C87C}" type="datetime1">
               <a:rPr lang="fr-FR" smtClean="0"/>
-              <a:t>04/06/2024</a:t>
+              <a:t>28/09/2025</a:t>
             </a:fld>
             <a:endParaRPr lang="fr-FR"/>
           </a:p>
@@ -3705,7 +3709,7 @@
           <a:p>
             <a:fld id="{4F030BD8-D1C7-406A-AB04-4944ABBF0A3E}" type="datetime1">
               <a:rPr lang="fr-FR" smtClean="0"/>
-              <a:t>04/06/2024</a:t>
+              <a:t>28/09/2025</a:t>
             </a:fld>
             <a:endParaRPr lang="fr-FR" dirty="0"/>
           </a:p>
@@ -4328,6 +4332,3018 @@
     <p:extLst>
       <p:ext uri="{BB962C8B-B14F-4D97-AF65-F5344CB8AC3E}">
         <p14:creationId xmlns:p14="http://schemas.microsoft.com/office/powerpoint/2010/main" val="3289843452"/>
+      </p:ext>
+    </p:extLst>
+  </p:cSld>
+  <p:clrMapOvr>
+    <a:masterClrMapping/>
+  </p:clrMapOvr>
+</p:sld>
+</file>
+
+<file path=ppt/slides/slide10.xml><?xml version="1.0" encoding="utf-8"?>
+<p:sld xmlns:a="http://schemas.openxmlformats.org/drawingml/2006/main" xmlns:r="http://schemas.openxmlformats.org/officeDocument/2006/relationships" xmlns:p="http://schemas.openxmlformats.org/presentationml/2006/main">
+  <p:cSld>
+    <p:spTree>
+      <p:nvGrpSpPr>
+        <p:cNvPr id="1" name=""/>
+        <p:cNvGrpSpPr/>
+        <p:nvPr/>
+      </p:nvGrpSpPr>
+      <p:grpSpPr>
+        <a:xfrm>
+          <a:off x="0" y="0"/>
+          <a:ext cx="0" cy="0"/>
+          <a:chOff x="0" y="0"/>
+          <a:chExt cx="0" cy="0"/>
+        </a:xfrm>
+      </p:grpSpPr>
+      <p:sp>
+        <p:nvSpPr>
+          <p:cNvPr id="2" name="Titre 1">
+            <a:extLst>
+              <a:ext uri="{FF2B5EF4-FFF2-40B4-BE49-F238E27FC236}">
+                <a16:creationId xmlns:a16="http://schemas.microsoft.com/office/drawing/2014/main" id="{EB7243B4-CC39-1301-52A1-2149B42127D8}"/>
+              </a:ext>
+            </a:extLst>
+          </p:cNvPr>
+          <p:cNvSpPr>
+            <a:spLocks noGrp="1"/>
+          </p:cNvSpPr>
+          <p:nvPr>
+            <p:ph type="title"/>
+          </p:nvPr>
+        </p:nvSpPr>
+        <p:spPr/>
+        <p:txBody>
+          <a:bodyPr/>
+          <a:lstStyle/>
+          <a:p>
+            <a:endParaRPr lang="fr-FR"/>
+          </a:p>
+        </p:txBody>
+      </p:sp>
+      <p:sp>
+        <p:nvSpPr>
+          <p:cNvPr id="3" name="Espace réservé du contenu 2">
+            <a:extLst>
+              <a:ext uri="{FF2B5EF4-FFF2-40B4-BE49-F238E27FC236}">
+                <a16:creationId xmlns:a16="http://schemas.microsoft.com/office/drawing/2014/main" id="{297ABC0D-BF0D-63ED-CAC2-96EF7E88A4E6}"/>
+              </a:ext>
+            </a:extLst>
+          </p:cNvPr>
+          <p:cNvSpPr>
+            <a:spLocks noGrp="1"/>
+          </p:cNvSpPr>
+          <p:nvPr>
+            <p:ph idx="1"/>
+          </p:nvPr>
+        </p:nvSpPr>
+        <p:spPr/>
+        <p:txBody>
+          <a:bodyPr/>
+          <a:lstStyle/>
+          <a:p>
+            <a:endParaRPr lang="fr-FR"/>
+          </a:p>
+        </p:txBody>
+      </p:sp>
+      <p:sp>
+        <p:nvSpPr>
+          <p:cNvPr id="4" name="Espace réservé du numéro de diapositive 3">
+            <a:extLst>
+              <a:ext uri="{FF2B5EF4-FFF2-40B4-BE49-F238E27FC236}">
+                <a16:creationId xmlns:a16="http://schemas.microsoft.com/office/drawing/2014/main" id="{7B444DE2-7991-25FB-2364-CA7C1A2BF39C}"/>
+              </a:ext>
+            </a:extLst>
+          </p:cNvPr>
+          <p:cNvSpPr>
+            <a:spLocks noGrp="1"/>
+          </p:cNvSpPr>
+          <p:nvPr>
+            <p:ph type="sldNum" sz="quarter" idx="12"/>
+          </p:nvPr>
+        </p:nvSpPr>
+        <p:spPr/>
+        <p:txBody>
+          <a:bodyPr/>
+          <a:lstStyle/>
+          <a:p>
+            <a:fld id="{B7A6A38F-5C8E-497F-8761-3C4E0EEEA33A}" type="slidenum">
+              <a:rPr lang="fr-FR" smtClean="0"/>
+              <a:t>10</a:t>
+            </a:fld>
+            <a:endParaRPr lang="fr-FR"/>
+          </a:p>
+        </p:txBody>
+      </p:sp>
+    </p:spTree>
+    <p:extLst>
+      <p:ext uri="{BB962C8B-B14F-4D97-AF65-F5344CB8AC3E}">
+        <p14:creationId xmlns:p14="http://schemas.microsoft.com/office/powerpoint/2010/main" val="1161145864"/>
+      </p:ext>
+    </p:extLst>
+  </p:cSld>
+  <p:clrMapOvr>
+    <a:masterClrMapping/>
+  </p:clrMapOvr>
+</p:sld>
+</file>
+
+<file path=ppt/slides/slide11.xml><?xml version="1.0" encoding="utf-8"?>
+<p:sld xmlns:a="http://schemas.openxmlformats.org/drawingml/2006/main" xmlns:r="http://schemas.openxmlformats.org/officeDocument/2006/relationships" xmlns:p="http://schemas.openxmlformats.org/presentationml/2006/main">
+  <p:cSld>
+    <p:spTree>
+      <p:nvGrpSpPr>
+        <p:cNvPr id="1" name="">
+          <a:extLst>
+            <a:ext uri="{FF2B5EF4-FFF2-40B4-BE49-F238E27FC236}">
+              <a16:creationId xmlns:a16="http://schemas.microsoft.com/office/drawing/2014/main" id="{344F938B-9A48-C326-1519-01D19CCAD45B}"/>
+            </a:ext>
+          </a:extLst>
+        </p:cNvPr>
+        <p:cNvGrpSpPr/>
+        <p:nvPr/>
+      </p:nvGrpSpPr>
+      <p:grpSpPr>
+        <a:xfrm>
+          <a:off x="0" y="0"/>
+          <a:ext cx="0" cy="0"/>
+          <a:chOff x="0" y="0"/>
+          <a:chExt cx="0" cy="0"/>
+        </a:xfrm>
+      </p:grpSpPr>
+      <p:sp>
+        <p:nvSpPr>
+          <p:cNvPr id="5" name="Titre 4">
+            <a:extLst>
+              <a:ext uri="{FF2B5EF4-FFF2-40B4-BE49-F238E27FC236}">
+                <a16:creationId xmlns:a16="http://schemas.microsoft.com/office/drawing/2014/main" id="{BA713942-27E7-2EAB-5571-1F58E51FB448}"/>
+              </a:ext>
+            </a:extLst>
+          </p:cNvPr>
+          <p:cNvSpPr>
+            <a:spLocks noGrp="1"/>
+          </p:cNvSpPr>
+          <p:nvPr>
+            <p:ph type="title"/>
+          </p:nvPr>
+        </p:nvSpPr>
+        <p:spPr/>
+        <p:txBody>
+          <a:bodyPr/>
+          <a:lstStyle/>
+          <a:p>
+            <a:r>
+              <a:rPr lang="fr-FR" dirty="0"/>
+              <a:t>4 – Résolution cinématique</a:t>
+            </a:r>
+          </a:p>
+        </p:txBody>
+      </p:sp>
+      <p:sp>
+        <p:nvSpPr>
+          <p:cNvPr id="6" name="Espace réservé du texte 5">
+            <a:extLst>
+              <a:ext uri="{FF2B5EF4-FFF2-40B4-BE49-F238E27FC236}">
+                <a16:creationId xmlns:a16="http://schemas.microsoft.com/office/drawing/2014/main" id="{19881169-BE8E-9ABF-3B0A-2728402D9642}"/>
+              </a:ext>
+            </a:extLst>
+          </p:cNvPr>
+          <p:cNvSpPr>
+            <a:spLocks noGrp="1"/>
+          </p:cNvSpPr>
+          <p:nvPr>
+            <p:ph type="body" idx="1"/>
+          </p:nvPr>
+        </p:nvSpPr>
+        <p:spPr/>
+        <p:txBody>
+          <a:bodyPr/>
+          <a:lstStyle/>
+          <a:p>
+            <a:endParaRPr lang="fr-FR"/>
+          </a:p>
+        </p:txBody>
+      </p:sp>
+      <p:sp>
+        <p:nvSpPr>
+          <p:cNvPr id="4" name="Espace réservé du numéro de diapositive 3">
+            <a:extLst>
+              <a:ext uri="{FF2B5EF4-FFF2-40B4-BE49-F238E27FC236}">
+                <a16:creationId xmlns:a16="http://schemas.microsoft.com/office/drawing/2014/main" id="{4895FA3D-57F6-6B8C-AFB8-5B0D143096DA}"/>
+              </a:ext>
+            </a:extLst>
+          </p:cNvPr>
+          <p:cNvSpPr>
+            <a:spLocks noGrp="1"/>
+          </p:cNvSpPr>
+          <p:nvPr>
+            <p:ph type="sldNum" sz="quarter" idx="12"/>
+          </p:nvPr>
+        </p:nvSpPr>
+        <p:spPr/>
+        <p:txBody>
+          <a:bodyPr/>
+          <a:lstStyle/>
+          <a:p>
+            <a:fld id="{B7A6A38F-5C8E-497F-8761-3C4E0EEEA33A}" type="slidenum">
+              <a:rPr lang="fr-FR" smtClean="0"/>
+              <a:t>11</a:t>
+            </a:fld>
+            <a:endParaRPr lang="fr-FR"/>
+          </a:p>
+        </p:txBody>
+      </p:sp>
+    </p:spTree>
+    <p:extLst>
+      <p:ext uri="{BB962C8B-B14F-4D97-AF65-F5344CB8AC3E}">
+        <p14:creationId xmlns:p14="http://schemas.microsoft.com/office/powerpoint/2010/main" val="4085595627"/>
+      </p:ext>
+    </p:extLst>
+  </p:cSld>
+  <p:clrMapOvr>
+    <a:masterClrMapping/>
+  </p:clrMapOvr>
+</p:sld>
+</file>
+
+<file path=ppt/slides/slide12.xml><?xml version="1.0" encoding="utf-8"?>
+<p:sld xmlns:a="http://schemas.openxmlformats.org/drawingml/2006/main" xmlns:r="http://schemas.openxmlformats.org/officeDocument/2006/relationships" xmlns:p="http://schemas.openxmlformats.org/presentationml/2006/main">
+  <p:cSld>
+    <p:spTree>
+      <p:nvGrpSpPr>
+        <p:cNvPr id="1" name=""/>
+        <p:cNvGrpSpPr/>
+        <p:nvPr/>
+      </p:nvGrpSpPr>
+      <p:grpSpPr>
+        <a:xfrm>
+          <a:off x="0" y="0"/>
+          <a:ext cx="0" cy="0"/>
+          <a:chOff x="0" y="0"/>
+          <a:chExt cx="0" cy="0"/>
+        </a:xfrm>
+      </p:grpSpPr>
+      <p:sp>
+        <p:nvSpPr>
+          <p:cNvPr id="2" name="Titre 1">
+            <a:extLst>
+              <a:ext uri="{FF2B5EF4-FFF2-40B4-BE49-F238E27FC236}">
+                <a16:creationId xmlns:a16="http://schemas.microsoft.com/office/drawing/2014/main" id="{EC3F401F-21E8-E6CB-146D-ED46B060EC9C}"/>
+              </a:ext>
+            </a:extLst>
+          </p:cNvPr>
+          <p:cNvSpPr>
+            <a:spLocks noGrp="1"/>
+          </p:cNvSpPr>
+          <p:nvPr>
+            <p:ph type="title"/>
+          </p:nvPr>
+        </p:nvSpPr>
+        <p:spPr/>
+        <p:txBody>
+          <a:bodyPr/>
+          <a:lstStyle/>
+          <a:p>
+            <a:endParaRPr lang="fr-FR"/>
+          </a:p>
+        </p:txBody>
+      </p:sp>
+      <p:sp>
+        <p:nvSpPr>
+          <p:cNvPr id="4" name="Espace réservé du numéro de diapositive 3">
+            <a:extLst>
+              <a:ext uri="{FF2B5EF4-FFF2-40B4-BE49-F238E27FC236}">
+                <a16:creationId xmlns:a16="http://schemas.microsoft.com/office/drawing/2014/main" id="{16267A91-EA78-02FB-007B-8D639F0BEC47}"/>
+              </a:ext>
+            </a:extLst>
+          </p:cNvPr>
+          <p:cNvSpPr>
+            <a:spLocks noGrp="1"/>
+          </p:cNvSpPr>
+          <p:nvPr>
+            <p:ph type="sldNum" sz="quarter" idx="12"/>
+          </p:nvPr>
+        </p:nvSpPr>
+        <p:spPr/>
+        <p:txBody>
+          <a:bodyPr/>
+          <a:lstStyle/>
+          <a:p>
+            <a:fld id="{B7A6A38F-5C8E-497F-8761-3C4E0EEEA33A}" type="slidenum">
+              <a:rPr lang="fr-FR" smtClean="0"/>
+              <a:t>12</a:t>
+            </a:fld>
+            <a:endParaRPr lang="fr-FR"/>
+          </a:p>
+        </p:txBody>
+      </p:sp>
+      <p:grpSp>
+        <p:nvGrpSpPr>
+          <p:cNvPr id="5" name="Groupe 4">
+            <a:extLst>
+              <a:ext uri="{FF2B5EF4-FFF2-40B4-BE49-F238E27FC236}">
+                <a16:creationId xmlns:a16="http://schemas.microsoft.com/office/drawing/2014/main" id="{9597E4D1-4894-720A-A722-76E8E450D27C}"/>
+              </a:ext>
+            </a:extLst>
+          </p:cNvPr>
+          <p:cNvGrpSpPr/>
+          <p:nvPr/>
+        </p:nvGrpSpPr>
+        <p:grpSpPr>
+          <a:xfrm rot="20700000">
+            <a:off x="5905252" y="1827442"/>
+            <a:ext cx="1440160" cy="1440160"/>
+            <a:chOff x="971600" y="548680"/>
+            <a:chExt cx="1440160" cy="1440160"/>
+          </a:xfrm>
+        </p:grpSpPr>
+        <p:cxnSp>
+          <p:nvCxnSpPr>
+            <p:cNvPr id="6" name="Connecteur droit 5">
+              <a:extLst>
+                <a:ext uri="{FF2B5EF4-FFF2-40B4-BE49-F238E27FC236}">
+                  <a16:creationId xmlns:a16="http://schemas.microsoft.com/office/drawing/2014/main" id="{6737503E-623E-4C5A-82DC-7BB6C94F60CA}"/>
+                </a:ext>
+              </a:extLst>
+            </p:cNvPr>
+            <p:cNvCxnSpPr/>
+            <p:nvPr/>
+          </p:nvCxnSpPr>
+          <p:spPr>
+            <a:xfrm flipV="1">
+              <a:off x="971600" y="548680"/>
+              <a:ext cx="0" cy="1440160"/>
+            </a:xfrm>
+            <a:prstGeom prst="line">
+              <a:avLst/>
+            </a:prstGeom>
+            <a:ln w="19050">
+              <a:solidFill>
+                <a:srgbClr val="00547F"/>
+              </a:solidFill>
+              <a:tailEnd type="stealth" w="med" len="lg"/>
+            </a:ln>
+          </p:spPr>
+          <p:style>
+            <a:lnRef idx="1">
+              <a:schemeClr val="accent1"/>
+            </a:lnRef>
+            <a:fillRef idx="0">
+              <a:schemeClr val="accent1"/>
+            </a:fillRef>
+            <a:effectRef idx="0">
+              <a:schemeClr val="accent1"/>
+            </a:effectRef>
+            <a:fontRef idx="minor">
+              <a:schemeClr val="tx1"/>
+            </a:fontRef>
+          </p:style>
+        </p:cxnSp>
+        <p:cxnSp>
+          <p:nvCxnSpPr>
+            <p:cNvPr id="7" name="Connecteur droit 6">
+              <a:extLst>
+                <a:ext uri="{FF2B5EF4-FFF2-40B4-BE49-F238E27FC236}">
+                  <a16:creationId xmlns:a16="http://schemas.microsoft.com/office/drawing/2014/main" id="{8DEA9DFD-4E55-07F3-213F-DC852F42731E}"/>
+                </a:ext>
+              </a:extLst>
+            </p:cNvPr>
+            <p:cNvCxnSpPr>
+              <a:cxnSpLocks/>
+            </p:cNvCxnSpPr>
+            <p:nvPr/>
+          </p:nvCxnSpPr>
+          <p:spPr>
+            <a:xfrm rot="5400000" flipV="1">
+              <a:off x="1691680" y="1268760"/>
+              <a:ext cx="0" cy="1440160"/>
+            </a:xfrm>
+            <a:prstGeom prst="line">
+              <a:avLst/>
+            </a:prstGeom>
+            <a:ln w="19050">
+              <a:solidFill>
+                <a:srgbClr val="00547F"/>
+              </a:solidFill>
+              <a:tailEnd type="stealth" w="med" len="lg"/>
+            </a:ln>
+          </p:spPr>
+          <p:style>
+            <a:lnRef idx="1">
+              <a:schemeClr val="accent1"/>
+            </a:lnRef>
+            <a:fillRef idx="0">
+              <a:schemeClr val="accent1"/>
+            </a:fillRef>
+            <a:effectRef idx="0">
+              <a:schemeClr val="accent1"/>
+            </a:effectRef>
+            <a:fontRef idx="minor">
+              <a:schemeClr val="tx1"/>
+            </a:fontRef>
+          </p:style>
+        </p:cxnSp>
+      </p:grpSp>
+      <p:grpSp>
+        <p:nvGrpSpPr>
+          <p:cNvPr id="8" name="Groupe 7">
+            <a:extLst>
+              <a:ext uri="{FF2B5EF4-FFF2-40B4-BE49-F238E27FC236}">
+                <a16:creationId xmlns:a16="http://schemas.microsoft.com/office/drawing/2014/main" id="{2BA31FD6-915B-06A0-EC2D-03CF80280266}"/>
+              </a:ext>
+            </a:extLst>
+          </p:cNvPr>
+          <p:cNvGrpSpPr/>
+          <p:nvPr/>
+        </p:nvGrpSpPr>
+        <p:grpSpPr>
+          <a:xfrm>
+            <a:off x="6096139" y="1989277"/>
+            <a:ext cx="1440160" cy="1440160"/>
+            <a:chOff x="971600" y="548680"/>
+            <a:chExt cx="1440160" cy="1440160"/>
+          </a:xfrm>
+        </p:grpSpPr>
+        <p:cxnSp>
+          <p:nvCxnSpPr>
+            <p:cNvPr id="9" name="Connecteur droit 8">
+              <a:extLst>
+                <a:ext uri="{FF2B5EF4-FFF2-40B4-BE49-F238E27FC236}">
+                  <a16:creationId xmlns:a16="http://schemas.microsoft.com/office/drawing/2014/main" id="{ECAE08FD-B743-2CE8-7224-F281DF1E585C}"/>
+                </a:ext>
+              </a:extLst>
+            </p:cNvPr>
+            <p:cNvCxnSpPr/>
+            <p:nvPr/>
+          </p:nvCxnSpPr>
+          <p:spPr>
+            <a:xfrm flipV="1">
+              <a:off x="971600" y="548680"/>
+              <a:ext cx="0" cy="1440160"/>
+            </a:xfrm>
+            <a:prstGeom prst="line">
+              <a:avLst/>
+            </a:prstGeom>
+            <a:ln w="19050">
+              <a:solidFill>
+                <a:schemeClr val="tx1"/>
+              </a:solidFill>
+              <a:tailEnd type="stealth" w="med" len="lg"/>
+            </a:ln>
+          </p:spPr>
+          <p:style>
+            <a:lnRef idx="1">
+              <a:schemeClr val="accent1"/>
+            </a:lnRef>
+            <a:fillRef idx="0">
+              <a:schemeClr val="accent1"/>
+            </a:fillRef>
+            <a:effectRef idx="0">
+              <a:schemeClr val="accent1"/>
+            </a:effectRef>
+            <a:fontRef idx="minor">
+              <a:schemeClr val="tx1"/>
+            </a:fontRef>
+          </p:style>
+        </p:cxnSp>
+        <p:cxnSp>
+          <p:nvCxnSpPr>
+            <p:cNvPr id="10" name="Connecteur droit 9">
+              <a:extLst>
+                <a:ext uri="{FF2B5EF4-FFF2-40B4-BE49-F238E27FC236}">
+                  <a16:creationId xmlns:a16="http://schemas.microsoft.com/office/drawing/2014/main" id="{615C3BB0-B4F4-2200-BACD-F093694D922C}"/>
+                </a:ext>
+              </a:extLst>
+            </p:cNvPr>
+            <p:cNvCxnSpPr>
+              <a:cxnSpLocks/>
+            </p:cNvCxnSpPr>
+            <p:nvPr/>
+          </p:nvCxnSpPr>
+          <p:spPr>
+            <a:xfrm rot="5400000" flipV="1">
+              <a:off x="1691680" y="1268760"/>
+              <a:ext cx="0" cy="1440160"/>
+            </a:xfrm>
+            <a:prstGeom prst="line">
+              <a:avLst/>
+            </a:prstGeom>
+            <a:ln w="19050">
+              <a:solidFill>
+                <a:schemeClr val="tx1"/>
+              </a:solidFill>
+              <a:tailEnd type="stealth" w="med" len="lg"/>
+            </a:ln>
+          </p:spPr>
+          <p:style>
+            <a:lnRef idx="1">
+              <a:schemeClr val="accent1"/>
+            </a:lnRef>
+            <a:fillRef idx="0">
+              <a:schemeClr val="accent1"/>
+            </a:fillRef>
+            <a:effectRef idx="0">
+              <a:schemeClr val="accent1"/>
+            </a:effectRef>
+            <a:fontRef idx="minor">
+              <a:schemeClr val="tx1"/>
+            </a:fontRef>
+          </p:style>
+        </p:cxnSp>
+      </p:grpSp>
+      <p:sp>
+        <p:nvSpPr>
+          <p:cNvPr id="11" name="Ellipse 10">
+            <a:extLst>
+              <a:ext uri="{FF2B5EF4-FFF2-40B4-BE49-F238E27FC236}">
+                <a16:creationId xmlns:a16="http://schemas.microsoft.com/office/drawing/2014/main" id="{3FC6C6D0-141D-B5B0-8297-70DA9EBD6600}"/>
+              </a:ext>
+            </a:extLst>
+          </p:cNvPr>
+          <p:cNvSpPr/>
+          <p:nvPr/>
+        </p:nvSpPr>
+        <p:spPr>
+          <a:xfrm>
+            <a:off x="5998149" y="3310125"/>
+            <a:ext cx="216000" cy="216000"/>
+          </a:xfrm>
+          <a:prstGeom prst="ellipse">
+            <a:avLst/>
+          </a:prstGeom>
+          <a:solidFill>
+            <a:schemeClr val="bg1"/>
+          </a:solidFill>
+          <a:ln w="19050">
+            <a:solidFill>
+              <a:schemeClr val="tx1"/>
+            </a:solidFill>
+          </a:ln>
+        </p:spPr>
+        <p:style>
+          <a:lnRef idx="2">
+            <a:schemeClr val="accent1">
+              <a:shade val="50000"/>
+            </a:schemeClr>
+          </a:lnRef>
+          <a:fillRef idx="1">
+            <a:schemeClr val="accent1"/>
+          </a:fillRef>
+          <a:effectRef idx="0">
+            <a:schemeClr val="accent1"/>
+          </a:effectRef>
+          <a:fontRef idx="minor">
+            <a:schemeClr val="lt1"/>
+          </a:fontRef>
+        </p:style>
+        <p:txBody>
+          <a:bodyPr rtlCol="0" anchor="ctr"/>
+          <a:lstStyle/>
+          <a:p>
+            <a:pPr algn="ctr"/>
+            <a:endParaRPr lang="fr-FR"/>
+          </a:p>
+        </p:txBody>
+      </p:sp>
+      <p:sp>
+        <p:nvSpPr>
+          <p:cNvPr id="12" name="Ellipse 11">
+            <a:extLst>
+              <a:ext uri="{FF2B5EF4-FFF2-40B4-BE49-F238E27FC236}">
+                <a16:creationId xmlns:a16="http://schemas.microsoft.com/office/drawing/2014/main" id="{1DBD1FC1-CEDB-3BEC-9C13-03D43B79E9C2}"/>
+              </a:ext>
+            </a:extLst>
+          </p:cNvPr>
+          <p:cNvSpPr/>
+          <p:nvPr/>
+        </p:nvSpPr>
+        <p:spPr>
+          <a:xfrm>
+            <a:off x="6070149" y="3382125"/>
+            <a:ext cx="72000" cy="72000"/>
+          </a:xfrm>
+          <a:prstGeom prst="ellipse">
+            <a:avLst/>
+          </a:prstGeom>
+          <a:solidFill>
+            <a:schemeClr val="tx1"/>
+          </a:solidFill>
+          <a:ln w="19050">
+            <a:solidFill>
+              <a:schemeClr val="tx1"/>
+            </a:solidFill>
+          </a:ln>
+        </p:spPr>
+        <p:style>
+          <a:lnRef idx="2">
+            <a:schemeClr val="accent1">
+              <a:shade val="50000"/>
+            </a:schemeClr>
+          </a:lnRef>
+          <a:fillRef idx="1">
+            <a:schemeClr val="accent1"/>
+          </a:fillRef>
+          <a:effectRef idx="0">
+            <a:schemeClr val="accent1"/>
+          </a:effectRef>
+          <a:fontRef idx="minor">
+            <a:schemeClr val="lt1"/>
+          </a:fontRef>
+        </p:style>
+        <p:txBody>
+          <a:bodyPr rtlCol="0" anchor="ctr"/>
+          <a:lstStyle/>
+          <a:p>
+            <a:pPr algn="ctr"/>
+            <a:endParaRPr lang="fr-FR"/>
+          </a:p>
+        </p:txBody>
+      </p:sp>
+      <p:sp>
+        <p:nvSpPr>
+          <p:cNvPr id="13" name="Arc 12">
+            <a:extLst>
+              <a:ext uri="{FF2B5EF4-FFF2-40B4-BE49-F238E27FC236}">
+                <a16:creationId xmlns:a16="http://schemas.microsoft.com/office/drawing/2014/main" id="{6E8C445C-9112-F736-6C64-32F0D2A9F74F}"/>
+              </a:ext>
+            </a:extLst>
+          </p:cNvPr>
+          <p:cNvSpPr/>
+          <p:nvPr/>
+        </p:nvSpPr>
+        <p:spPr>
+          <a:xfrm>
+            <a:off x="4944009" y="2277309"/>
+            <a:ext cx="2304258" cy="2304258"/>
+          </a:xfrm>
+          <a:prstGeom prst="arc">
+            <a:avLst>
+              <a:gd name="adj1" fmla="val 20716967"/>
+              <a:gd name="adj2" fmla="val 0"/>
+            </a:avLst>
+          </a:prstGeom>
+          <a:ln>
+            <a:solidFill>
+              <a:srgbClr val="00547F"/>
+            </a:solidFill>
+            <a:headEnd type="stealth" w="med" len="lg"/>
+          </a:ln>
+        </p:spPr>
+        <p:style>
+          <a:lnRef idx="1">
+            <a:schemeClr val="accent1"/>
+          </a:lnRef>
+          <a:fillRef idx="0">
+            <a:schemeClr val="accent1"/>
+          </a:fillRef>
+          <a:effectRef idx="0">
+            <a:schemeClr val="accent1"/>
+          </a:effectRef>
+          <a:fontRef idx="minor">
+            <a:schemeClr val="tx1"/>
+          </a:fontRef>
+        </p:style>
+        <p:txBody>
+          <a:bodyPr rtlCol="0" anchor="ctr"/>
+          <a:lstStyle/>
+          <a:p>
+            <a:pPr algn="ctr"/>
+            <a:endParaRPr lang="fr-FR"/>
+          </a:p>
+        </p:txBody>
+      </p:sp>
+      <mc:AlternateContent xmlns:mc="http://schemas.openxmlformats.org/markup-compatibility/2006" xmlns:a14="http://schemas.microsoft.com/office/drawing/2010/main">
+        <mc:Choice Requires="a14">
+          <p:sp>
+            <p:nvSpPr>
+              <p:cNvPr id="14" name="ZoneTexte 13">
+                <a:extLst>
+                  <a:ext uri="{FF2B5EF4-FFF2-40B4-BE49-F238E27FC236}">
+                    <a16:creationId xmlns:a16="http://schemas.microsoft.com/office/drawing/2014/main" id="{142044F6-627E-A588-3BEE-94A05046CD48}"/>
+                  </a:ext>
+                </a:extLst>
+              </p:cNvPr>
+              <p:cNvSpPr txBox="1"/>
+              <p:nvPr/>
+            </p:nvSpPr>
+            <p:spPr>
+              <a:xfrm>
+                <a:off x="7550493" y="3306325"/>
+                <a:ext cx="207301" cy="274434"/>
+              </a:xfrm>
+              <a:prstGeom prst="rect">
+                <a:avLst/>
+              </a:prstGeom>
+              <a:noFill/>
+            </p:spPr>
+            <p:txBody>
+              <a:bodyPr wrap="none" lIns="0" tIns="0" rIns="0" bIns="0" rtlCol="0">
+                <a:spAutoFit/>
+              </a:bodyPr>
+              <a:lstStyle/>
+              <a:p>
+                <a:pPr/>
+                <a14:m>
+                  <m:oMathPara xmlns:m="http://schemas.openxmlformats.org/officeDocument/2006/math">
+                    <m:oMathParaPr>
+                      <m:jc m:val="centerGroup"/>
+                    </m:oMathParaPr>
+                    <m:oMath xmlns:m="http://schemas.openxmlformats.org/officeDocument/2006/math">
+                      <m:acc>
+                        <m:accPr>
+                          <m:chr m:val="⃗"/>
+                          <m:ctrlPr>
+                            <a:rPr lang="fr-FR" sz="1600" i="1" smtClean="0">
+                              <a:latin typeface="Cambria Math" panose="02040503050406030204" pitchFamily="18" charset="0"/>
+                            </a:rPr>
+                          </m:ctrlPr>
+                        </m:accPr>
+                        <m:e>
+                          <m:sSub>
+                            <m:sSubPr>
+                              <m:ctrlPr>
+                                <a:rPr lang="fr-FR" sz="1600" b="0" i="1" smtClean="0">
+                                  <a:latin typeface="Cambria Math" panose="02040503050406030204" pitchFamily="18" charset="0"/>
+                                </a:rPr>
+                              </m:ctrlPr>
+                            </m:sSubPr>
+                            <m:e>
+                              <m:r>
+                                <a:rPr lang="fr-FR" sz="1600" b="0" i="1" smtClean="0">
+                                  <a:latin typeface="Cambria Math" panose="02040503050406030204" pitchFamily="18" charset="0"/>
+                                </a:rPr>
+                                <m:t>𝑖</m:t>
+                              </m:r>
+                            </m:e>
+                            <m:sub>
+                              <m:r>
+                                <a:rPr lang="fr-FR" sz="1600" b="0" i="1" smtClean="0">
+                                  <a:latin typeface="Cambria Math" panose="02040503050406030204" pitchFamily="18" charset="0"/>
+                                </a:rPr>
+                                <m:t>0</m:t>
+                              </m:r>
+                            </m:sub>
+                          </m:sSub>
+                        </m:e>
+                      </m:acc>
+                    </m:oMath>
+                  </m:oMathPara>
+                </a14:m>
+                <a:endParaRPr lang="fr-FR" sz="1600" dirty="0"/>
+              </a:p>
+            </p:txBody>
+          </p:sp>
+        </mc:Choice>
+        <mc:Fallback xmlns="">
+          <p:sp>
+            <p:nvSpPr>
+              <p:cNvPr id="14" name="ZoneTexte 13">
+                <a:extLst>
+                  <a:ext uri="{FF2B5EF4-FFF2-40B4-BE49-F238E27FC236}">
+                    <a16:creationId xmlns:a16="http://schemas.microsoft.com/office/drawing/2014/main" id="{142044F6-627E-A588-3BEE-94A05046CD48}"/>
+                  </a:ext>
+                </a:extLst>
+              </p:cNvPr>
+              <p:cNvSpPr txBox="1">
+                <a:spLocks noRot="1" noChangeAspect="1" noMove="1" noResize="1" noEditPoints="1" noAdjustHandles="1" noChangeArrowheads="1" noChangeShapeType="1" noTextEdit="1"/>
+              </p:cNvSpPr>
+              <p:nvPr/>
+            </p:nvSpPr>
+            <p:spPr>
+              <a:xfrm>
+                <a:off x="7550493" y="3306325"/>
+                <a:ext cx="207301" cy="274434"/>
+              </a:xfrm>
+              <a:prstGeom prst="rect">
+                <a:avLst/>
+              </a:prstGeom>
+              <a:blipFill>
+                <a:blip r:embed="rId2"/>
+                <a:stretch>
+                  <a:fillRect l="-23529" r="-5882" b="-13333"/>
+                </a:stretch>
+              </a:blipFill>
+            </p:spPr>
+            <p:txBody>
+              <a:bodyPr/>
+              <a:lstStyle/>
+              <a:p>
+                <a:r>
+                  <a:rPr lang="fr-FR">
+                    <a:noFill/>
+                  </a:rPr>
+                  <a:t> </a:t>
+                </a:r>
+              </a:p>
+            </p:txBody>
+          </p:sp>
+        </mc:Fallback>
+      </mc:AlternateContent>
+      <mc:AlternateContent xmlns:mc="http://schemas.openxmlformats.org/markup-compatibility/2006" xmlns:a14="http://schemas.microsoft.com/office/drawing/2010/main">
+        <mc:Choice Requires="a14">
+          <p:sp>
+            <p:nvSpPr>
+              <p:cNvPr id="15" name="ZoneTexte 14">
+                <a:extLst>
+                  <a:ext uri="{FF2B5EF4-FFF2-40B4-BE49-F238E27FC236}">
+                    <a16:creationId xmlns:a16="http://schemas.microsoft.com/office/drawing/2014/main" id="{C50AACF2-1C72-3DEF-1779-3BCD83C445A6}"/>
+                  </a:ext>
+                </a:extLst>
+              </p:cNvPr>
+              <p:cNvSpPr txBox="1"/>
+              <p:nvPr/>
+            </p:nvSpPr>
+            <p:spPr>
+              <a:xfrm>
+                <a:off x="6015077" y="1721608"/>
+                <a:ext cx="208327" cy="274434"/>
+              </a:xfrm>
+              <a:prstGeom prst="rect">
+                <a:avLst/>
+              </a:prstGeom>
+              <a:noFill/>
+            </p:spPr>
+            <p:txBody>
+              <a:bodyPr wrap="none" lIns="0" tIns="0" rIns="0" bIns="0" rtlCol="0">
+                <a:spAutoFit/>
+              </a:bodyPr>
+              <a:lstStyle/>
+              <a:p>
+                <a:pPr/>
+                <a14:m>
+                  <m:oMathPara xmlns:m="http://schemas.openxmlformats.org/officeDocument/2006/math">
+                    <m:oMathParaPr>
+                      <m:jc m:val="centerGroup"/>
+                    </m:oMathParaPr>
+                    <m:oMath xmlns:m="http://schemas.openxmlformats.org/officeDocument/2006/math">
+                      <m:acc>
+                        <m:accPr>
+                          <m:chr m:val="⃗"/>
+                          <m:ctrlPr>
+                            <a:rPr lang="fr-FR" sz="1600" i="1" smtClean="0">
+                              <a:latin typeface="Cambria Math" panose="02040503050406030204" pitchFamily="18" charset="0"/>
+                            </a:rPr>
+                          </m:ctrlPr>
+                        </m:accPr>
+                        <m:e>
+                          <m:sSub>
+                            <m:sSubPr>
+                              <m:ctrlPr>
+                                <a:rPr lang="fr-FR" sz="1600" b="0" i="1" smtClean="0">
+                                  <a:latin typeface="Cambria Math" panose="02040503050406030204" pitchFamily="18" charset="0"/>
+                                </a:rPr>
+                              </m:ctrlPr>
+                            </m:sSubPr>
+                            <m:e>
+                              <m:r>
+                                <a:rPr lang="fr-FR" sz="1600" b="0" i="1" smtClean="0">
+                                  <a:latin typeface="Cambria Math" panose="02040503050406030204" pitchFamily="18" charset="0"/>
+                                </a:rPr>
+                                <m:t>𝑗</m:t>
+                              </m:r>
+                            </m:e>
+                            <m:sub>
+                              <m:r>
+                                <a:rPr lang="fr-FR" sz="1600" b="0" i="1" smtClean="0">
+                                  <a:latin typeface="Cambria Math" panose="02040503050406030204" pitchFamily="18" charset="0"/>
+                                </a:rPr>
+                                <m:t>0</m:t>
+                              </m:r>
+                            </m:sub>
+                          </m:sSub>
+                        </m:e>
+                      </m:acc>
+                    </m:oMath>
+                  </m:oMathPara>
+                </a14:m>
+                <a:endParaRPr lang="fr-FR" sz="1600" dirty="0"/>
+              </a:p>
+            </p:txBody>
+          </p:sp>
+        </mc:Choice>
+        <mc:Fallback xmlns="">
+          <p:sp>
+            <p:nvSpPr>
+              <p:cNvPr id="15" name="ZoneTexte 14">
+                <a:extLst>
+                  <a:ext uri="{FF2B5EF4-FFF2-40B4-BE49-F238E27FC236}">
+                    <a16:creationId xmlns:a16="http://schemas.microsoft.com/office/drawing/2014/main" id="{C50AACF2-1C72-3DEF-1779-3BCD83C445A6}"/>
+                  </a:ext>
+                </a:extLst>
+              </p:cNvPr>
+              <p:cNvSpPr txBox="1">
+                <a:spLocks noRot="1" noChangeAspect="1" noMove="1" noResize="1" noEditPoints="1" noAdjustHandles="1" noChangeArrowheads="1" noChangeShapeType="1" noTextEdit="1"/>
+              </p:cNvSpPr>
+              <p:nvPr/>
+            </p:nvSpPr>
+            <p:spPr>
+              <a:xfrm>
+                <a:off x="6015077" y="1721608"/>
+                <a:ext cx="208327" cy="274434"/>
+              </a:xfrm>
+              <a:prstGeom prst="rect">
+                <a:avLst/>
+              </a:prstGeom>
+              <a:blipFill>
+                <a:blip r:embed="rId3"/>
+                <a:stretch>
+                  <a:fillRect l="-32353" r="-8824" b="-28889"/>
+                </a:stretch>
+              </a:blipFill>
+            </p:spPr>
+            <p:txBody>
+              <a:bodyPr/>
+              <a:lstStyle/>
+              <a:p>
+                <a:r>
+                  <a:rPr lang="fr-FR">
+                    <a:noFill/>
+                  </a:rPr>
+                  <a:t> </a:t>
+                </a:r>
+              </a:p>
+            </p:txBody>
+          </p:sp>
+        </mc:Fallback>
+      </mc:AlternateContent>
+      <mc:AlternateContent xmlns:mc="http://schemas.openxmlformats.org/markup-compatibility/2006" xmlns:a14="http://schemas.microsoft.com/office/drawing/2010/main">
+        <mc:Choice Requires="a14">
+          <p:sp>
+            <p:nvSpPr>
+              <p:cNvPr id="16" name="ZoneTexte 15">
+                <a:extLst>
+                  <a:ext uri="{FF2B5EF4-FFF2-40B4-BE49-F238E27FC236}">
+                    <a16:creationId xmlns:a16="http://schemas.microsoft.com/office/drawing/2014/main" id="{0FC720A2-9E99-D18B-004F-187199F2FD85}"/>
+                  </a:ext>
+                </a:extLst>
+              </p:cNvPr>
+              <p:cNvSpPr txBox="1"/>
+              <p:nvPr/>
+            </p:nvSpPr>
+            <p:spPr>
+              <a:xfrm>
+                <a:off x="6015077" y="3622813"/>
+                <a:ext cx="255391" cy="282641"/>
+              </a:xfrm>
+              <a:prstGeom prst="rect">
+                <a:avLst/>
+              </a:prstGeom>
+              <a:noFill/>
+            </p:spPr>
+            <p:txBody>
+              <a:bodyPr wrap="none" lIns="0" tIns="0" rIns="0" bIns="0" rtlCol="0">
+                <a:spAutoFit/>
+              </a:bodyPr>
+              <a:lstStyle/>
+              <a:p>
+                <a:pPr/>
+                <a14:m>
+                  <m:oMathPara xmlns:m="http://schemas.openxmlformats.org/officeDocument/2006/math">
+                    <m:oMathParaPr>
+                      <m:jc m:val="centerGroup"/>
+                    </m:oMathParaPr>
+                    <m:oMath xmlns:m="http://schemas.openxmlformats.org/officeDocument/2006/math">
+                      <m:acc>
+                        <m:accPr>
+                          <m:chr m:val="⃗"/>
+                          <m:ctrlPr>
+                            <a:rPr lang="fr-FR" sz="1600" i="1" smtClean="0">
+                              <a:latin typeface="Cambria Math" panose="02040503050406030204" pitchFamily="18" charset="0"/>
+                            </a:rPr>
+                          </m:ctrlPr>
+                        </m:accPr>
+                        <m:e>
+                          <m:sSub>
+                            <m:sSubPr>
+                              <m:ctrlPr>
+                                <a:rPr lang="fr-FR" sz="1600" b="0" i="1" smtClean="0">
+                                  <a:latin typeface="Cambria Math" panose="02040503050406030204" pitchFamily="18" charset="0"/>
+                                </a:rPr>
+                              </m:ctrlPr>
+                            </m:sSubPr>
+                            <m:e>
+                              <m:r>
+                                <a:rPr lang="fr-FR" sz="1600" b="0" i="1" smtClean="0">
+                                  <a:latin typeface="Cambria Math" panose="02040503050406030204" pitchFamily="18" charset="0"/>
+                                </a:rPr>
+                                <m:t>𝑘</m:t>
+                              </m:r>
+                            </m:e>
+                            <m:sub>
+                              <m:r>
+                                <a:rPr lang="fr-FR" sz="1600" b="0" i="1" smtClean="0">
+                                  <a:latin typeface="Cambria Math" panose="02040503050406030204" pitchFamily="18" charset="0"/>
+                                </a:rPr>
+                                <m:t>0</m:t>
+                              </m:r>
+                            </m:sub>
+                          </m:sSub>
+                        </m:e>
+                      </m:acc>
+                    </m:oMath>
+                  </m:oMathPara>
+                </a14:m>
+                <a:endParaRPr lang="fr-FR" sz="1600" dirty="0"/>
+              </a:p>
+            </p:txBody>
+          </p:sp>
+        </mc:Choice>
+        <mc:Fallback xmlns="">
+          <p:sp>
+            <p:nvSpPr>
+              <p:cNvPr id="16" name="ZoneTexte 15">
+                <a:extLst>
+                  <a:ext uri="{FF2B5EF4-FFF2-40B4-BE49-F238E27FC236}">
+                    <a16:creationId xmlns:a16="http://schemas.microsoft.com/office/drawing/2014/main" id="{0FC720A2-9E99-D18B-004F-187199F2FD85}"/>
+                  </a:ext>
+                </a:extLst>
+              </p:cNvPr>
+              <p:cNvSpPr txBox="1">
+                <a:spLocks noRot="1" noChangeAspect="1" noMove="1" noResize="1" noEditPoints="1" noAdjustHandles="1" noChangeArrowheads="1" noChangeShapeType="1" noTextEdit="1"/>
+              </p:cNvSpPr>
+              <p:nvPr/>
+            </p:nvSpPr>
+            <p:spPr>
+              <a:xfrm>
+                <a:off x="6015077" y="3622813"/>
+                <a:ext cx="255391" cy="282641"/>
+              </a:xfrm>
+              <a:prstGeom prst="rect">
+                <a:avLst/>
+              </a:prstGeom>
+              <a:blipFill>
+                <a:blip r:embed="rId4"/>
+                <a:stretch>
+                  <a:fillRect l="-19048" r="-4762" b="-10638"/>
+                </a:stretch>
+              </a:blipFill>
+            </p:spPr>
+            <p:txBody>
+              <a:bodyPr/>
+              <a:lstStyle/>
+              <a:p>
+                <a:r>
+                  <a:rPr lang="fr-FR">
+                    <a:noFill/>
+                  </a:rPr>
+                  <a:t> </a:t>
+                </a:r>
+              </a:p>
+            </p:txBody>
+          </p:sp>
+        </mc:Fallback>
+      </mc:AlternateContent>
+      <mc:AlternateContent xmlns:mc="http://schemas.openxmlformats.org/markup-compatibility/2006" xmlns:a14="http://schemas.microsoft.com/office/drawing/2010/main">
+        <mc:Choice Requires="a14">
+          <p:sp>
+            <p:nvSpPr>
+              <p:cNvPr id="17" name="ZoneTexte 16">
+                <a:extLst>
+                  <a:ext uri="{FF2B5EF4-FFF2-40B4-BE49-F238E27FC236}">
+                    <a16:creationId xmlns:a16="http://schemas.microsoft.com/office/drawing/2014/main" id="{F573D01C-276A-989C-8961-19F79A2A26C5}"/>
+                  </a:ext>
+                </a:extLst>
+              </p:cNvPr>
+              <p:cNvSpPr txBox="1"/>
+              <p:nvPr/>
+            </p:nvSpPr>
+            <p:spPr>
+              <a:xfrm>
+                <a:off x="7270806" y="3181145"/>
+                <a:ext cx="126317" cy="184666"/>
+              </a:xfrm>
+              <a:prstGeom prst="rect">
+                <a:avLst/>
+              </a:prstGeom>
+              <a:noFill/>
+            </p:spPr>
+            <p:txBody>
+              <a:bodyPr wrap="none" lIns="0" tIns="0" rIns="0" bIns="0" rtlCol="0">
+                <a:spAutoFit/>
+              </a:bodyPr>
+              <a:lstStyle/>
+              <a:p>
+                <a:pPr/>
+                <a14:m>
+                  <m:oMathPara xmlns:m="http://schemas.openxmlformats.org/officeDocument/2006/math">
+                    <m:oMathParaPr>
+                      <m:jc m:val="centerGroup"/>
+                    </m:oMathParaPr>
+                    <m:oMath xmlns:m="http://schemas.openxmlformats.org/officeDocument/2006/math">
+                      <m:r>
+                        <a:rPr lang="fr-FR" sz="1200" i="1">
+                          <a:latin typeface="Cambria Math" panose="02040503050406030204" pitchFamily="18" charset="0"/>
+                        </a:rPr>
+                        <m:t>𝜃</m:t>
+                      </m:r>
+                    </m:oMath>
+                  </m:oMathPara>
+                </a14:m>
+                <a:endParaRPr lang="fr-FR" sz="1200" dirty="0"/>
+              </a:p>
+            </p:txBody>
+          </p:sp>
+        </mc:Choice>
+        <mc:Fallback xmlns="">
+          <p:sp>
+            <p:nvSpPr>
+              <p:cNvPr id="17" name="ZoneTexte 16">
+                <a:extLst>
+                  <a:ext uri="{FF2B5EF4-FFF2-40B4-BE49-F238E27FC236}">
+                    <a16:creationId xmlns:a16="http://schemas.microsoft.com/office/drawing/2014/main" id="{F573D01C-276A-989C-8961-19F79A2A26C5}"/>
+                  </a:ext>
+                </a:extLst>
+              </p:cNvPr>
+              <p:cNvSpPr txBox="1">
+                <a:spLocks noRot="1" noChangeAspect="1" noMove="1" noResize="1" noEditPoints="1" noAdjustHandles="1" noChangeArrowheads="1" noChangeShapeType="1" noTextEdit="1"/>
+              </p:cNvSpPr>
+              <p:nvPr/>
+            </p:nvSpPr>
+            <p:spPr>
+              <a:xfrm>
+                <a:off x="7270806" y="3181145"/>
+                <a:ext cx="126317" cy="184666"/>
+              </a:xfrm>
+              <a:prstGeom prst="rect">
+                <a:avLst/>
+              </a:prstGeom>
+              <a:blipFill>
+                <a:blip r:embed="rId5"/>
+                <a:stretch>
+                  <a:fillRect l="-30000" r="-30000" b="-6667"/>
+                </a:stretch>
+              </a:blipFill>
+            </p:spPr>
+            <p:txBody>
+              <a:bodyPr/>
+              <a:lstStyle/>
+              <a:p>
+                <a:r>
+                  <a:rPr lang="fr-FR">
+                    <a:noFill/>
+                  </a:rPr>
+                  <a:t> </a:t>
+                </a:r>
+              </a:p>
+            </p:txBody>
+          </p:sp>
+        </mc:Fallback>
+      </mc:AlternateContent>
+      <mc:AlternateContent xmlns:mc="http://schemas.openxmlformats.org/markup-compatibility/2006" xmlns:a14="http://schemas.microsoft.com/office/drawing/2010/main">
+        <mc:Choice Requires="a14">
+          <p:sp>
+            <p:nvSpPr>
+              <p:cNvPr id="18" name="ZoneTexte 17">
+                <a:extLst>
+                  <a:ext uri="{FF2B5EF4-FFF2-40B4-BE49-F238E27FC236}">
+                    <a16:creationId xmlns:a16="http://schemas.microsoft.com/office/drawing/2014/main" id="{567151A2-551A-05C5-445D-B544B9165B3B}"/>
+                  </a:ext>
+                </a:extLst>
+              </p:cNvPr>
+              <p:cNvSpPr txBox="1"/>
+              <p:nvPr/>
+            </p:nvSpPr>
+            <p:spPr>
+              <a:xfrm>
+                <a:off x="7541731" y="2898848"/>
+                <a:ext cx="202555" cy="274434"/>
+              </a:xfrm>
+              <a:prstGeom prst="rect">
+                <a:avLst/>
+              </a:prstGeom>
+              <a:noFill/>
+            </p:spPr>
+            <p:txBody>
+              <a:bodyPr wrap="none" lIns="0" tIns="0" rIns="0" bIns="0" rtlCol="0">
+                <a:spAutoFit/>
+              </a:bodyPr>
+              <a:lstStyle/>
+              <a:p>
+                <a:pPr/>
+                <a14:m>
+                  <m:oMathPara xmlns:m="http://schemas.openxmlformats.org/officeDocument/2006/math">
+                    <m:oMathParaPr>
+                      <m:jc m:val="centerGroup"/>
+                    </m:oMathParaPr>
+                    <m:oMath xmlns:m="http://schemas.openxmlformats.org/officeDocument/2006/math">
+                      <m:acc>
+                        <m:accPr>
+                          <m:chr m:val="⃗"/>
+                          <m:ctrlPr>
+                            <a:rPr lang="fr-FR" sz="1600" i="1" smtClean="0">
+                              <a:latin typeface="Cambria Math" panose="02040503050406030204" pitchFamily="18" charset="0"/>
+                            </a:rPr>
+                          </m:ctrlPr>
+                        </m:accPr>
+                        <m:e>
+                          <m:sSub>
+                            <m:sSubPr>
+                              <m:ctrlPr>
+                                <a:rPr lang="fr-FR" sz="1600" i="1">
+                                  <a:latin typeface="Cambria Math" panose="02040503050406030204" pitchFamily="18" charset="0"/>
+                                </a:rPr>
+                              </m:ctrlPr>
+                            </m:sSubPr>
+                            <m:e>
+                              <m:r>
+                                <a:rPr lang="fr-FR" sz="1600" b="0" i="1" smtClean="0">
+                                  <a:latin typeface="Cambria Math" panose="02040503050406030204" pitchFamily="18" charset="0"/>
+                                </a:rPr>
+                                <m:t>𝑖</m:t>
+                              </m:r>
+                            </m:e>
+                            <m:sub>
+                              <m:r>
+                                <a:rPr lang="fr-FR" sz="1600" i="1">
+                                  <a:latin typeface="Cambria Math" panose="02040503050406030204" pitchFamily="18" charset="0"/>
+                                </a:rPr>
+                                <m:t>1</m:t>
+                              </m:r>
+                            </m:sub>
+                          </m:sSub>
+                        </m:e>
+                      </m:acc>
+                    </m:oMath>
+                  </m:oMathPara>
+                </a14:m>
+                <a:endParaRPr lang="fr-FR" sz="1600" dirty="0"/>
+              </a:p>
+            </p:txBody>
+          </p:sp>
+        </mc:Choice>
+        <mc:Fallback xmlns="">
+          <p:sp>
+            <p:nvSpPr>
+              <p:cNvPr id="18" name="ZoneTexte 17">
+                <a:extLst>
+                  <a:ext uri="{FF2B5EF4-FFF2-40B4-BE49-F238E27FC236}">
+                    <a16:creationId xmlns:a16="http://schemas.microsoft.com/office/drawing/2014/main" id="{567151A2-551A-05C5-445D-B544B9165B3B}"/>
+                  </a:ext>
+                </a:extLst>
+              </p:cNvPr>
+              <p:cNvSpPr txBox="1">
+                <a:spLocks noRot="1" noChangeAspect="1" noMove="1" noResize="1" noEditPoints="1" noAdjustHandles="1" noChangeArrowheads="1" noChangeShapeType="1" noTextEdit="1"/>
+              </p:cNvSpPr>
+              <p:nvPr/>
+            </p:nvSpPr>
+            <p:spPr>
+              <a:xfrm>
+                <a:off x="7541731" y="2898848"/>
+                <a:ext cx="202555" cy="274434"/>
+              </a:xfrm>
+              <a:prstGeom prst="rect">
+                <a:avLst/>
+              </a:prstGeom>
+              <a:blipFill>
+                <a:blip r:embed="rId6"/>
+                <a:stretch>
+                  <a:fillRect l="-21212" r="-6061" b="-13333"/>
+                </a:stretch>
+              </a:blipFill>
+            </p:spPr>
+            <p:txBody>
+              <a:bodyPr/>
+              <a:lstStyle/>
+              <a:p>
+                <a:r>
+                  <a:rPr lang="fr-FR">
+                    <a:noFill/>
+                  </a:rPr>
+                  <a:t> </a:t>
+                </a:r>
+              </a:p>
+            </p:txBody>
+          </p:sp>
+        </mc:Fallback>
+      </mc:AlternateContent>
+      <mc:AlternateContent xmlns:mc="http://schemas.openxmlformats.org/markup-compatibility/2006" xmlns:a14="http://schemas.microsoft.com/office/drawing/2010/main">
+        <mc:Choice Requires="a14">
+          <p:sp>
+            <p:nvSpPr>
+              <p:cNvPr id="19" name="ZoneTexte 18">
+                <a:extLst>
+                  <a:ext uri="{FF2B5EF4-FFF2-40B4-BE49-F238E27FC236}">
+                    <a16:creationId xmlns:a16="http://schemas.microsoft.com/office/drawing/2014/main" id="{3F4D728A-9646-06EE-62A0-58375971ACB1}"/>
+                  </a:ext>
+                </a:extLst>
+              </p:cNvPr>
+              <p:cNvSpPr txBox="1"/>
+              <p:nvPr/>
+            </p:nvSpPr>
+            <p:spPr>
+              <a:xfrm>
+                <a:off x="5661055" y="1721608"/>
+                <a:ext cx="203581" cy="274434"/>
+              </a:xfrm>
+              <a:prstGeom prst="rect">
+                <a:avLst/>
+              </a:prstGeom>
+              <a:noFill/>
+            </p:spPr>
+            <p:txBody>
+              <a:bodyPr wrap="none" lIns="0" tIns="0" rIns="0" bIns="0" rtlCol="0">
+                <a:spAutoFit/>
+              </a:bodyPr>
+              <a:lstStyle/>
+              <a:p>
+                <a:pPr/>
+                <a14:m>
+                  <m:oMathPara xmlns:m="http://schemas.openxmlformats.org/officeDocument/2006/math">
+                    <m:oMathParaPr>
+                      <m:jc m:val="centerGroup"/>
+                    </m:oMathParaPr>
+                    <m:oMath xmlns:m="http://schemas.openxmlformats.org/officeDocument/2006/math">
+                      <m:acc>
+                        <m:accPr>
+                          <m:chr m:val="⃗"/>
+                          <m:ctrlPr>
+                            <a:rPr lang="fr-FR" sz="1600" i="1" smtClean="0">
+                              <a:latin typeface="Cambria Math" panose="02040503050406030204" pitchFamily="18" charset="0"/>
+                            </a:rPr>
+                          </m:ctrlPr>
+                        </m:accPr>
+                        <m:e>
+                          <m:sSub>
+                            <m:sSubPr>
+                              <m:ctrlPr>
+                                <a:rPr lang="fr-FR" sz="1600" i="1">
+                                  <a:latin typeface="Cambria Math" panose="02040503050406030204" pitchFamily="18" charset="0"/>
+                                </a:rPr>
+                              </m:ctrlPr>
+                            </m:sSubPr>
+                            <m:e>
+                              <m:r>
+                                <a:rPr lang="fr-FR" sz="1600" b="0" i="1" smtClean="0">
+                                  <a:latin typeface="Cambria Math" panose="02040503050406030204" pitchFamily="18" charset="0"/>
+                                </a:rPr>
+                                <m:t>𝑗</m:t>
+                              </m:r>
+                            </m:e>
+                            <m:sub>
+                              <m:r>
+                                <a:rPr lang="fr-FR" sz="1600" i="1">
+                                  <a:latin typeface="Cambria Math" panose="02040503050406030204" pitchFamily="18" charset="0"/>
+                                </a:rPr>
+                                <m:t>1</m:t>
+                              </m:r>
+                            </m:sub>
+                          </m:sSub>
+                        </m:e>
+                      </m:acc>
+                    </m:oMath>
+                  </m:oMathPara>
+                </a14:m>
+                <a:endParaRPr lang="fr-FR" sz="1600" dirty="0"/>
+              </a:p>
+            </p:txBody>
+          </p:sp>
+        </mc:Choice>
+        <mc:Fallback xmlns="">
+          <p:sp>
+            <p:nvSpPr>
+              <p:cNvPr id="19" name="ZoneTexte 18">
+                <a:extLst>
+                  <a:ext uri="{FF2B5EF4-FFF2-40B4-BE49-F238E27FC236}">
+                    <a16:creationId xmlns:a16="http://schemas.microsoft.com/office/drawing/2014/main" id="{3F4D728A-9646-06EE-62A0-58375971ACB1}"/>
+                  </a:ext>
+                </a:extLst>
+              </p:cNvPr>
+              <p:cNvSpPr txBox="1">
+                <a:spLocks noRot="1" noChangeAspect="1" noMove="1" noResize="1" noEditPoints="1" noAdjustHandles="1" noChangeArrowheads="1" noChangeShapeType="1" noTextEdit="1"/>
+              </p:cNvSpPr>
+              <p:nvPr/>
+            </p:nvSpPr>
+            <p:spPr>
+              <a:xfrm>
+                <a:off x="5661055" y="1721608"/>
+                <a:ext cx="203581" cy="274434"/>
+              </a:xfrm>
+              <a:prstGeom prst="rect">
+                <a:avLst/>
+              </a:prstGeom>
+              <a:blipFill>
+                <a:blip r:embed="rId7"/>
+                <a:stretch>
+                  <a:fillRect l="-33333" r="-9091" b="-28889"/>
+                </a:stretch>
+              </a:blipFill>
+            </p:spPr>
+            <p:txBody>
+              <a:bodyPr/>
+              <a:lstStyle/>
+              <a:p>
+                <a:r>
+                  <a:rPr lang="fr-FR">
+                    <a:noFill/>
+                  </a:rPr>
+                  <a:t> </a:t>
+                </a:r>
+              </a:p>
+            </p:txBody>
+          </p:sp>
+        </mc:Fallback>
+      </mc:AlternateContent>
+      <p:sp>
+        <p:nvSpPr>
+          <p:cNvPr id="20" name="Forme libre : forme 19">
+            <a:extLst>
+              <a:ext uri="{FF2B5EF4-FFF2-40B4-BE49-F238E27FC236}">
+                <a16:creationId xmlns:a16="http://schemas.microsoft.com/office/drawing/2014/main" id="{0DE24122-C031-D031-9189-16826C7198B5}"/>
+              </a:ext>
+            </a:extLst>
+          </p:cNvPr>
+          <p:cNvSpPr/>
+          <p:nvPr/>
+        </p:nvSpPr>
+        <p:spPr>
+          <a:xfrm>
+            <a:off x="2302852" y="3655813"/>
+            <a:ext cx="415449" cy="145926"/>
+          </a:xfrm>
+          <a:custGeom>
+            <a:avLst/>
+            <a:gdLst>
+              <a:gd name="connsiteX0" fmla="*/ 0 w 400050"/>
+              <a:gd name="connsiteY0" fmla="*/ 6350 h 134622"/>
+              <a:gd name="connsiteX1" fmla="*/ 63500 w 400050"/>
+              <a:gd name="connsiteY1" fmla="*/ 114300 h 134622"/>
+              <a:gd name="connsiteX2" fmla="*/ 203200 w 400050"/>
+              <a:gd name="connsiteY2" fmla="*/ 69850 h 134622"/>
+              <a:gd name="connsiteX3" fmla="*/ 304800 w 400050"/>
+              <a:gd name="connsiteY3" fmla="*/ 133350 h 134622"/>
+              <a:gd name="connsiteX4" fmla="*/ 400050 w 400050"/>
+              <a:gd name="connsiteY4" fmla="*/ 0 h 134622"/>
+            </a:gdLst>
+            <a:ahLst/>
+            <a:cxnLst>
+              <a:cxn ang="0">
+                <a:pos x="connsiteX0" y="connsiteY0"/>
+              </a:cxn>
+              <a:cxn ang="0">
+                <a:pos x="connsiteX1" y="connsiteY1"/>
+              </a:cxn>
+              <a:cxn ang="0">
+                <a:pos x="connsiteX2" y="connsiteY2"/>
+              </a:cxn>
+              <a:cxn ang="0">
+                <a:pos x="connsiteX3" y="connsiteY3"/>
+              </a:cxn>
+              <a:cxn ang="0">
+                <a:pos x="connsiteX4" y="connsiteY4"/>
+              </a:cxn>
+            </a:cxnLst>
+            <a:rect l="l" t="t" r="r" b="b"/>
+            <a:pathLst>
+              <a:path w="400050" h="134622">
+                <a:moveTo>
+                  <a:pt x="0" y="6350"/>
+                </a:moveTo>
+                <a:cubicBezTo>
+                  <a:pt x="14816" y="55033"/>
+                  <a:pt x="29633" y="103717"/>
+                  <a:pt x="63500" y="114300"/>
+                </a:cubicBezTo>
+                <a:cubicBezTo>
+                  <a:pt x="97367" y="124883"/>
+                  <a:pt x="162983" y="66675"/>
+                  <a:pt x="203200" y="69850"/>
+                </a:cubicBezTo>
+                <a:cubicBezTo>
+                  <a:pt x="243417" y="73025"/>
+                  <a:pt x="271992" y="144992"/>
+                  <a:pt x="304800" y="133350"/>
+                </a:cubicBezTo>
+                <a:cubicBezTo>
+                  <a:pt x="337608" y="121708"/>
+                  <a:pt x="368829" y="60854"/>
+                  <a:pt x="400050" y="0"/>
+                </a:cubicBezTo>
+              </a:path>
+            </a:pathLst>
+          </a:custGeom>
+          <a:solidFill>
+            <a:schemeClr val="bg1">
+              <a:lumMod val="85000"/>
+            </a:schemeClr>
+          </a:solidFill>
+          <a:ln w="19050">
+            <a:solidFill>
+              <a:schemeClr val="tx1"/>
+            </a:solidFill>
+          </a:ln>
+        </p:spPr>
+        <p:style>
+          <a:lnRef idx="2">
+            <a:schemeClr val="accent1">
+              <a:shade val="50000"/>
+            </a:schemeClr>
+          </a:lnRef>
+          <a:fillRef idx="1">
+            <a:schemeClr val="accent1"/>
+          </a:fillRef>
+          <a:effectRef idx="0">
+            <a:schemeClr val="accent1"/>
+          </a:effectRef>
+          <a:fontRef idx="minor">
+            <a:schemeClr val="lt1"/>
+          </a:fontRef>
+        </p:style>
+        <p:txBody>
+          <a:bodyPr rtlCol="0" anchor="ctr"/>
+          <a:lstStyle/>
+          <a:p>
+            <a:pPr algn="ctr"/>
+            <a:endParaRPr lang="fr-FR"/>
+          </a:p>
+        </p:txBody>
+      </p:sp>
+      <p:cxnSp>
+        <p:nvCxnSpPr>
+          <p:cNvPr id="21" name="Connecteur droit 20">
+            <a:extLst>
+              <a:ext uri="{FF2B5EF4-FFF2-40B4-BE49-F238E27FC236}">
+                <a16:creationId xmlns:a16="http://schemas.microsoft.com/office/drawing/2014/main" id="{52321BA6-0CFB-88D1-F3D5-B75DA2B77DFF}"/>
+              </a:ext>
+            </a:extLst>
+          </p:cNvPr>
+          <p:cNvCxnSpPr>
+            <a:cxnSpLocks/>
+            <a:stCxn id="43" idx="4"/>
+          </p:cNvCxnSpPr>
+          <p:nvPr/>
+        </p:nvCxnSpPr>
+        <p:spPr>
+          <a:xfrm>
+            <a:off x="2502283" y="3513708"/>
+            <a:ext cx="0" cy="142105"/>
+          </a:xfrm>
+          <a:prstGeom prst="line">
+            <a:avLst/>
+          </a:prstGeom>
+          <a:noFill/>
+          <a:ln w="28575">
+            <a:solidFill>
+              <a:schemeClr val="tx1"/>
+            </a:solidFill>
+          </a:ln>
+        </p:spPr>
+        <p:style>
+          <a:lnRef idx="2">
+            <a:schemeClr val="accent1">
+              <a:shade val="50000"/>
+            </a:schemeClr>
+          </a:lnRef>
+          <a:fillRef idx="1">
+            <a:schemeClr val="accent1"/>
+          </a:fillRef>
+          <a:effectRef idx="0">
+            <a:schemeClr val="accent1"/>
+          </a:effectRef>
+          <a:fontRef idx="minor">
+            <a:schemeClr val="lt1"/>
+          </a:fontRef>
+        </p:style>
+      </p:cxnSp>
+      <p:cxnSp>
+        <p:nvCxnSpPr>
+          <p:cNvPr id="22" name="Connecteur droit 21">
+            <a:extLst>
+              <a:ext uri="{FF2B5EF4-FFF2-40B4-BE49-F238E27FC236}">
+                <a16:creationId xmlns:a16="http://schemas.microsoft.com/office/drawing/2014/main" id="{5B51A1CC-26A4-3BC2-D639-08D9F7860894}"/>
+              </a:ext>
+            </a:extLst>
+          </p:cNvPr>
+          <p:cNvCxnSpPr>
+            <a:cxnSpLocks/>
+          </p:cNvCxnSpPr>
+          <p:nvPr/>
+        </p:nvCxnSpPr>
+        <p:spPr>
+          <a:xfrm flipH="1">
+            <a:off x="2286259" y="3659633"/>
+            <a:ext cx="432048" cy="0"/>
+          </a:xfrm>
+          <a:prstGeom prst="line">
+            <a:avLst/>
+          </a:prstGeom>
+          <a:noFill/>
+          <a:ln w="28575">
+            <a:solidFill>
+              <a:schemeClr val="tx1"/>
+            </a:solidFill>
+          </a:ln>
+        </p:spPr>
+        <p:style>
+          <a:lnRef idx="2">
+            <a:schemeClr val="accent1">
+              <a:shade val="50000"/>
+            </a:schemeClr>
+          </a:lnRef>
+          <a:fillRef idx="1">
+            <a:schemeClr val="accent1"/>
+          </a:fillRef>
+          <a:effectRef idx="0">
+            <a:schemeClr val="accent1"/>
+          </a:effectRef>
+          <a:fontRef idx="minor">
+            <a:schemeClr val="lt1"/>
+          </a:fontRef>
+        </p:style>
+      </p:cxnSp>
+      <mc:AlternateContent xmlns:mc="http://schemas.openxmlformats.org/markup-compatibility/2006" xmlns:a14="http://schemas.microsoft.com/office/drawing/2010/main">
+        <mc:Choice Requires="a14">
+          <p:sp>
+            <p:nvSpPr>
+              <p:cNvPr id="23" name="ZoneTexte 22">
+                <a:extLst>
+                  <a:ext uri="{FF2B5EF4-FFF2-40B4-BE49-F238E27FC236}">
+                    <a16:creationId xmlns:a16="http://schemas.microsoft.com/office/drawing/2014/main" id="{990B020E-E149-141F-9AE0-50EDBD37F615}"/>
+                  </a:ext>
+                </a:extLst>
+              </p:cNvPr>
+              <p:cNvSpPr txBox="1"/>
+              <p:nvPr/>
+            </p:nvSpPr>
+            <p:spPr>
+              <a:xfrm>
+                <a:off x="2270102" y="3350831"/>
+                <a:ext cx="134524" cy="184666"/>
+              </a:xfrm>
+              <a:prstGeom prst="rect">
+                <a:avLst/>
+              </a:prstGeom>
+              <a:noFill/>
+            </p:spPr>
+            <p:txBody>
+              <a:bodyPr wrap="none" lIns="0" tIns="0" rIns="0" bIns="0" rtlCol="0">
+                <a:spAutoFit/>
+              </a:bodyPr>
+              <a:lstStyle/>
+              <a:p>
+                <a:pPr/>
+                <a14:m>
+                  <m:oMathPara xmlns:m="http://schemas.openxmlformats.org/officeDocument/2006/math">
+                    <m:oMathParaPr>
+                      <m:jc m:val="centerGroup"/>
+                    </m:oMathParaPr>
+                    <m:oMath xmlns:m="http://schemas.openxmlformats.org/officeDocument/2006/math">
+                      <m:r>
+                        <a:rPr lang="fr-FR" sz="1200" i="1">
+                          <a:latin typeface="Cambria Math" panose="02040503050406030204" pitchFamily="18" charset="0"/>
+                        </a:rPr>
+                        <m:t>𝐴</m:t>
+                      </m:r>
+                    </m:oMath>
+                  </m:oMathPara>
+                </a14:m>
+                <a:endParaRPr lang="fr-FR" sz="1200" dirty="0"/>
+              </a:p>
+            </p:txBody>
+          </p:sp>
+        </mc:Choice>
+        <mc:Fallback xmlns="">
+          <p:sp>
+            <p:nvSpPr>
+              <p:cNvPr id="23" name="ZoneTexte 22">
+                <a:extLst>
+                  <a:ext uri="{FF2B5EF4-FFF2-40B4-BE49-F238E27FC236}">
+                    <a16:creationId xmlns:a16="http://schemas.microsoft.com/office/drawing/2014/main" id="{990B020E-E149-141F-9AE0-50EDBD37F615}"/>
+                  </a:ext>
+                </a:extLst>
+              </p:cNvPr>
+              <p:cNvSpPr txBox="1">
+                <a:spLocks noRot="1" noChangeAspect="1" noMove="1" noResize="1" noEditPoints="1" noAdjustHandles="1" noChangeArrowheads="1" noChangeShapeType="1" noTextEdit="1"/>
+              </p:cNvSpPr>
+              <p:nvPr/>
+            </p:nvSpPr>
+            <p:spPr>
+              <a:xfrm>
+                <a:off x="2270102" y="3350831"/>
+                <a:ext cx="134524" cy="184666"/>
+              </a:xfrm>
+              <a:prstGeom prst="rect">
+                <a:avLst/>
+              </a:prstGeom>
+              <a:blipFill>
+                <a:blip r:embed="rId8"/>
+                <a:stretch>
+                  <a:fillRect l="-27273" r="-27273" b="-6667"/>
+                </a:stretch>
+              </a:blipFill>
+            </p:spPr>
+            <p:txBody>
+              <a:bodyPr/>
+              <a:lstStyle/>
+              <a:p>
+                <a:r>
+                  <a:rPr lang="fr-FR">
+                    <a:noFill/>
+                  </a:rPr>
+                  <a:t> </a:t>
+                </a:r>
+              </a:p>
+            </p:txBody>
+          </p:sp>
+        </mc:Fallback>
+      </mc:AlternateContent>
+      <mc:AlternateContent xmlns:mc="http://schemas.openxmlformats.org/markup-compatibility/2006" xmlns:a14="http://schemas.microsoft.com/office/drawing/2010/main">
+        <mc:Choice Requires="a14">
+          <p:sp>
+            <p:nvSpPr>
+              <p:cNvPr id="24" name="ZoneTexte 23">
+                <a:extLst>
+                  <a:ext uri="{FF2B5EF4-FFF2-40B4-BE49-F238E27FC236}">
+                    <a16:creationId xmlns:a16="http://schemas.microsoft.com/office/drawing/2014/main" id="{9699DBA2-D7B6-0D2A-B87E-5F21F259A154}"/>
+                  </a:ext>
+                </a:extLst>
+              </p:cNvPr>
+              <p:cNvSpPr txBox="1"/>
+              <p:nvPr/>
+            </p:nvSpPr>
+            <p:spPr>
+              <a:xfrm>
+                <a:off x="3851106" y="2328505"/>
+                <a:ext cx="140359" cy="184666"/>
+              </a:xfrm>
+              <a:prstGeom prst="rect">
+                <a:avLst/>
+              </a:prstGeom>
+              <a:noFill/>
+            </p:spPr>
+            <p:txBody>
+              <a:bodyPr wrap="none" lIns="0" tIns="0" rIns="0" bIns="0" rtlCol="0">
+                <a:spAutoFit/>
+              </a:bodyPr>
+              <a:lstStyle/>
+              <a:p>
+                <a:pPr/>
+                <a14:m>
+                  <m:oMathPara xmlns:m="http://schemas.openxmlformats.org/officeDocument/2006/math">
+                    <m:oMathParaPr>
+                      <m:jc m:val="centerGroup"/>
+                    </m:oMathParaPr>
+                    <m:oMath xmlns:m="http://schemas.openxmlformats.org/officeDocument/2006/math">
+                      <m:r>
+                        <a:rPr lang="fr-FR" sz="1200" b="0" i="1" smtClean="0">
+                          <a:latin typeface="Cambria Math" panose="02040503050406030204" pitchFamily="18" charset="0"/>
+                        </a:rPr>
+                        <m:t>𝐵</m:t>
+                      </m:r>
+                    </m:oMath>
+                  </m:oMathPara>
+                </a14:m>
+                <a:endParaRPr lang="fr-FR" sz="1200" dirty="0"/>
+              </a:p>
+            </p:txBody>
+          </p:sp>
+        </mc:Choice>
+        <mc:Fallback xmlns="">
+          <p:sp>
+            <p:nvSpPr>
+              <p:cNvPr id="24" name="ZoneTexte 23">
+                <a:extLst>
+                  <a:ext uri="{FF2B5EF4-FFF2-40B4-BE49-F238E27FC236}">
+                    <a16:creationId xmlns:a16="http://schemas.microsoft.com/office/drawing/2014/main" id="{9699DBA2-D7B6-0D2A-B87E-5F21F259A154}"/>
+                  </a:ext>
+                </a:extLst>
+              </p:cNvPr>
+              <p:cNvSpPr txBox="1">
+                <a:spLocks noRot="1" noChangeAspect="1" noMove="1" noResize="1" noEditPoints="1" noAdjustHandles="1" noChangeArrowheads="1" noChangeShapeType="1" noTextEdit="1"/>
+              </p:cNvSpPr>
+              <p:nvPr/>
+            </p:nvSpPr>
+            <p:spPr>
+              <a:xfrm>
+                <a:off x="3851106" y="2328505"/>
+                <a:ext cx="140359" cy="184666"/>
+              </a:xfrm>
+              <a:prstGeom prst="rect">
+                <a:avLst/>
+              </a:prstGeom>
+              <a:blipFill>
+                <a:blip r:embed="rId9"/>
+                <a:stretch>
+                  <a:fillRect l="-26087" r="-21739" b="-6667"/>
+                </a:stretch>
+              </a:blipFill>
+            </p:spPr>
+            <p:txBody>
+              <a:bodyPr/>
+              <a:lstStyle/>
+              <a:p>
+                <a:r>
+                  <a:rPr lang="fr-FR">
+                    <a:noFill/>
+                  </a:rPr>
+                  <a:t> </a:t>
+                </a:r>
+              </a:p>
+            </p:txBody>
+          </p:sp>
+        </mc:Fallback>
+      </mc:AlternateContent>
+      <p:sp>
+        <p:nvSpPr>
+          <p:cNvPr id="25" name="Ellipse 24">
+            <a:extLst>
+              <a:ext uri="{FF2B5EF4-FFF2-40B4-BE49-F238E27FC236}">
+                <a16:creationId xmlns:a16="http://schemas.microsoft.com/office/drawing/2014/main" id="{08870124-3D5A-C994-1EA3-6A9D28C3E5C9}"/>
+              </a:ext>
+            </a:extLst>
+          </p:cNvPr>
+          <p:cNvSpPr/>
+          <p:nvPr/>
+        </p:nvSpPr>
+        <p:spPr>
+          <a:xfrm>
+            <a:off x="2405660" y="3805559"/>
+            <a:ext cx="180000" cy="180000"/>
+          </a:xfrm>
+          <a:prstGeom prst="ellipse">
+            <a:avLst/>
+          </a:prstGeom>
+          <a:noFill/>
+          <a:ln w="19050">
+            <a:solidFill>
+              <a:schemeClr val="tx1"/>
+            </a:solidFill>
+          </a:ln>
+        </p:spPr>
+        <p:style>
+          <a:lnRef idx="2">
+            <a:schemeClr val="accent1">
+              <a:shade val="50000"/>
+            </a:schemeClr>
+          </a:lnRef>
+          <a:fillRef idx="1">
+            <a:schemeClr val="accent1"/>
+          </a:fillRef>
+          <a:effectRef idx="0">
+            <a:schemeClr val="accent1"/>
+          </a:effectRef>
+          <a:fontRef idx="minor">
+            <a:schemeClr val="lt1"/>
+          </a:fontRef>
+        </p:style>
+        <p:txBody>
+          <a:bodyPr rtlCol="0" anchor="ctr"/>
+          <a:lstStyle/>
+          <a:p>
+            <a:pPr algn="ctr"/>
+            <a:r>
+              <a:rPr lang="fr-FR" sz="1050" b="1" dirty="0">
+                <a:solidFill>
+                  <a:schemeClr val="tx1"/>
+                </a:solidFill>
+              </a:rPr>
+              <a:t>0</a:t>
+            </a:r>
+            <a:endParaRPr lang="fr-FR" sz="1400" b="1" dirty="0">
+              <a:solidFill>
+                <a:schemeClr val="tx1"/>
+              </a:solidFill>
+            </a:endParaRPr>
+          </a:p>
+        </p:txBody>
+      </p:sp>
+      <p:sp>
+        <p:nvSpPr>
+          <p:cNvPr id="26" name="Ellipse 25">
+            <a:extLst>
+              <a:ext uri="{FF2B5EF4-FFF2-40B4-BE49-F238E27FC236}">
+                <a16:creationId xmlns:a16="http://schemas.microsoft.com/office/drawing/2014/main" id="{402B02A3-DEF2-8480-9824-258B9D626BCC}"/>
+              </a:ext>
+            </a:extLst>
+          </p:cNvPr>
+          <p:cNvSpPr/>
+          <p:nvPr/>
+        </p:nvSpPr>
+        <p:spPr>
+          <a:xfrm>
+            <a:off x="2661653" y="2786044"/>
+            <a:ext cx="180000" cy="180000"/>
+          </a:xfrm>
+          <a:prstGeom prst="ellipse">
+            <a:avLst/>
+          </a:prstGeom>
+          <a:noFill/>
+          <a:ln w="19050">
+            <a:solidFill>
+              <a:srgbClr val="00547F"/>
+            </a:solidFill>
+          </a:ln>
+        </p:spPr>
+        <p:style>
+          <a:lnRef idx="2">
+            <a:schemeClr val="accent1">
+              <a:shade val="50000"/>
+            </a:schemeClr>
+          </a:lnRef>
+          <a:fillRef idx="1">
+            <a:schemeClr val="accent1"/>
+          </a:fillRef>
+          <a:effectRef idx="0">
+            <a:schemeClr val="accent1"/>
+          </a:effectRef>
+          <a:fontRef idx="minor">
+            <a:schemeClr val="lt1"/>
+          </a:fontRef>
+        </p:style>
+        <p:txBody>
+          <a:bodyPr rtlCol="0" anchor="ctr"/>
+          <a:lstStyle/>
+          <a:p>
+            <a:pPr algn="ctr"/>
+            <a:r>
+              <a:rPr lang="fr-FR" sz="1050" b="1" dirty="0">
+                <a:solidFill>
+                  <a:srgbClr val="00547F"/>
+                </a:solidFill>
+              </a:rPr>
+              <a:t>1</a:t>
+            </a:r>
+            <a:endParaRPr lang="fr-FR" sz="1400" b="1" dirty="0">
+              <a:solidFill>
+                <a:srgbClr val="00547F"/>
+              </a:solidFill>
+            </a:endParaRPr>
+          </a:p>
+        </p:txBody>
+      </p:sp>
+      <p:grpSp>
+        <p:nvGrpSpPr>
+          <p:cNvPr id="27" name="Groupe 26">
+            <a:extLst>
+              <a:ext uri="{FF2B5EF4-FFF2-40B4-BE49-F238E27FC236}">
+                <a16:creationId xmlns:a16="http://schemas.microsoft.com/office/drawing/2014/main" id="{CE4B36B6-12AA-1046-F2F5-4EF660C54FA0}"/>
+              </a:ext>
+            </a:extLst>
+          </p:cNvPr>
+          <p:cNvGrpSpPr/>
+          <p:nvPr/>
+        </p:nvGrpSpPr>
+        <p:grpSpPr>
+          <a:xfrm>
+            <a:off x="2498607" y="1989277"/>
+            <a:ext cx="1440160" cy="1440160"/>
+            <a:chOff x="971600" y="548680"/>
+            <a:chExt cx="1440160" cy="1440160"/>
+          </a:xfrm>
+        </p:grpSpPr>
+        <p:cxnSp>
+          <p:nvCxnSpPr>
+            <p:cNvPr id="28" name="Connecteur droit 27">
+              <a:extLst>
+                <a:ext uri="{FF2B5EF4-FFF2-40B4-BE49-F238E27FC236}">
+                  <a16:creationId xmlns:a16="http://schemas.microsoft.com/office/drawing/2014/main" id="{82137E07-72D4-253A-D9E2-2A5DC2D63911}"/>
+                </a:ext>
+              </a:extLst>
+            </p:cNvPr>
+            <p:cNvCxnSpPr/>
+            <p:nvPr/>
+          </p:nvCxnSpPr>
+          <p:spPr>
+            <a:xfrm flipV="1">
+              <a:off x="971600" y="548680"/>
+              <a:ext cx="0" cy="1440160"/>
+            </a:xfrm>
+            <a:prstGeom prst="line">
+              <a:avLst/>
+            </a:prstGeom>
+            <a:ln w="12700">
+              <a:solidFill>
+                <a:schemeClr val="tx1"/>
+              </a:solidFill>
+              <a:tailEnd type="stealth" w="med" len="lg"/>
+            </a:ln>
+          </p:spPr>
+          <p:style>
+            <a:lnRef idx="1">
+              <a:schemeClr val="accent1"/>
+            </a:lnRef>
+            <a:fillRef idx="0">
+              <a:schemeClr val="accent1"/>
+            </a:fillRef>
+            <a:effectRef idx="0">
+              <a:schemeClr val="accent1"/>
+            </a:effectRef>
+            <a:fontRef idx="minor">
+              <a:schemeClr val="tx1"/>
+            </a:fontRef>
+          </p:style>
+        </p:cxnSp>
+        <p:cxnSp>
+          <p:nvCxnSpPr>
+            <p:cNvPr id="29" name="Connecteur droit 28">
+              <a:extLst>
+                <a:ext uri="{FF2B5EF4-FFF2-40B4-BE49-F238E27FC236}">
+                  <a16:creationId xmlns:a16="http://schemas.microsoft.com/office/drawing/2014/main" id="{199CD405-302B-7F44-773D-D4F4F581C5BC}"/>
+                </a:ext>
+              </a:extLst>
+            </p:cNvPr>
+            <p:cNvCxnSpPr>
+              <a:cxnSpLocks/>
+            </p:cNvCxnSpPr>
+            <p:nvPr/>
+          </p:nvCxnSpPr>
+          <p:spPr>
+            <a:xfrm rot="5400000" flipV="1">
+              <a:off x="1691680" y="1268760"/>
+              <a:ext cx="0" cy="1440160"/>
+            </a:xfrm>
+            <a:prstGeom prst="line">
+              <a:avLst/>
+            </a:prstGeom>
+            <a:ln w="12700">
+              <a:solidFill>
+                <a:schemeClr val="tx1"/>
+              </a:solidFill>
+              <a:tailEnd type="stealth" w="med" len="lg"/>
+            </a:ln>
+          </p:spPr>
+          <p:style>
+            <a:lnRef idx="1">
+              <a:schemeClr val="accent1"/>
+            </a:lnRef>
+            <a:fillRef idx="0">
+              <a:schemeClr val="accent1"/>
+            </a:fillRef>
+            <a:effectRef idx="0">
+              <a:schemeClr val="accent1"/>
+            </a:effectRef>
+            <a:fontRef idx="minor">
+              <a:schemeClr val="tx1"/>
+            </a:fontRef>
+          </p:style>
+        </p:cxnSp>
+      </p:grpSp>
+      <mc:AlternateContent xmlns:mc="http://schemas.openxmlformats.org/markup-compatibility/2006" xmlns:a14="http://schemas.microsoft.com/office/drawing/2010/main">
+        <mc:Choice Requires="a14">
+          <p:sp>
+            <p:nvSpPr>
+              <p:cNvPr id="30" name="ZoneTexte 29">
+                <a:extLst>
+                  <a:ext uri="{FF2B5EF4-FFF2-40B4-BE49-F238E27FC236}">
+                    <a16:creationId xmlns:a16="http://schemas.microsoft.com/office/drawing/2014/main" id="{619686FF-0D75-9987-E453-F6776263C614}"/>
+                  </a:ext>
+                </a:extLst>
+              </p:cNvPr>
+              <p:cNvSpPr txBox="1"/>
+              <p:nvPr/>
+            </p:nvSpPr>
+            <p:spPr>
+              <a:xfrm>
+                <a:off x="3952961" y="3306325"/>
+                <a:ext cx="207301" cy="274434"/>
+              </a:xfrm>
+              <a:prstGeom prst="rect">
+                <a:avLst/>
+              </a:prstGeom>
+              <a:noFill/>
+            </p:spPr>
+            <p:txBody>
+              <a:bodyPr wrap="none" lIns="0" tIns="0" rIns="0" bIns="0" rtlCol="0">
+                <a:spAutoFit/>
+              </a:bodyPr>
+              <a:lstStyle/>
+              <a:p>
+                <a:pPr/>
+                <a14:m>
+                  <m:oMathPara xmlns:m="http://schemas.openxmlformats.org/officeDocument/2006/math">
+                    <m:oMathParaPr>
+                      <m:jc m:val="centerGroup"/>
+                    </m:oMathParaPr>
+                    <m:oMath xmlns:m="http://schemas.openxmlformats.org/officeDocument/2006/math">
+                      <m:acc>
+                        <m:accPr>
+                          <m:chr m:val="⃗"/>
+                          <m:ctrlPr>
+                            <a:rPr lang="fr-FR" sz="1600" i="1" smtClean="0">
+                              <a:latin typeface="Cambria Math" panose="02040503050406030204" pitchFamily="18" charset="0"/>
+                            </a:rPr>
+                          </m:ctrlPr>
+                        </m:accPr>
+                        <m:e>
+                          <m:sSub>
+                            <m:sSubPr>
+                              <m:ctrlPr>
+                                <a:rPr lang="fr-FR" sz="1600" b="0" i="1" smtClean="0">
+                                  <a:latin typeface="Cambria Math" panose="02040503050406030204" pitchFamily="18" charset="0"/>
+                                </a:rPr>
+                              </m:ctrlPr>
+                            </m:sSubPr>
+                            <m:e>
+                              <m:r>
+                                <a:rPr lang="fr-FR" sz="1600" b="0" i="1" smtClean="0">
+                                  <a:latin typeface="Cambria Math" panose="02040503050406030204" pitchFamily="18" charset="0"/>
+                                </a:rPr>
+                                <m:t>𝑖</m:t>
+                              </m:r>
+                            </m:e>
+                            <m:sub>
+                              <m:r>
+                                <a:rPr lang="fr-FR" sz="1600" b="0" i="1" smtClean="0">
+                                  <a:latin typeface="Cambria Math" panose="02040503050406030204" pitchFamily="18" charset="0"/>
+                                </a:rPr>
+                                <m:t>0</m:t>
+                              </m:r>
+                            </m:sub>
+                          </m:sSub>
+                        </m:e>
+                      </m:acc>
+                    </m:oMath>
+                  </m:oMathPara>
+                </a14:m>
+                <a:endParaRPr lang="fr-FR" sz="1600" dirty="0"/>
+              </a:p>
+            </p:txBody>
+          </p:sp>
+        </mc:Choice>
+        <mc:Fallback xmlns="">
+          <p:sp>
+            <p:nvSpPr>
+              <p:cNvPr id="30" name="ZoneTexte 29">
+                <a:extLst>
+                  <a:ext uri="{FF2B5EF4-FFF2-40B4-BE49-F238E27FC236}">
+                    <a16:creationId xmlns:a16="http://schemas.microsoft.com/office/drawing/2014/main" id="{619686FF-0D75-9987-E453-F6776263C614}"/>
+                  </a:ext>
+                </a:extLst>
+              </p:cNvPr>
+              <p:cNvSpPr txBox="1">
+                <a:spLocks noRot="1" noChangeAspect="1" noMove="1" noResize="1" noEditPoints="1" noAdjustHandles="1" noChangeArrowheads="1" noChangeShapeType="1" noTextEdit="1"/>
+              </p:cNvSpPr>
+              <p:nvPr/>
+            </p:nvSpPr>
+            <p:spPr>
+              <a:xfrm>
+                <a:off x="3952961" y="3306325"/>
+                <a:ext cx="207301" cy="274434"/>
+              </a:xfrm>
+              <a:prstGeom prst="rect">
+                <a:avLst/>
+              </a:prstGeom>
+              <a:blipFill>
+                <a:blip r:embed="rId10"/>
+                <a:stretch>
+                  <a:fillRect l="-20588" r="-5882" b="-13333"/>
+                </a:stretch>
+              </a:blipFill>
+            </p:spPr>
+            <p:txBody>
+              <a:bodyPr/>
+              <a:lstStyle/>
+              <a:p>
+                <a:r>
+                  <a:rPr lang="fr-FR">
+                    <a:noFill/>
+                  </a:rPr>
+                  <a:t> </a:t>
+                </a:r>
+              </a:p>
+            </p:txBody>
+          </p:sp>
+        </mc:Fallback>
+      </mc:AlternateContent>
+      <mc:AlternateContent xmlns:mc="http://schemas.openxmlformats.org/markup-compatibility/2006" xmlns:a14="http://schemas.microsoft.com/office/drawing/2010/main">
+        <mc:Choice Requires="a14">
+          <p:sp>
+            <p:nvSpPr>
+              <p:cNvPr id="31" name="ZoneTexte 30">
+                <a:extLst>
+                  <a:ext uri="{FF2B5EF4-FFF2-40B4-BE49-F238E27FC236}">
+                    <a16:creationId xmlns:a16="http://schemas.microsoft.com/office/drawing/2014/main" id="{6C141949-B89C-FC56-B0ED-79CDD66888E5}"/>
+                  </a:ext>
+                </a:extLst>
+              </p:cNvPr>
+              <p:cNvSpPr txBox="1"/>
+              <p:nvPr/>
+            </p:nvSpPr>
+            <p:spPr>
+              <a:xfrm>
+                <a:off x="2417545" y="1721608"/>
+                <a:ext cx="208327" cy="274434"/>
+              </a:xfrm>
+              <a:prstGeom prst="rect">
+                <a:avLst/>
+              </a:prstGeom>
+              <a:noFill/>
+            </p:spPr>
+            <p:txBody>
+              <a:bodyPr wrap="none" lIns="0" tIns="0" rIns="0" bIns="0" rtlCol="0">
+                <a:spAutoFit/>
+              </a:bodyPr>
+              <a:lstStyle/>
+              <a:p>
+                <a:pPr/>
+                <a14:m>
+                  <m:oMathPara xmlns:m="http://schemas.openxmlformats.org/officeDocument/2006/math">
+                    <m:oMathParaPr>
+                      <m:jc m:val="centerGroup"/>
+                    </m:oMathParaPr>
+                    <m:oMath xmlns:m="http://schemas.openxmlformats.org/officeDocument/2006/math">
+                      <m:acc>
+                        <m:accPr>
+                          <m:chr m:val="⃗"/>
+                          <m:ctrlPr>
+                            <a:rPr lang="fr-FR" sz="1600" i="1" smtClean="0">
+                              <a:latin typeface="Cambria Math" panose="02040503050406030204" pitchFamily="18" charset="0"/>
+                            </a:rPr>
+                          </m:ctrlPr>
+                        </m:accPr>
+                        <m:e>
+                          <m:sSub>
+                            <m:sSubPr>
+                              <m:ctrlPr>
+                                <a:rPr lang="fr-FR" sz="1600" b="0" i="1" smtClean="0">
+                                  <a:latin typeface="Cambria Math" panose="02040503050406030204" pitchFamily="18" charset="0"/>
+                                </a:rPr>
+                              </m:ctrlPr>
+                            </m:sSubPr>
+                            <m:e>
+                              <m:r>
+                                <a:rPr lang="fr-FR" sz="1600" b="0" i="1" smtClean="0">
+                                  <a:latin typeface="Cambria Math" panose="02040503050406030204" pitchFamily="18" charset="0"/>
+                                </a:rPr>
+                                <m:t>𝑗</m:t>
+                              </m:r>
+                            </m:e>
+                            <m:sub>
+                              <m:r>
+                                <a:rPr lang="fr-FR" sz="1600" b="0" i="1" smtClean="0">
+                                  <a:latin typeface="Cambria Math" panose="02040503050406030204" pitchFamily="18" charset="0"/>
+                                </a:rPr>
+                                <m:t>0</m:t>
+                              </m:r>
+                            </m:sub>
+                          </m:sSub>
+                        </m:e>
+                      </m:acc>
+                    </m:oMath>
+                  </m:oMathPara>
+                </a14:m>
+                <a:endParaRPr lang="fr-FR" sz="1600" dirty="0"/>
+              </a:p>
+            </p:txBody>
+          </p:sp>
+        </mc:Choice>
+        <mc:Fallback xmlns="">
+          <p:sp>
+            <p:nvSpPr>
+              <p:cNvPr id="31" name="ZoneTexte 30">
+                <a:extLst>
+                  <a:ext uri="{FF2B5EF4-FFF2-40B4-BE49-F238E27FC236}">
+                    <a16:creationId xmlns:a16="http://schemas.microsoft.com/office/drawing/2014/main" id="{6C141949-B89C-FC56-B0ED-79CDD66888E5}"/>
+                  </a:ext>
+                </a:extLst>
+              </p:cNvPr>
+              <p:cNvSpPr txBox="1">
+                <a:spLocks noRot="1" noChangeAspect="1" noMove="1" noResize="1" noEditPoints="1" noAdjustHandles="1" noChangeArrowheads="1" noChangeShapeType="1" noTextEdit="1"/>
+              </p:cNvSpPr>
+              <p:nvPr/>
+            </p:nvSpPr>
+            <p:spPr>
+              <a:xfrm>
+                <a:off x="2417545" y="1721608"/>
+                <a:ext cx="208327" cy="274434"/>
+              </a:xfrm>
+              <a:prstGeom prst="rect">
+                <a:avLst/>
+              </a:prstGeom>
+              <a:blipFill>
+                <a:blip r:embed="rId11"/>
+                <a:stretch>
+                  <a:fillRect l="-32353" r="-8824" b="-28889"/>
+                </a:stretch>
+              </a:blipFill>
+            </p:spPr>
+            <p:txBody>
+              <a:bodyPr/>
+              <a:lstStyle/>
+              <a:p>
+                <a:r>
+                  <a:rPr lang="fr-FR">
+                    <a:noFill/>
+                  </a:rPr>
+                  <a:t> </a:t>
+                </a:r>
+              </a:p>
+            </p:txBody>
+          </p:sp>
+        </mc:Fallback>
+      </mc:AlternateContent>
+      <mc:AlternateContent xmlns:mc="http://schemas.openxmlformats.org/markup-compatibility/2006" xmlns:a14="http://schemas.microsoft.com/office/drawing/2010/main">
+        <mc:Choice Requires="a14">
+          <p:sp>
+            <p:nvSpPr>
+              <p:cNvPr id="32" name="ZoneTexte 31">
+                <a:extLst>
+                  <a:ext uri="{FF2B5EF4-FFF2-40B4-BE49-F238E27FC236}">
+                    <a16:creationId xmlns:a16="http://schemas.microsoft.com/office/drawing/2014/main" id="{020CFC53-95D7-D937-C9D5-038C1C1E6D5B}"/>
+                  </a:ext>
+                </a:extLst>
+              </p:cNvPr>
+              <p:cNvSpPr txBox="1"/>
+              <p:nvPr/>
+            </p:nvSpPr>
+            <p:spPr>
+              <a:xfrm>
+                <a:off x="4293216" y="1990328"/>
+                <a:ext cx="202555" cy="274434"/>
+              </a:xfrm>
+              <a:prstGeom prst="rect">
+                <a:avLst/>
+              </a:prstGeom>
+              <a:noFill/>
+            </p:spPr>
+            <p:txBody>
+              <a:bodyPr wrap="none" lIns="0" tIns="0" rIns="0" bIns="0" rtlCol="0">
+                <a:spAutoFit/>
+              </a:bodyPr>
+              <a:lstStyle/>
+              <a:p>
+                <a:pPr/>
+                <a14:m>
+                  <m:oMathPara xmlns:m="http://schemas.openxmlformats.org/officeDocument/2006/math">
+                    <m:oMathParaPr>
+                      <m:jc m:val="centerGroup"/>
+                    </m:oMathParaPr>
+                    <m:oMath xmlns:m="http://schemas.openxmlformats.org/officeDocument/2006/math">
+                      <m:acc>
+                        <m:accPr>
+                          <m:chr m:val="⃗"/>
+                          <m:ctrlPr>
+                            <a:rPr lang="fr-FR" sz="1600" i="1" smtClean="0">
+                              <a:latin typeface="Cambria Math" panose="02040503050406030204" pitchFamily="18" charset="0"/>
+                            </a:rPr>
+                          </m:ctrlPr>
+                        </m:accPr>
+                        <m:e>
+                          <m:sSub>
+                            <m:sSubPr>
+                              <m:ctrlPr>
+                                <a:rPr lang="fr-FR" sz="1600" i="1">
+                                  <a:latin typeface="Cambria Math" panose="02040503050406030204" pitchFamily="18" charset="0"/>
+                                </a:rPr>
+                              </m:ctrlPr>
+                            </m:sSubPr>
+                            <m:e>
+                              <m:r>
+                                <a:rPr lang="fr-FR" sz="1600" b="0" i="1" smtClean="0">
+                                  <a:latin typeface="Cambria Math" panose="02040503050406030204" pitchFamily="18" charset="0"/>
+                                </a:rPr>
+                                <m:t>𝑖</m:t>
+                              </m:r>
+                            </m:e>
+                            <m:sub>
+                              <m:r>
+                                <a:rPr lang="fr-FR" sz="1600" i="1">
+                                  <a:latin typeface="Cambria Math" panose="02040503050406030204" pitchFamily="18" charset="0"/>
+                                </a:rPr>
+                                <m:t>1</m:t>
+                              </m:r>
+                            </m:sub>
+                          </m:sSub>
+                        </m:e>
+                      </m:acc>
+                    </m:oMath>
+                  </m:oMathPara>
+                </a14:m>
+                <a:endParaRPr lang="fr-FR" sz="1600" dirty="0"/>
+              </a:p>
+            </p:txBody>
+          </p:sp>
+        </mc:Choice>
+        <mc:Fallback xmlns="">
+          <p:sp>
+            <p:nvSpPr>
+              <p:cNvPr id="32" name="ZoneTexte 31">
+                <a:extLst>
+                  <a:ext uri="{FF2B5EF4-FFF2-40B4-BE49-F238E27FC236}">
+                    <a16:creationId xmlns:a16="http://schemas.microsoft.com/office/drawing/2014/main" id="{020CFC53-95D7-D937-C9D5-038C1C1E6D5B}"/>
+                  </a:ext>
+                </a:extLst>
+              </p:cNvPr>
+              <p:cNvSpPr txBox="1">
+                <a:spLocks noRot="1" noChangeAspect="1" noMove="1" noResize="1" noEditPoints="1" noAdjustHandles="1" noChangeArrowheads="1" noChangeShapeType="1" noTextEdit="1"/>
+              </p:cNvSpPr>
+              <p:nvPr/>
+            </p:nvSpPr>
+            <p:spPr>
+              <a:xfrm>
+                <a:off x="4293216" y="1990328"/>
+                <a:ext cx="202555" cy="274434"/>
+              </a:xfrm>
+              <a:prstGeom prst="rect">
+                <a:avLst/>
+              </a:prstGeom>
+              <a:blipFill>
+                <a:blip r:embed="rId12"/>
+                <a:stretch>
+                  <a:fillRect l="-21212" r="-6061" b="-10870"/>
+                </a:stretch>
+              </a:blipFill>
+            </p:spPr>
+            <p:txBody>
+              <a:bodyPr/>
+              <a:lstStyle/>
+              <a:p>
+                <a:r>
+                  <a:rPr lang="fr-FR">
+                    <a:noFill/>
+                  </a:rPr>
+                  <a:t> </a:t>
+                </a:r>
+              </a:p>
+            </p:txBody>
+          </p:sp>
+        </mc:Fallback>
+      </mc:AlternateContent>
+      <p:sp>
+        <p:nvSpPr>
+          <p:cNvPr id="33" name="Ellipse 32">
+            <a:extLst>
+              <a:ext uri="{FF2B5EF4-FFF2-40B4-BE49-F238E27FC236}">
+                <a16:creationId xmlns:a16="http://schemas.microsoft.com/office/drawing/2014/main" id="{7692D48F-3EBF-AE16-D396-5D54F6F09FCC}"/>
+              </a:ext>
+            </a:extLst>
+          </p:cNvPr>
+          <p:cNvSpPr/>
+          <p:nvPr/>
+        </p:nvSpPr>
+        <p:spPr>
+          <a:xfrm>
+            <a:off x="3481457" y="2475864"/>
+            <a:ext cx="180000" cy="180000"/>
+          </a:xfrm>
+          <a:prstGeom prst="ellipse">
+            <a:avLst/>
+          </a:prstGeom>
+          <a:noFill/>
+          <a:ln w="19050">
+            <a:solidFill>
+              <a:srgbClr val="EF7268"/>
+            </a:solidFill>
+          </a:ln>
+        </p:spPr>
+        <p:style>
+          <a:lnRef idx="2">
+            <a:schemeClr val="accent1">
+              <a:shade val="50000"/>
+            </a:schemeClr>
+          </a:lnRef>
+          <a:fillRef idx="1">
+            <a:schemeClr val="accent1"/>
+          </a:fillRef>
+          <a:effectRef idx="0">
+            <a:schemeClr val="accent1"/>
+          </a:effectRef>
+          <a:fontRef idx="minor">
+            <a:schemeClr val="lt1"/>
+          </a:fontRef>
+        </p:style>
+        <p:txBody>
+          <a:bodyPr rtlCol="0" anchor="ctr"/>
+          <a:lstStyle/>
+          <a:p>
+            <a:pPr algn="ctr"/>
+            <a:r>
+              <a:rPr lang="fr-FR" sz="1050" b="1" dirty="0">
+                <a:solidFill>
+                  <a:srgbClr val="EF7268"/>
+                </a:solidFill>
+              </a:rPr>
+              <a:t>2</a:t>
+            </a:r>
+            <a:endParaRPr lang="fr-FR" sz="1400" b="1" dirty="0">
+              <a:solidFill>
+                <a:srgbClr val="EF7268"/>
+              </a:solidFill>
+            </a:endParaRPr>
+          </a:p>
+        </p:txBody>
+      </p:sp>
+      <p:cxnSp>
+        <p:nvCxnSpPr>
+          <p:cNvPr id="35" name="Connecteur droit 34">
+            <a:extLst>
+              <a:ext uri="{FF2B5EF4-FFF2-40B4-BE49-F238E27FC236}">
+                <a16:creationId xmlns:a16="http://schemas.microsoft.com/office/drawing/2014/main" id="{1AC0486C-4A61-6335-67B5-3071D0E4F27E}"/>
+              </a:ext>
+            </a:extLst>
+          </p:cNvPr>
+          <p:cNvCxnSpPr>
+            <a:cxnSpLocks/>
+          </p:cNvCxnSpPr>
+          <p:nvPr/>
+        </p:nvCxnSpPr>
+        <p:spPr>
+          <a:xfrm rot="19800000">
+            <a:off x="3606293" y="2522298"/>
+            <a:ext cx="943354" cy="9480"/>
+          </a:xfrm>
+          <a:prstGeom prst="line">
+            <a:avLst/>
+          </a:prstGeom>
+          <a:ln w="12700">
+            <a:solidFill>
+              <a:srgbClr val="00547F"/>
+            </a:solidFill>
+            <a:tailEnd type="stealth" w="med" len="lg"/>
+          </a:ln>
+        </p:spPr>
+        <p:style>
+          <a:lnRef idx="1">
+            <a:schemeClr val="accent1"/>
+          </a:lnRef>
+          <a:fillRef idx="0">
+            <a:schemeClr val="accent1"/>
+          </a:fillRef>
+          <a:effectRef idx="0">
+            <a:schemeClr val="accent1"/>
+          </a:effectRef>
+          <a:fontRef idx="minor">
+            <a:schemeClr val="tx1"/>
+          </a:fontRef>
+        </p:style>
+      </p:cxnSp>
+      <p:grpSp>
+        <p:nvGrpSpPr>
+          <p:cNvPr id="36" name="Groupe 35">
+            <a:extLst>
+              <a:ext uri="{FF2B5EF4-FFF2-40B4-BE49-F238E27FC236}">
+                <a16:creationId xmlns:a16="http://schemas.microsoft.com/office/drawing/2014/main" id="{B325EEAE-BF6E-2784-9DDC-EDF2C6E47879}"/>
+              </a:ext>
+            </a:extLst>
+          </p:cNvPr>
+          <p:cNvGrpSpPr/>
+          <p:nvPr/>
+        </p:nvGrpSpPr>
+        <p:grpSpPr>
+          <a:xfrm rot="19800000">
+            <a:off x="2402519" y="3065982"/>
+            <a:ext cx="847937" cy="162000"/>
+            <a:chOff x="2402883" y="1240730"/>
+            <a:chExt cx="847937" cy="162000"/>
+          </a:xfrm>
+        </p:grpSpPr>
+        <p:cxnSp>
+          <p:nvCxnSpPr>
+            <p:cNvPr id="40" name="Connecteur droit 39">
+              <a:extLst>
+                <a:ext uri="{FF2B5EF4-FFF2-40B4-BE49-F238E27FC236}">
+                  <a16:creationId xmlns:a16="http://schemas.microsoft.com/office/drawing/2014/main" id="{C2A70529-A1C8-E159-DCFA-141F37C52789}"/>
+                </a:ext>
+              </a:extLst>
+            </p:cNvPr>
+            <p:cNvCxnSpPr>
+              <a:cxnSpLocks/>
+              <a:endCxn id="39" idx="0"/>
+            </p:cNvCxnSpPr>
+            <p:nvPr/>
+          </p:nvCxnSpPr>
+          <p:spPr>
+            <a:xfrm>
+              <a:off x="3240700" y="1240732"/>
+              <a:ext cx="0" cy="72000"/>
+            </a:xfrm>
+            <a:prstGeom prst="line">
+              <a:avLst/>
+            </a:prstGeom>
+            <a:solidFill>
+              <a:srgbClr val="00B050"/>
+            </a:solidFill>
+            <a:ln w="28575">
+              <a:solidFill>
+                <a:srgbClr val="00547F"/>
+              </a:solidFill>
+            </a:ln>
+          </p:spPr>
+          <p:style>
+            <a:lnRef idx="2">
+              <a:schemeClr val="accent1">
+                <a:shade val="50000"/>
+              </a:schemeClr>
+            </a:lnRef>
+            <a:fillRef idx="1">
+              <a:schemeClr val="accent1"/>
+            </a:fillRef>
+            <a:effectRef idx="0">
+              <a:schemeClr val="accent1"/>
+            </a:effectRef>
+            <a:fontRef idx="minor">
+              <a:schemeClr val="lt1"/>
+            </a:fontRef>
+          </p:style>
+        </p:cxnSp>
+        <p:cxnSp>
+          <p:nvCxnSpPr>
+            <p:cNvPr id="41" name="Connecteur droit 40">
+              <a:extLst>
+                <a:ext uri="{FF2B5EF4-FFF2-40B4-BE49-F238E27FC236}">
+                  <a16:creationId xmlns:a16="http://schemas.microsoft.com/office/drawing/2014/main" id="{C837939C-BD88-EB09-BBFB-47958AB62358}"/>
+                </a:ext>
+              </a:extLst>
+            </p:cNvPr>
+            <p:cNvCxnSpPr>
+              <a:cxnSpLocks/>
+            </p:cNvCxnSpPr>
+            <p:nvPr/>
+          </p:nvCxnSpPr>
+          <p:spPr>
+            <a:xfrm>
+              <a:off x="2402883" y="1243214"/>
+              <a:ext cx="847937" cy="0"/>
+            </a:xfrm>
+            <a:prstGeom prst="line">
+              <a:avLst/>
+            </a:prstGeom>
+            <a:solidFill>
+              <a:srgbClr val="00B050"/>
+            </a:solidFill>
+            <a:ln w="28575">
+              <a:solidFill>
+                <a:srgbClr val="00547F"/>
+              </a:solidFill>
+            </a:ln>
+          </p:spPr>
+          <p:style>
+            <a:lnRef idx="2">
+              <a:schemeClr val="accent1">
+                <a:shade val="50000"/>
+              </a:schemeClr>
+            </a:lnRef>
+            <a:fillRef idx="1">
+              <a:schemeClr val="accent1"/>
+            </a:fillRef>
+            <a:effectRef idx="0">
+              <a:schemeClr val="accent1"/>
+            </a:effectRef>
+            <a:fontRef idx="minor">
+              <a:schemeClr val="lt1"/>
+            </a:fontRef>
+          </p:style>
+        </p:cxnSp>
+        <p:cxnSp>
+          <p:nvCxnSpPr>
+            <p:cNvPr id="42" name="Connecteur droit 41">
+              <a:extLst>
+                <a:ext uri="{FF2B5EF4-FFF2-40B4-BE49-F238E27FC236}">
+                  <a16:creationId xmlns:a16="http://schemas.microsoft.com/office/drawing/2014/main" id="{AB14990D-45E4-E739-336D-E3B0BF6F6F3B}"/>
+                </a:ext>
+              </a:extLst>
+            </p:cNvPr>
+            <p:cNvCxnSpPr>
+              <a:cxnSpLocks/>
+            </p:cNvCxnSpPr>
+            <p:nvPr/>
+          </p:nvCxnSpPr>
+          <p:spPr>
+            <a:xfrm>
+              <a:off x="2402883" y="1240730"/>
+              <a:ext cx="0" cy="162000"/>
+            </a:xfrm>
+            <a:prstGeom prst="line">
+              <a:avLst/>
+            </a:prstGeom>
+            <a:solidFill>
+              <a:srgbClr val="00B050"/>
+            </a:solidFill>
+            <a:ln w="28575">
+              <a:solidFill>
+                <a:srgbClr val="00547F"/>
+              </a:solidFill>
+            </a:ln>
+          </p:spPr>
+          <p:style>
+            <a:lnRef idx="2">
+              <a:schemeClr val="accent1">
+                <a:shade val="50000"/>
+              </a:schemeClr>
+            </a:lnRef>
+            <a:fillRef idx="1">
+              <a:schemeClr val="accent1"/>
+            </a:fillRef>
+            <a:effectRef idx="0">
+              <a:schemeClr val="accent1"/>
+            </a:effectRef>
+            <a:fontRef idx="minor">
+              <a:schemeClr val="lt1"/>
+            </a:fontRef>
+          </p:style>
+        </p:cxnSp>
+      </p:grpSp>
+      <p:cxnSp>
+        <p:nvCxnSpPr>
+          <p:cNvPr id="37" name="Connecteur droit 36">
+            <a:extLst>
+              <a:ext uri="{FF2B5EF4-FFF2-40B4-BE49-F238E27FC236}">
+                <a16:creationId xmlns:a16="http://schemas.microsoft.com/office/drawing/2014/main" id="{71836D76-A16C-3A91-699F-29042E105D93}"/>
+              </a:ext>
+            </a:extLst>
+          </p:cNvPr>
+          <p:cNvCxnSpPr>
+            <a:cxnSpLocks/>
+          </p:cNvCxnSpPr>
+          <p:nvPr/>
+        </p:nvCxnSpPr>
+        <p:spPr>
+          <a:xfrm rot="19800000" flipH="1">
+            <a:off x="2666156" y="2973417"/>
+            <a:ext cx="1258992" cy="0"/>
+          </a:xfrm>
+          <a:prstGeom prst="line">
+            <a:avLst/>
+          </a:prstGeom>
+          <a:solidFill>
+            <a:srgbClr val="00B050"/>
+          </a:solidFill>
+          <a:ln w="28575">
+            <a:solidFill>
+              <a:srgbClr val="EF7268"/>
+            </a:solidFill>
+          </a:ln>
+        </p:spPr>
+        <p:style>
+          <a:lnRef idx="2">
+            <a:schemeClr val="accent1">
+              <a:shade val="50000"/>
+            </a:schemeClr>
+          </a:lnRef>
+          <a:fillRef idx="1">
+            <a:schemeClr val="accent1"/>
+          </a:fillRef>
+          <a:effectRef idx="0">
+            <a:schemeClr val="accent1"/>
+          </a:effectRef>
+          <a:fontRef idx="minor">
+            <a:schemeClr val="lt1"/>
+          </a:fontRef>
+        </p:style>
+      </p:cxnSp>
+      <p:sp>
+        <p:nvSpPr>
+          <p:cNvPr id="38" name="Ellipse 37">
+            <a:extLst>
+              <a:ext uri="{FF2B5EF4-FFF2-40B4-BE49-F238E27FC236}">
+                <a16:creationId xmlns:a16="http://schemas.microsoft.com/office/drawing/2014/main" id="{0EDC5B11-36C9-F539-224E-E2B7CE4A9D15}"/>
+              </a:ext>
+            </a:extLst>
+          </p:cNvPr>
+          <p:cNvSpPr/>
+          <p:nvPr/>
+        </p:nvSpPr>
+        <p:spPr>
+          <a:xfrm rot="65633">
+            <a:off x="3815825" y="2530953"/>
+            <a:ext cx="180000" cy="180000"/>
+          </a:xfrm>
+          <a:prstGeom prst="ellipse">
+            <a:avLst/>
+          </a:prstGeom>
+          <a:solidFill>
+            <a:srgbClr val="EF7268"/>
+          </a:solidFill>
+          <a:ln w="28575">
+            <a:solidFill>
+              <a:srgbClr val="EF7268"/>
+            </a:solidFill>
+          </a:ln>
+        </p:spPr>
+        <p:style>
+          <a:lnRef idx="2">
+            <a:schemeClr val="accent1">
+              <a:shade val="50000"/>
+            </a:schemeClr>
+          </a:lnRef>
+          <a:fillRef idx="1">
+            <a:schemeClr val="accent1"/>
+          </a:fillRef>
+          <a:effectRef idx="0">
+            <a:schemeClr val="accent1"/>
+          </a:effectRef>
+          <a:fontRef idx="minor">
+            <a:schemeClr val="lt1"/>
+          </a:fontRef>
+        </p:style>
+        <p:txBody>
+          <a:bodyPr rtlCol="0" anchor="ctr"/>
+          <a:lstStyle/>
+          <a:p>
+            <a:pPr algn="ctr"/>
+            <a:endParaRPr lang="fr-FR" dirty="0"/>
+          </a:p>
+        </p:txBody>
+      </p:sp>
+      <p:sp>
+        <p:nvSpPr>
+          <p:cNvPr id="39" name="Rectangle 38">
+            <a:extLst>
+              <a:ext uri="{FF2B5EF4-FFF2-40B4-BE49-F238E27FC236}">
+                <a16:creationId xmlns:a16="http://schemas.microsoft.com/office/drawing/2014/main" id="{5F8E3BE3-EAB3-1B0F-D716-15E52217957D}"/>
+              </a:ext>
+            </a:extLst>
+          </p:cNvPr>
+          <p:cNvSpPr/>
+          <p:nvPr/>
+        </p:nvSpPr>
+        <p:spPr>
+          <a:xfrm rot="19800000">
+            <a:off x="3056268" y="2917702"/>
+            <a:ext cx="360000" cy="180000"/>
+          </a:xfrm>
+          <a:prstGeom prst="rect">
+            <a:avLst/>
+          </a:prstGeom>
+          <a:solidFill>
+            <a:schemeClr val="bg1"/>
+          </a:solidFill>
+          <a:ln w="28575">
+            <a:solidFill>
+              <a:srgbClr val="00547F"/>
+            </a:solidFill>
+          </a:ln>
+        </p:spPr>
+        <p:style>
+          <a:lnRef idx="2">
+            <a:schemeClr val="accent1">
+              <a:shade val="50000"/>
+            </a:schemeClr>
+          </a:lnRef>
+          <a:fillRef idx="1">
+            <a:schemeClr val="accent1"/>
+          </a:fillRef>
+          <a:effectRef idx="0">
+            <a:schemeClr val="accent1"/>
+          </a:effectRef>
+          <a:fontRef idx="minor">
+            <a:schemeClr val="lt1"/>
+          </a:fontRef>
+        </p:style>
+        <p:txBody>
+          <a:bodyPr rtlCol="0" anchor="ctr"/>
+          <a:lstStyle/>
+          <a:p>
+            <a:pPr algn="ctr"/>
+            <a:endParaRPr lang="fr-FR"/>
+          </a:p>
+        </p:txBody>
+      </p:sp>
+      <p:sp>
+        <p:nvSpPr>
+          <p:cNvPr id="43" name="Ellipse 42">
+            <a:extLst>
+              <a:ext uri="{FF2B5EF4-FFF2-40B4-BE49-F238E27FC236}">
+                <a16:creationId xmlns:a16="http://schemas.microsoft.com/office/drawing/2014/main" id="{2D792590-3E77-2B67-87C2-3DD1A4ED380E}"/>
+              </a:ext>
+            </a:extLst>
+          </p:cNvPr>
+          <p:cNvSpPr/>
+          <p:nvPr/>
+        </p:nvSpPr>
+        <p:spPr>
+          <a:xfrm>
+            <a:off x="2412283" y="3333708"/>
+            <a:ext cx="180000" cy="180000"/>
+          </a:xfrm>
+          <a:prstGeom prst="ellipse">
+            <a:avLst/>
+          </a:prstGeom>
+          <a:solidFill>
+            <a:schemeClr val="bg1"/>
+          </a:solidFill>
+          <a:ln w="28575">
+            <a:solidFill>
+              <a:schemeClr val="tx1"/>
+            </a:solidFill>
+          </a:ln>
+        </p:spPr>
+        <p:style>
+          <a:lnRef idx="2">
+            <a:schemeClr val="accent1">
+              <a:shade val="50000"/>
+            </a:schemeClr>
+          </a:lnRef>
+          <a:fillRef idx="1">
+            <a:schemeClr val="accent1"/>
+          </a:fillRef>
+          <a:effectRef idx="0">
+            <a:schemeClr val="accent1"/>
+          </a:effectRef>
+          <a:fontRef idx="minor">
+            <a:schemeClr val="lt1"/>
+          </a:fontRef>
+        </p:style>
+        <p:txBody>
+          <a:bodyPr rtlCol="0" anchor="ctr"/>
+          <a:lstStyle/>
+          <a:p>
+            <a:pPr algn="ctr"/>
+            <a:endParaRPr lang="fr-FR"/>
+          </a:p>
+        </p:txBody>
+      </p:sp>
+      <mc:AlternateContent xmlns:mc="http://schemas.openxmlformats.org/markup-compatibility/2006" xmlns:a14="http://schemas.microsoft.com/office/drawing/2010/main">
+        <mc:Choice Requires="a14">
+          <p:sp>
+            <p:nvSpPr>
+              <p:cNvPr id="44" name="ZoneTexte 43">
+                <a:extLst>
+                  <a:ext uri="{FF2B5EF4-FFF2-40B4-BE49-F238E27FC236}">
+                    <a16:creationId xmlns:a16="http://schemas.microsoft.com/office/drawing/2014/main" id="{41B21A59-5771-7532-7B88-0A1DCBA15383}"/>
+                  </a:ext>
+                </a:extLst>
+              </p:cNvPr>
+              <p:cNvSpPr txBox="1"/>
+              <p:nvPr/>
+            </p:nvSpPr>
+            <p:spPr>
+              <a:xfrm>
+                <a:off x="3245004" y="3171773"/>
+                <a:ext cx="133370" cy="184666"/>
+              </a:xfrm>
+              <a:prstGeom prst="rect">
+                <a:avLst/>
+              </a:prstGeom>
+              <a:noFill/>
+            </p:spPr>
+            <p:txBody>
+              <a:bodyPr wrap="none" lIns="0" tIns="0" rIns="0" bIns="0" rtlCol="0">
+                <a:spAutoFit/>
+              </a:bodyPr>
+              <a:lstStyle/>
+              <a:p>
+                <a:pPr/>
+                <a14:m>
+                  <m:oMathPara xmlns:m="http://schemas.openxmlformats.org/officeDocument/2006/math">
+                    <m:oMathParaPr>
+                      <m:jc m:val="centerGroup"/>
+                    </m:oMathParaPr>
+                    <m:oMath xmlns:m="http://schemas.openxmlformats.org/officeDocument/2006/math">
+                      <m:r>
+                        <a:rPr lang="fr-FR" sz="1200" b="0" i="1" smtClean="0">
+                          <a:latin typeface="Cambria Math" panose="02040503050406030204" pitchFamily="18" charset="0"/>
+                        </a:rPr>
+                        <m:t>𝐶</m:t>
+                      </m:r>
+                    </m:oMath>
+                  </m:oMathPara>
+                </a14:m>
+                <a:endParaRPr lang="fr-FR" sz="1200" dirty="0"/>
+              </a:p>
+            </p:txBody>
+          </p:sp>
+        </mc:Choice>
+        <mc:Fallback xmlns="">
+          <p:sp>
+            <p:nvSpPr>
+              <p:cNvPr id="44" name="ZoneTexte 43">
+                <a:extLst>
+                  <a:ext uri="{FF2B5EF4-FFF2-40B4-BE49-F238E27FC236}">
+                    <a16:creationId xmlns:a16="http://schemas.microsoft.com/office/drawing/2014/main" id="{41B21A59-5771-7532-7B88-0A1DCBA15383}"/>
+                  </a:ext>
+                </a:extLst>
+              </p:cNvPr>
+              <p:cNvSpPr txBox="1">
+                <a:spLocks noRot="1" noChangeAspect="1" noMove="1" noResize="1" noEditPoints="1" noAdjustHandles="1" noChangeArrowheads="1" noChangeShapeType="1" noTextEdit="1"/>
+              </p:cNvSpPr>
+              <p:nvPr/>
+            </p:nvSpPr>
+            <p:spPr>
+              <a:xfrm>
+                <a:off x="3245004" y="3171773"/>
+                <a:ext cx="133370" cy="184666"/>
+              </a:xfrm>
+              <a:prstGeom prst="rect">
+                <a:avLst/>
+              </a:prstGeom>
+              <a:blipFill>
+                <a:blip r:embed="rId13"/>
+                <a:stretch>
+                  <a:fillRect l="-27273" r="-22727" b="-3226"/>
+                </a:stretch>
+              </a:blipFill>
+            </p:spPr>
+            <p:txBody>
+              <a:bodyPr/>
+              <a:lstStyle/>
+              <a:p>
+                <a:r>
+                  <a:rPr lang="fr-FR">
+                    <a:noFill/>
+                  </a:rPr>
+                  <a:t> </a:t>
+                </a:r>
+              </a:p>
+            </p:txBody>
+          </p:sp>
+        </mc:Fallback>
+      </mc:AlternateContent>
+    </p:spTree>
+    <p:extLst>
+      <p:ext uri="{BB962C8B-B14F-4D97-AF65-F5344CB8AC3E}">
+        <p14:creationId xmlns:p14="http://schemas.microsoft.com/office/powerpoint/2010/main" val="2700819924"/>
       </p:ext>
     </p:extLst>
   </p:cSld>
@@ -13275,8 +16291,8 @@
           </a:fontRef>
         </p:style>
       </p:cxnSp>
-      <mc:AlternateContent xmlns:mc="http://schemas.openxmlformats.org/markup-compatibility/2006">
-        <mc:Choice xmlns:a14="http://schemas.microsoft.com/office/drawing/2010/main" Requires="a14">
+      <mc:AlternateContent xmlns:mc="http://schemas.openxmlformats.org/markup-compatibility/2006" xmlns:a14="http://schemas.microsoft.com/office/drawing/2010/main">
+        <mc:Choice Requires="a14">
           <p:sp>
             <p:nvSpPr>
               <p:cNvPr id="113" name="ZoneTexte 112">
@@ -13382,7 +16398,7 @@
             </p:txBody>
           </p:sp>
         </mc:Choice>
-        <mc:Fallback>
+        <mc:Fallback xmlns="">
           <p:sp>
             <p:nvSpPr>
               <p:cNvPr id="113" name="ZoneTexte 112">
@@ -13427,8 +16443,8 @@
           </p:sp>
         </mc:Fallback>
       </mc:AlternateContent>
-      <mc:AlternateContent xmlns:mc="http://schemas.openxmlformats.org/markup-compatibility/2006">
-        <mc:Choice xmlns:a14="http://schemas.microsoft.com/office/drawing/2010/main" Requires="a14">
+      <mc:AlternateContent xmlns:mc="http://schemas.openxmlformats.org/markup-compatibility/2006" xmlns:a14="http://schemas.microsoft.com/office/drawing/2010/main">
+        <mc:Choice Requires="a14">
           <p:sp>
             <p:nvSpPr>
               <p:cNvPr id="114" name="ZoneTexte 113">
@@ -13598,7 +16614,7 @@
             </p:txBody>
           </p:sp>
         </mc:Choice>
-        <mc:Fallback>
+        <mc:Fallback xmlns="">
           <p:sp>
             <p:nvSpPr>
               <p:cNvPr id="114" name="ZoneTexte 113">
@@ -13643,8 +16659,8 @@
           </p:sp>
         </mc:Fallback>
       </mc:AlternateContent>
-      <mc:AlternateContent xmlns:mc="http://schemas.openxmlformats.org/markup-compatibility/2006">
-        <mc:Choice xmlns:a14="http://schemas.microsoft.com/office/drawing/2010/main" Requires="a14">
+      <mc:AlternateContent xmlns:mc="http://schemas.openxmlformats.org/markup-compatibility/2006" xmlns:a14="http://schemas.microsoft.com/office/drawing/2010/main">
+        <mc:Choice Requires="a14">
           <p:sp>
             <p:nvSpPr>
               <p:cNvPr id="115" name="ZoneTexte 114">
@@ -13926,7 +16942,7 @@
             </p:txBody>
           </p:sp>
         </mc:Choice>
-        <mc:Fallback>
+        <mc:Fallback xmlns="">
           <p:sp>
             <p:nvSpPr>
               <p:cNvPr id="115" name="ZoneTexte 114">
@@ -13971,8 +16987,8 @@
           </p:sp>
         </mc:Fallback>
       </mc:AlternateContent>
-      <mc:AlternateContent xmlns:mc="http://schemas.openxmlformats.org/markup-compatibility/2006">
-        <mc:Choice xmlns:a14="http://schemas.microsoft.com/office/drawing/2010/main" Requires="a14">
+      <mc:AlternateContent xmlns:mc="http://schemas.openxmlformats.org/markup-compatibility/2006" xmlns:a14="http://schemas.microsoft.com/office/drawing/2010/main">
+        <mc:Choice Requires="a14">
           <p:sp>
             <p:nvSpPr>
               <p:cNvPr id="116" name="ZoneTexte 115">
@@ -14254,7 +17270,7 @@
             </p:txBody>
           </p:sp>
         </mc:Choice>
-        <mc:Fallback>
+        <mc:Fallback xmlns="">
           <p:sp>
             <p:nvSpPr>
               <p:cNvPr id="116" name="ZoneTexte 115">
@@ -14352,7 +17368,7 @@
           <a:p>
             <a:r>
               <a:rPr lang="fr-FR" dirty="0"/>
-              <a:t>4 – Résolution cinématique</a:t>
+              <a:t>3 – Chaînes de solides</a:t>
             </a:r>
           </a:p>
         </p:txBody>
@@ -14443,10 +17459,10 @@
       </p:grpSpPr>
       <p:sp>
         <p:nvSpPr>
-          <p:cNvPr id="2" name="Titre 1">
+          <p:cNvPr id="12" name="Espace réservé du contenu 11">
             <a:extLst>
               <a:ext uri="{FF2B5EF4-FFF2-40B4-BE49-F238E27FC236}">
-                <a16:creationId xmlns:a16="http://schemas.microsoft.com/office/drawing/2014/main" id="{EC3F401F-21E8-E6CB-146D-ED46B060EC9C}"/>
+                <a16:creationId xmlns:a16="http://schemas.microsoft.com/office/drawing/2014/main" id="{E8A66116-0BCA-F0BA-8B7C-35F8CB1ECB17}"/>
               </a:ext>
             </a:extLst>
           </p:cNvPr>
@@ -14454,15 +17470,49 @@
             <a:spLocks noGrp="1"/>
           </p:cNvSpPr>
           <p:nvPr>
-            <p:ph type="title"/>
+            <p:ph sz="quarter" idx="4"/>
           </p:nvPr>
         </p:nvSpPr>
-        <p:spPr/>
+        <p:spPr>
+          <a:xfrm>
+            <a:off x="384630" y="1071921"/>
+            <a:ext cx="5576419" cy="1028271"/>
+          </a:xfrm>
+        </p:spPr>
         <p:txBody>
           <a:bodyPr/>
           <a:lstStyle/>
           <a:p>
-            <a:endParaRPr lang="fr-FR"/>
+            <a:pPr>
+              <a:buClr>
+                <a:schemeClr val="tx2">
+                  <a:lumMod val="60000"/>
+                  <a:lumOff val="40000"/>
+                </a:schemeClr>
+              </a:buClr>
+              <a:buFont typeface="Wingdings" panose="05000000000000000000" pitchFamily="2" charset="2"/>
+              <a:buChar char="Ü"/>
+            </a:pPr>
+            <a:r>
+              <a:rPr lang="fr-FR" dirty="0"/>
+              <a:t> Représenter l’architecture des liaisons du système</a:t>
+            </a:r>
+          </a:p>
+          <a:p>
+            <a:pPr>
+              <a:buClr>
+                <a:schemeClr val="tx2">
+                  <a:lumMod val="60000"/>
+                  <a:lumOff val="40000"/>
+                </a:schemeClr>
+              </a:buClr>
+              <a:buFont typeface="Wingdings" panose="05000000000000000000" pitchFamily="2" charset="2"/>
+              <a:buChar char="Ü"/>
+            </a:pPr>
+            <a:r>
+              <a:rPr lang="fr-FR" dirty="0"/>
+              <a:t> Concevoir les liaisons d’un système</a:t>
+            </a:r>
           </a:p>
         </p:txBody>
       </p:sp>
@@ -14471,7 +17521,7 @@
           <p:cNvPr id="4" name="Espace réservé du numéro de diapositive 3">
             <a:extLst>
               <a:ext uri="{FF2B5EF4-FFF2-40B4-BE49-F238E27FC236}">
-                <a16:creationId xmlns:a16="http://schemas.microsoft.com/office/drawing/2014/main" id="{16267A91-EA78-02FB-007B-8D639F0BEC47}"/>
+                <a16:creationId xmlns:a16="http://schemas.microsoft.com/office/drawing/2014/main" id="{A5CE0E2C-D0A9-D6BC-E70F-8E292A828717}"/>
               </a:ext>
             </a:extLst>
           </p:cNvPr>
@@ -14495,470 +17545,1101 @@
           </a:p>
         </p:txBody>
       </p:sp>
-      <p:grpSp>
-        <p:nvGrpSpPr>
-          <p:cNvPr id="5" name="Groupe 4">
-            <a:extLst>
-              <a:ext uri="{FF2B5EF4-FFF2-40B4-BE49-F238E27FC236}">
-                <a16:creationId xmlns:a16="http://schemas.microsoft.com/office/drawing/2014/main" id="{9597E4D1-4894-720A-A722-76E8E450D27C}"/>
-              </a:ext>
-            </a:extLst>
-          </p:cNvPr>
-          <p:cNvGrpSpPr/>
-          <p:nvPr/>
-        </p:nvGrpSpPr>
-        <p:grpSpPr>
-          <a:xfrm rot="20700000">
-            <a:off x="5905252" y="1827442"/>
-            <a:ext cx="1440160" cy="1440160"/>
-            <a:chOff x="971600" y="548680"/>
-            <a:chExt cx="1440160" cy="1440160"/>
-          </a:xfrm>
-        </p:grpSpPr>
-        <p:cxnSp>
-          <p:nvCxnSpPr>
-            <p:cNvPr id="6" name="Connecteur droit 5">
-              <a:extLst>
-                <a:ext uri="{FF2B5EF4-FFF2-40B4-BE49-F238E27FC236}">
-                  <a16:creationId xmlns:a16="http://schemas.microsoft.com/office/drawing/2014/main" id="{6737503E-623E-4C5A-82DC-7BB6C94F60CA}"/>
-                </a:ext>
-              </a:extLst>
-            </p:cNvPr>
-            <p:cNvCxnSpPr/>
-            <p:nvPr/>
-          </p:nvCxnSpPr>
-          <p:spPr>
-            <a:xfrm flipV="1">
-              <a:off x="971600" y="548680"/>
-              <a:ext cx="0" cy="1440160"/>
-            </a:xfrm>
-            <a:prstGeom prst="line">
-              <a:avLst/>
-            </a:prstGeom>
-            <a:ln w="19050">
-              <a:solidFill>
-                <a:srgbClr val="00547F"/>
-              </a:solidFill>
-              <a:tailEnd type="stealth" w="med" len="lg"/>
-            </a:ln>
-          </p:spPr>
-          <p:style>
-            <a:lnRef idx="1">
-              <a:schemeClr val="accent1"/>
-            </a:lnRef>
-            <a:fillRef idx="0">
-              <a:schemeClr val="accent1"/>
-            </a:fillRef>
-            <a:effectRef idx="0">
-              <a:schemeClr val="accent1"/>
-            </a:effectRef>
-            <a:fontRef idx="minor">
-              <a:schemeClr val="tx1"/>
-            </a:fontRef>
-          </p:style>
-        </p:cxnSp>
-        <p:cxnSp>
-          <p:nvCxnSpPr>
-            <p:cNvPr id="7" name="Connecteur droit 6">
-              <a:extLst>
-                <a:ext uri="{FF2B5EF4-FFF2-40B4-BE49-F238E27FC236}">
-                  <a16:creationId xmlns:a16="http://schemas.microsoft.com/office/drawing/2014/main" id="{8DEA9DFD-4E55-07F3-213F-DC852F42731E}"/>
-                </a:ext>
-              </a:extLst>
-            </p:cNvPr>
-            <p:cNvCxnSpPr>
-              <a:cxnSpLocks/>
-            </p:cNvCxnSpPr>
-            <p:nvPr/>
-          </p:nvCxnSpPr>
-          <p:spPr>
-            <a:xfrm rot="5400000" flipV="1">
-              <a:off x="1691680" y="1268760"/>
-              <a:ext cx="0" cy="1440160"/>
-            </a:xfrm>
-            <a:prstGeom prst="line">
-              <a:avLst/>
-            </a:prstGeom>
-            <a:ln w="19050">
-              <a:solidFill>
-                <a:srgbClr val="00547F"/>
-              </a:solidFill>
-              <a:tailEnd type="stealth" w="med" len="lg"/>
-            </a:ln>
-          </p:spPr>
-          <p:style>
-            <a:lnRef idx="1">
-              <a:schemeClr val="accent1"/>
-            </a:lnRef>
-            <a:fillRef idx="0">
-              <a:schemeClr val="accent1"/>
-            </a:fillRef>
-            <a:effectRef idx="0">
-              <a:schemeClr val="accent1"/>
-            </a:effectRef>
-            <a:fontRef idx="minor">
-              <a:schemeClr val="tx1"/>
-            </a:fontRef>
-          </p:style>
-        </p:cxnSp>
-      </p:grpSp>
-      <p:grpSp>
-        <p:nvGrpSpPr>
-          <p:cNvPr id="8" name="Groupe 7">
-            <a:extLst>
-              <a:ext uri="{FF2B5EF4-FFF2-40B4-BE49-F238E27FC236}">
-                <a16:creationId xmlns:a16="http://schemas.microsoft.com/office/drawing/2014/main" id="{2BA31FD6-915B-06A0-EC2D-03CF80280266}"/>
-              </a:ext>
-            </a:extLst>
-          </p:cNvPr>
-          <p:cNvGrpSpPr/>
-          <p:nvPr/>
-        </p:nvGrpSpPr>
-        <p:grpSpPr>
-          <a:xfrm>
-            <a:off x="6096139" y="1989277"/>
-            <a:ext cx="1440160" cy="1440160"/>
-            <a:chOff x="971600" y="548680"/>
-            <a:chExt cx="1440160" cy="1440160"/>
-          </a:xfrm>
-        </p:grpSpPr>
-        <p:cxnSp>
-          <p:nvCxnSpPr>
-            <p:cNvPr id="9" name="Connecteur droit 8">
-              <a:extLst>
-                <a:ext uri="{FF2B5EF4-FFF2-40B4-BE49-F238E27FC236}">
-                  <a16:creationId xmlns:a16="http://schemas.microsoft.com/office/drawing/2014/main" id="{ECAE08FD-B743-2CE8-7224-F281DF1E585C}"/>
-                </a:ext>
-              </a:extLst>
-            </p:cNvPr>
-            <p:cNvCxnSpPr/>
-            <p:nvPr/>
-          </p:nvCxnSpPr>
-          <p:spPr>
-            <a:xfrm flipV="1">
-              <a:off x="971600" y="548680"/>
-              <a:ext cx="0" cy="1440160"/>
-            </a:xfrm>
-            <a:prstGeom prst="line">
-              <a:avLst/>
-            </a:prstGeom>
-            <a:ln w="19050">
-              <a:solidFill>
-                <a:schemeClr val="tx1"/>
-              </a:solidFill>
-              <a:tailEnd type="stealth" w="med" len="lg"/>
-            </a:ln>
-          </p:spPr>
-          <p:style>
-            <a:lnRef idx="1">
-              <a:schemeClr val="accent1"/>
-            </a:lnRef>
-            <a:fillRef idx="0">
-              <a:schemeClr val="accent1"/>
-            </a:fillRef>
-            <a:effectRef idx="0">
-              <a:schemeClr val="accent1"/>
-            </a:effectRef>
-            <a:fontRef idx="minor">
-              <a:schemeClr val="tx1"/>
-            </a:fontRef>
-          </p:style>
-        </p:cxnSp>
-        <p:cxnSp>
-          <p:nvCxnSpPr>
-            <p:cNvPr id="10" name="Connecteur droit 9">
-              <a:extLst>
-                <a:ext uri="{FF2B5EF4-FFF2-40B4-BE49-F238E27FC236}">
-                  <a16:creationId xmlns:a16="http://schemas.microsoft.com/office/drawing/2014/main" id="{615C3BB0-B4F4-2200-BACD-F093694D922C}"/>
-                </a:ext>
-              </a:extLst>
-            </p:cNvPr>
-            <p:cNvCxnSpPr>
-              <a:cxnSpLocks/>
-            </p:cNvCxnSpPr>
-            <p:nvPr/>
-          </p:nvCxnSpPr>
-          <p:spPr>
-            <a:xfrm rot="5400000" flipV="1">
-              <a:off x="1691680" y="1268760"/>
-              <a:ext cx="0" cy="1440160"/>
-            </a:xfrm>
-            <a:prstGeom prst="line">
-              <a:avLst/>
-            </a:prstGeom>
-            <a:ln w="19050">
-              <a:solidFill>
-                <a:schemeClr val="tx1"/>
-              </a:solidFill>
-              <a:tailEnd type="stealth" w="med" len="lg"/>
-            </a:ln>
-          </p:spPr>
-          <p:style>
-            <a:lnRef idx="1">
-              <a:schemeClr val="accent1"/>
-            </a:lnRef>
-            <a:fillRef idx="0">
-              <a:schemeClr val="accent1"/>
-            </a:fillRef>
-            <a:effectRef idx="0">
-              <a:schemeClr val="accent1"/>
-            </a:effectRef>
-            <a:fontRef idx="minor">
-              <a:schemeClr val="tx1"/>
-            </a:fontRef>
-          </p:style>
-        </p:cxnSp>
-      </p:grpSp>
-      <p:sp>
-        <p:nvSpPr>
-          <p:cNvPr id="11" name="Ellipse 10">
-            <a:extLst>
-              <a:ext uri="{FF2B5EF4-FFF2-40B4-BE49-F238E27FC236}">
-                <a16:creationId xmlns:a16="http://schemas.microsoft.com/office/drawing/2014/main" id="{3FC6C6D0-141D-B5B0-8297-70DA9EBD6600}"/>
-              </a:ext>
-            </a:extLst>
-          </p:cNvPr>
-          <p:cNvSpPr/>
-          <p:nvPr/>
-        </p:nvSpPr>
-        <p:spPr>
-          <a:xfrm>
-            <a:off x="5998149" y="3310125"/>
-            <a:ext cx="216000" cy="216000"/>
-          </a:xfrm>
-          <a:prstGeom prst="ellipse">
-            <a:avLst/>
-          </a:prstGeom>
-          <a:solidFill>
-            <a:schemeClr val="bg1"/>
-          </a:solidFill>
-          <a:ln w="19050">
-            <a:solidFill>
-              <a:schemeClr val="tx1"/>
-            </a:solidFill>
-          </a:ln>
-        </p:spPr>
-        <p:style>
-          <a:lnRef idx="2">
-            <a:schemeClr val="accent1">
-              <a:shade val="50000"/>
-            </a:schemeClr>
-          </a:lnRef>
-          <a:fillRef idx="1">
-            <a:schemeClr val="accent1"/>
-          </a:fillRef>
-          <a:effectRef idx="0">
-            <a:schemeClr val="accent1"/>
-          </a:effectRef>
-          <a:fontRef idx="minor">
-            <a:schemeClr val="lt1"/>
-          </a:fontRef>
-        </p:style>
-        <p:txBody>
-          <a:bodyPr rtlCol="0" anchor="ctr"/>
-          <a:lstStyle/>
-          <a:p>
-            <a:pPr algn="ctr"/>
-            <a:endParaRPr lang="fr-FR"/>
-          </a:p>
-        </p:txBody>
-      </p:sp>
-      <p:sp>
-        <p:nvSpPr>
-          <p:cNvPr id="12" name="Ellipse 11">
-            <a:extLst>
-              <a:ext uri="{FF2B5EF4-FFF2-40B4-BE49-F238E27FC236}">
-                <a16:creationId xmlns:a16="http://schemas.microsoft.com/office/drawing/2014/main" id="{1DBD1FC1-CEDB-3BEC-9C13-03D43B79E9C2}"/>
-              </a:ext>
-            </a:extLst>
-          </p:cNvPr>
-          <p:cNvSpPr/>
-          <p:nvPr/>
-        </p:nvSpPr>
-        <p:spPr>
-          <a:xfrm>
-            <a:off x="6070149" y="3382125"/>
-            <a:ext cx="72000" cy="72000"/>
-          </a:xfrm>
-          <a:prstGeom prst="ellipse">
-            <a:avLst/>
-          </a:prstGeom>
-          <a:solidFill>
-            <a:schemeClr val="tx1"/>
-          </a:solidFill>
-          <a:ln w="19050">
-            <a:solidFill>
-              <a:schemeClr val="tx1"/>
-            </a:solidFill>
-          </a:ln>
-        </p:spPr>
-        <p:style>
-          <a:lnRef idx="2">
-            <a:schemeClr val="accent1">
-              <a:shade val="50000"/>
-            </a:schemeClr>
-          </a:lnRef>
-          <a:fillRef idx="1">
-            <a:schemeClr val="accent1"/>
-          </a:fillRef>
-          <a:effectRef idx="0">
-            <a:schemeClr val="accent1"/>
-          </a:effectRef>
-          <a:fontRef idx="minor">
-            <a:schemeClr val="lt1"/>
-          </a:fontRef>
-        </p:style>
-        <p:txBody>
-          <a:bodyPr rtlCol="0" anchor="ctr"/>
-          <a:lstStyle/>
-          <a:p>
-            <a:pPr algn="ctr"/>
-            <a:endParaRPr lang="fr-FR"/>
-          </a:p>
-        </p:txBody>
-      </p:sp>
-      <p:sp>
-        <p:nvSpPr>
-          <p:cNvPr id="13" name="Arc 12">
-            <a:extLst>
-              <a:ext uri="{FF2B5EF4-FFF2-40B4-BE49-F238E27FC236}">
-                <a16:creationId xmlns:a16="http://schemas.microsoft.com/office/drawing/2014/main" id="{6E8C445C-9112-F736-6C64-32F0D2A9F74F}"/>
-              </a:ext>
-            </a:extLst>
-          </p:cNvPr>
-          <p:cNvSpPr/>
-          <p:nvPr/>
-        </p:nvSpPr>
-        <p:spPr>
-          <a:xfrm>
-            <a:off x="4944009" y="2277309"/>
-            <a:ext cx="2304258" cy="2304258"/>
-          </a:xfrm>
-          <a:prstGeom prst="arc">
-            <a:avLst>
-              <a:gd name="adj1" fmla="val 20716967"/>
-              <a:gd name="adj2" fmla="val 0"/>
-            </a:avLst>
-          </a:prstGeom>
-          <a:ln>
-            <a:solidFill>
-              <a:srgbClr val="00547F"/>
-            </a:solidFill>
-            <a:headEnd type="stealth" w="med" len="lg"/>
-          </a:ln>
-        </p:spPr>
-        <p:style>
-          <a:lnRef idx="1">
-            <a:schemeClr val="accent1"/>
-          </a:lnRef>
-          <a:fillRef idx="0">
-            <a:schemeClr val="accent1"/>
-          </a:fillRef>
-          <a:effectRef idx="0">
-            <a:schemeClr val="accent1"/>
-          </a:effectRef>
-          <a:fontRef idx="minor">
-            <a:schemeClr val="tx1"/>
-          </a:fontRef>
-        </p:style>
-        <p:txBody>
-          <a:bodyPr rtlCol="0" anchor="ctr"/>
-          <a:lstStyle/>
-          <a:p>
-            <a:pPr algn="ctr"/>
-            <a:endParaRPr lang="fr-FR"/>
-          </a:p>
-        </p:txBody>
-      </p:sp>
-      <mc:AlternateContent xmlns:mc="http://schemas.openxmlformats.org/markup-compatibility/2006" xmlns:a14="http://schemas.microsoft.com/office/drawing/2010/main">
-        <mc:Choice Requires="a14">
+      <mc:AlternateContent xmlns:mc="http://schemas.openxmlformats.org/markup-compatibility/2006">
+        <mc:Choice xmlns:a14="http://schemas.microsoft.com/office/drawing/2010/main" Requires="a14">
           <p:sp>
             <p:nvSpPr>
-              <p:cNvPr id="14" name="ZoneTexte 13">
+              <p:cNvPr id="63" name="Espace réservé du contenu 11">
                 <a:extLst>
                   <a:ext uri="{FF2B5EF4-FFF2-40B4-BE49-F238E27FC236}">
-                    <a16:creationId xmlns:a16="http://schemas.microsoft.com/office/drawing/2014/main" id="{142044F6-627E-A588-3BEE-94A05046CD48}"/>
+                    <a16:creationId xmlns:a16="http://schemas.microsoft.com/office/drawing/2014/main" id="{C0A142C9-F62B-BF4C-7120-55DC3ADBF6DF}"/>
                   </a:ext>
                 </a:extLst>
               </p:cNvPr>
-              <p:cNvSpPr txBox="1"/>
+              <p:cNvSpPr txBox="1">
+                <a:spLocks/>
+              </p:cNvSpPr>
               <p:nvPr/>
             </p:nvSpPr>
             <p:spPr>
               <a:xfrm>
-                <a:off x="7550493" y="3306325"/>
-                <a:ext cx="207301" cy="274434"/>
+                <a:off x="6069049" y="1073050"/>
+                <a:ext cx="5786253" cy="4984850"/>
               </a:xfrm>
               <a:prstGeom prst="rect">
                 <a:avLst/>
               </a:prstGeom>
-              <a:noFill/>
             </p:spPr>
             <p:txBody>
-              <a:bodyPr wrap="none" lIns="0" tIns="0" rIns="0" bIns="0" rtlCol="0">
-                <a:spAutoFit/>
+              <a:bodyPr vert="horz" lIns="0" tIns="45720" rIns="0" bIns="45720" rtlCol="0">
+                <a:normAutofit fontScale="92500" lnSpcReduction="20000"/>
               </a:bodyPr>
-              <a:lstStyle/>
+              <a:lstStyle>
+                <a:lvl1pPr marL="91440" indent="-91440" algn="l" defTabSz="914400" rtl="0" eaLnBrk="1" latinLnBrk="0" hangingPunct="1">
+                  <a:lnSpc>
+                    <a:spcPct val="90000"/>
+                  </a:lnSpc>
+                  <a:spcBef>
+                    <a:spcPts val="1200"/>
+                  </a:spcBef>
+                  <a:spcAft>
+                    <a:spcPts val="200"/>
+                  </a:spcAft>
+                  <a:buClr>
+                    <a:schemeClr val="accent1"/>
+                  </a:buClr>
+                  <a:buSzPct val="100000"/>
+                  <a:buFont typeface="Calibri" panose="020F0502020204030204" pitchFamily="34" charset="0"/>
+                  <a:buChar char=" "/>
+                  <a:defRPr sz="2000" kern="1200">
+                    <a:solidFill>
+                      <a:schemeClr val="tx1">
+                        <a:lumMod val="75000"/>
+                        <a:lumOff val="25000"/>
+                      </a:schemeClr>
+                    </a:solidFill>
+                    <a:latin typeface="+mn-lt"/>
+                    <a:ea typeface="+mn-ea"/>
+                    <a:cs typeface="+mn-cs"/>
+                  </a:defRPr>
+                </a:lvl1pPr>
+                <a:lvl2pPr marL="384048" indent="-182880" algn="l" defTabSz="914400" rtl="0" eaLnBrk="1" latinLnBrk="0" hangingPunct="1">
+                  <a:lnSpc>
+                    <a:spcPct val="90000"/>
+                  </a:lnSpc>
+                  <a:spcBef>
+                    <a:spcPts val="200"/>
+                  </a:spcBef>
+                  <a:spcAft>
+                    <a:spcPts val="400"/>
+                  </a:spcAft>
+                  <a:buClr>
+                    <a:schemeClr val="tx2"/>
+                  </a:buClr>
+                  <a:buFont typeface="Calibri" pitchFamily="34" charset="0"/>
+                  <a:buChar char="◦"/>
+                  <a:defRPr sz="1800" kern="1200">
+                    <a:solidFill>
+                      <a:schemeClr val="tx1">
+                        <a:lumMod val="75000"/>
+                        <a:lumOff val="25000"/>
+                      </a:schemeClr>
+                    </a:solidFill>
+                    <a:latin typeface="+mn-lt"/>
+                    <a:ea typeface="+mn-ea"/>
+                    <a:cs typeface="+mn-cs"/>
+                  </a:defRPr>
+                </a:lvl2pPr>
+                <a:lvl3pPr marL="566928" indent="-182880" algn="l" defTabSz="914400" rtl="0" eaLnBrk="1" latinLnBrk="0" hangingPunct="1">
+                  <a:lnSpc>
+                    <a:spcPct val="90000"/>
+                  </a:lnSpc>
+                  <a:spcBef>
+                    <a:spcPts val="200"/>
+                  </a:spcBef>
+                  <a:spcAft>
+                    <a:spcPts val="400"/>
+                  </a:spcAft>
+                  <a:buClr>
+                    <a:schemeClr val="tx2"/>
+                  </a:buClr>
+                  <a:buFont typeface="Calibri" pitchFamily="34" charset="0"/>
+                  <a:buChar char="◦"/>
+                  <a:defRPr sz="1400" kern="1200">
+                    <a:solidFill>
+                      <a:schemeClr val="tx1">
+                        <a:lumMod val="75000"/>
+                        <a:lumOff val="25000"/>
+                      </a:schemeClr>
+                    </a:solidFill>
+                    <a:latin typeface="+mn-lt"/>
+                    <a:ea typeface="+mn-ea"/>
+                    <a:cs typeface="+mn-cs"/>
+                  </a:defRPr>
+                </a:lvl3pPr>
+                <a:lvl4pPr marL="749808" indent="-182880" algn="l" defTabSz="914400" rtl="0" eaLnBrk="1" latinLnBrk="0" hangingPunct="1">
+                  <a:lnSpc>
+                    <a:spcPct val="90000"/>
+                  </a:lnSpc>
+                  <a:spcBef>
+                    <a:spcPts val="200"/>
+                  </a:spcBef>
+                  <a:spcAft>
+                    <a:spcPts val="400"/>
+                  </a:spcAft>
+                  <a:buClr>
+                    <a:schemeClr val="tx2"/>
+                  </a:buClr>
+                  <a:buFont typeface="Calibri" pitchFamily="34" charset="0"/>
+                  <a:buChar char="◦"/>
+                  <a:defRPr sz="1400" kern="1200">
+                    <a:solidFill>
+                      <a:schemeClr val="tx1">
+                        <a:lumMod val="75000"/>
+                        <a:lumOff val="25000"/>
+                      </a:schemeClr>
+                    </a:solidFill>
+                    <a:latin typeface="+mn-lt"/>
+                    <a:ea typeface="+mn-ea"/>
+                    <a:cs typeface="+mn-cs"/>
+                  </a:defRPr>
+                </a:lvl4pPr>
+                <a:lvl5pPr marL="932688" indent="-182880" algn="l" defTabSz="914400" rtl="0" eaLnBrk="1" latinLnBrk="0" hangingPunct="1">
+                  <a:lnSpc>
+                    <a:spcPct val="90000"/>
+                  </a:lnSpc>
+                  <a:spcBef>
+                    <a:spcPts val="200"/>
+                  </a:spcBef>
+                  <a:spcAft>
+                    <a:spcPts val="400"/>
+                  </a:spcAft>
+                  <a:buClr>
+                    <a:schemeClr val="tx2"/>
+                  </a:buClr>
+                  <a:buFont typeface="Calibri" pitchFamily="34" charset="0"/>
+                  <a:buChar char="◦"/>
+                  <a:defRPr sz="1400" kern="1200">
+                    <a:solidFill>
+                      <a:schemeClr val="tx1">
+                        <a:lumMod val="75000"/>
+                        <a:lumOff val="25000"/>
+                      </a:schemeClr>
+                    </a:solidFill>
+                    <a:latin typeface="+mn-lt"/>
+                    <a:ea typeface="+mn-ea"/>
+                    <a:cs typeface="+mn-cs"/>
+                  </a:defRPr>
+                </a:lvl5pPr>
+                <a:lvl6pPr marL="1100000" indent="-228600" algn="l" defTabSz="914400" rtl="0" eaLnBrk="1" latinLnBrk="0" hangingPunct="1">
+                  <a:lnSpc>
+                    <a:spcPct val="90000"/>
+                  </a:lnSpc>
+                  <a:spcBef>
+                    <a:spcPts val="200"/>
+                  </a:spcBef>
+                  <a:spcAft>
+                    <a:spcPts val="400"/>
+                  </a:spcAft>
+                  <a:buClr>
+                    <a:schemeClr val="accent1"/>
+                  </a:buClr>
+                  <a:buFont typeface="Calibri" pitchFamily="34" charset="0"/>
+                  <a:buChar char="◦"/>
+                  <a:defRPr sz="1400" kern="1200">
+                    <a:solidFill>
+                      <a:schemeClr val="tx1">
+                        <a:lumMod val="75000"/>
+                        <a:lumOff val="25000"/>
+                      </a:schemeClr>
+                    </a:solidFill>
+                    <a:latin typeface="+mn-lt"/>
+                    <a:ea typeface="+mn-ea"/>
+                    <a:cs typeface="+mn-cs"/>
+                  </a:defRPr>
+                </a:lvl6pPr>
+                <a:lvl7pPr marL="1300000" indent="-228600" algn="l" defTabSz="914400" rtl="0" eaLnBrk="1" latinLnBrk="0" hangingPunct="1">
+                  <a:lnSpc>
+                    <a:spcPct val="90000"/>
+                  </a:lnSpc>
+                  <a:spcBef>
+                    <a:spcPts val="200"/>
+                  </a:spcBef>
+                  <a:spcAft>
+                    <a:spcPts val="400"/>
+                  </a:spcAft>
+                  <a:buClr>
+                    <a:schemeClr val="accent1"/>
+                  </a:buClr>
+                  <a:buFont typeface="Calibri" pitchFamily="34" charset="0"/>
+                  <a:buChar char="◦"/>
+                  <a:defRPr sz="1400" kern="1200">
+                    <a:solidFill>
+                      <a:schemeClr val="tx1">
+                        <a:lumMod val="75000"/>
+                        <a:lumOff val="25000"/>
+                      </a:schemeClr>
+                    </a:solidFill>
+                    <a:latin typeface="+mn-lt"/>
+                    <a:ea typeface="+mn-ea"/>
+                    <a:cs typeface="+mn-cs"/>
+                  </a:defRPr>
+                </a:lvl7pPr>
+                <a:lvl8pPr marL="1500000" indent="-228600" algn="l" defTabSz="914400" rtl="0" eaLnBrk="1" latinLnBrk="0" hangingPunct="1">
+                  <a:lnSpc>
+                    <a:spcPct val="90000"/>
+                  </a:lnSpc>
+                  <a:spcBef>
+                    <a:spcPts val="200"/>
+                  </a:spcBef>
+                  <a:spcAft>
+                    <a:spcPts val="400"/>
+                  </a:spcAft>
+                  <a:buClr>
+                    <a:schemeClr val="accent1"/>
+                  </a:buClr>
+                  <a:buFont typeface="Calibri" pitchFamily="34" charset="0"/>
+                  <a:buChar char="◦"/>
+                  <a:defRPr sz="1400" kern="1200">
+                    <a:solidFill>
+                      <a:schemeClr val="tx1">
+                        <a:lumMod val="75000"/>
+                        <a:lumOff val="25000"/>
+                      </a:schemeClr>
+                    </a:solidFill>
+                    <a:latin typeface="+mn-lt"/>
+                    <a:ea typeface="+mn-ea"/>
+                    <a:cs typeface="+mn-cs"/>
+                  </a:defRPr>
+                </a:lvl8pPr>
+                <a:lvl9pPr marL="1700000" indent="-228600" algn="l" defTabSz="914400" rtl="0" eaLnBrk="1" latinLnBrk="0" hangingPunct="1">
+                  <a:lnSpc>
+                    <a:spcPct val="90000"/>
+                  </a:lnSpc>
+                  <a:spcBef>
+                    <a:spcPts val="200"/>
+                  </a:spcBef>
+                  <a:spcAft>
+                    <a:spcPts val="400"/>
+                  </a:spcAft>
+                  <a:buClr>
+                    <a:schemeClr val="accent1"/>
+                  </a:buClr>
+                  <a:buFont typeface="Calibri" pitchFamily="34" charset="0"/>
+                  <a:buChar char="◦"/>
+                  <a:defRPr sz="1400" kern="1200">
+                    <a:solidFill>
+                      <a:schemeClr val="tx1">
+                        <a:lumMod val="75000"/>
+                        <a:lumOff val="25000"/>
+                      </a:schemeClr>
+                    </a:solidFill>
+                    <a:latin typeface="+mn-lt"/>
+                    <a:ea typeface="+mn-ea"/>
+                    <a:cs typeface="+mn-cs"/>
+                  </a:defRPr>
+                </a:lvl9pPr>
+              </a:lstStyle>
               <a:p>
-                <a:pPr/>
+                <a:pPr marL="0" indent="0">
+                  <a:lnSpc>
+                    <a:spcPct val="120000"/>
+                  </a:lnSpc>
+                  <a:buClr>
+                    <a:schemeClr val="tx2">
+                      <a:lumMod val="60000"/>
+                      <a:lumOff val="40000"/>
+                    </a:schemeClr>
+                  </a:buClr>
+                  <a:buNone/>
+                </a:pPr>
+                <a:r>
+                  <a:rPr lang="fr-FR" sz="1400" b="1" dirty="0"/>
+                  <a:t>Méthode statique</a:t>
+                </a:r>
+              </a:p>
+              <a:p>
+                <a:pPr>
+                  <a:lnSpc>
+                    <a:spcPct val="120000"/>
+                  </a:lnSpc>
+                  <a:buClr>
+                    <a:schemeClr val="tx2">
+                      <a:lumMod val="60000"/>
+                      <a:lumOff val="40000"/>
+                    </a:schemeClr>
+                  </a:buClr>
+                  <a:buFont typeface="Wingdings" panose="05000000000000000000" pitchFamily="2" charset="2"/>
+                  <a:buChar char="Ü"/>
+                </a:pPr>
+                <a:r>
+                  <a:rPr lang="fr-FR" sz="1400" dirty="0"/>
+                  <a:t> </a:t>
+                </a:r>
                 <a14:m>
-                  <m:oMathPara xmlns:m="http://schemas.openxmlformats.org/officeDocument/2006/math">
-                    <m:oMathParaPr>
-                      <m:jc m:val="centerGroup"/>
-                    </m:oMathParaPr>
-                    <m:oMath xmlns:m="http://schemas.openxmlformats.org/officeDocument/2006/math">
-                      <m:acc>
-                        <m:accPr>
-                          <m:chr m:val="⃗"/>
-                          <m:ctrlPr>
-                            <a:rPr lang="fr-FR" sz="1600" i="1" smtClean="0">
-                              <a:latin typeface="Cambria Math" panose="02040503050406030204" pitchFamily="18" charset="0"/>
-                            </a:rPr>
-                          </m:ctrlPr>
-                        </m:accPr>
-                        <m:e>
-                          <m:sSub>
-                            <m:sSubPr>
-                              <m:ctrlPr>
-                                <a:rPr lang="fr-FR" sz="1600" b="0" i="1" smtClean="0">
-                                  <a:latin typeface="Cambria Math" panose="02040503050406030204" pitchFamily="18" charset="0"/>
-                                </a:rPr>
-                              </m:ctrlPr>
-                            </m:sSubPr>
-                            <m:e>
-                              <m:r>
-                                <a:rPr lang="fr-FR" sz="1600" b="0" i="1" smtClean="0">
-                                  <a:latin typeface="Cambria Math" panose="02040503050406030204" pitchFamily="18" charset="0"/>
-                                </a:rPr>
-                                <m:t>𝑖</m:t>
-                              </m:r>
-                            </m:e>
-                            <m:sub>
-                              <m:r>
-                                <a:rPr lang="fr-FR" sz="1600" b="0" i="1" smtClean="0">
-                                  <a:latin typeface="Cambria Math" panose="02040503050406030204" pitchFamily="18" charset="0"/>
-                                </a:rPr>
-                                <m:t>0</m:t>
-                              </m:r>
-                            </m:sub>
-                          </m:sSub>
-                        </m:e>
-                      </m:acc>
-                    </m:oMath>
-                  </m:oMathPara>
+                  <m:oMath xmlns:m="http://schemas.openxmlformats.org/officeDocument/2006/math">
+                    <m:r>
+                      <a:rPr lang="fr-FR" sz="1400" b="0" i="1" smtClean="0">
+                        <a:latin typeface="Cambria Math" panose="02040503050406030204" pitchFamily="18" charset="0"/>
+                      </a:rPr>
+                      <m:t>h</m:t>
+                    </m:r>
+                    <m:r>
+                      <a:rPr lang="fr-FR" sz="1400" b="0" i="1" smtClean="0">
+                        <a:latin typeface="Cambria Math" panose="02040503050406030204" pitchFamily="18" charset="0"/>
+                      </a:rPr>
+                      <m:t>=</m:t>
+                    </m:r>
+                    <m:r>
+                      <a:rPr lang="fr-FR" sz="1400" b="0" i="1" smtClean="0">
+                        <a:latin typeface="Cambria Math" panose="02040503050406030204" pitchFamily="18" charset="0"/>
+                      </a:rPr>
+                      <m:t>𝑚</m:t>
+                    </m:r>
+                    <m:r>
+                      <a:rPr lang="fr-FR" sz="1400" b="0" i="1" smtClean="0">
+                        <a:latin typeface="Cambria Math" panose="02040503050406030204" pitchFamily="18" charset="0"/>
+                      </a:rPr>
+                      <m:t>−</m:t>
+                    </m:r>
+                    <m:sSub>
+                      <m:sSubPr>
+                        <m:ctrlPr>
+                          <a:rPr lang="fr-FR" sz="1400" i="1" smtClean="0">
+                            <a:latin typeface="Cambria Math" panose="02040503050406030204" pitchFamily="18" charset="0"/>
+                          </a:rPr>
+                        </m:ctrlPr>
+                      </m:sSubPr>
+                      <m:e>
+                        <m:r>
+                          <a:rPr lang="fr-FR" sz="1400" b="0" i="1" smtClean="0">
+                            <a:latin typeface="Cambria Math" panose="02040503050406030204" pitchFamily="18" charset="0"/>
+                          </a:rPr>
+                          <m:t>𝐸</m:t>
+                        </m:r>
+                      </m:e>
+                      <m:sub>
+                        <m:r>
+                          <a:rPr lang="fr-FR" sz="1400" b="0" i="1" smtClean="0">
+                            <a:latin typeface="Cambria Math" panose="02040503050406030204" pitchFamily="18" charset="0"/>
+                          </a:rPr>
+                          <m:t>𝑠</m:t>
+                        </m:r>
+                      </m:sub>
+                    </m:sSub>
+                    <m:r>
+                      <a:rPr lang="fr-FR" sz="1400" b="0" i="1" smtClean="0">
+                        <a:latin typeface="Cambria Math" panose="02040503050406030204" pitchFamily="18" charset="0"/>
+                      </a:rPr>
+                      <m:t>+</m:t>
+                    </m:r>
+                    <m:sSub>
+                      <m:sSubPr>
+                        <m:ctrlPr>
+                          <a:rPr lang="fr-FR" sz="1400" i="1" smtClean="0">
+                            <a:latin typeface="Cambria Math" panose="02040503050406030204" pitchFamily="18" charset="0"/>
+                          </a:rPr>
+                        </m:ctrlPr>
+                      </m:sSubPr>
+                      <m:e>
+                        <m:r>
+                          <a:rPr lang="fr-FR" sz="1400" b="0" i="1" smtClean="0">
+                            <a:latin typeface="Cambria Math" panose="02040503050406030204" pitchFamily="18" charset="0"/>
+                          </a:rPr>
+                          <m:t>𝐼</m:t>
+                        </m:r>
+                      </m:e>
+                      <m:sub>
+                        <m:r>
+                          <a:rPr lang="fr-FR" sz="1400" b="0" i="1" smtClean="0">
+                            <a:latin typeface="Cambria Math" panose="02040503050406030204" pitchFamily="18" charset="0"/>
+                          </a:rPr>
+                          <m:t>𝑆</m:t>
+                        </m:r>
+                      </m:sub>
+                    </m:sSub>
+                    <m:r>
+                      <a:rPr lang="fr-FR" sz="1400" b="0" i="0" smtClean="0">
+                        <a:latin typeface="Cambria Math" panose="02040503050406030204" pitchFamily="18" charset="0"/>
+                      </a:rPr>
+                      <m:t>=</m:t>
+                    </m:r>
+                    <m:r>
+                      <a:rPr lang="fr-FR" sz="1400" b="0" i="0" smtClean="0">
+                        <a:latin typeface="Cambria Math" panose="02040503050406030204" pitchFamily="18" charset="0"/>
+                      </a:rPr>
+                      <m:t>2−12+13=3</m:t>
+                    </m:r>
+                  </m:oMath>
                 </a14:m>
-                <a:endParaRPr lang="fr-FR" sz="1600" dirty="0"/>
+                <a:endParaRPr lang="fr-FR" sz="1400" dirty="0"/>
+              </a:p>
+              <a:p>
+                <a:pPr>
+                  <a:lnSpc>
+                    <a:spcPct val="120000"/>
+                  </a:lnSpc>
+                  <a:buClr>
+                    <a:schemeClr val="tx2">
+                      <a:lumMod val="60000"/>
+                      <a:lumOff val="40000"/>
+                    </a:schemeClr>
+                  </a:buClr>
+                  <a:buFont typeface="Wingdings" panose="05000000000000000000" pitchFamily="2" charset="2"/>
+                  <a:buChar char="Ü"/>
+                </a:pPr>
+                <a:r>
+                  <a:rPr lang="fr-FR" sz="1400" dirty="0"/>
+                  <a:t> </a:t>
+                </a:r>
+                <a14:m>
+                  <m:oMath xmlns:m="http://schemas.openxmlformats.org/officeDocument/2006/math">
+                    <m:r>
+                      <a:rPr lang="fr-FR" sz="1400" b="0" i="1" smtClean="0">
+                        <a:latin typeface="Cambria Math" panose="02040503050406030204" pitchFamily="18" charset="0"/>
+                      </a:rPr>
+                      <m:t>𝑚</m:t>
+                    </m:r>
+                    <m:r>
+                      <a:rPr lang="fr-FR" sz="1400" b="0" i="1" smtClean="0">
+                        <a:latin typeface="Cambria Math" panose="02040503050406030204" pitchFamily="18" charset="0"/>
+                      </a:rPr>
+                      <m:t>=2</m:t>
+                    </m:r>
+                  </m:oMath>
+                </a14:m>
+                <a:endParaRPr lang="fr-FR" sz="1400" dirty="0"/>
+              </a:p>
+              <a:p>
+                <a:pPr lvl="1">
+                  <a:lnSpc>
+                    <a:spcPct val="120000"/>
+                  </a:lnSpc>
+                  <a:buClr>
+                    <a:schemeClr val="tx2">
+                      <a:lumMod val="60000"/>
+                      <a:lumOff val="40000"/>
+                    </a:schemeClr>
+                  </a:buClr>
+                  <a:buFont typeface="Wingdings" panose="05000000000000000000" pitchFamily="2" charset="2"/>
+                  <a:buChar char="Ü"/>
+                </a:pPr>
+                <a:r>
+                  <a:rPr lang="fr-FR" sz="1200" dirty="0"/>
+                  <a:t>Rotation de l’ensemble 1+2 autour de l’axe </a:t>
+                </a:r>
+                <a14:m>
+                  <m:oMath xmlns:m="http://schemas.openxmlformats.org/officeDocument/2006/math">
+                    <m:d>
+                      <m:dPr>
+                        <m:ctrlPr>
+                          <a:rPr lang="fr-FR" sz="1200" b="0" i="1" smtClean="0">
+                            <a:latin typeface="Cambria Math" panose="02040503050406030204" pitchFamily="18" charset="0"/>
+                          </a:rPr>
+                        </m:ctrlPr>
+                      </m:dPr>
+                      <m:e>
+                        <m:r>
+                          <m:rPr>
+                            <m:sty m:val="p"/>
+                          </m:rPr>
+                          <a:rPr lang="fr-FR" sz="1200">
+                            <a:latin typeface="Cambria Math" panose="02040503050406030204" pitchFamily="18" charset="0"/>
+                          </a:rPr>
+                          <m:t>O</m:t>
+                        </m:r>
+                        <m:r>
+                          <a:rPr lang="fr-FR" sz="1200" i="1">
+                            <a:latin typeface="Cambria Math" panose="02040503050406030204" pitchFamily="18" charset="0"/>
+                          </a:rPr>
+                          <m:t>,</m:t>
+                        </m:r>
+                        <m:acc>
+                          <m:accPr>
+                            <m:chr m:val="⃗"/>
+                            <m:ctrlPr>
+                              <a:rPr lang="fr-FR" sz="1200" i="1">
+                                <a:latin typeface="Cambria Math" panose="02040503050406030204" pitchFamily="18" charset="0"/>
+                              </a:rPr>
+                            </m:ctrlPr>
+                          </m:accPr>
+                          <m:e>
+                            <m:sSub>
+                              <m:sSubPr>
+                                <m:ctrlPr>
+                                  <a:rPr lang="fr-FR" sz="1200" i="1">
+                                    <a:latin typeface="Cambria Math" panose="02040503050406030204" pitchFamily="18" charset="0"/>
+                                  </a:rPr>
+                                </m:ctrlPr>
+                              </m:sSubPr>
+                              <m:e>
+                                <m:r>
+                                  <a:rPr lang="fr-FR" sz="1200" i="1">
+                                    <a:latin typeface="Cambria Math" panose="02040503050406030204" pitchFamily="18" charset="0"/>
+                                  </a:rPr>
+                                  <m:t>𝑥</m:t>
+                                </m:r>
+                              </m:e>
+                              <m:sub>
+                                <m:r>
+                                  <a:rPr lang="fr-FR" sz="1200" i="1">
+                                    <a:latin typeface="Cambria Math" panose="02040503050406030204" pitchFamily="18" charset="0"/>
+                                  </a:rPr>
+                                  <m:t>0</m:t>
+                                </m:r>
+                              </m:sub>
+                            </m:sSub>
+                          </m:e>
+                        </m:acc>
+                      </m:e>
+                    </m:d>
+                  </m:oMath>
+                </a14:m>
+                <a:endParaRPr lang="fr-FR" sz="1200" dirty="0"/>
+              </a:p>
+              <a:p>
+                <a:pPr lvl="1">
+                  <a:lnSpc>
+                    <a:spcPct val="120000"/>
+                  </a:lnSpc>
+                  <a:buClr>
+                    <a:schemeClr val="tx2">
+                      <a:lumMod val="60000"/>
+                      <a:lumOff val="40000"/>
+                    </a:schemeClr>
+                  </a:buClr>
+                  <a:buFont typeface="Wingdings" panose="05000000000000000000" pitchFamily="2" charset="2"/>
+                  <a:buChar char="Ü"/>
+                </a:pPr>
+                <a:r>
+                  <a:rPr lang="fr-FR" sz="1200" dirty="0"/>
+                  <a:t> Translation de 2 par rapport à 1 suivant </a:t>
+                </a:r>
+                <a14:m>
+                  <m:oMath xmlns:m="http://schemas.openxmlformats.org/officeDocument/2006/math">
+                    <m:acc>
+                      <m:accPr>
+                        <m:chr m:val="⃗"/>
+                        <m:ctrlPr>
+                          <a:rPr lang="fr-FR" sz="1200" i="1" smtClean="0">
+                            <a:latin typeface="Cambria Math" panose="02040503050406030204" pitchFamily="18" charset="0"/>
+                          </a:rPr>
+                        </m:ctrlPr>
+                      </m:accPr>
+                      <m:e>
+                        <m:sSub>
+                          <m:sSubPr>
+                            <m:ctrlPr>
+                              <a:rPr lang="fr-FR" sz="1200" b="0" i="1" smtClean="0">
+                                <a:latin typeface="Cambria Math" panose="02040503050406030204" pitchFamily="18" charset="0"/>
+                              </a:rPr>
+                            </m:ctrlPr>
+                          </m:sSubPr>
+                          <m:e>
+                            <m:r>
+                              <a:rPr lang="fr-FR" sz="1200" b="0" i="1" smtClean="0">
+                                <a:latin typeface="Cambria Math" panose="02040503050406030204" pitchFamily="18" charset="0"/>
+                              </a:rPr>
+                              <m:t>𝑧</m:t>
+                            </m:r>
+                          </m:e>
+                          <m:sub>
+                            <m:r>
+                              <a:rPr lang="fr-FR" sz="1200" b="0" i="1" smtClean="0">
+                                <a:latin typeface="Cambria Math" panose="02040503050406030204" pitchFamily="18" charset="0"/>
+                              </a:rPr>
+                              <m:t>1</m:t>
+                            </m:r>
+                          </m:sub>
+                        </m:sSub>
+                      </m:e>
+                    </m:acc>
+                  </m:oMath>
+                </a14:m>
+                <a:endParaRPr lang="fr-FR" sz="1200" dirty="0"/>
+              </a:p>
+              <a:p>
+                <a:pPr>
+                  <a:lnSpc>
+                    <a:spcPct val="120000"/>
+                  </a:lnSpc>
+                  <a:buClr>
+                    <a:schemeClr val="tx2">
+                      <a:lumMod val="60000"/>
+                      <a:lumOff val="40000"/>
+                    </a:schemeClr>
+                  </a:buClr>
+                  <a:buFont typeface="Wingdings" panose="05000000000000000000" pitchFamily="2" charset="2"/>
+                  <a:buChar char="Ü"/>
+                </a:pPr>
+                <a14:m>
+                  <m:oMath xmlns:m="http://schemas.openxmlformats.org/officeDocument/2006/math">
+                    <m:sSub>
+                      <m:sSubPr>
+                        <m:ctrlPr>
+                          <a:rPr lang="fr-FR" sz="1400" b="0" i="1" smtClean="0">
+                            <a:latin typeface="Cambria Math" panose="02040503050406030204" pitchFamily="18" charset="0"/>
+                          </a:rPr>
+                        </m:ctrlPr>
+                      </m:sSubPr>
+                      <m:e>
+                        <m:r>
+                          <a:rPr lang="fr-FR" sz="1400" b="0" i="1" smtClean="0">
+                            <a:latin typeface="Cambria Math" panose="02040503050406030204" pitchFamily="18" charset="0"/>
+                          </a:rPr>
+                          <m:t>𝐸</m:t>
+                        </m:r>
+                      </m:e>
+                      <m:sub>
+                        <m:r>
+                          <a:rPr lang="fr-FR" sz="1400" b="0" i="1" smtClean="0">
+                            <a:latin typeface="Cambria Math" panose="02040503050406030204" pitchFamily="18" charset="0"/>
+                          </a:rPr>
+                          <m:t>𝑠</m:t>
+                        </m:r>
+                      </m:sub>
+                    </m:sSub>
+                    <m:r>
+                      <a:rPr lang="fr-FR" sz="1400" b="0" i="1" smtClean="0">
+                        <a:latin typeface="Cambria Math" panose="02040503050406030204" pitchFamily="18" charset="0"/>
+                      </a:rPr>
+                      <m:t>=</m:t>
+                    </m:r>
+                    <m:r>
+                      <a:rPr lang="fr-FR" sz="1400" b="0" i="1" smtClean="0">
+                        <a:latin typeface="Cambria Math" panose="02040503050406030204" pitchFamily="18" charset="0"/>
+                      </a:rPr>
+                      <m:t>2</m:t>
+                    </m:r>
+                    <m:r>
+                      <a:rPr lang="fr-FR" sz="1400" b="0" i="1" smtClean="0">
+                        <a:latin typeface="Cambria Math" panose="02040503050406030204" pitchFamily="18" charset="0"/>
+                      </a:rPr>
+                      <m:t>×6</m:t>
+                    </m:r>
+                    <m:r>
+                      <a:rPr lang="fr-FR" sz="1400" b="0" i="1" smtClean="0">
+                        <a:latin typeface="Cambria Math" panose="02040503050406030204" pitchFamily="18" charset="0"/>
+                      </a:rPr>
+                      <m:t>=12</m:t>
+                    </m:r>
+                  </m:oMath>
+                </a14:m>
+                <a:endParaRPr lang="fr-FR" sz="1400" b="0" dirty="0"/>
+              </a:p>
+              <a:p>
+                <a:pPr lvl="1">
+                  <a:lnSpc>
+                    <a:spcPct val="120000"/>
+                  </a:lnSpc>
+                  <a:buClr>
+                    <a:schemeClr val="tx2">
+                      <a:lumMod val="60000"/>
+                      <a:lumOff val="40000"/>
+                    </a:schemeClr>
+                  </a:buClr>
+                  <a:buFont typeface="Wingdings" panose="05000000000000000000" pitchFamily="2" charset="2"/>
+                  <a:buChar char="Ü"/>
+                </a:pPr>
+                <a:r>
+                  <a:rPr lang="fr-FR" sz="1200" dirty="0"/>
+                  <a:t> On peut isoler les pièces 1 et2</a:t>
+                </a:r>
+              </a:p>
+              <a:p>
+                <a:pPr>
+                  <a:lnSpc>
+                    <a:spcPct val="120000"/>
+                  </a:lnSpc>
+                  <a:buClr>
+                    <a:schemeClr val="tx2">
+                      <a:lumMod val="60000"/>
+                      <a:lumOff val="40000"/>
+                    </a:schemeClr>
+                  </a:buClr>
+                  <a:buFont typeface="Wingdings" panose="05000000000000000000" pitchFamily="2" charset="2"/>
+                  <a:buChar char="Ü"/>
+                </a:pPr>
+                <a14:m>
+                  <m:oMath xmlns:m="http://schemas.openxmlformats.org/officeDocument/2006/math">
+                    <m:sSub>
+                      <m:sSubPr>
+                        <m:ctrlPr>
+                          <a:rPr lang="fr-FR" sz="1400" b="0" i="1" smtClean="0">
+                            <a:latin typeface="Cambria Math" panose="02040503050406030204" pitchFamily="18" charset="0"/>
+                          </a:rPr>
+                        </m:ctrlPr>
+                      </m:sSubPr>
+                      <m:e>
+                        <m:r>
+                          <a:rPr lang="fr-FR" sz="1400" b="0" i="1" smtClean="0">
+                            <a:latin typeface="Cambria Math" panose="02040503050406030204" pitchFamily="18" charset="0"/>
+                          </a:rPr>
+                          <m:t>𝐼</m:t>
+                        </m:r>
+                      </m:e>
+                      <m:sub>
+                        <m:r>
+                          <a:rPr lang="fr-FR" sz="1400" b="0" i="1" smtClean="0">
+                            <a:latin typeface="Cambria Math" panose="02040503050406030204" pitchFamily="18" charset="0"/>
+                          </a:rPr>
+                          <m:t>𝑆</m:t>
+                        </m:r>
+                      </m:sub>
+                    </m:sSub>
+                    <m:r>
+                      <a:rPr lang="fr-FR" sz="1400" b="0" i="1" smtClean="0">
+                        <a:latin typeface="Cambria Math" panose="02040503050406030204" pitchFamily="18" charset="0"/>
+                      </a:rPr>
+                      <m:t>=</m:t>
+                    </m:r>
+                    <m:r>
+                      <a:rPr lang="fr-FR" sz="1400" b="0" i="1" smtClean="0">
+                        <a:latin typeface="Cambria Math" panose="02040503050406030204" pitchFamily="18" charset="0"/>
+                      </a:rPr>
+                      <m:t>4</m:t>
+                    </m:r>
+                    <m:r>
+                      <a:rPr lang="fr-FR" sz="1400" b="0" i="1" smtClean="0">
+                        <a:latin typeface="Cambria Math" panose="02040503050406030204" pitchFamily="18" charset="0"/>
+                      </a:rPr>
+                      <m:t>×</m:t>
+                    </m:r>
+                    <m:r>
+                      <a:rPr lang="fr-FR" sz="1400" b="0" i="1" smtClean="0">
+                        <a:latin typeface="Cambria Math" panose="02040503050406030204" pitchFamily="18" charset="0"/>
+                      </a:rPr>
+                      <m:t>2+5×1=13</m:t>
+                    </m:r>
+                  </m:oMath>
+                </a14:m>
+                <a:endParaRPr lang="fr-FR" sz="1400" b="0" dirty="0"/>
+              </a:p>
+              <a:p>
+                <a:pPr lvl="1">
+                  <a:lnSpc>
+                    <a:spcPct val="120000"/>
+                  </a:lnSpc>
+                  <a:buClr>
+                    <a:schemeClr val="tx2">
+                      <a:lumMod val="60000"/>
+                      <a:lumOff val="40000"/>
+                    </a:schemeClr>
+                  </a:buClr>
+                  <a:buFont typeface="Wingdings" panose="05000000000000000000" pitchFamily="2" charset="2"/>
+                  <a:buChar char="Ü"/>
+                </a:pPr>
+                <a:r>
+                  <a:rPr lang="fr-FR" sz="1200" dirty="0"/>
+                  <a:t> 2 liaisons pivot glissant (4), 1 liaison pivot (5)</a:t>
+                </a:r>
+              </a:p>
+              <a:p>
+                <a:pPr>
+                  <a:lnSpc>
+                    <a:spcPct val="120000"/>
+                  </a:lnSpc>
+                  <a:buClr>
+                    <a:schemeClr val="tx2">
+                      <a:lumMod val="60000"/>
+                      <a:lumOff val="40000"/>
+                    </a:schemeClr>
+                  </a:buClr>
+                  <a:buFont typeface="Wingdings" panose="05000000000000000000" pitchFamily="2" charset="2"/>
+                  <a:buChar char="Ü"/>
+                </a:pPr>
+                <a:r>
+                  <a:rPr lang="fr-FR" sz="1400" dirty="0"/>
+                  <a:t> L’hyperstatisme permet de garantir une plus grande rigidité du système de translation.</a:t>
+                </a:r>
+              </a:p>
+              <a:p>
+                <a:pPr>
+                  <a:lnSpc>
+                    <a:spcPct val="120000"/>
+                  </a:lnSpc>
+                  <a:buClr>
+                    <a:schemeClr val="tx2">
+                      <a:lumMod val="60000"/>
+                      <a:lumOff val="40000"/>
+                    </a:schemeClr>
+                  </a:buClr>
+                  <a:buFont typeface="Wingdings" panose="05000000000000000000" pitchFamily="2" charset="2"/>
+                  <a:buChar char="Ü"/>
+                </a:pPr>
+                <a:r>
+                  <a:rPr lang="fr-FR" sz="1400" b="1" dirty="0"/>
+                  <a:t>Pour assurer la mobilité il faut garantir </a:t>
+                </a:r>
+              </a:p>
+              <a:p>
+                <a:pPr lvl="1">
+                  <a:lnSpc>
+                    <a:spcPct val="120000"/>
+                  </a:lnSpc>
+                  <a:buClr>
+                    <a:schemeClr val="tx2">
+                      <a:lumMod val="60000"/>
+                      <a:lumOff val="40000"/>
+                    </a:schemeClr>
+                  </a:buClr>
+                  <a:buFont typeface="Wingdings" panose="05000000000000000000" pitchFamily="2" charset="2"/>
+                  <a:buChar char="Ü"/>
+                </a:pPr>
+                <a:r>
+                  <a:rPr lang="fr-FR" sz="1200" b="1" dirty="0"/>
+                  <a:t>l’entraxe entre les axes de liaisons pivot glissant suivant la direction </a:t>
+                </a:r>
+                <a14:m>
+                  <m:oMath xmlns:m="http://schemas.openxmlformats.org/officeDocument/2006/math">
+                    <m:acc>
+                      <m:accPr>
+                        <m:chr m:val="⃗"/>
+                        <m:ctrlPr>
+                          <a:rPr lang="fr-FR" sz="1200" i="1">
+                            <a:latin typeface="Cambria Math" panose="02040503050406030204" pitchFamily="18" charset="0"/>
+                          </a:rPr>
+                        </m:ctrlPr>
+                      </m:accPr>
+                      <m:e>
+                        <m:sSub>
+                          <m:sSubPr>
+                            <m:ctrlPr>
+                              <a:rPr lang="fr-FR" sz="1200" i="1">
+                                <a:latin typeface="Cambria Math" panose="02040503050406030204" pitchFamily="18" charset="0"/>
+                              </a:rPr>
+                            </m:ctrlPr>
+                          </m:sSubPr>
+                          <m:e>
+                            <m:r>
+                              <a:rPr lang="fr-FR" sz="1200" b="0" i="1" smtClean="0">
+                                <a:latin typeface="Cambria Math" panose="02040503050406030204" pitchFamily="18" charset="0"/>
+                              </a:rPr>
+                              <m:t>𝑦</m:t>
+                            </m:r>
+                          </m:e>
+                          <m:sub>
+                            <m:r>
+                              <a:rPr lang="fr-FR" sz="1200" i="1">
+                                <a:latin typeface="Cambria Math" panose="02040503050406030204" pitchFamily="18" charset="0"/>
+                              </a:rPr>
+                              <m:t>0</m:t>
+                            </m:r>
+                          </m:sub>
+                        </m:sSub>
+                      </m:e>
+                    </m:acc>
+                  </m:oMath>
+                </a14:m>
+                <a:endParaRPr lang="fr-FR" sz="1200" dirty="0"/>
+              </a:p>
+              <a:p>
+                <a:pPr lvl="1">
+                  <a:lnSpc>
+                    <a:spcPct val="120000"/>
+                  </a:lnSpc>
+                  <a:buClr>
+                    <a:schemeClr val="tx2">
+                      <a:lumMod val="60000"/>
+                      <a:lumOff val="40000"/>
+                    </a:schemeClr>
+                  </a:buClr>
+                  <a:buFont typeface="Wingdings" panose="05000000000000000000" pitchFamily="2" charset="2"/>
+                  <a:buChar char="Ü"/>
+                </a:pPr>
+                <a:r>
+                  <a:rPr lang="fr-FR" sz="1200" b="1" dirty="0"/>
+                  <a:t>le parallélisme des axes des liaisons pivot glissant autour des directions </a:t>
+                </a:r>
+                <a14:m>
+                  <m:oMath xmlns:m="http://schemas.openxmlformats.org/officeDocument/2006/math">
+                    <m:acc>
+                      <m:accPr>
+                        <m:chr m:val="⃗"/>
+                        <m:ctrlPr>
+                          <a:rPr lang="fr-FR" sz="1200" i="1">
+                            <a:latin typeface="Cambria Math" panose="02040503050406030204" pitchFamily="18" charset="0"/>
+                          </a:rPr>
+                        </m:ctrlPr>
+                      </m:accPr>
+                      <m:e>
+                        <m:sSub>
+                          <m:sSubPr>
+                            <m:ctrlPr>
+                              <a:rPr lang="fr-FR" sz="1200" i="1">
+                                <a:latin typeface="Cambria Math" panose="02040503050406030204" pitchFamily="18" charset="0"/>
+                              </a:rPr>
+                            </m:ctrlPr>
+                          </m:sSubPr>
+                          <m:e>
+                            <m:r>
+                              <a:rPr lang="fr-FR" sz="1200" b="0" i="1" smtClean="0">
+                                <a:latin typeface="Cambria Math" panose="02040503050406030204" pitchFamily="18" charset="0"/>
+                              </a:rPr>
+                              <m:t>𝑥</m:t>
+                            </m:r>
+                          </m:e>
+                          <m:sub>
+                            <m:r>
+                              <a:rPr lang="fr-FR" sz="1200" i="1">
+                                <a:latin typeface="Cambria Math" panose="02040503050406030204" pitchFamily="18" charset="0"/>
+                              </a:rPr>
+                              <m:t>0</m:t>
+                            </m:r>
+                          </m:sub>
+                        </m:sSub>
+                      </m:e>
+                    </m:acc>
+                  </m:oMath>
+                </a14:m>
+                <a:r>
+                  <a:rPr lang="fr-FR" sz="1200" b="1" dirty="0"/>
+                  <a:t> et </a:t>
+                </a:r>
+                <a14:m>
+                  <m:oMath xmlns:m="http://schemas.openxmlformats.org/officeDocument/2006/math">
+                    <m:acc>
+                      <m:accPr>
+                        <m:chr m:val="⃗"/>
+                        <m:ctrlPr>
+                          <a:rPr lang="fr-FR" sz="1200" i="1">
+                            <a:latin typeface="Cambria Math" panose="02040503050406030204" pitchFamily="18" charset="0"/>
+                          </a:rPr>
+                        </m:ctrlPr>
+                      </m:accPr>
+                      <m:e>
+                        <m:sSub>
+                          <m:sSubPr>
+                            <m:ctrlPr>
+                              <a:rPr lang="fr-FR" sz="1200" i="1">
+                                <a:latin typeface="Cambria Math" panose="02040503050406030204" pitchFamily="18" charset="0"/>
+                              </a:rPr>
+                            </m:ctrlPr>
+                          </m:sSubPr>
+                          <m:e>
+                            <m:r>
+                              <a:rPr lang="fr-FR" sz="1200" i="1">
+                                <a:latin typeface="Cambria Math" panose="02040503050406030204" pitchFamily="18" charset="0"/>
+                              </a:rPr>
+                              <m:t>𝑦</m:t>
+                            </m:r>
+                          </m:e>
+                          <m:sub>
+                            <m:r>
+                              <a:rPr lang="fr-FR" sz="1200" i="1">
+                                <a:latin typeface="Cambria Math" panose="02040503050406030204" pitchFamily="18" charset="0"/>
+                              </a:rPr>
+                              <m:t>0</m:t>
+                            </m:r>
+                          </m:sub>
+                        </m:sSub>
+                      </m:e>
+                    </m:acc>
+                  </m:oMath>
+                </a14:m>
+                <a:endParaRPr lang="fr-FR" sz="1400" dirty="0"/>
+              </a:p>
+              <a:p>
+                <a:pPr>
+                  <a:lnSpc>
+                    <a:spcPct val="120000"/>
+                  </a:lnSpc>
+                  <a:buClr>
+                    <a:schemeClr val="tx2">
+                      <a:lumMod val="60000"/>
+                      <a:lumOff val="40000"/>
+                    </a:schemeClr>
+                  </a:buClr>
+                  <a:buFont typeface="Wingdings" panose="05000000000000000000" pitchFamily="2" charset="2"/>
+                  <a:buChar char="Ü"/>
+                </a:pPr>
+                <a:r>
+                  <a:rPr lang="fr-FR" sz="1400" b="1" dirty="0"/>
+                  <a:t>Pour rendre le modèle isostatique</a:t>
+                </a:r>
+              </a:p>
+              <a:p>
+                <a:pPr lvl="1">
+                  <a:lnSpc>
+                    <a:spcPct val="120000"/>
+                  </a:lnSpc>
+                  <a:buClr>
+                    <a:schemeClr val="tx2">
+                      <a:lumMod val="60000"/>
+                      <a:lumOff val="40000"/>
+                    </a:schemeClr>
+                  </a:buClr>
+                  <a:buFont typeface="Wingdings" panose="05000000000000000000" pitchFamily="2" charset="2"/>
+                  <a:buChar char="Ü"/>
+                </a:pPr>
+                <a:r>
+                  <a:rPr lang="fr-FR" sz="1200" dirty="0"/>
+                  <a:t>On peut remplacer une liaison pivot glissant par une ponctuelle de normale </a:t>
+                </a:r>
+                <a14:m>
+                  <m:oMath xmlns:m="http://schemas.openxmlformats.org/officeDocument/2006/math">
+                    <m:acc>
+                      <m:accPr>
+                        <m:chr m:val="⃗"/>
+                        <m:ctrlPr>
+                          <a:rPr lang="fr-FR" sz="1200" i="1">
+                            <a:latin typeface="Cambria Math" panose="02040503050406030204" pitchFamily="18" charset="0"/>
+                          </a:rPr>
+                        </m:ctrlPr>
+                      </m:accPr>
+                      <m:e>
+                        <m:sSub>
+                          <m:sSubPr>
+                            <m:ctrlPr>
+                              <a:rPr lang="fr-FR" sz="1200" i="1">
+                                <a:latin typeface="Cambria Math" panose="02040503050406030204" pitchFamily="18" charset="0"/>
+                              </a:rPr>
+                            </m:ctrlPr>
+                          </m:sSubPr>
+                          <m:e>
+                            <m:r>
+                              <a:rPr lang="fr-FR" sz="1200" b="0" i="1" smtClean="0">
+                                <a:latin typeface="Cambria Math" panose="02040503050406030204" pitchFamily="18" charset="0"/>
+                              </a:rPr>
+                              <m:t>𝑥</m:t>
+                            </m:r>
+                          </m:e>
+                          <m:sub>
+                            <m:r>
+                              <a:rPr lang="fr-FR" sz="1200" i="1">
+                                <a:latin typeface="Cambria Math" panose="02040503050406030204" pitchFamily="18" charset="0"/>
+                              </a:rPr>
+                              <m:t>0</m:t>
+                            </m:r>
+                          </m:sub>
+                        </m:sSub>
+                      </m:e>
+                    </m:acc>
+                  </m:oMath>
+                </a14:m>
+                <a:endParaRPr lang="fr-FR" sz="1200" dirty="0"/>
+              </a:p>
+              <a:p>
+                <a:pPr lvl="1">
+                  <a:lnSpc>
+                    <a:spcPct val="120000"/>
+                  </a:lnSpc>
+                  <a:buClr>
+                    <a:schemeClr val="tx2">
+                      <a:lumMod val="60000"/>
+                      <a:lumOff val="40000"/>
+                    </a:schemeClr>
+                  </a:buClr>
+                  <a:buFont typeface="Wingdings" panose="05000000000000000000" pitchFamily="2" charset="2"/>
+                  <a:buChar char="Ü"/>
+                </a:pPr>
+                <a:endParaRPr lang="fr-FR" sz="1200" b="1" dirty="0"/>
+              </a:p>
+              <a:p>
+                <a:pPr marL="0" indent="0">
+                  <a:lnSpc>
+                    <a:spcPct val="120000"/>
+                  </a:lnSpc>
+                  <a:buClr>
+                    <a:schemeClr val="tx2">
+                      <a:lumMod val="60000"/>
+                      <a:lumOff val="40000"/>
+                    </a:schemeClr>
+                  </a:buClr>
+                  <a:buNone/>
+                </a:pPr>
+                <a:endParaRPr lang="fr-FR" sz="1400" b="1" dirty="0"/>
               </a:p>
             </p:txBody>
           </p:sp>
         </mc:Choice>
-        <mc:Fallback xmlns="">
+        <mc:Fallback>
           <p:sp>
             <p:nvSpPr>
-              <p:cNvPr id="14" name="ZoneTexte 13">
+              <p:cNvPr id="63" name="Espace réservé du contenu 11">
                 <a:extLst>
                   <a:ext uri="{FF2B5EF4-FFF2-40B4-BE49-F238E27FC236}">
-                    <a16:creationId xmlns:a16="http://schemas.microsoft.com/office/drawing/2014/main" id="{142044F6-627E-A588-3BEE-94A05046CD48}"/>
+                    <a16:creationId xmlns:a16="http://schemas.microsoft.com/office/drawing/2014/main" id="{C0A142C9-F62B-BF4C-7120-55DC3ADBF6DF}"/>
                   </a:ext>
                 </a:extLst>
               </p:cNvPr>
@@ -14969,8 +18650,8 @@
             </p:nvSpPr>
             <p:spPr>
               <a:xfrm>
-                <a:off x="7550493" y="3306325"/>
-                <a:ext cx="207301" cy="274434"/>
+                <a:off x="6069049" y="1073050"/>
+                <a:ext cx="5786253" cy="4984850"/>
               </a:xfrm>
               <a:prstGeom prst="rect">
                 <a:avLst/>
@@ -14978,611 +18659,7 @@
               <a:blipFill>
                 <a:blip r:embed="rId2"/>
                 <a:stretch>
-                  <a:fillRect l="-23529" r="-5882" b="-13333"/>
-                </a:stretch>
-              </a:blipFill>
-            </p:spPr>
-            <p:txBody>
-              <a:bodyPr/>
-              <a:lstStyle/>
-              <a:p>
-                <a:r>
-                  <a:rPr lang="fr-FR">
-                    <a:noFill/>
-                  </a:rPr>
-                  <a:t> </a:t>
-                </a:r>
-              </a:p>
-            </p:txBody>
-          </p:sp>
-        </mc:Fallback>
-      </mc:AlternateContent>
-      <mc:AlternateContent xmlns:mc="http://schemas.openxmlformats.org/markup-compatibility/2006" xmlns:a14="http://schemas.microsoft.com/office/drawing/2010/main">
-        <mc:Choice Requires="a14">
-          <p:sp>
-            <p:nvSpPr>
-              <p:cNvPr id="15" name="ZoneTexte 14">
-                <a:extLst>
-                  <a:ext uri="{FF2B5EF4-FFF2-40B4-BE49-F238E27FC236}">
-                    <a16:creationId xmlns:a16="http://schemas.microsoft.com/office/drawing/2014/main" id="{C50AACF2-1C72-3DEF-1779-3BCD83C445A6}"/>
-                  </a:ext>
-                </a:extLst>
-              </p:cNvPr>
-              <p:cNvSpPr txBox="1"/>
-              <p:nvPr/>
-            </p:nvSpPr>
-            <p:spPr>
-              <a:xfrm>
-                <a:off x="6015077" y="1721608"/>
-                <a:ext cx="208327" cy="274434"/>
-              </a:xfrm>
-              <a:prstGeom prst="rect">
-                <a:avLst/>
-              </a:prstGeom>
-              <a:noFill/>
-            </p:spPr>
-            <p:txBody>
-              <a:bodyPr wrap="none" lIns="0" tIns="0" rIns="0" bIns="0" rtlCol="0">
-                <a:spAutoFit/>
-              </a:bodyPr>
-              <a:lstStyle/>
-              <a:p>
-                <a:pPr/>
-                <a14:m>
-                  <m:oMathPara xmlns:m="http://schemas.openxmlformats.org/officeDocument/2006/math">
-                    <m:oMathParaPr>
-                      <m:jc m:val="centerGroup"/>
-                    </m:oMathParaPr>
-                    <m:oMath xmlns:m="http://schemas.openxmlformats.org/officeDocument/2006/math">
-                      <m:acc>
-                        <m:accPr>
-                          <m:chr m:val="⃗"/>
-                          <m:ctrlPr>
-                            <a:rPr lang="fr-FR" sz="1600" i="1" smtClean="0">
-                              <a:latin typeface="Cambria Math" panose="02040503050406030204" pitchFamily="18" charset="0"/>
-                            </a:rPr>
-                          </m:ctrlPr>
-                        </m:accPr>
-                        <m:e>
-                          <m:sSub>
-                            <m:sSubPr>
-                              <m:ctrlPr>
-                                <a:rPr lang="fr-FR" sz="1600" b="0" i="1" smtClean="0">
-                                  <a:latin typeface="Cambria Math" panose="02040503050406030204" pitchFamily="18" charset="0"/>
-                                </a:rPr>
-                              </m:ctrlPr>
-                            </m:sSubPr>
-                            <m:e>
-                              <m:r>
-                                <a:rPr lang="fr-FR" sz="1600" b="0" i="1" smtClean="0">
-                                  <a:latin typeface="Cambria Math" panose="02040503050406030204" pitchFamily="18" charset="0"/>
-                                </a:rPr>
-                                <m:t>𝑗</m:t>
-                              </m:r>
-                            </m:e>
-                            <m:sub>
-                              <m:r>
-                                <a:rPr lang="fr-FR" sz="1600" b="0" i="1" smtClean="0">
-                                  <a:latin typeface="Cambria Math" panose="02040503050406030204" pitchFamily="18" charset="0"/>
-                                </a:rPr>
-                                <m:t>0</m:t>
-                              </m:r>
-                            </m:sub>
-                          </m:sSub>
-                        </m:e>
-                      </m:acc>
-                    </m:oMath>
-                  </m:oMathPara>
-                </a14:m>
-                <a:endParaRPr lang="fr-FR" sz="1600" dirty="0"/>
-              </a:p>
-            </p:txBody>
-          </p:sp>
-        </mc:Choice>
-        <mc:Fallback xmlns="">
-          <p:sp>
-            <p:nvSpPr>
-              <p:cNvPr id="15" name="ZoneTexte 14">
-                <a:extLst>
-                  <a:ext uri="{FF2B5EF4-FFF2-40B4-BE49-F238E27FC236}">
-                    <a16:creationId xmlns:a16="http://schemas.microsoft.com/office/drawing/2014/main" id="{C50AACF2-1C72-3DEF-1779-3BCD83C445A6}"/>
-                  </a:ext>
-                </a:extLst>
-              </p:cNvPr>
-              <p:cNvSpPr txBox="1">
-                <a:spLocks noRot="1" noChangeAspect="1" noMove="1" noResize="1" noEditPoints="1" noAdjustHandles="1" noChangeArrowheads="1" noChangeShapeType="1" noTextEdit="1"/>
-              </p:cNvSpPr>
-              <p:nvPr/>
-            </p:nvSpPr>
-            <p:spPr>
-              <a:xfrm>
-                <a:off x="6015077" y="1721608"/>
-                <a:ext cx="208327" cy="274434"/>
-              </a:xfrm>
-              <a:prstGeom prst="rect">
-                <a:avLst/>
-              </a:prstGeom>
-              <a:blipFill>
-                <a:blip r:embed="rId3"/>
-                <a:stretch>
-                  <a:fillRect l="-32353" r="-8824" b="-28889"/>
-                </a:stretch>
-              </a:blipFill>
-            </p:spPr>
-            <p:txBody>
-              <a:bodyPr/>
-              <a:lstStyle/>
-              <a:p>
-                <a:r>
-                  <a:rPr lang="fr-FR">
-                    <a:noFill/>
-                  </a:rPr>
-                  <a:t> </a:t>
-                </a:r>
-              </a:p>
-            </p:txBody>
-          </p:sp>
-        </mc:Fallback>
-      </mc:AlternateContent>
-      <mc:AlternateContent xmlns:mc="http://schemas.openxmlformats.org/markup-compatibility/2006" xmlns:a14="http://schemas.microsoft.com/office/drawing/2010/main">
-        <mc:Choice Requires="a14">
-          <p:sp>
-            <p:nvSpPr>
-              <p:cNvPr id="16" name="ZoneTexte 15">
-                <a:extLst>
-                  <a:ext uri="{FF2B5EF4-FFF2-40B4-BE49-F238E27FC236}">
-                    <a16:creationId xmlns:a16="http://schemas.microsoft.com/office/drawing/2014/main" id="{0FC720A2-9E99-D18B-004F-187199F2FD85}"/>
-                  </a:ext>
-                </a:extLst>
-              </p:cNvPr>
-              <p:cNvSpPr txBox="1"/>
-              <p:nvPr/>
-            </p:nvSpPr>
-            <p:spPr>
-              <a:xfrm>
-                <a:off x="6015077" y="3622813"/>
-                <a:ext cx="255391" cy="282641"/>
-              </a:xfrm>
-              <a:prstGeom prst="rect">
-                <a:avLst/>
-              </a:prstGeom>
-              <a:noFill/>
-            </p:spPr>
-            <p:txBody>
-              <a:bodyPr wrap="none" lIns="0" tIns="0" rIns="0" bIns="0" rtlCol="0">
-                <a:spAutoFit/>
-              </a:bodyPr>
-              <a:lstStyle/>
-              <a:p>
-                <a:pPr/>
-                <a14:m>
-                  <m:oMathPara xmlns:m="http://schemas.openxmlformats.org/officeDocument/2006/math">
-                    <m:oMathParaPr>
-                      <m:jc m:val="centerGroup"/>
-                    </m:oMathParaPr>
-                    <m:oMath xmlns:m="http://schemas.openxmlformats.org/officeDocument/2006/math">
-                      <m:acc>
-                        <m:accPr>
-                          <m:chr m:val="⃗"/>
-                          <m:ctrlPr>
-                            <a:rPr lang="fr-FR" sz="1600" i="1" smtClean="0">
-                              <a:latin typeface="Cambria Math" panose="02040503050406030204" pitchFamily="18" charset="0"/>
-                            </a:rPr>
-                          </m:ctrlPr>
-                        </m:accPr>
-                        <m:e>
-                          <m:sSub>
-                            <m:sSubPr>
-                              <m:ctrlPr>
-                                <a:rPr lang="fr-FR" sz="1600" b="0" i="1" smtClean="0">
-                                  <a:latin typeface="Cambria Math" panose="02040503050406030204" pitchFamily="18" charset="0"/>
-                                </a:rPr>
-                              </m:ctrlPr>
-                            </m:sSubPr>
-                            <m:e>
-                              <m:r>
-                                <a:rPr lang="fr-FR" sz="1600" b="0" i="1" smtClean="0">
-                                  <a:latin typeface="Cambria Math" panose="02040503050406030204" pitchFamily="18" charset="0"/>
-                                </a:rPr>
-                                <m:t>𝑘</m:t>
-                              </m:r>
-                            </m:e>
-                            <m:sub>
-                              <m:r>
-                                <a:rPr lang="fr-FR" sz="1600" b="0" i="1" smtClean="0">
-                                  <a:latin typeface="Cambria Math" panose="02040503050406030204" pitchFamily="18" charset="0"/>
-                                </a:rPr>
-                                <m:t>0</m:t>
-                              </m:r>
-                            </m:sub>
-                          </m:sSub>
-                        </m:e>
-                      </m:acc>
-                    </m:oMath>
-                  </m:oMathPara>
-                </a14:m>
-                <a:endParaRPr lang="fr-FR" sz="1600" dirty="0"/>
-              </a:p>
-            </p:txBody>
-          </p:sp>
-        </mc:Choice>
-        <mc:Fallback xmlns="">
-          <p:sp>
-            <p:nvSpPr>
-              <p:cNvPr id="16" name="ZoneTexte 15">
-                <a:extLst>
-                  <a:ext uri="{FF2B5EF4-FFF2-40B4-BE49-F238E27FC236}">
-                    <a16:creationId xmlns:a16="http://schemas.microsoft.com/office/drawing/2014/main" id="{0FC720A2-9E99-D18B-004F-187199F2FD85}"/>
-                  </a:ext>
-                </a:extLst>
-              </p:cNvPr>
-              <p:cNvSpPr txBox="1">
-                <a:spLocks noRot="1" noChangeAspect="1" noMove="1" noResize="1" noEditPoints="1" noAdjustHandles="1" noChangeArrowheads="1" noChangeShapeType="1" noTextEdit="1"/>
-              </p:cNvSpPr>
-              <p:nvPr/>
-            </p:nvSpPr>
-            <p:spPr>
-              <a:xfrm>
-                <a:off x="6015077" y="3622813"/>
-                <a:ext cx="255391" cy="282641"/>
-              </a:xfrm>
-              <a:prstGeom prst="rect">
-                <a:avLst/>
-              </a:prstGeom>
-              <a:blipFill>
-                <a:blip r:embed="rId4"/>
-                <a:stretch>
-                  <a:fillRect l="-19048" r="-4762" b="-10638"/>
-                </a:stretch>
-              </a:blipFill>
-            </p:spPr>
-            <p:txBody>
-              <a:bodyPr/>
-              <a:lstStyle/>
-              <a:p>
-                <a:r>
-                  <a:rPr lang="fr-FR">
-                    <a:noFill/>
-                  </a:rPr>
-                  <a:t> </a:t>
-                </a:r>
-              </a:p>
-            </p:txBody>
-          </p:sp>
-        </mc:Fallback>
-      </mc:AlternateContent>
-      <mc:AlternateContent xmlns:mc="http://schemas.openxmlformats.org/markup-compatibility/2006" xmlns:a14="http://schemas.microsoft.com/office/drawing/2010/main">
-        <mc:Choice Requires="a14">
-          <p:sp>
-            <p:nvSpPr>
-              <p:cNvPr id="17" name="ZoneTexte 16">
-                <a:extLst>
-                  <a:ext uri="{FF2B5EF4-FFF2-40B4-BE49-F238E27FC236}">
-                    <a16:creationId xmlns:a16="http://schemas.microsoft.com/office/drawing/2014/main" id="{F573D01C-276A-989C-8961-19F79A2A26C5}"/>
-                  </a:ext>
-                </a:extLst>
-              </p:cNvPr>
-              <p:cNvSpPr txBox="1"/>
-              <p:nvPr/>
-            </p:nvSpPr>
-            <p:spPr>
-              <a:xfrm>
-                <a:off x="7270806" y="3181145"/>
-                <a:ext cx="126317" cy="184666"/>
-              </a:xfrm>
-              <a:prstGeom prst="rect">
-                <a:avLst/>
-              </a:prstGeom>
-              <a:noFill/>
-            </p:spPr>
-            <p:txBody>
-              <a:bodyPr wrap="none" lIns="0" tIns="0" rIns="0" bIns="0" rtlCol="0">
-                <a:spAutoFit/>
-              </a:bodyPr>
-              <a:lstStyle/>
-              <a:p>
-                <a:pPr/>
-                <a14:m>
-                  <m:oMathPara xmlns:m="http://schemas.openxmlformats.org/officeDocument/2006/math">
-                    <m:oMathParaPr>
-                      <m:jc m:val="centerGroup"/>
-                    </m:oMathParaPr>
-                    <m:oMath xmlns:m="http://schemas.openxmlformats.org/officeDocument/2006/math">
-                      <m:r>
-                        <a:rPr lang="fr-FR" sz="1200" i="1">
-                          <a:latin typeface="Cambria Math" panose="02040503050406030204" pitchFamily="18" charset="0"/>
-                        </a:rPr>
-                        <m:t>𝜃</m:t>
-                      </m:r>
-                    </m:oMath>
-                  </m:oMathPara>
-                </a14:m>
-                <a:endParaRPr lang="fr-FR" sz="1200" dirty="0"/>
-              </a:p>
-            </p:txBody>
-          </p:sp>
-        </mc:Choice>
-        <mc:Fallback xmlns="">
-          <p:sp>
-            <p:nvSpPr>
-              <p:cNvPr id="17" name="ZoneTexte 16">
-                <a:extLst>
-                  <a:ext uri="{FF2B5EF4-FFF2-40B4-BE49-F238E27FC236}">
-                    <a16:creationId xmlns:a16="http://schemas.microsoft.com/office/drawing/2014/main" id="{F573D01C-276A-989C-8961-19F79A2A26C5}"/>
-                  </a:ext>
-                </a:extLst>
-              </p:cNvPr>
-              <p:cNvSpPr txBox="1">
-                <a:spLocks noRot="1" noChangeAspect="1" noMove="1" noResize="1" noEditPoints="1" noAdjustHandles="1" noChangeArrowheads="1" noChangeShapeType="1" noTextEdit="1"/>
-              </p:cNvSpPr>
-              <p:nvPr/>
-            </p:nvSpPr>
-            <p:spPr>
-              <a:xfrm>
-                <a:off x="7270806" y="3181145"/>
-                <a:ext cx="126317" cy="184666"/>
-              </a:xfrm>
-              <a:prstGeom prst="rect">
-                <a:avLst/>
-              </a:prstGeom>
-              <a:blipFill>
-                <a:blip r:embed="rId5"/>
-                <a:stretch>
-                  <a:fillRect l="-30000" r="-30000" b="-6667"/>
-                </a:stretch>
-              </a:blipFill>
-            </p:spPr>
-            <p:txBody>
-              <a:bodyPr/>
-              <a:lstStyle/>
-              <a:p>
-                <a:r>
-                  <a:rPr lang="fr-FR">
-                    <a:noFill/>
-                  </a:rPr>
-                  <a:t> </a:t>
-                </a:r>
-              </a:p>
-            </p:txBody>
-          </p:sp>
-        </mc:Fallback>
-      </mc:AlternateContent>
-      <mc:AlternateContent xmlns:mc="http://schemas.openxmlformats.org/markup-compatibility/2006" xmlns:a14="http://schemas.microsoft.com/office/drawing/2010/main">
-        <mc:Choice Requires="a14">
-          <p:sp>
-            <p:nvSpPr>
-              <p:cNvPr id="18" name="ZoneTexte 17">
-                <a:extLst>
-                  <a:ext uri="{FF2B5EF4-FFF2-40B4-BE49-F238E27FC236}">
-                    <a16:creationId xmlns:a16="http://schemas.microsoft.com/office/drawing/2014/main" id="{567151A2-551A-05C5-445D-B544B9165B3B}"/>
-                  </a:ext>
-                </a:extLst>
-              </p:cNvPr>
-              <p:cNvSpPr txBox="1"/>
-              <p:nvPr/>
-            </p:nvSpPr>
-            <p:spPr>
-              <a:xfrm>
-                <a:off x="7541731" y="2898848"/>
-                <a:ext cx="202555" cy="274434"/>
-              </a:xfrm>
-              <a:prstGeom prst="rect">
-                <a:avLst/>
-              </a:prstGeom>
-              <a:noFill/>
-            </p:spPr>
-            <p:txBody>
-              <a:bodyPr wrap="none" lIns="0" tIns="0" rIns="0" bIns="0" rtlCol="0">
-                <a:spAutoFit/>
-              </a:bodyPr>
-              <a:lstStyle/>
-              <a:p>
-                <a:pPr/>
-                <a14:m>
-                  <m:oMathPara xmlns:m="http://schemas.openxmlformats.org/officeDocument/2006/math">
-                    <m:oMathParaPr>
-                      <m:jc m:val="centerGroup"/>
-                    </m:oMathParaPr>
-                    <m:oMath xmlns:m="http://schemas.openxmlformats.org/officeDocument/2006/math">
-                      <m:acc>
-                        <m:accPr>
-                          <m:chr m:val="⃗"/>
-                          <m:ctrlPr>
-                            <a:rPr lang="fr-FR" sz="1600" i="1" smtClean="0">
-                              <a:latin typeface="Cambria Math" panose="02040503050406030204" pitchFamily="18" charset="0"/>
-                            </a:rPr>
-                          </m:ctrlPr>
-                        </m:accPr>
-                        <m:e>
-                          <m:sSub>
-                            <m:sSubPr>
-                              <m:ctrlPr>
-                                <a:rPr lang="fr-FR" sz="1600" i="1">
-                                  <a:latin typeface="Cambria Math" panose="02040503050406030204" pitchFamily="18" charset="0"/>
-                                </a:rPr>
-                              </m:ctrlPr>
-                            </m:sSubPr>
-                            <m:e>
-                              <m:r>
-                                <a:rPr lang="fr-FR" sz="1600" b="0" i="1" smtClean="0">
-                                  <a:latin typeface="Cambria Math" panose="02040503050406030204" pitchFamily="18" charset="0"/>
-                                </a:rPr>
-                                <m:t>𝑖</m:t>
-                              </m:r>
-                            </m:e>
-                            <m:sub>
-                              <m:r>
-                                <a:rPr lang="fr-FR" sz="1600" i="1">
-                                  <a:latin typeface="Cambria Math" panose="02040503050406030204" pitchFamily="18" charset="0"/>
-                                </a:rPr>
-                                <m:t>1</m:t>
-                              </m:r>
-                            </m:sub>
-                          </m:sSub>
-                        </m:e>
-                      </m:acc>
-                    </m:oMath>
-                  </m:oMathPara>
-                </a14:m>
-                <a:endParaRPr lang="fr-FR" sz="1600" dirty="0"/>
-              </a:p>
-            </p:txBody>
-          </p:sp>
-        </mc:Choice>
-        <mc:Fallback xmlns="">
-          <p:sp>
-            <p:nvSpPr>
-              <p:cNvPr id="18" name="ZoneTexte 17">
-                <a:extLst>
-                  <a:ext uri="{FF2B5EF4-FFF2-40B4-BE49-F238E27FC236}">
-                    <a16:creationId xmlns:a16="http://schemas.microsoft.com/office/drawing/2014/main" id="{567151A2-551A-05C5-445D-B544B9165B3B}"/>
-                  </a:ext>
-                </a:extLst>
-              </p:cNvPr>
-              <p:cNvSpPr txBox="1">
-                <a:spLocks noRot="1" noChangeAspect="1" noMove="1" noResize="1" noEditPoints="1" noAdjustHandles="1" noChangeArrowheads="1" noChangeShapeType="1" noTextEdit="1"/>
-              </p:cNvSpPr>
-              <p:nvPr/>
-            </p:nvSpPr>
-            <p:spPr>
-              <a:xfrm>
-                <a:off x="7541731" y="2898848"/>
-                <a:ext cx="202555" cy="274434"/>
-              </a:xfrm>
-              <a:prstGeom prst="rect">
-                <a:avLst/>
-              </a:prstGeom>
-              <a:blipFill>
-                <a:blip r:embed="rId6"/>
-                <a:stretch>
-                  <a:fillRect l="-21212" r="-6061" b="-13333"/>
-                </a:stretch>
-              </a:blipFill>
-            </p:spPr>
-            <p:txBody>
-              <a:bodyPr/>
-              <a:lstStyle/>
-              <a:p>
-                <a:r>
-                  <a:rPr lang="fr-FR">
-                    <a:noFill/>
-                  </a:rPr>
-                  <a:t> </a:t>
-                </a:r>
-              </a:p>
-            </p:txBody>
-          </p:sp>
-        </mc:Fallback>
-      </mc:AlternateContent>
-      <mc:AlternateContent xmlns:mc="http://schemas.openxmlformats.org/markup-compatibility/2006" xmlns:a14="http://schemas.microsoft.com/office/drawing/2010/main">
-        <mc:Choice Requires="a14">
-          <p:sp>
-            <p:nvSpPr>
-              <p:cNvPr id="19" name="ZoneTexte 18">
-                <a:extLst>
-                  <a:ext uri="{FF2B5EF4-FFF2-40B4-BE49-F238E27FC236}">
-                    <a16:creationId xmlns:a16="http://schemas.microsoft.com/office/drawing/2014/main" id="{3F4D728A-9646-06EE-62A0-58375971ACB1}"/>
-                  </a:ext>
-                </a:extLst>
-              </p:cNvPr>
-              <p:cNvSpPr txBox="1"/>
-              <p:nvPr/>
-            </p:nvSpPr>
-            <p:spPr>
-              <a:xfrm>
-                <a:off x="5661055" y="1721608"/>
-                <a:ext cx="203581" cy="274434"/>
-              </a:xfrm>
-              <a:prstGeom prst="rect">
-                <a:avLst/>
-              </a:prstGeom>
-              <a:noFill/>
-            </p:spPr>
-            <p:txBody>
-              <a:bodyPr wrap="none" lIns="0" tIns="0" rIns="0" bIns="0" rtlCol="0">
-                <a:spAutoFit/>
-              </a:bodyPr>
-              <a:lstStyle/>
-              <a:p>
-                <a:pPr/>
-                <a14:m>
-                  <m:oMathPara xmlns:m="http://schemas.openxmlformats.org/officeDocument/2006/math">
-                    <m:oMathParaPr>
-                      <m:jc m:val="centerGroup"/>
-                    </m:oMathParaPr>
-                    <m:oMath xmlns:m="http://schemas.openxmlformats.org/officeDocument/2006/math">
-                      <m:acc>
-                        <m:accPr>
-                          <m:chr m:val="⃗"/>
-                          <m:ctrlPr>
-                            <a:rPr lang="fr-FR" sz="1600" i="1" smtClean="0">
-                              <a:latin typeface="Cambria Math" panose="02040503050406030204" pitchFamily="18" charset="0"/>
-                            </a:rPr>
-                          </m:ctrlPr>
-                        </m:accPr>
-                        <m:e>
-                          <m:sSub>
-                            <m:sSubPr>
-                              <m:ctrlPr>
-                                <a:rPr lang="fr-FR" sz="1600" i="1">
-                                  <a:latin typeface="Cambria Math" panose="02040503050406030204" pitchFamily="18" charset="0"/>
-                                </a:rPr>
-                              </m:ctrlPr>
-                            </m:sSubPr>
-                            <m:e>
-                              <m:r>
-                                <a:rPr lang="fr-FR" sz="1600" b="0" i="1" smtClean="0">
-                                  <a:latin typeface="Cambria Math" panose="02040503050406030204" pitchFamily="18" charset="0"/>
-                                </a:rPr>
-                                <m:t>𝑗</m:t>
-                              </m:r>
-                            </m:e>
-                            <m:sub>
-                              <m:r>
-                                <a:rPr lang="fr-FR" sz="1600" i="1">
-                                  <a:latin typeface="Cambria Math" panose="02040503050406030204" pitchFamily="18" charset="0"/>
-                                </a:rPr>
-                                <m:t>1</m:t>
-                              </m:r>
-                            </m:sub>
-                          </m:sSub>
-                        </m:e>
-                      </m:acc>
-                    </m:oMath>
-                  </m:oMathPara>
-                </a14:m>
-                <a:endParaRPr lang="fr-FR" sz="1600" dirty="0"/>
-              </a:p>
-            </p:txBody>
-          </p:sp>
-        </mc:Choice>
-        <mc:Fallback xmlns="">
-          <p:sp>
-            <p:nvSpPr>
-              <p:cNvPr id="19" name="ZoneTexte 18">
-                <a:extLst>
-                  <a:ext uri="{FF2B5EF4-FFF2-40B4-BE49-F238E27FC236}">
-                    <a16:creationId xmlns:a16="http://schemas.microsoft.com/office/drawing/2014/main" id="{3F4D728A-9646-06EE-62A0-58375971ACB1}"/>
-                  </a:ext>
-                </a:extLst>
-              </p:cNvPr>
-              <p:cNvSpPr txBox="1">
-                <a:spLocks noRot="1" noChangeAspect="1" noMove="1" noResize="1" noEditPoints="1" noAdjustHandles="1" noChangeArrowheads="1" noChangeShapeType="1" noTextEdit="1"/>
-              </p:cNvSpPr>
-              <p:nvPr/>
-            </p:nvSpPr>
-            <p:spPr>
-              <a:xfrm>
-                <a:off x="5661055" y="1721608"/>
-                <a:ext cx="203581" cy="274434"/>
-              </a:xfrm>
-              <a:prstGeom prst="rect">
-                <a:avLst/>
-              </a:prstGeom>
-              <a:blipFill>
-                <a:blip r:embed="rId7"/>
-                <a:stretch>
-                  <a:fillRect l="-33333" r="-9091" b="-28889"/>
+                  <a:fillRect l="-1791" t="-122"/>
                 </a:stretch>
               </a:blipFill>
             </p:spPr>
@@ -15603,537 +18680,52 @@
       </mc:AlternateContent>
       <p:sp>
         <p:nvSpPr>
-          <p:cNvPr id="20" name="Forme libre : forme 19">
+          <p:cNvPr id="7" name="Titre 1">
             <a:extLst>
               <a:ext uri="{FF2B5EF4-FFF2-40B4-BE49-F238E27FC236}">
-                <a16:creationId xmlns:a16="http://schemas.microsoft.com/office/drawing/2014/main" id="{0DE24122-C031-D031-9189-16826C7198B5}"/>
+                <a16:creationId xmlns:a16="http://schemas.microsoft.com/office/drawing/2014/main" id="{54FCF82F-BA25-7C39-DC19-F9A93AA8D641}"/>
               </a:ext>
             </a:extLst>
           </p:cNvPr>
-          <p:cNvSpPr/>
-          <p:nvPr/>
+          <p:cNvSpPr>
+            <a:spLocks noGrp="1"/>
+          </p:cNvSpPr>
+          <p:nvPr>
+            <p:ph type="title"/>
+          </p:nvPr>
         </p:nvSpPr>
         <p:spPr>
           <a:xfrm>
-            <a:off x="2302852" y="3655813"/>
-            <a:ext cx="415449" cy="145926"/>
+            <a:off x="0" y="2"/>
+            <a:ext cx="12192000" cy="882796"/>
           </a:xfrm>
-          <a:custGeom>
-            <a:avLst/>
-            <a:gdLst>
-              <a:gd name="connsiteX0" fmla="*/ 0 w 400050"/>
-              <a:gd name="connsiteY0" fmla="*/ 6350 h 134622"/>
-              <a:gd name="connsiteX1" fmla="*/ 63500 w 400050"/>
-              <a:gd name="connsiteY1" fmla="*/ 114300 h 134622"/>
-              <a:gd name="connsiteX2" fmla="*/ 203200 w 400050"/>
-              <a:gd name="connsiteY2" fmla="*/ 69850 h 134622"/>
-              <a:gd name="connsiteX3" fmla="*/ 304800 w 400050"/>
-              <a:gd name="connsiteY3" fmla="*/ 133350 h 134622"/>
-              <a:gd name="connsiteX4" fmla="*/ 400050 w 400050"/>
-              <a:gd name="connsiteY4" fmla="*/ 0 h 134622"/>
-            </a:gdLst>
-            <a:ahLst/>
-            <a:cxnLst>
-              <a:cxn ang="0">
-                <a:pos x="connsiteX0" y="connsiteY0"/>
-              </a:cxn>
-              <a:cxn ang="0">
-                <a:pos x="connsiteX1" y="connsiteY1"/>
-              </a:cxn>
-              <a:cxn ang="0">
-                <a:pos x="connsiteX2" y="connsiteY2"/>
-              </a:cxn>
-              <a:cxn ang="0">
-                <a:pos x="connsiteX3" y="connsiteY3"/>
-              </a:cxn>
-              <a:cxn ang="0">
-                <a:pos x="connsiteX4" y="connsiteY4"/>
-              </a:cxn>
-            </a:cxnLst>
-            <a:rect l="l" t="t" r="r" b="b"/>
-            <a:pathLst>
-              <a:path w="400050" h="134622">
-                <a:moveTo>
-                  <a:pt x="0" y="6350"/>
-                </a:moveTo>
-                <a:cubicBezTo>
-                  <a:pt x="14816" y="55033"/>
-                  <a:pt x="29633" y="103717"/>
-                  <a:pt x="63500" y="114300"/>
-                </a:cubicBezTo>
-                <a:cubicBezTo>
-                  <a:pt x="97367" y="124883"/>
-                  <a:pt x="162983" y="66675"/>
-                  <a:pt x="203200" y="69850"/>
-                </a:cubicBezTo>
-                <a:cubicBezTo>
-                  <a:pt x="243417" y="73025"/>
-                  <a:pt x="271992" y="144992"/>
-                  <a:pt x="304800" y="133350"/>
-                </a:cubicBezTo>
-                <a:cubicBezTo>
-                  <a:pt x="337608" y="121708"/>
-                  <a:pt x="368829" y="60854"/>
-                  <a:pt x="400050" y="0"/>
-                </a:cubicBezTo>
-              </a:path>
-            </a:pathLst>
-          </a:custGeom>
-          <a:solidFill>
-            <a:schemeClr val="bg1">
-              <a:lumMod val="85000"/>
-            </a:schemeClr>
-          </a:solidFill>
-          <a:ln w="19050">
-            <a:solidFill>
-              <a:schemeClr val="tx1"/>
-            </a:solidFill>
-          </a:ln>
         </p:spPr>
-        <p:style>
-          <a:lnRef idx="2">
-            <a:schemeClr val="accent1">
-              <a:shade val="50000"/>
-            </a:schemeClr>
-          </a:lnRef>
-          <a:fillRef idx="1">
-            <a:schemeClr val="accent1"/>
-          </a:fillRef>
-          <a:effectRef idx="0">
-            <a:schemeClr val="accent1"/>
-          </a:effectRef>
-          <a:fontRef idx="minor">
-            <a:schemeClr val="lt1"/>
-          </a:fontRef>
-        </p:style>
         <p:txBody>
-          <a:bodyPr rtlCol="0" anchor="ctr"/>
+          <a:bodyPr>
+            <a:noAutofit/>
+          </a:bodyPr>
           <a:lstStyle/>
           <a:p>
-            <a:pPr algn="ctr"/>
-            <a:endParaRPr lang="fr-FR"/>
-          </a:p>
-        </p:txBody>
-      </p:sp>
-      <p:cxnSp>
-        <p:nvCxnSpPr>
-          <p:cNvPr id="21" name="Connecteur droit 20">
-            <a:extLst>
-              <a:ext uri="{FF2B5EF4-FFF2-40B4-BE49-F238E27FC236}">
-                <a16:creationId xmlns:a16="http://schemas.microsoft.com/office/drawing/2014/main" id="{52321BA6-0CFB-88D1-F3D5-B75DA2B77DFF}"/>
-              </a:ext>
-            </a:extLst>
-          </p:cNvPr>
-          <p:cNvCxnSpPr>
-            <a:cxnSpLocks/>
-            <a:stCxn id="43" idx="4"/>
-          </p:cNvCxnSpPr>
-          <p:nvPr/>
-        </p:nvCxnSpPr>
-        <p:spPr>
-          <a:xfrm>
-            <a:off x="2502283" y="3513708"/>
-            <a:ext cx="0" cy="142105"/>
-          </a:xfrm>
-          <a:prstGeom prst="line">
-            <a:avLst/>
-          </a:prstGeom>
-          <a:noFill/>
-          <a:ln w="28575">
-            <a:solidFill>
-              <a:schemeClr val="tx1"/>
-            </a:solidFill>
-          </a:ln>
-        </p:spPr>
-        <p:style>
-          <a:lnRef idx="2">
-            <a:schemeClr val="accent1">
-              <a:shade val="50000"/>
-            </a:schemeClr>
-          </a:lnRef>
-          <a:fillRef idx="1">
-            <a:schemeClr val="accent1"/>
-          </a:fillRef>
-          <a:effectRef idx="0">
-            <a:schemeClr val="accent1"/>
-          </a:effectRef>
-          <a:fontRef idx="minor">
-            <a:schemeClr val="lt1"/>
-          </a:fontRef>
-        </p:style>
-      </p:cxnSp>
-      <p:cxnSp>
-        <p:nvCxnSpPr>
-          <p:cNvPr id="22" name="Connecteur droit 21">
-            <a:extLst>
-              <a:ext uri="{FF2B5EF4-FFF2-40B4-BE49-F238E27FC236}">
-                <a16:creationId xmlns:a16="http://schemas.microsoft.com/office/drawing/2014/main" id="{5B51A1CC-26A4-3BC2-D639-08D9F7860894}"/>
-              </a:ext>
-            </a:extLst>
-          </p:cNvPr>
-          <p:cNvCxnSpPr>
-            <a:cxnSpLocks/>
-          </p:cNvCxnSpPr>
-          <p:nvPr/>
-        </p:nvCxnSpPr>
-        <p:spPr>
-          <a:xfrm flipH="1">
-            <a:off x="2286259" y="3659633"/>
-            <a:ext cx="432048" cy="0"/>
-          </a:xfrm>
-          <a:prstGeom prst="line">
-            <a:avLst/>
-          </a:prstGeom>
-          <a:noFill/>
-          <a:ln w="28575">
-            <a:solidFill>
-              <a:schemeClr val="tx1"/>
-            </a:solidFill>
-          </a:ln>
-        </p:spPr>
-        <p:style>
-          <a:lnRef idx="2">
-            <a:schemeClr val="accent1">
-              <a:shade val="50000"/>
-            </a:schemeClr>
-          </a:lnRef>
-          <a:fillRef idx="1">
-            <a:schemeClr val="accent1"/>
-          </a:fillRef>
-          <a:effectRef idx="0">
-            <a:schemeClr val="accent1"/>
-          </a:effectRef>
-          <a:fontRef idx="minor">
-            <a:schemeClr val="lt1"/>
-          </a:fontRef>
-        </p:style>
-      </p:cxnSp>
-      <mc:AlternateContent xmlns:mc="http://schemas.openxmlformats.org/markup-compatibility/2006" xmlns:a14="http://schemas.microsoft.com/office/drawing/2010/main">
-        <mc:Choice Requires="a14">
-          <p:sp>
-            <p:nvSpPr>
-              <p:cNvPr id="23" name="ZoneTexte 22">
-                <a:extLst>
-                  <a:ext uri="{FF2B5EF4-FFF2-40B4-BE49-F238E27FC236}">
-                    <a16:creationId xmlns:a16="http://schemas.microsoft.com/office/drawing/2014/main" id="{990B020E-E149-141F-9AE0-50EDBD37F615}"/>
-                  </a:ext>
-                </a:extLst>
-              </p:cNvPr>
-              <p:cNvSpPr txBox="1"/>
-              <p:nvPr/>
-            </p:nvSpPr>
-            <p:spPr>
-              <a:xfrm>
-                <a:off x="2270102" y="3350831"/>
-                <a:ext cx="134524" cy="184666"/>
-              </a:xfrm>
-              <a:prstGeom prst="rect">
-                <a:avLst/>
-              </a:prstGeom>
-              <a:noFill/>
-            </p:spPr>
-            <p:txBody>
-              <a:bodyPr wrap="none" lIns="0" tIns="0" rIns="0" bIns="0" rtlCol="0">
-                <a:spAutoFit/>
-              </a:bodyPr>
-              <a:lstStyle/>
-              <a:p>
-                <a:pPr/>
-                <a14:m>
-                  <m:oMathPara xmlns:m="http://schemas.openxmlformats.org/officeDocument/2006/math">
-                    <m:oMathParaPr>
-                      <m:jc m:val="centerGroup"/>
-                    </m:oMathParaPr>
-                    <m:oMath xmlns:m="http://schemas.openxmlformats.org/officeDocument/2006/math">
-                      <m:r>
-                        <a:rPr lang="fr-FR" sz="1200" i="1">
-                          <a:latin typeface="Cambria Math" panose="02040503050406030204" pitchFamily="18" charset="0"/>
-                        </a:rPr>
-                        <m:t>𝐴</m:t>
-                      </m:r>
-                    </m:oMath>
-                  </m:oMathPara>
-                </a14:m>
-                <a:endParaRPr lang="fr-FR" sz="1200" dirty="0"/>
-              </a:p>
-            </p:txBody>
-          </p:sp>
-        </mc:Choice>
-        <mc:Fallback xmlns="">
-          <p:sp>
-            <p:nvSpPr>
-              <p:cNvPr id="23" name="ZoneTexte 22">
-                <a:extLst>
-                  <a:ext uri="{FF2B5EF4-FFF2-40B4-BE49-F238E27FC236}">
-                    <a16:creationId xmlns:a16="http://schemas.microsoft.com/office/drawing/2014/main" id="{990B020E-E149-141F-9AE0-50EDBD37F615}"/>
-                  </a:ext>
-                </a:extLst>
-              </p:cNvPr>
-              <p:cNvSpPr txBox="1">
-                <a:spLocks noRot="1" noChangeAspect="1" noMove="1" noResize="1" noEditPoints="1" noAdjustHandles="1" noChangeArrowheads="1" noChangeShapeType="1" noTextEdit="1"/>
-              </p:cNvSpPr>
-              <p:nvPr/>
-            </p:nvSpPr>
-            <p:spPr>
-              <a:xfrm>
-                <a:off x="2270102" y="3350831"/>
-                <a:ext cx="134524" cy="184666"/>
-              </a:xfrm>
-              <a:prstGeom prst="rect">
-                <a:avLst/>
-              </a:prstGeom>
-              <a:blipFill>
-                <a:blip r:embed="rId8"/>
-                <a:stretch>
-                  <a:fillRect l="-27273" r="-27273" b="-6667"/>
-                </a:stretch>
-              </a:blipFill>
-            </p:spPr>
-            <p:txBody>
-              <a:bodyPr/>
-              <a:lstStyle/>
-              <a:p>
-                <a:r>
-                  <a:rPr lang="fr-FR">
-                    <a:noFill/>
-                  </a:rPr>
-                  <a:t> </a:t>
-                </a:r>
-              </a:p>
-            </p:txBody>
-          </p:sp>
-        </mc:Fallback>
-      </mc:AlternateContent>
-      <mc:AlternateContent xmlns:mc="http://schemas.openxmlformats.org/markup-compatibility/2006" xmlns:a14="http://schemas.microsoft.com/office/drawing/2010/main">
-        <mc:Choice Requires="a14">
-          <p:sp>
-            <p:nvSpPr>
-              <p:cNvPr id="24" name="ZoneTexte 23">
-                <a:extLst>
-                  <a:ext uri="{FF2B5EF4-FFF2-40B4-BE49-F238E27FC236}">
-                    <a16:creationId xmlns:a16="http://schemas.microsoft.com/office/drawing/2014/main" id="{9699DBA2-D7B6-0D2A-B87E-5F21F259A154}"/>
-                  </a:ext>
-                </a:extLst>
-              </p:cNvPr>
-              <p:cNvSpPr txBox="1"/>
-              <p:nvPr/>
-            </p:nvSpPr>
-            <p:spPr>
-              <a:xfrm>
-                <a:off x="3851106" y="2328505"/>
-                <a:ext cx="140359" cy="184666"/>
-              </a:xfrm>
-              <a:prstGeom prst="rect">
-                <a:avLst/>
-              </a:prstGeom>
-              <a:noFill/>
-            </p:spPr>
-            <p:txBody>
-              <a:bodyPr wrap="none" lIns="0" tIns="0" rIns="0" bIns="0" rtlCol="0">
-                <a:spAutoFit/>
-              </a:bodyPr>
-              <a:lstStyle/>
-              <a:p>
-                <a:pPr/>
-                <a14:m>
-                  <m:oMathPara xmlns:m="http://schemas.openxmlformats.org/officeDocument/2006/math">
-                    <m:oMathParaPr>
-                      <m:jc m:val="centerGroup"/>
-                    </m:oMathParaPr>
-                    <m:oMath xmlns:m="http://schemas.openxmlformats.org/officeDocument/2006/math">
-                      <m:r>
-                        <a:rPr lang="fr-FR" sz="1200" b="0" i="1" smtClean="0">
-                          <a:latin typeface="Cambria Math" panose="02040503050406030204" pitchFamily="18" charset="0"/>
-                        </a:rPr>
-                        <m:t>𝐵</m:t>
-                      </m:r>
-                    </m:oMath>
-                  </m:oMathPara>
-                </a14:m>
-                <a:endParaRPr lang="fr-FR" sz="1200" dirty="0"/>
-              </a:p>
-            </p:txBody>
-          </p:sp>
-        </mc:Choice>
-        <mc:Fallback xmlns="">
-          <p:sp>
-            <p:nvSpPr>
-              <p:cNvPr id="24" name="ZoneTexte 23">
-                <a:extLst>
-                  <a:ext uri="{FF2B5EF4-FFF2-40B4-BE49-F238E27FC236}">
-                    <a16:creationId xmlns:a16="http://schemas.microsoft.com/office/drawing/2014/main" id="{9699DBA2-D7B6-0D2A-B87E-5F21F259A154}"/>
-                  </a:ext>
-                </a:extLst>
-              </p:cNvPr>
-              <p:cNvSpPr txBox="1">
-                <a:spLocks noRot="1" noChangeAspect="1" noMove="1" noResize="1" noEditPoints="1" noAdjustHandles="1" noChangeArrowheads="1" noChangeShapeType="1" noTextEdit="1"/>
-              </p:cNvSpPr>
-              <p:nvPr/>
-            </p:nvSpPr>
-            <p:spPr>
-              <a:xfrm>
-                <a:off x="3851106" y="2328505"/>
-                <a:ext cx="140359" cy="184666"/>
-              </a:xfrm>
-              <a:prstGeom prst="rect">
-                <a:avLst/>
-              </a:prstGeom>
-              <a:blipFill>
-                <a:blip r:embed="rId9"/>
-                <a:stretch>
-                  <a:fillRect l="-26087" r="-21739" b="-6667"/>
-                </a:stretch>
-              </a:blipFill>
-            </p:spPr>
-            <p:txBody>
-              <a:bodyPr/>
-              <a:lstStyle/>
-              <a:p>
-                <a:r>
-                  <a:rPr lang="fr-FR">
-                    <a:noFill/>
-                  </a:rPr>
-                  <a:t> </a:t>
-                </a:r>
-              </a:p>
-            </p:txBody>
-          </p:sp>
-        </mc:Fallback>
-      </mc:AlternateContent>
-      <p:sp>
-        <p:nvSpPr>
-          <p:cNvPr id="25" name="Ellipse 24">
-            <a:extLst>
-              <a:ext uri="{FF2B5EF4-FFF2-40B4-BE49-F238E27FC236}">
-                <a16:creationId xmlns:a16="http://schemas.microsoft.com/office/drawing/2014/main" id="{08870124-3D5A-C994-1EA3-6A9D28C3E5C9}"/>
-              </a:ext>
-            </a:extLst>
-          </p:cNvPr>
-          <p:cNvSpPr/>
-          <p:nvPr/>
-        </p:nvSpPr>
-        <p:spPr>
-          <a:xfrm>
-            <a:off x="2405660" y="3805559"/>
-            <a:ext cx="180000" cy="180000"/>
-          </a:xfrm>
-          <a:prstGeom prst="ellipse">
-            <a:avLst/>
-          </a:prstGeom>
-          <a:noFill/>
-          <a:ln w="19050">
-            <a:solidFill>
-              <a:schemeClr val="tx1"/>
-            </a:solidFill>
-          </a:ln>
-        </p:spPr>
-        <p:style>
-          <a:lnRef idx="2">
-            <a:schemeClr val="accent1">
-              <a:shade val="50000"/>
-            </a:schemeClr>
-          </a:lnRef>
-          <a:fillRef idx="1">
-            <a:schemeClr val="accent1"/>
-          </a:fillRef>
-          <a:effectRef idx="0">
-            <a:schemeClr val="accent1"/>
-          </a:effectRef>
-          <a:fontRef idx="minor">
-            <a:schemeClr val="lt1"/>
-          </a:fontRef>
-        </p:style>
-        <p:txBody>
-          <a:bodyPr rtlCol="0" anchor="ctr"/>
-          <a:lstStyle/>
-          <a:p>
-            <a:pPr algn="ctr"/>
             <a:r>
-              <a:rPr lang="fr-FR" sz="1050" b="1" dirty="0">
-                <a:solidFill>
-                  <a:schemeClr val="tx1"/>
-                </a:solidFill>
-              </a:rPr>
-              <a:t>0</a:t>
+              <a:rPr lang="fr-FR" sz="3200" dirty="0"/>
+              <a:t>Modélisation cinématique</a:t>
             </a:r>
-            <a:endParaRPr lang="fr-FR" sz="1400" b="1" dirty="0">
-              <a:solidFill>
-                <a:schemeClr val="tx1"/>
-              </a:solidFill>
-            </a:endParaRPr>
-          </a:p>
-        </p:txBody>
-      </p:sp>
-      <p:sp>
-        <p:nvSpPr>
-          <p:cNvPr id="26" name="Ellipse 25">
-            <a:extLst>
-              <a:ext uri="{FF2B5EF4-FFF2-40B4-BE49-F238E27FC236}">
-                <a16:creationId xmlns:a16="http://schemas.microsoft.com/office/drawing/2014/main" id="{402B02A3-DEF2-8480-9824-258B9D626BCC}"/>
-              </a:ext>
-            </a:extLst>
-          </p:cNvPr>
-          <p:cNvSpPr/>
-          <p:nvPr/>
-        </p:nvSpPr>
-        <p:spPr>
-          <a:xfrm>
-            <a:off x="2661653" y="2786044"/>
-            <a:ext cx="180000" cy="180000"/>
-          </a:xfrm>
-          <a:prstGeom prst="ellipse">
-            <a:avLst/>
-          </a:prstGeom>
-          <a:noFill/>
-          <a:ln w="19050">
-            <a:solidFill>
-              <a:srgbClr val="00547F"/>
-            </a:solidFill>
-          </a:ln>
-        </p:spPr>
-        <p:style>
-          <a:lnRef idx="2">
-            <a:schemeClr val="accent1">
-              <a:shade val="50000"/>
-            </a:schemeClr>
-          </a:lnRef>
-          <a:fillRef idx="1">
-            <a:schemeClr val="accent1"/>
-          </a:fillRef>
-          <a:effectRef idx="0">
-            <a:schemeClr val="accent1"/>
-          </a:effectRef>
-          <a:fontRef idx="minor">
-            <a:schemeClr val="lt1"/>
-          </a:fontRef>
-        </p:style>
-        <p:txBody>
-          <a:bodyPr rtlCol="0" anchor="ctr"/>
-          <a:lstStyle/>
-          <a:p>
-            <a:pPr algn="ctr"/>
+            <a:br>
+              <a:rPr lang="fr-FR" sz="3200" dirty="0"/>
+            </a:br>
             <a:r>
-              <a:rPr lang="fr-FR" sz="1050" b="1" dirty="0">
-                <a:solidFill>
-                  <a:srgbClr val="00547F"/>
-                </a:solidFill>
-              </a:rPr>
-              <a:t>1</a:t>
+              <a:rPr lang="fr-FR" sz="3200" dirty="0"/>
+              <a:t>Schéma d’architecture</a:t>
             </a:r>
-            <a:endParaRPr lang="fr-FR" sz="1400" b="1" dirty="0">
-              <a:solidFill>
-                <a:srgbClr val="00547F"/>
-              </a:solidFill>
-            </a:endParaRPr>
           </a:p>
         </p:txBody>
       </p:sp>
       <p:grpSp>
         <p:nvGrpSpPr>
-          <p:cNvPr id="27" name="Groupe 26">
+          <p:cNvPr id="35" name="Groupe 34">
             <a:extLst>
               <a:ext uri="{FF2B5EF4-FFF2-40B4-BE49-F238E27FC236}">
-                <a16:creationId xmlns:a16="http://schemas.microsoft.com/office/drawing/2014/main" id="{CE4B36B6-12AA-1046-F2F5-4EF660C54FA0}"/>
+                <a16:creationId xmlns:a16="http://schemas.microsoft.com/office/drawing/2014/main" id="{45492D19-2A4B-FEC1-8231-D0F617529871}"/>
               </a:ext>
             </a:extLst>
           </p:cNvPr>
@@ -16142,60 +18734,88 @@
         </p:nvGrpSpPr>
         <p:grpSpPr>
           <a:xfrm>
-            <a:off x="2498607" y="1989277"/>
-            <a:ext cx="1440160" cy="1440160"/>
-            <a:chOff x="971600" y="548680"/>
-            <a:chExt cx="1440160" cy="1440160"/>
+            <a:off x="626768" y="2714564"/>
+            <a:ext cx="3662132" cy="2304335"/>
+            <a:chOff x="3611171" y="1022924"/>
+            <a:chExt cx="3662132" cy="2304335"/>
           </a:xfrm>
         </p:grpSpPr>
-        <p:cxnSp>
-          <p:nvCxnSpPr>
-            <p:cNvPr id="28" name="Connecteur droit 27">
+        <p:sp>
+          <p:nvSpPr>
+            <p:cNvPr id="9" name="Ellipse 8">
               <a:extLst>
                 <a:ext uri="{FF2B5EF4-FFF2-40B4-BE49-F238E27FC236}">
-                  <a16:creationId xmlns:a16="http://schemas.microsoft.com/office/drawing/2014/main" id="{82137E07-72D4-253A-D9E2-2A5DC2D63911}"/>
+                  <a16:creationId xmlns:a16="http://schemas.microsoft.com/office/drawing/2014/main" id="{075EE5D1-79B1-6FE3-7BDD-77C6A63B61CB}"/>
                 </a:ext>
               </a:extLst>
             </p:cNvPr>
-            <p:cNvCxnSpPr/>
+            <p:cNvSpPr/>
             <p:nvPr/>
-          </p:nvCxnSpPr>
+          </p:nvSpPr>
           <p:spPr>
-            <a:xfrm flipV="1">
-              <a:off x="971600" y="548680"/>
-              <a:ext cx="0" cy="1440160"/>
+            <a:xfrm>
+              <a:off x="5272762" y="2522214"/>
+              <a:ext cx="216000" cy="107664"/>
             </a:xfrm>
-            <a:prstGeom prst="line">
+            <a:prstGeom prst="ellipse">
               <a:avLst/>
             </a:prstGeom>
-            <a:ln w="12700">
+            <a:solidFill>
+              <a:sysClr val="window" lastClr="FFFFFF"/>
+            </a:solidFill>
+            <a:ln w="12700" cap="flat" cmpd="sng" algn="ctr">
               <a:solidFill>
-                <a:schemeClr val="tx1"/>
+                <a:srgbClr val="4472C4"/>
               </a:solidFill>
-              <a:tailEnd type="stealth" w="med" len="lg"/>
+              <a:prstDash val="solid"/>
+              <a:miter lim="800000"/>
             </a:ln>
+            <a:effectLst/>
           </p:spPr>
-          <p:style>
-            <a:lnRef idx="1">
-              <a:schemeClr val="accent1"/>
-            </a:lnRef>
-            <a:fillRef idx="0">
-              <a:schemeClr val="accent1"/>
-            </a:fillRef>
-            <a:effectRef idx="0">
-              <a:schemeClr val="accent1"/>
-            </a:effectRef>
-            <a:fontRef idx="minor">
-              <a:schemeClr val="tx1"/>
-            </a:fontRef>
-          </p:style>
-        </p:cxnSp>
+          <p:txBody>
+            <a:bodyPr rtlCol="0" anchor="ctr"/>
+            <a:lstStyle/>
+            <a:p>
+              <a:pPr marL="0" marR="0" lvl="0" indent="0" algn="ctr" defTabSz="914400" eaLnBrk="1" fontAlgn="auto" latinLnBrk="0" hangingPunct="1">
+                <a:lnSpc>
+                  <a:spcPct val="100000"/>
+                </a:lnSpc>
+                <a:spcBef>
+                  <a:spcPts val="0"/>
+                </a:spcBef>
+                <a:spcAft>
+                  <a:spcPts val="0"/>
+                </a:spcAft>
+                <a:buClrTx/>
+                <a:buSzTx/>
+                <a:buFontTx/>
+                <a:buNone/>
+                <a:tabLst/>
+                <a:defRPr/>
+              </a:pPr>
+              <a:endParaRPr kumimoji="0" lang="fr-FR" sz="1800" b="0" i="0" u="none" strike="noStrike" kern="0" cap="none" spc="0" normalizeH="0" baseline="0" noProof="0">
+                <a:ln>
+                  <a:noFill/>
+                </a:ln>
+                <a:solidFill>
+                  <a:prstClr val="black"/>
+                </a:solidFill>
+                <a:effectLst/>
+                <a:uLnTx/>
+                <a:uFillTx/>
+                <a:latin typeface="Calibri" panose="020F0502020204030204"/>
+                <a:ea typeface="+mn-ea"/>
+                <a:cs typeface="+mn-cs"/>
+              </a:endParaRPr>
+            </a:p>
+          </p:txBody>
+        </p:sp>
         <p:cxnSp>
           <p:nvCxnSpPr>
-            <p:cNvPr id="29" name="Connecteur droit 28">
+            <p:cNvPr id="10" name="Connecteur droit 9">
               <a:extLst>
                 <a:ext uri="{FF2B5EF4-FFF2-40B4-BE49-F238E27FC236}">
-                  <a16:creationId xmlns:a16="http://schemas.microsoft.com/office/drawing/2014/main" id="{199CD405-302B-7F44-773D-D4F4F581C5BC}"/>
+                  <a16:creationId xmlns:a16="http://schemas.microsoft.com/office/drawing/2014/main" id="{637D8F61-8543-59D1-A9E1-555BBE83FE11}"/>
                 </a:ext>
               </a:extLst>
             </p:cNvPr>
@@ -16205,600 +18825,206 @@
             <p:nvPr/>
           </p:nvCxnSpPr>
           <p:spPr>
-            <a:xfrm rot="5400000" flipV="1">
-              <a:off x="1691680" y="1268760"/>
-              <a:ext cx="0" cy="1440160"/>
-            </a:xfrm>
-            <a:prstGeom prst="line">
-              <a:avLst/>
-            </a:prstGeom>
-            <a:ln w="12700">
-              <a:solidFill>
-                <a:schemeClr val="tx1"/>
-              </a:solidFill>
-              <a:tailEnd type="stealth" w="med" len="lg"/>
-            </a:ln>
-          </p:spPr>
-          <p:style>
-            <a:lnRef idx="1">
-              <a:schemeClr val="accent1"/>
-            </a:lnRef>
-            <a:fillRef idx="0">
-              <a:schemeClr val="accent1"/>
-            </a:fillRef>
-            <a:effectRef idx="0">
-              <a:schemeClr val="accent1"/>
-            </a:effectRef>
-            <a:fontRef idx="minor">
-              <a:schemeClr val="tx1"/>
-            </a:fontRef>
-          </p:style>
-        </p:cxnSp>
-      </p:grpSp>
-      <mc:AlternateContent xmlns:mc="http://schemas.openxmlformats.org/markup-compatibility/2006" xmlns:a14="http://schemas.microsoft.com/office/drawing/2010/main">
-        <mc:Choice Requires="a14">
-          <p:sp>
-            <p:nvSpPr>
-              <p:cNvPr id="30" name="ZoneTexte 29">
-                <a:extLst>
-                  <a:ext uri="{FF2B5EF4-FFF2-40B4-BE49-F238E27FC236}">
-                    <a16:creationId xmlns:a16="http://schemas.microsoft.com/office/drawing/2014/main" id="{619686FF-0D75-9987-E453-F6776263C614}"/>
-                  </a:ext>
-                </a:extLst>
-              </p:cNvPr>
-              <p:cNvSpPr txBox="1"/>
-              <p:nvPr/>
-            </p:nvSpPr>
-            <p:spPr>
-              <a:xfrm>
-                <a:off x="3952961" y="3306325"/>
-                <a:ext cx="207301" cy="274434"/>
-              </a:xfrm>
-              <a:prstGeom prst="rect">
-                <a:avLst/>
-              </a:prstGeom>
-              <a:noFill/>
-            </p:spPr>
-            <p:txBody>
-              <a:bodyPr wrap="none" lIns="0" tIns="0" rIns="0" bIns="0" rtlCol="0">
-                <a:spAutoFit/>
-              </a:bodyPr>
-              <a:lstStyle/>
-              <a:p>
-                <a:pPr/>
-                <a14:m>
-                  <m:oMathPara xmlns:m="http://schemas.openxmlformats.org/officeDocument/2006/math">
-                    <m:oMathParaPr>
-                      <m:jc m:val="centerGroup"/>
-                    </m:oMathParaPr>
-                    <m:oMath xmlns:m="http://schemas.openxmlformats.org/officeDocument/2006/math">
-                      <m:acc>
-                        <m:accPr>
-                          <m:chr m:val="⃗"/>
-                          <m:ctrlPr>
-                            <a:rPr lang="fr-FR" sz="1600" i="1" smtClean="0">
-                              <a:latin typeface="Cambria Math" panose="02040503050406030204" pitchFamily="18" charset="0"/>
-                            </a:rPr>
-                          </m:ctrlPr>
-                        </m:accPr>
-                        <m:e>
-                          <m:sSub>
-                            <m:sSubPr>
-                              <m:ctrlPr>
-                                <a:rPr lang="fr-FR" sz="1600" b="0" i="1" smtClean="0">
-                                  <a:latin typeface="Cambria Math" panose="02040503050406030204" pitchFamily="18" charset="0"/>
-                                </a:rPr>
-                              </m:ctrlPr>
-                            </m:sSubPr>
-                            <m:e>
-                              <m:r>
-                                <a:rPr lang="fr-FR" sz="1600" b="0" i="1" smtClean="0">
-                                  <a:latin typeface="Cambria Math" panose="02040503050406030204" pitchFamily="18" charset="0"/>
-                                </a:rPr>
-                                <m:t>𝑖</m:t>
-                              </m:r>
-                            </m:e>
-                            <m:sub>
-                              <m:r>
-                                <a:rPr lang="fr-FR" sz="1600" b="0" i="1" smtClean="0">
-                                  <a:latin typeface="Cambria Math" panose="02040503050406030204" pitchFamily="18" charset="0"/>
-                                </a:rPr>
-                                <m:t>0</m:t>
-                              </m:r>
-                            </m:sub>
-                          </m:sSub>
-                        </m:e>
-                      </m:acc>
-                    </m:oMath>
-                  </m:oMathPara>
-                </a14:m>
-                <a:endParaRPr lang="fr-FR" sz="1600" dirty="0"/>
-              </a:p>
-            </p:txBody>
-          </p:sp>
-        </mc:Choice>
-        <mc:Fallback xmlns="">
-          <p:sp>
-            <p:nvSpPr>
-              <p:cNvPr id="30" name="ZoneTexte 29">
-                <a:extLst>
-                  <a:ext uri="{FF2B5EF4-FFF2-40B4-BE49-F238E27FC236}">
-                    <a16:creationId xmlns:a16="http://schemas.microsoft.com/office/drawing/2014/main" id="{619686FF-0D75-9987-E453-F6776263C614}"/>
-                  </a:ext>
-                </a:extLst>
-              </p:cNvPr>
-              <p:cNvSpPr txBox="1">
-                <a:spLocks noRot="1" noChangeAspect="1" noMove="1" noResize="1" noEditPoints="1" noAdjustHandles="1" noChangeArrowheads="1" noChangeShapeType="1" noTextEdit="1"/>
-              </p:cNvSpPr>
-              <p:nvPr/>
-            </p:nvSpPr>
-            <p:spPr>
-              <a:xfrm>
-                <a:off x="3952961" y="3306325"/>
-                <a:ext cx="207301" cy="274434"/>
-              </a:xfrm>
-              <a:prstGeom prst="rect">
-                <a:avLst/>
-              </a:prstGeom>
-              <a:blipFill>
-                <a:blip r:embed="rId10"/>
-                <a:stretch>
-                  <a:fillRect l="-20588" r="-5882" b="-13333"/>
-                </a:stretch>
-              </a:blipFill>
-            </p:spPr>
-            <p:txBody>
-              <a:bodyPr/>
-              <a:lstStyle/>
-              <a:p>
-                <a:r>
-                  <a:rPr lang="fr-FR">
-                    <a:noFill/>
-                  </a:rPr>
-                  <a:t> </a:t>
-                </a:r>
-              </a:p>
-            </p:txBody>
-          </p:sp>
-        </mc:Fallback>
-      </mc:AlternateContent>
-      <mc:AlternateContent xmlns:mc="http://schemas.openxmlformats.org/markup-compatibility/2006" xmlns:a14="http://schemas.microsoft.com/office/drawing/2010/main">
-        <mc:Choice Requires="a14">
-          <p:sp>
-            <p:nvSpPr>
-              <p:cNvPr id="31" name="ZoneTexte 30">
-                <a:extLst>
-                  <a:ext uri="{FF2B5EF4-FFF2-40B4-BE49-F238E27FC236}">
-                    <a16:creationId xmlns:a16="http://schemas.microsoft.com/office/drawing/2014/main" id="{6C141949-B89C-FC56-B0ED-79CDD66888E5}"/>
-                  </a:ext>
-                </a:extLst>
-              </p:cNvPr>
-              <p:cNvSpPr txBox="1"/>
-              <p:nvPr/>
-            </p:nvSpPr>
-            <p:spPr>
-              <a:xfrm>
-                <a:off x="2417545" y="1721608"/>
-                <a:ext cx="208327" cy="274434"/>
-              </a:xfrm>
-              <a:prstGeom prst="rect">
-                <a:avLst/>
-              </a:prstGeom>
-              <a:noFill/>
-            </p:spPr>
-            <p:txBody>
-              <a:bodyPr wrap="none" lIns="0" tIns="0" rIns="0" bIns="0" rtlCol="0">
-                <a:spAutoFit/>
-              </a:bodyPr>
-              <a:lstStyle/>
-              <a:p>
-                <a:pPr/>
-                <a14:m>
-                  <m:oMathPara xmlns:m="http://schemas.openxmlformats.org/officeDocument/2006/math">
-                    <m:oMathParaPr>
-                      <m:jc m:val="centerGroup"/>
-                    </m:oMathParaPr>
-                    <m:oMath xmlns:m="http://schemas.openxmlformats.org/officeDocument/2006/math">
-                      <m:acc>
-                        <m:accPr>
-                          <m:chr m:val="⃗"/>
-                          <m:ctrlPr>
-                            <a:rPr lang="fr-FR" sz="1600" i="1" smtClean="0">
-                              <a:latin typeface="Cambria Math" panose="02040503050406030204" pitchFamily="18" charset="0"/>
-                            </a:rPr>
-                          </m:ctrlPr>
-                        </m:accPr>
-                        <m:e>
-                          <m:sSub>
-                            <m:sSubPr>
-                              <m:ctrlPr>
-                                <a:rPr lang="fr-FR" sz="1600" b="0" i="1" smtClean="0">
-                                  <a:latin typeface="Cambria Math" panose="02040503050406030204" pitchFamily="18" charset="0"/>
-                                </a:rPr>
-                              </m:ctrlPr>
-                            </m:sSubPr>
-                            <m:e>
-                              <m:r>
-                                <a:rPr lang="fr-FR" sz="1600" b="0" i="1" smtClean="0">
-                                  <a:latin typeface="Cambria Math" panose="02040503050406030204" pitchFamily="18" charset="0"/>
-                                </a:rPr>
-                                <m:t>𝑗</m:t>
-                              </m:r>
-                            </m:e>
-                            <m:sub>
-                              <m:r>
-                                <a:rPr lang="fr-FR" sz="1600" b="0" i="1" smtClean="0">
-                                  <a:latin typeface="Cambria Math" panose="02040503050406030204" pitchFamily="18" charset="0"/>
-                                </a:rPr>
-                                <m:t>0</m:t>
-                              </m:r>
-                            </m:sub>
-                          </m:sSub>
-                        </m:e>
-                      </m:acc>
-                    </m:oMath>
-                  </m:oMathPara>
-                </a14:m>
-                <a:endParaRPr lang="fr-FR" sz="1600" dirty="0"/>
-              </a:p>
-            </p:txBody>
-          </p:sp>
-        </mc:Choice>
-        <mc:Fallback xmlns="">
-          <p:sp>
-            <p:nvSpPr>
-              <p:cNvPr id="31" name="ZoneTexte 30">
-                <a:extLst>
-                  <a:ext uri="{FF2B5EF4-FFF2-40B4-BE49-F238E27FC236}">
-                    <a16:creationId xmlns:a16="http://schemas.microsoft.com/office/drawing/2014/main" id="{6C141949-B89C-FC56-B0ED-79CDD66888E5}"/>
-                  </a:ext>
-                </a:extLst>
-              </p:cNvPr>
-              <p:cNvSpPr txBox="1">
-                <a:spLocks noRot="1" noChangeAspect="1" noMove="1" noResize="1" noEditPoints="1" noAdjustHandles="1" noChangeArrowheads="1" noChangeShapeType="1" noTextEdit="1"/>
-              </p:cNvSpPr>
-              <p:nvPr/>
-            </p:nvSpPr>
-            <p:spPr>
-              <a:xfrm>
-                <a:off x="2417545" y="1721608"/>
-                <a:ext cx="208327" cy="274434"/>
-              </a:xfrm>
-              <a:prstGeom prst="rect">
-                <a:avLst/>
-              </a:prstGeom>
-              <a:blipFill>
-                <a:blip r:embed="rId11"/>
-                <a:stretch>
-                  <a:fillRect l="-32353" r="-8824" b="-28889"/>
-                </a:stretch>
-              </a:blipFill>
-            </p:spPr>
-            <p:txBody>
-              <a:bodyPr/>
-              <a:lstStyle/>
-              <a:p>
-                <a:r>
-                  <a:rPr lang="fr-FR">
-                    <a:noFill/>
-                  </a:rPr>
-                  <a:t> </a:t>
-                </a:r>
-              </a:p>
-            </p:txBody>
-          </p:sp>
-        </mc:Fallback>
-      </mc:AlternateContent>
-      <mc:AlternateContent xmlns:mc="http://schemas.openxmlformats.org/markup-compatibility/2006" xmlns:a14="http://schemas.microsoft.com/office/drawing/2010/main">
-        <mc:Choice Requires="a14">
-          <p:sp>
-            <p:nvSpPr>
-              <p:cNvPr id="32" name="ZoneTexte 31">
-                <a:extLst>
-                  <a:ext uri="{FF2B5EF4-FFF2-40B4-BE49-F238E27FC236}">
-                    <a16:creationId xmlns:a16="http://schemas.microsoft.com/office/drawing/2014/main" id="{020CFC53-95D7-D937-C9D5-038C1C1E6D5B}"/>
-                  </a:ext>
-                </a:extLst>
-              </p:cNvPr>
-              <p:cNvSpPr txBox="1"/>
-              <p:nvPr/>
-            </p:nvSpPr>
-            <p:spPr>
-              <a:xfrm>
-                <a:off x="4293216" y="1990328"/>
-                <a:ext cx="202555" cy="274434"/>
-              </a:xfrm>
-              <a:prstGeom prst="rect">
-                <a:avLst/>
-              </a:prstGeom>
-              <a:noFill/>
-            </p:spPr>
-            <p:txBody>
-              <a:bodyPr wrap="none" lIns="0" tIns="0" rIns="0" bIns="0" rtlCol="0">
-                <a:spAutoFit/>
-              </a:bodyPr>
-              <a:lstStyle/>
-              <a:p>
-                <a:pPr/>
-                <a14:m>
-                  <m:oMathPara xmlns:m="http://schemas.openxmlformats.org/officeDocument/2006/math">
-                    <m:oMathParaPr>
-                      <m:jc m:val="centerGroup"/>
-                    </m:oMathParaPr>
-                    <m:oMath xmlns:m="http://schemas.openxmlformats.org/officeDocument/2006/math">
-                      <m:acc>
-                        <m:accPr>
-                          <m:chr m:val="⃗"/>
-                          <m:ctrlPr>
-                            <a:rPr lang="fr-FR" sz="1600" i="1" smtClean="0">
-                              <a:latin typeface="Cambria Math" panose="02040503050406030204" pitchFamily="18" charset="0"/>
-                            </a:rPr>
-                          </m:ctrlPr>
-                        </m:accPr>
-                        <m:e>
-                          <m:sSub>
-                            <m:sSubPr>
-                              <m:ctrlPr>
-                                <a:rPr lang="fr-FR" sz="1600" i="1">
-                                  <a:latin typeface="Cambria Math" panose="02040503050406030204" pitchFamily="18" charset="0"/>
-                                </a:rPr>
-                              </m:ctrlPr>
-                            </m:sSubPr>
-                            <m:e>
-                              <m:r>
-                                <a:rPr lang="fr-FR" sz="1600" b="0" i="1" smtClean="0">
-                                  <a:latin typeface="Cambria Math" panose="02040503050406030204" pitchFamily="18" charset="0"/>
-                                </a:rPr>
-                                <m:t>𝑖</m:t>
-                              </m:r>
-                            </m:e>
-                            <m:sub>
-                              <m:r>
-                                <a:rPr lang="fr-FR" sz="1600" i="1">
-                                  <a:latin typeface="Cambria Math" panose="02040503050406030204" pitchFamily="18" charset="0"/>
-                                </a:rPr>
-                                <m:t>1</m:t>
-                              </m:r>
-                            </m:sub>
-                          </m:sSub>
-                        </m:e>
-                      </m:acc>
-                    </m:oMath>
-                  </m:oMathPara>
-                </a14:m>
-                <a:endParaRPr lang="fr-FR" sz="1600" dirty="0"/>
-              </a:p>
-            </p:txBody>
-          </p:sp>
-        </mc:Choice>
-        <mc:Fallback xmlns="">
-          <p:sp>
-            <p:nvSpPr>
-              <p:cNvPr id="32" name="ZoneTexte 31">
-                <a:extLst>
-                  <a:ext uri="{FF2B5EF4-FFF2-40B4-BE49-F238E27FC236}">
-                    <a16:creationId xmlns:a16="http://schemas.microsoft.com/office/drawing/2014/main" id="{020CFC53-95D7-D937-C9D5-038C1C1E6D5B}"/>
-                  </a:ext>
-                </a:extLst>
-              </p:cNvPr>
-              <p:cNvSpPr txBox="1">
-                <a:spLocks noRot="1" noChangeAspect="1" noMove="1" noResize="1" noEditPoints="1" noAdjustHandles="1" noChangeArrowheads="1" noChangeShapeType="1" noTextEdit="1"/>
-              </p:cNvSpPr>
-              <p:nvPr/>
-            </p:nvSpPr>
-            <p:spPr>
-              <a:xfrm>
-                <a:off x="4293216" y="1990328"/>
-                <a:ext cx="202555" cy="274434"/>
-              </a:xfrm>
-              <a:prstGeom prst="rect">
-                <a:avLst/>
-              </a:prstGeom>
-              <a:blipFill>
-                <a:blip r:embed="rId12"/>
-                <a:stretch>
-                  <a:fillRect l="-21212" r="-6061" b="-10870"/>
-                </a:stretch>
-              </a:blipFill>
-            </p:spPr>
-            <p:txBody>
-              <a:bodyPr/>
-              <a:lstStyle/>
-              <a:p>
-                <a:r>
-                  <a:rPr lang="fr-FR">
-                    <a:noFill/>
-                  </a:rPr>
-                  <a:t> </a:t>
-                </a:r>
-              </a:p>
-            </p:txBody>
-          </p:sp>
-        </mc:Fallback>
-      </mc:AlternateContent>
-      <p:sp>
-        <p:nvSpPr>
-          <p:cNvPr id="33" name="Ellipse 32">
-            <a:extLst>
-              <a:ext uri="{FF2B5EF4-FFF2-40B4-BE49-F238E27FC236}">
-                <a16:creationId xmlns:a16="http://schemas.microsoft.com/office/drawing/2014/main" id="{7692D48F-3EBF-AE16-D396-5D54F6F09FCC}"/>
-              </a:ext>
-            </a:extLst>
-          </p:cNvPr>
-          <p:cNvSpPr/>
-          <p:nvPr/>
-        </p:nvSpPr>
-        <p:spPr>
-          <a:xfrm>
-            <a:off x="3481457" y="2475864"/>
-            <a:ext cx="180000" cy="180000"/>
-          </a:xfrm>
-          <a:prstGeom prst="ellipse">
-            <a:avLst/>
-          </a:prstGeom>
-          <a:noFill/>
-          <a:ln w="19050">
-            <a:solidFill>
-              <a:srgbClr val="EF7268"/>
-            </a:solidFill>
-          </a:ln>
-        </p:spPr>
-        <p:style>
-          <a:lnRef idx="2">
-            <a:schemeClr val="accent1">
-              <a:shade val="50000"/>
-            </a:schemeClr>
-          </a:lnRef>
-          <a:fillRef idx="1">
-            <a:schemeClr val="accent1"/>
-          </a:fillRef>
-          <a:effectRef idx="0">
-            <a:schemeClr val="accent1"/>
-          </a:effectRef>
-          <a:fontRef idx="minor">
-            <a:schemeClr val="lt1"/>
-          </a:fontRef>
-        </p:style>
-        <p:txBody>
-          <a:bodyPr rtlCol="0" anchor="ctr"/>
-          <a:lstStyle/>
-          <a:p>
-            <a:pPr algn="ctr"/>
-            <a:r>
-              <a:rPr lang="fr-FR" sz="1050" b="1" dirty="0">
-                <a:solidFill>
-                  <a:srgbClr val="EF7268"/>
-                </a:solidFill>
-              </a:rPr>
-              <a:t>2</a:t>
-            </a:r>
-            <a:endParaRPr lang="fr-FR" sz="1400" b="1" dirty="0">
-              <a:solidFill>
-                <a:srgbClr val="EF7268"/>
-              </a:solidFill>
-            </a:endParaRPr>
-          </a:p>
-        </p:txBody>
-      </p:sp>
-      <p:cxnSp>
-        <p:nvCxnSpPr>
-          <p:cNvPr id="35" name="Connecteur droit 34">
-            <a:extLst>
-              <a:ext uri="{FF2B5EF4-FFF2-40B4-BE49-F238E27FC236}">
-                <a16:creationId xmlns:a16="http://schemas.microsoft.com/office/drawing/2014/main" id="{1AC0486C-4A61-6335-67B5-3071D0E4F27E}"/>
-              </a:ext>
-            </a:extLst>
-          </p:cNvPr>
-          <p:cNvCxnSpPr>
-            <a:cxnSpLocks/>
-          </p:cNvCxnSpPr>
-          <p:nvPr/>
-        </p:nvCxnSpPr>
-        <p:spPr>
-          <a:xfrm rot="19800000">
-            <a:off x="3606293" y="2522298"/>
-            <a:ext cx="943354" cy="9480"/>
-          </a:xfrm>
-          <a:prstGeom prst="line">
-            <a:avLst/>
-          </a:prstGeom>
-          <a:ln w="12700">
-            <a:solidFill>
-              <a:srgbClr val="00547F"/>
-            </a:solidFill>
-            <a:tailEnd type="stealth" w="med" len="lg"/>
-          </a:ln>
-        </p:spPr>
-        <p:style>
-          <a:lnRef idx="1">
-            <a:schemeClr val="accent1"/>
-          </a:lnRef>
-          <a:fillRef idx="0">
-            <a:schemeClr val="accent1"/>
-          </a:fillRef>
-          <a:effectRef idx="0">
-            <a:schemeClr val="accent1"/>
-          </a:effectRef>
-          <a:fontRef idx="minor">
-            <a:schemeClr val="tx1"/>
-          </a:fontRef>
-        </p:style>
-      </p:cxnSp>
-      <p:grpSp>
-        <p:nvGrpSpPr>
-          <p:cNvPr id="36" name="Groupe 35">
-            <a:extLst>
-              <a:ext uri="{FF2B5EF4-FFF2-40B4-BE49-F238E27FC236}">
-                <a16:creationId xmlns:a16="http://schemas.microsoft.com/office/drawing/2014/main" id="{B325EEAE-BF6E-2784-9DDC-EDF2C6E47879}"/>
-              </a:ext>
-            </a:extLst>
-          </p:cNvPr>
-          <p:cNvGrpSpPr/>
-          <p:nvPr/>
-        </p:nvGrpSpPr>
-        <p:grpSpPr>
-          <a:xfrm rot="19800000">
-            <a:off x="2402519" y="3065982"/>
-            <a:ext cx="847937" cy="162000"/>
-            <a:chOff x="2402883" y="1240730"/>
-            <a:chExt cx="847937" cy="162000"/>
-          </a:xfrm>
-        </p:grpSpPr>
-        <p:cxnSp>
-          <p:nvCxnSpPr>
-            <p:cNvPr id="40" name="Connecteur droit 39">
-              <a:extLst>
-                <a:ext uri="{FF2B5EF4-FFF2-40B4-BE49-F238E27FC236}">
-                  <a16:creationId xmlns:a16="http://schemas.microsoft.com/office/drawing/2014/main" id="{C2A70529-A1C8-E159-DCFA-141F37C52789}"/>
-                </a:ext>
-              </a:extLst>
-            </p:cNvPr>
-            <p:cNvCxnSpPr>
-              <a:cxnSpLocks/>
-              <a:endCxn id="39" idx="0"/>
-            </p:cNvCxnSpPr>
-            <p:nvPr/>
-          </p:nvCxnSpPr>
-          <p:spPr>
-            <a:xfrm>
-              <a:off x="3240700" y="1240732"/>
-              <a:ext cx="0" cy="72000"/>
+            <a:xfrm flipH="1" flipV="1">
+              <a:off x="4559616" y="1570636"/>
+              <a:ext cx="258560" cy="153185"/>
             </a:xfrm>
             <a:prstGeom prst="line">
               <a:avLst/>
             </a:prstGeom>
             <a:solidFill>
-              <a:srgbClr val="00B050"/>
+              <a:sysClr val="window" lastClr="FFFFFF"/>
             </a:solidFill>
-            <a:ln w="28575">
+            <a:ln w="12700" cap="flat" cmpd="sng" algn="ctr">
               <a:solidFill>
-                <a:srgbClr val="00547F"/>
+                <a:srgbClr val="ED7D31"/>
               </a:solidFill>
+              <a:prstDash val="solid"/>
+              <a:miter lim="800000"/>
             </a:ln>
+            <a:effectLst/>
           </p:spPr>
-          <p:style>
-            <a:lnRef idx="2">
-              <a:schemeClr val="accent1">
-                <a:shade val="50000"/>
-              </a:schemeClr>
-            </a:lnRef>
-            <a:fillRef idx="1">
-              <a:schemeClr val="accent1"/>
-            </a:fillRef>
-            <a:effectRef idx="0">
-              <a:schemeClr val="accent1"/>
-            </a:effectRef>
-            <a:fontRef idx="minor">
-              <a:schemeClr val="lt1"/>
-            </a:fontRef>
-          </p:style>
         </p:cxnSp>
+        <p:sp>
+          <p:nvSpPr>
+            <p:cNvPr id="11" name="Ellipse 10">
+              <a:extLst>
+                <a:ext uri="{FF2B5EF4-FFF2-40B4-BE49-F238E27FC236}">
+                  <a16:creationId xmlns:a16="http://schemas.microsoft.com/office/drawing/2014/main" id="{2BB753B3-2FE8-530C-761A-118D8748C346}"/>
+                </a:ext>
+              </a:extLst>
+            </p:cNvPr>
+            <p:cNvSpPr/>
+            <p:nvPr/>
+          </p:nvSpPr>
+          <p:spPr>
+            <a:xfrm>
+              <a:off x="6152163" y="2193231"/>
+              <a:ext cx="224593" cy="218355"/>
+            </a:xfrm>
+            <a:prstGeom prst="ellipse">
+              <a:avLst/>
+            </a:prstGeom>
+            <a:solidFill>
+              <a:sysClr val="window" lastClr="FFFFFF"/>
+            </a:solidFill>
+            <a:ln w="12700" cap="flat" cmpd="sng" algn="ctr">
+              <a:solidFill>
+                <a:srgbClr val="ED7D31"/>
+              </a:solidFill>
+              <a:prstDash val="solid"/>
+              <a:miter lim="800000"/>
+            </a:ln>
+            <a:effectLst/>
+          </p:spPr>
+          <p:txBody>
+            <a:bodyPr rtlCol="0" anchor="ctr"/>
+            <a:lstStyle/>
+            <a:p>
+              <a:pPr marL="0" marR="0" lvl="0" indent="0" algn="ctr" defTabSz="914400" eaLnBrk="1" fontAlgn="auto" latinLnBrk="0" hangingPunct="1">
+                <a:lnSpc>
+                  <a:spcPct val="100000"/>
+                </a:lnSpc>
+                <a:spcBef>
+                  <a:spcPts val="0"/>
+                </a:spcBef>
+                <a:spcAft>
+                  <a:spcPts val="0"/>
+                </a:spcAft>
+                <a:buClrTx/>
+                <a:buSzTx/>
+                <a:buFontTx/>
+                <a:buNone/>
+                <a:tabLst/>
+                <a:defRPr/>
+              </a:pPr>
+              <a:r>
+                <a:rPr kumimoji="0" lang="fr-FR" sz="1100" b="1" i="0" u="none" strike="noStrike" kern="0" cap="none" spc="0" normalizeH="0" baseline="0" noProof="0" dirty="0">
+                  <a:ln>
+                    <a:noFill/>
+                  </a:ln>
+                  <a:solidFill>
+                    <a:srgbClr val="ED7D31"/>
+                  </a:solidFill>
+                  <a:effectLst/>
+                  <a:uLnTx/>
+                  <a:uFillTx/>
+                  <a:latin typeface="Calibri" panose="020F0502020204030204"/>
+                  <a:ea typeface="+mn-ea"/>
+                  <a:cs typeface="+mn-cs"/>
+                </a:rPr>
+                <a:t>2</a:t>
+              </a:r>
+              <a:endParaRPr kumimoji="0" lang="fr-FR" sz="1800" b="1" i="0" u="none" strike="noStrike" kern="0" cap="none" spc="0" normalizeH="0" baseline="0" noProof="0" dirty="0">
+                <a:ln>
+                  <a:noFill/>
+                </a:ln>
+                <a:solidFill>
+                  <a:srgbClr val="ED7D31"/>
+                </a:solidFill>
+                <a:effectLst/>
+                <a:uLnTx/>
+                <a:uFillTx/>
+                <a:latin typeface="Calibri" panose="020F0502020204030204"/>
+                <a:ea typeface="+mn-ea"/>
+                <a:cs typeface="+mn-cs"/>
+              </a:endParaRPr>
+            </a:p>
+          </p:txBody>
+        </p:sp>
+        <p:sp>
+          <p:nvSpPr>
+            <p:cNvPr id="13" name="Ellipse 12">
+              <a:extLst>
+                <a:ext uri="{FF2B5EF4-FFF2-40B4-BE49-F238E27FC236}">
+                  <a16:creationId xmlns:a16="http://schemas.microsoft.com/office/drawing/2014/main" id="{A23A8EE0-BDF7-B83E-722E-3C89B26B5349}"/>
+                </a:ext>
+              </a:extLst>
+            </p:cNvPr>
+            <p:cNvSpPr/>
+            <p:nvPr/>
+          </p:nvSpPr>
+          <p:spPr>
+            <a:xfrm>
+              <a:off x="5576533" y="1463264"/>
+              <a:ext cx="224593" cy="218355"/>
+            </a:xfrm>
+            <a:prstGeom prst="ellipse">
+              <a:avLst/>
+            </a:prstGeom>
+            <a:solidFill>
+              <a:sysClr val="window" lastClr="FFFFFF"/>
+            </a:solidFill>
+            <a:ln w="12700" cap="flat" cmpd="sng" algn="ctr">
+              <a:solidFill>
+                <a:srgbClr val="4472C4"/>
+              </a:solidFill>
+              <a:prstDash val="solid"/>
+              <a:miter lim="800000"/>
+            </a:ln>
+            <a:effectLst/>
+          </p:spPr>
+          <p:txBody>
+            <a:bodyPr rtlCol="0" anchor="ctr"/>
+            <a:lstStyle/>
+            <a:p>
+              <a:pPr marL="0" marR="0" lvl="0" indent="0" algn="ctr" defTabSz="914400" eaLnBrk="1" fontAlgn="auto" latinLnBrk="0" hangingPunct="1">
+                <a:lnSpc>
+                  <a:spcPct val="100000"/>
+                </a:lnSpc>
+                <a:spcBef>
+                  <a:spcPts val="0"/>
+                </a:spcBef>
+                <a:spcAft>
+                  <a:spcPts val="0"/>
+                </a:spcAft>
+                <a:buClrTx/>
+                <a:buSzTx/>
+                <a:buFontTx/>
+                <a:buNone/>
+                <a:tabLst/>
+                <a:defRPr/>
+              </a:pPr>
+              <a:r>
+                <a:rPr kumimoji="0" lang="fr-FR" sz="1100" b="1" i="0" u="none" strike="noStrike" kern="0" cap="none" spc="0" normalizeH="0" baseline="0" noProof="0" dirty="0">
+                  <a:ln>
+                    <a:noFill/>
+                  </a:ln>
+                  <a:solidFill>
+                    <a:srgbClr val="4472C4"/>
+                  </a:solidFill>
+                  <a:effectLst/>
+                  <a:uLnTx/>
+                  <a:uFillTx/>
+                  <a:latin typeface="Calibri" panose="020F0502020204030204"/>
+                  <a:ea typeface="+mn-ea"/>
+                  <a:cs typeface="+mn-cs"/>
+                </a:rPr>
+                <a:t>1</a:t>
+              </a:r>
+              <a:endParaRPr kumimoji="0" lang="fr-FR" sz="1800" b="1" i="0" u="none" strike="noStrike" kern="0" cap="none" spc="0" normalizeH="0" baseline="0" noProof="0" dirty="0">
+                <a:ln>
+                  <a:noFill/>
+                </a:ln>
+                <a:solidFill>
+                  <a:srgbClr val="4472C4"/>
+                </a:solidFill>
+                <a:effectLst/>
+                <a:uLnTx/>
+                <a:uFillTx/>
+                <a:latin typeface="Calibri" panose="020F0502020204030204"/>
+                <a:ea typeface="+mn-ea"/>
+                <a:cs typeface="+mn-cs"/>
+              </a:endParaRPr>
+            </a:p>
+          </p:txBody>
+        </p:sp>
         <p:cxnSp>
           <p:nvCxnSpPr>
-            <p:cNvPr id="41" name="Connecteur droit 40">
+            <p:cNvPr id="14" name="Connecteur droit avec flèche 13">
               <a:extLst>
                 <a:ext uri="{FF2B5EF4-FFF2-40B4-BE49-F238E27FC236}">
-                  <a16:creationId xmlns:a16="http://schemas.microsoft.com/office/drawing/2014/main" id="{C837939C-BD88-EB09-BBFB-47958AB62358}"/>
+                  <a16:creationId xmlns:a16="http://schemas.microsoft.com/office/drawing/2014/main" id="{DEA4FAF8-1F8D-264D-25C4-592C10CEA779}"/>
                 </a:ext>
               </a:extLst>
             </p:cNvPr>
@@ -16809,44 +19035,1033 @@
           </p:nvCxnSpPr>
           <p:spPr>
             <a:xfrm>
-              <a:off x="2402883" y="1243214"/>
-              <a:ext cx="847937" cy="0"/>
+              <a:off x="5267665" y="3046941"/>
+              <a:ext cx="346068" cy="200356"/>
+            </a:xfrm>
+            <a:prstGeom prst="straightConnector1">
+              <a:avLst/>
+            </a:prstGeom>
+            <a:solidFill>
+              <a:sysClr val="window" lastClr="FFFFFF"/>
+            </a:solidFill>
+            <a:ln w="12700" cap="flat" cmpd="sng" algn="ctr">
+              <a:solidFill>
+                <a:srgbClr val="00B050"/>
+              </a:solidFill>
+              <a:prstDash val="solid"/>
+              <a:miter lim="800000"/>
+              <a:tailEnd type="stealth" w="med" len="lg"/>
+            </a:ln>
+            <a:effectLst/>
+          </p:spPr>
+        </p:cxnSp>
+        <mc:AlternateContent xmlns:mc="http://schemas.openxmlformats.org/markup-compatibility/2006">
+          <mc:Choice xmlns:a14="http://schemas.microsoft.com/office/drawing/2010/main" Requires="a14">
+            <p:sp>
+              <p:nvSpPr>
+                <p:cNvPr id="15" name="ZoneTexte 14">
+                  <a:extLst>
+                    <a:ext uri="{FF2B5EF4-FFF2-40B4-BE49-F238E27FC236}">
+                      <a16:creationId xmlns:a16="http://schemas.microsoft.com/office/drawing/2014/main" id="{1A6FF5D8-1562-2364-6D0C-3EE1FD646709}"/>
+                    </a:ext>
+                  </a:extLst>
+                </p:cNvPr>
+                <p:cNvSpPr txBox="1"/>
+                <p:nvPr/>
+              </p:nvSpPr>
+              <p:spPr>
+                <a:xfrm>
+                  <a:off x="4134524" y="1783442"/>
+                  <a:ext cx="626532" cy="307777"/>
+                </a:xfrm>
+                <a:prstGeom prst="rect">
+                  <a:avLst/>
+                </a:prstGeom>
+                <a:noFill/>
+                <a:ln w="12700" cap="flat" cmpd="sng" algn="ctr">
+                  <a:solidFill>
+                    <a:sysClr val="window" lastClr="FFFFFF">
+                      <a:lumMod val="95000"/>
+                    </a:sysClr>
+                  </a:solidFill>
+                  <a:prstDash val="solid"/>
+                  <a:miter lim="800000"/>
+                </a:ln>
+                <a:effectLst/>
+              </p:spPr>
+              <p:txBody>
+                <a:bodyPr wrap="square" rtlCol="0">
+                  <a:spAutoFit/>
+                </a:bodyPr>
+                <a:lstStyle/>
+                <a:p>
+                  <a:pPr marL="0" marR="0" lvl="0" indent="0" defTabSz="914400" eaLnBrk="1" fontAlgn="auto" latinLnBrk="0" hangingPunct="1">
+                    <a:lnSpc>
+                      <a:spcPct val="100000"/>
+                    </a:lnSpc>
+                    <a:spcBef>
+                      <a:spcPts val="0"/>
+                    </a:spcBef>
+                    <a:spcAft>
+                      <a:spcPts val="0"/>
+                    </a:spcAft>
+                    <a:buClrTx/>
+                    <a:buSzTx/>
+                    <a:buFontTx/>
+                    <a:buNone/>
+                    <a:tabLst/>
+                    <a:defRPr/>
+                  </a:pPr>
+                  <a14:m>
+                    <m:oMathPara xmlns:m="http://schemas.openxmlformats.org/officeDocument/2006/math">
+                      <m:oMathParaPr>
+                        <m:jc m:val="centerGroup"/>
+                      </m:oMathParaPr>
+                      <m:oMath xmlns:m="http://schemas.openxmlformats.org/officeDocument/2006/math">
+                        <m:acc>
+                          <m:accPr>
+                            <m:chr m:val="⃗"/>
+                            <m:ctrlPr>
+                              <a:rPr kumimoji="0" lang="fr-FR" sz="1400" b="0" i="1" u="none" strike="noStrike" kern="0" cap="none" spc="0" normalizeH="0" baseline="0" noProof="0" smtClean="0">
+                                <a:ln>
+                                  <a:noFill/>
+                                </a:ln>
+                                <a:solidFill>
+                                  <a:prstClr val="black"/>
+                                </a:solidFill>
+                                <a:effectLst/>
+                                <a:uLnTx/>
+                                <a:uFillTx/>
+                                <a:latin typeface="Cambria Math" panose="02040503050406030204" pitchFamily="18" charset="0"/>
+                                <a:ea typeface="+mn-ea"/>
+                                <a:cs typeface="+mn-cs"/>
+                              </a:rPr>
+                            </m:ctrlPr>
+                          </m:accPr>
+                          <m:e>
+                            <m:sSub>
+                              <m:sSubPr>
+                                <m:ctrlPr>
+                                  <a:rPr kumimoji="0" lang="fr-FR" sz="1400" b="0" i="1" u="none" strike="noStrike" kern="0" cap="none" spc="0" normalizeH="0" baseline="0" noProof="0" smtClean="0">
+                                    <a:ln>
+                                      <a:noFill/>
+                                    </a:ln>
+                                    <a:solidFill>
+                                      <a:prstClr val="black"/>
+                                    </a:solidFill>
+                                    <a:effectLst/>
+                                    <a:uLnTx/>
+                                    <a:uFillTx/>
+                                    <a:latin typeface="Cambria Math" panose="02040503050406030204" pitchFamily="18" charset="0"/>
+                                    <a:ea typeface="+mn-ea"/>
+                                    <a:cs typeface="+mn-cs"/>
+                                  </a:rPr>
+                                </m:ctrlPr>
+                              </m:sSubPr>
+                              <m:e>
+                                <m:r>
+                                  <a:rPr kumimoji="0" lang="fr-FR" sz="1400" b="0" i="1" u="none" strike="noStrike" kern="0" cap="none" spc="0" normalizeH="0" baseline="0" noProof="0" smtClean="0">
+                                    <a:ln>
+                                      <a:noFill/>
+                                    </a:ln>
+                                    <a:solidFill>
+                                      <a:prstClr val="black"/>
+                                    </a:solidFill>
+                                    <a:effectLst/>
+                                    <a:uLnTx/>
+                                    <a:uFillTx/>
+                                    <a:latin typeface="Cambria Math" panose="02040503050406030204" pitchFamily="18" charset="0"/>
+                                    <a:ea typeface="+mn-ea"/>
+                                    <a:cs typeface="+mn-cs"/>
+                                  </a:rPr>
+                                  <m:t>𝑥</m:t>
+                                </m:r>
+                              </m:e>
+                              <m:sub>
+                                <m:r>
+                                  <a:rPr kumimoji="0" lang="fr-FR" sz="1400" b="0" i="1" u="none" strike="noStrike" kern="0" cap="none" spc="0" normalizeH="0" baseline="0" noProof="0" smtClean="0">
+                                    <a:ln>
+                                      <a:noFill/>
+                                    </a:ln>
+                                    <a:solidFill>
+                                      <a:prstClr val="black"/>
+                                    </a:solidFill>
+                                    <a:effectLst/>
+                                    <a:uLnTx/>
+                                    <a:uFillTx/>
+                                    <a:latin typeface="Cambria Math" panose="02040503050406030204" pitchFamily="18" charset="0"/>
+                                    <a:ea typeface="+mn-ea"/>
+                                    <a:cs typeface="+mn-cs"/>
+                                  </a:rPr>
+                                  <m:t>0</m:t>
+                                </m:r>
+                              </m:sub>
+                            </m:sSub>
+                          </m:e>
+                        </m:acc>
+                      </m:oMath>
+                    </m:oMathPara>
+                  </a14:m>
+                  <a:endParaRPr kumimoji="0" lang="fr-FR" sz="1400" b="0" i="0" u="none" strike="noStrike" kern="0" cap="none" spc="0" normalizeH="0" baseline="0" noProof="0" dirty="0">
+                    <a:ln>
+                      <a:noFill/>
+                    </a:ln>
+                    <a:solidFill>
+                      <a:prstClr val="black"/>
+                    </a:solidFill>
+                    <a:effectLst/>
+                    <a:uLnTx/>
+                    <a:uFillTx/>
+                    <a:latin typeface="Calibri" panose="020F0502020204030204"/>
+                    <a:ea typeface="+mn-ea"/>
+                    <a:cs typeface="+mn-cs"/>
+                  </a:endParaRPr>
+                </a:p>
+              </p:txBody>
+            </p:sp>
+          </mc:Choice>
+          <mc:Fallback>
+            <p:sp>
+              <p:nvSpPr>
+                <p:cNvPr id="15" name="ZoneTexte 14">
+                  <a:extLst>
+                    <a:ext uri="{FF2B5EF4-FFF2-40B4-BE49-F238E27FC236}">
+                      <a16:creationId xmlns:a16="http://schemas.microsoft.com/office/drawing/2014/main" id="{1A6FF5D8-1562-2364-6D0C-3EE1FD646709}"/>
+                    </a:ext>
+                  </a:extLst>
+                </p:cNvPr>
+                <p:cNvSpPr txBox="1">
+                  <a:spLocks noRot="1" noChangeAspect="1" noMove="1" noResize="1" noEditPoints="1" noAdjustHandles="1" noChangeArrowheads="1" noChangeShapeType="1" noTextEdit="1"/>
+                </p:cNvSpPr>
+                <p:nvPr/>
+              </p:nvSpPr>
+              <p:spPr>
+                <a:xfrm>
+                  <a:off x="4134524" y="1783442"/>
+                  <a:ext cx="626532" cy="307777"/>
+                </a:xfrm>
+                <a:prstGeom prst="rect">
+                  <a:avLst/>
+                </a:prstGeom>
+                <a:blipFill>
+                  <a:blip r:embed="rId3"/>
+                  <a:stretch>
+                    <a:fillRect/>
+                  </a:stretch>
+                </a:blipFill>
+                <a:ln w="12700" cap="flat" cmpd="sng" algn="ctr">
+                  <a:solidFill>
+                    <a:sysClr val="window" lastClr="FFFFFF">
+                      <a:lumMod val="95000"/>
+                    </a:sysClr>
+                  </a:solidFill>
+                  <a:prstDash val="solid"/>
+                  <a:miter lim="800000"/>
+                </a:ln>
+                <a:effectLst/>
+              </p:spPr>
+              <p:txBody>
+                <a:bodyPr/>
+                <a:lstStyle/>
+                <a:p>
+                  <a:r>
+                    <a:rPr lang="fr-FR">
+                      <a:noFill/>
+                    </a:rPr>
+                    <a:t> </a:t>
+                  </a:r>
+                </a:p>
+              </p:txBody>
+            </p:sp>
+          </mc:Fallback>
+        </mc:AlternateContent>
+        <p:cxnSp>
+          <p:nvCxnSpPr>
+            <p:cNvPr id="16" name="Connecteur droit avec flèche 15">
+              <a:extLst>
+                <a:ext uri="{FF2B5EF4-FFF2-40B4-BE49-F238E27FC236}">
+                  <a16:creationId xmlns:a16="http://schemas.microsoft.com/office/drawing/2014/main" id="{3F9277C6-D1A4-0AC6-9632-94FF7B28EF1C}"/>
+                </a:ext>
+              </a:extLst>
+            </p:cNvPr>
+            <p:cNvCxnSpPr>
+              <a:cxnSpLocks/>
+            </p:cNvCxnSpPr>
+            <p:nvPr/>
+          </p:nvCxnSpPr>
+          <p:spPr>
+            <a:xfrm flipH="1">
+              <a:off x="4157679" y="2664368"/>
+              <a:ext cx="462621" cy="302849"/>
+            </a:xfrm>
+            <a:prstGeom prst="straightConnector1">
+              <a:avLst/>
+            </a:prstGeom>
+            <a:solidFill>
+              <a:sysClr val="window" lastClr="FFFFFF"/>
+            </a:solidFill>
+            <a:ln w="12700" cap="flat" cmpd="sng" algn="ctr">
+              <a:solidFill>
+                <a:srgbClr val="00B050"/>
+              </a:solidFill>
+              <a:prstDash val="solid"/>
+              <a:miter lim="800000"/>
+              <a:tailEnd type="stealth" w="med" len="lg"/>
+            </a:ln>
+            <a:effectLst/>
+          </p:spPr>
+        </p:cxnSp>
+        <mc:AlternateContent xmlns:mc="http://schemas.openxmlformats.org/markup-compatibility/2006">
+          <mc:Choice xmlns:a14="http://schemas.microsoft.com/office/drawing/2010/main" Requires="a14">
+            <p:sp>
+              <p:nvSpPr>
+                <p:cNvPr id="17" name="ZoneTexte 16">
+                  <a:extLst>
+                    <a:ext uri="{FF2B5EF4-FFF2-40B4-BE49-F238E27FC236}">
+                      <a16:creationId xmlns:a16="http://schemas.microsoft.com/office/drawing/2014/main" id="{2D8F2436-F41E-3CB8-71C7-12E18E728E13}"/>
+                    </a:ext>
+                  </a:extLst>
+                </p:cNvPr>
+                <p:cNvSpPr txBox="1"/>
+                <p:nvPr/>
+              </p:nvSpPr>
+              <p:spPr>
+                <a:xfrm>
+                  <a:off x="5453107" y="3019482"/>
+                  <a:ext cx="626532" cy="307777"/>
+                </a:xfrm>
+                <a:prstGeom prst="rect">
+                  <a:avLst/>
+                </a:prstGeom>
+                <a:noFill/>
+                <a:ln w="12700" cap="flat" cmpd="sng" algn="ctr">
+                  <a:noFill/>
+                  <a:prstDash val="solid"/>
+                  <a:miter lim="800000"/>
+                </a:ln>
+                <a:effectLst/>
+              </p:spPr>
+              <p:txBody>
+                <a:bodyPr wrap="square" rtlCol="0">
+                  <a:spAutoFit/>
+                </a:bodyPr>
+                <a:lstStyle/>
+                <a:p>
+                  <a:pPr marL="0" marR="0" lvl="0" indent="0" defTabSz="914400" eaLnBrk="1" fontAlgn="auto" latinLnBrk="0" hangingPunct="1">
+                    <a:lnSpc>
+                      <a:spcPct val="100000"/>
+                    </a:lnSpc>
+                    <a:spcBef>
+                      <a:spcPts val="0"/>
+                    </a:spcBef>
+                    <a:spcAft>
+                      <a:spcPts val="0"/>
+                    </a:spcAft>
+                    <a:buClrTx/>
+                    <a:buSzTx/>
+                    <a:buFontTx/>
+                    <a:buNone/>
+                    <a:tabLst/>
+                    <a:defRPr/>
+                  </a:pPr>
+                  <a14:m>
+                    <m:oMathPara xmlns:m="http://schemas.openxmlformats.org/officeDocument/2006/math">
+                      <m:oMathParaPr>
+                        <m:jc m:val="centerGroup"/>
+                      </m:oMathParaPr>
+                      <m:oMath xmlns:m="http://schemas.openxmlformats.org/officeDocument/2006/math">
+                        <m:acc>
+                          <m:accPr>
+                            <m:chr m:val="⃗"/>
+                            <m:ctrlPr>
+                              <a:rPr kumimoji="0" lang="fr-FR" sz="1400" b="0" i="1" u="none" strike="noStrike" kern="0" cap="none" spc="0" normalizeH="0" baseline="0" noProof="0" smtClean="0">
+                                <a:ln>
+                                  <a:noFill/>
+                                </a:ln>
+                                <a:solidFill>
+                                  <a:prstClr val="black"/>
+                                </a:solidFill>
+                                <a:effectLst/>
+                                <a:uLnTx/>
+                                <a:uFillTx/>
+                                <a:latin typeface="Cambria Math" panose="02040503050406030204" pitchFamily="18" charset="0"/>
+                                <a:ea typeface="+mn-ea"/>
+                                <a:cs typeface="+mn-cs"/>
+                              </a:rPr>
+                            </m:ctrlPr>
+                          </m:accPr>
+                          <m:e>
+                            <m:sSub>
+                              <m:sSubPr>
+                                <m:ctrlPr>
+                                  <a:rPr kumimoji="0" lang="fr-FR" sz="1400" b="0" i="1" u="none" strike="noStrike" kern="0" cap="none" spc="0" normalizeH="0" baseline="0" noProof="0" smtClean="0">
+                                    <a:ln>
+                                      <a:noFill/>
+                                    </a:ln>
+                                    <a:solidFill>
+                                      <a:prstClr val="black"/>
+                                    </a:solidFill>
+                                    <a:effectLst/>
+                                    <a:uLnTx/>
+                                    <a:uFillTx/>
+                                    <a:latin typeface="Cambria Math" panose="02040503050406030204" pitchFamily="18" charset="0"/>
+                                    <a:ea typeface="+mn-ea"/>
+                                    <a:cs typeface="+mn-cs"/>
+                                  </a:rPr>
+                                </m:ctrlPr>
+                              </m:sSubPr>
+                              <m:e>
+                                <m:r>
+                                  <a:rPr kumimoji="0" lang="fr-FR" sz="1400" b="0" i="1" u="none" strike="noStrike" kern="0" cap="none" spc="0" normalizeH="0" baseline="0" noProof="0" smtClean="0">
+                                    <a:ln>
+                                      <a:noFill/>
+                                    </a:ln>
+                                    <a:solidFill>
+                                      <a:prstClr val="black"/>
+                                    </a:solidFill>
+                                    <a:effectLst/>
+                                    <a:uLnTx/>
+                                    <a:uFillTx/>
+                                    <a:latin typeface="Cambria Math" panose="02040503050406030204" pitchFamily="18" charset="0"/>
+                                    <a:ea typeface="+mn-ea"/>
+                                    <a:cs typeface="+mn-cs"/>
+                                  </a:rPr>
+                                  <m:t>𝑧</m:t>
+                                </m:r>
+                              </m:e>
+                              <m:sub>
+                                <m:r>
+                                  <a:rPr kumimoji="0" lang="fr-FR" sz="1400" b="0" i="1" u="none" strike="noStrike" kern="0" cap="none" spc="0" normalizeH="0" baseline="0" noProof="0" smtClean="0">
+                                    <a:ln>
+                                      <a:noFill/>
+                                    </a:ln>
+                                    <a:solidFill>
+                                      <a:prstClr val="black"/>
+                                    </a:solidFill>
+                                    <a:effectLst/>
+                                    <a:uLnTx/>
+                                    <a:uFillTx/>
+                                    <a:latin typeface="Cambria Math" panose="02040503050406030204" pitchFamily="18" charset="0"/>
+                                    <a:ea typeface="+mn-ea"/>
+                                    <a:cs typeface="+mn-cs"/>
+                                  </a:rPr>
+                                  <m:t>0</m:t>
+                                </m:r>
+                              </m:sub>
+                            </m:sSub>
+                          </m:e>
+                        </m:acc>
+                      </m:oMath>
+                    </m:oMathPara>
+                  </a14:m>
+                  <a:endParaRPr kumimoji="0" lang="fr-FR" sz="1400" b="0" i="0" u="none" strike="noStrike" kern="0" cap="none" spc="0" normalizeH="0" baseline="0" noProof="0" dirty="0">
+                    <a:ln>
+                      <a:noFill/>
+                    </a:ln>
+                    <a:solidFill>
+                      <a:prstClr val="black"/>
+                    </a:solidFill>
+                    <a:effectLst/>
+                    <a:uLnTx/>
+                    <a:uFillTx/>
+                    <a:latin typeface="Calibri" panose="020F0502020204030204"/>
+                    <a:ea typeface="+mn-ea"/>
+                    <a:cs typeface="+mn-cs"/>
+                  </a:endParaRPr>
+                </a:p>
+              </p:txBody>
+            </p:sp>
+          </mc:Choice>
+          <mc:Fallback>
+            <p:sp>
+              <p:nvSpPr>
+                <p:cNvPr id="17" name="ZoneTexte 16">
+                  <a:extLst>
+                    <a:ext uri="{FF2B5EF4-FFF2-40B4-BE49-F238E27FC236}">
+                      <a16:creationId xmlns:a16="http://schemas.microsoft.com/office/drawing/2014/main" id="{2D8F2436-F41E-3CB8-71C7-12E18E728E13}"/>
+                    </a:ext>
+                  </a:extLst>
+                </p:cNvPr>
+                <p:cNvSpPr txBox="1">
+                  <a:spLocks noRot="1" noChangeAspect="1" noMove="1" noResize="1" noEditPoints="1" noAdjustHandles="1" noChangeArrowheads="1" noChangeShapeType="1" noTextEdit="1"/>
+                </p:cNvSpPr>
+                <p:nvPr/>
+              </p:nvSpPr>
+              <p:spPr>
+                <a:xfrm>
+                  <a:off x="5453107" y="3019482"/>
+                  <a:ext cx="626532" cy="307777"/>
+                </a:xfrm>
+                <a:prstGeom prst="rect">
+                  <a:avLst/>
+                </a:prstGeom>
+                <a:blipFill>
+                  <a:blip r:embed="rId4"/>
+                  <a:stretch>
+                    <a:fillRect/>
+                  </a:stretch>
+                </a:blipFill>
+                <a:ln w="12700" cap="flat" cmpd="sng" algn="ctr">
+                  <a:noFill/>
+                  <a:prstDash val="solid"/>
+                  <a:miter lim="800000"/>
+                </a:ln>
+                <a:effectLst/>
+              </p:spPr>
+              <p:txBody>
+                <a:bodyPr/>
+                <a:lstStyle/>
+                <a:p>
+                  <a:r>
+                    <a:rPr lang="fr-FR">
+                      <a:noFill/>
+                    </a:rPr>
+                    <a:t> </a:t>
+                  </a:r>
+                </a:p>
+              </p:txBody>
+            </p:sp>
+          </mc:Fallback>
+        </mc:AlternateContent>
+        <p:sp>
+          <p:nvSpPr>
+            <p:cNvPr id="18" name="Cylindre 17">
+              <a:extLst>
+                <a:ext uri="{FF2B5EF4-FFF2-40B4-BE49-F238E27FC236}">
+                  <a16:creationId xmlns:a16="http://schemas.microsoft.com/office/drawing/2014/main" id="{82A76B59-318D-3041-88A4-19A7DE6830D1}"/>
+                </a:ext>
+              </a:extLst>
+            </p:cNvPr>
+            <p:cNvSpPr/>
+            <p:nvPr/>
+          </p:nvSpPr>
+          <p:spPr>
+            <a:xfrm rot="7309303">
+              <a:off x="5843600" y="1056805"/>
+              <a:ext cx="216000" cy="432000"/>
+            </a:xfrm>
+            <a:prstGeom prst="can">
+              <a:avLst>
+                <a:gd name="adj" fmla="val 52625"/>
+              </a:avLst>
+            </a:prstGeom>
+            <a:solidFill>
+              <a:sysClr val="window" lastClr="FFFFFF"/>
+            </a:solidFill>
+            <a:ln w="12700" cap="flat" cmpd="sng" algn="ctr">
+              <a:solidFill>
+                <a:srgbClr val="4472C4"/>
+              </a:solidFill>
+              <a:prstDash val="solid"/>
+              <a:miter lim="800000"/>
+            </a:ln>
+            <a:effectLst/>
+          </p:spPr>
+          <p:txBody>
+            <a:bodyPr rtlCol="0" anchor="ctr"/>
+            <a:lstStyle/>
+            <a:p>
+              <a:pPr marL="0" marR="0" lvl="0" indent="0" algn="ctr" defTabSz="914400" eaLnBrk="1" fontAlgn="auto" latinLnBrk="0" hangingPunct="1">
+                <a:lnSpc>
+                  <a:spcPct val="100000"/>
+                </a:lnSpc>
+                <a:spcBef>
+                  <a:spcPts val="0"/>
+                </a:spcBef>
+                <a:spcAft>
+                  <a:spcPts val="0"/>
+                </a:spcAft>
+                <a:buClrTx/>
+                <a:buSzTx/>
+                <a:buFontTx/>
+                <a:buNone/>
+                <a:tabLst/>
+                <a:defRPr/>
+              </a:pPr>
+              <a:endParaRPr kumimoji="0" lang="fr-FR" sz="1800" b="0" i="0" u="none" strike="noStrike" kern="0" cap="none" spc="0" normalizeH="0" baseline="0" noProof="0">
+                <a:ln>
+                  <a:noFill/>
+                </a:ln>
+                <a:solidFill>
+                  <a:prstClr val="black"/>
+                </a:solidFill>
+                <a:effectLst/>
+                <a:uLnTx/>
+                <a:uFillTx/>
+                <a:latin typeface="Calibri" panose="020F0502020204030204"/>
+                <a:ea typeface="+mn-ea"/>
+                <a:cs typeface="+mn-cs"/>
+              </a:endParaRPr>
+            </a:p>
+          </p:txBody>
+        </p:sp>
+        <p:cxnSp>
+          <p:nvCxnSpPr>
+            <p:cNvPr id="19" name="Connecteur droit 18">
+              <a:extLst>
+                <a:ext uri="{FF2B5EF4-FFF2-40B4-BE49-F238E27FC236}">
+                  <a16:creationId xmlns:a16="http://schemas.microsoft.com/office/drawing/2014/main" id="{CBE7B7C9-0EDF-71E3-435E-31CA4C881D71}"/>
+                </a:ext>
+              </a:extLst>
+            </p:cNvPr>
+            <p:cNvCxnSpPr>
+              <a:cxnSpLocks/>
+            </p:cNvCxnSpPr>
+            <p:nvPr/>
+          </p:nvCxnSpPr>
+          <p:spPr>
+            <a:xfrm flipH="1" flipV="1">
+              <a:off x="5498802" y="1022924"/>
+              <a:ext cx="266757" cy="158471"/>
             </a:xfrm>
             <a:prstGeom prst="line">
               <a:avLst/>
             </a:prstGeom>
             <a:solidFill>
-              <a:srgbClr val="00B050"/>
+              <a:sysClr val="window" lastClr="FFFFFF"/>
             </a:solidFill>
-            <a:ln w="28575">
+            <a:ln w="12700" cap="flat" cmpd="sng" algn="ctr">
               <a:solidFill>
-                <a:srgbClr val="00547F"/>
+                <a:srgbClr val="ED7D31"/>
               </a:solidFill>
+              <a:prstDash val="solid"/>
+              <a:miter lim="800000"/>
             </a:ln>
+            <a:effectLst/>
           </p:spPr>
-          <p:style>
-            <a:lnRef idx="2">
-              <a:schemeClr val="accent1">
-                <a:shade val="50000"/>
-              </a:schemeClr>
-            </a:lnRef>
-            <a:fillRef idx="1">
-              <a:schemeClr val="accent1"/>
-            </a:fillRef>
-            <a:effectRef idx="0">
-              <a:schemeClr val="accent1"/>
-            </a:effectRef>
-            <a:fontRef idx="minor">
-              <a:schemeClr val="lt1"/>
-            </a:fontRef>
-          </p:style>
         </p:cxnSp>
         <p:cxnSp>
           <p:nvCxnSpPr>
-            <p:cNvPr id="42" name="Connecteur droit 41">
+            <p:cNvPr id="20" name="Connecteur droit 19">
               <a:extLst>
                 <a:ext uri="{FF2B5EF4-FFF2-40B4-BE49-F238E27FC236}">
-                  <a16:creationId xmlns:a16="http://schemas.microsoft.com/office/drawing/2014/main" id="{AB14990D-45E4-E739-336D-E3B0BF6F6F3B}"/>
+                  <a16:creationId xmlns:a16="http://schemas.microsoft.com/office/drawing/2014/main" id="{D38CDC85-CB2C-FF10-E11C-1EC84B550235}"/>
+                </a:ext>
+              </a:extLst>
+            </p:cNvPr>
+            <p:cNvCxnSpPr>
+              <a:cxnSpLocks/>
+            </p:cNvCxnSpPr>
+            <p:nvPr/>
+          </p:nvCxnSpPr>
+          <p:spPr>
+            <a:xfrm flipH="1">
+              <a:off x="4553266" y="1026093"/>
+              <a:ext cx="945536" cy="551420"/>
+            </a:xfrm>
+            <a:prstGeom prst="line">
+              <a:avLst/>
+            </a:prstGeom>
+            <a:solidFill>
+              <a:sysClr val="window" lastClr="FFFFFF"/>
+            </a:solidFill>
+            <a:ln w="12700" cap="flat" cmpd="sng" algn="ctr">
+              <a:solidFill>
+                <a:srgbClr val="ED7D31"/>
+              </a:solidFill>
+              <a:prstDash val="solid"/>
+              <a:miter lim="800000"/>
+            </a:ln>
+            <a:effectLst/>
+          </p:spPr>
+        </p:cxnSp>
+        <p:cxnSp>
+          <p:nvCxnSpPr>
+            <p:cNvPr id="21" name="Connecteur droit 20">
+              <a:extLst>
+                <a:ext uri="{FF2B5EF4-FFF2-40B4-BE49-F238E27FC236}">
+                  <a16:creationId xmlns:a16="http://schemas.microsoft.com/office/drawing/2014/main" id="{2B6E93BF-D05B-ED40-421B-52561A1153E1}"/>
+                </a:ext>
+              </a:extLst>
+            </p:cNvPr>
+            <p:cNvCxnSpPr>
+              <a:cxnSpLocks/>
+            </p:cNvCxnSpPr>
+            <p:nvPr/>
+          </p:nvCxnSpPr>
+          <p:spPr>
+            <a:xfrm flipH="1" flipV="1">
+              <a:off x="6070716" y="1348253"/>
+              <a:ext cx="1202587" cy="712477"/>
+            </a:xfrm>
+            <a:prstGeom prst="line">
+              <a:avLst/>
+            </a:prstGeom>
+            <a:solidFill>
+              <a:sysClr val="window" lastClr="FFFFFF"/>
+            </a:solidFill>
+            <a:ln w="12700" cap="flat" cmpd="sng" algn="ctr">
+              <a:solidFill>
+                <a:srgbClr val="ED7D31"/>
+              </a:solidFill>
+              <a:prstDash val="solid"/>
+              <a:miter lim="800000"/>
+            </a:ln>
+            <a:effectLst/>
+          </p:spPr>
+        </p:cxnSp>
+        <p:cxnSp>
+          <p:nvCxnSpPr>
+            <p:cNvPr id="22" name="Connecteur droit 21">
+              <a:extLst>
+                <a:ext uri="{FF2B5EF4-FFF2-40B4-BE49-F238E27FC236}">
+                  <a16:creationId xmlns:a16="http://schemas.microsoft.com/office/drawing/2014/main" id="{32C5B076-77C2-2EFE-F1C7-D5E19D412A20}"/>
+                </a:ext>
+              </a:extLst>
+            </p:cNvPr>
+            <p:cNvCxnSpPr>
+              <a:cxnSpLocks/>
+            </p:cNvCxnSpPr>
+            <p:nvPr/>
+          </p:nvCxnSpPr>
+          <p:spPr>
+            <a:xfrm flipH="1">
+              <a:off x="6326641" y="2065640"/>
+              <a:ext cx="946662" cy="542745"/>
+            </a:xfrm>
+            <a:prstGeom prst="line">
+              <a:avLst/>
+            </a:prstGeom>
+            <a:solidFill>
+              <a:sysClr val="window" lastClr="FFFFFF"/>
+            </a:solidFill>
+            <a:ln w="12700" cap="flat" cmpd="sng" algn="ctr">
+              <a:solidFill>
+                <a:srgbClr val="ED7D31"/>
+              </a:solidFill>
+              <a:prstDash val="solid"/>
+              <a:miter lim="800000"/>
+            </a:ln>
+            <a:effectLst/>
+          </p:spPr>
+        </p:cxnSp>
+        <p:cxnSp>
+          <p:nvCxnSpPr>
+            <p:cNvPr id="23" name="Connecteur droit 22">
+              <a:extLst>
+                <a:ext uri="{FF2B5EF4-FFF2-40B4-BE49-F238E27FC236}">
+                  <a16:creationId xmlns:a16="http://schemas.microsoft.com/office/drawing/2014/main" id="{C3DEB448-4491-FA5B-0030-DCDE65C8ED97}"/>
+                </a:ext>
+              </a:extLst>
+            </p:cNvPr>
+            <p:cNvCxnSpPr>
+              <a:cxnSpLocks/>
+              <a:endCxn id="24" idx="2"/>
+            </p:cNvCxnSpPr>
+            <p:nvPr/>
+          </p:nvCxnSpPr>
+          <p:spPr>
+            <a:xfrm flipH="1">
+              <a:off x="5051350" y="1240527"/>
+              <a:ext cx="829338" cy="487675"/>
+            </a:xfrm>
+            <a:prstGeom prst="line">
+              <a:avLst/>
+            </a:prstGeom>
+            <a:solidFill>
+              <a:sysClr val="window" lastClr="FFFFFF"/>
+            </a:solidFill>
+            <a:ln w="12700" cap="flat" cmpd="sng" algn="ctr">
+              <a:solidFill>
+                <a:srgbClr val="4472C4"/>
+              </a:solidFill>
+              <a:prstDash val="solid"/>
+              <a:miter lim="800000"/>
+            </a:ln>
+            <a:effectLst/>
+          </p:spPr>
+        </p:cxnSp>
+        <p:sp>
+          <p:nvSpPr>
+            <p:cNvPr id="24" name="Cylindre 23">
+              <a:extLst>
+                <a:ext uri="{FF2B5EF4-FFF2-40B4-BE49-F238E27FC236}">
+                  <a16:creationId xmlns:a16="http://schemas.microsoft.com/office/drawing/2014/main" id="{2B3A60C1-17B4-4EF0-901C-6EE9B90FF9EB}"/>
+                </a:ext>
+              </a:extLst>
+            </p:cNvPr>
+            <p:cNvSpPr/>
+            <p:nvPr/>
+          </p:nvSpPr>
+          <p:spPr>
+            <a:xfrm rot="7309303">
+              <a:off x="4886404" y="1603969"/>
+              <a:ext cx="216000" cy="432000"/>
+            </a:xfrm>
+            <a:prstGeom prst="can">
+              <a:avLst>
+                <a:gd name="adj" fmla="val 52625"/>
+              </a:avLst>
+            </a:prstGeom>
+            <a:solidFill>
+              <a:sysClr val="window" lastClr="FFFFFF"/>
+            </a:solidFill>
+            <a:ln w="12700" cap="flat" cmpd="sng" algn="ctr">
+              <a:solidFill>
+                <a:srgbClr val="4472C4"/>
+              </a:solidFill>
+              <a:prstDash val="solid"/>
+              <a:miter lim="800000"/>
+            </a:ln>
+            <a:effectLst/>
+          </p:spPr>
+          <p:txBody>
+            <a:bodyPr rtlCol="0" anchor="ctr"/>
+            <a:lstStyle/>
+            <a:p>
+              <a:pPr marL="0" marR="0" lvl="0" indent="0" algn="ctr" defTabSz="914400" eaLnBrk="1" fontAlgn="auto" latinLnBrk="0" hangingPunct="1">
+                <a:lnSpc>
+                  <a:spcPct val="100000"/>
+                </a:lnSpc>
+                <a:spcBef>
+                  <a:spcPts val="0"/>
+                </a:spcBef>
+                <a:spcAft>
+                  <a:spcPts val="0"/>
+                </a:spcAft>
+                <a:buClrTx/>
+                <a:buSzTx/>
+                <a:buFontTx/>
+                <a:buNone/>
+                <a:tabLst/>
+                <a:defRPr/>
+              </a:pPr>
+              <a:endParaRPr kumimoji="0" lang="fr-FR" sz="1800" b="0" i="0" u="none" strike="noStrike" kern="0" cap="none" spc="0" normalizeH="0" baseline="0" noProof="0">
+                <a:ln>
+                  <a:noFill/>
+                </a:ln>
+                <a:solidFill>
+                  <a:prstClr val="black"/>
+                </a:solidFill>
+                <a:effectLst/>
+                <a:uLnTx/>
+                <a:uFillTx/>
+                <a:latin typeface="Calibri" panose="020F0502020204030204"/>
+                <a:ea typeface="+mn-ea"/>
+                <a:cs typeface="+mn-cs"/>
+              </a:endParaRPr>
+            </a:p>
+          </p:txBody>
+        </p:sp>
+        <p:cxnSp>
+          <p:nvCxnSpPr>
+            <p:cNvPr id="25" name="Connecteur droit 24">
+              <a:extLst>
+                <a:ext uri="{FF2B5EF4-FFF2-40B4-BE49-F238E27FC236}">
+                  <a16:creationId xmlns:a16="http://schemas.microsoft.com/office/drawing/2014/main" id="{E8CB6F7C-EC1F-C480-FC91-1942087E7376}"/>
+                </a:ext>
+              </a:extLst>
+            </p:cNvPr>
+            <p:cNvCxnSpPr>
+              <a:cxnSpLocks/>
+            </p:cNvCxnSpPr>
+            <p:nvPr/>
+          </p:nvCxnSpPr>
+          <p:spPr>
+            <a:xfrm flipH="1" flipV="1">
+              <a:off x="5126598" y="1898864"/>
+              <a:ext cx="1202587" cy="712477"/>
+            </a:xfrm>
+            <a:prstGeom prst="line">
+              <a:avLst/>
+            </a:prstGeom>
+            <a:solidFill>
+              <a:sysClr val="window" lastClr="FFFFFF"/>
+            </a:solidFill>
+            <a:ln w="12700" cap="flat" cmpd="sng" algn="ctr">
+              <a:solidFill>
+                <a:srgbClr val="ED7D31"/>
+              </a:solidFill>
+              <a:prstDash val="solid"/>
+              <a:miter lim="800000"/>
+            </a:ln>
+            <a:effectLst/>
+          </p:spPr>
+        </p:cxnSp>
+        <p:sp>
+          <p:nvSpPr>
+            <p:cNvPr id="26" name="Cylindre 25">
+              <a:extLst>
+                <a:ext uri="{FF2B5EF4-FFF2-40B4-BE49-F238E27FC236}">
+                  <a16:creationId xmlns:a16="http://schemas.microsoft.com/office/drawing/2014/main" id="{CF10D915-3363-EAEC-2973-23CA3CA58F15}"/>
+                </a:ext>
+              </a:extLst>
+            </p:cNvPr>
+            <p:cNvSpPr/>
+            <p:nvPr/>
+          </p:nvSpPr>
+          <p:spPr>
+            <a:xfrm>
+              <a:off x="5272762" y="2171149"/>
+              <a:ext cx="216000" cy="432000"/>
+            </a:xfrm>
+            <a:prstGeom prst="can">
+              <a:avLst>
+                <a:gd name="adj" fmla="val 52625"/>
+              </a:avLst>
+            </a:prstGeom>
+            <a:solidFill>
+              <a:sysClr val="window" lastClr="FFFFFF"/>
+            </a:solidFill>
+            <a:ln w="12700" cap="flat" cmpd="sng" algn="ctr">
+              <a:solidFill>
+                <a:srgbClr val="00B050"/>
+              </a:solidFill>
+              <a:prstDash val="solid"/>
+              <a:miter lim="800000"/>
+            </a:ln>
+            <a:effectLst/>
+          </p:spPr>
+          <p:txBody>
+            <a:bodyPr rtlCol="0" anchor="ctr"/>
+            <a:lstStyle/>
+            <a:p>
+              <a:pPr marL="0" marR="0" lvl="0" indent="0" algn="ctr" defTabSz="914400" eaLnBrk="1" fontAlgn="auto" latinLnBrk="0" hangingPunct="1">
+                <a:lnSpc>
+                  <a:spcPct val="100000"/>
+                </a:lnSpc>
+                <a:spcBef>
+                  <a:spcPts val="0"/>
+                </a:spcBef>
+                <a:spcAft>
+                  <a:spcPts val="0"/>
+                </a:spcAft>
+                <a:buClrTx/>
+                <a:buSzTx/>
+                <a:buFontTx/>
+                <a:buNone/>
+                <a:tabLst/>
+                <a:defRPr/>
+              </a:pPr>
+              <a:endParaRPr kumimoji="0" lang="fr-FR" sz="1800" b="0" i="0" u="none" strike="noStrike" kern="0" cap="none" spc="0" normalizeH="0" baseline="0" noProof="0">
+                <a:ln>
+                  <a:noFill/>
+                </a:ln>
+                <a:solidFill>
+                  <a:prstClr val="black"/>
+                </a:solidFill>
+                <a:effectLst/>
+                <a:uLnTx/>
+                <a:uFillTx/>
+                <a:latin typeface="Calibri" panose="020F0502020204030204"/>
+                <a:ea typeface="+mn-ea"/>
+                <a:cs typeface="+mn-cs"/>
+              </a:endParaRPr>
+            </a:p>
+          </p:txBody>
+        </p:sp>
+        <p:cxnSp>
+          <p:nvCxnSpPr>
+            <p:cNvPr id="27" name="Connecteur droit 26">
+              <a:extLst>
+                <a:ext uri="{FF2B5EF4-FFF2-40B4-BE49-F238E27FC236}">
+                  <a16:creationId xmlns:a16="http://schemas.microsoft.com/office/drawing/2014/main" id="{EF777B12-A267-C9E4-8918-CE33153224BB}"/>
+                </a:ext>
+              </a:extLst>
+            </p:cNvPr>
+            <p:cNvCxnSpPr>
+              <a:cxnSpLocks/>
+              <a:stCxn id="26" idx="3"/>
+            </p:cNvCxnSpPr>
+            <p:nvPr/>
+          </p:nvCxnSpPr>
+          <p:spPr>
+            <a:xfrm>
+              <a:off x="5380762" y="2603149"/>
+              <a:ext cx="0" cy="177389"/>
+            </a:xfrm>
+            <a:prstGeom prst="line">
+              <a:avLst/>
+            </a:prstGeom>
+            <a:solidFill>
+              <a:sysClr val="window" lastClr="FFFFFF"/>
+            </a:solidFill>
+            <a:ln w="12700" cap="flat" cmpd="sng" algn="ctr">
+              <a:solidFill>
+                <a:srgbClr val="4472C4"/>
+              </a:solidFill>
+              <a:prstDash val="solid"/>
+              <a:miter lim="800000"/>
+            </a:ln>
+            <a:effectLst/>
+          </p:spPr>
+        </p:cxnSp>
+        <p:sp>
+          <p:nvSpPr>
+            <p:cNvPr id="28" name="Ellipse 27">
+              <a:extLst>
+                <a:ext uri="{FF2B5EF4-FFF2-40B4-BE49-F238E27FC236}">
+                  <a16:creationId xmlns:a16="http://schemas.microsoft.com/office/drawing/2014/main" id="{FCC9771E-2C8E-8B93-D871-9A8ADBE613C6}"/>
+                </a:ext>
+              </a:extLst>
+            </p:cNvPr>
+            <p:cNvSpPr/>
+            <p:nvPr/>
+          </p:nvSpPr>
+          <p:spPr>
+            <a:xfrm>
+              <a:off x="5272762" y="2139399"/>
+              <a:ext cx="216000" cy="107664"/>
+            </a:xfrm>
+            <a:prstGeom prst="ellipse">
+              <a:avLst/>
+            </a:prstGeom>
+            <a:solidFill>
+              <a:sysClr val="window" lastClr="FFFFFF"/>
+            </a:solidFill>
+            <a:ln w="12700" cap="flat" cmpd="sng" algn="ctr">
+              <a:solidFill>
+                <a:srgbClr val="4472C4"/>
+              </a:solidFill>
+              <a:prstDash val="solid"/>
+              <a:miter lim="800000"/>
+            </a:ln>
+            <a:effectLst/>
+          </p:spPr>
+          <p:txBody>
+            <a:bodyPr rtlCol="0" anchor="ctr"/>
+            <a:lstStyle/>
+            <a:p>
+              <a:pPr marL="0" marR="0" lvl="0" indent="0" algn="ctr" defTabSz="914400" eaLnBrk="1" fontAlgn="auto" latinLnBrk="0" hangingPunct="1">
+                <a:lnSpc>
+                  <a:spcPct val="100000"/>
+                </a:lnSpc>
+                <a:spcBef>
+                  <a:spcPts val="0"/>
+                </a:spcBef>
+                <a:spcAft>
+                  <a:spcPts val="0"/>
+                </a:spcAft>
+                <a:buClrTx/>
+                <a:buSzTx/>
+                <a:buFontTx/>
+                <a:buNone/>
+                <a:tabLst/>
+                <a:defRPr/>
+              </a:pPr>
+              <a:endParaRPr kumimoji="0" lang="fr-FR" sz="1800" b="0" i="0" u="none" strike="noStrike" kern="0" cap="none" spc="0" normalizeH="0" baseline="0" noProof="0">
+                <a:ln>
+                  <a:noFill/>
+                </a:ln>
+                <a:solidFill>
+                  <a:prstClr val="black"/>
+                </a:solidFill>
+                <a:effectLst/>
+                <a:uLnTx/>
+                <a:uFillTx/>
+                <a:latin typeface="Calibri" panose="020F0502020204030204"/>
+                <a:ea typeface="+mn-ea"/>
+                <a:cs typeface="+mn-cs"/>
+              </a:endParaRPr>
+            </a:p>
+          </p:txBody>
+        </p:sp>
+        <p:cxnSp>
+          <p:nvCxnSpPr>
+            <p:cNvPr id="29" name="Connecteur droit 28">
+              <a:extLst>
+                <a:ext uri="{FF2B5EF4-FFF2-40B4-BE49-F238E27FC236}">
+                  <a16:creationId xmlns:a16="http://schemas.microsoft.com/office/drawing/2014/main" id="{4884ADF3-CA8F-BEA8-DCCC-1F9F2FAD94E3}"/>
                 </a:ext>
               </a:extLst>
             </p:cNvPr>
@@ -16857,349 +20072,676 @@
           </p:nvCxnSpPr>
           <p:spPr>
             <a:xfrm>
-              <a:off x="2402883" y="1240730"/>
-              <a:ext cx="0" cy="162000"/>
+              <a:off x="5380762" y="1530350"/>
+              <a:ext cx="0" cy="675727"/>
             </a:xfrm>
             <a:prstGeom prst="line">
               <a:avLst/>
             </a:prstGeom>
             <a:solidFill>
-              <a:srgbClr val="00B050"/>
+              <a:sysClr val="window" lastClr="FFFFFF"/>
             </a:solidFill>
-            <a:ln w="28575">
+            <a:ln w="12700" cap="flat" cmpd="sng" algn="ctr">
               <a:solidFill>
-                <a:srgbClr val="00547F"/>
+                <a:srgbClr val="4472C4"/>
               </a:solidFill>
+              <a:prstDash val="solid"/>
+              <a:miter lim="800000"/>
             </a:ln>
+            <a:effectLst/>
           </p:spPr>
-          <p:style>
-            <a:lnRef idx="2">
-              <a:schemeClr val="accent1">
-                <a:shade val="50000"/>
-              </a:schemeClr>
-            </a:lnRef>
-            <a:fillRef idx="1">
-              <a:schemeClr val="accent1"/>
-            </a:fillRef>
-            <a:effectRef idx="0">
-              <a:schemeClr val="accent1"/>
-            </a:effectRef>
-            <a:fontRef idx="minor">
-              <a:schemeClr val="lt1"/>
-            </a:fontRef>
-          </p:style>
         </p:cxnSp>
+        <p:cxnSp>
+          <p:nvCxnSpPr>
+            <p:cNvPr id="30" name="Connecteur droit 29">
+              <a:extLst>
+                <a:ext uri="{FF2B5EF4-FFF2-40B4-BE49-F238E27FC236}">
+                  <a16:creationId xmlns:a16="http://schemas.microsoft.com/office/drawing/2014/main" id="{40B2C8AB-E07C-6CE3-E981-9E9D0123063E}"/>
+                </a:ext>
+              </a:extLst>
+            </p:cNvPr>
+            <p:cNvCxnSpPr>
+              <a:cxnSpLocks/>
+            </p:cNvCxnSpPr>
+            <p:nvPr/>
+          </p:nvCxnSpPr>
+          <p:spPr>
+            <a:xfrm flipH="1">
+              <a:off x="4995173" y="2407471"/>
+              <a:ext cx="340884" cy="199774"/>
+            </a:xfrm>
+            <a:prstGeom prst="line">
+              <a:avLst/>
+            </a:prstGeom>
+            <a:solidFill>
+              <a:sysClr val="window" lastClr="FFFFFF"/>
+            </a:solidFill>
+            <a:ln w="12700" cap="flat" cmpd="sng" algn="ctr">
+              <a:solidFill>
+                <a:srgbClr val="00B050"/>
+              </a:solidFill>
+              <a:prstDash val="solid"/>
+              <a:miter lim="800000"/>
+            </a:ln>
+            <a:effectLst/>
+          </p:spPr>
+        </p:cxnSp>
+        <p:sp>
+          <p:nvSpPr>
+            <p:cNvPr id="31" name="Parallélogramme 30">
+              <a:extLst>
+                <a:ext uri="{FF2B5EF4-FFF2-40B4-BE49-F238E27FC236}">
+                  <a16:creationId xmlns:a16="http://schemas.microsoft.com/office/drawing/2014/main" id="{C18909F4-F186-7B02-7909-B83C59B85135}"/>
+                </a:ext>
+              </a:extLst>
+            </p:cNvPr>
+            <p:cNvSpPr/>
+            <p:nvPr/>
+          </p:nvSpPr>
+          <p:spPr>
+            <a:xfrm rot="12600000" flipV="1">
+              <a:off x="4459588" y="2470751"/>
+              <a:ext cx="965674" cy="364196"/>
+            </a:xfrm>
+            <a:prstGeom prst="parallelogram">
+              <a:avLst>
+                <a:gd name="adj" fmla="val 56449"/>
+              </a:avLst>
+            </a:prstGeom>
+            <a:solidFill>
+              <a:sysClr val="window" lastClr="FFFFFF"/>
+            </a:solidFill>
+            <a:ln w="12700" cap="flat" cmpd="sng" algn="ctr">
+              <a:solidFill>
+                <a:srgbClr val="00B050"/>
+              </a:solidFill>
+              <a:prstDash val="solid"/>
+              <a:miter lim="800000"/>
+            </a:ln>
+            <a:effectLst/>
+          </p:spPr>
+          <p:txBody>
+            <a:bodyPr rtlCol="0" anchor="ctr"/>
+            <a:lstStyle/>
+            <a:p>
+              <a:pPr marL="0" marR="0" lvl="0" indent="0" algn="ctr" defTabSz="914400" eaLnBrk="1" fontAlgn="auto" latinLnBrk="0" hangingPunct="1">
+                <a:lnSpc>
+                  <a:spcPct val="100000"/>
+                </a:lnSpc>
+                <a:spcBef>
+                  <a:spcPts val="0"/>
+                </a:spcBef>
+                <a:spcAft>
+                  <a:spcPts val="0"/>
+                </a:spcAft>
+                <a:buClrTx/>
+                <a:buSzTx/>
+                <a:buFontTx/>
+                <a:buNone/>
+                <a:tabLst/>
+                <a:defRPr/>
+              </a:pPr>
+              <a:endParaRPr kumimoji="0" lang="fr-FR" sz="1800" b="0" i="0" u="none" strike="noStrike" kern="0" cap="none" spc="0" normalizeH="0" baseline="0" noProof="0">
+                <a:ln>
+                  <a:noFill/>
+                </a:ln>
+                <a:solidFill>
+                  <a:prstClr val="black"/>
+                </a:solidFill>
+                <a:effectLst/>
+                <a:uLnTx/>
+                <a:uFillTx/>
+                <a:latin typeface="Calibri" panose="020F0502020204030204"/>
+                <a:ea typeface="+mn-ea"/>
+                <a:cs typeface="+mn-cs"/>
+              </a:endParaRPr>
+            </a:p>
+          </p:txBody>
+        </p:sp>
+        <p:cxnSp>
+          <p:nvCxnSpPr>
+            <p:cNvPr id="32" name="Connecteur droit avec flèche 31">
+              <a:extLst>
+                <a:ext uri="{FF2B5EF4-FFF2-40B4-BE49-F238E27FC236}">
+                  <a16:creationId xmlns:a16="http://schemas.microsoft.com/office/drawing/2014/main" id="{9E8F704F-ED85-1184-0D91-EC373892E26D}"/>
+                </a:ext>
+              </a:extLst>
+            </p:cNvPr>
+            <p:cNvCxnSpPr>
+              <a:cxnSpLocks/>
+            </p:cNvCxnSpPr>
+            <p:nvPr/>
+          </p:nvCxnSpPr>
+          <p:spPr>
+            <a:xfrm flipV="1">
+              <a:off x="4612417" y="1872067"/>
+              <a:ext cx="8040" cy="413238"/>
+            </a:xfrm>
+            <a:prstGeom prst="straightConnector1">
+              <a:avLst/>
+            </a:prstGeom>
+            <a:solidFill>
+              <a:sysClr val="window" lastClr="FFFFFF"/>
+            </a:solidFill>
+            <a:ln w="12700" cap="flat" cmpd="sng" algn="ctr">
+              <a:solidFill>
+                <a:srgbClr val="00B050"/>
+              </a:solidFill>
+              <a:prstDash val="solid"/>
+              <a:miter lim="800000"/>
+              <a:tailEnd type="stealth" w="med" len="lg"/>
+            </a:ln>
+            <a:effectLst/>
+          </p:spPr>
+        </p:cxnSp>
+        <mc:AlternateContent xmlns:mc="http://schemas.openxmlformats.org/markup-compatibility/2006">
+          <mc:Choice xmlns:a14="http://schemas.microsoft.com/office/drawing/2010/main" Requires="a14">
+            <p:sp>
+              <p:nvSpPr>
+                <p:cNvPr id="33" name="ZoneTexte 32">
+                  <a:extLst>
+                    <a:ext uri="{FF2B5EF4-FFF2-40B4-BE49-F238E27FC236}">
+                      <a16:creationId xmlns:a16="http://schemas.microsoft.com/office/drawing/2014/main" id="{724D36FF-E470-349D-18B7-4C0558A2EA45}"/>
+                    </a:ext>
+                  </a:extLst>
+                </p:cNvPr>
+                <p:cNvSpPr txBox="1"/>
+                <p:nvPr/>
+              </p:nvSpPr>
+              <p:spPr>
+                <a:xfrm>
+                  <a:off x="3611171" y="2839342"/>
+                  <a:ext cx="626532" cy="307777"/>
+                </a:xfrm>
+                <a:prstGeom prst="rect">
+                  <a:avLst/>
+                </a:prstGeom>
+                <a:noFill/>
+                <a:ln w="12700" cap="flat" cmpd="sng" algn="ctr">
+                  <a:solidFill>
+                    <a:sysClr val="window" lastClr="FFFFFF">
+                      <a:lumMod val="95000"/>
+                    </a:sysClr>
+                  </a:solidFill>
+                  <a:prstDash val="solid"/>
+                  <a:miter lim="800000"/>
+                </a:ln>
+                <a:effectLst/>
+              </p:spPr>
+              <p:txBody>
+                <a:bodyPr wrap="square" rtlCol="0">
+                  <a:spAutoFit/>
+                </a:bodyPr>
+                <a:lstStyle/>
+                <a:p>
+                  <a:pPr marL="0" marR="0" lvl="0" indent="0" defTabSz="914400" eaLnBrk="1" fontAlgn="auto" latinLnBrk="0" hangingPunct="1">
+                    <a:lnSpc>
+                      <a:spcPct val="100000"/>
+                    </a:lnSpc>
+                    <a:spcBef>
+                      <a:spcPts val="0"/>
+                    </a:spcBef>
+                    <a:spcAft>
+                      <a:spcPts val="0"/>
+                    </a:spcAft>
+                    <a:buClrTx/>
+                    <a:buSzTx/>
+                    <a:buFontTx/>
+                    <a:buNone/>
+                    <a:tabLst/>
+                    <a:defRPr/>
+                  </a:pPr>
+                  <a14:m>
+                    <m:oMathPara xmlns:m="http://schemas.openxmlformats.org/officeDocument/2006/math">
+                      <m:oMathParaPr>
+                        <m:jc m:val="centerGroup"/>
+                      </m:oMathParaPr>
+                      <m:oMath xmlns:m="http://schemas.openxmlformats.org/officeDocument/2006/math">
+                        <m:acc>
+                          <m:accPr>
+                            <m:chr m:val="⃗"/>
+                            <m:ctrlPr>
+                              <a:rPr kumimoji="0" lang="fr-FR" sz="1400" b="0" i="1" u="none" strike="noStrike" kern="0" cap="none" spc="0" normalizeH="0" baseline="0" noProof="0" smtClean="0">
+                                <a:ln>
+                                  <a:noFill/>
+                                </a:ln>
+                                <a:solidFill>
+                                  <a:prstClr val="black"/>
+                                </a:solidFill>
+                                <a:effectLst/>
+                                <a:uLnTx/>
+                                <a:uFillTx/>
+                                <a:latin typeface="Cambria Math" panose="02040503050406030204" pitchFamily="18" charset="0"/>
+                                <a:ea typeface="+mn-ea"/>
+                                <a:cs typeface="+mn-cs"/>
+                              </a:rPr>
+                            </m:ctrlPr>
+                          </m:accPr>
+                          <m:e>
+                            <m:sSub>
+                              <m:sSubPr>
+                                <m:ctrlPr>
+                                  <a:rPr kumimoji="0" lang="fr-FR" sz="1400" b="0" i="1" u="none" strike="noStrike" kern="0" cap="none" spc="0" normalizeH="0" baseline="0" noProof="0" smtClean="0">
+                                    <a:ln>
+                                      <a:noFill/>
+                                    </a:ln>
+                                    <a:solidFill>
+                                      <a:prstClr val="black"/>
+                                    </a:solidFill>
+                                    <a:effectLst/>
+                                    <a:uLnTx/>
+                                    <a:uFillTx/>
+                                    <a:latin typeface="Cambria Math" panose="02040503050406030204" pitchFamily="18" charset="0"/>
+                                    <a:ea typeface="+mn-ea"/>
+                                    <a:cs typeface="+mn-cs"/>
+                                  </a:rPr>
+                                </m:ctrlPr>
+                              </m:sSubPr>
+                              <m:e>
+                                <m:r>
+                                  <a:rPr kumimoji="0" lang="fr-FR" sz="1400" b="0" i="1" u="none" strike="noStrike" kern="0" cap="none" spc="0" normalizeH="0" baseline="0" noProof="0" smtClean="0">
+                                    <a:ln>
+                                      <a:noFill/>
+                                    </a:ln>
+                                    <a:solidFill>
+                                      <a:prstClr val="black"/>
+                                    </a:solidFill>
+                                    <a:effectLst/>
+                                    <a:uLnTx/>
+                                    <a:uFillTx/>
+                                    <a:latin typeface="Cambria Math" panose="02040503050406030204" pitchFamily="18" charset="0"/>
+                                    <a:ea typeface="+mn-ea"/>
+                                    <a:cs typeface="+mn-cs"/>
+                                  </a:rPr>
+                                  <m:t>𝑦</m:t>
+                                </m:r>
+                              </m:e>
+                              <m:sub>
+                                <m:r>
+                                  <a:rPr kumimoji="0" lang="fr-FR" sz="1400" b="0" i="1" u="none" strike="noStrike" kern="0" cap="none" spc="0" normalizeH="0" baseline="0" noProof="0" smtClean="0">
+                                    <a:ln>
+                                      <a:noFill/>
+                                    </a:ln>
+                                    <a:solidFill>
+                                      <a:prstClr val="black"/>
+                                    </a:solidFill>
+                                    <a:effectLst/>
+                                    <a:uLnTx/>
+                                    <a:uFillTx/>
+                                    <a:latin typeface="Cambria Math" panose="02040503050406030204" pitchFamily="18" charset="0"/>
+                                    <a:ea typeface="+mn-ea"/>
+                                    <a:cs typeface="+mn-cs"/>
+                                  </a:rPr>
+                                  <m:t>0</m:t>
+                                </m:r>
+                              </m:sub>
+                            </m:sSub>
+                          </m:e>
+                        </m:acc>
+                      </m:oMath>
+                    </m:oMathPara>
+                  </a14:m>
+                  <a:endParaRPr kumimoji="0" lang="fr-FR" sz="1400" b="0" i="0" u="none" strike="noStrike" kern="0" cap="none" spc="0" normalizeH="0" baseline="0" noProof="0" dirty="0">
+                    <a:ln>
+                      <a:noFill/>
+                    </a:ln>
+                    <a:solidFill>
+                      <a:prstClr val="black"/>
+                    </a:solidFill>
+                    <a:effectLst/>
+                    <a:uLnTx/>
+                    <a:uFillTx/>
+                    <a:latin typeface="Calibri" panose="020F0502020204030204"/>
+                    <a:ea typeface="+mn-ea"/>
+                    <a:cs typeface="+mn-cs"/>
+                  </a:endParaRPr>
+                </a:p>
+              </p:txBody>
+            </p:sp>
+          </mc:Choice>
+          <mc:Fallback>
+            <p:sp>
+              <p:nvSpPr>
+                <p:cNvPr id="33" name="ZoneTexte 32">
+                  <a:extLst>
+                    <a:ext uri="{FF2B5EF4-FFF2-40B4-BE49-F238E27FC236}">
+                      <a16:creationId xmlns:a16="http://schemas.microsoft.com/office/drawing/2014/main" id="{724D36FF-E470-349D-18B7-4C0558A2EA45}"/>
+                    </a:ext>
+                  </a:extLst>
+                </p:cNvPr>
+                <p:cNvSpPr txBox="1">
+                  <a:spLocks noRot="1" noChangeAspect="1" noMove="1" noResize="1" noEditPoints="1" noAdjustHandles="1" noChangeArrowheads="1" noChangeShapeType="1" noTextEdit="1"/>
+                </p:cNvSpPr>
+                <p:nvPr/>
+              </p:nvSpPr>
+              <p:spPr>
+                <a:xfrm>
+                  <a:off x="3611171" y="2839342"/>
+                  <a:ext cx="626532" cy="307777"/>
+                </a:xfrm>
+                <a:prstGeom prst="rect">
+                  <a:avLst/>
+                </a:prstGeom>
+                <a:blipFill>
+                  <a:blip r:embed="rId5"/>
+                  <a:stretch>
+                    <a:fillRect/>
+                  </a:stretch>
+                </a:blipFill>
+                <a:ln w="12700" cap="flat" cmpd="sng" algn="ctr">
+                  <a:solidFill>
+                    <a:sysClr val="window" lastClr="FFFFFF">
+                      <a:lumMod val="95000"/>
+                    </a:sysClr>
+                  </a:solidFill>
+                  <a:prstDash val="solid"/>
+                  <a:miter lim="800000"/>
+                </a:ln>
+                <a:effectLst/>
+              </p:spPr>
+              <p:txBody>
+                <a:bodyPr/>
+                <a:lstStyle/>
+                <a:p>
+                  <a:r>
+                    <a:rPr lang="fr-FR">
+                      <a:noFill/>
+                    </a:rPr>
+                    <a:t> </a:t>
+                  </a:r>
+                </a:p>
+              </p:txBody>
+            </p:sp>
+          </mc:Fallback>
+        </mc:AlternateContent>
+        <p:sp>
+          <p:nvSpPr>
+            <p:cNvPr id="34" name="Ellipse 33">
+              <a:extLst>
+                <a:ext uri="{FF2B5EF4-FFF2-40B4-BE49-F238E27FC236}">
+                  <a16:creationId xmlns:a16="http://schemas.microsoft.com/office/drawing/2014/main" id="{BB5D1569-D53F-B73C-C78F-320F3BF70B1D}"/>
+                </a:ext>
+              </a:extLst>
+            </p:cNvPr>
+            <p:cNvSpPr/>
+            <p:nvPr/>
+          </p:nvSpPr>
+          <p:spPr>
+            <a:xfrm>
+              <a:off x="4709510" y="2426030"/>
+              <a:ext cx="224593" cy="218355"/>
+            </a:xfrm>
+            <a:prstGeom prst="ellipse">
+              <a:avLst/>
+            </a:prstGeom>
+            <a:solidFill>
+              <a:sysClr val="window" lastClr="FFFFFF"/>
+            </a:solidFill>
+            <a:ln w="12700" cap="flat" cmpd="sng" algn="ctr">
+              <a:solidFill>
+                <a:srgbClr val="00B050"/>
+              </a:solidFill>
+              <a:prstDash val="solid"/>
+              <a:miter lim="800000"/>
+            </a:ln>
+            <a:effectLst/>
+          </p:spPr>
+          <p:txBody>
+            <a:bodyPr rtlCol="0" anchor="ctr"/>
+            <a:lstStyle/>
+            <a:p>
+              <a:pPr marL="0" marR="0" lvl="0" indent="0" algn="ctr" defTabSz="914400" eaLnBrk="1" fontAlgn="auto" latinLnBrk="0" hangingPunct="1">
+                <a:lnSpc>
+                  <a:spcPct val="100000"/>
+                </a:lnSpc>
+                <a:spcBef>
+                  <a:spcPts val="0"/>
+                </a:spcBef>
+                <a:spcAft>
+                  <a:spcPts val="0"/>
+                </a:spcAft>
+                <a:buClrTx/>
+                <a:buSzTx/>
+                <a:buFontTx/>
+                <a:buNone/>
+                <a:tabLst/>
+                <a:defRPr/>
+              </a:pPr>
+              <a:r>
+                <a:rPr kumimoji="0" lang="fr-FR" sz="1100" b="1" i="0" u="none" strike="noStrike" kern="0" cap="none" spc="0" normalizeH="0" baseline="0" noProof="0" dirty="0">
+                  <a:ln>
+                    <a:noFill/>
+                  </a:ln>
+                  <a:solidFill>
+                    <a:srgbClr val="00B050"/>
+                  </a:solidFill>
+                  <a:effectLst/>
+                  <a:uLnTx/>
+                  <a:uFillTx/>
+                  <a:latin typeface="Calibri" panose="020F0502020204030204"/>
+                  <a:ea typeface="+mn-ea"/>
+                  <a:cs typeface="+mn-cs"/>
+                </a:rPr>
+                <a:t>0</a:t>
+              </a:r>
+              <a:endParaRPr kumimoji="0" lang="fr-FR" sz="1800" b="1" i="0" u="none" strike="noStrike" kern="0" cap="none" spc="0" normalizeH="0" baseline="0" noProof="0" dirty="0">
+                <a:ln>
+                  <a:noFill/>
+                </a:ln>
+                <a:solidFill>
+                  <a:srgbClr val="00B050"/>
+                </a:solidFill>
+                <a:effectLst/>
+                <a:uLnTx/>
+                <a:uFillTx/>
+                <a:latin typeface="Calibri" panose="020F0502020204030204"/>
+                <a:ea typeface="+mn-ea"/>
+                <a:cs typeface="+mn-cs"/>
+              </a:endParaRPr>
+            </a:p>
+          </p:txBody>
+        </p:sp>
       </p:grpSp>
-      <p:cxnSp>
-        <p:nvCxnSpPr>
-          <p:cNvPr id="37" name="Connecteur droit 36">
+    </p:spTree>
+    <p:extLst>
+      <p:ext uri="{BB962C8B-B14F-4D97-AF65-F5344CB8AC3E}">
+        <p14:creationId xmlns:p14="http://schemas.microsoft.com/office/powerpoint/2010/main" val="598375284"/>
+      </p:ext>
+    </p:extLst>
+  </p:cSld>
+  <p:clrMapOvr>
+    <a:masterClrMapping/>
+  </p:clrMapOvr>
+</p:sld>
+</file>
+
+<file path=ppt/slides/slide9.xml><?xml version="1.0" encoding="utf-8"?>
+<p:sld xmlns:a="http://schemas.openxmlformats.org/drawingml/2006/main" xmlns:r="http://schemas.openxmlformats.org/officeDocument/2006/relationships" xmlns:p="http://schemas.openxmlformats.org/presentationml/2006/main">
+  <p:cSld>
+    <p:spTree>
+      <p:nvGrpSpPr>
+        <p:cNvPr id="1" name="">
+          <a:extLst>
+            <a:ext uri="{FF2B5EF4-FFF2-40B4-BE49-F238E27FC236}">
+              <a16:creationId xmlns:a16="http://schemas.microsoft.com/office/drawing/2014/main" id="{B9E41A98-554D-C68F-C742-5BE4D4971A5A}"/>
+            </a:ext>
+          </a:extLst>
+        </p:cNvPr>
+        <p:cNvGrpSpPr/>
+        <p:nvPr/>
+      </p:nvGrpSpPr>
+      <p:grpSpPr>
+        <a:xfrm>
+          <a:off x="0" y="0"/>
+          <a:ext cx="0" cy="0"/>
+          <a:chOff x="0" y="0"/>
+          <a:chExt cx="0" cy="0"/>
+        </a:xfrm>
+      </p:grpSpPr>
+      <p:sp>
+        <p:nvSpPr>
+          <p:cNvPr id="12" name="Espace réservé du contenu 11">
             <a:extLst>
               <a:ext uri="{FF2B5EF4-FFF2-40B4-BE49-F238E27FC236}">
-                <a16:creationId xmlns:a16="http://schemas.microsoft.com/office/drawing/2014/main" id="{71836D76-A16C-3A91-699F-29042E105D93}"/>
+                <a16:creationId xmlns:a16="http://schemas.microsoft.com/office/drawing/2014/main" id="{956A46DC-2387-6017-9501-5FAD40EC1EAE}"/>
               </a:ext>
             </a:extLst>
           </p:cNvPr>
-          <p:cNvCxnSpPr>
-            <a:cxnSpLocks/>
-          </p:cNvCxnSpPr>
-          <p:nvPr/>
-        </p:nvCxnSpPr>
-        <p:spPr>
-          <a:xfrm rot="19800000" flipH="1">
-            <a:off x="2666156" y="2973417"/>
-            <a:ext cx="1258992" cy="0"/>
-          </a:xfrm>
-          <a:prstGeom prst="line">
-            <a:avLst/>
-          </a:prstGeom>
-          <a:solidFill>
-            <a:srgbClr val="00B050"/>
-          </a:solidFill>
-          <a:ln w="28575">
-            <a:solidFill>
-              <a:srgbClr val="EF7268"/>
-            </a:solidFill>
-          </a:ln>
-        </p:spPr>
-        <p:style>
-          <a:lnRef idx="2">
-            <a:schemeClr val="accent1">
-              <a:shade val="50000"/>
-            </a:schemeClr>
-          </a:lnRef>
-          <a:fillRef idx="1">
-            <a:schemeClr val="accent1"/>
-          </a:fillRef>
-          <a:effectRef idx="0">
-            <a:schemeClr val="accent1"/>
-          </a:effectRef>
-          <a:fontRef idx="minor">
-            <a:schemeClr val="lt1"/>
-          </a:fontRef>
-        </p:style>
-      </p:cxnSp>
-      <p:sp>
-        <p:nvSpPr>
-          <p:cNvPr id="38" name="Ellipse 37">
-            <a:extLst>
-              <a:ext uri="{FF2B5EF4-FFF2-40B4-BE49-F238E27FC236}">
-                <a16:creationId xmlns:a16="http://schemas.microsoft.com/office/drawing/2014/main" id="{0EDC5B11-36C9-F539-224E-E2B7CE4A9D15}"/>
-              </a:ext>
-            </a:extLst>
-          </p:cNvPr>
-          <p:cNvSpPr/>
-          <p:nvPr/>
+          <p:cNvSpPr>
+            <a:spLocks noGrp="1"/>
+          </p:cNvSpPr>
+          <p:nvPr>
+            <p:ph sz="quarter" idx="4"/>
+          </p:nvPr>
         </p:nvSpPr>
         <p:spPr>
-          <a:xfrm rot="65633">
-            <a:off x="3815825" y="2530953"/>
-            <a:ext cx="180000" cy="180000"/>
+          <a:xfrm>
+            <a:off x="384630" y="1071921"/>
+            <a:ext cx="5576419" cy="1028271"/>
           </a:xfrm>
-          <a:prstGeom prst="ellipse">
-            <a:avLst/>
-          </a:prstGeom>
-          <a:solidFill>
-            <a:srgbClr val="EF7268"/>
-          </a:solidFill>
-          <a:ln w="28575">
-            <a:solidFill>
-              <a:srgbClr val="EF7268"/>
-            </a:solidFill>
-          </a:ln>
         </p:spPr>
-        <p:style>
-          <a:lnRef idx="2">
-            <a:schemeClr val="accent1">
-              <a:shade val="50000"/>
-            </a:schemeClr>
-          </a:lnRef>
-          <a:fillRef idx="1">
-            <a:schemeClr val="accent1"/>
-          </a:fillRef>
-          <a:effectRef idx="0">
-            <a:schemeClr val="accent1"/>
-          </a:effectRef>
-          <a:fontRef idx="minor">
-            <a:schemeClr val="lt1"/>
-          </a:fontRef>
-        </p:style>
         <p:txBody>
-          <a:bodyPr rtlCol="0" anchor="ctr"/>
+          <a:bodyPr/>
           <a:lstStyle/>
           <a:p>
-            <a:pPr algn="ctr"/>
-            <a:endParaRPr lang="fr-FR" dirty="0"/>
+            <a:pPr>
+              <a:buClr>
+                <a:schemeClr val="tx2">
+                  <a:lumMod val="60000"/>
+                  <a:lumOff val="40000"/>
+                </a:schemeClr>
+              </a:buClr>
+              <a:buFont typeface="Wingdings" panose="05000000000000000000" pitchFamily="2" charset="2"/>
+              <a:buChar char="Ü"/>
+            </a:pPr>
+            <a:r>
+              <a:rPr lang="fr-FR" dirty="0"/>
+              <a:t> Représenter l’architecture des liaisons du système</a:t>
+            </a:r>
+          </a:p>
+          <a:p>
+            <a:pPr>
+              <a:buClr>
+                <a:schemeClr val="tx2">
+                  <a:lumMod val="60000"/>
+                  <a:lumOff val="40000"/>
+                </a:schemeClr>
+              </a:buClr>
+              <a:buFont typeface="Wingdings" panose="05000000000000000000" pitchFamily="2" charset="2"/>
+              <a:buChar char="Ü"/>
+            </a:pPr>
+            <a:r>
+              <a:rPr lang="fr-FR" dirty="0"/>
+              <a:t> Concevoir les liaisons d’un système</a:t>
+            </a:r>
           </a:p>
         </p:txBody>
       </p:sp>
       <p:sp>
         <p:nvSpPr>
-          <p:cNvPr id="39" name="Rectangle 38">
+          <p:cNvPr id="4" name="Espace réservé du numéro de diapositive 3">
             <a:extLst>
               <a:ext uri="{FF2B5EF4-FFF2-40B4-BE49-F238E27FC236}">
-                <a16:creationId xmlns:a16="http://schemas.microsoft.com/office/drawing/2014/main" id="{5F8E3BE3-EAB3-1B0F-D716-15E52217957D}"/>
+                <a16:creationId xmlns:a16="http://schemas.microsoft.com/office/drawing/2014/main" id="{62026C92-747F-8C32-EA57-9011A37CE164}"/>
               </a:ext>
             </a:extLst>
           </p:cNvPr>
-          <p:cNvSpPr/>
-          <p:nvPr/>
+          <p:cNvSpPr>
+            <a:spLocks noGrp="1"/>
+          </p:cNvSpPr>
+          <p:nvPr>
+            <p:ph type="sldNum" sz="quarter" idx="12"/>
+          </p:nvPr>
         </p:nvSpPr>
-        <p:spPr>
-          <a:xfrm rot="19800000">
-            <a:off x="3056268" y="2917702"/>
-            <a:ext cx="360000" cy="180000"/>
-          </a:xfrm>
-          <a:prstGeom prst="rect">
-            <a:avLst/>
-          </a:prstGeom>
-          <a:solidFill>
-            <a:schemeClr val="bg1"/>
-          </a:solidFill>
-          <a:ln w="28575">
-            <a:solidFill>
-              <a:srgbClr val="00547F"/>
-            </a:solidFill>
-          </a:ln>
-        </p:spPr>
-        <p:style>
-          <a:lnRef idx="2">
-            <a:schemeClr val="accent1">
-              <a:shade val="50000"/>
-            </a:schemeClr>
-          </a:lnRef>
-          <a:fillRef idx="1">
-            <a:schemeClr val="accent1"/>
-          </a:fillRef>
-          <a:effectRef idx="0">
-            <a:schemeClr val="accent1"/>
-          </a:effectRef>
-          <a:fontRef idx="minor">
-            <a:schemeClr val="lt1"/>
-          </a:fontRef>
-        </p:style>
+        <p:spPr/>
         <p:txBody>
-          <a:bodyPr rtlCol="0" anchor="ctr"/>
+          <a:bodyPr/>
           <a:lstStyle/>
           <a:p>
-            <a:pPr algn="ctr"/>
+            <a:fld id="{B7A6A38F-5C8E-497F-8761-3C4E0EEEA33A}" type="slidenum">
+              <a:rPr lang="fr-FR" smtClean="0"/>
+              <a:t>9</a:t>
+            </a:fld>
             <a:endParaRPr lang="fr-FR"/>
           </a:p>
         </p:txBody>
       </p:sp>
       <p:sp>
         <p:nvSpPr>
-          <p:cNvPr id="43" name="Ellipse 42">
+          <p:cNvPr id="7" name="Titre 1">
             <a:extLst>
               <a:ext uri="{FF2B5EF4-FFF2-40B4-BE49-F238E27FC236}">
-                <a16:creationId xmlns:a16="http://schemas.microsoft.com/office/drawing/2014/main" id="{2D792590-3E77-2B67-87C2-3DD1A4ED380E}"/>
+                <a16:creationId xmlns:a16="http://schemas.microsoft.com/office/drawing/2014/main" id="{C8E82919-9211-9C74-F299-D17DDE2281D0}"/>
               </a:ext>
             </a:extLst>
           </p:cNvPr>
-          <p:cNvSpPr/>
-          <p:nvPr/>
+          <p:cNvSpPr>
+            <a:spLocks noGrp="1"/>
+          </p:cNvSpPr>
+          <p:nvPr>
+            <p:ph type="title"/>
+          </p:nvPr>
         </p:nvSpPr>
         <p:spPr>
           <a:xfrm>
-            <a:off x="2412283" y="3333708"/>
-            <a:ext cx="180000" cy="180000"/>
+            <a:off x="0" y="2"/>
+            <a:ext cx="12192000" cy="882796"/>
           </a:xfrm>
-          <a:prstGeom prst="ellipse">
-            <a:avLst/>
-          </a:prstGeom>
-          <a:solidFill>
-            <a:schemeClr val="bg1"/>
-          </a:solidFill>
-          <a:ln w="28575">
-            <a:solidFill>
-              <a:schemeClr val="tx1"/>
-            </a:solidFill>
-          </a:ln>
         </p:spPr>
-        <p:style>
-          <a:lnRef idx="2">
-            <a:schemeClr val="accent1">
-              <a:shade val="50000"/>
-            </a:schemeClr>
-          </a:lnRef>
-          <a:fillRef idx="1">
-            <a:schemeClr val="accent1"/>
-          </a:fillRef>
-          <a:effectRef idx="0">
-            <a:schemeClr val="accent1"/>
-          </a:effectRef>
-          <a:fontRef idx="minor">
-            <a:schemeClr val="lt1"/>
-          </a:fontRef>
-        </p:style>
         <p:txBody>
-          <a:bodyPr rtlCol="0" anchor="ctr"/>
+          <a:bodyPr>
+            <a:noAutofit/>
+          </a:bodyPr>
           <a:lstStyle/>
           <a:p>
-            <a:pPr algn="ctr"/>
-            <a:endParaRPr lang="fr-FR"/>
+            <a:r>
+              <a:rPr lang="fr-FR" sz="3200" dirty="0"/>
+              <a:t>Modélisation cinématique</a:t>
+            </a:r>
+            <a:br>
+              <a:rPr lang="fr-FR" sz="3200" dirty="0"/>
+            </a:br>
+            <a:r>
+              <a:rPr lang="fr-FR" sz="3200" dirty="0"/>
+              <a:t>Schéma d’architecture</a:t>
+            </a:r>
           </a:p>
         </p:txBody>
       </p:sp>
-      <mc:AlternateContent xmlns:mc="http://schemas.openxmlformats.org/markup-compatibility/2006" xmlns:a14="http://schemas.microsoft.com/office/drawing/2010/main">
-        <mc:Choice Requires="a14">
-          <p:sp>
-            <p:nvSpPr>
-              <p:cNvPr id="44" name="ZoneTexte 43">
-                <a:extLst>
-                  <a:ext uri="{FF2B5EF4-FFF2-40B4-BE49-F238E27FC236}">
-                    <a16:creationId xmlns:a16="http://schemas.microsoft.com/office/drawing/2014/main" id="{41B21A59-5771-7532-7B88-0A1DCBA15383}"/>
-                  </a:ext>
-                </a:extLst>
-              </p:cNvPr>
-              <p:cNvSpPr txBox="1"/>
-              <p:nvPr/>
-            </p:nvSpPr>
-            <p:spPr>
-              <a:xfrm>
-                <a:off x="3245004" y="3171773"/>
-                <a:ext cx="133370" cy="184666"/>
-              </a:xfrm>
-              <a:prstGeom prst="rect">
-                <a:avLst/>
-              </a:prstGeom>
-              <a:noFill/>
-            </p:spPr>
-            <p:txBody>
-              <a:bodyPr wrap="none" lIns="0" tIns="0" rIns="0" bIns="0" rtlCol="0">
-                <a:spAutoFit/>
-              </a:bodyPr>
-              <a:lstStyle/>
-              <a:p>
-                <a:pPr/>
-                <a14:m>
-                  <m:oMathPara xmlns:m="http://schemas.openxmlformats.org/officeDocument/2006/math">
-                    <m:oMathParaPr>
-                      <m:jc m:val="centerGroup"/>
-                    </m:oMathParaPr>
-                    <m:oMath xmlns:m="http://schemas.openxmlformats.org/officeDocument/2006/math">
-                      <m:r>
-                        <a:rPr lang="fr-FR" sz="1200" b="0" i="1" smtClean="0">
-                          <a:latin typeface="Cambria Math" panose="02040503050406030204" pitchFamily="18" charset="0"/>
-                        </a:rPr>
-                        <m:t>𝐶</m:t>
-                      </m:r>
-                    </m:oMath>
-                  </m:oMathPara>
-                </a14:m>
-                <a:endParaRPr lang="fr-FR" sz="1200" dirty="0"/>
-              </a:p>
-            </p:txBody>
-          </p:sp>
-        </mc:Choice>
-        <mc:Fallback xmlns="">
-          <p:sp>
-            <p:nvSpPr>
-              <p:cNvPr id="44" name="ZoneTexte 43">
-                <a:extLst>
-                  <a:ext uri="{FF2B5EF4-FFF2-40B4-BE49-F238E27FC236}">
-                    <a16:creationId xmlns:a16="http://schemas.microsoft.com/office/drawing/2014/main" id="{41B21A59-5771-7532-7B88-0A1DCBA15383}"/>
-                  </a:ext>
-                </a:extLst>
-              </p:cNvPr>
-              <p:cNvSpPr txBox="1">
-                <a:spLocks noRot="1" noChangeAspect="1" noMove="1" noResize="1" noEditPoints="1" noAdjustHandles="1" noChangeArrowheads="1" noChangeShapeType="1" noTextEdit="1"/>
-              </p:cNvSpPr>
-              <p:nvPr/>
-            </p:nvSpPr>
-            <p:spPr>
-              <a:xfrm>
-                <a:off x="3245004" y="3171773"/>
-                <a:ext cx="133370" cy="184666"/>
-              </a:xfrm>
-              <a:prstGeom prst="rect">
-                <a:avLst/>
-              </a:prstGeom>
-              <a:blipFill>
-                <a:blip r:embed="rId13"/>
-                <a:stretch>
-                  <a:fillRect l="-27273" r="-22727" b="-3226"/>
-                </a:stretch>
-              </a:blipFill>
-            </p:spPr>
-            <p:txBody>
-              <a:bodyPr/>
-              <a:lstStyle/>
-              <a:p>
-                <a:r>
-                  <a:rPr lang="fr-FR">
-                    <a:noFill/>
-                  </a:rPr>
-                  <a:t> </a:t>
-                </a:r>
-              </a:p>
-            </p:txBody>
-          </p:sp>
-        </mc:Fallback>
-      </mc:AlternateContent>
+      <p:pic>
+        <p:nvPicPr>
+          <p:cNvPr id="2" name="Image 1">
+            <a:extLst>
+              <a:ext uri="{FF2B5EF4-FFF2-40B4-BE49-F238E27FC236}">
+                <a16:creationId xmlns:a16="http://schemas.microsoft.com/office/drawing/2014/main" id="{DE4151E9-A58F-0B7D-FAC0-A1B91BA8B24E}"/>
+              </a:ext>
+            </a:extLst>
+          </p:cNvPr>
+          <p:cNvPicPr>
+            <a:picLocks noChangeAspect="1"/>
+          </p:cNvPicPr>
+          <p:nvPr/>
+        </p:nvPicPr>
+        <p:blipFill>
+          <a:blip r:embed="rId2"/>
+          <a:stretch>
+            <a:fillRect/>
+          </a:stretch>
+        </p:blipFill>
+        <p:spPr>
+          <a:xfrm>
+            <a:off x="1191633" y="2617928"/>
+            <a:ext cx="3103133" cy="2139881"/>
+          </a:xfrm>
+          <a:prstGeom prst="rect">
+            <a:avLst/>
+          </a:prstGeom>
+        </p:spPr>
+      </p:pic>
     </p:spTree>
     <p:extLst>
       <p:ext uri="{BB962C8B-B14F-4D97-AF65-F5344CB8AC3E}">
-        <p14:creationId xmlns:p14="http://schemas.microsoft.com/office/powerpoint/2010/main" val="2700819924"/>
+        <p14:creationId xmlns:p14="http://schemas.microsoft.com/office/powerpoint/2010/main" val="955904816"/>
       </p:ext>
     </p:extLst>
   </p:cSld>

--- a/02_BrasBeta/02_BrasBeta.pptx
+++ b/02_BrasBeta/02_BrasBeta.pptx
@@ -5,7 +5,7 @@
     <p:sldMasterId id="2147483660" r:id="rId1"/>
   </p:sldMasterIdLst>
   <p:notesMasterIdLst>
-    <p:notesMasterId r:id="rId14"/>
+    <p:notesMasterId r:id="rId17"/>
   </p:notesMasterIdLst>
   <p:sldIdLst>
     <p:sldId id="256" r:id="rId2"/>
@@ -20,6 +20,9 @@
     <p:sldId id="264" r:id="rId11"/>
     <p:sldId id="265" r:id="rId12"/>
     <p:sldId id="263" r:id="rId13"/>
+    <p:sldId id="270" r:id="rId14"/>
+    <p:sldId id="268" r:id="rId15"/>
+    <p:sldId id="269" r:id="rId16"/>
   </p:sldIdLst>
   <p:sldSz cx="12192000" cy="6858000"/>
   <p:notesSz cx="7315200" cy="9601200"/>
@@ -222,7 +225,7 @@
           <a:p>
             <a:fld id="{D157349C-AD05-44FA-B790-D9BBD62C4832}" type="datetimeFigureOut">
               <a:rPr lang="fr-FR" smtClean="0"/>
-              <a:t>28/09/2025</a:t>
+              <a:t>10/10/2025</a:t>
             </a:fld>
             <a:endParaRPr lang="fr-FR"/>
           </a:p>
@@ -562,6 +565,13 @@
             <a:schemeClr val="lt1"/>
           </a:fontRef>
         </p:style>
+        <p:txBody>
+          <a:bodyPr/>
+          <a:lstStyle/>
+          <a:p>
+            <a:endParaRPr lang="fr-FR"/>
+          </a:p>
+        </p:txBody>
       </p:sp>
       <p:sp>
         <p:nvSpPr>
@@ -600,6 +610,13 @@
             <a:schemeClr val="lt1"/>
           </a:fontRef>
         </p:style>
+        <p:txBody>
+          <a:bodyPr/>
+          <a:lstStyle/>
+          <a:p>
+            <a:endParaRPr lang="fr-FR"/>
+          </a:p>
+        </p:txBody>
       </p:sp>
       <p:sp>
         <p:nvSpPr>
@@ -734,7 +751,7 @@
           <a:p>
             <a:fld id="{CCF538C2-C309-4752-87A7-D2071D6CAC7F}" type="datetime1">
               <a:rPr lang="fr-FR" smtClean="0"/>
-              <a:t>28/09/2025</a:t>
+              <a:t>10/10/2025</a:t>
             </a:fld>
             <a:endParaRPr lang="fr-FR"/>
           </a:p>
@@ -939,7 +956,7 @@
           <a:p>
             <a:fld id="{F926C4FD-C1E6-452C-A858-BFBBC7496631}" type="datetime1">
               <a:rPr lang="fr-FR" smtClean="0"/>
-              <a:t>28/09/2025</a:t>
+              <a:t>10/10/2025</a:t>
             </a:fld>
             <a:endParaRPr lang="fr-FR"/>
           </a:p>
@@ -1195,7 +1212,7 @@
           <a:p>
             <a:fld id="{CEF75A8D-5F26-4754-844B-E2D9F6FC4950}" type="datetime1">
               <a:rPr lang="fr-FR" smtClean="0"/>
-              <a:t>28/09/2025</a:t>
+              <a:t>10/10/2025</a:t>
             </a:fld>
             <a:endParaRPr lang="fr-FR"/>
           </a:p>
@@ -1369,7 +1386,7 @@
           <a:p>
             <a:fld id="{FE352A31-E2A5-4F8A-BDFE-A9BA369B67E9}" type="datetime1">
               <a:rPr lang="fr-FR" smtClean="0"/>
-              <a:t>28/09/2025</a:t>
+              <a:t>10/10/2025</a:t>
             </a:fld>
             <a:endParaRPr lang="fr-FR"/>
           </a:p>
@@ -1731,7 +1748,7 @@
           <a:p>
             <a:fld id="{F1707E18-E4F4-4E6D-951C-B01FC69E66C0}" type="datetime1">
               <a:rPr lang="fr-FR" smtClean="0"/>
-              <a:t>28/09/2025</a:t>
+              <a:t>10/10/2025</a:t>
             </a:fld>
             <a:endParaRPr lang="fr-FR"/>
           </a:p>
@@ -2006,7 +2023,7 @@
           <a:p>
             <a:fld id="{93E4B9C8-F394-498B-8C66-049FACC1ED86}" type="datetime1">
               <a:rPr lang="fr-FR" smtClean="0"/>
-              <a:t>28/09/2025</a:t>
+              <a:t>10/10/2025</a:t>
             </a:fld>
             <a:endParaRPr lang="fr-FR"/>
           </a:p>
@@ -2385,7 +2402,7 @@
           <a:p>
             <a:fld id="{35950896-C41B-455D-9FAE-80943DD0CAEF}" type="datetime1">
               <a:rPr lang="fr-FR" smtClean="0"/>
-              <a:t>28/09/2025</a:t>
+              <a:t>10/10/2025</a:t>
             </a:fld>
             <a:endParaRPr lang="fr-FR"/>
           </a:p>
@@ -2503,7 +2520,7 @@
           <a:p>
             <a:fld id="{2BE2B735-22CE-433C-8BA6-DF0B28588E1F}" type="datetime1">
               <a:rPr lang="fr-FR" smtClean="0"/>
-              <a:t>28/09/2025</a:t>
+              <a:t>10/10/2025</a:t>
             </a:fld>
             <a:endParaRPr lang="fr-FR"/>
           </a:p>
@@ -2677,7 +2694,7 @@
           <a:p>
             <a:fld id="{5B475E59-9936-4413-84C5-14169665FDED}" type="datetime1">
               <a:rPr lang="fr-FR" smtClean="0"/>
-              <a:t>28/09/2025</a:t>
+              <a:t>10/10/2025</a:t>
             </a:fld>
             <a:endParaRPr lang="fr-FR"/>
           </a:p>
@@ -3034,7 +3051,7 @@
           <a:p>
             <a:fld id="{42662320-E9E6-45B0-8B93-5727AA5FFC46}" type="datetime1">
               <a:rPr lang="fr-FR" smtClean="0"/>
-              <a:t>28/09/2025</a:t>
+              <a:t>10/10/2025</a:t>
             </a:fld>
             <a:endParaRPr lang="fr-FR"/>
           </a:p>
@@ -3419,7 +3436,7 @@
           <a:p>
             <a:fld id="{9A545382-D50F-43E8-AFFD-788FD552C87C}" type="datetime1">
               <a:rPr lang="fr-FR" smtClean="0"/>
-              <a:t>28/09/2025</a:t>
+              <a:t>10/10/2025</a:t>
             </a:fld>
             <a:endParaRPr lang="fr-FR"/>
           </a:p>
@@ -3542,6 +3559,13 @@
             <a:schemeClr val="lt1"/>
           </a:fontRef>
         </p:style>
+        <p:txBody>
+          <a:bodyPr/>
+          <a:lstStyle/>
+          <a:p>
+            <a:endParaRPr lang="fr-FR"/>
+          </a:p>
+        </p:txBody>
       </p:sp>
       <p:sp>
         <p:nvSpPr>
@@ -3580,6 +3604,13 @@
             <a:schemeClr val="lt1"/>
           </a:fontRef>
         </p:style>
+        <p:txBody>
+          <a:bodyPr/>
+          <a:lstStyle/>
+          <a:p>
+            <a:endParaRPr lang="fr-FR"/>
+          </a:p>
+        </p:txBody>
       </p:sp>
       <p:sp>
         <p:nvSpPr>
@@ -3709,7 +3740,7 @@
           <a:p>
             <a:fld id="{4F030BD8-D1C7-406A-AB04-4944ABBF0A3E}" type="datetime1">
               <a:rPr lang="fr-FR" smtClean="0"/>
-              <a:t>28/09/2025</a:t>
+              <a:t>10/10/2025</a:t>
             </a:fld>
             <a:endParaRPr lang="fr-FR" dirty="0"/>
           </a:p>
@@ -4606,7 +4637,10 @@
           <a:bodyPr/>
           <a:lstStyle/>
           <a:p>
-            <a:endParaRPr lang="fr-FR"/>
+            <a:r>
+              <a:rPr lang="fr-FR" dirty="0"/>
+              <a:t>Résolution géométrique</a:t>
+            </a:r>
           </a:p>
         </p:txBody>
       </p:sp>
@@ -4641,10 +4675,10 @@
       </p:sp>
       <p:grpSp>
         <p:nvGrpSpPr>
-          <p:cNvPr id="5" name="Groupe 4">
+          <p:cNvPr id="45" name="Groupe 44">
             <a:extLst>
               <a:ext uri="{FF2B5EF4-FFF2-40B4-BE49-F238E27FC236}">
-                <a16:creationId xmlns:a16="http://schemas.microsoft.com/office/drawing/2014/main" id="{9597E4D1-4894-720A-A722-76E8E450D27C}"/>
+                <a16:creationId xmlns:a16="http://schemas.microsoft.com/office/drawing/2014/main" id="{0726677A-4268-E21A-6601-975F2F546F0D}"/>
               </a:ext>
             </a:extLst>
           </p:cNvPr>
@@ -4652,34 +4686,2263 @@
           <p:nvPr/>
         </p:nvGrpSpPr>
         <p:grpSpPr>
-          <a:xfrm rot="20700000">
-            <a:off x="5905252" y="1827442"/>
-            <a:ext cx="1440160" cy="1440160"/>
-            <a:chOff x="971600" y="548680"/>
-            <a:chExt cx="1440160" cy="1440160"/>
+          <a:xfrm>
+            <a:off x="-105912" y="3894295"/>
+            <a:ext cx="2813785" cy="2859959"/>
+            <a:chOff x="4944009" y="1721608"/>
+            <a:chExt cx="2813785" cy="2859959"/>
           </a:xfrm>
         </p:grpSpPr>
-        <p:cxnSp>
-          <p:nvCxnSpPr>
-            <p:cNvPr id="6" name="Connecteur droit 5">
+        <p:sp>
+          <p:nvSpPr>
+            <p:cNvPr id="13" name="Arc 12">
               <a:extLst>
                 <a:ext uri="{FF2B5EF4-FFF2-40B4-BE49-F238E27FC236}">
-                  <a16:creationId xmlns:a16="http://schemas.microsoft.com/office/drawing/2014/main" id="{6737503E-623E-4C5A-82DC-7BB6C94F60CA}"/>
+                  <a16:creationId xmlns:a16="http://schemas.microsoft.com/office/drawing/2014/main" id="{6E8C445C-9112-F736-6C64-32F0D2A9F74F}"/>
                 </a:ext>
               </a:extLst>
             </p:cNvPr>
-            <p:cNvCxnSpPr/>
+            <p:cNvSpPr/>
+            <p:nvPr/>
+          </p:nvSpPr>
+          <p:spPr>
+            <a:xfrm>
+              <a:off x="4944009" y="2277309"/>
+              <a:ext cx="2304258" cy="2304258"/>
+            </a:xfrm>
+            <a:prstGeom prst="arc">
+              <a:avLst>
+                <a:gd name="adj1" fmla="val 20716967"/>
+                <a:gd name="adj2" fmla="val 0"/>
+              </a:avLst>
+            </a:prstGeom>
+            <a:ln>
+              <a:solidFill>
+                <a:srgbClr val="00547F"/>
+              </a:solidFill>
+              <a:headEnd type="stealth" w="med" len="lg"/>
+            </a:ln>
+          </p:spPr>
+          <p:style>
+            <a:lnRef idx="1">
+              <a:schemeClr val="accent1"/>
+            </a:lnRef>
+            <a:fillRef idx="0">
+              <a:schemeClr val="accent1"/>
+            </a:fillRef>
+            <a:effectRef idx="0">
+              <a:schemeClr val="accent1"/>
+            </a:effectRef>
+            <a:fontRef idx="minor">
+              <a:schemeClr val="tx1"/>
+            </a:fontRef>
+          </p:style>
+          <p:txBody>
+            <a:bodyPr rtlCol="0" anchor="ctr"/>
+            <a:lstStyle/>
+            <a:p>
+              <a:pPr algn="ctr"/>
+              <a:endParaRPr lang="fr-FR"/>
+            </a:p>
+          </p:txBody>
+        </p:sp>
+        <p:grpSp>
+          <p:nvGrpSpPr>
+            <p:cNvPr id="34" name="Groupe 33">
+              <a:extLst>
+                <a:ext uri="{FF2B5EF4-FFF2-40B4-BE49-F238E27FC236}">
+                  <a16:creationId xmlns:a16="http://schemas.microsoft.com/office/drawing/2014/main" id="{826318BB-49CF-6EA0-DD9B-5EB2DA951E7F}"/>
+                </a:ext>
+              </a:extLst>
+            </p:cNvPr>
+            <p:cNvGrpSpPr/>
+            <p:nvPr/>
+          </p:nvGrpSpPr>
+          <p:grpSpPr>
+            <a:xfrm>
+              <a:off x="5661055" y="1721608"/>
+              <a:ext cx="2096739" cy="2183846"/>
+              <a:chOff x="5661055" y="1721608"/>
+              <a:chExt cx="2096739" cy="2183846"/>
+            </a:xfrm>
+          </p:grpSpPr>
+          <p:grpSp>
+            <p:nvGrpSpPr>
+              <p:cNvPr id="5" name="Groupe 4">
+                <a:extLst>
+                  <a:ext uri="{FF2B5EF4-FFF2-40B4-BE49-F238E27FC236}">
+                    <a16:creationId xmlns:a16="http://schemas.microsoft.com/office/drawing/2014/main" id="{9597E4D1-4894-720A-A722-76E8E450D27C}"/>
+                  </a:ext>
+                </a:extLst>
+              </p:cNvPr>
+              <p:cNvGrpSpPr/>
+              <p:nvPr/>
+            </p:nvGrpSpPr>
+            <p:grpSpPr>
+              <a:xfrm rot="20700000">
+                <a:off x="5905252" y="1827442"/>
+                <a:ext cx="1440160" cy="1440160"/>
+                <a:chOff x="971600" y="548680"/>
+                <a:chExt cx="1440160" cy="1440160"/>
+              </a:xfrm>
+            </p:grpSpPr>
+            <p:cxnSp>
+              <p:nvCxnSpPr>
+                <p:cNvPr id="6" name="Connecteur droit 5">
+                  <a:extLst>
+                    <a:ext uri="{FF2B5EF4-FFF2-40B4-BE49-F238E27FC236}">
+                      <a16:creationId xmlns:a16="http://schemas.microsoft.com/office/drawing/2014/main" id="{6737503E-623E-4C5A-82DC-7BB6C94F60CA}"/>
+                    </a:ext>
+                  </a:extLst>
+                </p:cNvPr>
+                <p:cNvCxnSpPr/>
+                <p:nvPr/>
+              </p:nvCxnSpPr>
+              <p:spPr>
+                <a:xfrm flipV="1">
+                  <a:off x="971600" y="548680"/>
+                  <a:ext cx="0" cy="1440160"/>
+                </a:xfrm>
+                <a:prstGeom prst="line">
+                  <a:avLst/>
+                </a:prstGeom>
+                <a:ln w="19050">
+                  <a:solidFill>
+                    <a:srgbClr val="00547F"/>
+                  </a:solidFill>
+                  <a:tailEnd type="stealth" w="med" len="lg"/>
+                </a:ln>
+              </p:spPr>
+              <p:style>
+                <a:lnRef idx="1">
+                  <a:schemeClr val="accent1"/>
+                </a:lnRef>
+                <a:fillRef idx="0">
+                  <a:schemeClr val="accent1"/>
+                </a:fillRef>
+                <a:effectRef idx="0">
+                  <a:schemeClr val="accent1"/>
+                </a:effectRef>
+                <a:fontRef idx="minor">
+                  <a:schemeClr val="tx1"/>
+                </a:fontRef>
+              </p:style>
+            </p:cxnSp>
+            <p:cxnSp>
+              <p:nvCxnSpPr>
+                <p:cNvPr id="7" name="Connecteur droit 6">
+                  <a:extLst>
+                    <a:ext uri="{FF2B5EF4-FFF2-40B4-BE49-F238E27FC236}">
+                      <a16:creationId xmlns:a16="http://schemas.microsoft.com/office/drawing/2014/main" id="{8DEA9DFD-4E55-07F3-213F-DC852F42731E}"/>
+                    </a:ext>
+                  </a:extLst>
+                </p:cNvPr>
+                <p:cNvCxnSpPr>
+                  <a:cxnSpLocks/>
+                </p:cNvCxnSpPr>
+                <p:nvPr/>
+              </p:nvCxnSpPr>
+              <p:spPr>
+                <a:xfrm rot="5400000" flipV="1">
+                  <a:off x="1691680" y="1268760"/>
+                  <a:ext cx="0" cy="1440160"/>
+                </a:xfrm>
+                <a:prstGeom prst="line">
+                  <a:avLst/>
+                </a:prstGeom>
+                <a:ln w="19050">
+                  <a:solidFill>
+                    <a:srgbClr val="00547F"/>
+                  </a:solidFill>
+                  <a:tailEnd type="stealth" w="med" len="lg"/>
+                </a:ln>
+              </p:spPr>
+              <p:style>
+                <a:lnRef idx="1">
+                  <a:schemeClr val="accent1"/>
+                </a:lnRef>
+                <a:fillRef idx="0">
+                  <a:schemeClr val="accent1"/>
+                </a:fillRef>
+                <a:effectRef idx="0">
+                  <a:schemeClr val="accent1"/>
+                </a:effectRef>
+                <a:fontRef idx="minor">
+                  <a:schemeClr val="tx1"/>
+                </a:fontRef>
+              </p:style>
+            </p:cxnSp>
+          </p:grpSp>
+          <p:grpSp>
+            <p:nvGrpSpPr>
+              <p:cNvPr id="8" name="Groupe 7">
+                <a:extLst>
+                  <a:ext uri="{FF2B5EF4-FFF2-40B4-BE49-F238E27FC236}">
+                    <a16:creationId xmlns:a16="http://schemas.microsoft.com/office/drawing/2014/main" id="{2BA31FD6-915B-06A0-EC2D-03CF80280266}"/>
+                  </a:ext>
+                </a:extLst>
+              </p:cNvPr>
+              <p:cNvGrpSpPr/>
+              <p:nvPr/>
+            </p:nvGrpSpPr>
+            <p:grpSpPr>
+              <a:xfrm>
+                <a:off x="6096139" y="1989277"/>
+                <a:ext cx="1440160" cy="1440160"/>
+                <a:chOff x="971600" y="548680"/>
+                <a:chExt cx="1440160" cy="1440160"/>
+              </a:xfrm>
+            </p:grpSpPr>
+            <p:cxnSp>
+              <p:nvCxnSpPr>
+                <p:cNvPr id="9" name="Connecteur droit 8">
+                  <a:extLst>
+                    <a:ext uri="{FF2B5EF4-FFF2-40B4-BE49-F238E27FC236}">
+                      <a16:creationId xmlns:a16="http://schemas.microsoft.com/office/drawing/2014/main" id="{ECAE08FD-B743-2CE8-7224-F281DF1E585C}"/>
+                    </a:ext>
+                  </a:extLst>
+                </p:cNvPr>
+                <p:cNvCxnSpPr/>
+                <p:nvPr/>
+              </p:nvCxnSpPr>
+              <p:spPr>
+                <a:xfrm flipV="1">
+                  <a:off x="971600" y="548680"/>
+                  <a:ext cx="0" cy="1440160"/>
+                </a:xfrm>
+                <a:prstGeom prst="line">
+                  <a:avLst/>
+                </a:prstGeom>
+                <a:ln w="19050">
+                  <a:solidFill>
+                    <a:schemeClr val="tx1"/>
+                  </a:solidFill>
+                  <a:tailEnd type="stealth" w="med" len="lg"/>
+                </a:ln>
+              </p:spPr>
+              <p:style>
+                <a:lnRef idx="1">
+                  <a:schemeClr val="accent1"/>
+                </a:lnRef>
+                <a:fillRef idx="0">
+                  <a:schemeClr val="accent1"/>
+                </a:fillRef>
+                <a:effectRef idx="0">
+                  <a:schemeClr val="accent1"/>
+                </a:effectRef>
+                <a:fontRef idx="minor">
+                  <a:schemeClr val="tx1"/>
+                </a:fontRef>
+              </p:style>
+            </p:cxnSp>
+            <p:cxnSp>
+              <p:nvCxnSpPr>
+                <p:cNvPr id="10" name="Connecteur droit 9">
+                  <a:extLst>
+                    <a:ext uri="{FF2B5EF4-FFF2-40B4-BE49-F238E27FC236}">
+                      <a16:creationId xmlns:a16="http://schemas.microsoft.com/office/drawing/2014/main" id="{615C3BB0-B4F4-2200-BACD-F093694D922C}"/>
+                    </a:ext>
+                  </a:extLst>
+                </p:cNvPr>
+                <p:cNvCxnSpPr>
+                  <a:cxnSpLocks/>
+                </p:cNvCxnSpPr>
+                <p:nvPr/>
+              </p:nvCxnSpPr>
+              <p:spPr>
+                <a:xfrm rot="5400000" flipV="1">
+                  <a:off x="1691680" y="1268760"/>
+                  <a:ext cx="0" cy="1440160"/>
+                </a:xfrm>
+                <a:prstGeom prst="line">
+                  <a:avLst/>
+                </a:prstGeom>
+                <a:ln w="19050">
+                  <a:solidFill>
+                    <a:schemeClr val="tx1"/>
+                  </a:solidFill>
+                  <a:tailEnd type="stealth" w="med" len="lg"/>
+                </a:ln>
+              </p:spPr>
+              <p:style>
+                <a:lnRef idx="1">
+                  <a:schemeClr val="accent1"/>
+                </a:lnRef>
+                <a:fillRef idx="0">
+                  <a:schemeClr val="accent1"/>
+                </a:fillRef>
+                <a:effectRef idx="0">
+                  <a:schemeClr val="accent1"/>
+                </a:effectRef>
+                <a:fontRef idx="minor">
+                  <a:schemeClr val="tx1"/>
+                </a:fontRef>
+              </p:style>
+            </p:cxnSp>
+          </p:grpSp>
+          <p:sp>
+            <p:nvSpPr>
+              <p:cNvPr id="11" name="Ellipse 10">
+                <a:extLst>
+                  <a:ext uri="{FF2B5EF4-FFF2-40B4-BE49-F238E27FC236}">
+                    <a16:creationId xmlns:a16="http://schemas.microsoft.com/office/drawing/2014/main" id="{3FC6C6D0-141D-B5B0-8297-70DA9EBD6600}"/>
+                  </a:ext>
+                </a:extLst>
+              </p:cNvPr>
+              <p:cNvSpPr/>
+              <p:nvPr/>
+            </p:nvSpPr>
+            <p:spPr>
+              <a:xfrm>
+                <a:off x="5998149" y="3310125"/>
+                <a:ext cx="216000" cy="216000"/>
+              </a:xfrm>
+              <a:prstGeom prst="ellipse">
+                <a:avLst/>
+              </a:prstGeom>
+              <a:solidFill>
+                <a:schemeClr val="bg1"/>
+              </a:solidFill>
+              <a:ln w="19050">
+                <a:solidFill>
+                  <a:schemeClr val="tx1"/>
+                </a:solidFill>
+              </a:ln>
+            </p:spPr>
+            <p:style>
+              <a:lnRef idx="2">
+                <a:schemeClr val="accent1">
+                  <a:shade val="50000"/>
+                </a:schemeClr>
+              </a:lnRef>
+              <a:fillRef idx="1">
+                <a:schemeClr val="accent1"/>
+              </a:fillRef>
+              <a:effectRef idx="0">
+                <a:schemeClr val="accent1"/>
+              </a:effectRef>
+              <a:fontRef idx="minor">
+                <a:schemeClr val="lt1"/>
+              </a:fontRef>
+            </p:style>
+            <p:txBody>
+              <a:bodyPr rtlCol="0" anchor="ctr"/>
+              <a:lstStyle/>
+              <a:p>
+                <a:pPr algn="ctr"/>
+                <a:endParaRPr lang="fr-FR"/>
+              </a:p>
+            </p:txBody>
+          </p:sp>
+          <p:sp>
+            <p:nvSpPr>
+              <p:cNvPr id="12" name="Ellipse 11">
+                <a:extLst>
+                  <a:ext uri="{FF2B5EF4-FFF2-40B4-BE49-F238E27FC236}">
+                    <a16:creationId xmlns:a16="http://schemas.microsoft.com/office/drawing/2014/main" id="{1DBD1FC1-CEDB-3BEC-9C13-03D43B79E9C2}"/>
+                  </a:ext>
+                </a:extLst>
+              </p:cNvPr>
+              <p:cNvSpPr/>
+              <p:nvPr/>
+            </p:nvSpPr>
+            <p:spPr>
+              <a:xfrm>
+                <a:off x="6070149" y="3382125"/>
+                <a:ext cx="72000" cy="72000"/>
+              </a:xfrm>
+              <a:prstGeom prst="ellipse">
+                <a:avLst/>
+              </a:prstGeom>
+              <a:solidFill>
+                <a:schemeClr val="tx1"/>
+              </a:solidFill>
+              <a:ln w="19050">
+                <a:solidFill>
+                  <a:schemeClr val="tx1"/>
+                </a:solidFill>
+              </a:ln>
+            </p:spPr>
+            <p:style>
+              <a:lnRef idx="2">
+                <a:schemeClr val="accent1">
+                  <a:shade val="50000"/>
+                </a:schemeClr>
+              </a:lnRef>
+              <a:fillRef idx="1">
+                <a:schemeClr val="accent1"/>
+              </a:fillRef>
+              <a:effectRef idx="0">
+                <a:schemeClr val="accent1"/>
+              </a:effectRef>
+              <a:fontRef idx="minor">
+                <a:schemeClr val="lt1"/>
+              </a:fontRef>
+            </p:style>
+            <p:txBody>
+              <a:bodyPr rtlCol="0" anchor="ctr"/>
+              <a:lstStyle/>
+              <a:p>
+                <a:pPr algn="ctr"/>
+                <a:endParaRPr lang="fr-FR"/>
+              </a:p>
+            </p:txBody>
+          </p:sp>
+          <mc:AlternateContent xmlns:mc="http://schemas.openxmlformats.org/markup-compatibility/2006" xmlns:a14="http://schemas.microsoft.com/office/drawing/2010/main">
+            <mc:Choice Requires="a14">
+              <p:sp>
+                <p:nvSpPr>
+                  <p:cNvPr id="14" name="ZoneTexte 13">
+                    <a:extLst>
+                      <a:ext uri="{FF2B5EF4-FFF2-40B4-BE49-F238E27FC236}">
+                        <a16:creationId xmlns:a16="http://schemas.microsoft.com/office/drawing/2014/main" id="{142044F6-627E-A588-3BEE-94A05046CD48}"/>
+                      </a:ext>
+                    </a:extLst>
+                  </p:cNvPr>
+                  <p:cNvSpPr txBox="1"/>
+                  <p:nvPr/>
+                </p:nvSpPr>
+                <p:spPr>
+                  <a:xfrm>
+                    <a:off x="7550493" y="3306325"/>
+                    <a:ext cx="207301" cy="274434"/>
+                  </a:xfrm>
+                  <a:prstGeom prst="rect">
+                    <a:avLst/>
+                  </a:prstGeom>
+                  <a:noFill/>
+                </p:spPr>
+                <p:txBody>
+                  <a:bodyPr wrap="none" lIns="0" tIns="0" rIns="0" bIns="0" rtlCol="0">
+                    <a:spAutoFit/>
+                  </a:bodyPr>
+                  <a:lstStyle/>
+                  <a:p>
+                    <a:pPr/>
+                    <a14:m>
+                      <m:oMathPara xmlns:m="http://schemas.openxmlformats.org/officeDocument/2006/math">
+                        <m:oMathParaPr>
+                          <m:jc m:val="centerGroup"/>
+                        </m:oMathParaPr>
+                        <m:oMath xmlns:m="http://schemas.openxmlformats.org/officeDocument/2006/math">
+                          <m:acc>
+                            <m:accPr>
+                              <m:chr m:val="⃗"/>
+                              <m:ctrlPr>
+                                <a:rPr lang="fr-FR" sz="1600" i="1" smtClean="0">
+                                  <a:latin typeface="Cambria Math" panose="02040503050406030204" pitchFamily="18" charset="0"/>
+                                </a:rPr>
+                              </m:ctrlPr>
+                            </m:accPr>
+                            <m:e>
+                              <m:sSub>
+                                <m:sSubPr>
+                                  <m:ctrlPr>
+                                    <a:rPr lang="fr-FR" sz="1600" b="0" i="1" smtClean="0">
+                                      <a:latin typeface="Cambria Math" panose="02040503050406030204" pitchFamily="18" charset="0"/>
+                                    </a:rPr>
+                                  </m:ctrlPr>
+                                </m:sSubPr>
+                                <m:e>
+                                  <m:r>
+                                    <a:rPr lang="fr-FR" sz="1600" b="0" i="1" smtClean="0">
+                                      <a:latin typeface="Cambria Math" panose="02040503050406030204" pitchFamily="18" charset="0"/>
+                                    </a:rPr>
+                                    <m:t>𝑖</m:t>
+                                  </m:r>
+                                </m:e>
+                                <m:sub>
+                                  <m:r>
+                                    <a:rPr lang="fr-FR" sz="1600" b="0" i="1" smtClean="0">
+                                      <a:latin typeface="Cambria Math" panose="02040503050406030204" pitchFamily="18" charset="0"/>
+                                    </a:rPr>
+                                    <m:t>0</m:t>
+                                  </m:r>
+                                </m:sub>
+                              </m:sSub>
+                            </m:e>
+                          </m:acc>
+                        </m:oMath>
+                      </m:oMathPara>
+                    </a14:m>
+                    <a:endParaRPr lang="fr-FR" sz="1600" dirty="0"/>
+                  </a:p>
+                </p:txBody>
+              </p:sp>
+            </mc:Choice>
+            <mc:Fallback xmlns="">
+              <p:sp>
+                <p:nvSpPr>
+                  <p:cNvPr id="14" name="ZoneTexte 13">
+                    <a:extLst>
+                      <a:ext uri="{FF2B5EF4-FFF2-40B4-BE49-F238E27FC236}">
+                        <a16:creationId xmlns:a16="http://schemas.microsoft.com/office/drawing/2014/main" id="{142044F6-627E-A588-3BEE-94A05046CD48}"/>
+                      </a:ext>
+                    </a:extLst>
+                  </p:cNvPr>
+                  <p:cNvSpPr txBox="1">
+                    <a:spLocks noRot="1" noChangeAspect="1" noMove="1" noResize="1" noEditPoints="1" noAdjustHandles="1" noChangeArrowheads="1" noChangeShapeType="1" noTextEdit="1"/>
+                  </p:cNvSpPr>
+                  <p:nvPr/>
+                </p:nvSpPr>
+                <p:spPr>
+                  <a:xfrm>
+                    <a:off x="7550493" y="3306325"/>
+                    <a:ext cx="207301" cy="274434"/>
+                  </a:xfrm>
+                  <a:prstGeom prst="rect">
+                    <a:avLst/>
+                  </a:prstGeom>
+                  <a:blipFill>
+                    <a:blip r:embed="rId2"/>
+                    <a:stretch>
+                      <a:fillRect l="-20588" r="-5882" b="-13333"/>
+                    </a:stretch>
+                  </a:blipFill>
+                </p:spPr>
+                <p:txBody>
+                  <a:bodyPr/>
+                  <a:lstStyle/>
+                  <a:p>
+                    <a:r>
+                      <a:rPr lang="fr-FR">
+                        <a:noFill/>
+                      </a:rPr>
+                      <a:t> </a:t>
+                    </a:r>
+                  </a:p>
+                </p:txBody>
+              </p:sp>
+            </mc:Fallback>
+          </mc:AlternateContent>
+          <mc:AlternateContent xmlns:mc="http://schemas.openxmlformats.org/markup-compatibility/2006" xmlns:a14="http://schemas.microsoft.com/office/drawing/2010/main">
+            <mc:Choice Requires="a14">
+              <p:sp>
+                <p:nvSpPr>
+                  <p:cNvPr id="15" name="ZoneTexte 14">
+                    <a:extLst>
+                      <a:ext uri="{FF2B5EF4-FFF2-40B4-BE49-F238E27FC236}">
+                        <a16:creationId xmlns:a16="http://schemas.microsoft.com/office/drawing/2014/main" id="{C50AACF2-1C72-3DEF-1779-3BCD83C445A6}"/>
+                      </a:ext>
+                    </a:extLst>
+                  </p:cNvPr>
+                  <p:cNvSpPr txBox="1"/>
+                  <p:nvPr/>
+                </p:nvSpPr>
+                <p:spPr>
+                  <a:xfrm>
+                    <a:off x="6015077" y="1721608"/>
+                    <a:ext cx="208327" cy="274434"/>
+                  </a:xfrm>
+                  <a:prstGeom prst="rect">
+                    <a:avLst/>
+                  </a:prstGeom>
+                  <a:noFill/>
+                </p:spPr>
+                <p:txBody>
+                  <a:bodyPr wrap="none" lIns="0" tIns="0" rIns="0" bIns="0" rtlCol="0">
+                    <a:spAutoFit/>
+                  </a:bodyPr>
+                  <a:lstStyle/>
+                  <a:p>
+                    <a:pPr/>
+                    <a14:m>
+                      <m:oMathPara xmlns:m="http://schemas.openxmlformats.org/officeDocument/2006/math">
+                        <m:oMathParaPr>
+                          <m:jc m:val="centerGroup"/>
+                        </m:oMathParaPr>
+                        <m:oMath xmlns:m="http://schemas.openxmlformats.org/officeDocument/2006/math">
+                          <m:acc>
+                            <m:accPr>
+                              <m:chr m:val="⃗"/>
+                              <m:ctrlPr>
+                                <a:rPr lang="fr-FR" sz="1600" i="1" smtClean="0">
+                                  <a:latin typeface="Cambria Math" panose="02040503050406030204" pitchFamily="18" charset="0"/>
+                                </a:rPr>
+                              </m:ctrlPr>
+                            </m:accPr>
+                            <m:e>
+                              <m:sSub>
+                                <m:sSubPr>
+                                  <m:ctrlPr>
+                                    <a:rPr lang="fr-FR" sz="1600" b="0" i="1" smtClean="0">
+                                      <a:latin typeface="Cambria Math" panose="02040503050406030204" pitchFamily="18" charset="0"/>
+                                    </a:rPr>
+                                  </m:ctrlPr>
+                                </m:sSubPr>
+                                <m:e>
+                                  <m:r>
+                                    <a:rPr lang="fr-FR" sz="1600" b="0" i="1" smtClean="0">
+                                      <a:latin typeface="Cambria Math" panose="02040503050406030204" pitchFamily="18" charset="0"/>
+                                    </a:rPr>
+                                    <m:t>𝑗</m:t>
+                                  </m:r>
+                                </m:e>
+                                <m:sub>
+                                  <m:r>
+                                    <a:rPr lang="fr-FR" sz="1600" b="0" i="1" smtClean="0">
+                                      <a:latin typeface="Cambria Math" panose="02040503050406030204" pitchFamily="18" charset="0"/>
+                                    </a:rPr>
+                                    <m:t>0</m:t>
+                                  </m:r>
+                                </m:sub>
+                              </m:sSub>
+                            </m:e>
+                          </m:acc>
+                        </m:oMath>
+                      </m:oMathPara>
+                    </a14:m>
+                    <a:endParaRPr lang="fr-FR" sz="1600" dirty="0"/>
+                  </a:p>
+                </p:txBody>
+              </p:sp>
+            </mc:Choice>
+            <mc:Fallback xmlns="">
+              <p:sp>
+                <p:nvSpPr>
+                  <p:cNvPr id="15" name="ZoneTexte 14">
+                    <a:extLst>
+                      <a:ext uri="{FF2B5EF4-FFF2-40B4-BE49-F238E27FC236}">
+                        <a16:creationId xmlns:a16="http://schemas.microsoft.com/office/drawing/2014/main" id="{C50AACF2-1C72-3DEF-1779-3BCD83C445A6}"/>
+                      </a:ext>
+                    </a:extLst>
+                  </p:cNvPr>
+                  <p:cNvSpPr txBox="1">
+                    <a:spLocks noRot="1" noChangeAspect="1" noMove="1" noResize="1" noEditPoints="1" noAdjustHandles="1" noChangeArrowheads="1" noChangeShapeType="1" noTextEdit="1"/>
+                  </p:cNvSpPr>
+                  <p:nvPr/>
+                </p:nvSpPr>
+                <p:spPr>
+                  <a:xfrm>
+                    <a:off x="6015077" y="1721608"/>
+                    <a:ext cx="208327" cy="274434"/>
+                  </a:xfrm>
+                  <a:prstGeom prst="rect">
+                    <a:avLst/>
+                  </a:prstGeom>
+                  <a:blipFill>
+                    <a:blip r:embed="rId3"/>
+                    <a:stretch>
+                      <a:fillRect l="-31429" r="-5714" b="-28889"/>
+                    </a:stretch>
+                  </a:blipFill>
+                </p:spPr>
+                <p:txBody>
+                  <a:bodyPr/>
+                  <a:lstStyle/>
+                  <a:p>
+                    <a:r>
+                      <a:rPr lang="fr-FR">
+                        <a:noFill/>
+                      </a:rPr>
+                      <a:t> </a:t>
+                    </a:r>
+                  </a:p>
+                </p:txBody>
+              </p:sp>
+            </mc:Fallback>
+          </mc:AlternateContent>
+          <mc:AlternateContent xmlns:mc="http://schemas.openxmlformats.org/markup-compatibility/2006" xmlns:a14="http://schemas.microsoft.com/office/drawing/2010/main">
+            <mc:Choice Requires="a14">
+              <p:sp>
+                <p:nvSpPr>
+                  <p:cNvPr id="16" name="ZoneTexte 15">
+                    <a:extLst>
+                      <a:ext uri="{FF2B5EF4-FFF2-40B4-BE49-F238E27FC236}">
+                        <a16:creationId xmlns:a16="http://schemas.microsoft.com/office/drawing/2014/main" id="{0FC720A2-9E99-D18B-004F-187199F2FD85}"/>
+                      </a:ext>
+                    </a:extLst>
+                  </p:cNvPr>
+                  <p:cNvSpPr txBox="1"/>
+                  <p:nvPr/>
+                </p:nvSpPr>
+                <p:spPr>
+                  <a:xfrm>
+                    <a:off x="6015077" y="3622813"/>
+                    <a:ext cx="255391" cy="282641"/>
+                  </a:xfrm>
+                  <a:prstGeom prst="rect">
+                    <a:avLst/>
+                  </a:prstGeom>
+                  <a:noFill/>
+                </p:spPr>
+                <p:txBody>
+                  <a:bodyPr wrap="none" lIns="0" tIns="0" rIns="0" bIns="0" rtlCol="0">
+                    <a:spAutoFit/>
+                  </a:bodyPr>
+                  <a:lstStyle/>
+                  <a:p>
+                    <a:pPr/>
+                    <a14:m>
+                      <m:oMathPara xmlns:m="http://schemas.openxmlformats.org/officeDocument/2006/math">
+                        <m:oMathParaPr>
+                          <m:jc m:val="centerGroup"/>
+                        </m:oMathParaPr>
+                        <m:oMath xmlns:m="http://schemas.openxmlformats.org/officeDocument/2006/math">
+                          <m:acc>
+                            <m:accPr>
+                              <m:chr m:val="⃗"/>
+                              <m:ctrlPr>
+                                <a:rPr lang="fr-FR" sz="1600" i="1" smtClean="0">
+                                  <a:latin typeface="Cambria Math" panose="02040503050406030204" pitchFamily="18" charset="0"/>
+                                </a:rPr>
+                              </m:ctrlPr>
+                            </m:accPr>
+                            <m:e>
+                              <m:sSub>
+                                <m:sSubPr>
+                                  <m:ctrlPr>
+                                    <a:rPr lang="fr-FR" sz="1600" b="0" i="1" smtClean="0">
+                                      <a:latin typeface="Cambria Math" panose="02040503050406030204" pitchFamily="18" charset="0"/>
+                                    </a:rPr>
+                                  </m:ctrlPr>
+                                </m:sSubPr>
+                                <m:e>
+                                  <m:r>
+                                    <a:rPr lang="fr-FR" sz="1600" b="0" i="1" smtClean="0">
+                                      <a:latin typeface="Cambria Math" panose="02040503050406030204" pitchFamily="18" charset="0"/>
+                                    </a:rPr>
+                                    <m:t>𝑘</m:t>
+                                  </m:r>
+                                </m:e>
+                                <m:sub>
+                                  <m:r>
+                                    <a:rPr lang="fr-FR" sz="1600" b="0" i="1" smtClean="0">
+                                      <a:latin typeface="Cambria Math" panose="02040503050406030204" pitchFamily="18" charset="0"/>
+                                    </a:rPr>
+                                    <m:t>0</m:t>
+                                  </m:r>
+                                </m:sub>
+                              </m:sSub>
+                            </m:e>
+                          </m:acc>
+                        </m:oMath>
+                      </m:oMathPara>
+                    </a14:m>
+                    <a:endParaRPr lang="fr-FR" sz="1600" dirty="0"/>
+                  </a:p>
+                </p:txBody>
+              </p:sp>
+            </mc:Choice>
+            <mc:Fallback xmlns="">
+              <p:sp>
+                <p:nvSpPr>
+                  <p:cNvPr id="16" name="ZoneTexte 15">
+                    <a:extLst>
+                      <a:ext uri="{FF2B5EF4-FFF2-40B4-BE49-F238E27FC236}">
+                        <a16:creationId xmlns:a16="http://schemas.microsoft.com/office/drawing/2014/main" id="{0FC720A2-9E99-D18B-004F-187199F2FD85}"/>
+                      </a:ext>
+                    </a:extLst>
+                  </p:cNvPr>
+                  <p:cNvSpPr txBox="1">
+                    <a:spLocks noRot="1" noChangeAspect="1" noMove="1" noResize="1" noEditPoints="1" noAdjustHandles="1" noChangeArrowheads="1" noChangeShapeType="1" noTextEdit="1"/>
+                  </p:cNvSpPr>
+                  <p:nvPr/>
+                </p:nvSpPr>
+                <p:spPr>
+                  <a:xfrm>
+                    <a:off x="6015077" y="3622813"/>
+                    <a:ext cx="255391" cy="282641"/>
+                  </a:xfrm>
+                  <a:prstGeom prst="rect">
+                    <a:avLst/>
+                  </a:prstGeom>
+                  <a:blipFill>
+                    <a:blip r:embed="rId4"/>
+                    <a:stretch>
+                      <a:fillRect l="-19048" r="-4762" b="-13043"/>
+                    </a:stretch>
+                  </a:blipFill>
+                </p:spPr>
+                <p:txBody>
+                  <a:bodyPr/>
+                  <a:lstStyle/>
+                  <a:p>
+                    <a:r>
+                      <a:rPr lang="fr-FR">
+                        <a:noFill/>
+                      </a:rPr>
+                      <a:t> </a:t>
+                    </a:r>
+                  </a:p>
+                </p:txBody>
+              </p:sp>
+            </mc:Fallback>
+          </mc:AlternateContent>
+          <mc:AlternateContent xmlns:mc="http://schemas.openxmlformats.org/markup-compatibility/2006" xmlns:a14="http://schemas.microsoft.com/office/drawing/2010/main">
+            <mc:Choice Requires="a14">
+              <p:sp>
+                <p:nvSpPr>
+                  <p:cNvPr id="17" name="ZoneTexte 16">
+                    <a:extLst>
+                      <a:ext uri="{FF2B5EF4-FFF2-40B4-BE49-F238E27FC236}">
+                        <a16:creationId xmlns:a16="http://schemas.microsoft.com/office/drawing/2014/main" id="{F573D01C-276A-989C-8961-19F79A2A26C5}"/>
+                      </a:ext>
+                    </a:extLst>
+                  </p:cNvPr>
+                  <p:cNvSpPr txBox="1"/>
+                  <p:nvPr/>
+                </p:nvSpPr>
+                <p:spPr>
+                  <a:xfrm>
+                    <a:off x="7270806" y="3181145"/>
+                    <a:ext cx="126317" cy="184666"/>
+                  </a:xfrm>
+                  <a:prstGeom prst="rect">
+                    <a:avLst/>
+                  </a:prstGeom>
+                  <a:noFill/>
+                </p:spPr>
+                <p:txBody>
+                  <a:bodyPr wrap="none" lIns="0" tIns="0" rIns="0" bIns="0" rtlCol="0">
+                    <a:spAutoFit/>
+                  </a:bodyPr>
+                  <a:lstStyle/>
+                  <a:p>
+                    <a:pPr/>
+                    <a14:m>
+                      <m:oMathPara xmlns:m="http://schemas.openxmlformats.org/officeDocument/2006/math">
+                        <m:oMathParaPr>
+                          <m:jc m:val="centerGroup"/>
+                        </m:oMathParaPr>
+                        <m:oMath xmlns:m="http://schemas.openxmlformats.org/officeDocument/2006/math">
+                          <m:r>
+                            <a:rPr lang="fr-FR" sz="1200" i="1">
+                              <a:latin typeface="Cambria Math" panose="02040503050406030204" pitchFamily="18" charset="0"/>
+                            </a:rPr>
+                            <m:t>𝜃</m:t>
+                          </m:r>
+                        </m:oMath>
+                      </m:oMathPara>
+                    </a14:m>
+                    <a:endParaRPr lang="fr-FR" sz="1200" dirty="0"/>
+                  </a:p>
+                </p:txBody>
+              </p:sp>
+            </mc:Choice>
+            <mc:Fallback xmlns="">
+              <p:sp>
+                <p:nvSpPr>
+                  <p:cNvPr id="17" name="ZoneTexte 16">
+                    <a:extLst>
+                      <a:ext uri="{FF2B5EF4-FFF2-40B4-BE49-F238E27FC236}">
+                        <a16:creationId xmlns:a16="http://schemas.microsoft.com/office/drawing/2014/main" id="{F573D01C-276A-989C-8961-19F79A2A26C5}"/>
+                      </a:ext>
+                    </a:extLst>
+                  </p:cNvPr>
+                  <p:cNvSpPr txBox="1">
+                    <a:spLocks noRot="1" noChangeAspect="1" noMove="1" noResize="1" noEditPoints="1" noAdjustHandles="1" noChangeArrowheads="1" noChangeShapeType="1" noTextEdit="1"/>
+                  </p:cNvSpPr>
+                  <p:nvPr/>
+                </p:nvSpPr>
+                <p:spPr>
+                  <a:xfrm>
+                    <a:off x="7270806" y="3181145"/>
+                    <a:ext cx="126317" cy="184666"/>
+                  </a:xfrm>
+                  <a:prstGeom prst="rect">
+                    <a:avLst/>
+                  </a:prstGeom>
+                  <a:blipFill>
+                    <a:blip r:embed="rId5"/>
+                    <a:stretch>
+                      <a:fillRect l="-28571" r="-23810" b="-3226"/>
+                    </a:stretch>
+                  </a:blipFill>
+                </p:spPr>
+                <p:txBody>
+                  <a:bodyPr/>
+                  <a:lstStyle/>
+                  <a:p>
+                    <a:r>
+                      <a:rPr lang="fr-FR">
+                        <a:noFill/>
+                      </a:rPr>
+                      <a:t> </a:t>
+                    </a:r>
+                  </a:p>
+                </p:txBody>
+              </p:sp>
+            </mc:Fallback>
+          </mc:AlternateContent>
+          <mc:AlternateContent xmlns:mc="http://schemas.openxmlformats.org/markup-compatibility/2006" xmlns:a14="http://schemas.microsoft.com/office/drawing/2010/main">
+            <mc:Choice Requires="a14">
+              <p:sp>
+                <p:nvSpPr>
+                  <p:cNvPr id="18" name="ZoneTexte 17">
+                    <a:extLst>
+                      <a:ext uri="{FF2B5EF4-FFF2-40B4-BE49-F238E27FC236}">
+                        <a16:creationId xmlns:a16="http://schemas.microsoft.com/office/drawing/2014/main" id="{567151A2-551A-05C5-445D-B544B9165B3B}"/>
+                      </a:ext>
+                    </a:extLst>
+                  </p:cNvPr>
+                  <p:cNvSpPr txBox="1"/>
+                  <p:nvPr/>
+                </p:nvSpPr>
+                <p:spPr>
+                  <a:xfrm>
+                    <a:off x="7541731" y="2898848"/>
+                    <a:ext cx="202555" cy="274434"/>
+                  </a:xfrm>
+                  <a:prstGeom prst="rect">
+                    <a:avLst/>
+                  </a:prstGeom>
+                  <a:noFill/>
+                </p:spPr>
+                <p:txBody>
+                  <a:bodyPr wrap="none" lIns="0" tIns="0" rIns="0" bIns="0" rtlCol="0">
+                    <a:spAutoFit/>
+                  </a:bodyPr>
+                  <a:lstStyle/>
+                  <a:p>
+                    <a:pPr/>
+                    <a14:m>
+                      <m:oMathPara xmlns:m="http://schemas.openxmlformats.org/officeDocument/2006/math">
+                        <m:oMathParaPr>
+                          <m:jc m:val="centerGroup"/>
+                        </m:oMathParaPr>
+                        <m:oMath xmlns:m="http://schemas.openxmlformats.org/officeDocument/2006/math">
+                          <m:acc>
+                            <m:accPr>
+                              <m:chr m:val="⃗"/>
+                              <m:ctrlPr>
+                                <a:rPr lang="fr-FR" sz="1600" i="1" smtClean="0">
+                                  <a:latin typeface="Cambria Math" panose="02040503050406030204" pitchFamily="18" charset="0"/>
+                                </a:rPr>
+                              </m:ctrlPr>
+                            </m:accPr>
+                            <m:e>
+                              <m:sSub>
+                                <m:sSubPr>
+                                  <m:ctrlPr>
+                                    <a:rPr lang="fr-FR" sz="1600" i="1">
+                                      <a:latin typeface="Cambria Math" panose="02040503050406030204" pitchFamily="18" charset="0"/>
+                                    </a:rPr>
+                                  </m:ctrlPr>
+                                </m:sSubPr>
+                                <m:e>
+                                  <m:r>
+                                    <a:rPr lang="fr-FR" sz="1600" b="0" i="1" smtClean="0">
+                                      <a:latin typeface="Cambria Math" panose="02040503050406030204" pitchFamily="18" charset="0"/>
+                                    </a:rPr>
+                                    <m:t>𝑖</m:t>
+                                  </m:r>
+                                </m:e>
+                                <m:sub>
+                                  <m:r>
+                                    <a:rPr lang="fr-FR" sz="1600" i="1">
+                                      <a:latin typeface="Cambria Math" panose="02040503050406030204" pitchFamily="18" charset="0"/>
+                                    </a:rPr>
+                                    <m:t>1</m:t>
+                                  </m:r>
+                                </m:sub>
+                              </m:sSub>
+                            </m:e>
+                          </m:acc>
+                        </m:oMath>
+                      </m:oMathPara>
+                    </a14:m>
+                    <a:endParaRPr lang="fr-FR" sz="1600" dirty="0"/>
+                  </a:p>
+                </p:txBody>
+              </p:sp>
+            </mc:Choice>
+            <mc:Fallback xmlns="">
+              <p:sp>
+                <p:nvSpPr>
+                  <p:cNvPr id="18" name="ZoneTexte 17">
+                    <a:extLst>
+                      <a:ext uri="{FF2B5EF4-FFF2-40B4-BE49-F238E27FC236}">
+                        <a16:creationId xmlns:a16="http://schemas.microsoft.com/office/drawing/2014/main" id="{567151A2-551A-05C5-445D-B544B9165B3B}"/>
+                      </a:ext>
+                    </a:extLst>
+                  </p:cNvPr>
+                  <p:cNvSpPr txBox="1">
+                    <a:spLocks noRot="1" noChangeAspect="1" noMove="1" noResize="1" noEditPoints="1" noAdjustHandles="1" noChangeArrowheads="1" noChangeShapeType="1" noTextEdit="1"/>
+                  </p:cNvSpPr>
+                  <p:nvPr/>
+                </p:nvSpPr>
+                <p:spPr>
+                  <a:xfrm>
+                    <a:off x="7541731" y="2898848"/>
+                    <a:ext cx="202555" cy="274434"/>
+                  </a:xfrm>
+                  <a:prstGeom prst="rect">
+                    <a:avLst/>
+                  </a:prstGeom>
+                  <a:blipFill>
+                    <a:blip r:embed="rId6"/>
+                    <a:stretch>
+                      <a:fillRect l="-24242" r="-6061" b="-13333"/>
+                    </a:stretch>
+                  </a:blipFill>
+                </p:spPr>
+                <p:txBody>
+                  <a:bodyPr/>
+                  <a:lstStyle/>
+                  <a:p>
+                    <a:r>
+                      <a:rPr lang="fr-FR">
+                        <a:noFill/>
+                      </a:rPr>
+                      <a:t> </a:t>
+                    </a:r>
+                  </a:p>
+                </p:txBody>
+              </p:sp>
+            </mc:Fallback>
+          </mc:AlternateContent>
+          <mc:AlternateContent xmlns:mc="http://schemas.openxmlformats.org/markup-compatibility/2006" xmlns:a14="http://schemas.microsoft.com/office/drawing/2010/main">
+            <mc:Choice Requires="a14">
+              <p:sp>
+                <p:nvSpPr>
+                  <p:cNvPr id="19" name="ZoneTexte 18">
+                    <a:extLst>
+                      <a:ext uri="{FF2B5EF4-FFF2-40B4-BE49-F238E27FC236}">
+                        <a16:creationId xmlns:a16="http://schemas.microsoft.com/office/drawing/2014/main" id="{3F4D728A-9646-06EE-62A0-58375971ACB1}"/>
+                      </a:ext>
+                    </a:extLst>
+                  </p:cNvPr>
+                  <p:cNvSpPr txBox="1"/>
+                  <p:nvPr/>
+                </p:nvSpPr>
+                <p:spPr>
+                  <a:xfrm>
+                    <a:off x="5661055" y="1721608"/>
+                    <a:ext cx="203581" cy="274434"/>
+                  </a:xfrm>
+                  <a:prstGeom prst="rect">
+                    <a:avLst/>
+                  </a:prstGeom>
+                  <a:noFill/>
+                </p:spPr>
+                <p:txBody>
+                  <a:bodyPr wrap="none" lIns="0" tIns="0" rIns="0" bIns="0" rtlCol="0">
+                    <a:spAutoFit/>
+                  </a:bodyPr>
+                  <a:lstStyle/>
+                  <a:p>
+                    <a:pPr/>
+                    <a14:m>
+                      <m:oMathPara xmlns:m="http://schemas.openxmlformats.org/officeDocument/2006/math">
+                        <m:oMathParaPr>
+                          <m:jc m:val="centerGroup"/>
+                        </m:oMathParaPr>
+                        <m:oMath xmlns:m="http://schemas.openxmlformats.org/officeDocument/2006/math">
+                          <m:acc>
+                            <m:accPr>
+                              <m:chr m:val="⃗"/>
+                              <m:ctrlPr>
+                                <a:rPr lang="fr-FR" sz="1600" i="1" smtClean="0">
+                                  <a:latin typeface="Cambria Math" panose="02040503050406030204" pitchFamily="18" charset="0"/>
+                                </a:rPr>
+                              </m:ctrlPr>
+                            </m:accPr>
+                            <m:e>
+                              <m:sSub>
+                                <m:sSubPr>
+                                  <m:ctrlPr>
+                                    <a:rPr lang="fr-FR" sz="1600" i="1">
+                                      <a:latin typeface="Cambria Math" panose="02040503050406030204" pitchFamily="18" charset="0"/>
+                                    </a:rPr>
+                                  </m:ctrlPr>
+                                </m:sSubPr>
+                                <m:e>
+                                  <m:r>
+                                    <a:rPr lang="fr-FR" sz="1600" b="0" i="1" smtClean="0">
+                                      <a:latin typeface="Cambria Math" panose="02040503050406030204" pitchFamily="18" charset="0"/>
+                                    </a:rPr>
+                                    <m:t>𝑗</m:t>
+                                  </m:r>
+                                </m:e>
+                                <m:sub>
+                                  <m:r>
+                                    <a:rPr lang="fr-FR" sz="1600" i="1">
+                                      <a:latin typeface="Cambria Math" panose="02040503050406030204" pitchFamily="18" charset="0"/>
+                                    </a:rPr>
+                                    <m:t>1</m:t>
+                                  </m:r>
+                                </m:sub>
+                              </m:sSub>
+                            </m:e>
+                          </m:acc>
+                        </m:oMath>
+                      </m:oMathPara>
+                    </a14:m>
+                    <a:endParaRPr lang="fr-FR" sz="1600" dirty="0"/>
+                  </a:p>
+                </p:txBody>
+              </p:sp>
+            </mc:Choice>
+            <mc:Fallback xmlns="">
+              <p:sp>
+                <p:nvSpPr>
+                  <p:cNvPr id="19" name="ZoneTexte 18">
+                    <a:extLst>
+                      <a:ext uri="{FF2B5EF4-FFF2-40B4-BE49-F238E27FC236}">
+                        <a16:creationId xmlns:a16="http://schemas.microsoft.com/office/drawing/2014/main" id="{3F4D728A-9646-06EE-62A0-58375971ACB1}"/>
+                      </a:ext>
+                    </a:extLst>
+                  </p:cNvPr>
+                  <p:cNvSpPr txBox="1">
+                    <a:spLocks noRot="1" noChangeAspect="1" noMove="1" noResize="1" noEditPoints="1" noAdjustHandles="1" noChangeArrowheads="1" noChangeShapeType="1" noTextEdit="1"/>
+                  </p:cNvSpPr>
+                  <p:nvPr/>
+                </p:nvSpPr>
+                <p:spPr>
+                  <a:xfrm>
+                    <a:off x="5661055" y="1721608"/>
+                    <a:ext cx="203581" cy="274434"/>
+                  </a:xfrm>
+                  <a:prstGeom prst="rect">
+                    <a:avLst/>
+                  </a:prstGeom>
+                  <a:blipFill>
+                    <a:blip r:embed="rId7"/>
+                    <a:stretch>
+                      <a:fillRect l="-32353" r="-5882" b="-28889"/>
+                    </a:stretch>
+                  </a:blipFill>
+                </p:spPr>
+                <p:txBody>
+                  <a:bodyPr/>
+                  <a:lstStyle/>
+                  <a:p>
+                    <a:r>
+                      <a:rPr lang="fr-FR">
+                        <a:noFill/>
+                      </a:rPr>
+                      <a:t> </a:t>
+                    </a:r>
+                  </a:p>
+                </p:txBody>
+              </p:sp>
+            </mc:Fallback>
+          </mc:AlternateContent>
+        </p:grpSp>
+      </p:grpSp>
+      <p:grpSp>
+        <p:nvGrpSpPr>
+          <p:cNvPr id="3" name="Groupe 2">
+            <a:extLst>
+              <a:ext uri="{FF2B5EF4-FFF2-40B4-BE49-F238E27FC236}">
+                <a16:creationId xmlns:a16="http://schemas.microsoft.com/office/drawing/2014/main" id="{0CE0C827-4BB0-38A4-FB9A-7C0E2FE415B4}"/>
+              </a:ext>
+            </a:extLst>
+          </p:cNvPr>
+          <p:cNvGrpSpPr/>
+          <p:nvPr/>
+        </p:nvGrpSpPr>
+        <p:grpSpPr>
+          <a:xfrm>
+            <a:off x="818492" y="1001518"/>
+            <a:ext cx="2279545" cy="2263951"/>
+            <a:chOff x="2270102" y="1721608"/>
+            <a:chExt cx="2279545" cy="2263951"/>
+          </a:xfrm>
+        </p:grpSpPr>
+        <p:sp>
+          <p:nvSpPr>
+            <p:cNvPr id="20" name="Forme libre : forme 19">
+              <a:extLst>
+                <a:ext uri="{FF2B5EF4-FFF2-40B4-BE49-F238E27FC236}">
+                  <a16:creationId xmlns:a16="http://schemas.microsoft.com/office/drawing/2014/main" id="{0DE24122-C031-D031-9189-16826C7198B5}"/>
+                </a:ext>
+              </a:extLst>
+            </p:cNvPr>
+            <p:cNvSpPr/>
+            <p:nvPr/>
+          </p:nvSpPr>
+          <p:spPr>
+            <a:xfrm>
+              <a:off x="2302852" y="3655813"/>
+              <a:ext cx="415449" cy="145926"/>
+            </a:xfrm>
+            <a:custGeom>
+              <a:avLst/>
+              <a:gdLst>
+                <a:gd name="connsiteX0" fmla="*/ 0 w 400050"/>
+                <a:gd name="connsiteY0" fmla="*/ 6350 h 134622"/>
+                <a:gd name="connsiteX1" fmla="*/ 63500 w 400050"/>
+                <a:gd name="connsiteY1" fmla="*/ 114300 h 134622"/>
+                <a:gd name="connsiteX2" fmla="*/ 203200 w 400050"/>
+                <a:gd name="connsiteY2" fmla="*/ 69850 h 134622"/>
+                <a:gd name="connsiteX3" fmla="*/ 304800 w 400050"/>
+                <a:gd name="connsiteY3" fmla="*/ 133350 h 134622"/>
+                <a:gd name="connsiteX4" fmla="*/ 400050 w 400050"/>
+                <a:gd name="connsiteY4" fmla="*/ 0 h 134622"/>
+              </a:gdLst>
+              <a:ahLst/>
+              <a:cxnLst>
+                <a:cxn ang="0">
+                  <a:pos x="connsiteX0" y="connsiteY0"/>
+                </a:cxn>
+                <a:cxn ang="0">
+                  <a:pos x="connsiteX1" y="connsiteY1"/>
+                </a:cxn>
+                <a:cxn ang="0">
+                  <a:pos x="connsiteX2" y="connsiteY2"/>
+                </a:cxn>
+                <a:cxn ang="0">
+                  <a:pos x="connsiteX3" y="connsiteY3"/>
+                </a:cxn>
+                <a:cxn ang="0">
+                  <a:pos x="connsiteX4" y="connsiteY4"/>
+                </a:cxn>
+              </a:cxnLst>
+              <a:rect l="l" t="t" r="r" b="b"/>
+              <a:pathLst>
+                <a:path w="400050" h="134622">
+                  <a:moveTo>
+                    <a:pt x="0" y="6350"/>
+                  </a:moveTo>
+                  <a:cubicBezTo>
+                    <a:pt x="14816" y="55033"/>
+                    <a:pt x="29633" y="103717"/>
+                    <a:pt x="63500" y="114300"/>
+                  </a:cubicBezTo>
+                  <a:cubicBezTo>
+                    <a:pt x="97367" y="124883"/>
+                    <a:pt x="162983" y="66675"/>
+                    <a:pt x="203200" y="69850"/>
+                  </a:cubicBezTo>
+                  <a:cubicBezTo>
+                    <a:pt x="243417" y="73025"/>
+                    <a:pt x="271992" y="144992"/>
+                    <a:pt x="304800" y="133350"/>
+                  </a:cubicBezTo>
+                  <a:cubicBezTo>
+                    <a:pt x="337608" y="121708"/>
+                    <a:pt x="368829" y="60854"/>
+                    <a:pt x="400050" y="0"/>
+                  </a:cubicBezTo>
+                </a:path>
+              </a:pathLst>
+            </a:custGeom>
+            <a:solidFill>
+              <a:schemeClr val="bg1">
+                <a:lumMod val="85000"/>
+              </a:schemeClr>
+            </a:solidFill>
+            <a:ln w="19050">
+              <a:solidFill>
+                <a:schemeClr val="tx1"/>
+              </a:solidFill>
+            </a:ln>
+          </p:spPr>
+          <p:style>
+            <a:lnRef idx="2">
+              <a:schemeClr val="accent1">
+                <a:shade val="50000"/>
+              </a:schemeClr>
+            </a:lnRef>
+            <a:fillRef idx="1">
+              <a:schemeClr val="accent1"/>
+            </a:fillRef>
+            <a:effectRef idx="0">
+              <a:schemeClr val="accent1"/>
+            </a:effectRef>
+            <a:fontRef idx="minor">
+              <a:schemeClr val="lt1"/>
+            </a:fontRef>
+          </p:style>
+          <p:txBody>
+            <a:bodyPr rtlCol="0" anchor="ctr"/>
+            <a:lstStyle/>
+            <a:p>
+              <a:pPr algn="ctr"/>
+              <a:endParaRPr lang="fr-FR"/>
+            </a:p>
+          </p:txBody>
+        </p:sp>
+        <p:cxnSp>
+          <p:nvCxnSpPr>
+            <p:cNvPr id="21" name="Connecteur droit 20">
+              <a:extLst>
+                <a:ext uri="{FF2B5EF4-FFF2-40B4-BE49-F238E27FC236}">
+                  <a16:creationId xmlns:a16="http://schemas.microsoft.com/office/drawing/2014/main" id="{52321BA6-0CFB-88D1-F3D5-B75DA2B77DFF}"/>
+                </a:ext>
+              </a:extLst>
+            </p:cNvPr>
+            <p:cNvCxnSpPr>
+              <a:cxnSpLocks/>
+              <a:stCxn id="43" idx="4"/>
+            </p:cNvCxnSpPr>
             <p:nvPr/>
           </p:nvCxnSpPr>
           <p:spPr>
-            <a:xfrm flipV="1">
-              <a:off x="971600" y="548680"/>
-              <a:ext cx="0" cy="1440160"/>
+            <a:xfrm>
+              <a:off x="2502283" y="3513708"/>
+              <a:ext cx="0" cy="142105"/>
             </a:xfrm>
             <a:prstGeom prst="line">
               <a:avLst/>
             </a:prstGeom>
+            <a:noFill/>
+            <a:ln w="28575">
+              <a:solidFill>
+                <a:schemeClr val="tx1"/>
+              </a:solidFill>
+            </a:ln>
+          </p:spPr>
+          <p:style>
+            <a:lnRef idx="2">
+              <a:schemeClr val="accent1">
+                <a:shade val="50000"/>
+              </a:schemeClr>
+            </a:lnRef>
+            <a:fillRef idx="1">
+              <a:schemeClr val="accent1"/>
+            </a:fillRef>
+            <a:effectRef idx="0">
+              <a:schemeClr val="accent1"/>
+            </a:effectRef>
+            <a:fontRef idx="minor">
+              <a:schemeClr val="lt1"/>
+            </a:fontRef>
+          </p:style>
+        </p:cxnSp>
+        <p:cxnSp>
+          <p:nvCxnSpPr>
+            <p:cNvPr id="22" name="Connecteur droit 21">
+              <a:extLst>
+                <a:ext uri="{FF2B5EF4-FFF2-40B4-BE49-F238E27FC236}">
+                  <a16:creationId xmlns:a16="http://schemas.microsoft.com/office/drawing/2014/main" id="{5B51A1CC-26A4-3BC2-D639-08D9F7860894}"/>
+                </a:ext>
+              </a:extLst>
+            </p:cNvPr>
+            <p:cNvCxnSpPr>
+              <a:cxnSpLocks/>
+            </p:cNvCxnSpPr>
+            <p:nvPr/>
+          </p:nvCxnSpPr>
+          <p:spPr>
+            <a:xfrm flipH="1">
+              <a:off x="2286259" y="3659633"/>
+              <a:ext cx="432048" cy="0"/>
+            </a:xfrm>
+            <a:prstGeom prst="line">
+              <a:avLst/>
+            </a:prstGeom>
+            <a:noFill/>
+            <a:ln w="28575">
+              <a:solidFill>
+                <a:schemeClr val="tx1"/>
+              </a:solidFill>
+            </a:ln>
+          </p:spPr>
+          <p:style>
+            <a:lnRef idx="2">
+              <a:schemeClr val="accent1">
+                <a:shade val="50000"/>
+              </a:schemeClr>
+            </a:lnRef>
+            <a:fillRef idx="1">
+              <a:schemeClr val="accent1"/>
+            </a:fillRef>
+            <a:effectRef idx="0">
+              <a:schemeClr val="accent1"/>
+            </a:effectRef>
+            <a:fontRef idx="minor">
+              <a:schemeClr val="lt1"/>
+            </a:fontRef>
+          </p:style>
+        </p:cxnSp>
+        <mc:AlternateContent xmlns:mc="http://schemas.openxmlformats.org/markup-compatibility/2006" xmlns:a14="http://schemas.microsoft.com/office/drawing/2010/main">
+          <mc:Choice Requires="a14">
+            <p:sp>
+              <p:nvSpPr>
+                <p:cNvPr id="23" name="ZoneTexte 22">
+                  <a:extLst>
+                    <a:ext uri="{FF2B5EF4-FFF2-40B4-BE49-F238E27FC236}">
+                      <a16:creationId xmlns:a16="http://schemas.microsoft.com/office/drawing/2014/main" id="{990B020E-E149-141F-9AE0-50EDBD37F615}"/>
+                    </a:ext>
+                  </a:extLst>
+                </p:cNvPr>
+                <p:cNvSpPr txBox="1"/>
+                <p:nvPr/>
+              </p:nvSpPr>
+              <p:spPr>
+                <a:xfrm>
+                  <a:off x="2270102" y="3350831"/>
+                  <a:ext cx="134524" cy="184666"/>
+                </a:xfrm>
+                <a:prstGeom prst="rect">
+                  <a:avLst/>
+                </a:prstGeom>
+                <a:noFill/>
+              </p:spPr>
+              <p:txBody>
+                <a:bodyPr wrap="none" lIns="0" tIns="0" rIns="0" bIns="0" rtlCol="0">
+                  <a:spAutoFit/>
+                </a:bodyPr>
+                <a:lstStyle/>
+                <a:p>
+                  <a:pPr/>
+                  <a14:m>
+                    <m:oMathPara xmlns:m="http://schemas.openxmlformats.org/officeDocument/2006/math">
+                      <m:oMathParaPr>
+                        <m:jc m:val="centerGroup"/>
+                      </m:oMathParaPr>
+                      <m:oMath xmlns:m="http://schemas.openxmlformats.org/officeDocument/2006/math">
+                        <m:r>
+                          <a:rPr lang="fr-FR" sz="1200" i="1">
+                            <a:latin typeface="Cambria Math" panose="02040503050406030204" pitchFamily="18" charset="0"/>
+                          </a:rPr>
+                          <m:t>𝐴</m:t>
+                        </m:r>
+                      </m:oMath>
+                    </m:oMathPara>
+                  </a14:m>
+                  <a:endParaRPr lang="fr-FR" sz="1200" dirty="0"/>
+                </a:p>
+              </p:txBody>
+            </p:sp>
+          </mc:Choice>
+          <mc:Fallback xmlns="">
+            <p:sp>
+              <p:nvSpPr>
+                <p:cNvPr id="23" name="ZoneTexte 22">
+                  <a:extLst>
+                    <a:ext uri="{FF2B5EF4-FFF2-40B4-BE49-F238E27FC236}">
+                      <a16:creationId xmlns:a16="http://schemas.microsoft.com/office/drawing/2014/main" id="{990B020E-E149-141F-9AE0-50EDBD37F615}"/>
+                    </a:ext>
+                  </a:extLst>
+                </p:cNvPr>
+                <p:cNvSpPr txBox="1">
+                  <a:spLocks noRot="1" noChangeAspect="1" noMove="1" noResize="1" noEditPoints="1" noAdjustHandles="1" noChangeArrowheads="1" noChangeShapeType="1" noTextEdit="1"/>
+                </p:cNvSpPr>
+                <p:nvPr/>
+              </p:nvSpPr>
+              <p:spPr>
+                <a:xfrm>
+                  <a:off x="2270102" y="3350831"/>
+                  <a:ext cx="134524" cy="184666"/>
+                </a:xfrm>
+                <a:prstGeom prst="rect">
+                  <a:avLst/>
+                </a:prstGeom>
+                <a:blipFill>
+                  <a:blip r:embed="rId8"/>
+                  <a:stretch>
+                    <a:fillRect l="-27273" r="-27273" b="-6667"/>
+                  </a:stretch>
+                </a:blipFill>
+              </p:spPr>
+              <p:txBody>
+                <a:bodyPr/>
+                <a:lstStyle/>
+                <a:p>
+                  <a:r>
+                    <a:rPr lang="fr-FR">
+                      <a:noFill/>
+                    </a:rPr>
+                    <a:t> </a:t>
+                  </a:r>
+                </a:p>
+              </p:txBody>
+            </p:sp>
+          </mc:Fallback>
+        </mc:AlternateContent>
+        <mc:AlternateContent xmlns:mc="http://schemas.openxmlformats.org/markup-compatibility/2006" xmlns:a14="http://schemas.microsoft.com/office/drawing/2010/main">
+          <mc:Choice Requires="a14">
+            <p:sp>
+              <p:nvSpPr>
+                <p:cNvPr id="24" name="ZoneTexte 23">
+                  <a:extLst>
+                    <a:ext uri="{FF2B5EF4-FFF2-40B4-BE49-F238E27FC236}">
+                      <a16:creationId xmlns:a16="http://schemas.microsoft.com/office/drawing/2014/main" id="{9699DBA2-D7B6-0D2A-B87E-5F21F259A154}"/>
+                    </a:ext>
+                  </a:extLst>
+                </p:cNvPr>
+                <p:cNvSpPr txBox="1"/>
+                <p:nvPr/>
+              </p:nvSpPr>
+              <p:spPr>
+                <a:xfrm>
+                  <a:off x="3851106" y="2328505"/>
+                  <a:ext cx="140359" cy="184666"/>
+                </a:xfrm>
+                <a:prstGeom prst="rect">
+                  <a:avLst/>
+                </a:prstGeom>
+                <a:noFill/>
+              </p:spPr>
+              <p:txBody>
+                <a:bodyPr wrap="none" lIns="0" tIns="0" rIns="0" bIns="0" rtlCol="0">
+                  <a:spAutoFit/>
+                </a:bodyPr>
+                <a:lstStyle/>
+                <a:p>
+                  <a:pPr/>
+                  <a14:m>
+                    <m:oMathPara xmlns:m="http://schemas.openxmlformats.org/officeDocument/2006/math">
+                      <m:oMathParaPr>
+                        <m:jc m:val="centerGroup"/>
+                      </m:oMathParaPr>
+                      <m:oMath xmlns:m="http://schemas.openxmlformats.org/officeDocument/2006/math">
+                        <m:r>
+                          <a:rPr lang="fr-FR" sz="1200" b="0" i="1" smtClean="0">
+                            <a:latin typeface="Cambria Math" panose="02040503050406030204" pitchFamily="18" charset="0"/>
+                          </a:rPr>
+                          <m:t>𝐵</m:t>
+                        </m:r>
+                      </m:oMath>
+                    </m:oMathPara>
+                  </a14:m>
+                  <a:endParaRPr lang="fr-FR" sz="1200" dirty="0"/>
+                </a:p>
+              </p:txBody>
+            </p:sp>
+          </mc:Choice>
+          <mc:Fallback xmlns="">
+            <p:sp>
+              <p:nvSpPr>
+                <p:cNvPr id="24" name="ZoneTexte 23">
+                  <a:extLst>
+                    <a:ext uri="{FF2B5EF4-FFF2-40B4-BE49-F238E27FC236}">
+                      <a16:creationId xmlns:a16="http://schemas.microsoft.com/office/drawing/2014/main" id="{9699DBA2-D7B6-0D2A-B87E-5F21F259A154}"/>
+                    </a:ext>
+                  </a:extLst>
+                </p:cNvPr>
+                <p:cNvSpPr txBox="1">
+                  <a:spLocks noRot="1" noChangeAspect="1" noMove="1" noResize="1" noEditPoints="1" noAdjustHandles="1" noChangeArrowheads="1" noChangeShapeType="1" noTextEdit="1"/>
+                </p:cNvSpPr>
+                <p:nvPr/>
+              </p:nvSpPr>
+              <p:spPr>
+                <a:xfrm>
+                  <a:off x="3851106" y="2328505"/>
+                  <a:ext cx="140359" cy="184666"/>
+                </a:xfrm>
+                <a:prstGeom prst="rect">
+                  <a:avLst/>
+                </a:prstGeom>
+                <a:blipFill>
+                  <a:blip r:embed="rId9"/>
+                  <a:stretch>
+                    <a:fillRect l="-26087" r="-21739" b="-6667"/>
+                  </a:stretch>
+                </a:blipFill>
+              </p:spPr>
+              <p:txBody>
+                <a:bodyPr/>
+                <a:lstStyle/>
+                <a:p>
+                  <a:r>
+                    <a:rPr lang="fr-FR">
+                      <a:noFill/>
+                    </a:rPr>
+                    <a:t> </a:t>
+                  </a:r>
+                </a:p>
+              </p:txBody>
+            </p:sp>
+          </mc:Fallback>
+        </mc:AlternateContent>
+        <p:sp>
+          <p:nvSpPr>
+            <p:cNvPr id="25" name="Ellipse 24">
+              <a:extLst>
+                <a:ext uri="{FF2B5EF4-FFF2-40B4-BE49-F238E27FC236}">
+                  <a16:creationId xmlns:a16="http://schemas.microsoft.com/office/drawing/2014/main" id="{08870124-3D5A-C994-1EA3-6A9D28C3E5C9}"/>
+                </a:ext>
+              </a:extLst>
+            </p:cNvPr>
+            <p:cNvSpPr/>
+            <p:nvPr/>
+          </p:nvSpPr>
+          <p:spPr>
+            <a:xfrm>
+              <a:off x="2405660" y="3805559"/>
+              <a:ext cx="180000" cy="180000"/>
+            </a:xfrm>
+            <a:prstGeom prst="ellipse">
+              <a:avLst/>
+            </a:prstGeom>
+            <a:noFill/>
             <a:ln w="19050">
+              <a:solidFill>
+                <a:schemeClr val="tx1"/>
+              </a:solidFill>
+            </a:ln>
+          </p:spPr>
+          <p:style>
+            <a:lnRef idx="2">
+              <a:schemeClr val="accent1">
+                <a:shade val="50000"/>
+              </a:schemeClr>
+            </a:lnRef>
+            <a:fillRef idx="1">
+              <a:schemeClr val="accent1"/>
+            </a:fillRef>
+            <a:effectRef idx="0">
+              <a:schemeClr val="accent1"/>
+            </a:effectRef>
+            <a:fontRef idx="minor">
+              <a:schemeClr val="lt1"/>
+            </a:fontRef>
+          </p:style>
+          <p:txBody>
+            <a:bodyPr rtlCol="0" anchor="ctr"/>
+            <a:lstStyle/>
+            <a:p>
+              <a:pPr algn="ctr"/>
+              <a:r>
+                <a:rPr lang="fr-FR" sz="1050" b="1" dirty="0">
+                  <a:solidFill>
+                    <a:schemeClr val="tx1"/>
+                  </a:solidFill>
+                </a:rPr>
+                <a:t>0</a:t>
+              </a:r>
+              <a:endParaRPr lang="fr-FR" sz="1400" b="1" dirty="0">
+                <a:solidFill>
+                  <a:schemeClr val="tx1"/>
+                </a:solidFill>
+              </a:endParaRPr>
+            </a:p>
+          </p:txBody>
+        </p:sp>
+        <p:sp>
+          <p:nvSpPr>
+            <p:cNvPr id="26" name="Ellipse 25">
+              <a:extLst>
+                <a:ext uri="{FF2B5EF4-FFF2-40B4-BE49-F238E27FC236}">
+                  <a16:creationId xmlns:a16="http://schemas.microsoft.com/office/drawing/2014/main" id="{402B02A3-DEF2-8480-9824-258B9D626BCC}"/>
+                </a:ext>
+              </a:extLst>
+            </p:cNvPr>
+            <p:cNvSpPr/>
+            <p:nvPr/>
+          </p:nvSpPr>
+          <p:spPr>
+            <a:xfrm>
+              <a:off x="2661653" y="2786044"/>
+              <a:ext cx="180000" cy="180000"/>
+            </a:xfrm>
+            <a:prstGeom prst="ellipse">
+              <a:avLst/>
+            </a:prstGeom>
+            <a:noFill/>
+            <a:ln w="19050">
+              <a:solidFill>
+                <a:srgbClr val="00547F"/>
+              </a:solidFill>
+            </a:ln>
+          </p:spPr>
+          <p:style>
+            <a:lnRef idx="2">
+              <a:schemeClr val="accent1">
+                <a:shade val="50000"/>
+              </a:schemeClr>
+            </a:lnRef>
+            <a:fillRef idx="1">
+              <a:schemeClr val="accent1"/>
+            </a:fillRef>
+            <a:effectRef idx="0">
+              <a:schemeClr val="accent1"/>
+            </a:effectRef>
+            <a:fontRef idx="minor">
+              <a:schemeClr val="lt1"/>
+            </a:fontRef>
+          </p:style>
+          <p:txBody>
+            <a:bodyPr rtlCol="0" anchor="ctr"/>
+            <a:lstStyle/>
+            <a:p>
+              <a:pPr algn="ctr"/>
+              <a:r>
+                <a:rPr lang="fr-FR" sz="1050" b="1" dirty="0">
+                  <a:solidFill>
+                    <a:srgbClr val="00547F"/>
+                  </a:solidFill>
+                </a:rPr>
+                <a:t>1</a:t>
+              </a:r>
+              <a:endParaRPr lang="fr-FR" sz="1400" b="1" dirty="0">
+                <a:solidFill>
+                  <a:srgbClr val="00547F"/>
+                </a:solidFill>
+              </a:endParaRPr>
+            </a:p>
+          </p:txBody>
+        </p:sp>
+        <p:grpSp>
+          <p:nvGrpSpPr>
+            <p:cNvPr id="27" name="Groupe 26">
+              <a:extLst>
+                <a:ext uri="{FF2B5EF4-FFF2-40B4-BE49-F238E27FC236}">
+                  <a16:creationId xmlns:a16="http://schemas.microsoft.com/office/drawing/2014/main" id="{CE4B36B6-12AA-1046-F2F5-4EF660C54FA0}"/>
+                </a:ext>
+              </a:extLst>
+            </p:cNvPr>
+            <p:cNvGrpSpPr/>
+            <p:nvPr/>
+          </p:nvGrpSpPr>
+          <p:grpSpPr>
+            <a:xfrm>
+              <a:off x="2498607" y="1989277"/>
+              <a:ext cx="1440160" cy="1440160"/>
+              <a:chOff x="971600" y="548680"/>
+              <a:chExt cx="1440160" cy="1440160"/>
+            </a:xfrm>
+          </p:grpSpPr>
+          <p:cxnSp>
+            <p:nvCxnSpPr>
+              <p:cNvPr id="28" name="Connecteur droit 27">
+                <a:extLst>
+                  <a:ext uri="{FF2B5EF4-FFF2-40B4-BE49-F238E27FC236}">
+                    <a16:creationId xmlns:a16="http://schemas.microsoft.com/office/drawing/2014/main" id="{82137E07-72D4-253A-D9E2-2A5DC2D63911}"/>
+                  </a:ext>
+                </a:extLst>
+              </p:cNvPr>
+              <p:cNvCxnSpPr/>
+              <p:nvPr/>
+            </p:nvCxnSpPr>
+            <p:spPr>
+              <a:xfrm flipV="1">
+                <a:off x="971600" y="548680"/>
+                <a:ext cx="0" cy="1440160"/>
+              </a:xfrm>
+              <a:prstGeom prst="line">
+                <a:avLst/>
+              </a:prstGeom>
+              <a:ln w="12700">
+                <a:solidFill>
+                  <a:schemeClr val="tx1"/>
+                </a:solidFill>
+                <a:tailEnd type="stealth" w="med" len="lg"/>
+              </a:ln>
+            </p:spPr>
+            <p:style>
+              <a:lnRef idx="1">
+                <a:schemeClr val="accent1"/>
+              </a:lnRef>
+              <a:fillRef idx="0">
+                <a:schemeClr val="accent1"/>
+              </a:fillRef>
+              <a:effectRef idx="0">
+                <a:schemeClr val="accent1"/>
+              </a:effectRef>
+              <a:fontRef idx="minor">
+                <a:schemeClr val="tx1"/>
+              </a:fontRef>
+            </p:style>
+          </p:cxnSp>
+          <p:cxnSp>
+            <p:nvCxnSpPr>
+              <p:cNvPr id="29" name="Connecteur droit 28">
+                <a:extLst>
+                  <a:ext uri="{FF2B5EF4-FFF2-40B4-BE49-F238E27FC236}">
+                    <a16:creationId xmlns:a16="http://schemas.microsoft.com/office/drawing/2014/main" id="{199CD405-302B-7F44-773D-D4F4F581C5BC}"/>
+                  </a:ext>
+                </a:extLst>
+              </p:cNvPr>
+              <p:cNvCxnSpPr>
+                <a:cxnSpLocks/>
+              </p:cNvCxnSpPr>
+              <p:nvPr/>
+            </p:nvCxnSpPr>
+            <p:spPr>
+              <a:xfrm rot="5400000" flipV="1">
+                <a:off x="1691680" y="1268760"/>
+                <a:ext cx="0" cy="1440160"/>
+              </a:xfrm>
+              <a:prstGeom prst="line">
+                <a:avLst/>
+              </a:prstGeom>
+              <a:ln w="12700">
+                <a:solidFill>
+                  <a:schemeClr val="tx1"/>
+                </a:solidFill>
+                <a:tailEnd type="stealth" w="med" len="lg"/>
+              </a:ln>
+            </p:spPr>
+            <p:style>
+              <a:lnRef idx="1">
+                <a:schemeClr val="accent1"/>
+              </a:lnRef>
+              <a:fillRef idx="0">
+                <a:schemeClr val="accent1"/>
+              </a:fillRef>
+              <a:effectRef idx="0">
+                <a:schemeClr val="accent1"/>
+              </a:effectRef>
+              <a:fontRef idx="minor">
+                <a:schemeClr val="tx1"/>
+              </a:fontRef>
+            </p:style>
+          </p:cxnSp>
+        </p:grpSp>
+        <mc:AlternateContent xmlns:mc="http://schemas.openxmlformats.org/markup-compatibility/2006" xmlns:a14="http://schemas.microsoft.com/office/drawing/2010/main">
+          <mc:Choice Requires="a14">
+            <p:sp>
+              <p:nvSpPr>
+                <p:cNvPr id="30" name="ZoneTexte 29">
+                  <a:extLst>
+                    <a:ext uri="{FF2B5EF4-FFF2-40B4-BE49-F238E27FC236}">
+                      <a16:creationId xmlns:a16="http://schemas.microsoft.com/office/drawing/2014/main" id="{619686FF-0D75-9987-E453-F6776263C614}"/>
+                    </a:ext>
+                  </a:extLst>
+                </p:cNvPr>
+                <p:cNvSpPr txBox="1"/>
+                <p:nvPr/>
+              </p:nvSpPr>
+              <p:spPr>
+                <a:xfrm>
+                  <a:off x="3952961" y="3306325"/>
+                  <a:ext cx="207301" cy="274434"/>
+                </a:xfrm>
+                <a:prstGeom prst="rect">
+                  <a:avLst/>
+                </a:prstGeom>
+                <a:noFill/>
+              </p:spPr>
+              <p:txBody>
+                <a:bodyPr wrap="none" lIns="0" tIns="0" rIns="0" bIns="0" rtlCol="0">
+                  <a:spAutoFit/>
+                </a:bodyPr>
+                <a:lstStyle/>
+                <a:p>
+                  <a:pPr/>
+                  <a14:m>
+                    <m:oMathPara xmlns:m="http://schemas.openxmlformats.org/officeDocument/2006/math">
+                      <m:oMathParaPr>
+                        <m:jc m:val="centerGroup"/>
+                      </m:oMathParaPr>
+                      <m:oMath xmlns:m="http://schemas.openxmlformats.org/officeDocument/2006/math">
+                        <m:acc>
+                          <m:accPr>
+                            <m:chr m:val="⃗"/>
+                            <m:ctrlPr>
+                              <a:rPr lang="fr-FR" sz="1600" i="1" smtClean="0">
+                                <a:latin typeface="Cambria Math" panose="02040503050406030204" pitchFamily="18" charset="0"/>
+                              </a:rPr>
+                            </m:ctrlPr>
+                          </m:accPr>
+                          <m:e>
+                            <m:sSub>
+                              <m:sSubPr>
+                                <m:ctrlPr>
+                                  <a:rPr lang="fr-FR" sz="1600" b="0" i="1" smtClean="0">
+                                    <a:latin typeface="Cambria Math" panose="02040503050406030204" pitchFamily="18" charset="0"/>
+                                  </a:rPr>
+                                </m:ctrlPr>
+                              </m:sSubPr>
+                              <m:e>
+                                <m:r>
+                                  <a:rPr lang="fr-FR" sz="1600" b="0" i="1" smtClean="0">
+                                    <a:latin typeface="Cambria Math" panose="02040503050406030204" pitchFamily="18" charset="0"/>
+                                  </a:rPr>
+                                  <m:t>𝑖</m:t>
+                                </m:r>
+                              </m:e>
+                              <m:sub>
+                                <m:r>
+                                  <a:rPr lang="fr-FR" sz="1600" b="0" i="1" smtClean="0">
+                                    <a:latin typeface="Cambria Math" panose="02040503050406030204" pitchFamily="18" charset="0"/>
+                                  </a:rPr>
+                                  <m:t>0</m:t>
+                                </m:r>
+                              </m:sub>
+                            </m:sSub>
+                          </m:e>
+                        </m:acc>
+                      </m:oMath>
+                    </m:oMathPara>
+                  </a14:m>
+                  <a:endParaRPr lang="fr-FR" sz="1600" dirty="0"/>
+                </a:p>
+              </p:txBody>
+            </p:sp>
+          </mc:Choice>
+          <mc:Fallback xmlns="">
+            <p:sp>
+              <p:nvSpPr>
+                <p:cNvPr id="30" name="ZoneTexte 29">
+                  <a:extLst>
+                    <a:ext uri="{FF2B5EF4-FFF2-40B4-BE49-F238E27FC236}">
+                      <a16:creationId xmlns:a16="http://schemas.microsoft.com/office/drawing/2014/main" id="{619686FF-0D75-9987-E453-F6776263C614}"/>
+                    </a:ext>
+                  </a:extLst>
+                </p:cNvPr>
+                <p:cNvSpPr txBox="1">
+                  <a:spLocks noRot="1" noChangeAspect="1" noMove="1" noResize="1" noEditPoints="1" noAdjustHandles="1" noChangeArrowheads="1" noChangeShapeType="1" noTextEdit="1"/>
+                </p:cNvSpPr>
+                <p:nvPr/>
+              </p:nvSpPr>
+              <p:spPr>
+                <a:xfrm>
+                  <a:off x="3952961" y="3306325"/>
+                  <a:ext cx="207301" cy="274434"/>
+                </a:xfrm>
+                <a:prstGeom prst="rect">
+                  <a:avLst/>
+                </a:prstGeom>
+                <a:blipFill>
+                  <a:blip r:embed="rId10"/>
+                  <a:stretch>
+                    <a:fillRect l="-20588" r="-5882" b="-13333"/>
+                  </a:stretch>
+                </a:blipFill>
+              </p:spPr>
+              <p:txBody>
+                <a:bodyPr/>
+                <a:lstStyle/>
+                <a:p>
+                  <a:r>
+                    <a:rPr lang="fr-FR">
+                      <a:noFill/>
+                    </a:rPr>
+                    <a:t> </a:t>
+                  </a:r>
+                </a:p>
+              </p:txBody>
+            </p:sp>
+          </mc:Fallback>
+        </mc:AlternateContent>
+        <mc:AlternateContent xmlns:mc="http://schemas.openxmlformats.org/markup-compatibility/2006" xmlns:a14="http://schemas.microsoft.com/office/drawing/2010/main">
+          <mc:Choice Requires="a14">
+            <p:sp>
+              <p:nvSpPr>
+                <p:cNvPr id="31" name="ZoneTexte 30">
+                  <a:extLst>
+                    <a:ext uri="{FF2B5EF4-FFF2-40B4-BE49-F238E27FC236}">
+                      <a16:creationId xmlns:a16="http://schemas.microsoft.com/office/drawing/2014/main" id="{6C141949-B89C-FC56-B0ED-79CDD66888E5}"/>
+                    </a:ext>
+                  </a:extLst>
+                </p:cNvPr>
+                <p:cNvSpPr txBox="1"/>
+                <p:nvPr/>
+              </p:nvSpPr>
+              <p:spPr>
+                <a:xfrm>
+                  <a:off x="2417545" y="1721608"/>
+                  <a:ext cx="208327" cy="274434"/>
+                </a:xfrm>
+                <a:prstGeom prst="rect">
+                  <a:avLst/>
+                </a:prstGeom>
+                <a:noFill/>
+              </p:spPr>
+              <p:txBody>
+                <a:bodyPr wrap="none" lIns="0" tIns="0" rIns="0" bIns="0" rtlCol="0">
+                  <a:spAutoFit/>
+                </a:bodyPr>
+                <a:lstStyle/>
+                <a:p>
+                  <a:pPr/>
+                  <a14:m>
+                    <m:oMathPara xmlns:m="http://schemas.openxmlformats.org/officeDocument/2006/math">
+                      <m:oMathParaPr>
+                        <m:jc m:val="centerGroup"/>
+                      </m:oMathParaPr>
+                      <m:oMath xmlns:m="http://schemas.openxmlformats.org/officeDocument/2006/math">
+                        <m:acc>
+                          <m:accPr>
+                            <m:chr m:val="⃗"/>
+                            <m:ctrlPr>
+                              <a:rPr lang="fr-FR" sz="1600" i="1" smtClean="0">
+                                <a:latin typeface="Cambria Math" panose="02040503050406030204" pitchFamily="18" charset="0"/>
+                              </a:rPr>
+                            </m:ctrlPr>
+                          </m:accPr>
+                          <m:e>
+                            <m:sSub>
+                              <m:sSubPr>
+                                <m:ctrlPr>
+                                  <a:rPr lang="fr-FR" sz="1600" b="0" i="1" smtClean="0">
+                                    <a:latin typeface="Cambria Math" panose="02040503050406030204" pitchFamily="18" charset="0"/>
+                                  </a:rPr>
+                                </m:ctrlPr>
+                              </m:sSubPr>
+                              <m:e>
+                                <m:r>
+                                  <a:rPr lang="fr-FR" sz="1600" b="0" i="1" smtClean="0">
+                                    <a:latin typeface="Cambria Math" panose="02040503050406030204" pitchFamily="18" charset="0"/>
+                                  </a:rPr>
+                                  <m:t>𝑗</m:t>
+                                </m:r>
+                              </m:e>
+                              <m:sub>
+                                <m:r>
+                                  <a:rPr lang="fr-FR" sz="1600" b="0" i="1" smtClean="0">
+                                    <a:latin typeface="Cambria Math" panose="02040503050406030204" pitchFamily="18" charset="0"/>
+                                  </a:rPr>
+                                  <m:t>0</m:t>
+                                </m:r>
+                              </m:sub>
+                            </m:sSub>
+                          </m:e>
+                        </m:acc>
+                      </m:oMath>
+                    </m:oMathPara>
+                  </a14:m>
+                  <a:endParaRPr lang="fr-FR" sz="1600" dirty="0"/>
+                </a:p>
+              </p:txBody>
+            </p:sp>
+          </mc:Choice>
+          <mc:Fallback xmlns="">
+            <p:sp>
+              <p:nvSpPr>
+                <p:cNvPr id="31" name="ZoneTexte 30">
+                  <a:extLst>
+                    <a:ext uri="{FF2B5EF4-FFF2-40B4-BE49-F238E27FC236}">
+                      <a16:creationId xmlns:a16="http://schemas.microsoft.com/office/drawing/2014/main" id="{6C141949-B89C-FC56-B0ED-79CDD66888E5}"/>
+                    </a:ext>
+                  </a:extLst>
+                </p:cNvPr>
+                <p:cNvSpPr txBox="1">
+                  <a:spLocks noRot="1" noChangeAspect="1" noMove="1" noResize="1" noEditPoints="1" noAdjustHandles="1" noChangeArrowheads="1" noChangeShapeType="1" noTextEdit="1"/>
+                </p:cNvSpPr>
+                <p:nvPr/>
+              </p:nvSpPr>
+              <p:spPr>
+                <a:xfrm>
+                  <a:off x="2417545" y="1721608"/>
+                  <a:ext cx="208327" cy="274434"/>
+                </a:xfrm>
+                <a:prstGeom prst="rect">
+                  <a:avLst/>
+                </a:prstGeom>
+                <a:blipFill>
+                  <a:blip r:embed="rId11"/>
+                  <a:stretch>
+                    <a:fillRect l="-31429" r="-5714" b="-28889"/>
+                  </a:stretch>
+                </a:blipFill>
+              </p:spPr>
+              <p:txBody>
+                <a:bodyPr/>
+                <a:lstStyle/>
+                <a:p>
+                  <a:r>
+                    <a:rPr lang="fr-FR">
+                      <a:noFill/>
+                    </a:rPr>
+                    <a:t> </a:t>
+                  </a:r>
+                </a:p>
+              </p:txBody>
+            </p:sp>
+          </mc:Fallback>
+        </mc:AlternateContent>
+        <mc:AlternateContent xmlns:mc="http://schemas.openxmlformats.org/markup-compatibility/2006" xmlns:a14="http://schemas.microsoft.com/office/drawing/2010/main">
+          <mc:Choice Requires="a14">
+            <p:sp>
+              <p:nvSpPr>
+                <p:cNvPr id="32" name="ZoneTexte 31">
+                  <a:extLst>
+                    <a:ext uri="{FF2B5EF4-FFF2-40B4-BE49-F238E27FC236}">
+                      <a16:creationId xmlns:a16="http://schemas.microsoft.com/office/drawing/2014/main" id="{020CFC53-95D7-D937-C9D5-038C1C1E6D5B}"/>
+                    </a:ext>
+                  </a:extLst>
+                </p:cNvPr>
+                <p:cNvSpPr txBox="1"/>
+                <p:nvPr/>
+              </p:nvSpPr>
+              <p:spPr>
+                <a:xfrm>
+                  <a:off x="4293216" y="1990328"/>
+                  <a:ext cx="202555" cy="274434"/>
+                </a:xfrm>
+                <a:prstGeom prst="rect">
+                  <a:avLst/>
+                </a:prstGeom>
+                <a:noFill/>
+              </p:spPr>
+              <p:txBody>
+                <a:bodyPr wrap="none" lIns="0" tIns="0" rIns="0" bIns="0" rtlCol="0">
+                  <a:spAutoFit/>
+                </a:bodyPr>
+                <a:lstStyle/>
+                <a:p>
+                  <a:pPr/>
+                  <a14:m>
+                    <m:oMathPara xmlns:m="http://schemas.openxmlformats.org/officeDocument/2006/math">
+                      <m:oMathParaPr>
+                        <m:jc m:val="centerGroup"/>
+                      </m:oMathParaPr>
+                      <m:oMath xmlns:m="http://schemas.openxmlformats.org/officeDocument/2006/math">
+                        <m:acc>
+                          <m:accPr>
+                            <m:chr m:val="⃗"/>
+                            <m:ctrlPr>
+                              <a:rPr lang="fr-FR" sz="1600" i="1" smtClean="0">
+                                <a:latin typeface="Cambria Math" panose="02040503050406030204" pitchFamily="18" charset="0"/>
+                              </a:rPr>
+                            </m:ctrlPr>
+                          </m:accPr>
+                          <m:e>
+                            <m:sSub>
+                              <m:sSubPr>
+                                <m:ctrlPr>
+                                  <a:rPr lang="fr-FR" sz="1600" i="1">
+                                    <a:latin typeface="Cambria Math" panose="02040503050406030204" pitchFamily="18" charset="0"/>
+                                  </a:rPr>
+                                </m:ctrlPr>
+                              </m:sSubPr>
+                              <m:e>
+                                <m:r>
+                                  <a:rPr lang="fr-FR" sz="1600" b="0" i="1" smtClean="0">
+                                    <a:latin typeface="Cambria Math" panose="02040503050406030204" pitchFamily="18" charset="0"/>
+                                  </a:rPr>
+                                  <m:t>𝑖</m:t>
+                                </m:r>
+                              </m:e>
+                              <m:sub>
+                                <m:r>
+                                  <a:rPr lang="fr-FR" sz="1600" i="1">
+                                    <a:latin typeface="Cambria Math" panose="02040503050406030204" pitchFamily="18" charset="0"/>
+                                  </a:rPr>
+                                  <m:t>1</m:t>
+                                </m:r>
+                              </m:sub>
+                            </m:sSub>
+                          </m:e>
+                        </m:acc>
+                      </m:oMath>
+                    </m:oMathPara>
+                  </a14:m>
+                  <a:endParaRPr lang="fr-FR" sz="1600" dirty="0"/>
+                </a:p>
+              </p:txBody>
+            </p:sp>
+          </mc:Choice>
+          <mc:Fallback xmlns="">
+            <p:sp>
+              <p:nvSpPr>
+                <p:cNvPr id="32" name="ZoneTexte 31">
+                  <a:extLst>
+                    <a:ext uri="{FF2B5EF4-FFF2-40B4-BE49-F238E27FC236}">
+                      <a16:creationId xmlns:a16="http://schemas.microsoft.com/office/drawing/2014/main" id="{020CFC53-95D7-D937-C9D5-038C1C1E6D5B}"/>
+                    </a:ext>
+                  </a:extLst>
+                </p:cNvPr>
+                <p:cNvSpPr txBox="1">
+                  <a:spLocks noRot="1" noChangeAspect="1" noMove="1" noResize="1" noEditPoints="1" noAdjustHandles="1" noChangeArrowheads="1" noChangeShapeType="1" noTextEdit="1"/>
+                </p:cNvSpPr>
+                <p:nvPr/>
+              </p:nvSpPr>
+              <p:spPr>
+                <a:xfrm>
+                  <a:off x="4293216" y="1990328"/>
+                  <a:ext cx="202555" cy="274434"/>
+                </a:xfrm>
+                <a:prstGeom prst="rect">
+                  <a:avLst/>
+                </a:prstGeom>
+                <a:blipFill>
+                  <a:blip r:embed="rId12"/>
+                  <a:stretch>
+                    <a:fillRect l="-21212" r="-6061" b="-13333"/>
+                  </a:stretch>
+                </a:blipFill>
+              </p:spPr>
+              <p:txBody>
+                <a:bodyPr/>
+                <a:lstStyle/>
+                <a:p>
+                  <a:r>
+                    <a:rPr lang="fr-FR">
+                      <a:noFill/>
+                    </a:rPr>
+                    <a:t> </a:t>
+                  </a:r>
+                </a:p>
+              </p:txBody>
+            </p:sp>
+          </mc:Fallback>
+        </mc:AlternateContent>
+        <p:sp>
+          <p:nvSpPr>
+            <p:cNvPr id="33" name="Ellipse 32">
+              <a:extLst>
+                <a:ext uri="{FF2B5EF4-FFF2-40B4-BE49-F238E27FC236}">
+                  <a16:creationId xmlns:a16="http://schemas.microsoft.com/office/drawing/2014/main" id="{7692D48F-3EBF-AE16-D396-5D54F6F09FCC}"/>
+                </a:ext>
+              </a:extLst>
+            </p:cNvPr>
+            <p:cNvSpPr/>
+            <p:nvPr/>
+          </p:nvSpPr>
+          <p:spPr>
+            <a:xfrm>
+              <a:off x="3481457" y="2475864"/>
+              <a:ext cx="180000" cy="180000"/>
+            </a:xfrm>
+            <a:prstGeom prst="ellipse">
+              <a:avLst/>
+            </a:prstGeom>
+            <a:noFill/>
+            <a:ln w="19050">
+              <a:solidFill>
+                <a:srgbClr val="EF7268"/>
+              </a:solidFill>
+            </a:ln>
+          </p:spPr>
+          <p:style>
+            <a:lnRef idx="2">
+              <a:schemeClr val="accent1">
+                <a:shade val="50000"/>
+              </a:schemeClr>
+            </a:lnRef>
+            <a:fillRef idx="1">
+              <a:schemeClr val="accent1"/>
+            </a:fillRef>
+            <a:effectRef idx="0">
+              <a:schemeClr val="accent1"/>
+            </a:effectRef>
+            <a:fontRef idx="minor">
+              <a:schemeClr val="lt1"/>
+            </a:fontRef>
+          </p:style>
+          <p:txBody>
+            <a:bodyPr rtlCol="0" anchor="ctr"/>
+            <a:lstStyle/>
+            <a:p>
+              <a:pPr algn="ctr"/>
+              <a:r>
+                <a:rPr lang="fr-FR" sz="1050" b="1" dirty="0">
+                  <a:solidFill>
+                    <a:srgbClr val="EF7268"/>
+                  </a:solidFill>
+                </a:rPr>
+                <a:t>2</a:t>
+              </a:r>
+              <a:endParaRPr lang="fr-FR" sz="1400" b="1" dirty="0">
+                <a:solidFill>
+                  <a:srgbClr val="EF7268"/>
+                </a:solidFill>
+              </a:endParaRPr>
+            </a:p>
+          </p:txBody>
+        </p:sp>
+        <p:cxnSp>
+          <p:nvCxnSpPr>
+            <p:cNvPr id="35" name="Connecteur droit 34">
+              <a:extLst>
+                <a:ext uri="{FF2B5EF4-FFF2-40B4-BE49-F238E27FC236}">
+                  <a16:creationId xmlns:a16="http://schemas.microsoft.com/office/drawing/2014/main" id="{1AC0486C-4A61-6335-67B5-3071D0E4F27E}"/>
+                </a:ext>
+              </a:extLst>
+            </p:cNvPr>
+            <p:cNvCxnSpPr>
+              <a:cxnSpLocks/>
+            </p:cNvCxnSpPr>
+            <p:nvPr/>
+          </p:nvCxnSpPr>
+          <p:spPr>
+            <a:xfrm rot="19800000">
+              <a:off x="3606293" y="2522298"/>
+              <a:ext cx="943354" cy="9480"/>
+            </a:xfrm>
+            <a:prstGeom prst="line">
+              <a:avLst/>
+            </a:prstGeom>
+            <a:ln w="12700">
               <a:solidFill>
                 <a:srgbClr val="00547F"/>
               </a:solidFill>
@@ -4701,12 +6964,178 @@
             </a:fontRef>
           </p:style>
         </p:cxnSp>
+        <p:grpSp>
+          <p:nvGrpSpPr>
+            <p:cNvPr id="36" name="Groupe 35">
+              <a:extLst>
+                <a:ext uri="{FF2B5EF4-FFF2-40B4-BE49-F238E27FC236}">
+                  <a16:creationId xmlns:a16="http://schemas.microsoft.com/office/drawing/2014/main" id="{B325EEAE-BF6E-2784-9DDC-EDF2C6E47879}"/>
+                </a:ext>
+              </a:extLst>
+            </p:cNvPr>
+            <p:cNvGrpSpPr/>
+            <p:nvPr/>
+          </p:nvGrpSpPr>
+          <p:grpSpPr>
+            <a:xfrm rot="19800000">
+              <a:off x="2402519" y="3065982"/>
+              <a:ext cx="847937" cy="162000"/>
+              <a:chOff x="2402883" y="1240730"/>
+              <a:chExt cx="847937" cy="162000"/>
+            </a:xfrm>
+          </p:grpSpPr>
+          <p:cxnSp>
+            <p:nvCxnSpPr>
+              <p:cNvPr id="40" name="Connecteur droit 39">
+                <a:extLst>
+                  <a:ext uri="{FF2B5EF4-FFF2-40B4-BE49-F238E27FC236}">
+                    <a16:creationId xmlns:a16="http://schemas.microsoft.com/office/drawing/2014/main" id="{C2A70529-A1C8-E159-DCFA-141F37C52789}"/>
+                  </a:ext>
+                </a:extLst>
+              </p:cNvPr>
+              <p:cNvCxnSpPr>
+                <a:cxnSpLocks/>
+                <a:endCxn id="39" idx="0"/>
+              </p:cNvCxnSpPr>
+              <p:nvPr/>
+            </p:nvCxnSpPr>
+            <p:spPr>
+              <a:xfrm>
+                <a:off x="3240700" y="1240732"/>
+                <a:ext cx="0" cy="72000"/>
+              </a:xfrm>
+              <a:prstGeom prst="line">
+                <a:avLst/>
+              </a:prstGeom>
+              <a:solidFill>
+                <a:srgbClr val="00B050"/>
+              </a:solidFill>
+              <a:ln w="28575">
+                <a:solidFill>
+                  <a:srgbClr val="00547F"/>
+                </a:solidFill>
+              </a:ln>
+            </p:spPr>
+            <p:style>
+              <a:lnRef idx="2">
+                <a:schemeClr val="accent1">
+                  <a:shade val="50000"/>
+                </a:schemeClr>
+              </a:lnRef>
+              <a:fillRef idx="1">
+                <a:schemeClr val="accent1"/>
+              </a:fillRef>
+              <a:effectRef idx="0">
+                <a:schemeClr val="accent1"/>
+              </a:effectRef>
+              <a:fontRef idx="minor">
+                <a:schemeClr val="lt1"/>
+              </a:fontRef>
+            </p:style>
+          </p:cxnSp>
+          <p:cxnSp>
+            <p:nvCxnSpPr>
+              <p:cNvPr id="41" name="Connecteur droit 40">
+                <a:extLst>
+                  <a:ext uri="{FF2B5EF4-FFF2-40B4-BE49-F238E27FC236}">
+                    <a16:creationId xmlns:a16="http://schemas.microsoft.com/office/drawing/2014/main" id="{C837939C-BD88-EB09-BBFB-47958AB62358}"/>
+                  </a:ext>
+                </a:extLst>
+              </p:cNvPr>
+              <p:cNvCxnSpPr>
+                <a:cxnSpLocks/>
+              </p:cNvCxnSpPr>
+              <p:nvPr/>
+            </p:nvCxnSpPr>
+            <p:spPr>
+              <a:xfrm>
+                <a:off x="2402883" y="1243214"/>
+                <a:ext cx="847937" cy="0"/>
+              </a:xfrm>
+              <a:prstGeom prst="line">
+                <a:avLst/>
+              </a:prstGeom>
+              <a:solidFill>
+                <a:srgbClr val="00B050"/>
+              </a:solidFill>
+              <a:ln w="28575">
+                <a:solidFill>
+                  <a:srgbClr val="00547F"/>
+                </a:solidFill>
+              </a:ln>
+            </p:spPr>
+            <p:style>
+              <a:lnRef idx="2">
+                <a:schemeClr val="accent1">
+                  <a:shade val="50000"/>
+                </a:schemeClr>
+              </a:lnRef>
+              <a:fillRef idx="1">
+                <a:schemeClr val="accent1"/>
+              </a:fillRef>
+              <a:effectRef idx="0">
+                <a:schemeClr val="accent1"/>
+              </a:effectRef>
+              <a:fontRef idx="minor">
+                <a:schemeClr val="lt1"/>
+              </a:fontRef>
+            </p:style>
+          </p:cxnSp>
+          <p:cxnSp>
+            <p:nvCxnSpPr>
+              <p:cNvPr id="42" name="Connecteur droit 41">
+                <a:extLst>
+                  <a:ext uri="{FF2B5EF4-FFF2-40B4-BE49-F238E27FC236}">
+                    <a16:creationId xmlns:a16="http://schemas.microsoft.com/office/drawing/2014/main" id="{AB14990D-45E4-E739-336D-E3B0BF6F6F3B}"/>
+                  </a:ext>
+                </a:extLst>
+              </p:cNvPr>
+              <p:cNvCxnSpPr>
+                <a:cxnSpLocks/>
+              </p:cNvCxnSpPr>
+              <p:nvPr/>
+            </p:nvCxnSpPr>
+            <p:spPr>
+              <a:xfrm>
+                <a:off x="2402883" y="1240730"/>
+                <a:ext cx="0" cy="162000"/>
+              </a:xfrm>
+              <a:prstGeom prst="line">
+                <a:avLst/>
+              </a:prstGeom>
+              <a:solidFill>
+                <a:srgbClr val="00B050"/>
+              </a:solidFill>
+              <a:ln w="28575">
+                <a:solidFill>
+                  <a:srgbClr val="00547F"/>
+                </a:solidFill>
+              </a:ln>
+            </p:spPr>
+            <p:style>
+              <a:lnRef idx="2">
+                <a:schemeClr val="accent1">
+                  <a:shade val="50000"/>
+                </a:schemeClr>
+              </a:lnRef>
+              <a:fillRef idx="1">
+                <a:schemeClr val="accent1"/>
+              </a:fillRef>
+              <a:effectRef idx="0">
+                <a:schemeClr val="accent1"/>
+              </a:effectRef>
+              <a:fontRef idx="minor">
+                <a:schemeClr val="lt1"/>
+              </a:fontRef>
+            </p:style>
+          </p:cxnSp>
+        </p:grpSp>
         <p:cxnSp>
           <p:nvCxnSpPr>
-            <p:cNvPr id="7" name="Connecteur droit 6">
+            <p:cNvPr id="37" name="Connecteur droit 36">
               <a:extLst>
                 <a:ext uri="{FF2B5EF4-FFF2-40B4-BE49-F238E27FC236}">
-                  <a16:creationId xmlns:a16="http://schemas.microsoft.com/office/drawing/2014/main" id="{8DEA9DFD-4E55-07F3-213F-DC852F42731E}"/>
+                  <a16:creationId xmlns:a16="http://schemas.microsoft.com/office/drawing/2014/main" id="{71836D76-A16C-3A91-699F-29042E105D93}"/>
                 </a:ext>
               </a:extLst>
             </p:cNvPr>
@@ -4716,2203 +7145,115 @@
             <p:nvPr/>
           </p:nvCxnSpPr>
           <p:spPr>
-            <a:xfrm rot="5400000" flipV="1">
-              <a:off x="1691680" y="1268760"/>
-              <a:ext cx="0" cy="1440160"/>
+            <a:xfrm rot="19800000" flipH="1">
+              <a:off x="2666156" y="2973417"/>
+              <a:ext cx="1258992" cy="0"/>
             </a:xfrm>
             <a:prstGeom prst="line">
               <a:avLst/>
             </a:prstGeom>
-            <a:ln w="19050">
+            <a:solidFill>
+              <a:srgbClr val="00B050"/>
+            </a:solidFill>
+            <a:ln w="28575">
               <a:solidFill>
-                <a:srgbClr val="00547F"/>
+                <a:srgbClr val="EF7268"/>
               </a:solidFill>
-              <a:tailEnd type="stealth" w="med" len="lg"/>
             </a:ln>
           </p:spPr>
           <p:style>
-            <a:lnRef idx="1">
-              <a:schemeClr val="accent1"/>
+            <a:lnRef idx="2">
+              <a:schemeClr val="accent1">
+                <a:shade val="50000"/>
+              </a:schemeClr>
             </a:lnRef>
-            <a:fillRef idx="0">
+            <a:fillRef idx="1">
               <a:schemeClr val="accent1"/>
             </a:fillRef>
             <a:effectRef idx="0">
               <a:schemeClr val="accent1"/>
             </a:effectRef>
             <a:fontRef idx="minor">
-              <a:schemeClr val="tx1"/>
+              <a:schemeClr val="lt1"/>
             </a:fontRef>
           </p:style>
         </p:cxnSp>
-      </p:grpSp>
-      <p:grpSp>
-        <p:nvGrpSpPr>
-          <p:cNvPr id="8" name="Groupe 7">
-            <a:extLst>
-              <a:ext uri="{FF2B5EF4-FFF2-40B4-BE49-F238E27FC236}">
-                <a16:creationId xmlns:a16="http://schemas.microsoft.com/office/drawing/2014/main" id="{2BA31FD6-915B-06A0-EC2D-03CF80280266}"/>
-              </a:ext>
-            </a:extLst>
-          </p:cNvPr>
-          <p:cNvGrpSpPr/>
-          <p:nvPr/>
-        </p:nvGrpSpPr>
-        <p:grpSpPr>
-          <a:xfrm>
-            <a:off x="6096139" y="1989277"/>
-            <a:ext cx="1440160" cy="1440160"/>
-            <a:chOff x="971600" y="548680"/>
-            <a:chExt cx="1440160" cy="1440160"/>
-          </a:xfrm>
-        </p:grpSpPr>
-        <p:cxnSp>
-          <p:nvCxnSpPr>
-            <p:cNvPr id="9" name="Connecteur droit 8">
+        <p:sp>
+          <p:nvSpPr>
+            <p:cNvPr id="38" name="Ellipse 37">
               <a:extLst>
                 <a:ext uri="{FF2B5EF4-FFF2-40B4-BE49-F238E27FC236}">
-                  <a16:creationId xmlns:a16="http://schemas.microsoft.com/office/drawing/2014/main" id="{ECAE08FD-B743-2CE8-7224-F281DF1E585C}"/>
+                  <a16:creationId xmlns:a16="http://schemas.microsoft.com/office/drawing/2014/main" id="{0EDC5B11-36C9-F539-224E-E2B7CE4A9D15}"/>
                 </a:ext>
               </a:extLst>
             </p:cNvPr>
-            <p:cNvCxnSpPr/>
+            <p:cNvSpPr/>
             <p:nvPr/>
-          </p:nvCxnSpPr>
+          </p:nvSpPr>
           <p:spPr>
-            <a:xfrm flipV="1">
-              <a:off x="971600" y="548680"/>
-              <a:ext cx="0" cy="1440160"/>
+            <a:xfrm rot="65633">
+              <a:off x="3815825" y="2530953"/>
+              <a:ext cx="180000" cy="180000"/>
             </a:xfrm>
-            <a:prstGeom prst="line">
+            <a:prstGeom prst="ellipse">
               <a:avLst/>
             </a:prstGeom>
-            <a:ln w="19050">
+            <a:solidFill>
+              <a:srgbClr val="EF7268"/>
+            </a:solidFill>
+            <a:ln w="28575">
               <a:solidFill>
-                <a:schemeClr val="tx1"/>
+                <a:srgbClr val="EF7268"/>
               </a:solidFill>
-              <a:tailEnd type="stealth" w="med" len="lg"/>
             </a:ln>
           </p:spPr>
           <p:style>
-            <a:lnRef idx="1">
-              <a:schemeClr val="accent1"/>
+            <a:lnRef idx="2">
+              <a:schemeClr val="accent1">
+                <a:shade val="50000"/>
+              </a:schemeClr>
             </a:lnRef>
-            <a:fillRef idx="0">
+            <a:fillRef idx="1">
               <a:schemeClr val="accent1"/>
             </a:fillRef>
             <a:effectRef idx="0">
               <a:schemeClr val="accent1"/>
             </a:effectRef>
             <a:fontRef idx="minor">
-              <a:schemeClr val="tx1"/>
+              <a:schemeClr val="lt1"/>
             </a:fontRef>
           </p:style>
-        </p:cxnSp>
-        <p:cxnSp>
-          <p:nvCxnSpPr>
-            <p:cNvPr id="10" name="Connecteur droit 9">
+          <p:txBody>
+            <a:bodyPr rtlCol="0" anchor="ctr"/>
+            <a:lstStyle/>
+            <a:p>
+              <a:pPr algn="ctr"/>
+              <a:endParaRPr lang="fr-FR" dirty="0"/>
+            </a:p>
+          </p:txBody>
+        </p:sp>
+        <p:sp>
+          <p:nvSpPr>
+            <p:cNvPr id="39" name="Rectangle 38">
               <a:extLst>
                 <a:ext uri="{FF2B5EF4-FFF2-40B4-BE49-F238E27FC236}">
-                  <a16:creationId xmlns:a16="http://schemas.microsoft.com/office/drawing/2014/main" id="{615C3BB0-B4F4-2200-BACD-F093694D922C}"/>
+                  <a16:creationId xmlns:a16="http://schemas.microsoft.com/office/drawing/2014/main" id="{5F8E3BE3-EAB3-1B0F-D716-15E52217957D}"/>
                 </a:ext>
               </a:extLst>
             </p:cNvPr>
-            <p:cNvCxnSpPr>
-              <a:cxnSpLocks/>
-            </p:cNvCxnSpPr>
+            <p:cNvSpPr/>
             <p:nvPr/>
-          </p:nvCxnSpPr>
+          </p:nvSpPr>
           <p:spPr>
-            <a:xfrm rot="5400000" flipV="1">
-              <a:off x="1691680" y="1268760"/>
-              <a:ext cx="0" cy="1440160"/>
+            <a:xfrm rot="19800000">
+              <a:off x="3056268" y="2917702"/>
+              <a:ext cx="360000" cy="180000"/>
             </a:xfrm>
-            <a:prstGeom prst="line">
-              <a:avLst/>
-            </a:prstGeom>
-            <a:ln w="19050">
-              <a:solidFill>
-                <a:schemeClr val="tx1"/>
-              </a:solidFill>
-              <a:tailEnd type="stealth" w="med" len="lg"/>
-            </a:ln>
-          </p:spPr>
-          <p:style>
-            <a:lnRef idx="1">
-              <a:schemeClr val="accent1"/>
-            </a:lnRef>
-            <a:fillRef idx="0">
-              <a:schemeClr val="accent1"/>
-            </a:fillRef>
-            <a:effectRef idx="0">
-              <a:schemeClr val="accent1"/>
-            </a:effectRef>
-            <a:fontRef idx="minor">
-              <a:schemeClr val="tx1"/>
-            </a:fontRef>
-          </p:style>
-        </p:cxnSp>
-      </p:grpSp>
-      <p:sp>
-        <p:nvSpPr>
-          <p:cNvPr id="11" name="Ellipse 10">
-            <a:extLst>
-              <a:ext uri="{FF2B5EF4-FFF2-40B4-BE49-F238E27FC236}">
-                <a16:creationId xmlns:a16="http://schemas.microsoft.com/office/drawing/2014/main" id="{3FC6C6D0-141D-B5B0-8297-70DA9EBD6600}"/>
-              </a:ext>
-            </a:extLst>
-          </p:cNvPr>
-          <p:cNvSpPr/>
-          <p:nvPr/>
-        </p:nvSpPr>
-        <p:spPr>
-          <a:xfrm>
-            <a:off x="5998149" y="3310125"/>
-            <a:ext cx="216000" cy="216000"/>
-          </a:xfrm>
-          <a:prstGeom prst="ellipse">
-            <a:avLst/>
-          </a:prstGeom>
-          <a:solidFill>
-            <a:schemeClr val="bg1"/>
-          </a:solidFill>
-          <a:ln w="19050">
-            <a:solidFill>
-              <a:schemeClr val="tx1"/>
-            </a:solidFill>
-          </a:ln>
-        </p:spPr>
-        <p:style>
-          <a:lnRef idx="2">
-            <a:schemeClr val="accent1">
-              <a:shade val="50000"/>
-            </a:schemeClr>
-          </a:lnRef>
-          <a:fillRef idx="1">
-            <a:schemeClr val="accent1"/>
-          </a:fillRef>
-          <a:effectRef idx="0">
-            <a:schemeClr val="accent1"/>
-          </a:effectRef>
-          <a:fontRef idx="minor">
-            <a:schemeClr val="lt1"/>
-          </a:fontRef>
-        </p:style>
-        <p:txBody>
-          <a:bodyPr rtlCol="0" anchor="ctr"/>
-          <a:lstStyle/>
-          <a:p>
-            <a:pPr algn="ctr"/>
-            <a:endParaRPr lang="fr-FR"/>
-          </a:p>
-        </p:txBody>
-      </p:sp>
-      <p:sp>
-        <p:nvSpPr>
-          <p:cNvPr id="12" name="Ellipse 11">
-            <a:extLst>
-              <a:ext uri="{FF2B5EF4-FFF2-40B4-BE49-F238E27FC236}">
-                <a16:creationId xmlns:a16="http://schemas.microsoft.com/office/drawing/2014/main" id="{1DBD1FC1-CEDB-3BEC-9C13-03D43B79E9C2}"/>
-              </a:ext>
-            </a:extLst>
-          </p:cNvPr>
-          <p:cNvSpPr/>
-          <p:nvPr/>
-        </p:nvSpPr>
-        <p:spPr>
-          <a:xfrm>
-            <a:off x="6070149" y="3382125"/>
-            <a:ext cx="72000" cy="72000"/>
-          </a:xfrm>
-          <a:prstGeom prst="ellipse">
-            <a:avLst/>
-          </a:prstGeom>
-          <a:solidFill>
-            <a:schemeClr val="tx1"/>
-          </a:solidFill>
-          <a:ln w="19050">
-            <a:solidFill>
-              <a:schemeClr val="tx1"/>
-            </a:solidFill>
-          </a:ln>
-        </p:spPr>
-        <p:style>
-          <a:lnRef idx="2">
-            <a:schemeClr val="accent1">
-              <a:shade val="50000"/>
-            </a:schemeClr>
-          </a:lnRef>
-          <a:fillRef idx="1">
-            <a:schemeClr val="accent1"/>
-          </a:fillRef>
-          <a:effectRef idx="0">
-            <a:schemeClr val="accent1"/>
-          </a:effectRef>
-          <a:fontRef idx="minor">
-            <a:schemeClr val="lt1"/>
-          </a:fontRef>
-        </p:style>
-        <p:txBody>
-          <a:bodyPr rtlCol="0" anchor="ctr"/>
-          <a:lstStyle/>
-          <a:p>
-            <a:pPr algn="ctr"/>
-            <a:endParaRPr lang="fr-FR"/>
-          </a:p>
-        </p:txBody>
-      </p:sp>
-      <p:sp>
-        <p:nvSpPr>
-          <p:cNvPr id="13" name="Arc 12">
-            <a:extLst>
-              <a:ext uri="{FF2B5EF4-FFF2-40B4-BE49-F238E27FC236}">
-                <a16:creationId xmlns:a16="http://schemas.microsoft.com/office/drawing/2014/main" id="{6E8C445C-9112-F736-6C64-32F0D2A9F74F}"/>
-              </a:ext>
-            </a:extLst>
-          </p:cNvPr>
-          <p:cNvSpPr/>
-          <p:nvPr/>
-        </p:nvSpPr>
-        <p:spPr>
-          <a:xfrm>
-            <a:off x="4944009" y="2277309"/>
-            <a:ext cx="2304258" cy="2304258"/>
-          </a:xfrm>
-          <a:prstGeom prst="arc">
-            <a:avLst>
-              <a:gd name="adj1" fmla="val 20716967"/>
-              <a:gd name="adj2" fmla="val 0"/>
-            </a:avLst>
-          </a:prstGeom>
-          <a:ln>
-            <a:solidFill>
-              <a:srgbClr val="00547F"/>
-            </a:solidFill>
-            <a:headEnd type="stealth" w="med" len="lg"/>
-          </a:ln>
-        </p:spPr>
-        <p:style>
-          <a:lnRef idx="1">
-            <a:schemeClr val="accent1"/>
-          </a:lnRef>
-          <a:fillRef idx="0">
-            <a:schemeClr val="accent1"/>
-          </a:fillRef>
-          <a:effectRef idx="0">
-            <a:schemeClr val="accent1"/>
-          </a:effectRef>
-          <a:fontRef idx="minor">
-            <a:schemeClr val="tx1"/>
-          </a:fontRef>
-        </p:style>
-        <p:txBody>
-          <a:bodyPr rtlCol="0" anchor="ctr"/>
-          <a:lstStyle/>
-          <a:p>
-            <a:pPr algn="ctr"/>
-            <a:endParaRPr lang="fr-FR"/>
-          </a:p>
-        </p:txBody>
-      </p:sp>
-      <mc:AlternateContent xmlns:mc="http://schemas.openxmlformats.org/markup-compatibility/2006" xmlns:a14="http://schemas.microsoft.com/office/drawing/2010/main">
-        <mc:Choice Requires="a14">
-          <p:sp>
-            <p:nvSpPr>
-              <p:cNvPr id="14" name="ZoneTexte 13">
-                <a:extLst>
-                  <a:ext uri="{FF2B5EF4-FFF2-40B4-BE49-F238E27FC236}">
-                    <a16:creationId xmlns:a16="http://schemas.microsoft.com/office/drawing/2014/main" id="{142044F6-627E-A588-3BEE-94A05046CD48}"/>
-                  </a:ext>
-                </a:extLst>
-              </p:cNvPr>
-              <p:cNvSpPr txBox="1"/>
-              <p:nvPr/>
-            </p:nvSpPr>
-            <p:spPr>
-              <a:xfrm>
-                <a:off x="7550493" y="3306325"/>
-                <a:ext cx="207301" cy="274434"/>
-              </a:xfrm>
-              <a:prstGeom prst="rect">
-                <a:avLst/>
-              </a:prstGeom>
-              <a:noFill/>
-            </p:spPr>
-            <p:txBody>
-              <a:bodyPr wrap="none" lIns="0" tIns="0" rIns="0" bIns="0" rtlCol="0">
-                <a:spAutoFit/>
-              </a:bodyPr>
-              <a:lstStyle/>
-              <a:p>
-                <a:pPr/>
-                <a14:m>
-                  <m:oMathPara xmlns:m="http://schemas.openxmlformats.org/officeDocument/2006/math">
-                    <m:oMathParaPr>
-                      <m:jc m:val="centerGroup"/>
-                    </m:oMathParaPr>
-                    <m:oMath xmlns:m="http://schemas.openxmlformats.org/officeDocument/2006/math">
-                      <m:acc>
-                        <m:accPr>
-                          <m:chr m:val="⃗"/>
-                          <m:ctrlPr>
-                            <a:rPr lang="fr-FR" sz="1600" i="1" smtClean="0">
-                              <a:latin typeface="Cambria Math" panose="02040503050406030204" pitchFamily="18" charset="0"/>
-                            </a:rPr>
-                          </m:ctrlPr>
-                        </m:accPr>
-                        <m:e>
-                          <m:sSub>
-                            <m:sSubPr>
-                              <m:ctrlPr>
-                                <a:rPr lang="fr-FR" sz="1600" b="0" i="1" smtClean="0">
-                                  <a:latin typeface="Cambria Math" panose="02040503050406030204" pitchFamily="18" charset="0"/>
-                                </a:rPr>
-                              </m:ctrlPr>
-                            </m:sSubPr>
-                            <m:e>
-                              <m:r>
-                                <a:rPr lang="fr-FR" sz="1600" b="0" i="1" smtClean="0">
-                                  <a:latin typeface="Cambria Math" panose="02040503050406030204" pitchFamily="18" charset="0"/>
-                                </a:rPr>
-                                <m:t>𝑖</m:t>
-                              </m:r>
-                            </m:e>
-                            <m:sub>
-                              <m:r>
-                                <a:rPr lang="fr-FR" sz="1600" b="0" i="1" smtClean="0">
-                                  <a:latin typeface="Cambria Math" panose="02040503050406030204" pitchFamily="18" charset="0"/>
-                                </a:rPr>
-                                <m:t>0</m:t>
-                              </m:r>
-                            </m:sub>
-                          </m:sSub>
-                        </m:e>
-                      </m:acc>
-                    </m:oMath>
-                  </m:oMathPara>
-                </a14:m>
-                <a:endParaRPr lang="fr-FR" sz="1600" dirty="0"/>
-              </a:p>
-            </p:txBody>
-          </p:sp>
-        </mc:Choice>
-        <mc:Fallback xmlns="">
-          <p:sp>
-            <p:nvSpPr>
-              <p:cNvPr id="14" name="ZoneTexte 13">
-                <a:extLst>
-                  <a:ext uri="{FF2B5EF4-FFF2-40B4-BE49-F238E27FC236}">
-                    <a16:creationId xmlns:a16="http://schemas.microsoft.com/office/drawing/2014/main" id="{142044F6-627E-A588-3BEE-94A05046CD48}"/>
-                  </a:ext>
-                </a:extLst>
-              </p:cNvPr>
-              <p:cNvSpPr txBox="1">
-                <a:spLocks noRot="1" noChangeAspect="1" noMove="1" noResize="1" noEditPoints="1" noAdjustHandles="1" noChangeArrowheads="1" noChangeShapeType="1" noTextEdit="1"/>
-              </p:cNvSpPr>
-              <p:nvPr/>
-            </p:nvSpPr>
-            <p:spPr>
-              <a:xfrm>
-                <a:off x="7550493" y="3306325"/>
-                <a:ext cx="207301" cy="274434"/>
-              </a:xfrm>
-              <a:prstGeom prst="rect">
-                <a:avLst/>
-              </a:prstGeom>
-              <a:blipFill>
-                <a:blip r:embed="rId2"/>
-                <a:stretch>
-                  <a:fillRect l="-23529" r="-5882" b="-13333"/>
-                </a:stretch>
-              </a:blipFill>
-            </p:spPr>
-            <p:txBody>
-              <a:bodyPr/>
-              <a:lstStyle/>
-              <a:p>
-                <a:r>
-                  <a:rPr lang="fr-FR">
-                    <a:noFill/>
-                  </a:rPr>
-                  <a:t> </a:t>
-                </a:r>
-              </a:p>
-            </p:txBody>
-          </p:sp>
-        </mc:Fallback>
-      </mc:AlternateContent>
-      <mc:AlternateContent xmlns:mc="http://schemas.openxmlformats.org/markup-compatibility/2006" xmlns:a14="http://schemas.microsoft.com/office/drawing/2010/main">
-        <mc:Choice Requires="a14">
-          <p:sp>
-            <p:nvSpPr>
-              <p:cNvPr id="15" name="ZoneTexte 14">
-                <a:extLst>
-                  <a:ext uri="{FF2B5EF4-FFF2-40B4-BE49-F238E27FC236}">
-                    <a16:creationId xmlns:a16="http://schemas.microsoft.com/office/drawing/2014/main" id="{C50AACF2-1C72-3DEF-1779-3BCD83C445A6}"/>
-                  </a:ext>
-                </a:extLst>
-              </p:cNvPr>
-              <p:cNvSpPr txBox="1"/>
-              <p:nvPr/>
-            </p:nvSpPr>
-            <p:spPr>
-              <a:xfrm>
-                <a:off x="6015077" y="1721608"/>
-                <a:ext cx="208327" cy="274434"/>
-              </a:xfrm>
-              <a:prstGeom prst="rect">
-                <a:avLst/>
-              </a:prstGeom>
-              <a:noFill/>
-            </p:spPr>
-            <p:txBody>
-              <a:bodyPr wrap="none" lIns="0" tIns="0" rIns="0" bIns="0" rtlCol="0">
-                <a:spAutoFit/>
-              </a:bodyPr>
-              <a:lstStyle/>
-              <a:p>
-                <a:pPr/>
-                <a14:m>
-                  <m:oMathPara xmlns:m="http://schemas.openxmlformats.org/officeDocument/2006/math">
-                    <m:oMathParaPr>
-                      <m:jc m:val="centerGroup"/>
-                    </m:oMathParaPr>
-                    <m:oMath xmlns:m="http://schemas.openxmlformats.org/officeDocument/2006/math">
-                      <m:acc>
-                        <m:accPr>
-                          <m:chr m:val="⃗"/>
-                          <m:ctrlPr>
-                            <a:rPr lang="fr-FR" sz="1600" i="1" smtClean="0">
-                              <a:latin typeface="Cambria Math" panose="02040503050406030204" pitchFamily="18" charset="0"/>
-                            </a:rPr>
-                          </m:ctrlPr>
-                        </m:accPr>
-                        <m:e>
-                          <m:sSub>
-                            <m:sSubPr>
-                              <m:ctrlPr>
-                                <a:rPr lang="fr-FR" sz="1600" b="0" i="1" smtClean="0">
-                                  <a:latin typeface="Cambria Math" panose="02040503050406030204" pitchFamily="18" charset="0"/>
-                                </a:rPr>
-                              </m:ctrlPr>
-                            </m:sSubPr>
-                            <m:e>
-                              <m:r>
-                                <a:rPr lang="fr-FR" sz="1600" b="0" i="1" smtClean="0">
-                                  <a:latin typeface="Cambria Math" panose="02040503050406030204" pitchFamily="18" charset="0"/>
-                                </a:rPr>
-                                <m:t>𝑗</m:t>
-                              </m:r>
-                            </m:e>
-                            <m:sub>
-                              <m:r>
-                                <a:rPr lang="fr-FR" sz="1600" b="0" i="1" smtClean="0">
-                                  <a:latin typeface="Cambria Math" panose="02040503050406030204" pitchFamily="18" charset="0"/>
-                                </a:rPr>
-                                <m:t>0</m:t>
-                              </m:r>
-                            </m:sub>
-                          </m:sSub>
-                        </m:e>
-                      </m:acc>
-                    </m:oMath>
-                  </m:oMathPara>
-                </a14:m>
-                <a:endParaRPr lang="fr-FR" sz="1600" dirty="0"/>
-              </a:p>
-            </p:txBody>
-          </p:sp>
-        </mc:Choice>
-        <mc:Fallback xmlns="">
-          <p:sp>
-            <p:nvSpPr>
-              <p:cNvPr id="15" name="ZoneTexte 14">
-                <a:extLst>
-                  <a:ext uri="{FF2B5EF4-FFF2-40B4-BE49-F238E27FC236}">
-                    <a16:creationId xmlns:a16="http://schemas.microsoft.com/office/drawing/2014/main" id="{C50AACF2-1C72-3DEF-1779-3BCD83C445A6}"/>
-                  </a:ext>
-                </a:extLst>
-              </p:cNvPr>
-              <p:cNvSpPr txBox="1">
-                <a:spLocks noRot="1" noChangeAspect="1" noMove="1" noResize="1" noEditPoints="1" noAdjustHandles="1" noChangeArrowheads="1" noChangeShapeType="1" noTextEdit="1"/>
-              </p:cNvSpPr>
-              <p:nvPr/>
-            </p:nvSpPr>
-            <p:spPr>
-              <a:xfrm>
-                <a:off x="6015077" y="1721608"/>
-                <a:ext cx="208327" cy="274434"/>
-              </a:xfrm>
-              <a:prstGeom prst="rect">
-                <a:avLst/>
-              </a:prstGeom>
-              <a:blipFill>
-                <a:blip r:embed="rId3"/>
-                <a:stretch>
-                  <a:fillRect l="-32353" r="-8824" b="-28889"/>
-                </a:stretch>
-              </a:blipFill>
-            </p:spPr>
-            <p:txBody>
-              <a:bodyPr/>
-              <a:lstStyle/>
-              <a:p>
-                <a:r>
-                  <a:rPr lang="fr-FR">
-                    <a:noFill/>
-                  </a:rPr>
-                  <a:t> </a:t>
-                </a:r>
-              </a:p>
-            </p:txBody>
-          </p:sp>
-        </mc:Fallback>
-      </mc:AlternateContent>
-      <mc:AlternateContent xmlns:mc="http://schemas.openxmlformats.org/markup-compatibility/2006" xmlns:a14="http://schemas.microsoft.com/office/drawing/2010/main">
-        <mc:Choice Requires="a14">
-          <p:sp>
-            <p:nvSpPr>
-              <p:cNvPr id="16" name="ZoneTexte 15">
-                <a:extLst>
-                  <a:ext uri="{FF2B5EF4-FFF2-40B4-BE49-F238E27FC236}">
-                    <a16:creationId xmlns:a16="http://schemas.microsoft.com/office/drawing/2014/main" id="{0FC720A2-9E99-D18B-004F-187199F2FD85}"/>
-                  </a:ext>
-                </a:extLst>
-              </p:cNvPr>
-              <p:cNvSpPr txBox="1"/>
-              <p:nvPr/>
-            </p:nvSpPr>
-            <p:spPr>
-              <a:xfrm>
-                <a:off x="6015077" y="3622813"/>
-                <a:ext cx="255391" cy="282641"/>
-              </a:xfrm>
-              <a:prstGeom prst="rect">
-                <a:avLst/>
-              </a:prstGeom>
-              <a:noFill/>
-            </p:spPr>
-            <p:txBody>
-              <a:bodyPr wrap="none" lIns="0" tIns="0" rIns="0" bIns="0" rtlCol="0">
-                <a:spAutoFit/>
-              </a:bodyPr>
-              <a:lstStyle/>
-              <a:p>
-                <a:pPr/>
-                <a14:m>
-                  <m:oMathPara xmlns:m="http://schemas.openxmlformats.org/officeDocument/2006/math">
-                    <m:oMathParaPr>
-                      <m:jc m:val="centerGroup"/>
-                    </m:oMathParaPr>
-                    <m:oMath xmlns:m="http://schemas.openxmlformats.org/officeDocument/2006/math">
-                      <m:acc>
-                        <m:accPr>
-                          <m:chr m:val="⃗"/>
-                          <m:ctrlPr>
-                            <a:rPr lang="fr-FR" sz="1600" i="1" smtClean="0">
-                              <a:latin typeface="Cambria Math" panose="02040503050406030204" pitchFamily="18" charset="0"/>
-                            </a:rPr>
-                          </m:ctrlPr>
-                        </m:accPr>
-                        <m:e>
-                          <m:sSub>
-                            <m:sSubPr>
-                              <m:ctrlPr>
-                                <a:rPr lang="fr-FR" sz="1600" b="0" i="1" smtClean="0">
-                                  <a:latin typeface="Cambria Math" panose="02040503050406030204" pitchFamily="18" charset="0"/>
-                                </a:rPr>
-                              </m:ctrlPr>
-                            </m:sSubPr>
-                            <m:e>
-                              <m:r>
-                                <a:rPr lang="fr-FR" sz="1600" b="0" i="1" smtClean="0">
-                                  <a:latin typeface="Cambria Math" panose="02040503050406030204" pitchFamily="18" charset="0"/>
-                                </a:rPr>
-                                <m:t>𝑘</m:t>
-                              </m:r>
-                            </m:e>
-                            <m:sub>
-                              <m:r>
-                                <a:rPr lang="fr-FR" sz="1600" b="0" i="1" smtClean="0">
-                                  <a:latin typeface="Cambria Math" panose="02040503050406030204" pitchFamily="18" charset="0"/>
-                                </a:rPr>
-                                <m:t>0</m:t>
-                              </m:r>
-                            </m:sub>
-                          </m:sSub>
-                        </m:e>
-                      </m:acc>
-                    </m:oMath>
-                  </m:oMathPara>
-                </a14:m>
-                <a:endParaRPr lang="fr-FR" sz="1600" dirty="0"/>
-              </a:p>
-            </p:txBody>
-          </p:sp>
-        </mc:Choice>
-        <mc:Fallback xmlns="">
-          <p:sp>
-            <p:nvSpPr>
-              <p:cNvPr id="16" name="ZoneTexte 15">
-                <a:extLst>
-                  <a:ext uri="{FF2B5EF4-FFF2-40B4-BE49-F238E27FC236}">
-                    <a16:creationId xmlns:a16="http://schemas.microsoft.com/office/drawing/2014/main" id="{0FC720A2-9E99-D18B-004F-187199F2FD85}"/>
-                  </a:ext>
-                </a:extLst>
-              </p:cNvPr>
-              <p:cNvSpPr txBox="1">
-                <a:spLocks noRot="1" noChangeAspect="1" noMove="1" noResize="1" noEditPoints="1" noAdjustHandles="1" noChangeArrowheads="1" noChangeShapeType="1" noTextEdit="1"/>
-              </p:cNvSpPr>
-              <p:nvPr/>
-            </p:nvSpPr>
-            <p:spPr>
-              <a:xfrm>
-                <a:off x="6015077" y="3622813"/>
-                <a:ext cx="255391" cy="282641"/>
-              </a:xfrm>
-              <a:prstGeom prst="rect">
-                <a:avLst/>
-              </a:prstGeom>
-              <a:blipFill>
-                <a:blip r:embed="rId4"/>
-                <a:stretch>
-                  <a:fillRect l="-19048" r="-4762" b="-10638"/>
-                </a:stretch>
-              </a:blipFill>
-            </p:spPr>
-            <p:txBody>
-              <a:bodyPr/>
-              <a:lstStyle/>
-              <a:p>
-                <a:r>
-                  <a:rPr lang="fr-FR">
-                    <a:noFill/>
-                  </a:rPr>
-                  <a:t> </a:t>
-                </a:r>
-              </a:p>
-            </p:txBody>
-          </p:sp>
-        </mc:Fallback>
-      </mc:AlternateContent>
-      <mc:AlternateContent xmlns:mc="http://schemas.openxmlformats.org/markup-compatibility/2006" xmlns:a14="http://schemas.microsoft.com/office/drawing/2010/main">
-        <mc:Choice Requires="a14">
-          <p:sp>
-            <p:nvSpPr>
-              <p:cNvPr id="17" name="ZoneTexte 16">
-                <a:extLst>
-                  <a:ext uri="{FF2B5EF4-FFF2-40B4-BE49-F238E27FC236}">
-                    <a16:creationId xmlns:a16="http://schemas.microsoft.com/office/drawing/2014/main" id="{F573D01C-276A-989C-8961-19F79A2A26C5}"/>
-                  </a:ext>
-                </a:extLst>
-              </p:cNvPr>
-              <p:cNvSpPr txBox="1"/>
-              <p:nvPr/>
-            </p:nvSpPr>
-            <p:spPr>
-              <a:xfrm>
-                <a:off x="7270806" y="3181145"/>
-                <a:ext cx="126317" cy="184666"/>
-              </a:xfrm>
-              <a:prstGeom prst="rect">
-                <a:avLst/>
-              </a:prstGeom>
-              <a:noFill/>
-            </p:spPr>
-            <p:txBody>
-              <a:bodyPr wrap="none" lIns="0" tIns="0" rIns="0" bIns="0" rtlCol="0">
-                <a:spAutoFit/>
-              </a:bodyPr>
-              <a:lstStyle/>
-              <a:p>
-                <a:pPr/>
-                <a14:m>
-                  <m:oMathPara xmlns:m="http://schemas.openxmlformats.org/officeDocument/2006/math">
-                    <m:oMathParaPr>
-                      <m:jc m:val="centerGroup"/>
-                    </m:oMathParaPr>
-                    <m:oMath xmlns:m="http://schemas.openxmlformats.org/officeDocument/2006/math">
-                      <m:r>
-                        <a:rPr lang="fr-FR" sz="1200" i="1">
-                          <a:latin typeface="Cambria Math" panose="02040503050406030204" pitchFamily="18" charset="0"/>
-                        </a:rPr>
-                        <m:t>𝜃</m:t>
-                      </m:r>
-                    </m:oMath>
-                  </m:oMathPara>
-                </a14:m>
-                <a:endParaRPr lang="fr-FR" sz="1200" dirty="0"/>
-              </a:p>
-            </p:txBody>
-          </p:sp>
-        </mc:Choice>
-        <mc:Fallback xmlns="">
-          <p:sp>
-            <p:nvSpPr>
-              <p:cNvPr id="17" name="ZoneTexte 16">
-                <a:extLst>
-                  <a:ext uri="{FF2B5EF4-FFF2-40B4-BE49-F238E27FC236}">
-                    <a16:creationId xmlns:a16="http://schemas.microsoft.com/office/drawing/2014/main" id="{F573D01C-276A-989C-8961-19F79A2A26C5}"/>
-                  </a:ext>
-                </a:extLst>
-              </p:cNvPr>
-              <p:cNvSpPr txBox="1">
-                <a:spLocks noRot="1" noChangeAspect="1" noMove="1" noResize="1" noEditPoints="1" noAdjustHandles="1" noChangeArrowheads="1" noChangeShapeType="1" noTextEdit="1"/>
-              </p:cNvSpPr>
-              <p:nvPr/>
-            </p:nvSpPr>
-            <p:spPr>
-              <a:xfrm>
-                <a:off x="7270806" y="3181145"/>
-                <a:ext cx="126317" cy="184666"/>
-              </a:xfrm>
-              <a:prstGeom prst="rect">
-                <a:avLst/>
-              </a:prstGeom>
-              <a:blipFill>
-                <a:blip r:embed="rId5"/>
-                <a:stretch>
-                  <a:fillRect l="-30000" r="-30000" b="-6667"/>
-                </a:stretch>
-              </a:blipFill>
-            </p:spPr>
-            <p:txBody>
-              <a:bodyPr/>
-              <a:lstStyle/>
-              <a:p>
-                <a:r>
-                  <a:rPr lang="fr-FR">
-                    <a:noFill/>
-                  </a:rPr>
-                  <a:t> </a:t>
-                </a:r>
-              </a:p>
-            </p:txBody>
-          </p:sp>
-        </mc:Fallback>
-      </mc:AlternateContent>
-      <mc:AlternateContent xmlns:mc="http://schemas.openxmlformats.org/markup-compatibility/2006" xmlns:a14="http://schemas.microsoft.com/office/drawing/2010/main">
-        <mc:Choice Requires="a14">
-          <p:sp>
-            <p:nvSpPr>
-              <p:cNvPr id="18" name="ZoneTexte 17">
-                <a:extLst>
-                  <a:ext uri="{FF2B5EF4-FFF2-40B4-BE49-F238E27FC236}">
-                    <a16:creationId xmlns:a16="http://schemas.microsoft.com/office/drawing/2014/main" id="{567151A2-551A-05C5-445D-B544B9165B3B}"/>
-                  </a:ext>
-                </a:extLst>
-              </p:cNvPr>
-              <p:cNvSpPr txBox="1"/>
-              <p:nvPr/>
-            </p:nvSpPr>
-            <p:spPr>
-              <a:xfrm>
-                <a:off x="7541731" y="2898848"/>
-                <a:ext cx="202555" cy="274434"/>
-              </a:xfrm>
-              <a:prstGeom prst="rect">
-                <a:avLst/>
-              </a:prstGeom>
-              <a:noFill/>
-            </p:spPr>
-            <p:txBody>
-              <a:bodyPr wrap="none" lIns="0" tIns="0" rIns="0" bIns="0" rtlCol="0">
-                <a:spAutoFit/>
-              </a:bodyPr>
-              <a:lstStyle/>
-              <a:p>
-                <a:pPr/>
-                <a14:m>
-                  <m:oMathPara xmlns:m="http://schemas.openxmlformats.org/officeDocument/2006/math">
-                    <m:oMathParaPr>
-                      <m:jc m:val="centerGroup"/>
-                    </m:oMathParaPr>
-                    <m:oMath xmlns:m="http://schemas.openxmlformats.org/officeDocument/2006/math">
-                      <m:acc>
-                        <m:accPr>
-                          <m:chr m:val="⃗"/>
-                          <m:ctrlPr>
-                            <a:rPr lang="fr-FR" sz="1600" i="1" smtClean="0">
-                              <a:latin typeface="Cambria Math" panose="02040503050406030204" pitchFamily="18" charset="0"/>
-                            </a:rPr>
-                          </m:ctrlPr>
-                        </m:accPr>
-                        <m:e>
-                          <m:sSub>
-                            <m:sSubPr>
-                              <m:ctrlPr>
-                                <a:rPr lang="fr-FR" sz="1600" i="1">
-                                  <a:latin typeface="Cambria Math" panose="02040503050406030204" pitchFamily="18" charset="0"/>
-                                </a:rPr>
-                              </m:ctrlPr>
-                            </m:sSubPr>
-                            <m:e>
-                              <m:r>
-                                <a:rPr lang="fr-FR" sz="1600" b="0" i="1" smtClean="0">
-                                  <a:latin typeface="Cambria Math" panose="02040503050406030204" pitchFamily="18" charset="0"/>
-                                </a:rPr>
-                                <m:t>𝑖</m:t>
-                              </m:r>
-                            </m:e>
-                            <m:sub>
-                              <m:r>
-                                <a:rPr lang="fr-FR" sz="1600" i="1">
-                                  <a:latin typeface="Cambria Math" panose="02040503050406030204" pitchFamily="18" charset="0"/>
-                                </a:rPr>
-                                <m:t>1</m:t>
-                              </m:r>
-                            </m:sub>
-                          </m:sSub>
-                        </m:e>
-                      </m:acc>
-                    </m:oMath>
-                  </m:oMathPara>
-                </a14:m>
-                <a:endParaRPr lang="fr-FR" sz="1600" dirty="0"/>
-              </a:p>
-            </p:txBody>
-          </p:sp>
-        </mc:Choice>
-        <mc:Fallback xmlns="">
-          <p:sp>
-            <p:nvSpPr>
-              <p:cNvPr id="18" name="ZoneTexte 17">
-                <a:extLst>
-                  <a:ext uri="{FF2B5EF4-FFF2-40B4-BE49-F238E27FC236}">
-                    <a16:creationId xmlns:a16="http://schemas.microsoft.com/office/drawing/2014/main" id="{567151A2-551A-05C5-445D-B544B9165B3B}"/>
-                  </a:ext>
-                </a:extLst>
-              </p:cNvPr>
-              <p:cNvSpPr txBox="1">
-                <a:spLocks noRot="1" noChangeAspect="1" noMove="1" noResize="1" noEditPoints="1" noAdjustHandles="1" noChangeArrowheads="1" noChangeShapeType="1" noTextEdit="1"/>
-              </p:cNvSpPr>
-              <p:nvPr/>
-            </p:nvSpPr>
-            <p:spPr>
-              <a:xfrm>
-                <a:off x="7541731" y="2898848"/>
-                <a:ext cx="202555" cy="274434"/>
-              </a:xfrm>
-              <a:prstGeom prst="rect">
-                <a:avLst/>
-              </a:prstGeom>
-              <a:blipFill>
-                <a:blip r:embed="rId6"/>
-                <a:stretch>
-                  <a:fillRect l="-21212" r="-6061" b="-13333"/>
-                </a:stretch>
-              </a:blipFill>
-            </p:spPr>
-            <p:txBody>
-              <a:bodyPr/>
-              <a:lstStyle/>
-              <a:p>
-                <a:r>
-                  <a:rPr lang="fr-FR">
-                    <a:noFill/>
-                  </a:rPr>
-                  <a:t> </a:t>
-                </a:r>
-              </a:p>
-            </p:txBody>
-          </p:sp>
-        </mc:Fallback>
-      </mc:AlternateContent>
-      <mc:AlternateContent xmlns:mc="http://schemas.openxmlformats.org/markup-compatibility/2006" xmlns:a14="http://schemas.microsoft.com/office/drawing/2010/main">
-        <mc:Choice Requires="a14">
-          <p:sp>
-            <p:nvSpPr>
-              <p:cNvPr id="19" name="ZoneTexte 18">
-                <a:extLst>
-                  <a:ext uri="{FF2B5EF4-FFF2-40B4-BE49-F238E27FC236}">
-                    <a16:creationId xmlns:a16="http://schemas.microsoft.com/office/drawing/2014/main" id="{3F4D728A-9646-06EE-62A0-58375971ACB1}"/>
-                  </a:ext>
-                </a:extLst>
-              </p:cNvPr>
-              <p:cNvSpPr txBox="1"/>
-              <p:nvPr/>
-            </p:nvSpPr>
-            <p:spPr>
-              <a:xfrm>
-                <a:off x="5661055" y="1721608"/>
-                <a:ext cx="203581" cy="274434"/>
-              </a:xfrm>
-              <a:prstGeom prst="rect">
-                <a:avLst/>
-              </a:prstGeom>
-              <a:noFill/>
-            </p:spPr>
-            <p:txBody>
-              <a:bodyPr wrap="none" lIns="0" tIns="0" rIns="0" bIns="0" rtlCol="0">
-                <a:spAutoFit/>
-              </a:bodyPr>
-              <a:lstStyle/>
-              <a:p>
-                <a:pPr/>
-                <a14:m>
-                  <m:oMathPara xmlns:m="http://schemas.openxmlformats.org/officeDocument/2006/math">
-                    <m:oMathParaPr>
-                      <m:jc m:val="centerGroup"/>
-                    </m:oMathParaPr>
-                    <m:oMath xmlns:m="http://schemas.openxmlformats.org/officeDocument/2006/math">
-                      <m:acc>
-                        <m:accPr>
-                          <m:chr m:val="⃗"/>
-                          <m:ctrlPr>
-                            <a:rPr lang="fr-FR" sz="1600" i="1" smtClean="0">
-                              <a:latin typeface="Cambria Math" panose="02040503050406030204" pitchFamily="18" charset="0"/>
-                            </a:rPr>
-                          </m:ctrlPr>
-                        </m:accPr>
-                        <m:e>
-                          <m:sSub>
-                            <m:sSubPr>
-                              <m:ctrlPr>
-                                <a:rPr lang="fr-FR" sz="1600" i="1">
-                                  <a:latin typeface="Cambria Math" panose="02040503050406030204" pitchFamily="18" charset="0"/>
-                                </a:rPr>
-                              </m:ctrlPr>
-                            </m:sSubPr>
-                            <m:e>
-                              <m:r>
-                                <a:rPr lang="fr-FR" sz="1600" b="0" i="1" smtClean="0">
-                                  <a:latin typeface="Cambria Math" panose="02040503050406030204" pitchFamily="18" charset="0"/>
-                                </a:rPr>
-                                <m:t>𝑗</m:t>
-                              </m:r>
-                            </m:e>
-                            <m:sub>
-                              <m:r>
-                                <a:rPr lang="fr-FR" sz="1600" i="1">
-                                  <a:latin typeface="Cambria Math" panose="02040503050406030204" pitchFamily="18" charset="0"/>
-                                </a:rPr>
-                                <m:t>1</m:t>
-                              </m:r>
-                            </m:sub>
-                          </m:sSub>
-                        </m:e>
-                      </m:acc>
-                    </m:oMath>
-                  </m:oMathPara>
-                </a14:m>
-                <a:endParaRPr lang="fr-FR" sz="1600" dirty="0"/>
-              </a:p>
-            </p:txBody>
-          </p:sp>
-        </mc:Choice>
-        <mc:Fallback xmlns="">
-          <p:sp>
-            <p:nvSpPr>
-              <p:cNvPr id="19" name="ZoneTexte 18">
-                <a:extLst>
-                  <a:ext uri="{FF2B5EF4-FFF2-40B4-BE49-F238E27FC236}">
-                    <a16:creationId xmlns:a16="http://schemas.microsoft.com/office/drawing/2014/main" id="{3F4D728A-9646-06EE-62A0-58375971ACB1}"/>
-                  </a:ext>
-                </a:extLst>
-              </p:cNvPr>
-              <p:cNvSpPr txBox="1">
-                <a:spLocks noRot="1" noChangeAspect="1" noMove="1" noResize="1" noEditPoints="1" noAdjustHandles="1" noChangeArrowheads="1" noChangeShapeType="1" noTextEdit="1"/>
-              </p:cNvSpPr>
-              <p:nvPr/>
-            </p:nvSpPr>
-            <p:spPr>
-              <a:xfrm>
-                <a:off x="5661055" y="1721608"/>
-                <a:ext cx="203581" cy="274434"/>
-              </a:xfrm>
-              <a:prstGeom prst="rect">
-                <a:avLst/>
-              </a:prstGeom>
-              <a:blipFill>
-                <a:blip r:embed="rId7"/>
-                <a:stretch>
-                  <a:fillRect l="-33333" r="-9091" b="-28889"/>
-                </a:stretch>
-              </a:blipFill>
-            </p:spPr>
-            <p:txBody>
-              <a:bodyPr/>
-              <a:lstStyle/>
-              <a:p>
-                <a:r>
-                  <a:rPr lang="fr-FR">
-                    <a:noFill/>
-                  </a:rPr>
-                  <a:t> </a:t>
-                </a:r>
-              </a:p>
-            </p:txBody>
-          </p:sp>
-        </mc:Fallback>
-      </mc:AlternateContent>
-      <p:sp>
-        <p:nvSpPr>
-          <p:cNvPr id="20" name="Forme libre : forme 19">
-            <a:extLst>
-              <a:ext uri="{FF2B5EF4-FFF2-40B4-BE49-F238E27FC236}">
-                <a16:creationId xmlns:a16="http://schemas.microsoft.com/office/drawing/2014/main" id="{0DE24122-C031-D031-9189-16826C7198B5}"/>
-              </a:ext>
-            </a:extLst>
-          </p:cNvPr>
-          <p:cNvSpPr/>
-          <p:nvPr/>
-        </p:nvSpPr>
-        <p:spPr>
-          <a:xfrm>
-            <a:off x="2302852" y="3655813"/>
-            <a:ext cx="415449" cy="145926"/>
-          </a:xfrm>
-          <a:custGeom>
-            <a:avLst/>
-            <a:gdLst>
-              <a:gd name="connsiteX0" fmla="*/ 0 w 400050"/>
-              <a:gd name="connsiteY0" fmla="*/ 6350 h 134622"/>
-              <a:gd name="connsiteX1" fmla="*/ 63500 w 400050"/>
-              <a:gd name="connsiteY1" fmla="*/ 114300 h 134622"/>
-              <a:gd name="connsiteX2" fmla="*/ 203200 w 400050"/>
-              <a:gd name="connsiteY2" fmla="*/ 69850 h 134622"/>
-              <a:gd name="connsiteX3" fmla="*/ 304800 w 400050"/>
-              <a:gd name="connsiteY3" fmla="*/ 133350 h 134622"/>
-              <a:gd name="connsiteX4" fmla="*/ 400050 w 400050"/>
-              <a:gd name="connsiteY4" fmla="*/ 0 h 134622"/>
-            </a:gdLst>
-            <a:ahLst/>
-            <a:cxnLst>
-              <a:cxn ang="0">
-                <a:pos x="connsiteX0" y="connsiteY0"/>
-              </a:cxn>
-              <a:cxn ang="0">
-                <a:pos x="connsiteX1" y="connsiteY1"/>
-              </a:cxn>
-              <a:cxn ang="0">
-                <a:pos x="connsiteX2" y="connsiteY2"/>
-              </a:cxn>
-              <a:cxn ang="0">
-                <a:pos x="connsiteX3" y="connsiteY3"/>
-              </a:cxn>
-              <a:cxn ang="0">
-                <a:pos x="connsiteX4" y="connsiteY4"/>
-              </a:cxn>
-            </a:cxnLst>
-            <a:rect l="l" t="t" r="r" b="b"/>
-            <a:pathLst>
-              <a:path w="400050" h="134622">
-                <a:moveTo>
-                  <a:pt x="0" y="6350"/>
-                </a:moveTo>
-                <a:cubicBezTo>
-                  <a:pt x="14816" y="55033"/>
-                  <a:pt x="29633" y="103717"/>
-                  <a:pt x="63500" y="114300"/>
-                </a:cubicBezTo>
-                <a:cubicBezTo>
-                  <a:pt x="97367" y="124883"/>
-                  <a:pt x="162983" y="66675"/>
-                  <a:pt x="203200" y="69850"/>
-                </a:cubicBezTo>
-                <a:cubicBezTo>
-                  <a:pt x="243417" y="73025"/>
-                  <a:pt x="271992" y="144992"/>
-                  <a:pt x="304800" y="133350"/>
-                </a:cubicBezTo>
-                <a:cubicBezTo>
-                  <a:pt x="337608" y="121708"/>
-                  <a:pt x="368829" y="60854"/>
-                  <a:pt x="400050" y="0"/>
-                </a:cubicBezTo>
-              </a:path>
-            </a:pathLst>
-          </a:custGeom>
-          <a:solidFill>
-            <a:schemeClr val="bg1">
-              <a:lumMod val="85000"/>
-            </a:schemeClr>
-          </a:solidFill>
-          <a:ln w="19050">
-            <a:solidFill>
-              <a:schemeClr val="tx1"/>
-            </a:solidFill>
-          </a:ln>
-        </p:spPr>
-        <p:style>
-          <a:lnRef idx="2">
-            <a:schemeClr val="accent1">
-              <a:shade val="50000"/>
-            </a:schemeClr>
-          </a:lnRef>
-          <a:fillRef idx="1">
-            <a:schemeClr val="accent1"/>
-          </a:fillRef>
-          <a:effectRef idx="0">
-            <a:schemeClr val="accent1"/>
-          </a:effectRef>
-          <a:fontRef idx="minor">
-            <a:schemeClr val="lt1"/>
-          </a:fontRef>
-        </p:style>
-        <p:txBody>
-          <a:bodyPr rtlCol="0" anchor="ctr"/>
-          <a:lstStyle/>
-          <a:p>
-            <a:pPr algn="ctr"/>
-            <a:endParaRPr lang="fr-FR"/>
-          </a:p>
-        </p:txBody>
-      </p:sp>
-      <p:cxnSp>
-        <p:nvCxnSpPr>
-          <p:cNvPr id="21" name="Connecteur droit 20">
-            <a:extLst>
-              <a:ext uri="{FF2B5EF4-FFF2-40B4-BE49-F238E27FC236}">
-                <a16:creationId xmlns:a16="http://schemas.microsoft.com/office/drawing/2014/main" id="{52321BA6-0CFB-88D1-F3D5-B75DA2B77DFF}"/>
-              </a:ext>
-            </a:extLst>
-          </p:cNvPr>
-          <p:cNvCxnSpPr>
-            <a:cxnSpLocks/>
-            <a:stCxn id="43" idx="4"/>
-          </p:cNvCxnSpPr>
-          <p:nvPr/>
-        </p:nvCxnSpPr>
-        <p:spPr>
-          <a:xfrm>
-            <a:off x="2502283" y="3513708"/>
-            <a:ext cx="0" cy="142105"/>
-          </a:xfrm>
-          <a:prstGeom prst="line">
-            <a:avLst/>
-          </a:prstGeom>
-          <a:noFill/>
-          <a:ln w="28575">
-            <a:solidFill>
-              <a:schemeClr val="tx1"/>
-            </a:solidFill>
-          </a:ln>
-        </p:spPr>
-        <p:style>
-          <a:lnRef idx="2">
-            <a:schemeClr val="accent1">
-              <a:shade val="50000"/>
-            </a:schemeClr>
-          </a:lnRef>
-          <a:fillRef idx="1">
-            <a:schemeClr val="accent1"/>
-          </a:fillRef>
-          <a:effectRef idx="0">
-            <a:schemeClr val="accent1"/>
-          </a:effectRef>
-          <a:fontRef idx="minor">
-            <a:schemeClr val="lt1"/>
-          </a:fontRef>
-        </p:style>
-      </p:cxnSp>
-      <p:cxnSp>
-        <p:nvCxnSpPr>
-          <p:cNvPr id="22" name="Connecteur droit 21">
-            <a:extLst>
-              <a:ext uri="{FF2B5EF4-FFF2-40B4-BE49-F238E27FC236}">
-                <a16:creationId xmlns:a16="http://schemas.microsoft.com/office/drawing/2014/main" id="{5B51A1CC-26A4-3BC2-D639-08D9F7860894}"/>
-              </a:ext>
-            </a:extLst>
-          </p:cNvPr>
-          <p:cNvCxnSpPr>
-            <a:cxnSpLocks/>
-          </p:cNvCxnSpPr>
-          <p:nvPr/>
-        </p:nvCxnSpPr>
-        <p:spPr>
-          <a:xfrm flipH="1">
-            <a:off x="2286259" y="3659633"/>
-            <a:ext cx="432048" cy="0"/>
-          </a:xfrm>
-          <a:prstGeom prst="line">
-            <a:avLst/>
-          </a:prstGeom>
-          <a:noFill/>
-          <a:ln w="28575">
-            <a:solidFill>
-              <a:schemeClr val="tx1"/>
-            </a:solidFill>
-          </a:ln>
-        </p:spPr>
-        <p:style>
-          <a:lnRef idx="2">
-            <a:schemeClr val="accent1">
-              <a:shade val="50000"/>
-            </a:schemeClr>
-          </a:lnRef>
-          <a:fillRef idx="1">
-            <a:schemeClr val="accent1"/>
-          </a:fillRef>
-          <a:effectRef idx="0">
-            <a:schemeClr val="accent1"/>
-          </a:effectRef>
-          <a:fontRef idx="minor">
-            <a:schemeClr val="lt1"/>
-          </a:fontRef>
-        </p:style>
-      </p:cxnSp>
-      <mc:AlternateContent xmlns:mc="http://schemas.openxmlformats.org/markup-compatibility/2006" xmlns:a14="http://schemas.microsoft.com/office/drawing/2010/main">
-        <mc:Choice Requires="a14">
-          <p:sp>
-            <p:nvSpPr>
-              <p:cNvPr id="23" name="ZoneTexte 22">
-                <a:extLst>
-                  <a:ext uri="{FF2B5EF4-FFF2-40B4-BE49-F238E27FC236}">
-                    <a16:creationId xmlns:a16="http://schemas.microsoft.com/office/drawing/2014/main" id="{990B020E-E149-141F-9AE0-50EDBD37F615}"/>
-                  </a:ext>
-                </a:extLst>
-              </p:cNvPr>
-              <p:cNvSpPr txBox="1"/>
-              <p:nvPr/>
-            </p:nvSpPr>
-            <p:spPr>
-              <a:xfrm>
-                <a:off x="2270102" y="3350831"/>
-                <a:ext cx="134524" cy="184666"/>
-              </a:xfrm>
-              <a:prstGeom prst="rect">
-                <a:avLst/>
-              </a:prstGeom>
-              <a:noFill/>
-            </p:spPr>
-            <p:txBody>
-              <a:bodyPr wrap="none" lIns="0" tIns="0" rIns="0" bIns="0" rtlCol="0">
-                <a:spAutoFit/>
-              </a:bodyPr>
-              <a:lstStyle/>
-              <a:p>
-                <a:pPr/>
-                <a14:m>
-                  <m:oMathPara xmlns:m="http://schemas.openxmlformats.org/officeDocument/2006/math">
-                    <m:oMathParaPr>
-                      <m:jc m:val="centerGroup"/>
-                    </m:oMathParaPr>
-                    <m:oMath xmlns:m="http://schemas.openxmlformats.org/officeDocument/2006/math">
-                      <m:r>
-                        <a:rPr lang="fr-FR" sz="1200" i="1">
-                          <a:latin typeface="Cambria Math" panose="02040503050406030204" pitchFamily="18" charset="0"/>
-                        </a:rPr>
-                        <m:t>𝐴</m:t>
-                      </m:r>
-                    </m:oMath>
-                  </m:oMathPara>
-                </a14:m>
-                <a:endParaRPr lang="fr-FR" sz="1200" dirty="0"/>
-              </a:p>
-            </p:txBody>
-          </p:sp>
-        </mc:Choice>
-        <mc:Fallback xmlns="">
-          <p:sp>
-            <p:nvSpPr>
-              <p:cNvPr id="23" name="ZoneTexte 22">
-                <a:extLst>
-                  <a:ext uri="{FF2B5EF4-FFF2-40B4-BE49-F238E27FC236}">
-                    <a16:creationId xmlns:a16="http://schemas.microsoft.com/office/drawing/2014/main" id="{990B020E-E149-141F-9AE0-50EDBD37F615}"/>
-                  </a:ext>
-                </a:extLst>
-              </p:cNvPr>
-              <p:cNvSpPr txBox="1">
-                <a:spLocks noRot="1" noChangeAspect="1" noMove="1" noResize="1" noEditPoints="1" noAdjustHandles="1" noChangeArrowheads="1" noChangeShapeType="1" noTextEdit="1"/>
-              </p:cNvSpPr>
-              <p:nvPr/>
-            </p:nvSpPr>
-            <p:spPr>
-              <a:xfrm>
-                <a:off x="2270102" y="3350831"/>
-                <a:ext cx="134524" cy="184666"/>
-              </a:xfrm>
-              <a:prstGeom prst="rect">
-                <a:avLst/>
-              </a:prstGeom>
-              <a:blipFill>
-                <a:blip r:embed="rId8"/>
-                <a:stretch>
-                  <a:fillRect l="-27273" r="-27273" b="-6667"/>
-                </a:stretch>
-              </a:blipFill>
-            </p:spPr>
-            <p:txBody>
-              <a:bodyPr/>
-              <a:lstStyle/>
-              <a:p>
-                <a:r>
-                  <a:rPr lang="fr-FR">
-                    <a:noFill/>
-                  </a:rPr>
-                  <a:t> </a:t>
-                </a:r>
-              </a:p>
-            </p:txBody>
-          </p:sp>
-        </mc:Fallback>
-      </mc:AlternateContent>
-      <mc:AlternateContent xmlns:mc="http://schemas.openxmlformats.org/markup-compatibility/2006" xmlns:a14="http://schemas.microsoft.com/office/drawing/2010/main">
-        <mc:Choice Requires="a14">
-          <p:sp>
-            <p:nvSpPr>
-              <p:cNvPr id="24" name="ZoneTexte 23">
-                <a:extLst>
-                  <a:ext uri="{FF2B5EF4-FFF2-40B4-BE49-F238E27FC236}">
-                    <a16:creationId xmlns:a16="http://schemas.microsoft.com/office/drawing/2014/main" id="{9699DBA2-D7B6-0D2A-B87E-5F21F259A154}"/>
-                  </a:ext>
-                </a:extLst>
-              </p:cNvPr>
-              <p:cNvSpPr txBox="1"/>
-              <p:nvPr/>
-            </p:nvSpPr>
-            <p:spPr>
-              <a:xfrm>
-                <a:off x="3851106" y="2328505"/>
-                <a:ext cx="140359" cy="184666"/>
-              </a:xfrm>
-              <a:prstGeom prst="rect">
-                <a:avLst/>
-              </a:prstGeom>
-              <a:noFill/>
-            </p:spPr>
-            <p:txBody>
-              <a:bodyPr wrap="none" lIns="0" tIns="0" rIns="0" bIns="0" rtlCol="0">
-                <a:spAutoFit/>
-              </a:bodyPr>
-              <a:lstStyle/>
-              <a:p>
-                <a:pPr/>
-                <a14:m>
-                  <m:oMathPara xmlns:m="http://schemas.openxmlformats.org/officeDocument/2006/math">
-                    <m:oMathParaPr>
-                      <m:jc m:val="centerGroup"/>
-                    </m:oMathParaPr>
-                    <m:oMath xmlns:m="http://schemas.openxmlformats.org/officeDocument/2006/math">
-                      <m:r>
-                        <a:rPr lang="fr-FR" sz="1200" b="0" i="1" smtClean="0">
-                          <a:latin typeface="Cambria Math" panose="02040503050406030204" pitchFamily="18" charset="0"/>
-                        </a:rPr>
-                        <m:t>𝐵</m:t>
-                      </m:r>
-                    </m:oMath>
-                  </m:oMathPara>
-                </a14:m>
-                <a:endParaRPr lang="fr-FR" sz="1200" dirty="0"/>
-              </a:p>
-            </p:txBody>
-          </p:sp>
-        </mc:Choice>
-        <mc:Fallback xmlns="">
-          <p:sp>
-            <p:nvSpPr>
-              <p:cNvPr id="24" name="ZoneTexte 23">
-                <a:extLst>
-                  <a:ext uri="{FF2B5EF4-FFF2-40B4-BE49-F238E27FC236}">
-                    <a16:creationId xmlns:a16="http://schemas.microsoft.com/office/drawing/2014/main" id="{9699DBA2-D7B6-0D2A-B87E-5F21F259A154}"/>
-                  </a:ext>
-                </a:extLst>
-              </p:cNvPr>
-              <p:cNvSpPr txBox="1">
-                <a:spLocks noRot="1" noChangeAspect="1" noMove="1" noResize="1" noEditPoints="1" noAdjustHandles="1" noChangeArrowheads="1" noChangeShapeType="1" noTextEdit="1"/>
-              </p:cNvSpPr>
-              <p:nvPr/>
-            </p:nvSpPr>
-            <p:spPr>
-              <a:xfrm>
-                <a:off x="3851106" y="2328505"/>
-                <a:ext cx="140359" cy="184666"/>
-              </a:xfrm>
-              <a:prstGeom prst="rect">
-                <a:avLst/>
-              </a:prstGeom>
-              <a:blipFill>
-                <a:blip r:embed="rId9"/>
-                <a:stretch>
-                  <a:fillRect l="-26087" r="-21739" b="-6667"/>
-                </a:stretch>
-              </a:blipFill>
-            </p:spPr>
-            <p:txBody>
-              <a:bodyPr/>
-              <a:lstStyle/>
-              <a:p>
-                <a:r>
-                  <a:rPr lang="fr-FR">
-                    <a:noFill/>
-                  </a:rPr>
-                  <a:t> </a:t>
-                </a:r>
-              </a:p>
-            </p:txBody>
-          </p:sp>
-        </mc:Fallback>
-      </mc:AlternateContent>
-      <p:sp>
-        <p:nvSpPr>
-          <p:cNvPr id="25" name="Ellipse 24">
-            <a:extLst>
-              <a:ext uri="{FF2B5EF4-FFF2-40B4-BE49-F238E27FC236}">
-                <a16:creationId xmlns:a16="http://schemas.microsoft.com/office/drawing/2014/main" id="{08870124-3D5A-C994-1EA3-6A9D28C3E5C9}"/>
-              </a:ext>
-            </a:extLst>
-          </p:cNvPr>
-          <p:cNvSpPr/>
-          <p:nvPr/>
-        </p:nvSpPr>
-        <p:spPr>
-          <a:xfrm>
-            <a:off x="2405660" y="3805559"/>
-            <a:ext cx="180000" cy="180000"/>
-          </a:xfrm>
-          <a:prstGeom prst="ellipse">
-            <a:avLst/>
-          </a:prstGeom>
-          <a:noFill/>
-          <a:ln w="19050">
-            <a:solidFill>
-              <a:schemeClr val="tx1"/>
-            </a:solidFill>
-          </a:ln>
-        </p:spPr>
-        <p:style>
-          <a:lnRef idx="2">
-            <a:schemeClr val="accent1">
-              <a:shade val="50000"/>
-            </a:schemeClr>
-          </a:lnRef>
-          <a:fillRef idx="1">
-            <a:schemeClr val="accent1"/>
-          </a:fillRef>
-          <a:effectRef idx="0">
-            <a:schemeClr val="accent1"/>
-          </a:effectRef>
-          <a:fontRef idx="minor">
-            <a:schemeClr val="lt1"/>
-          </a:fontRef>
-        </p:style>
-        <p:txBody>
-          <a:bodyPr rtlCol="0" anchor="ctr"/>
-          <a:lstStyle/>
-          <a:p>
-            <a:pPr algn="ctr"/>
-            <a:r>
-              <a:rPr lang="fr-FR" sz="1050" b="1" dirty="0">
-                <a:solidFill>
-                  <a:schemeClr val="tx1"/>
-                </a:solidFill>
-              </a:rPr>
-              <a:t>0</a:t>
-            </a:r>
-            <a:endParaRPr lang="fr-FR" sz="1400" b="1" dirty="0">
-              <a:solidFill>
-                <a:schemeClr val="tx1"/>
-              </a:solidFill>
-            </a:endParaRPr>
-          </a:p>
-        </p:txBody>
-      </p:sp>
-      <p:sp>
-        <p:nvSpPr>
-          <p:cNvPr id="26" name="Ellipse 25">
-            <a:extLst>
-              <a:ext uri="{FF2B5EF4-FFF2-40B4-BE49-F238E27FC236}">
-                <a16:creationId xmlns:a16="http://schemas.microsoft.com/office/drawing/2014/main" id="{402B02A3-DEF2-8480-9824-258B9D626BCC}"/>
-              </a:ext>
-            </a:extLst>
-          </p:cNvPr>
-          <p:cNvSpPr/>
-          <p:nvPr/>
-        </p:nvSpPr>
-        <p:spPr>
-          <a:xfrm>
-            <a:off x="2661653" y="2786044"/>
-            <a:ext cx="180000" cy="180000"/>
-          </a:xfrm>
-          <a:prstGeom prst="ellipse">
-            <a:avLst/>
-          </a:prstGeom>
-          <a:noFill/>
-          <a:ln w="19050">
-            <a:solidFill>
-              <a:srgbClr val="00547F"/>
-            </a:solidFill>
-          </a:ln>
-        </p:spPr>
-        <p:style>
-          <a:lnRef idx="2">
-            <a:schemeClr val="accent1">
-              <a:shade val="50000"/>
-            </a:schemeClr>
-          </a:lnRef>
-          <a:fillRef idx="1">
-            <a:schemeClr val="accent1"/>
-          </a:fillRef>
-          <a:effectRef idx="0">
-            <a:schemeClr val="accent1"/>
-          </a:effectRef>
-          <a:fontRef idx="minor">
-            <a:schemeClr val="lt1"/>
-          </a:fontRef>
-        </p:style>
-        <p:txBody>
-          <a:bodyPr rtlCol="0" anchor="ctr"/>
-          <a:lstStyle/>
-          <a:p>
-            <a:pPr algn="ctr"/>
-            <a:r>
-              <a:rPr lang="fr-FR" sz="1050" b="1" dirty="0">
-                <a:solidFill>
-                  <a:srgbClr val="00547F"/>
-                </a:solidFill>
-              </a:rPr>
-              <a:t>1</a:t>
-            </a:r>
-            <a:endParaRPr lang="fr-FR" sz="1400" b="1" dirty="0">
-              <a:solidFill>
-                <a:srgbClr val="00547F"/>
-              </a:solidFill>
-            </a:endParaRPr>
-          </a:p>
-        </p:txBody>
-      </p:sp>
-      <p:grpSp>
-        <p:nvGrpSpPr>
-          <p:cNvPr id="27" name="Groupe 26">
-            <a:extLst>
-              <a:ext uri="{FF2B5EF4-FFF2-40B4-BE49-F238E27FC236}">
-                <a16:creationId xmlns:a16="http://schemas.microsoft.com/office/drawing/2014/main" id="{CE4B36B6-12AA-1046-F2F5-4EF660C54FA0}"/>
-              </a:ext>
-            </a:extLst>
-          </p:cNvPr>
-          <p:cNvGrpSpPr/>
-          <p:nvPr/>
-        </p:nvGrpSpPr>
-        <p:grpSpPr>
-          <a:xfrm>
-            <a:off x="2498607" y="1989277"/>
-            <a:ext cx="1440160" cy="1440160"/>
-            <a:chOff x="971600" y="548680"/>
-            <a:chExt cx="1440160" cy="1440160"/>
-          </a:xfrm>
-        </p:grpSpPr>
-        <p:cxnSp>
-          <p:nvCxnSpPr>
-            <p:cNvPr id="28" name="Connecteur droit 27">
-              <a:extLst>
-                <a:ext uri="{FF2B5EF4-FFF2-40B4-BE49-F238E27FC236}">
-                  <a16:creationId xmlns:a16="http://schemas.microsoft.com/office/drawing/2014/main" id="{82137E07-72D4-253A-D9E2-2A5DC2D63911}"/>
-                </a:ext>
-              </a:extLst>
-            </p:cNvPr>
-            <p:cNvCxnSpPr/>
-            <p:nvPr/>
-          </p:nvCxnSpPr>
-          <p:spPr>
-            <a:xfrm flipV="1">
-              <a:off x="971600" y="548680"/>
-              <a:ext cx="0" cy="1440160"/>
-            </a:xfrm>
-            <a:prstGeom prst="line">
-              <a:avLst/>
-            </a:prstGeom>
-            <a:ln w="12700">
-              <a:solidFill>
-                <a:schemeClr val="tx1"/>
-              </a:solidFill>
-              <a:tailEnd type="stealth" w="med" len="lg"/>
-            </a:ln>
-          </p:spPr>
-          <p:style>
-            <a:lnRef idx="1">
-              <a:schemeClr val="accent1"/>
-            </a:lnRef>
-            <a:fillRef idx="0">
-              <a:schemeClr val="accent1"/>
-            </a:fillRef>
-            <a:effectRef idx="0">
-              <a:schemeClr val="accent1"/>
-            </a:effectRef>
-            <a:fontRef idx="minor">
-              <a:schemeClr val="tx1"/>
-            </a:fontRef>
-          </p:style>
-        </p:cxnSp>
-        <p:cxnSp>
-          <p:nvCxnSpPr>
-            <p:cNvPr id="29" name="Connecteur droit 28">
-              <a:extLst>
-                <a:ext uri="{FF2B5EF4-FFF2-40B4-BE49-F238E27FC236}">
-                  <a16:creationId xmlns:a16="http://schemas.microsoft.com/office/drawing/2014/main" id="{199CD405-302B-7F44-773D-D4F4F581C5BC}"/>
-                </a:ext>
-              </a:extLst>
-            </p:cNvPr>
-            <p:cNvCxnSpPr>
-              <a:cxnSpLocks/>
-            </p:cNvCxnSpPr>
-            <p:nvPr/>
-          </p:nvCxnSpPr>
-          <p:spPr>
-            <a:xfrm rot="5400000" flipV="1">
-              <a:off x="1691680" y="1268760"/>
-              <a:ext cx="0" cy="1440160"/>
-            </a:xfrm>
-            <a:prstGeom prst="line">
-              <a:avLst/>
-            </a:prstGeom>
-            <a:ln w="12700">
-              <a:solidFill>
-                <a:schemeClr val="tx1"/>
-              </a:solidFill>
-              <a:tailEnd type="stealth" w="med" len="lg"/>
-            </a:ln>
-          </p:spPr>
-          <p:style>
-            <a:lnRef idx="1">
-              <a:schemeClr val="accent1"/>
-            </a:lnRef>
-            <a:fillRef idx="0">
-              <a:schemeClr val="accent1"/>
-            </a:fillRef>
-            <a:effectRef idx="0">
-              <a:schemeClr val="accent1"/>
-            </a:effectRef>
-            <a:fontRef idx="minor">
-              <a:schemeClr val="tx1"/>
-            </a:fontRef>
-          </p:style>
-        </p:cxnSp>
-      </p:grpSp>
-      <mc:AlternateContent xmlns:mc="http://schemas.openxmlformats.org/markup-compatibility/2006" xmlns:a14="http://schemas.microsoft.com/office/drawing/2010/main">
-        <mc:Choice Requires="a14">
-          <p:sp>
-            <p:nvSpPr>
-              <p:cNvPr id="30" name="ZoneTexte 29">
-                <a:extLst>
-                  <a:ext uri="{FF2B5EF4-FFF2-40B4-BE49-F238E27FC236}">
-                    <a16:creationId xmlns:a16="http://schemas.microsoft.com/office/drawing/2014/main" id="{619686FF-0D75-9987-E453-F6776263C614}"/>
-                  </a:ext>
-                </a:extLst>
-              </p:cNvPr>
-              <p:cNvSpPr txBox="1"/>
-              <p:nvPr/>
-            </p:nvSpPr>
-            <p:spPr>
-              <a:xfrm>
-                <a:off x="3952961" y="3306325"/>
-                <a:ext cx="207301" cy="274434"/>
-              </a:xfrm>
-              <a:prstGeom prst="rect">
-                <a:avLst/>
-              </a:prstGeom>
-              <a:noFill/>
-            </p:spPr>
-            <p:txBody>
-              <a:bodyPr wrap="none" lIns="0" tIns="0" rIns="0" bIns="0" rtlCol="0">
-                <a:spAutoFit/>
-              </a:bodyPr>
-              <a:lstStyle/>
-              <a:p>
-                <a:pPr/>
-                <a14:m>
-                  <m:oMathPara xmlns:m="http://schemas.openxmlformats.org/officeDocument/2006/math">
-                    <m:oMathParaPr>
-                      <m:jc m:val="centerGroup"/>
-                    </m:oMathParaPr>
-                    <m:oMath xmlns:m="http://schemas.openxmlformats.org/officeDocument/2006/math">
-                      <m:acc>
-                        <m:accPr>
-                          <m:chr m:val="⃗"/>
-                          <m:ctrlPr>
-                            <a:rPr lang="fr-FR" sz="1600" i="1" smtClean="0">
-                              <a:latin typeface="Cambria Math" panose="02040503050406030204" pitchFamily="18" charset="0"/>
-                            </a:rPr>
-                          </m:ctrlPr>
-                        </m:accPr>
-                        <m:e>
-                          <m:sSub>
-                            <m:sSubPr>
-                              <m:ctrlPr>
-                                <a:rPr lang="fr-FR" sz="1600" b="0" i="1" smtClean="0">
-                                  <a:latin typeface="Cambria Math" panose="02040503050406030204" pitchFamily="18" charset="0"/>
-                                </a:rPr>
-                              </m:ctrlPr>
-                            </m:sSubPr>
-                            <m:e>
-                              <m:r>
-                                <a:rPr lang="fr-FR" sz="1600" b="0" i="1" smtClean="0">
-                                  <a:latin typeface="Cambria Math" panose="02040503050406030204" pitchFamily="18" charset="0"/>
-                                </a:rPr>
-                                <m:t>𝑖</m:t>
-                              </m:r>
-                            </m:e>
-                            <m:sub>
-                              <m:r>
-                                <a:rPr lang="fr-FR" sz="1600" b="0" i="1" smtClean="0">
-                                  <a:latin typeface="Cambria Math" panose="02040503050406030204" pitchFamily="18" charset="0"/>
-                                </a:rPr>
-                                <m:t>0</m:t>
-                              </m:r>
-                            </m:sub>
-                          </m:sSub>
-                        </m:e>
-                      </m:acc>
-                    </m:oMath>
-                  </m:oMathPara>
-                </a14:m>
-                <a:endParaRPr lang="fr-FR" sz="1600" dirty="0"/>
-              </a:p>
-            </p:txBody>
-          </p:sp>
-        </mc:Choice>
-        <mc:Fallback xmlns="">
-          <p:sp>
-            <p:nvSpPr>
-              <p:cNvPr id="30" name="ZoneTexte 29">
-                <a:extLst>
-                  <a:ext uri="{FF2B5EF4-FFF2-40B4-BE49-F238E27FC236}">
-                    <a16:creationId xmlns:a16="http://schemas.microsoft.com/office/drawing/2014/main" id="{619686FF-0D75-9987-E453-F6776263C614}"/>
-                  </a:ext>
-                </a:extLst>
-              </p:cNvPr>
-              <p:cNvSpPr txBox="1">
-                <a:spLocks noRot="1" noChangeAspect="1" noMove="1" noResize="1" noEditPoints="1" noAdjustHandles="1" noChangeArrowheads="1" noChangeShapeType="1" noTextEdit="1"/>
-              </p:cNvSpPr>
-              <p:nvPr/>
-            </p:nvSpPr>
-            <p:spPr>
-              <a:xfrm>
-                <a:off x="3952961" y="3306325"/>
-                <a:ext cx="207301" cy="274434"/>
-              </a:xfrm>
-              <a:prstGeom prst="rect">
-                <a:avLst/>
-              </a:prstGeom>
-              <a:blipFill>
-                <a:blip r:embed="rId10"/>
-                <a:stretch>
-                  <a:fillRect l="-20588" r="-5882" b="-13333"/>
-                </a:stretch>
-              </a:blipFill>
-            </p:spPr>
-            <p:txBody>
-              <a:bodyPr/>
-              <a:lstStyle/>
-              <a:p>
-                <a:r>
-                  <a:rPr lang="fr-FR">
-                    <a:noFill/>
-                  </a:rPr>
-                  <a:t> </a:t>
-                </a:r>
-              </a:p>
-            </p:txBody>
-          </p:sp>
-        </mc:Fallback>
-      </mc:AlternateContent>
-      <mc:AlternateContent xmlns:mc="http://schemas.openxmlformats.org/markup-compatibility/2006" xmlns:a14="http://schemas.microsoft.com/office/drawing/2010/main">
-        <mc:Choice Requires="a14">
-          <p:sp>
-            <p:nvSpPr>
-              <p:cNvPr id="31" name="ZoneTexte 30">
-                <a:extLst>
-                  <a:ext uri="{FF2B5EF4-FFF2-40B4-BE49-F238E27FC236}">
-                    <a16:creationId xmlns:a16="http://schemas.microsoft.com/office/drawing/2014/main" id="{6C141949-B89C-FC56-B0ED-79CDD66888E5}"/>
-                  </a:ext>
-                </a:extLst>
-              </p:cNvPr>
-              <p:cNvSpPr txBox="1"/>
-              <p:nvPr/>
-            </p:nvSpPr>
-            <p:spPr>
-              <a:xfrm>
-                <a:off x="2417545" y="1721608"/>
-                <a:ext cx="208327" cy="274434"/>
-              </a:xfrm>
-              <a:prstGeom prst="rect">
-                <a:avLst/>
-              </a:prstGeom>
-              <a:noFill/>
-            </p:spPr>
-            <p:txBody>
-              <a:bodyPr wrap="none" lIns="0" tIns="0" rIns="0" bIns="0" rtlCol="0">
-                <a:spAutoFit/>
-              </a:bodyPr>
-              <a:lstStyle/>
-              <a:p>
-                <a:pPr/>
-                <a14:m>
-                  <m:oMathPara xmlns:m="http://schemas.openxmlformats.org/officeDocument/2006/math">
-                    <m:oMathParaPr>
-                      <m:jc m:val="centerGroup"/>
-                    </m:oMathParaPr>
-                    <m:oMath xmlns:m="http://schemas.openxmlformats.org/officeDocument/2006/math">
-                      <m:acc>
-                        <m:accPr>
-                          <m:chr m:val="⃗"/>
-                          <m:ctrlPr>
-                            <a:rPr lang="fr-FR" sz="1600" i="1" smtClean="0">
-                              <a:latin typeface="Cambria Math" panose="02040503050406030204" pitchFamily="18" charset="0"/>
-                            </a:rPr>
-                          </m:ctrlPr>
-                        </m:accPr>
-                        <m:e>
-                          <m:sSub>
-                            <m:sSubPr>
-                              <m:ctrlPr>
-                                <a:rPr lang="fr-FR" sz="1600" b="0" i="1" smtClean="0">
-                                  <a:latin typeface="Cambria Math" panose="02040503050406030204" pitchFamily="18" charset="0"/>
-                                </a:rPr>
-                              </m:ctrlPr>
-                            </m:sSubPr>
-                            <m:e>
-                              <m:r>
-                                <a:rPr lang="fr-FR" sz="1600" b="0" i="1" smtClean="0">
-                                  <a:latin typeface="Cambria Math" panose="02040503050406030204" pitchFamily="18" charset="0"/>
-                                </a:rPr>
-                                <m:t>𝑗</m:t>
-                              </m:r>
-                            </m:e>
-                            <m:sub>
-                              <m:r>
-                                <a:rPr lang="fr-FR" sz="1600" b="0" i="1" smtClean="0">
-                                  <a:latin typeface="Cambria Math" panose="02040503050406030204" pitchFamily="18" charset="0"/>
-                                </a:rPr>
-                                <m:t>0</m:t>
-                              </m:r>
-                            </m:sub>
-                          </m:sSub>
-                        </m:e>
-                      </m:acc>
-                    </m:oMath>
-                  </m:oMathPara>
-                </a14:m>
-                <a:endParaRPr lang="fr-FR" sz="1600" dirty="0"/>
-              </a:p>
-            </p:txBody>
-          </p:sp>
-        </mc:Choice>
-        <mc:Fallback xmlns="">
-          <p:sp>
-            <p:nvSpPr>
-              <p:cNvPr id="31" name="ZoneTexte 30">
-                <a:extLst>
-                  <a:ext uri="{FF2B5EF4-FFF2-40B4-BE49-F238E27FC236}">
-                    <a16:creationId xmlns:a16="http://schemas.microsoft.com/office/drawing/2014/main" id="{6C141949-B89C-FC56-B0ED-79CDD66888E5}"/>
-                  </a:ext>
-                </a:extLst>
-              </p:cNvPr>
-              <p:cNvSpPr txBox="1">
-                <a:spLocks noRot="1" noChangeAspect="1" noMove="1" noResize="1" noEditPoints="1" noAdjustHandles="1" noChangeArrowheads="1" noChangeShapeType="1" noTextEdit="1"/>
-              </p:cNvSpPr>
-              <p:nvPr/>
-            </p:nvSpPr>
-            <p:spPr>
-              <a:xfrm>
-                <a:off x="2417545" y="1721608"/>
-                <a:ext cx="208327" cy="274434"/>
-              </a:xfrm>
-              <a:prstGeom prst="rect">
-                <a:avLst/>
-              </a:prstGeom>
-              <a:blipFill>
-                <a:blip r:embed="rId11"/>
-                <a:stretch>
-                  <a:fillRect l="-32353" r="-8824" b="-28889"/>
-                </a:stretch>
-              </a:blipFill>
-            </p:spPr>
-            <p:txBody>
-              <a:bodyPr/>
-              <a:lstStyle/>
-              <a:p>
-                <a:r>
-                  <a:rPr lang="fr-FR">
-                    <a:noFill/>
-                  </a:rPr>
-                  <a:t> </a:t>
-                </a:r>
-              </a:p>
-            </p:txBody>
-          </p:sp>
-        </mc:Fallback>
-      </mc:AlternateContent>
-      <mc:AlternateContent xmlns:mc="http://schemas.openxmlformats.org/markup-compatibility/2006" xmlns:a14="http://schemas.microsoft.com/office/drawing/2010/main">
-        <mc:Choice Requires="a14">
-          <p:sp>
-            <p:nvSpPr>
-              <p:cNvPr id="32" name="ZoneTexte 31">
-                <a:extLst>
-                  <a:ext uri="{FF2B5EF4-FFF2-40B4-BE49-F238E27FC236}">
-                    <a16:creationId xmlns:a16="http://schemas.microsoft.com/office/drawing/2014/main" id="{020CFC53-95D7-D937-C9D5-038C1C1E6D5B}"/>
-                  </a:ext>
-                </a:extLst>
-              </p:cNvPr>
-              <p:cNvSpPr txBox="1"/>
-              <p:nvPr/>
-            </p:nvSpPr>
-            <p:spPr>
-              <a:xfrm>
-                <a:off x="4293216" y="1990328"/>
-                <a:ext cx="202555" cy="274434"/>
-              </a:xfrm>
-              <a:prstGeom prst="rect">
-                <a:avLst/>
-              </a:prstGeom>
-              <a:noFill/>
-            </p:spPr>
-            <p:txBody>
-              <a:bodyPr wrap="none" lIns="0" tIns="0" rIns="0" bIns="0" rtlCol="0">
-                <a:spAutoFit/>
-              </a:bodyPr>
-              <a:lstStyle/>
-              <a:p>
-                <a:pPr/>
-                <a14:m>
-                  <m:oMathPara xmlns:m="http://schemas.openxmlformats.org/officeDocument/2006/math">
-                    <m:oMathParaPr>
-                      <m:jc m:val="centerGroup"/>
-                    </m:oMathParaPr>
-                    <m:oMath xmlns:m="http://schemas.openxmlformats.org/officeDocument/2006/math">
-                      <m:acc>
-                        <m:accPr>
-                          <m:chr m:val="⃗"/>
-                          <m:ctrlPr>
-                            <a:rPr lang="fr-FR" sz="1600" i="1" smtClean="0">
-                              <a:latin typeface="Cambria Math" panose="02040503050406030204" pitchFamily="18" charset="0"/>
-                            </a:rPr>
-                          </m:ctrlPr>
-                        </m:accPr>
-                        <m:e>
-                          <m:sSub>
-                            <m:sSubPr>
-                              <m:ctrlPr>
-                                <a:rPr lang="fr-FR" sz="1600" i="1">
-                                  <a:latin typeface="Cambria Math" panose="02040503050406030204" pitchFamily="18" charset="0"/>
-                                </a:rPr>
-                              </m:ctrlPr>
-                            </m:sSubPr>
-                            <m:e>
-                              <m:r>
-                                <a:rPr lang="fr-FR" sz="1600" b="0" i="1" smtClean="0">
-                                  <a:latin typeface="Cambria Math" panose="02040503050406030204" pitchFamily="18" charset="0"/>
-                                </a:rPr>
-                                <m:t>𝑖</m:t>
-                              </m:r>
-                            </m:e>
-                            <m:sub>
-                              <m:r>
-                                <a:rPr lang="fr-FR" sz="1600" i="1">
-                                  <a:latin typeface="Cambria Math" panose="02040503050406030204" pitchFamily="18" charset="0"/>
-                                </a:rPr>
-                                <m:t>1</m:t>
-                              </m:r>
-                            </m:sub>
-                          </m:sSub>
-                        </m:e>
-                      </m:acc>
-                    </m:oMath>
-                  </m:oMathPara>
-                </a14:m>
-                <a:endParaRPr lang="fr-FR" sz="1600" dirty="0"/>
-              </a:p>
-            </p:txBody>
-          </p:sp>
-        </mc:Choice>
-        <mc:Fallback xmlns="">
-          <p:sp>
-            <p:nvSpPr>
-              <p:cNvPr id="32" name="ZoneTexte 31">
-                <a:extLst>
-                  <a:ext uri="{FF2B5EF4-FFF2-40B4-BE49-F238E27FC236}">
-                    <a16:creationId xmlns:a16="http://schemas.microsoft.com/office/drawing/2014/main" id="{020CFC53-95D7-D937-C9D5-038C1C1E6D5B}"/>
-                  </a:ext>
-                </a:extLst>
-              </p:cNvPr>
-              <p:cNvSpPr txBox="1">
-                <a:spLocks noRot="1" noChangeAspect="1" noMove="1" noResize="1" noEditPoints="1" noAdjustHandles="1" noChangeArrowheads="1" noChangeShapeType="1" noTextEdit="1"/>
-              </p:cNvSpPr>
-              <p:nvPr/>
-            </p:nvSpPr>
-            <p:spPr>
-              <a:xfrm>
-                <a:off x="4293216" y="1990328"/>
-                <a:ext cx="202555" cy="274434"/>
-              </a:xfrm>
-              <a:prstGeom prst="rect">
-                <a:avLst/>
-              </a:prstGeom>
-              <a:blipFill>
-                <a:blip r:embed="rId12"/>
-                <a:stretch>
-                  <a:fillRect l="-21212" r="-6061" b="-10870"/>
-                </a:stretch>
-              </a:blipFill>
-            </p:spPr>
-            <p:txBody>
-              <a:bodyPr/>
-              <a:lstStyle/>
-              <a:p>
-                <a:r>
-                  <a:rPr lang="fr-FR">
-                    <a:noFill/>
-                  </a:rPr>
-                  <a:t> </a:t>
-                </a:r>
-              </a:p>
-            </p:txBody>
-          </p:sp>
-        </mc:Fallback>
-      </mc:AlternateContent>
-      <p:sp>
-        <p:nvSpPr>
-          <p:cNvPr id="33" name="Ellipse 32">
-            <a:extLst>
-              <a:ext uri="{FF2B5EF4-FFF2-40B4-BE49-F238E27FC236}">
-                <a16:creationId xmlns:a16="http://schemas.microsoft.com/office/drawing/2014/main" id="{7692D48F-3EBF-AE16-D396-5D54F6F09FCC}"/>
-              </a:ext>
-            </a:extLst>
-          </p:cNvPr>
-          <p:cNvSpPr/>
-          <p:nvPr/>
-        </p:nvSpPr>
-        <p:spPr>
-          <a:xfrm>
-            <a:off x="3481457" y="2475864"/>
-            <a:ext cx="180000" cy="180000"/>
-          </a:xfrm>
-          <a:prstGeom prst="ellipse">
-            <a:avLst/>
-          </a:prstGeom>
-          <a:noFill/>
-          <a:ln w="19050">
-            <a:solidFill>
-              <a:srgbClr val="EF7268"/>
-            </a:solidFill>
-          </a:ln>
-        </p:spPr>
-        <p:style>
-          <a:lnRef idx="2">
-            <a:schemeClr val="accent1">
-              <a:shade val="50000"/>
-            </a:schemeClr>
-          </a:lnRef>
-          <a:fillRef idx="1">
-            <a:schemeClr val="accent1"/>
-          </a:fillRef>
-          <a:effectRef idx="0">
-            <a:schemeClr val="accent1"/>
-          </a:effectRef>
-          <a:fontRef idx="minor">
-            <a:schemeClr val="lt1"/>
-          </a:fontRef>
-        </p:style>
-        <p:txBody>
-          <a:bodyPr rtlCol="0" anchor="ctr"/>
-          <a:lstStyle/>
-          <a:p>
-            <a:pPr algn="ctr"/>
-            <a:r>
-              <a:rPr lang="fr-FR" sz="1050" b="1" dirty="0">
-                <a:solidFill>
-                  <a:srgbClr val="EF7268"/>
-                </a:solidFill>
-              </a:rPr>
-              <a:t>2</a:t>
-            </a:r>
-            <a:endParaRPr lang="fr-FR" sz="1400" b="1" dirty="0">
-              <a:solidFill>
-                <a:srgbClr val="EF7268"/>
-              </a:solidFill>
-            </a:endParaRPr>
-          </a:p>
-        </p:txBody>
-      </p:sp>
-      <p:cxnSp>
-        <p:nvCxnSpPr>
-          <p:cNvPr id="35" name="Connecteur droit 34">
-            <a:extLst>
-              <a:ext uri="{FF2B5EF4-FFF2-40B4-BE49-F238E27FC236}">
-                <a16:creationId xmlns:a16="http://schemas.microsoft.com/office/drawing/2014/main" id="{1AC0486C-4A61-6335-67B5-3071D0E4F27E}"/>
-              </a:ext>
-            </a:extLst>
-          </p:cNvPr>
-          <p:cNvCxnSpPr>
-            <a:cxnSpLocks/>
-          </p:cNvCxnSpPr>
-          <p:nvPr/>
-        </p:nvCxnSpPr>
-        <p:spPr>
-          <a:xfrm rot="19800000">
-            <a:off x="3606293" y="2522298"/>
-            <a:ext cx="943354" cy="9480"/>
-          </a:xfrm>
-          <a:prstGeom prst="line">
-            <a:avLst/>
-          </a:prstGeom>
-          <a:ln w="12700">
-            <a:solidFill>
-              <a:srgbClr val="00547F"/>
-            </a:solidFill>
-            <a:tailEnd type="stealth" w="med" len="lg"/>
-          </a:ln>
-        </p:spPr>
-        <p:style>
-          <a:lnRef idx="1">
-            <a:schemeClr val="accent1"/>
-          </a:lnRef>
-          <a:fillRef idx="0">
-            <a:schemeClr val="accent1"/>
-          </a:fillRef>
-          <a:effectRef idx="0">
-            <a:schemeClr val="accent1"/>
-          </a:effectRef>
-          <a:fontRef idx="minor">
-            <a:schemeClr val="tx1"/>
-          </a:fontRef>
-        </p:style>
-      </p:cxnSp>
-      <p:grpSp>
-        <p:nvGrpSpPr>
-          <p:cNvPr id="36" name="Groupe 35">
-            <a:extLst>
-              <a:ext uri="{FF2B5EF4-FFF2-40B4-BE49-F238E27FC236}">
-                <a16:creationId xmlns:a16="http://schemas.microsoft.com/office/drawing/2014/main" id="{B325EEAE-BF6E-2784-9DDC-EDF2C6E47879}"/>
-              </a:ext>
-            </a:extLst>
-          </p:cNvPr>
-          <p:cNvGrpSpPr/>
-          <p:nvPr/>
-        </p:nvGrpSpPr>
-        <p:grpSpPr>
-          <a:xfrm rot="19800000">
-            <a:off x="2402519" y="3065982"/>
-            <a:ext cx="847937" cy="162000"/>
-            <a:chOff x="2402883" y="1240730"/>
-            <a:chExt cx="847937" cy="162000"/>
-          </a:xfrm>
-        </p:grpSpPr>
-        <p:cxnSp>
-          <p:nvCxnSpPr>
-            <p:cNvPr id="40" name="Connecteur droit 39">
-              <a:extLst>
-                <a:ext uri="{FF2B5EF4-FFF2-40B4-BE49-F238E27FC236}">
-                  <a16:creationId xmlns:a16="http://schemas.microsoft.com/office/drawing/2014/main" id="{C2A70529-A1C8-E159-DCFA-141F37C52789}"/>
-                </a:ext>
-              </a:extLst>
-            </p:cNvPr>
-            <p:cNvCxnSpPr>
-              <a:cxnSpLocks/>
-              <a:endCxn id="39" idx="0"/>
-            </p:cNvCxnSpPr>
-            <p:nvPr/>
-          </p:nvCxnSpPr>
-          <p:spPr>
-            <a:xfrm>
-              <a:off x="3240700" y="1240732"/>
-              <a:ext cx="0" cy="72000"/>
-            </a:xfrm>
-            <a:prstGeom prst="line">
+            <a:prstGeom prst="rect">
               <a:avLst/>
             </a:prstGeom>
             <a:solidFill>
-              <a:srgbClr val="00B050"/>
+              <a:schemeClr val="bg1"/>
             </a:solidFill>
             <a:ln w="28575">
               <a:solidFill>
@@ -6936,35 +7277,41 @@
               <a:schemeClr val="lt1"/>
             </a:fontRef>
           </p:style>
-        </p:cxnSp>
-        <p:cxnSp>
-          <p:nvCxnSpPr>
-            <p:cNvPr id="41" name="Connecteur droit 40">
+          <p:txBody>
+            <a:bodyPr rtlCol="0" anchor="ctr"/>
+            <a:lstStyle/>
+            <a:p>
+              <a:pPr algn="ctr"/>
+              <a:endParaRPr lang="fr-FR"/>
+            </a:p>
+          </p:txBody>
+        </p:sp>
+        <p:sp>
+          <p:nvSpPr>
+            <p:cNvPr id="43" name="Ellipse 42">
               <a:extLst>
                 <a:ext uri="{FF2B5EF4-FFF2-40B4-BE49-F238E27FC236}">
-                  <a16:creationId xmlns:a16="http://schemas.microsoft.com/office/drawing/2014/main" id="{C837939C-BD88-EB09-BBFB-47958AB62358}"/>
+                  <a16:creationId xmlns:a16="http://schemas.microsoft.com/office/drawing/2014/main" id="{2D792590-3E77-2B67-87C2-3DD1A4ED380E}"/>
                 </a:ext>
               </a:extLst>
             </p:cNvPr>
-            <p:cNvCxnSpPr>
-              <a:cxnSpLocks/>
-            </p:cNvCxnSpPr>
+            <p:cNvSpPr/>
             <p:nvPr/>
-          </p:nvCxnSpPr>
+          </p:nvSpPr>
           <p:spPr>
             <a:xfrm>
-              <a:off x="2402883" y="1243214"/>
-              <a:ext cx="847937" cy="0"/>
+              <a:off x="2412283" y="3333708"/>
+              <a:ext cx="180000" cy="180000"/>
             </a:xfrm>
-            <a:prstGeom prst="line">
+            <a:prstGeom prst="ellipse">
               <a:avLst/>
             </a:prstGeom>
             <a:solidFill>
-              <a:srgbClr val="00B050"/>
+              <a:schemeClr val="bg1"/>
             </a:solidFill>
             <a:ln w="28575">
               <a:solidFill>
-                <a:srgbClr val="00547F"/>
+                <a:schemeClr val="tx1"/>
               </a:solidFill>
             </a:ln>
           </p:spPr>
@@ -6984,344 +7331,1052 @@
               <a:schemeClr val="lt1"/>
             </a:fontRef>
           </p:style>
-        </p:cxnSp>
-        <p:cxnSp>
-          <p:nvCxnSpPr>
-            <p:cNvPr id="42" name="Connecteur droit 41">
-              <a:extLst>
-                <a:ext uri="{FF2B5EF4-FFF2-40B4-BE49-F238E27FC236}">
-                  <a16:creationId xmlns:a16="http://schemas.microsoft.com/office/drawing/2014/main" id="{AB14990D-45E4-E739-336D-E3B0BF6F6F3B}"/>
-                </a:ext>
-              </a:extLst>
-            </p:cNvPr>
-            <p:cNvCxnSpPr>
-              <a:cxnSpLocks/>
-            </p:cNvCxnSpPr>
-            <p:nvPr/>
-          </p:nvCxnSpPr>
-          <p:spPr>
-            <a:xfrm>
-              <a:off x="2402883" y="1240730"/>
-              <a:ext cx="0" cy="162000"/>
-            </a:xfrm>
-            <a:prstGeom prst="line">
-              <a:avLst/>
-            </a:prstGeom>
-            <a:solidFill>
-              <a:srgbClr val="00B050"/>
-            </a:solidFill>
-            <a:ln w="28575">
-              <a:solidFill>
-                <a:srgbClr val="00547F"/>
-              </a:solidFill>
-            </a:ln>
-          </p:spPr>
-          <p:style>
-            <a:lnRef idx="2">
-              <a:schemeClr val="accent1">
-                <a:shade val="50000"/>
-              </a:schemeClr>
-            </a:lnRef>
-            <a:fillRef idx="1">
-              <a:schemeClr val="accent1"/>
-            </a:fillRef>
-            <a:effectRef idx="0">
-              <a:schemeClr val="accent1"/>
-            </a:effectRef>
-            <a:fontRef idx="minor">
-              <a:schemeClr val="lt1"/>
-            </a:fontRef>
-          </p:style>
-        </p:cxnSp>
+          <p:txBody>
+            <a:bodyPr rtlCol="0" anchor="ctr"/>
+            <a:lstStyle/>
+            <a:p>
+              <a:pPr algn="ctr"/>
+              <a:endParaRPr lang="fr-FR"/>
+            </a:p>
+          </p:txBody>
+        </p:sp>
+        <mc:AlternateContent xmlns:mc="http://schemas.openxmlformats.org/markup-compatibility/2006" xmlns:a14="http://schemas.microsoft.com/office/drawing/2010/main">
+          <mc:Choice Requires="a14">
+            <p:sp>
+              <p:nvSpPr>
+                <p:cNvPr id="44" name="ZoneTexte 43">
+                  <a:extLst>
+                    <a:ext uri="{FF2B5EF4-FFF2-40B4-BE49-F238E27FC236}">
+                      <a16:creationId xmlns:a16="http://schemas.microsoft.com/office/drawing/2014/main" id="{41B21A59-5771-7532-7B88-0A1DCBA15383}"/>
+                    </a:ext>
+                  </a:extLst>
+                </p:cNvPr>
+                <p:cNvSpPr txBox="1"/>
+                <p:nvPr/>
+              </p:nvSpPr>
+              <p:spPr>
+                <a:xfrm>
+                  <a:off x="3245004" y="3171773"/>
+                  <a:ext cx="133370" cy="184666"/>
+                </a:xfrm>
+                <a:prstGeom prst="rect">
+                  <a:avLst/>
+                </a:prstGeom>
+                <a:noFill/>
+              </p:spPr>
+              <p:txBody>
+                <a:bodyPr wrap="none" lIns="0" tIns="0" rIns="0" bIns="0" rtlCol="0">
+                  <a:spAutoFit/>
+                </a:bodyPr>
+                <a:lstStyle/>
+                <a:p>
+                  <a:pPr/>
+                  <a14:m>
+                    <m:oMathPara xmlns:m="http://schemas.openxmlformats.org/officeDocument/2006/math">
+                      <m:oMathParaPr>
+                        <m:jc m:val="centerGroup"/>
+                      </m:oMathParaPr>
+                      <m:oMath xmlns:m="http://schemas.openxmlformats.org/officeDocument/2006/math">
+                        <m:r>
+                          <a:rPr lang="fr-FR" sz="1200" b="0" i="1" smtClean="0">
+                            <a:latin typeface="Cambria Math" panose="02040503050406030204" pitchFamily="18" charset="0"/>
+                          </a:rPr>
+                          <m:t>𝐶</m:t>
+                        </m:r>
+                      </m:oMath>
+                    </m:oMathPara>
+                  </a14:m>
+                  <a:endParaRPr lang="fr-FR" sz="1200" dirty="0"/>
+                </a:p>
+              </p:txBody>
+            </p:sp>
+          </mc:Choice>
+          <mc:Fallback xmlns="">
+            <p:sp>
+              <p:nvSpPr>
+                <p:cNvPr id="44" name="ZoneTexte 43">
+                  <a:extLst>
+                    <a:ext uri="{FF2B5EF4-FFF2-40B4-BE49-F238E27FC236}">
+                      <a16:creationId xmlns:a16="http://schemas.microsoft.com/office/drawing/2014/main" id="{41B21A59-5771-7532-7B88-0A1DCBA15383}"/>
+                    </a:ext>
+                  </a:extLst>
+                </p:cNvPr>
+                <p:cNvSpPr txBox="1">
+                  <a:spLocks noRot="1" noChangeAspect="1" noMove="1" noResize="1" noEditPoints="1" noAdjustHandles="1" noChangeArrowheads="1" noChangeShapeType="1" noTextEdit="1"/>
+                </p:cNvSpPr>
+                <p:nvPr/>
+              </p:nvSpPr>
+              <p:spPr>
+                <a:xfrm>
+                  <a:off x="3245004" y="3171773"/>
+                  <a:ext cx="133370" cy="184666"/>
+                </a:xfrm>
+                <a:prstGeom prst="rect">
+                  <a:avLst/>
+                </a:prstGeom>
+                <a:blipFill>
+                  <a:blip r:embed="rId13"/>
+                  <a:stretch>
+                    <a:fillRect l="-27273" r="-22727" b="-6667"/>
+                  </a:stretch>
+                </a:blipFill>
+              </p:spPr>
+              <p:txBody>
+                <a:bodyPr/>
+                <a:lstStyle/>
+                <a:p>
+                  <a:r>
+                    <a:rPr lang="fr-FR">
+                      <a:noFill/>
+                    </a:rPr>
+                    <a:t> </a:t>
+                  </a:r>
+                </a:p>
+              </p:txBody>
+            </p:sp>
+          </mc:Fallback>
+        </mc:AlternateContent>
       </p:grpSp>
-      <p:cxnSp>
-        <p:nvCxnSpPr>
-          <p:cNvPr id="37" name="Connecteur droit 36">
-            <a:extLst>
-              <a:ext uri="{FF2B5EF4-FFF2-40B4-BE49-F238E27FC236}">
-                <a16:creationId xmlns:a16="http://schemas.microsoft.com/office/drawing/2014/main" id="{71836D76-A16C-3A91-699F-29042E105D93}"/>
-              </a:ext>
-            </a:extLst>
-          </p:cNvPr>
-          <p:cNvCxnSpPr>
-            <a:cxnSpLocks/>
-          </p:cNvCxnSpPr>
-          <p:nvPr/>
-        </p:nvCxnSpPr>
-        <p:spPr>
-          <a:xfrm rot="19800000" flipH="1">
-            <a:off x="2666156" y="2973417"/>
-            <a:ext cx="1258992" cy="0"/>
-          </a:xfrm>
-          <a:prstGeom prst="line">
-            <a:avLst/>
-          </a:prstGeom>
-          <a:solidFill>
-            <a:srgbClr val="00B050"/>
-          </a:solidFill>
-          <a:ln w="28575">
-            <a:solidFill>
-              <a:srgbClr val="EF7268"/>
-            </a:solidFill>
-          </a:ln>
-        </p:spPr>
-        <p:style>
-          <a:lnRef idx="2">
-            <a:schemeClr val="accent1">
-              <a:shade val="50000"/>
-            </a:schemeClr>
-          </a:lnRef>
-          <a:fillRef idx="1">
-            <a:schemeClr val="accent1"/>
-          </a:fillRef>
-          <a:effectRef idx="0">
-            <a:schemeClr val="accent1"/>
-          </a:effectRef>
-          <a:fontRef idx="minor">
-            <a:schemeClr val="lt1"/>
-          </a:fontRef>
-        </p:style>
-      </p:cxnSp>
-      <p:sp>
-        <p:nvSpPr>
-          <p:cNvPr id="38" name="Ellipse 37">
-            <a:extLst>
-              <a:ext uri="{FF2B5EF4-FFF2-40B4-BE49-F238E27FC236}">
-                <a16:creationId xmlns:a16="http://schemas.microsoft.com/office/drawing/2014/main" id="{0EDC5B11-36C9-F539-224E-E2B7CE4A9D15}"/>
-              </a:ext>
-            </a:extLst>
-          </p:cNvPr>
-          <p:cNvSpPr/>
-          <p:nvPr/>
-        </p:nvSpPr>
-        <p:spPr>
-          <a:xfrm rot="65633">
-            <a:off x="3815825" y="2530953"/>
-            <a:ext cx="180000" cy="180000"/>
-          </a:xfrm>
-          <a:prstGeom prst="ellipse">
-            <a:avLst/>
-          </a:prstGeom>
-          <a:solidFill>
-            <a:srgbClr val="EF7268"/>
-          </a:solidFill>
-          <a:ln w="28575">
-            <a:solidFill>
-              <a:srgbClr val="EF7268"/>
-            </a:solidFill>
-          </a:ln>
-        </p:spPr>
-        <p:style>
-          <a:lnRef idx="2">
-            <a:schemeClr val="accent1">
-              <a:shade val="50000"/>
-            </a:schemeClr>
-          </a:lnRef>
-          <a:fillRef idx="1">
-            <a:schemeClr val="accent1"/>
-          </a:fillRef>
-          <a:effectRef idx="0">
-            <a:schemeClr val="accent1"/>
-          </a:effectRef>
-          <a:fontRef idx="minor">
-            <a:schemeClr val="lt1"/>
-          </a:fontRef>
-        </p:style>
-        <p:txBody>
-          <a:bodyPr rtlCol="0" anchor="ctr"/>
-          <a:lstStyle/>
-          <a:p>
-            <a:pPr algn="ctr"/>
-            <a:endParaRPr lang="fr-FR" dirty="0"/>
-          </a:p>
-        </p:txBody>
-      </p:sp>
-      <p:sp>
-        <p:nvSpPr>
-          <p:cNvPr id="39" name="Rectangle 38">
-            <a:extLst>
-              <a:ext uri="{FF2B5EF4-FFF2-40B4-BE49-F238E27FC236}">
-                <a16:creationId xmlns:a16="http://schemas.microsoft.com/office/drawing/2014/main" id="{5F8E3BE3-EAB3-1B0F-D716-15E52217957D}"/>
-              </a:ext>
-            </a:extLst>
-          </p:cNvPr>
-          <p:cNvSpPr/>
-          <p:nvPr/>
-        </p:nvSpPr>
-        <p:spPr>
-          <a:xfrm rot="19800000">
-            <a:off x="3056268" y="2917702"/>
-            <a:ext cx="360000" cy="180000"/>
-          </a:xfrm>
-          <a:prstGeom prst="rect">
-            <a:avLst/>
-          </a:prstGeom>
-          <a:solidFill>
-            <a:schemeClr val="bg1"/>
-          </a:solidFill>
-          <a:ln w="28575">
-            <a:solidFill>
-              <a:srgbClr val="00547F"/>
-            </a:solidFill>
-          </a:ln>
-        </p:spPr>
-        <p:style>
-          <a:lnRef idx="2">
-            <a:schemeClr val="accent1">
-              <a:shade val="50000"/>
-            </a:schemeClr>
-          </a:lnRef>
-          <a:fillRef idx="1">
-            <a:schemeClr val="accent1"/>
-          </a:fillRef>
-          <a:effectRef idx="0">
-            <a:schemeClr val="accent1"/>
-          </a:effectRef>
-          <a:fontRef idx="minor">
-            <a:schemeClr val="lt1"/>
-          </a:fontRef>
-        </p:style>
-        <p:txBody>
-          <a:bodyPr rtlCol="0" anchor="ctr"/>
-          <a:lstStyle/>
-          <a:p>
-            <a:pPr algn="ctr"/>
-            <a:endParaRPr lang="fr-FR"/>
-          </a:p>
-        </p:txBody>
-      </p:sp>
-      <p:sp>
-        <p:nvSpPr>
-          <p:cNvPr id="43" name="Ellipse 42">
-            <a:extLst>
-              <a:ext uri="{FF2B5EF4-FFF2-40B4-BE49-F238E27FC236}">
-                <a16:creationId xmlns:a16="http://schemas.microsoft.com/office/drawing/2014/main" id="{2D792590-3E77-2B67-87C2-3DD1A4ED380E}"/>
-              </a:ext>
-            </a:extLst>
-          </p:cNvPr>
-          <p:cNvSpPr/>
-          <p:nvPr/>
-        </p:nvSpPr>
-        <p:spPr>
-          <a:xfrm>
-            <a:off x="2412283" y="3333708"/>
-            <a:ext cx="180000" cy="180000"/>
-          </a:xfrm>
-          <a:prstGeom prst="ellipse">
-            <a:avLst/>
-          </a:prstGeom>
-          <a:solidFill>
-            <a:schemeClr val="bg1"/>
-          </a:solidFill>
-          <a:ln w="28575">
-            <a:solidFill>
-              <a:schemeClr val="tx1"/>
-            </a:solidFill>
-          </a:ln>
-        </p:spPr>
-        <p:style>
-          <a:lnRef idx="2">
-            <a:schemeClr val="accent1">
-              <a:shade val="50000"/>
-            </a:schemeClr>
-          </a:lnRef>
-          <a:fillRef idx="1">
-            <a:schemeClr val="accent1"/>
-          </a:fillRef>
-          <a:effectRef idx="0">
-            <a:schemeClr val="accent1"/>
-          </a:effectRef>
-          <a:fontRef idx="minor">
-            <a:schemeClr val="lt1"/>
-          </a:fontRef>
-        </p:style>
-        <p:txBody>
-          <a:bodyPr rtlCol="0" anchor="ctr"/>
-          <a:lstStyle/>
-          <a:p>
-            <a:pPr algn="ctr"/>
-            <a:endParaRPr lang="fr-FR"/>
-          </a:p>
-        </p:txBody>
-      </p:sp>
-      <mc:AlternateContent xmlns:mc="http://schemas.openxmlformats.org/markup-compatibility/2006" xmlns:a14="http://schemas.microsoft.com/office/drawing/2010/main">
-        <mc:Choice Requires="a14">
+      <mc:AlternateContent xmlns:mc="http://schemas.openxmlformats.org/markup-compatibility/2006">
+        <mc:Choice xmlns:a14="http://schemas.microsoft.com/office/drawing/2010/main" Requires="a14">
           <p:sp>
             <p:nvSpPr>
-              <p:cNvPr id="44" name="ZoneTexte 43">
+              <p:cNvPr id="46" name="Espace réservé du contenu 2">
                 <a:extLst>
                   <a:ext uri="{FF2B5EF4-FFF2-40B4-BE49-F238E27FC236}">
-                    <a16:creationId xmlns:a16="http://schemas.microsoft.com/office/drawing/2014/main" id="{41B21A59-5771-7532-7B88-0A1DCBA15383}"/>
+                    <a16:creationId xmlns:a16="http://schemas.microsoft.com/office/drawing/2014/main" id="{196E6F2F-8374-FDDD-BEE3-E17D6F340678}"/>
                   </a:ext>
                 </a:extLst>
               </p:cNvPr>
-              <p:cNvSpPr txBox="1"/>
-              <p:nvPr/>
+              <p:cNvSpPr>
+                <a:spLocks noGrp="1"/>
+              </p:cNvSpPr>
+              <p:nvPr>
+                <p:ph idx="1"/>
+              </p:nvPr>
             </p:nvSpPr>
             <p:spPr>
               <a:xfrm>
-                <a:off x="3245004" y="3171773"/>
-                <a:ext cx="133370" cy="184666"/>
+                <a:off x="3937055" y="981887"/>
+                <a:ext cx="8137149" cy="5253339"/>
               </a:xfrm>
-              <a:prstGeom prst="rect">
-                <a:avLst/>
-              </a:prstGeom>
-              <a:noFill/>
             </p:spPr>
             <p:txBody>
-              <a:bodyPr wrap="none" lIns="0" tIns="0" rIns="0" bIns="0" rtlCol="0">
-                <a:spAutoFit/>
-              </a:bodyPr>
+              <a:bodyPr/>
               <a:lstStyle/>
               <a:p>
-                <a:pPr/>
+                <a:pPr>
+                  <a:buFont typeface="Wingdings" panose="05000000000000000000" pitchFamily="2" charset="2"/>
+                  <a:buChar char="q"/>
+                </a:pPr>
+                <a:r>
+                  <a:rPr lang="fr-FR" dirty="0"/>
+                  <a:t> </a:t>
+                </a:r>
                 <a14:m>
-                  <m:oMathPara xmlns:m="http://schemas.openxmlformats.org/officeDocument/2006/math">
-                    <m:oMathParaPr>
-                      <m:jc m:val="centerGroup"/>
-                    </m:oMathParaPr>
-                    <m:oMath xmlns:m="http://schemas.openxmlformats.org/officeDocument/2006/math">
-                      <m:r>
-                        <a:rPr lang="fr-FR" sz="1200" b="0" i="1" smtClean="0">
-                          <a:latin typeface="Cambria Math" panose="02040503050406030204" pitchFamily="18" charset="0"/>
-                        </a:rPr>
-                        <m:t>𝐶</m:t>
-                      </m:r>
-                    </m:oMath>
-                  </m:oMathPara>
+                  <m:oMath xmlns:m="http://schemas.openxmlformats.org/officeDocument/2006/math">
+                    <m:acc>
+                      <m:accPr>
+                        <m:chr m:val="⃗"/>
+                        <m:ctrlPr>
+                          <a:rPr lang="fr-FR" i="1" smtClean="0">
+                            <a:latin typeface="Cambria Math" panose="02040503050406030204" pitchFamily="18" charset="0"/>
+                          </a:rPr>
+                        </m:ctrlPr>
+                      </m:accPr>
+                      <m:e>
+                        <m:r>
+                          <a:rPr lang="fr-FR" b="0" i="1" smtClean="0">
+                            <a:latin typeface="Cambria Math" panose="02040503050406030204" pitchFamily="18" charset="0"/>
+                          </a:rPr>
+                          <m:t>𝐴𝐵</m:t>
+                        </m:r>
+                      </m:e>
+                    </m:acc>
+                    <m:r>
+                      <a:rPr lang="fr-FR" b="0" i="1" smtClean="0">
+                        <a:latin typeface="Cambria Math" panose="02040503050406030204" pitchFamily="18" charset="0"/>
+                      </a:rPr>
+                      <m:t>=</m:t>
+                    </m:r>
+                    <m:r>
+                      <a:rPr lang="fr-FR" b="0" i="1" smtClean="0">
+                        <a:latin typeface="Cambria Math" panose="02040503050406030204" pitchFamily="18" charset="0"/>
+                      </a:rPr>
+                      <m:t>𝜆</m:t>
+                    </m:r>
+                    <m:acc>
+                      <m:accPr>
+                        <m:chr m:val="⃗"/>
+                        <m:ctrlPr>
+                          <a:rPr lang="fr-FR" i="1">
+                            <a:latin typeface="Cambria Math" panose="02040503050406030204" pitchFamily="18" charset="0"/>
+                          </a:rPr>
+                        </m:ctrlPr>
+                      </m:accPr>
+                      <m:e>
+                        <m:sSub>
+                          <m:sSubPr>
+                            <m:ctrlPr>
+                              <a:rPr lang="fr-FR" i="1">
+                                <a:latin typeface="Cambria Math" panose="02040503050406030204" pitchFamily="18" charset="0"/>
+                              </a:rPr>
+                            </m:ctrlPr>
+                          </m:sSubPr>
+                          <m:e>
+                            <m:r>
+                              <a:rPr lang="fr-FR" i="1">
+                                <a:latin typeface="Cambria Math" panose="02040503050406030204" pitchFamily="18" charset="0"/>
+                              </a:rPr>
+                              <m:t>𝑖</m:t>
+                            </m:r>
+                          </m:e>
+                          <m:sub>
+                            <m:r>
+                              <a:rPr lang="fr-FR" i="1">
+                                <a:latin typeface="Cambria Math" panose="02040503050406030204" pitchFamily="18" charset="0"/>
+                              </a:rPr>
+                              <m:t>1</m:t>
+                            </m:r>
+                          </m:sub>
+                        </m:sSub>
+                      </m:e>
+                    </m:acc>
+                    <m:r>
+                      <a:rPr lang="fr-FR" b="0" i="1" smtClean="0">
+                        <a:latin typeface="Cambria Math" panose="02040503050406030204" pitchFamily="18" charset="0"/>
+                      </a:rPr>
+                      <m:t>=</m:t>
+                    </m:r>
+                    <m:r>
+                      <a:rPr lang="fr-FR" i="1">
+                        <a:latin typeface="Cambria Math" panose="02040503050406030204" pitchFamily="18" charset="0"/>
+                      </a:rPr>
+                      <m:t>𝜆</m:t>
+                    </m:r>
+                    <m:func>
+                      <m:funcPr>
+                        <m:ctrlPr>
+                          <a:rPr lang="fr-FR" i="1">
+                            <a:latin typeface="Cambria Math" panose="02040503050406030204" pitchFamily="18" charset="0"/>
+                          </a:rPr>
+                        </m:ctrlPr>
+                      </m:funcPr>
+                      <m:fName>
+                        <m:r>
+                          <m:rPr>
+                            <m:sty m:val="p"/>
+                          </m:rPr>
+                          <a:rPr lang="fr-FR">
+                            <a:latin typeface="Cambria Math" panose="02040503050406030204" pitchFamily="18" charset="0"/>
+                          </a:rPr>
+                          <m:t>cos</m:t>
+                        </m:r>
+                      </m:fName>
+                      <m:e>
+                        <m:r>
+                          <a:rPr lang="fr-FR" i="1">
+                            <a:latin typeface="Cambria Math" panose="02040503050406030204" pitchFamily="18" charset="0"/>
+                          </a:rPr>
+                          <m:t>𝜃</m:t>
+                        </m:r>
+                      </m:e>
+                    </m:func>
+                    <m:acc>
+                      <m:accPr>
+                        <m:chr m:val="⃗"/>
+                        <m:ctrlPr>
+                          <a:rPr lang="fr-FR" i="1">
+                            <a:latin typeface="Cambria Math" panose="02040503050406030204" pitchFamily="18" charset="0"/>
+                          </a:rPr>
+                        </m:ctrlPr>
+                      </m:accPr>
+                      <m:e>
+                        <m:sSub>
+                          <m:sSubPr>
+                            <m:ctrlPr>
+                              <a:rPr lang="fr-FR" i="1">
+                                <a:latin typeface="Cambria Math" panose="02040503050406030204" pitchFamily="18" charset="0"/>
+                              </a:rPr>
+                            </m:ctrlPr>
+                          </m:sSubPr>
+                          <m:e>
+                            <m:r>
+                              <a:rPr lang="fr-FR" i="1">
+                                <a:latin typeface="Cambria Math" panose="02040503050406030204" pitchFamily="18" charset="0"/>
+                              </a:rPr>
+                              <m:t>𝑖</m:t>
+                            </m:r>
+                          </m:e>
+                          <m:sub>
+                            <m:r>
+                              <a:rPr lang="fr-FR" i="1">
+                                <a:latin typeface="Cambria Math" panose="02040503050406030204" pitchFamily="18" charset="0"/>
+                              </a:rPr>
+                              <m:t>0</m:t>
+                            </m:r>
+                          </m:sub>
+                        </m:sSub>
+                      </m:e>
+                    </m:acc>
+                    <m:r>
+                      <a:rPr lang="fr-FR" b="0" i="1" smtClean="0">
+                        <a:latin typeface="Cambria Math" panose="02040503050406030204" pitchFamily="18" charset="0"/>
+                      </a:rPr>
+                      <m:t>+</m:t>
+                    </m:r>
+                    <m:r>
+                      <a:rPr lang="fr-FR" i="1">
+                        <a:latin typeface="Cambria Math" panose="02040503050406030204" pitchFamily="18" charset="0"/>
+                      </a:rPr>
+                      <m:t>𝜆</m:t>
+                    </m:r>
+                    <m:func>
+                      <m:funcPr>
+                        <m:ctrlPr>
+                          <a:rPr lang="fr-FR" i="1">
+                            <a:latin typeface="Cambria Math" panose="02040503050406030204" pitchFamily="18" charset="0"/>
+                          </a:rPr>
+                        </m:ctrlPr>
+                      </m:funcPr>
+                      <m:fName>
+                        <m:r>
+                          <m:rPr>
+                            <m:sty m:val="p"/>
+                          </m:rPr>
+                          <a:rPr lang="fr-FR" b="0" i="0" smtClean="0">
+                            <a:latin typeface="Cambria Math" panose="02040503050406030204" pitchFamily="18" charset="0"/>
+                          </a:rPr>
+                          <m:t>sin</m:t>
+                        </m:r>
+                      </m:fName>
+                      <m:e>
+                        <m:r>
+                          <a:rPr lang="fr-FR" i="1">
+                            <a:latin typeface="Cambria Math" panose="02040503050406030204" pitchFamily="18" charset="0"/>
+                          </a:rPr>
+                          <m:t>𝜃</m:t>
+                        </m:r>
+                      </m:e>
+                    </m:func>
+                    <m:acc>
+                      <m:accPr>
+                        <m:chr m:val="⃗"/>
+                        <m:ctrlPr>
+                          <a:rPr lang="fr-FR" i="1">
+                            <a:latin typeface="Cambria Math" panose="02040503050406030204" pitchFamily="18" charset="0"/>
+                          </a:rPr>
+                        </m:ctrlPr>
+                      </m:accPr>
+                      <m:e>
+                        <m:sSub>
+                          <m:sSubPr>
+                            <m:ctrlPr>
+                              <a:rPr lang="fr-FR" i="1">
+                                <a:latin typeface="Cambria Math" panose="02040503050406030204" pitchFamily="18" charset="0"/>
+                              </a:rPr>
+                            </m:ctrlPr>
+                          </m:sSubPr>
+                          <m:e>
+                            <m:r>
+                              <a:rPr lang="fr-FR" b="0" i="1" smtClean="0">
+                                <a:latin typeface="Cambria Math" panose="02040503050406030204" pitchFamily="18" charset="0"/>
+                              </a:rPr>
+                              <m:t>𝑗</m:t>
+                            </m:r>
+                          </m:e>
+                          <m:sub>
+                            <m:r>
+                              <a:rPr lang="fr-FR" i="1">
+                                <a:latin typeface="Cambria Math" panose="02040503050406030204" pitchFamily="18" charset="0"/>
+                              </a:rPr>
+                              <m:t>0</m:t>
+                            </m:r>
+                          </m:sub>
+                        </m:sSub>
+                      </m:e>
+                    </m:acc>
+                  </m:oMath>
                 </a14:m>
-                <a:endParaRPr lang="fr-FR" sz="1200" dirty="0"/>
+                <a:endParaRPr lang="fr-FR" dirty="0"/>
+              </a:p>
+              <a:p>
+                <a:pPr>
+                  <a:buFont typeface="Wingdings" panose="05000000000000000000" pitchFamily="2" charset="2"/>
+                  <a:buChar char="q"/>
+                </a:pPr>
+                <a:r>
+                  <a:rPr lang="fr-FR" dirty="0"/>
+                  <a:t> </a:t>
+                </a:r>
+                <a14:m>
+                  <m:oMath xmlns:m="http://schemas.openxmlformats.org/officeDocument/2006/math">
+                    <m:acc>
+                      <m:accPr>
+                        <m:chr m:val="⃗"/>
+                        <m:ctrlPr>
+                          <a:rPr lang="fr-FR" i="1">
+                            <a:latin typeface="Cambria Math" panose="02040503050406030204" pitchFamily="18" charset="0"/>
+                          </a:rPr>
+                        </m:ctrlPr>
+                      </m:accPr>
+                      <m:e>
+                        <m:r>
+                          <a:rPr lang="fr-FR" i="1">
+                            <a:latin typeface="Cambria Math" panose="02040503050406030204" pitchFamily="18" charset="0"/>
+                          </a:rPr>
+                          <m:t>𝐴𝐵</m:t>
+                        </m:r>
+                      </m:e>
+                    </m:acc>
+                    <m:r>
+                      <a:rPr lang="fr-FR" i="1">
+                        <a:latin typeface="Cambria Math" panose="02040503050406030204" pitchFamily="18" charset="0"/>
+                      </a:rPr>
+                      <m:t>=</m:t>
+                    </m:r>
+                    <m:r>
+                      <a:rPr lang="fr-FR" i="1">
+                        <a:latin typeface="Cambria Math" panose="02040503050406030204" pitchFamily="18" charset="0"/>
+                      </a:rPr>
+                      <m:t>𝑥</m:t>
+                    </m:r>
+                    <m:acc>
+                      <m:accPr>
+                        <m:chr m:val="⃗"/>
+                        <m:ctrlPr>
+                          <a:rPr lang="fr-FR" i="1">
+                            <a:latin typeface="Cambria Math" panose="02040503050406030204" pitchFamily="18" charset="0"/>
+                          </a:rPr>
+                        </m:ctrlPr>
+                      </m:accPr>
+                      <m:e>
+                        <m:sSub>
+                          <m:sSubPr>
+                            <m:ctrlPr>
+                              <a:rPr lang="fr-FR" i="1">
+                                <a:latin typeface="Cambria Math" panose="02040503050406030204" pitchFamily="18" charset="0"/>
+                              </a:rPr>
+                            </m:ctrlPr>
+                          </m:sSubPr>
+                          <m:e>
+                            <m:r>
+                              <a:rPr lang="fr-FR" i="1">
+                                <a:latin typeface="Cambria Math" panose="02040503050406030204" pitchFamily="18" charset="0"/>
+                              </a:rPr>
+                              <m:t>𝑖</m:t>
+                            </m:r>
+                          </m:e>
+                          <m:sub>
+                            <m:r>
+                              <a:rPr lang="fr-FR" i="1">
+                                <a:latin typeface="Cambria Math" panose="02040503050406030204" pitchFamily="18" charset="0"/>
+                              </a:rPr>
+                              <m:t>0</m:t>
+                            </m:r>
+                          </m:sub>
+                        </m:sSub>
+                      </m:e>
+                    </m:acc>
+                    <m:r>
+                      <a:rPr lang="fr-FR" b="0" i="1" smtClean="0">
+                        <a:latin typeface="Cambria Math" panose="02040503050406030204" pitchFamily="18" charset="0"/>
+                      </a:rPr>
+                      <m:t>+</m:t>
+                    </m:r>
+                    <m:r>
+                      <a:rPr lang="fr-FR" b="0" i="1" smtClean="0">
+                        <a:latin typeface="Cambria Math" panose="02040503050406030204" pitchFamily="18" charset="0"/>
+                      </a:rPr>
+                      <m:t>𝑦</m:t>
+                    </m:r>
+                    <m:acc>
+                      <m:accPr>
+                        <m:chr m:val="⃗"/>
+                        <m:ctrlPr>
+                          <a:rPr lang="fr-FR" i="1">
+                            <a:latin typeface="Cambria Math" panose="02040503050406030204" pitchFamily="18" charset="0"/>
+                          </a:rPr>
+                        </m:ctrlPr>
+                      </m:accPr>
+                      <m:e>
+                        <m:sSub>
+                          <m:sSubPr>
+                            <m:ctrlPr>
+                              <a:rPr lang="fr-FR" i="1">
+                                <a:latin typeface="Cambria Math" panose="02040503050406030204" pitchFamily="18" charset="0"/>
+                              </a:rPr>
+                            </m:ctrlPr>
+                          </m:sSubPr>
+                          <m:e>
+                            <m:r>
+                              <a:rPr lang="fr-FR" b="0" i="1" smtClean="0">
+                                <a:latin typeface="Cambria Math" panose="02040503050406030204" pitchFamily="18" charset="0"/>
+                              </a:rPr>
+                              <m:t>𝑗</m:t>
+                            </m:r>
+                          </m:e>
+                          <m:sub>
+                            <m:r>
+                              <a:rPr lang="fr-FR" i="1">
+                                <a:latin typeface="Cambria Math" panose="02040503050406030204" pitchFamily="18" charset="0"/>
+                              </a:rPr>
+                              <m:t>0</m:t>
+                            </m:r>
+                          </m:sub>
+                        </m:sSub>
+                      </m:e>
+                    </m:acc>
+                  </m:oMath>
+                </a14:m>
+                <a:endParaRPr lang="fr-FR" dirty="0"/>
+              </a:p>
+              <a:p>
+                <a:pPr>
+                  <a:buFont typeface="Wingdings" panose="05000000000000000000" pitchFamily="2" charset="2"/>
+                  <a:buChar char="q"/>
+                </a:pPr>
+                <a14:m>
+                  <m:oMath xmlns:m="http://schemas.openxmlformats.org/officeDocument/2006/math">
+                    <m:d>
+                      <m:dPr>
+                        <m:begChr m:val="{"/>
+                        <m:endChr m:val=""/>
+                        <m:ctrlPr>
+                          <a:rPr lang="fr-FR" i="1" smtClean="0">
+                            <a:latin typeface="Cambria Math" panose="02040503050406030204" pitchFamily="18" charset="0"/>
+                          </a:rPr>
+                        </m:ctrlPr>
+                      </m:dPr>
+                      <m:e>
+                        <m:eqArr>
+                          <m:eqArrPr>
+                            <m:ctrlPr>
+                              <a:rPr lang="fr-FR" i="1" smtClean="0">
+                                <a:latin typeface="Cambria Math" panose="02040503050406030204" pitchFamily="18" charset="0"/>
+                              </a:rPr>
+                            </m:ctrlPr>
+                          </m:eqArrPr>
+                          <m:e>
+                            <m:r>
+                              <a:rPr lang="fr-FR" b="0" i="1" smtClean="0">
+                                <a:latin typeface="Cambria Math" panose="02040503050406030204" pitchFamily="18" charset="0"/>
+                              </a:rPr>
+                              <m:t>𝜆</m:t>
+                            </m:r>
+                            <m:func>
+                              <m:funcPr>
+                                <m:ctrlPr>
+                                  <a:rPr lang="fr-FR" b="0" i="1" smtClean="0">
+                                    <a:latin typeface="Cambria Math" panose="02040503050406030204" pitchFamily="18" charset="0"/>
+                                  </a:rPr>
+                                </m:ctrlPr>
+                              </m:funcPr>
+                              <m:fName>
+                                <m:r>
+                                  <m:rPr>
+                                    <m:sty m:val="p"/>
+                                  </m:rPr>
+                                  <a:rPr lang="fr-FR" b="0" i="0" smtClean="0">
+                                    <a:latin typeface="Cambria Math" panose="02040503050406030204" pitchFamily="18" charset="0"/>
+                                  </a:rPr>
+                                  <m:t>cos</m:t>
+                                </m:r>
+                              </m:fName>
+                              <m:e>
+                                <m:r>
+                                  <a:rPr lang="fr-FR" b="0" i="1" smtClean="0">
+                                    <a:latin typeface="Cambria Math" panose="02040503050406030204" pitchFamily="18" charset="0"/>
+                                  </a:rPr>
+                                  <m:t>𝜃</m:t>
+                                </m:r>
+                              </m:e>
+                            </m:func>
+                            <m:r>
+                              <a:rPr lang="fr-FR" b="0" i="1" smtClean="0">
+                                <a:latin typeface="Cambria Math" panose="02040503050406030204" pitchFamily="18" charset="0"/>
+                              </a:rPr>
+                              <m:t>=</m:t>
+                            </m:r>
+                            <m:r>
+                              <a:rPr lang="fr-FR" b="0" i="1" smtClean="0">
+                                <a:latin typeface="Cambria Math" panose="02040503050406030204" pitchFamily="18" charset="0"/>
+                              </a:rPr>
+                              <m:t>𝑥</m:t>
+                            </m:r>
+                          </m:e>
+                          <m:e>
+                            <m:r>
+                              <a:rPr lang="fr-FR" i="1">
+                                <a:latin typeface="Cambria Math" panose="02040503050406030204" pitchFamily="18" charset="0"/>
+                              </a:rPr>
+                              <m:t>𝜆</m:t>
+                            </m:r>
+                            <m:func>
+                              <m:funcPr>
+                                <m:ctrlPr>
+                                  <a:rPr lang="fr-FR" i="1">
+                                    <a:latin typeface="Cambria Math" panose="02040503050406030204" pitchFamily="18" charset="0"/>
+                                  </a:rPr>
+                                </m:ctrlPr>
+                              </m:funcPr>
+                              <m:fName>
+                                <m:r>
+                                  <m:rPr>
+                                    <m:sty m:val="p"/>
+                                  </m:rPr>
+                                  <a:rPr lang="fr-FR" b="0" i="0" smtClean="0">
+                                    <a:latin typeface="Cambria Math" panose="02040503050406030204" pitchFamily="18" charset="0"/>
+                                  </a:rPr>
+                                  <m:t>sin</m:t>
+                                </m:r>
+                              </m:fName>
+                              <m:e>
+                                <m:r>
+                                  <a:rPr lang="fr-FR" i="1">
+                                    <a:latin typeface="Cambria Math" panose="02040503050406030204" pitchFamily="18" charset="0"/>
+                                  </a:rPr>
+                                  <m:t>𝜃</m:t>
+                                </m:r>
+                              </m:e>
+                            </m:func>
+                            <m:r>
+                              <a:rPr lang="fr-FR" i="1">
+                                <a:latin typeface="Cambria Math" panose="02040503050406030204" pitchFamily="18" charset="0"/>
+                              </a:rPr>
+                              <m:t>=</m:t>
+                            </m:r>
+                            <m:r>
+                              <a:rPr lang="fr-FR" b="0" i="1" smtClean="0">
+                                <a:latin typeface="Cambria Math" panose="02040503050406030204" pitchFamily="18" charset="0"/>
+                              </a:rPr>
+                              <m:t>𝑦</m:t>
+                            </m:r>
+                          </m:e>
+                        </m:eqArr>
+                      </m:e>
+                    </m:d>
+                  </m:oMath>
+                </a14:m>
+                <a:r>
+                  <a:rPr lang="fr-FR" dirty="0"/>
+                  <a:t> et </a:t>
+                </a:r>
+                <a14:m>
+                  <m:oMath xmlns:m="http://schemas.openxmlformats.org/officeDocument/2006/math">
+                    <m:d>
+                      <m:dPr>
+                        <m:begChr m:val="{"/>
+                        <m:endChr m:val=""/>
+                        <m:ctrlPr>
+                          <a:rPr lang="fr-FR" i="1">
+                            <a:latin typeface="Cambria Math" panose="02040503050406030204" pitchFamily="18" charset="0"/>
+                          </a:rPr>
+                        </m:ctrlPr>
+                      </m:dPr>
+                      <m:e>
+                        <m:eqArr>
+                          <m:eqArrPr>
+                            <m:ctrlPr>
+                              <a:rPr lang="fr-FR" i="1">
+                                <a:latin typeface="Cambria Math" panose="02040503050406030204" pitchFamily="18" charset="0"/>
+                              </a:rPr>
+                            </m:ctrlPr>
+                          </m:eqArrPr>
+                          <m:e>
+                            <m:sSup>
+                              <m:sSupPr>
+                                <m:ctrlPr>
+                                  <a:rPr lang="fr-FR" i="1">
+                                    <a:latin typeface="Cambria Math" panose="02040503050406030204" pitchFamily="18" charset="0"/>
+                                  </a:rPr>
+                                </m:ctrlPr>
+                              </m:sSupPr>
+                              <m:e>
+                                <m:r>
+                                  <a:rPr lang="fr-FR" i="1">
+                                    <a:latin typeface="Cambria Math" panose="02040503050406030204" pitchFamily="18" charset="0"/>
+                                  </a:rPr>
+                                  <m:t>𝜆</m:t>
+                                </m:r>
+                              </m:e>
+                              <m:sup>
+                                <m:r>
+                                  <a:rPr lang="fr-FR" i="1">
+                                    <a:latin typeface="Cambria Math" panose="02040503050406030204" pitchFamily="18" charset="0"/>
+                                  </a:rPr>
+                                  <m:t>2</m:t>
+                                </m:r>
+                              </m:sup>
+                            </m:sSup>
+                            <m:r>
+                              <a:rPr lang="fr-FR" i="1">
+                                <a:latin typeface="Cambria Math" panose="02040503050406030204" pitchFamily="18" charset="0"/>
+                              </a:rPr>
+                              <m:t>=</m:t>
+                            </m:r>
+                            <m:sSup>
+                              <m:sSupPr>
+                                <m:ctrlPr>
+                                  <a:rPr lang="fr-FR" i="1">
+                                    <a:latin typeface="Cambria Math" panose="02040503050406030204" pitchFamily="18" charset="0"/>
+                                  </a:rPr>
+                                </m:ctrlPr>
+                              </m:sSupPr>
+                              <m:e>
+                                <m:r>
+                                  <a:rPr lang="fr-FR" i="1">
+                                    <a:latin typeface="Cambria Math" panose="02040503050406030204" pitchFamily="18" charset="0"/>
+                                  </a:rPr>
+                                  <m:t>𝑥</m:t>
+                                </m:r>
+                              </m:e>
+                              <m:sup>
+                                <m:r>
+                                  <a:rPr lang="fr-FR" i="1">
+                                    <a:latin typeface="Cambria Math" panose="02040503050406030204" pitchFamily="18" charset="0"/>
+                                  </a:rPr>
+                                  <m:t>2</m:t>
+                                </m:r>
+                              </m:sup>
+                            </m:sSup>
+                            <m:r>
+                              <a:rPr lang="fr-FR" i="1">
+                                <a:latin typeface="Cambria Math" panose="02040503050406030204" pitchFamily="18" charset="0"/>
+                              </a:rPr>
+                              <m:t>+</m:t>
+                            </m:r>
+                            <m:sSup>
+                              <m:sSupPr>
+                                <m:ctrlPr>
+                                  <a:rPr lang="fr-FR" i="1">
+                                    <a:latin typeface="Cambria Math" panose="02040503050406030204" pitchFamily="18" charset="0"/>
+                                  </a:rPr>
+                                </m:ctrlPr>
+                              </m:sSupPr>
+                              <m:e>
+                                <m:r>
+                                  <a:rPr lang="fr-FR" i="1">
+                                    <a:latin typeface="Cambria Math" panose="02040503050406030204" pitchFamily="18" charset="0"/>
+                                  </a:rPr>
+                                  <m:t>𝑦</m:t>
+                                </m:r>
+                              </m:e>
+                              <m:sup>
+                                <m:r>
+                                  <a:rPr lang="fr-FR" i="1">
+                                    <a:latin typeface="Cambria Math" panose="02040503050406030204" pitchFamily="18" charset="0"/>
+                                  </a:rPr>
+                                  <m:t>2</m:t>
+                                </m:r>
+                              </m:sup>
+                            </m:sSup>
+                          </m:e>
+                          <m:e>
+                            <m:r>
+                              <a:rPr lang="fr-FR" i="1">
+                                <a:latin typeface="Cambria Math" panose="02040503050406030204" pitchFamily="18" charset="0"/>
+                              </a:rPr>
+                              <m:t>𝜃</m:t>
+                            </m:r>
+                            <m:r>
+                              <a:rPr lang="fr-FR" i="1">
+                                <a:latin typeface="Cambria Math" panose="02040503050406030204" pitchFamily="18" charset="0"/>
+                              </a:rPr>
+                              <m:t>=</m:t>
+                            </m:r>
+                            <m:func>
+                              <m:funcPr>
+                                <m:ctrlPr>
+                                  <a:rPr lang="fr-FR" i="1">
+                                    <a:latin typeface="Cambria Math" panose="02040503050406030204" pitchFamily="18" charset="0"/>
+                                  </a:rPr>
+                                </m:ctrlPr>
+                              </m:funcPr>
+                              <m:fName>
+                                <m:r>
+                                  <m:rPr>
+                                    <m:sty m:val="p"/>
+                                  </m:rPr>
+                                  <a:rPr lang="fr-FR">
+                                    <a:latin typeface="Cambria Math" panose="02040503050406030204" pitchFamily="18" charset="0"/>
+                                  </a:rPr>
+                                  <m:t>arctan</m:t>
+                                </m:r>
+                                <m:r>
+                                  <a:rPr lang="fr-FR">
+                                    <a:latin typeface="Cambria Math" panose="02040503050406030204" pitchFamily="18" charset="0"/>
+                                  </a:rPr>
+                                  <m:t>2</m:t>
+                                </m:r>
+                              </m:fName>
+                              <m:e>
+                                <m:d>
+                                  <m:dPr>
+                                    <m:ctrlPr>
+                                      <a:rPr lang="fr-FR" i="1">
+                                        <a:latin typeface="Cambria Math" panose="02040503050406030204" pitchFamily="18" charset="0"/>
+                                      </a:rPr>
+                                    </m:ctrlPr>
+                                  </m:dPr>
+                                  <m:e>
+                                    <m:r>
+                                      <a:rPr lang="fr-FR" i="1">
+                                        <a:latin typeface="Cambria Math" panose="02040503050406030204" pitchFamily="18" charset="0"/>
+                                      </a:rPr>
+                                      <m:t>𝑦</m:t>
+                                    </m:r>
+                                    <m:r>
+                                      <a:rPr lang="fr-FR" i="1">
+                                        <a:latin typeface="Cambria Math" panose="02040503050406030204" pitchFamily="18" charset="0"/>
+                                      </a:rPr>
+                                      <m:t>,</m:t>
+                                    </m:r>
+                                    <m:r>
+                                      <a:rPr lang="fr-FR" i="1">
+                                        <a:latin typeface="Cambria Math" panose="02040503050406030204" pitchFamily="18" charset="0"/>
+                                      </a:rPr>
+                                      <m:t>𝑥</m:t>
+                                    </m:r>
+                                  </m:e>
+                                </m:d>
+                              </m:e>
+                            </m:func>
+                          </m:e>
+                        </m:eqArr>
+                      </m:e>
+                    </m:d>
+                  </m:oMath>
+                </a14:m>
+                <a:r>
+                  <a:rPr lang="fr-FR" dirty="0"/>
+                  <a:t> et </a:t>
+                </a:r>
+                <a14:m>
+                  <m:oMath xmlns:m="http://schemas.openxmlformats.org/officeDocument/2006/math">
+                    <m:d>
+                      <m:dPr>
+                        <m:begChr m:val="{"/>
+                        <m:endChr m:val=""/>
+                        <m:ctrlPr>
+                          <a:rPr lang="fr-FR" i="1">
+                            <a:latin typeface="Cambria Math" panose="02040503050406030204" pitchFamily="18" charset="0"/>
+                          </a:rPr>
+                        </m:ctrlPr>
+                      </m:dPr>
+                      <m:e>
+                        <m:eqArr>
+                          <m:eqArrPr>
+                            <m:ctrlPr>
+                              <a:rPr lang="fr-FR" i="1">
+                                <a:latin typeface="Cambria Math" panose="02040503050406030204" pitchFamily="18" charset="0"/>
+                              </a:rPr>
+                            </m:ctrlPr>
+                          </m:eqArrPr>
+                          <m:e>
+                            <m:r>
+                              <a:rPr lang="fr-FR" b="0" i="1" smtClean="0">
+                                <a:latin typeface="Cambria Math" panose="02040503050406030204" pitchFamily="18" charset="0"/>
+                              </a:rPr>
+                              <m:t>𝜆</m:t>
+                            </m:r>
+                            <m:r>
+                              <a:rPr lang="fr-FR" i="1">
+                                <a:latin typeface="Cambria Math" panose="02040503050406030204" pitchFamily="18" charset="0"/>
+                              </a:rPr>
+                              <m:t>=</m:t>
+                            </m:r>
+                            <m:rad>
+                              <m:radPr>
+                                <m:degHide m:val="on"/>
+                                <m:ctrlPr>
+                                  <a:rPr lang="fr-FR" i="1" smtClean="0">
+                                    <a:latin typeface="Cambria Math" panose="02040503050406030204" pitchFamily="18" charset="0"/>
+                                  </a:rPr>
+                                </m:ctrlPr>
+                              </m:radPr>
+                              <m:deg/>
+                              <m:e>
+                                <m:sSup>
+                                  <m:sSupPr>
+                                    <m:ctrlPr>
+                                      <a:rPr lang="fr-FR" i="1">
+                                        <a:latin typeface="Cambria Math" panose="02040503050406030204" pitchFamily="18" charset="0"/>
+                                      </a:rPr>
+                                    </m:ctrlPr>
+                                  </m:sSupPr>
+                                  <m:e>
+                                    <m:r>
+                                      <a:rPr lang="fr-FR" i="1">
+                                        <a:latin typeface="Cambria Math" panose="02040503050406030204" pitchFamily="18" charset="0"/>
+                                      </a:rPr>
+                                      <m:t>𝑥</m:t>
+                                    </m:r>
+                                  </m:e>
+                                  <m:sup>
+                                    <m:r>
+                                      <a:rPr lang="fr-FR" i="1">
+                                        <a:latin typeface="Cambria Math" panose="02040503050406030204" pitchFamily="18" charset="0"/>
+                                      </a:rPr>
+                                      <m:t>2</m:t>
+                                    </m:r>
+                                  </m:sup>
+                                </m:sSup>
+                                <m:r>
+                                  <a:rPr lang="fr-FR" i="1">
+                                    <a:latin typeface="Cambria Math" panose="02040503050406030204" pitchFamily="18" charset="0"/>
+                                  </a:rPr>
+                                  <m:t>+</m:t>
+                                </m:r>
+                                <m:sSup>
+                                  <m:sSupPr>
+                                    <m:ctrlPr>
+                                      <a:rPr lang="fr-FR" i="1">
+                                        <a:latin typeface="Cambria Math" panose="02040503050406030204" pitchFamily="18" charset="0"/>
+                                      </a:rPr>
+                                    </m:ctrlPr>
+                                  </m:sSupPr>
+                                  <m:e>
+                                    <m:r>
+                                      <a:rPr lang="fr-FR" i="1">
+                                        <a:latin typeface="Cambria Math" panose="02040503050406030204" pitchFamily="18" charset="0"/>
+                                      </a:rPr>
+                                      <m:t>𝑦</m:t>
+                                    </m:r>
+                                  </m:e>
+                                  <m:sup>
+                                    <m:r>
+                                      <a:rPr lang="fr-FR" i="1">
+                                        <a:latin typeface="Cambria Math" panose="02040503050406030204" pitchFamily="18" charset="0"/>
+                                      </a:rPr>
+                                      <m:t>2</m:t>
+                                    </m:r>
+                                  </m:sup>
+                                </m:sSup>
+                              </m:e>
+                            </m:rad>
+                          </m:e>
+                          <m:e>
+                            <m:r>
+                              <a:rPr lang="fr-FR" i="1">
+                                <a:latin typeface="Cambria Math" panose="02040503050406030204" pitchFamily="18" charset="0"/>
+                              </a:rPr>
+                              <m:t>𝜃</m:t>
+                            </m:r>
+                            <m:r>
+                              <a:rPr lang="fr-FR" i="1">
+                                <a:latin typeface="Cambria Math" panose="02040503050406030204" pitchFamily="18" charset="0"/>
+                              </a:rPr>
+                              <m:t>=</m:t>
+                            </m:r>
+                            <m:func>
+                              <m:funcPr>
+                                <m:ctrlPr>
+                                  <a:rPr lang="fr-FR" i="1">
+                                    <a:latin typeface="Cambria Math" panose="02040503050406030204" pitchFamily="18" charset="0"/>
+                                  </a:rPr>
+                                </m:ctrlPr>
+                              </m:funcPr>
+                              <m:fName>
+                                <m:r>
+                                  <m:rPr>
+                                    <m:sty m:val="p"/>
+                                  </m:rPr>
+                                  <a:rPr lang="fr-FR">
+                                    <a:latin typeface="Cambria Math" panose="02040503050406030204" pitchFamily="18" charset="0"/>
+                                  </a:rPr>
+                                  <m:t>arctan</m:t>
+                                </m:r>
+                                <m:r>
+                                  <a:rPr lang="fr-FR">
+                                    <a:latin typeface="Cambria Math" panose="02040503050406030204" pitchFamily="18" charset="0"/>
+                                  </a:rPr>
+                                  <m:t>2</m:t>
+                                </m:r>
+                              </m:fName>
+                              <m:e>
+                                <m:d>
+                                  <m:dPr>
+                                    <m:ctrlPr>
+                                      <a:rPr lang="fr-FR" i="1">
+                                        <a:latin typeface="Cambria Math" panose="02040503050406030204" pitchFamily="18" charset="0"/>
+                                      </a:rPr>
+                                    </m:ctrlPr>
+                                  </m:dPr>
+                                  <m:e>
+                                    <m:r>
+                                      <a:rPr lang="fr-FR" i="1">
+                                        <a:latin typeface="Cambria Math" panose="02040503050406030204" pitchFamily="18" charset="0"/>
+                                      </a:rPr>
+                                      <m:t>𝑦</m:t>
+                                    </m:r>
+                                    <m:r>
+                                      <a:rPr lang="fr-FR" i="1">
+                                        <a:latin typeface="Cambria Math" panose="02040503050406030204" pitchFamily="18" charset="0"/>
+                                      </a:rPr>
+                                      <m:t>,</m:t>
+                                    </m:r>
+                                    <m:r>
+                                      <a:rPr lang="fr-FR" i="1">
+                                        <a:latin typeface="Cambria Math" panose="02040503050406030204" pitchFamily="18" charset="0"/>
+                                      </a:rPr>
+                                      <m:t>𝑥</m:t>
+                                    </m:r>
+                                  </m:e>
+                                </m:d>
+                              </m:e>
+                            </m:func>
+                          </m:e>
+                        </m:eqArr>
+                      </m:e>
+                    </m:d>
+                  </m:oMath>
+                </a14:m>
+                <a:endParaRPr lang="fr-FR" dirty="0"/>
+              </a:p>
+              <a:p>
+                <a:pPr>
+                  <a:buFont typeface="Wingdings" panose="05000000000000000000" pitchFamily="2" charset="2"/>
+                  <a:buChar char="q"/>
+                </a:pPr>
+                <a:endParaRPr lang="fr-FR" dirty="0"/>
+              </a:p>
+              <a:p>
+                <a:pPr>
+                  <a:buFont typeface="Wingdings" panose="05000000000000000000" pitchFamily="2" charset="2"/>
+                  <a:buChar char="q"/>
+                </a:pPr>
+                <a:endParaRPr lang="fr-FR" dirty="0"/>
               </a:p>
             </p:txBody>
           </p:sp>
         </mc:Choice>
-        <mc:Fallback xmlns="">
+        <mc:Fallback>
           <p:sp>
             <p:nvSpPr>
-              <p:cNvPr id="44" name="ZoneTexte 43">
+              <p:cNvPr id="46" name="Espace réservé du contenu 2">
                 <a:extLst>
                   <a:ext uri="{FF2B5EF4-FFF2-40B4-BE49-F238E27FC236}">
-                    <a16:creationId xmlns:a16="http://schemas.microsoft.com/office/drawing/2014/main" id="{41B21A59-5771-7532-7B88-0A1DCBA15383}"/>
+                    <a16:creationId xmlns:a16="http://schemas.microsoft.com/office/drawing/2014/main" id="{196E6F2F-8374-FDDD-BEE3-E17D6F340678}"/>
                   </a:ext>
                 </a:extLst>
               </p:cNvPr>
-              <p:cNvSpPr txBox="1">
-                <a:spLocks noRot="1" noChangeAspect="1" noMove="1" noResize="1" noEditPoints="1" noAdjustHandles="1" noChangeArrowheads="1" noChangeShapeType="1" noTextEdit="1"/>
+              <p:cNvSpPr>
+                <a:spLocks noGrp="1" noRot="1" noChangeAspect="1" noMove="1" noResize="1" noEditPoints="1" noAdjustHandles="1" noChangeArrowheads="1" noChangeShapeType="1" noTextEdit="1"/>
               </p:cNvSpPr>
-              <p:nvPr/>
+              <p:nvPr>
+                <p:ph idx="1"/>
+              </p:nvPr>
             </p:nvSpPr>
             <p:spPr>
               <a:xfrm>
-                <a:off x="3245004" y="3171773"/>
-                <a:ext cx="133370" cy="184666"/>
+                <a:off x="3937055" y="981887"/>
+                <a:ext cx="8137149" cy="5253339"/>
               </a:xfrm>
-              <a:prstGeom prst="rect">
-                <a:avLst/>
-              </a:prstGeom>
               <a:blipFill>
-                <a:blip r:embed="rId13"/>
+                <a:blip r:embed="rId14"/>
                 <a:stretch>
-                  <a:fillRect l="-27273" r="-22727" b="-3226"/>
+                  <a:fillRect l="-1798" t="-348"/>
                 </a:stretch>
               </a:blipFill>
             </p:spPr>
@@ -7344,6 +8399,350 @@
     <p:extLst>
       <p:ext uri="{BB962C8B-B14F-4D97-AF65-F5344CB8AC3E}">
         <p14:creationId xmlns:p14="http://schemas.microsoft.com/office/powerpoint/2010/main" val="2700819924"/>
+      </p:ext>
+    </p:extLst>
+  </p:cSld>
+  <p:clrMapOvr>
+    <a:masterClrMapping/>
+  </p:clrMapOvr>
+</p:sld>
+</file>
+
+<file path=ppt/slides/slide13.xml><?xml version="1.0" encoding="utf-8"?>
+<p:sld xmlns:a="http://schemas.openxmlformats.org/drawingml/2006/main" xmlns:r="http://schemas.openxmlformats.org/officeDocument/2006/relationships" xmlns:p="http://schemas.openxmlformats.org/presentationml/2006/main">
+  <p:cSld>
+    <p:spTree>
+      <p:nvGrpSpPr>
+        <p:cNvPr id="1" name=""/>
+        <p:cNvGrpSpPr/>
+        <p:nvPr/>
+      </p:nvGrpSpPr>
+      <p:grpSpPr>
+        <a:xfrm>
+          <a:off x="0" y="0"/>
+          <a:ext cx="0" cy="0"/>
+          <a:chOff x="0" y="0"/>
+          <a:chExt cx="0" cy="0"/>
+        </a:xfrm>
+      </p:grpSpPr>
+      <p:sp>
+        <p:nvSpPr>
+          <p:cNvPr id="2" name="Titre 1">
+            <a:extLst>
+              <a:ext uri="{FF2B5EF4-FFF2-40B4-BE49-F238E27FC236}">
+                <a16:creationId xmlns:a16="http://schemas.microsoft.com/office/drawing/2014/main" id="{7FDD5E19-9C47-2694-ACD0-C124B4A4AD52}"/>
+              </a:ext>
+            </a:extLst>
+          </p:cNvPr>
+          <p:cNvSpPr>
+            <a:spLocks noGrp="1"/>
+          </p:cNvSpPr>
+          <p:nvPr>
+            <p:ph type="title"/>
+          </p:nvPr>
+        </p:nvSpPr>
+        <p:spPr/>
+        <p:txBody>
+          <a:bodyPr/>
+          <a:lstStyle/>
+          <a:p>
+            <a:r>
+              <a:rPr lang="fr-FR"/>
+              <a:t>Straégies </a:t>
+            </a:r>
+            <a:r>
+              <a:rPr lang="fr-FR" dirty="0"/>
+              <a:t>de ralliement</a:t>
+            </a:r>
+          </a:p>
+        </p:txBody>
+      </p:sp>
+      <p:sp>
+        <p:nvSpPr>
+          <p:cNvPr id="3" name="Espace réservé du contenu 2">
+            <a:extLst>
+              <a:ext uri="{FF2B5EF4-FFF2-40B4-BE49-F238E27FC236}">
+                <a16:creationId xmlns:a16="http://schemas.microsoft.com/office/drawing/2014/main" id="{7902B773-FC64-63D8-EA25-017BD6AF6A7B}"/>
+              </a:ext>
+            </a:extLst>
+          </p:cNvPr>
+          <p:cNvSpPr>
+            <a:spLocks noGrp="1"/>
+          </p:cNvSpPr>
+          <p:nvPr>
+            <p:ph idx="1"/>
+          </p:nvPr>
+        </p:nvSpPr>
+        <p:spPr/>
+        <p:txBody>
+          <a:bodyPr/>
+          <a:lstStyle/>
+          <a:p>
+            <a:endParaRPr lang="fr-FR" dirty="0"/>
+          </a:p>
+        </p:txBody>
+      </p:sp>
+      <p:sp>
+        <p:nvSpPr>
+          <p:cNvPr id="4" name="Espace réservé du numéro de diapositive 3">
+            <a:extLst>
+              <a:ext uri="{FF2B5EF4-FFF2-40B4-BE49-F238E27FC236}">
+                <a16:creationId xmlns:a16="http://schemas.microsoft.com/office/drawing/2014/main" id="{8F7803AC-1C70-F543-4A83-BB6F45B66EE9}"/>
+              </a:ext>
+            </a:extLst>
+          </p:cNvPr>
+          <p:cNvSpPr>
+            <a:spLocks noGrp="1"/>
+          </p:cNvSpPr>
+          <p:nvPr>
+            <p:ph type="sldNum" sz="quarter" idx="12"/>
+          </p:nvPr>
+        </p:nvSpPr>
+        <p:spPr/>
+        <p:txBody>
+          <a:bodyPr/>
+          <a:lstStyle/>
+          <a:p>
+            <a:fld id="{B7A6A38F-5C8E-497F-8761-3C4E0EEEA33A}" type="slidenum">
+              <a:rPr lang="fr-FR" smtClean="0"/>
+              <a:t>13</a:t>
+            </a:fld>
+            <a:endParaRPr lang="fr-FR"/>
+          </a:p>
+        </p:txBody>
+      </p:sp>
+    </p:spTree>
+    <p:extLst>
+      <p:ext uri="{BB962C8B-B14F-4D97-AF65-F5344CB8AC3E}">
+        <p14:creationId xmlns:p14="http://schemas.microsoft.com/office/powerpoint/2010/main" val="23774963"/>
+      </p:ext>
+    </p:extLst>
+  </p:cSld>
+  <p:clrMapOvr>
+    <a:masterClrMapping/>
+  </p:clrMapOvr>
+</p:sld>
+</file>
+
+<file path=ppt/slides/slide14.xml><?xml version="1.0" encoding="utf-8"?>
+<p:sld xmlns:a="http://schemas.openxmlformats.org/drawingml/2006/main" xmlns:r="http://schemas.openxmlformats.org/officeDocument/2006/relationships" xmlns:p="http://schemas.openxmlformats.org/presentationml/2006/main">
+  <p:cSld>
+    <p:spTree>
+      <p:nvGrpSpPr>
+        <p:cNvPr id="1" name=""/>
+        <p:cNvGrpSpPr/>
+        <p:nvPr/>
+      </p:nvGrpSpPr>
+      <p:grpSpPr>
+        <a:xfrm>
+          <a:off x="0" y="0"/>
+          <a:ext cx="0" cy="0"/>
+          <a:chOff x="0" y="0"/>
+          <a:chExt cx="0" cy="0"/>
+        </a:xfrm>
+      </p:grpSpPr>
+      <p:sp>
+        <p:nvSpPr>
+          <p:cNvPr id="2" name="Titre 1">
+            <a:extLst>
+              <a:ext uri="{FF2B5EF4-FFF2-40B4-BE49-F238E27FC236}">
+                <a16:creationId xmlns:a16="http://schemas.microsoft.com/office/drawing/2014/main" id="{B63247A7-194E-F489-760B-DEC2CE9CAFEE}"/>
+              </a:ext>
+            </a:extLst>
+          </p:cNvPr>
+          <p:cNvSpPr>
+            <a:spLocks noGrp="1"/>
+          </p:cNvSpPr>
+          <p:nvPr>
+            <p:ph type="title"/>
+          </p:nvPr>
+        </p:nvSpPr>
+        <p:spPr/>
+        <p:txBody>
+          <a:bodyPr/>
+          <a:lstStyle/>
+          <a:p>
+            <a:r>
+              <a:rPr lang="fr-FR" dirty="0" err="1"/>
+              <a:t>Straté</a:t>
+            </a:r>
+            <a:endParaRPr lang="fr-FR" dirty="0"/>
+          </a:p>
+        </p:txBody>
+      </p:sp>
+      <p:sp>
+        <p:nvSpPr>
+          <p:cNvPr id="3" name="Espace réservé du contenu 2">
+            <a:extLst>
+              <a:ext uri="{FF2B5EF4-FFF2-40B4-BE49-F238E27FC236}">
+                <a16:creationId xmlns:a16="http://schemas.microsoft.com/office/drawing/2014/main" id="{7112F2BC-B4F7-B536-E8A0-DAA1EFBE89C1}"/>
+              </a:ext>
+            </a:extLst>
+          </p:cNvPr>
+          <p:cNvSpPr>
+            <a:spLocks noGrp="1"/>
+          </p:cNvSpPr>
+          <p:nvPr>
+            <p:ph idx="1"/>
+          </p:nvPr>
+        </p:nvSpPr>
+        <p:spPr/>
+        <p:txBody>
+          <a:bodyPr/>
+          <a:lstStyle/>
+          <a:p>
+            <a:endParaRPr lang="fr-FR" dirty="0"/>
+          </a:p>
+        </p:txBody>
+      </p:sp>
+      <p:sp>
+        <p:nvSpPr>
+          <p:cNvPr id="4" name="Espace réservé du numéro de diapositive 3">
+            <a:extLst>
+              <a:ext uri="{FF2B5EF4-FFF2-40B4-BE49-F238E27FC236}">
+                <a16:creationId xmlns:a16="http://schemas.microsoft.com/office/drawing/2014/main" id="{A8F89971-F635-D7FA-C8F8-3DDFFF5456F2}"/>
+              </a:ext>
+            </a:extLst>
+          </p:cNvPr>
+          <p:cNvSpPr>
+            <a:spLocks noGrp="1"/>
+          </p:cNvSpPr>
+          <p:nvPr>
+            <p:ph type="sldNum" sz="quarter" idx="12"/>
+          </p:nvPr>
+        </p:nvSpPr>
+        <p:spPr/>
+        <p:txBody>
+          <a:bodyPr/>
+          <a:lstStyle/>
+          <a:p>
+            <a:fld id="{B7A6A38F-5C8E-497F-8761-3C4E0EEEA33A}" type="slidenum">
+              <a:rPr lang="fr-FR" smtClean="0"/>
+              <a:t>14</a:t>
+            </a:fld>
+            <a:endParaRPr lang="fr-FR"/>
+          </a:p>
+        </p:txBody>
+      </p:sp>
+    </p:spTree>
+    <p:extLst>
+      <p:ext uri="{BB962C8B-B14F-4D97-AF65-F5344CB8AC3E}">
+        <p14:creationId xmlns:p14="http://schemas.microsoft.com/office/powerpoint/2010/main" val="1595206771"/>
+      </p:ext>
+    </p:extLst>
+  </p:cSld>
+  <p:clrMapOvr>
+    <a:masterClrMapping/>
+  </p:clrMapOvr>
+</p:sld>
+</file>
+
+<file path=ppt/slides/slide15.xml><?xml version="1.0" encoding="utf-8"?>
+<p:sld xmlns:a="http://schemas.openxmlformats.org/drawingml/2006/main" xmlns:r="http://schemas.openxmlformats.org/officeDocument/2006/relationships" xmlns:p="http://schemas.openxmlformats.org/presentationml/2006/main">
+  <p:cSld>
+    <p:spTree>
+      <p:nvGrpSpPr>
+        <p:cNvPr id="1" name="">
+          <a:extLst>
+            <a:ext uri="{FF2B5EF4-FFF2-40B4-BE49-F238E27FC236}">
+              <a16:creationId xmlns:a16="http://schemas.microsoft.com/office/drawing/2014/main" id="{421812A0-EDA7-CB3B-F25B-EEC598F0CBB7}"/>
+            </a:ext>
+          </a:extLst>
+        </p:cNvPr>
+        <p:cNvGrpSpPr/>
+        <p:nvPr/>
+      </p:nvGrpSpPr>
+      <p:grpSpPr>
+        <a:xfrm>
+          <a:off x="0" y="0"/>
+          <a:ext cx="0" cy="0"/>
+          <a:chOff x="0" y="0"/>
+          <a:chExt cx="0" cy="0"/>
+        </a:xfrm>
+      </p:grpSpPr>
+      <p:sp>
+        <p:nvSpPr>
+          <p:cNvPr id="2" name="Titre 1">
+            <a:extLst>
+              <a:ext uri="{FF2B5EF4-FFF2-40B4-BE49-F238E27FC236}">
+                <a16:creationId xmlns:a16="http://schemas.microsoft.com/office/drawing/2014/main" id="{A12FE0A3-AD98-6FA1-C7CA-8DC1378AED4C}"/>
+              </a:ext>
+            </a:extLst>
+          </p:cNvPr>
+          <p:cNvSpPr>
+            <a:spLocks noGrp="1"/>
+          </p:cNvSpPr>
+          <p:nvPr>
+            <p:ph type="title"/>
+          </p:nvPr>
+        </p:nvSpPr>
+        <p:spPr/>
+        <p:txBody>
+          <a:bodyPr/>
+          <a:lstStyle/>
+          <a:p>
+            <a:endParaRPr lang="fr-FR"/>
+          </a:p>
+        </p:txBody>
+      </p:sp>
+      <p:sp>
+        <p:nvSpPr>
+          <p:cNvPr id="3" name="Espace réservé du contenu 2">
+            <a:extLst>
+              <a:ext uri="{FF2B5EF4-FFF2-40B4-BE49-F238E27FC236}">
+                <a16:creationId xmlns:a16="http://schemas.microsoft.com/office/drawing/2014/main" id="{ADA353C8-364F-839A-5F00-FD5A855A3C85}"/>
+              </a:ext>
+            </a:extLst>
+          </p:cNvPr>
+          <p:cNvSpPr>
+            <a:spLocks noGrp="1"/>
+          </p:cNvSpPr>
+          <p:nvPr>
+            <p:ph idx="1"/>
+          </p:nvPr>
+        </p:nvSpPr>
+        <p:spPr/>
+        <p:txBody>
+          <a:bodyPr/>
+          <a:lstStyle/>
+          <a:p>
+            <a:endParaRPr lang="fr-FR"/>
+          </a:p>
+        </p:txBody>
+      </p:sp>
+      <p:sp>
+        <p:nvSpPr>
+          <p:cNvPr id="4" name="Espace réservé du numéro de diapositive 3">
+            <a:extLst>
+              <a:ext uri="{FF2B5EF4-FFF2-40B4-BE49-F238E27FC236}">
+                <a16:creationId xmlns:a16="http://schemas.microsoft.com/office/drawing/2014/main" id="{0FF554B1-9283-9DE0-940A-59473651FA98}"/>
+              </a:ext>
+            </a:extLst>
+          </p:cNvPr>
+          <p:cNvSpPr>
+            <a:spLocks noGrp="1"/>
+          </p:cNvSpPr>
+          <p:nvPr>
+            <p:ph type="sldNum" sz="quarter" idx="12"/>
+          </p:nvPr>
+        </p:nvSpPr>
+        <p:spPr/>
+        <p:txBody>
+          <a:bodyPr/>
+          <a:lstStyle/>
+          <a:p>
+            <a:fld id="{B7A6A38F-5C8E-497F-8761-3C4E0EEEA33A}" type="slidenum">
+              <a:rPr lang="fr-FR" smtClean="0"/>
+              <a:t>15</a:t>
+            </a:fld>
+            <a:endParaRPr lang="fr-FR"/>
+          </a:p>
+        </p:txBody>
+      </p:sp>
+    </p:spTree>
+    <p:extLst>
+      <p:ext uri="{BB962C8B-B14F-4D97-AF65-F5344CB8AC3E}">
+        <p14:creationId xmlns:p14="http://schemas.microsoft.com/office/powerpoint/2010/main" val="3376964627"/>
       </p:ext>
     </p:extLst>
   </p:cSld>
@@ -17545,8 +18944,8 @@
           </a:p>
         </p:txBody>
       </p:sp>
-      <mc:AlternateContent xmlns:mc="http://schemas.openxmlformats.org/markup-compatibility/2006">
-        <mc:Choice xmlns:a14="http://schemas.microsoft.com/office/drawing/2010/main" Requires="a14">
+      <mc:AlternateContent xmlns:mc="http://schemas.openxmlformats.org/markup-compatibility/2006" xmlns:a14="http://schemas.microsoft.com/office/drawing/2010/main">
+        <mc:Choice Requires="a14">
           <p:sp>
             <p:nvSpPr>
               <p:cNvPr id="63" name="Espace réservé du contenu 11">
@@ -17942,13 +19341,7 @@
                       <a:rPr lang="fr-FR" sz="1400" b="0" i="0" smtClean="0">
                         <a:latin typeface="Cambria Math" panose="02040503050406030204" pitchFamily="18" charset="0"/>
                       </a:rPr>
-                      <m:t>=</m:t>
-                    </m:r>
-                    <m:r>
-                      <a:rPr lang="fr-FR" sz="1400" b="0" i="0" smtClean="0">
-                        <a:latin typeface="Cambria Math" panose="02040503050406030204" pitchFamily="18" charset="0"/>
-                      </a:rPr>
-                      <m:t>2−12+13=3</m:t>
+                      <m:t>=2−12+13=3</m:t>
                     </m:r>
                   </m:oMath>
                 </a14:m>
@@ -18183,25 +19576,7 @@
                       <a:rPr lang="fr-FR" sz="1400" b="0" i="1" smtClean="0">
                         <a:latin typeface="Cambria Math" panose="02040503050406030204" pitchFamily="18" charset="0"/>
                       </a:rPr>
-                      <m:t>=</m:t>
-                    </m:r>
-                    <m:r>
-                      <a:rPr lang="fr-FR" sz="1400" b="0" i="1" smtClean="0">
-                        <a:latin typeface="Cambria Math" panose="02040503050406030204" pitchFamily="18" charset="0"/>
-                      </a:rPr>
-                      <m:t>2</m:t>
-                    </m:r>
-                    <m:r>
-                      <a:rPr lang="fr-FR" sz="1400" b="0" i="1" smtClean="0">
-                        <a:latin typeface="Cambria Math" panose="02040503050406030204" pitchFamily="18" charset="0"/>
-                      </a:rPr>
-                      <m:t>×6</m:t>
-                    </m:r>
-                    <m:r>
-                      <a:rPr lang="fr-FR" sz="1400" b="0" i="1" smtClean="0">
-                        <a:latin typeface="Cambria Math" panose="02040503050406030204" pitchFamily="18" charset="0"/>
-                      </a:rPr>
-                      <m:t>=12</m:t>
+                      <m:t>=2×6=12</m:t>
                     </m:r>
                   </m:oMath>
                 </a14:m>
@@ -18271,25 +19646,7 @@
                       <a:rPr lang="fr-FR" sz="1400" b="0" i="1" smtClean="0">
                         <a:latin typeface="Cambria Math" panose="02040503050406030204" pitchFamily="18" charset="0"/>
                       </a:rPr>
-                      <m:t>=</m:t>
-                    </m:r>
-                    <m:r>
-                      <a:rPr lang="fr-FR" sz="1400" b="0" i="1" smtClean="0">
-                        <a:latin typeface="Cambria Math" panose="02040503050406030204" pitchFamily="18" charset="0"/>
-                      </a:rPr>
-                      <m:t>4</m:t>
-                    </m:r>
-                    <m:r>
-                      <a:rPr lang="fr-FR" sz="1400" b="0" i="1" smtClean="0">
-                        <a:latin typeface="Cambria Math" panose="02040503050406030204" pitchFamily="18" charset="0"/>
-                      </a:rPr>
-                      <m:t>×</m:t>
-                    </m:r>
-                    <m:r>
-                      <a:rPr lang="fr-FR" sz="1400" b="0" i="1" smtClean="0">
-                        <a:latin typeface="Cambria Math" panose="02040503050406030204" pitchFamily="18" charset="0"/>
-                      </a:rPr>
-                      <m:t>2+5×1=13</m:t>
+                      <m:t>=4×2+5×1=13</m:t>
                     </m:r>
                   </m:oMath>
                 </a14:m>
@@ -18633,7 +19990,7 @@
             </p:txBody>
           </p:sp>
         </mc:Choice>
-        <mc:Fallback>
+        <mc:Fallback xmlns="">
           <p:sp>
             <p:nvSpPr>
               <p:cNvPr id="63" name="Espace réservé du contenu 11">
@@ -19055,8 +20412,8 @@
             <a:effectLst/>
           </p:spPr>
         </p:cxnSp>
-        <mc:AlternateContent xmlns:mc="http://schemas.openxmlformats.org/markup-compatibility/2006">
-          <mc:Choice xmlns:a14="http://schemas.microsoft.com/office/drawing/2010/main" Requires="a14">
+        <mc:AlternateContent xmlns:mc="http://schemas.openxmlformats.org/markup-compatibility/2006" xmlns:a14="http://schemas.microsoft.com/office/drawing/2010/main">
+          <mc:Choice Requires="a14">
             <p:sp>
               <p:nvSpPr>
                 <p:cNvPr id="15" name="ZoneTexte 14">
@@ -19220,7 +20577,7 @@
               </p:txBody>
             </p:sp>
           </mc:Choice>
-          <mc:Fallback>
+          <mc:Fallback xmlns="">
             <p:sp>
               <p:nvSpPr>
                 <p:cNvPr id="15" name="ZoneTexte 14">
@@ -19311,8 +20668,8 @@
             <a:effectLst/>
           </p:spPr>
         </p:cxnSp>
-        <mc:AlternateContent xmlns:mc="http://schemas.openxmlformats.org/markup-compatibility/2006">
-          <mc:Choice xmlns:a14="http://schemas.microsoft.com/office/drawing/2010/main" Requires="a14">
+        <mc:AlternateContent xmlns:mc="http://schemas.openxmlformats.org/markup-compatibility/2006" xmlns:a14="http://schemas.microsoft.com/office/drawing/2010/main">
+          <mc:Choice Requires="a14">
             <p:sp>
               <p:nvSpPr>
                 <p:cNvPr id="17" name="ZoneTexte 16">
@@ -19472,7 +20829,7 @@
               </p:txBody>
             </p:sp>
           </mc:Choice>
-          <mc:Fallback>
+          <mc:Fallback xmlns="">
             <p:sp>
               <p:nvSpPr>
                 <p:cNvPr id="17" name="ZoneTexte 16">
@@ -20234,8 +21591,8 @@
             <a:effectLst/>
           </p:spPr>
         </p:cxnSp>
-        <mc:AlternateContent xmlns:mc="http://schemas.openxmlformats.org/markup-compatibility/2006">
-          <mc:Choice xmlns:a14="http://schemas.microsoft.com/office/drawing/2010/main" Requires="a14">
+        <mc:AlternateContent xmlns:mc="http://schemas.openxmlformats.org/markup-compatibility/2006" xmlns:a14="http://schemas.microsoft.com/office/drawing/2010/main">
+          <mc:Choice Requires="a14">
             <p:sp>
               <p:nvSpPr>
                 <p:cNvPr id="33" name="ZoneTexte 32">
@@ -20399,7 +21756,7 @@
               </p:txBody>
             </p:sp>
           </mc:Choice>
-          <mc:Fallback>
+          <mc:Fallback xmlns="">
             <p:sp>
               <p:nvSpPr>
                 <p:cNvPr id="33" name="ZoneTexte 32">
